--- a/Dokumente/Sprint-Backlog/Sprint-Backlog3.pptx
+++ b/Dokumente/Sprint-Backlog/Sprint-Backlog3.pptx
@@ -5,7 +5,7 @@
     <p:sldMasterId id="2147483751" r:id="rId1"/>
   </p:sldMasterIdLst>
   <p:notesMasterIdLst>
-    <p:notesMasterId r:id="rId20"/>
+    <p:notesMasterId r:id="rId24"/>
   </p:notesMasterIdLst>
   <p:sldIdLst>
     <p:sldId id="256" r:id="rId2"/>
@@ -13,19 +13,23 @@
     <p:sldId id="276" r:id="rId4"/>
     <p:sldId id="286" r:id="rId5"/>
     <p:sldId id="283" r:id="rId6"/>
-    <p:sldId id="285" r:id="rId7"/>
-    <p:sldId id="259" r:id="rId8"/>
-    <p:sldId id="279" r:id="rId9"/>
-    <p:sldId id="280" r:id="rId10"/>
-    <p:sldId id="281" r:id="rId11"/>
-    <p:sldId id="278" r:id="rId12"/>
-    <p:sldId id="267" r:id="rId13"/>
-    <p:sldId id="284" r:id="rId14"/>
-    <p:sldId id="270" r:id="rId15"/>
-    <p:sldId id="262" r:id="rId16"/>
-    <p:sldId id="263" r:id="rId17"/>
-    <p:sldId id="264" r:id="rId18"/>
-    <p:sldId id="275" r:id="rId19"/>
+    <p:sldId id="287" r:id="rId7"/>
+    <p:sldId id="285" r:id="rId8"/>
+    <p:sldId id="288" r:id="rId9"/>
+    <p:sldId id="289" r:id="rId10"/>
+    <p:sldId id="290" r:id="rId11"/>
+    <p:sldId id="259" r:id="rId12"/>
+    <p:sldId id="279" r:id="rId13"/>
+    <p:sldId id="280" r:id="rId14"/>
+    <p:sldId id="281" r:id="rId15"/>
+    <p:sldId id="278" r:id="rId16"/>
+    <p:sldId id="267" r:id="rId17"/>
+    <p:sldId id="284" r:id="rId18"/>
+    <p:sldId id="270" r:id="rId19"/>
+    <p:sldId id="262" r:id="rId20"/>
+    <p:sldId id="263" r:id="rId21"/>
+    <p:sldId id="264" r:id="rId22"/>
+    <p:sldId id="275" r:id="rId23"/>
   </p:sldIdLst>
   <p:sldSz cx="12192000" cy="6858000"/>
   <p:notesSz cx="6858000" cy="9144000"/>
@@ -459,6 +463,992 @@
 </pc:chgInfo>
 </file>
 
+<file path=ppt/charts/chart1.xml><?xml version="1.0" encoding="utf-8"?>
+<c:chartSpace xmlns:c="http://schemas.openxmlformats.org/drawingml/2006/chart" xmlns:a="http://schemas.openxmlformats.org/drawingml/2006/main" xmlns:r="http://schemas.openxmlformats.org/officeDocument/2006/relationships" xmlns:c16r2="http://schemas.microsoft.com/office/drawing/2015/06/chart">
+  <c:date1904 val="0"/>
+  <c:lang val="de-DE"/>
+  <c:roundedCorners val="0"/>
+  <mc:AlternateContent xmlns:mc="http://schemas.openxmlformats.org/markup-compatibility/2006">
+    <mc:Choice xmlns:c14="http://schemas.microsoft.com/office/drawing/2007/8/2/chart" Requires="c14">
+      <c14:style val="102"/>
+    </mc:Choice>
+    <mc:Fallback>
+      <c:style val="2"/>
+    </mc:Fallback>
+  </mc:AlternateContent>
+  <c:chart>
+    <c:autoTitleDeleted val="1"/>
+    <c:plotArea>
+      <c:layout/>
+      <c:lineChart>
+        <c:grouping val="standard"/>
+        <c:varyColors val="0"/>
+        <c:ser>
+          <c:idx val="0"/>
+          <c:order val="0"/>
+          <c:tx>
+            <c:strRef>
+              <c:f>Tabelle1!$B$1</c:f>
+              <c:strCache>
+                <c:ptCount val="1"/>
+                <c:pt idx="0">
+                  <c:v>Soll</c:v>
+                </c:pt>
+              </c:strCache>
+            </c:strRef>
+          </c:tx>
+          <c:spPr>
+            <a:ln w="28575" cap="rnd">
+              <a:solidFill>
+                <a:schemeClr val="accent1"/>
+              </a:solidFill>
+              <a:round/>
+            </a:ln>
+            <a:effectLst/>
+          </c:spPr>
+          <c:marker>
+            <c:symbol val="circle"/>
+            <c:size val="5"/>
+            <c:spPr>
+              <a:solidFill>
+                <a:schemeClr val="accent1"/>
+              </a:solidFill>
+              <a:ln w="9525">
+                <a:solidFill>
+                  <a:schemeClr val="accent1"/>
+                </a:solidFill>
+              </a:ln>
+              <a:effectLst/>
+            </c:spPr>
+          </c:marker>
+          <c:cat>
+            <c:strRef>
+              <c:f>Tabelle1!$A$2:$A$4</c:f>
+              <c:strCache>
+                <c:ptCount val="3"/>
+                <c:pt idx="0">
+                  <c:v>Sprint 1</c:v>
+                </c:pt>
+                <c:pt idx="1">
+                  <c:v>Sprint 2</c:v>
+                </c:pt>
+                <c:pt idx="2">
+                  <c:v>Sprint 3</c:v>
+                </c:pt>
+              </c:strCache>
+            </c:strRef>
+          </c:cat>
+          <c:val>
+            <c:numRef>
+              <c:f>Tabelle1!$B$2:$B$4</c:f>
+              <c:numCache>
+                <c:formatCode>General</c:formatCode>
+                <c:ptCount val="3"/>
+                <c:pt idx="0">
+                  <c:v>48.5</c:v>
+                </c:pt>
+                <c:pt idx="1">
+                  <c:v>42</c:v>
+                </c:pt>
+                <c:pt idx="2">
+                  <c:v>45</c:v>
+                </c:pt>
+              </c:numCache>
+            </c:numRef>
+          </c:val>
+          <c:smooth val="0"/>
+          <c:extLst>
+            <c:ext xmlns:c16="http://schemas.microsoft.com/office/drawing/2014/chart" uri="{C3380CC4-5D6E-409C-BE32-E72D297353CC}">
+              <c16:uniqueId val="{00000000-11DB-4676-9A53-42C9B21C323C}"/>
+            </c:ext>
+          </c:extLst>
+        </c:ser>
+        <c:ser>
+          <c:idx val="1"/>
+          <c:order val="1"/>
+          <c:tx>
+            <c:strRef>
+              <c:f>Tabelle1!$C$1</c:f>
+              <c:strCache>
+                <c:ptCount val="1"/>
+                <c:pt idx="0">
+                  <c:v>Ist</c:v>
+                </c:pt>
+              </c:strCache>
+            </c:strRef>
+          </c:tx>
+          <c:spPr>
+            <a:ln w="28575" cap="rnd">
+              <a:solidFill>
+                <a:schemeClr val="accent3"/>
+              </a:solidFill>
+              <a:round/>
+            </a:ln>
+            <a:effectLst/>
+          </c:spPr>
+          <c:marker>
+            <c:symbol val="circle"/>
+            <c:size val="5"/>
+            <c:spPr>
+              <a:solidFill>
+                <a:schemeClr val="accent3"/>
+              </a:solidFill>
+              <a:ln w="9525">
+                <a:solidFill>
+                  <a:schemeClr val="accent3"/>
+                </a:solidFill>
+              </a:ln>
+              <a:effectLst/>
+            </c:spPr>
+          </c:marker>
+          <c:dPt>
+            <c:idx val="0"/>
+            <c:marker>
+              <c:symbol val="circle"/>
+              <c:size val="5"/>
+              <c:spPr>
+                <a:solidFill>
+                  <a:schemeClr val="accent3"/>
+                </a:solidFill>
+                <a:ln w="9525">
+                  <a:solidFill>
+                    <a:schemeClr val="accent3"/>
+                  </a:solidFill>
+                </a:ln>
+                <a:effectLst/>
+              </c:spPr>
+            </c:marker>
+            <c:bubble3D val="0"/>
+            <c:extLst>
+              <c:ext xmlns:c16="http://schemas.microsoft.com/office/drawing/2014/chart" uri="{C3380CC4-5D6E-409C-BE32-E72D297353CC}">
+                <c16:uniqueId val="{00000005-11DB-4676-9A53-42C9B21C323C}"/>
+              </c:ext>
+            </c:extLst>
+          </c:dPt>
+          <c:dPt>
+            <c:idx val="1"/>
+            <c:marker>
+              <c:symbol val="circle"/>
+              <c:size val="5"/>
+              <c:spPr>
+                <a:solidFill>
+                  <a:schemeClr val="accent3"/>
+                </a:solidFill>
+                <a:ln w="9525">
+                  <a:solidFill>
+                    <a:schemeClr val="accent3"/>
+                  </a:solidFill>
+                </a:ln>
+                <a:effectLst/>
+              </c:spPr>
+            </c:marker>
+            <c:bubble3D val="0"/>
+            <c:extLst>
+              <c:ext xmlns:c16="http://schemas.microsoft.com/office/drawing/2014/chart" uri="{C3380CC4-5D6E-409C-BE32-E72D297353CC}">
+                <c16:uniqueId val="{00000004-11DB-4676-9A53-42C9B21C323C}"/>
+              </c:ext>
+            </c:extLst>
+          </c:dPt>
+          <c:dPt>
+            <c:idx val="2"/>
+            <c:marker>
+              <c:symbol val="circle"/>
+              <c:size val="5"/>
+              <c:spPr>
+                <a:solidFill>
+                  <a:schemeClr val="accent3"/>
+                </a:solidFill>
+                <a:ln w="9525">
+                  <a:solidFill>
+                    <a:schemeClr val="accent3"/>
+                  </a:solidFill>
+                </a:ln>
+                <a:effectLst/>
+              </c:spPr>
+            </c:marker>
+            <c:bubble3D val="0"/>
+            <c:extLst>
+              <c:ext xmlns:c16="http://schemas.microsoft.com/office/drawing/2014/chart" uri="{C3380CC4-5D6E-409C-BE32-E72D297353CC}">
+                <c16:uniqueId val="{00000003-11DB-4676-9A53-42C9B21C323C}"/>
+              </c:ext>
+            </c:extLst>
+          </c:dPt>
+          <c:cat>
+            <c:strRef>
+              <c:f>Tabelle1!$A$2:$A$4</c:f>
+              <c:strCache>
+                <c:ptCount val="3"/>
+                <c:pt idx="0">
+                  <c:v>Sprint 1</c:v>
+                </c:pt>
+                <c:pt idx="1">
+                  <c:v>Sprint 2</c:v>
+                </c:pt>
+                <c:pt idx="2">
+                  <c:v>Sprint 3</c:v>
+                </c:pt>
+              </c:strCache>
+            </c:strRef>
+          </c:cat>
+          <c:val>
+            <c:numRef>
+              <c:f>Tabelle1!$C$2:$C$4</c:f>
+              <c:numCache>
+                <c:formatCode>General</c:formatCode>
+                <c:ptCount val="3"/>
+                <c:pt idx="0">
+                  <c:v>34</c:v>
+                </c:pt>
+                <c:pt idx="1">
+                  <c:v>42</c:v>
+                </c:pt>
+                <c:pt idx="2">
+                  <c:v>49</c:v>
+                </c:pt>
+              </c:numCache>
+            </c:numRef>
+          </c:val>
+          <c:smooth val="0"/>
+          <c:extLst>
+            <c:ext xmlns:c16="http://schemas.microsoft.com/office/drawing/2014/chart" uri="{C3380CC4-5D6E-409C-BE32-E72D297353CC}">
+              <c16:uniqueId val="{00000001-11DB-4676-9A53-42C9B21C323C}"/>
+            </c:ext>
+          </c:extLst>
+        </c:ser>
+        <c:dLbls>
+          <c:showLegendKey val="0"/>
+          <c:showVal val="0"/>
+          <c:showCatName val="0"/>
+          <c:showSerName val="0"/>
+          <c:showPercent val="0"/>
+          <c:showBubbleSize val="0"/>
+        </c:dLbls>
+        <c:marker val="1"/>
+        <c:smooth val="0"/>
+        <c:axId val="1526720592"/>
+        <c:axId val="1526715792"/>
+      </c:lineChart>
+      <c:catAx>
+        <c:axId val="1526720592"/>
+        <c:scaling>
+          <c:orientation val="minMax"/>
+        </c:scaling>
+        <c:delete val="0"/>
+        <c:axPos val="b"/>
+        <c:numFmt formatCode="General" sourceLinked="1"/>
+        <c:majorTickMark val="none"/>
+        <c:minorTickMark val="none"/>
+        <c:tickLblPos val="nextTo"/>
+        <c:spPr>
+          <a:noFill/>
+          <a:ln w="9525" cap="flat" cmpd="sng" algn="ctr">
+            <a:solidFill>
+              <a:schemeClr val="tx1">
+                <a:lumMod val="15000"/>
+                <a:lumOff val="85000"/>
+              </a:schemeClr>
+            </a:solidFill>
+            <a:round/>
+          </a:ln>
+          <a:effectLst/>
+        </c:spPr>
+        <c:txPr>
+          <a:bodyPr rot="-60000000" spcFirstLastPara="1" vertOverflow="ellipsis" vert="horz" wrap="square" anchor="ctr" anchorCtr="1"/>
+          <a:lstStyle/>
+          <a:p>
+            <a:pPr>
+              <a:defRPr sz="1197" b="0" i="0" u="none" strike="noStrike" kern="1200" baseline="0">
+                <a:solidFill>
+                  <a:schemeClr val="tx1">
+                    <a:lumMod val="65000"/>
+                    <a:lumOff val="35000"/>
+                  </a:schemeClr>
+                </a:solidFill>
+                <a:latin typeface="+mn-lt"/>
+                <a:ea typeface="+mn-ea"/>
+                <a:cs typeface="+mn-cs"/>
+              </a:defRPr>
+            </a:pPr>
+            <a:endParaRPr lang="de-DE"/>
+          </a:p>
+        </c:txPr>
+        <c:crossAx val="1526715792"/>
+        <c:crosses val="autoZero"/>
+        <c:auto val="1"/>
+        <c:lblAlgn val="ctr"/>
+        <c:lblOffset val="100"/>
+        <c:noMultiLvlLbl val="0"/>
+      </c:catAx>
+      <c:valAx>
+        <c:axId val="1526715792"/>
+        <c:scaling>
+          <c:orientation val="minMax"/>
+          <c:min val="20"/>
+        </c:scaling>
+        <c:delete val="0"/>
+        <c:axPos val="l"/>
+        <c:majorGridlines>
+          <c:spPr>
+            <a:ln w="9525" cap="flat" cmpd="sng" algn="ctr">
+              <a:solidFill>
+                <a:schemeClr val="tx1">
+                  <a:lumMod val="15000"/>
+                  <a:lumOff val="85000"/>
+                </a:schemeClr>
+              </a:solidFill>
+              <a:round/>
+            </a:ln>
+            <a:effectLst/>
+          </c:spPr>
+        </c:majorGridlines>
+        <c:numFmt formatCode="General" sourceLinked="1"/>
+        <c:majorTickMark val="none"/>
+        <c:minorTickMark val="none"/>
+        <c:tickLblPos val="nextTo"/>
+        <c:spPr>
+          <a:noFill/>
+          <a:ln>
+            <a:noFill/>
+          </a:ln>
+          <a:effectLst/>
+        </c:spPr>
+        <c:txPr>
+          <a:bodyPr rot="-60000000" spcFirstLastPara="1" vertOverflow="ellipsis" vert="horz" wrap="square" anchor="ctr" anchorCtr="1"/>
+          <a:lstStyle/>
+          <a:p>
+            <a:pPr>
+              <a:defRPr sz="1197" b="0" i="0" u="none" strike="noStrike" kern="1200" baseline="0">
+                <a:solidFill>
+                  <a:schemeClr val="tx1">
+                    <a:lumMod val="65000"/>
+                    <a:lumOff val="35000"/>
+                  </a:schemeClr>
+                </a:solidFill>
+                <a:latin typeface="+mn-lt"/>
+                <a:ea typeface="+mn-ea"/>
+                <a:cs typeface="+mn-cs"/>
+              </a:defRPr>
+            </a:pPr>
+            <a:endParaRPr lang="de-DE"/>
+          </a:p>
+        </c:txPr>
+        <c:crossAx val="1526720592"/>
+        <c:crosses val="autoZero"/>
+        <c:crossBetween val="between"/>
+      </c:valAx>
+      <c:spPr>
+        <a:noFill/>
+        <a:ln>
+          <a:noFill/>
+        </a:ln>
+        <a:effectLst/>
+      </c:spPr>
+    </c:plotArea>
+    <c:legend>
+      <c:legendPos val="b"/>
+      <c:overlay val="0"/>
+      <c:spPr>
+        <a:noFill/>
+        <a:ln>
+          <a:noFill/>
+        </a:ln>
+        <a:effectLst/>
+      </c:spPr>
+      <c:txPr>
+        <a:bodyPr rot="0" spcFirstLastPara="1" vertOverflow="ellipsis" vert="horz" wrap="square" anchor="ctr" anchorCtr="1"/>
+        <a:lstStyle/>
+        <a:p>
+          <a:pPr>
+            <a:defRPr sz="1197" b="0" i="0" u="none" strike="noStrike" kern="1200" baseline="0">
+              <a:solidFill>
+                <a:schemeClr val="tx1">
+                  <a:lumMod val="65000"/>
+                  <a:lumOff val="35000"/>
+                </a:schemeClr>
+              </a:solidFill>
+              <a:latin typeface="+mn-lt"/>
+              <a:ea typeface="+mn-ea"/>
+              <a:cs typeface="+mn-cs"/>
+            </a:defRPr>
+          </a:pPr>
+          <a:endParaRPr lang="de-DE"/>
+        </a:p>
+      </c:txPr>
+    </c:legend>
+    <c:plotVisOnly val="1"/>
+    <c:dispBlanksAs val="gap"/>
+    <c:extLst>
+      <c:ext xmlns:c16r3="http://schemas.microsoft.com/office/drawing/2017/03/chart" uri="{56B9EC1D-385E-4148-901F-78D8002777C0}">
+        <c16r3:dataDisplayOptions16>
+          <c16r3:dispNaAsBlank val="1"/>
+        </c16r3:dataDisplayOptions16>
+      </c:ext>
+    </c:extLst>
+    <c:showDLblsOverMax val="0"/>
+  </c:chart>
+  <c:spPr>
+    <a:noFill/>
+    <a:ln>
+      <a:noFill/>
+    </a:ln>
+    <a:effectLst/>
+  </c:spPr>
+  <c:txPr>
+    <a:bodyPr/>
+    <a:lstStyle/>
+    <a:p>
+      <a:pPr>
+        <a:defRPr/>
+      </a:pPr>
+      <a:endParaRPr lang="de-DE"/>
+    </a:p>
+  </c:txPr>
+  <c:externalData r:id="rId3">
+    <c:autoUpdate val="0"/>
+  </c:externalData>
+</c:chartSpace>
+</file>
+
+<file path=ppt/charts/colors1.xml><?xml version="1.0" encoding="utf-8"?>
+<cs:colorStyle xmlns:cs="http://schemas.microsoft.com/office/drawing/2012/chartStyle" xmlns:a="http://schemas.openxmlformats.org/drawingml/2006/main" meth="cycle" id="11">
+  <a:schemeClr val="accent1"/>
+  <a:schemeClr val="accent3"/>
+  <a:schemeClr val="accent5"/>
+  <cs:variation/>
+  <cs:variation>
+    <a:lumMod val="60000"/>
+  </cs:variation>
+  <cs:variation>
+    <a:lumMod val="80000"/>
+    <a:lumOff val="20000"/>
+  </cs:variation>
+  <cs:variation>
+    <a:lumMod val="80000"/>
+  </cs:variation>
+  <cs:variation>
+    <a:lumMod val="60000"/>
+    <a:lumOff val="40000"/>
+  </cs:variation>
+  <cs:variation>
+    <a:lumMod val="50000"/>
+  </cs:variation>
+  <cs:variation>
+    <a:lumMod val="70000"/>
+    <a:lumOff val="30000"/>
+  </cs:variation>
+  <cs:variation>
+    <a:lumMod val="70000"/>
+  </cs:variation>
+  <cs:variation>
+    <a:lumMod val="50000"/>
+    <a:lumOff val="50000"/>
+  </cs:variation>
+</cs:colorStyle>
+</file>
+
+<file path=ppt/charts/style1.xml><?xml version="1.0" encoding="utf-8"?>
+<cs:chartStyle xmlns:cs="http://schemas.microsoft.com/office/drawing/2012/chartStyle" xmlns:a="http://schemas.openxmlformats.org/drawingml/2006/main" id="332">
+  <cs:axisTitle>
+    <cs:lnRef idx="0"/>
+    <cs:fillRef idx="0"/>
+    <cs:effectRef idx="0"/>
+    <cs:fontRef idx="minor">
+      <a:schemeClr val="tx1">
+        <a:lumMod val="65000"/>
+        <a:lumOff val="35000"/>
+      </a:schemeClr>
+    </cs:fontRef>
+    <cs:defRPr sz="1330" kern="1200"/>
+  </cs:axisTitle>
+  <cs:categoryAxis>
+    <cs:lnRef idx="0"/>
+    <cs:fillRef idx="0"/>
+    <cs:effectRef idx="0"/>
+    <cs:fontRef idx="minor">
+      <a:schemeClr val="tx1">
+        <a:lumMod val="65000"/>
+        <a:lumOff val="35000"/>
+      </a:schemeClr>
+    </cs:fontRef>
+    <cs:spPr>
+      <a:ln w="9525" cap="flat" cmpd="sng" algn="ctr">
+        <a:solidFill>
+          <a:schemeClr val="tx1">
+            <a:lumMod val="15000"/>
+            <a:lumOff val="85000"/>
+          </a:schemeClr>
+        </a:solidFill>
+        <a:round/>
+      </a:ln>
+    </cs:spPr>
+    <cs:defRPr sz="1197" kern="1200"/>
+  </cs:categoryAxis>
+  <cs:chartArea mods="allowNoFillOverride allowNoLineOverride">
+    <cs:lnRef idx="0"/>
+    <cs:fillRef idx="0"/>
+    <cs:effectRef idx="0"/>
+    <cs:fontRef idx="minor">
+      <a:schemeClr val="tx1"/>
+    </cs:fontRef>
+    <cs:spPr>
+      <a:solidFill>
+        <a:schemeClr val="bg1"/>
+      </a:solidFill>
+      <a:ln w="9525" cap="flat" cmpd="sng" algn="ctr">
+        <a:solidFill>
+          <a:schemeClr val="tx1">
+            <a:lumMod val="15000"/>
+            <a:lumOff val="85000"/>
+          </a:schemeClr>
+        </a:solidFill>
+        <a:round/>
+      </a:ln>
+    </cs:spPr>
+    <cs:defRPr sz="1330" kern="1200"/>
+  </cs:chartArea>
+  <cs:dataLabel>
+    <cs:lnRef idx="0"/>
+    <cs:fillRef idx="0"/>
+    <cs:effectRef idx="0"/>
+    <cs:fontRef idx="minor">
+      <a:schemeClr val="tx1">
+        <a:lumMod val="75000"/>
+        <a:lumOff val="25000"/>
+      </a:schemeClr>
+    </cs:fontRef>
+    <cs:defRPr sz="1197" kern="1200"/>
+  </cs:dataLabel>
+  <cs:dataLabelCallout>
+    <cs:lnRef idx="0"/>
+    <cs:fillRef idx="0"/>
+    <cs:effectRef idx="0"/>
+    <cs:fontRef idx="minor">
+      <a:schemeClr val="dk1">
+        <a:lumMod val="65000"/>
+        <a:lumOff val="35000"/>
+      </a:schemeClr>
+    </cs:fontRef>
+    <cs:spPr>
+      <a:solidFill>
+        <a:schemeClr val="lt1"/>
+      </a:solidFill>
+      <a:ln>
+        <a:solidFill>
+          <a:schemeClr val="dk1">
+            <a:lumMod val="25000"/>
+            <a:lumOff val="75000"/>
+          </a:schemeClr>
+        </a:solidFill>
+      </a:ln>
+    </cs:spPr>
+    <cs:defRPr sz="1197" kern="1200"/>
+    <cs:bodyPr rot="0" spcFirstLastPara="1" vertOverflow="clip" horzOverflow="clip" vert="horz" wrap="square" lIns="36576" tIns="18288" rIns="36576" bIns="18288" anchor="ctr" anchorCtr="1">
+      <a:spAutoFit/>
+    </cs:bodyPr>
+  </cs:dataLabelCallout>
+  <cs:dataPoint>
+    <cs:lnRef idx="0"/>
+    <cs:fillRef idx="1">
+      <cs:styleClr val="auto"/>
+    </cs:fillRef>
+    <cs:effectRef idx="0"/>
+    <cs:fontRef idx="minor">
+      <a:schemeClr val="tx1"/>
+    </cs:fontRef>
+  </cs:dataPoint>
+  <cs:dataPoint3D>
+    <cs:lnRef idx="0"/>
+    <cs:fillRef idx="1">
+      <cs:styleClr val="auto"/>
+    </cs:fillRef>
+    <cs:effectRef idx="0"/>
+    <cs:fontRef idx="minor">
+      <a:schemeClr val="tx1"/>
+    </cs:fontRef>
+  </cs:dataPoint3D>
+  <cs:dataPointLine>
+    <cs:lnRef idx="0">
+      <cs:styleClr val="auto"/>
+    </cs:lnRef>
+    <cs:fillRef idx="1"/>
+    <cs:effectRef idx="0"/>
+    <cs:fontRef idx="minor">
+      <a:schemeClr val="tx1"/>
+    </cs:fontRef>
+    <cs:spPr>
+      <a:ln w="28575" cap="rnd">
+        <a:solidFill>
+          <a:schemeClr val="phClr"/>
+        </a:solidFill>
+        <a:round/>
+      </a:ln>
+    </cs:spPr>
+  </cs:dataPointLine>
+  <cs:dataPointMarker>
+    <cs:lnRef idx="0">
+      <cs:styleClr val="auto"/>
+    </cs:lnRef>
+    <cs:fillRef idx="1">
+      <cs:styleClr val="auto"/>
+    </cs:fillRef>
+    <cs:effectRef idx="0"/>
+    <cs:fontRef idx="minor">
+      <a:schemeClr val="tx1"/>
+    </cs:fontRef>
+    <cs:spPr>
+      <a:ln w="9525">
+        <a:solidFill>
+          <a:schemeClr val="phClr"/>
+        </a:solidFill>
+      </a:ln>
+    </cs:spPr>
+  </cs:dataPointMarker>
+  <cs:dataPointMarkerLayout symbol="circle" size="5"/>
+  <cs:dataPointWireframe>
+    <cs:lnRef idx="0">
+      <cs:styleClr val="auto"/>
+    </cs:lnRef>
+    <cs:fillRef idx="1"/>
+    <cs:effectRef idx="0"/>
+    <cs:fontRef idx="minor">
+      <a:schemeClr val="tx1"/>
+    </cs:fontRef>
+    <cs:spPr>
+      <a:ln w="9525" cap="rnd">
+        <a:solidFill>
+          <a:schemeClr val="phClr"/>
+        </a:solidFill>
+        <a:round/>
+      </a:ln>
+    </cs:spPr>
+  </cs:dataPointWireframe>
+  <cs:dataTable>
+    <cs:lnRef idx="0"/>
+    <cs:fillRef idx="0"/>
+    <cs:effectRef idx="0"/>
+    <cs:fontRef idx="minor">
+      <a:schemeClr val="tx1">
+        <a:lumMod val="65000"/>
+        <a:lumOff val="35000"/>
+      </a:schemeClr>
+    </cs:fontRef>
+    <cs:spPr>
+      <a:noFill/>
+      <a:ln w="9525" cap="flat" cmpd="sng" algn="ctr">
+        <a:solidFill>
+          <a:schemeClr val="tx1">
+            <a:lumMod val="15000"/>
+            <a:lumOff val="85000"/>
+          </a:schemeClr>
+        </a:solidFill>
+        <a:round/>
+      </a:ln>
+    </cs:spPr>
+    <cs:defRPr sz="1197" kern="1200"/>
+  </cs:dataTable>
+  <cs:downBar>
+    <cs:lnRef idx="0"/>
+    <cs:fillRef idx="0"/>
+    <cs:effectRef idx="0"/>
+    <cs:fontRef idx="minor">
+      <a:schemeClr val="dk1"/>
+    </cs:fontRef>
+    <cs:spPr>
+      <a:solidFill>
+        <a:schemeClr val="dk1">
+          <a:lumMod val="65000"/>
+          <a:lumOff val="35000"/>
+        </a:schemeClr>
+      </a:solidFill>
+      <a:ln w="9525">
+        <a:solidFill>
+          <a:schemeClr val="tx1">
+            <a:lumMod val="65000"/>
+            <a:lumOff val="35000"/>
+          </a:schemeClr>
+        </a:solidFill>
+      </a:ln>
+    </cs:spPr>
+  </cs:downBar>
+  <cs:dropLine>
+    <cs:lnRef idx="0"/>
+    <cs:fillRef idx="0"/>
+    <cs:effectRef idx="0"/>
+    <cs:fontRef idx="minor">
+      <a:schemeClr val="tx1"/>
+    </cs:fontRef>
+    <cs:spPr>
+      <a:ln w="9525" cap="flat" cmpd="sng" algn="ctr">
+        <a:solidFill>
+          <a:schemeClr val="tx1">
+            <a:lumMod val="35000"/>
+            <a:lumOff val="65000"/>
+          </a:schemeClr>
+        </a:solidFill>
+        <a:round/>
+      </a:ln>
+    </cs:spPr>
+  </cs:dropLine>
+  <cs:errorBar>
+    <cs:lnRef idx="0"/>
+    <cs:fillRef idx="0"/>
+    <cs:effectRef idx="0"/>
+    <cs:fontRef idx="minor">
+      <a:schemeClr val="tx1"/>
+    </cs:fontRef>
+    <cs:spPr>
+      <a:ln w="9525" cap="flat" cmpd="sng" algn="ctr">
+        <a:solidFill>
+          <a:schemeClr val="tx1">
+            <a:lumMod val="65000"/>
+            <a:lumOff val="35000"/>
+          </a:schemeClr>
+        </a:solidFill>
+        <a:round/>
+      </a:ln>
+    </cs:spPr>
+  </cs:errorBar>
+  <cs:floor>
+    <cs:lnRef idx="0"/>
+    <cs:fillRef idx="0"/>
+    <cs:effectRef idx="0"/>
+    <cs:fontRef idx="minor">
+      <a:schemeClr val="tx1"/>
+    </cs:fontRef>
+    <cs:spPr>
+      <a:noFill/>
+      <a:ln>
+        <a:noFill/>
+      </a:ln>
+    </cs:spPr>
+  </cs:floor>
+  <cs:gridlineMajor>
+    <cs:lnRef idx="0"/>
+    <cs:fillRef idx="0"/>
+    <cs:effectRef idx="0"/>
+    <cs:fontRef idx="minor">
+      <a:schemeClr val="tx1"/>
+    </cs:fontRef>
+    <cs:spPr>
+      <a:ln w="9525" cap="flat" cmpd="sng" algn="ctr">
+        <a:solidFill>
+          <a:schemeClr val="tx1">
+            <a:lumMod val="15000"/>
+            <a:lumOff val="85000"/>
+          </a:schemeClr>
+        </a:solidFill>
+        <a:round/>
+      </a:ln>
+    </cs:spPr>
+  </cs:gridlineMajor>
+  <cs:gridlineMinor>
+    <cs:lnRef idx="0"/>
+    <cs:fillRef idx="0"/>
+    <cs:effectRef idx="0"/>
+    <cs:fontRef idx="minor">
+      <a:schemeClr val="tx1"/>
+    </cs:fontRef>
+    <cs:spPr>
+      <a:ln w="9525" cap="flat" cmpd="sng" algn="ctr">
+        <a:solidFill>
+          <a:schemeClr val="tx1">
+            <a:lumMod val="5000"/>
+            <a:lumOff val="95000"/>
+          </a:schemeClr>
+        </a:solidFill>
+        <a:round/>
+      </a:ln>
+    </cs:spPr>
+  </cs:gridlineMinor>
+  <cs:hiLoLine>
+    <cs:lnRef idx="0"/>
+    <cs:fillRef idx="0"/>
+    <cs:effectRef idx="0"/>
+    <cs:fontRef idx="minor">
+      <a:schemeClr val="tx1"/>
+    </cs:fontRef>
+    <cs:spPr>
+      <a:ln w="9525" cap="flat" cmpd="sng" algn="ctr">
+        <a:solidFill>
+          <a:schemeClr val="tx1">
+            <a:lumMod val="75000"/>
+            <a:lumOff val="25000"/>
+          </a:schemeClr>
+        </a:solidFill>
+        <a:round/>
+      </a:ln>
+    </cs:spPr>
+  </cs:hiLoLine>
+  <cs:leaderLine>
+    <cs:lnRef idx="0"/>
+    <cs:fillRef idx="0"/>
+    <cs:effectRef idx="0"/>
+    <cs:fontRef idx="minor">
+      <a:schemeClr val="tx1"/>
+    </cs:fontRef>
+    <cs:spPr>
+      <a:ln w="9525" cap="flat" cmpd="sng" algn="ctr">
+        <a:solidFill>
+          <a:schemeClr val="tx1">
+            <a:lumMod val="35000"/>
+            <a:lumOff val="65000"/>
+          </a:schemeClr>
+        </a:solidFill>
+        <a:round/>
+      </a:ln>
+    </cs:spPr>
+  </cs:leaderLine>
+  <cs:legend>
+    <cs:lnRef idx="0"/>
+    <cs:fillRef idx="0"/>
+    <cs:effectRef idx="0"/>
+    <cs:fontRef idx="minor">
+      <a:schemeClr val="tx1">
+        <a:lumMod val="65000"/>
+        <a:lumOff val="35000"/>
+      </a:schemeClr>
+    </cs:fontRef>
+    <cs:defRPr sz="1197" kern="1200"/>
+  </cs:legend>
+  <cs:plotArea mods="allowNoFillOverride allowNoLineOverride">
+    <cs:lnRef idx="0"/>
+    <cs:fillRef idx="0"/>
+    <cs:effectRef idx="0"/>
+    <cs:fontRef idx="minor">
+      <a:schemeClr val="tx1"/>
+    </cs:fontRef>
+  </cs:plotArea>
+  <cs:plotArea3D mods="allowNoFillOverride allowNoLineOverride">
+    <cs:lnRef idx="0"/>
+    <cs:fillRef idx="0"/>
+    <cs:effectRef idx="0"/>
+    <cs:fontRef idx="minor">
+      <a:schemeClr val="tx1"/>
+    </cs:fontRef>
+  </cs:plotArea3D>
+  <cs:seriesAxis>
+    <cs:lnRef idx="0"/>
+    <cs:fillRef idx="0"/>
+    <cs:effectRef idx="0"/>
+    <cs:fontRef idx="minor">
+      <a:schemeClr val="tx1">
+        <a:lumMod val="65000"/>
+        <a:lumOff val="35000"/>
+      </a:schemeClr>
+    </cs:fontRef>
+    <cs:defRPr sz="1197" kern="1200"/>
+  </cs:seriesAxis>
+  <cs:seriesLine>
+    <cs:lnRef idx="0"/>
+    <cs:fillRef idx="0"/>
+    <cs:effectRef idx="0"/>
+    <cs:fontRef idx="minor">
+      <a:schemeClr val="tx1"/>
+    </cs:fontRef>
+    <cs:spPr>
+      <a:ln w="9525" cap="flat" cmpd="sng" algn="ctr">
+        <a:solidFill>
+          <a:schemeClr val="tx1">
+            <a:lumMod val="35000"/>
+            <a:lumOff val="65000"/>
+          </a:schemeClr>
+        </a:solidFill>
+        <a:round/>
+      </a:ln>
+    </cs:spPr>
+  </cs:seriesLine>
+  <cs:title>
+    <cs:lnRef idx="0"/>
+    <cs:fillRef idx="0"/>
+    <cs:effectRef idx="0"/>
+    <cs:fontRef idx="minor">
+      <a:schemeClr val="tx1">
+        <a:lumMod val="65000"/>
+        <a:lumOff val="35000"/>
+      </a:schemeClr>
+    </cs:fontRef>
+    <cs:defRPr sz="1862" b="0" kern="1200" spc="0" baseline="0"/>
+  </cs:title>
+  <cs:trendline>
+    <cs:lnRef idx="0">
+      <cs:styleClr val="auto"/>
+    </cs:lnRef>
+    <cs:fillRef idx="0"/>
+    <cs:effectRef idx="0"/>
+    <cs:fontRef idx="minor">
+      <a:schemeClr val="tx1"/>
+    </cs:fontRef>
+    <cs:spPr>
+      <a:ln w="19050" cap="rnd">
+        <a:solidFill>
+          <a:schemeClr val="phClr"/>
+        </a:solidFill>
+        <a:prstDash val="sysDot"/>
+      </a:ln>
+    </cs:spPr>
+  </cs:trendline>
+  <cs:trendlineLabel>
+    <cs:lnRef idx="0"/>
+    <cs:fillRef idx="0"/>
+    <cs:effectRef idx="0"/>
+    <cs:fontRef idx="minor">
+      <a:schemeClr val="tx1">
+        <a:lumMod val="65000"/>
+        <a:lumOff val="35000"/>
+      </a:schemeClr>
+    </cs:fontRef>
+    <cs:defRPr sz="1197" kern="1200"/>
+  </cs:trendlineLabel>
+  <cs:upBar>
+    <cs:lnRef idx="0"/>
+    <cs:fillRef idx="0"/>
+    <cs:effectRef idx="0"/>
+    <cs:fontRef idx="minor">
+      <a:schemeClr val="dk1"/>
+    </cs:fontRef>
+    <cs:spPr>
+      <a:solidFill>
+        <a:schemeClr val="lt1"/>
+      </a:solidFill>
+      <a:ln w="9525">
+        <a:solidFill>
+          <a:schemeClr val="tx1">
+            <a:lumMod val="15000"/>
+            <a:lumOff val="85000"/>
+          </a:schemeClr>
+        </a:solidFill>
+      </a:ln>
+    </cs:spPr>
+  </cs:upBar>
+  <cs:valueAxis>
+    <cs:lnRef idx="0"/>
+    <cs:fillRef idx="0"/>
+    <cs:effectRef idx="0"/>
+    <cs:fontRef idx="minor">
+      <a:schemeClr val="tx1">
+        <a:lumMod val="65000"/>
+        <a:lumOff val="35000"/>
+      </a:schemeClr>
+    </cs:fontRef>
+    <cs:defRPr sz="1197" kern="1200"/>
+  </cs:valueAxis>
+  <cs:wall>
+    <cs:lnRef idx="0"/>
+    <cs:fillRef idx="0"/>
+    <cs:effectRef idx="0"/>
+    <cs:fontRef idx="minor">
+      <a:schemeClr val="tx1"/>
+    </cs:fontRef>
+    <cs:spPr>
+      <a:noFill/>
+      <a:ln>
+        <a:noFill/>
+      </a:ln>
+    </cs:spPr>
+  </cs:wall>
+</cs:chartStyle>
+</file>
+
 <file path=ppt/notesMasters/notesMaster1.xml><?xml version="1.0" encoding="utf-8"?>
 <p:notesMaster xmlns:a="http://schemas.openxmlformats.org/drawingml/2006/main" xmlns:r="http://schemas.openxmlformats.org/officeDocument/2006/relationships" xmlns:p="http://schemas.openxmlformats.org/presentationml/2006/main">
   <p:cSld>
@@ -541,7 +1531,7 @@
           <a:p>
             <a:fld id="{7628164F-130E-49E7-B4EA-740541215FF9}" type="datetimeFigureOut">
               <a:rPr lang="de-DE" smtClean="0"/>
-              <a:t>09.01.2025</a:t>
+              <a:t>10.01.2025</a:t>
             </a:fld>
             <a:endParaRPr lang="de-DE"/>
           </a:p>
@@ -900,6 +1890,114 @@
         <p:cNvPr id="1" name="">
           <a:extLst>
             <a:ext uri="{FF2B5EF4-FFF2-40B4-BE49-F238E27FC236}">
+              <a16:creationId xmlns:a16="http://schemas.microsoft.com/office/drawing/2014/main" id="{F78AFDEC-10AE-6C61-2BCC-CC3E70B08368}"/>
+            </a:ext>
+          </a:extLst>
+        </p:cNvPr>
+        <p:cNvGrpSpPr/>
+        <p:nvPr/>
+      </p:nvGrpSpPr>
+      <p:grpSpPr>
+        <a:xfrm>
+          <a:off x="0" y="0"/>
+          <a:ext cx="0" cy="0"/>
+          <a:chOff x="0" y="0"/>
+          <a:chExt cx="0" cy="0"/>
+        </a:xfrm>
+      </p:grpSpPr>
+      <p:sp>
+        <p:nvSpPr>
+          <p:cNvPr id="2" name="Folienbildplatzhalter 1">
+            <a:extLst>
+              <a:ext uri="{FF2B5EF4-FFF2-40B4-BE49-F238E27FC236}">
+                <a16:creationId xmlns:a16="http://schemas.microsoft.com/office/drawing/2014/main" id="{26380298-EB22-28C7-F690-6E3ED84D2171}"/>
+              </a:ext>
+            </a:extLst>
+          </p:cNvPr>
+          <p:cNvSpPr>
+            <a:spLocks noGrp="1" noRot="1" noChangeAspect="1"/>
+          </p:cNvSpPr>
+          <p:nvPr>
+            <p:ph type="sldImg"/>
+          </p:nvPr>
+        </p:nvSpPr>
+        <p:spPr/>
+      </p:sp>
+      <p:sp>
+        <p:nvSpPr>
+          <p:cNvPr id="3" name="Notizenplatzhalter 2">
+            <a:extLst>
+              <a:ext uri="{FF2B5EF4-FFF2-40B4-BE49-F238E27FC236}">
+                <a16:creationId xmlns:a16="http://schemas.microsoft.com/office/drawing/2014/main" id="{2E54B49C-9782-081B-DE90-83F241BF9499}"/>
+              </a:ext>
+            </a:extLst>
+          </p:cNvPr>
+          <p:cNvSpPr>
+            <a:spLocks noGrp="1"/>
+          </p:cNvSpPr>
+          <p:nvPr>
+            <p:ph type="body" idx="1"/>
+          </p:nvPr>
+        </p:nvSpPr>
+        <p:spPr/>
+        <p:txBody>
+          <a:bodyPr/>
+          <a:lstStyle/>
+          <a:p>
+            <a:endParaRPr lang="de-DE" dirty="0"/>
+          </a:p>
+        </p:txBody>
+      </p:sp>
+      <p:sp>
+        <p:nvSpPr>
+          <p:cNvPr id="4" name="Foliennummernplatzhalter 3">
+            <a:extLst>
+              <a:ext uri="{FF2B5EF4-FFF2-40B4-BE49-F238E27FC236}">
+                <a16:creationId xmlns:a16="http://schemas.microsoft.com/office/drawing/2014/main" id="{BB135CC0-18B6-AC58-B2D8-52A49B784C00}"/>
+              </a:ext>
+            </a:extLst>
+          </p:cNvPr>
+          <p:cNvSpPr>
+            <a:spLocks noGrp="1"/>
+          </p:cNvSpPr>
+          <p:nvPr>
+            <p:ph type="sldNum" sz="quarter" idx="5"/>
+          </p:nvPr>
+        </p:nvSpPr>
+        <p:spPr/>
+        <p:txBody>
+          <a:bodyPr/>
+          <a:lstStyle/>
+          <a:p>
+            <a:fld id="{B8062E93-4410-40F6-8AB9-119AC591FA0D}" type="slidenum">
+              <a:rPr lang="de-DE" smtClean="0"/>
+              <a:t>6</a:t>
+            </a:fld>
+            <a:endParaRPr lang="de-DE"/>
+          </a:p>
+        </p:txBody>
+      </p:sp>
+    </p:spTree>
+    <p:extLst>
+      <p:ext uri="{BB962C8B-B14F-4D97-AF65-F5344CB8AC3E}">
+        <p14:creationId xmlns:p14="http://schemas.microsoft.com/office/powerpoint/2010/main" val="1359313102"/>
+      </p:ext>
+    </p:extLst>
+  </p:cSld>
+  <p:clrMapOvr>
+    <a:masterClrMapping/>
+  </p:clrMapOvr>
+</p:notes>
+</file>
+
+<file path=ppt/notesSlides/notesSlide3.xml><?xml version="1.0" encoding="utf-8"?>
+<p:notes xmlns:a="http://schemas.openxmlformats.org/drawingml/2006/main" xmlns:r="http://schemas.openxmlformats.org/officeDocument/2006/relationships" xmlns:p="http://schemas.openxmlformats.org/presentationml/2006/main">
+  <p:cSld>
+    <p:spTree>
+      <p:nvGrpSpPr>
+        <p:cNvPr id="1" name="">
+          <a:extLst>
+            <a:ext uri="{FF2B5EF4-FFF2-40B4-BE49-F238E27FC236}">
               <a16:creationId xmlns:a16="http://schemas.microsoft.com/office/drawing/2014/main" id="{7A674E11-9389-A193-456C-C05AAF997A66}"/>
             </a:ext>
           </a:extLst>
@@ -981,7 +2079,7 @@
           <a:p>
             <a:fld id="{B8062E93-4410-40F6-8AB9-119AC591FA0D}" type="slidenum">
               <a:rPr lang="de-DE" smtClean="0"/>
-              <a:t>6</a:t>
+              <a:t>7</a:t>
             </a:fld>
             <a:endParaRPr lang="de-DE"/>
           </a:p>
@@ -1000,7 +2098,7 @@
 </p:notes>
 </file>
 
-<file path=ppt/notesSlides/notesSlide3.xml><?xml version="1.0" encoding="utf-8"?>
+<file path=ppt/notesSlides/notesSlide4.xml><?xml version="1.0" encoding="utf-8"?>
 <p:notes xmlns:a="http://schemas.openxmlformats.org/drawingml/2006/main" xmlns:r="http://schemas.openxmlformats.org/officeDocument/2006/relationships" xmlns:p="http://schemas.openxmlformats.org/presentationml/2006/main">
   <p:cSld>
     <p:spTree>
@@ -1093,7 +2191,7 @@
           <a:p>
             <a:fld id="{B8062E93-4410-40F6-8AB9-119AC591FA0D}" type="slidenum">
               <a:rPr lang="de-DE" smtClean="0"/>
-              <a:t>8</a:t>
+              <a:t>12</a:t>
             </a:fld>
             <a:endParaRPr lang="de-DE"/>
           </a:p>
@@ -1259,7 +2357,7 @@
           <a:p>
             <a:fld id="{EFF128A2-C7E8-4B7B-8091-9AC752F728F8}" type="datetime1">
               <a:rPr lang="de-DE" smtClean="0"/>
-              <a:t>09.01.2025</a:t>
+              <a:t>10.01.2025</a:t>
             </a:fld>
             <a:endParaRPr lang="en-US"/>
           </a:p>
@@ -1457,7 +2555,7 @@
           <a:p>
             <a:fld id="{CD278108-7565-4086-A563-4BA2E64958FD}" type="datetime1">
               <a:rPr lang="de-DE" smtClean="0"/>
-              <a:t>09.01.2025</a:t>
+              <a:t>10.01.2025</a:t>
             </a:fld>
             <a:endParaRPr lang="en-US"/>
           </a:p>
@@ -1665,7 +2763,7 @@
           <a:p>
             <a:fld id="{E66CCB26-F45E-4B69-82BE-D569C28446C1}" type="datetime1">
               <a:rPr lang="de-DE" smtClean="0"/>
-              <a:t>09.01.2025</a:t>
+              <a:t>10.01.2025</a:t>
             </a:fld>
             <a:endParaRPr lang="en-US"/>
           </a:p>
@@ -1869,7 +2967,7 @@
           <a:p>
             <a:fld id="{42B45B56-1D88-4042-8DF0-EB6B41B710D3}" type="datetime1">
               <a:rPr lang="de-DE" smtClean="0"/>
-              <a:t>09.01.2025</a:t>
+              <a:t>10.01.2025</a:t>
             </a:fld>
             <a:endParaRPr lang="en-US"/>
           </a:p>
@@ -2144,7 +3242,7 @@
           <a:p>
             <a:fld id="{63213392-7725-4DB0-A75F-BB511BA574DC}" type="datetime1">
               <a:rPr lang="de-DE" smtClean="0"/>
-              <a:t>09.01.2025</a:t>
+              <a:t>10.01.2025</a:t>
             </a:fld>
             <a:endParaRPr lang="en-US"/>
           </a:p>
@@ -2409,7 +3507,7 @@
           <a:p>
             <a:fld id="{12AE7323-5CDD-4051-9975-1729D84443C7}" type="datetime1">
               <a:rPr lang="de-DE" smtClean="0"/>
-              <a:t>09.01.2025</a:t>
+              <a:t>10.01.2025</a:t>
             </a:fld>
             <a:endParaRPr lang="en-US"/>
           </a:p>
@@ -2821,7 +3919,7 @@
           <a:p>
             <a:fld id="{75919FF8-1369-4F22-8739-0971D22D8076}" type="datetime1">
               <a:rPr lang="de-DE" smtClean="0"/>
-              <a:t>09.01.2025</a:t>
+              <a:t>10.01.2025</a:t>
             </a:fld>
             <a:endParaRPr lang="en-US"/>
           </a:p>
@@ -2962,7 +4060,7 @@
           <a:p>
             <a:fld id="{07445AF5-82F2-43C2-816E-A9BEF34D89B7}" type="datetime1">
               <a:rPr lang="de-DE" smtClean="0"/>
-              <a:t>09.01.2025</a:t>
+              <a:t>10.01.2025</a:t>
             </a:fld>
             <a:endParaRPr lang="en-US"/>
           </a:p>
@@ -3075,7 +4173,7 @@
           <a:p>
             <a:fld id="{84700FD4-A8C8-481E-B7C9-06459B544445}" type="datetime1">
               <a:rPr lang="de-DE" smtClean="0"/>
-              <a:t>09.01.2025</a:t>
+              <a:t>10.01.2025</a:t>
             </a:fld>
             <a:endParaRPr lang="en-US"/>
           </a:p>
@@ -3387,7 +4485,7 @@
           <a:p>
             <a:fld id="{225DF808-C4B8-42BA-B4B9-08D42756061A}" type="datetime1">
               <a:rPr lang="de-DE" smtClean="0"/>
-              <a:t>09.01.2025</a:t>
+              <a:t>10.01.2025</a:t>
             </a:fld>
             <a:endParaRPr lang="en-US"/>
           </a:p>
@@ -3678,7 +4776,7 @@
           <a:p>
             <a:fld id="{C36BBF2E-DB4C-4E4C-81C8-BB88CDC14250}" type="datetime1">
               <a:rPr lang="de-DE" smtClean="0"/>
-              <a:t>09.01.2025</a:t>
+              <a:t>10.01.2025</a:t>
             </a:fld>
             <a:endParaRPr lang="en-US"/>
           </a:p>
@@ -4433,7 +5531,7 @@
           <a:p>
             <a:fld id="{7C1C68C6-DBC0-4157-B769-7CB85FE6437C}" type="datetime1">
               <a:rPr lang="de-DE" smtClean="0"/>
-              <a:t>09.01.2025</a:t>
+              <a:t>10.01.2025</a:t>
             </a:fld>
             <a:endParaRPr lang="en-US" dirty="0"/>
           </a:p>
@@ -5557,7 +6655,7 @@
           <p:cNvPr id="2" name="Titel 1">
             <a:extLst>
               <a:ext uri="{FF2B5EF4-FFF2-40B4-BE49-F238E27FC236}">
-                <a16:creationId xmlns:a16="http://schemas.microsoft.com/office/drawing/2014/main" id="{87F9582B-573F-6C3F-9FF6-79F513507039}"/>
+                <a16:creationId xmlns:a16="http://schemas.microsoft.com/office/drawing/2014/main" id="{76A22F88-187F-2E1C-6E15-E85914E1D8FC}"/>
               </a:ext>
             </a:extLst>
           </p:cNvPr>
@@ -5569,6 +6667,1187 @@
           </p:nvPr>
         </p:nvSpPr>
         <p:spPr/>
+        <p:txBody>
+          <a:bodyPr/>
+          <a:lstStyle/>
+          <a:p>
+            <a:endParaRPr lang="de-DE"/>
+          </a:p>
+        </p:txBody>
+      </p:sp>
+      <p:sp>
+        <p:nvSpPr>
+          <p:cNvPr id="3" name="Textplatzhalter 2">
+            <a:extLst>
+              <a:ext uri="{FF2B5EF4-FFF2-40B4-BE49-F238E27FC236}">
+                <a16:creationId xmlns:a16="http://schemas.microsoft.com/office/drawing/2014/main" id="{84B80633-8420-C1D9-26A8-A815F83C3FD7}"/>
+              </a:ext>
+            </a:extLst>
+          </p:cNvPr>
+          <p:cNvSpPr>
+            <a:spLocks noGrp="1"/>
+          </p:cNvSpPr>
+          <p:nvPr>
+            <p:ph type="body" idx="1"/>
+          </p:nvPr>
+        </p:nvSpPr>
+        <p:spPr/>
+        <p:txBody>
+          <a:bodyPr/>
+          <a:lstStyle/>
+          <a:p>
+            <a:endParaRPr lang="de-DE"/>
+          </a:p>
+        </p:txBody>
+      </p:sp>
+      <p:sp>
+        <p:nvSpPr>
+          <p:cNvPr id="4" name="Inhaltsplatzhalter 3">
+            <a:extLst>
+              <a:ext uri="{FF2B5EF4-FFF2-40B4-BE49-F238E27FC236}">
+                <a16:creationId xmlns:a16="http://schemas.microsoft.com/office/drawing/2014/main" id="{EDDD976D-E916-DEE6-C798-F877B82D6C77}"/>
+              </a:ext>
+            </a:extLst>
+          </p:cNvPr>
+          <p:cNvSpPr>
+            <a:spLocks noGrp="1"/>
+          </p:cNvSpPr>
+          <p:nvPr>
+            <p:ph sz="half" idx="2"/>
+          </p:nvPr>
+        </p:nvSpPr>
+        <p:spPr/>
+        <p:txBody>
+          <a:bodyPr/>
+          <a:lstStyle/>
+          <a:p>
+            <a:endParaRPr lang="de-DE"/>
+          </a:p>
+        </p:txBody>
+      </p:sp>
+      <p:sp>
+        <p:nvSpPr>
+          <p:cNvPr id="5" name="Textplatzhalter 4">
+            <a:extLst>
+              <a:ext uri="{FF2B5EF4-FFF2-40B4-BE49-F238E27FC236}">
+                <a16:creationId xmlns:a16="http://schemas.microsoft.com/office/drawing/2014/main" id="{3902A5AE-A7EB-74DA-BBBD-55F475CEA606}"/>
+              </a:ext>
+            </a:extLst>
+          </p:cNvPr>
+          <p:cNvSpPr>
+            <a:spLocks noGrp="1"/>
+          </p:cNvSpPr>
+          <p:nvPr>
+            <p:ph type="body" sz="quarter" idx="3"/>
+          </p:nvPr>
+        </p:nvSpPr>
+        <p:spPr/>
+        <p:txBody>
+          <a:bodyPr/>
+          <a:lstStyle/>
+          <a:p>
+            <a:endParaRPr lang="de-DE"/>
+          </a:p>
+        </p:txBody>
+      </p:sp>
+      <p:sp>
+        <p:nvSpPr>
+          <p:cNvPr id="6" name="Inhaltsplatzhalter 5">
+            <a:extLst>
+              <a:ext uri="{FF2B5EF4-FFF2-40B4-BE49-F238E27FC236}">
+                <a16:creationId xmlns:a16="http://schemas.microsoft.com/office/drawing/2014/main" id="{55F6C678-566B-A68F-EDC0-53BB0A322083}"/>
+              </a:ext>
+            </a:extLst>
+          </p:cNvPr>
+          <p:cNvSpPr>
+            <a:spLocks noGrp="1"/>
+          </p:cNvSpPr>
+          <p:nvPr>
+            <p:ph sz="quarter" idx="4"/>
+          </p:nvPr>
+        </p:nvSpPr>
+        <p:spPr/>
+        <p:txBody>
+          <a:bodyPr/>
+          <a:lstStyle/>
+          <a:p>
+            <a:endParaRPr lang="de-DE"/>
+          </a:p>
+        </p:txBody>
+      </p:sp>
+      <p:sp>
+        <p:nvSpPr>
+          <p:cNvPr id="7" name="Datumsplatzhalter 6">
+            <a:extLst>
+              <a:ext uri="{FF2B5EF4-FFF2-40B4-BE49-F238E27FC236}">
+                <a16:creationId xmlns:a16="http://schemas.microsoft.com/office/drawing/2014/main" id="{91E6D5B6-8AE0-F743-DC04-F60D2DA7A002}"/>
+              </a:ext>
+            </a:extLst>
+          </p:cNvPr>
+          <p:cNvSpPr>
+            <a:spLocks noGrp="1"/>
+          </p:cNvSpPr>
+          <p:nvPr>
+            <p:ph type="dt" sz="half" idx="10"/>
+          </p:nvPr>
+        </p:nvSpPr>
+        <p:spPr/>
+        <p:txBody>
+          <a:bodyPr/>
+          <a:lstStyle/>
+          <a:p>
+            <a:fld id="{75919FF8-1369-4F22-8739-0971D22D8076}" type="datetime1">
+              <a:rPr lang="de-DE" smtClean="0"/>
+              <a:t>10.01.2025</a:t>
+            </a:fld>
+            <a:endParaRPr lang="en-US"/>
+          </a:p>
+        </p:txBody>
+      </p:sp>
+      <p:sp>
+        <p:nvSpPr>
+          <p:cNvPr id="8" name="Foliennummernplatzhalter 7">
+            <a:extLst>
+              <a:ext uri="{FF2B5EF4-FFF2-40B4-BE49-F238E27FC236}">
+                <a16:creationId xmlns:a16="http://schemas.microsoft.com/office/drawing/2014/main" id="{B4AFEE18-670A-BAA4-52B3-99F631506E0F}"/>
+              </a:ext>
+            </a:extLst>
+          </p:cNvPr>
+          <p:cNvSpPr>
+            <a:spLocks noGrp="1"/>
+          </p:cNvSpPr>
+          <p:nvPr>
+            <p:ph type="sldNum" sz="quarter" idx="12"/>
+          </p:nvPr>
+        </p:nvSpPr>
+        <p:spPr/>
+        <p:txBody>
+          <a:bodyPr/>
+          <a:lstStyle/>
+          <a:p>
+            <a:fld id="{07CE569E-9B7C-4CB9-AB80-C0841F922CFF}" type="slidenum">
+              <a:rPr lang="en-US" smtClean="0"/>
+              <a:t>10</a:t>
+            </a:fld>
+            <a:endParaRPr lang="en-US"/>
+          </a:p>
+        </p:txBody>
+      </p:sp>
+    </p:spTree>
+    <p:extLst>
+      <p:ext uri="{BB962C8B-B14F-4D97-AF65-F5344CB8AC3E}">
+        <p14:creationId xmlns:p14="http://schemas.microsoft.com/office/powerpoint/2010/main" val="855614268"/>
+      </p:ext>
+    </p:extLst>
+  </p:cSld>
+  <p:clrMapOvr>
+    <a:masterClrMapping/>
+  </p:clrMapOvr>
+</p:sld>
+</file>
+
+<file path=ppt/slides/slide11.xml><?xml version="1.0" encoding="utf-8"?>
+<p:sld xmlns:a="http://schemas.openxmlformats.org/drawingml/2006/main" xmlns:r="http://schemas.openxmlformats.org/officeDocument/2006/relationships" xmlns:p="http://schemas.openxmlformats.org/presentationml/2006/main">
+  <p:cSld>
+    <p:spTree>
+      <p:nvGrpSpPr>
+        <p:cNvPr id="1" name=""/>
+        <p:cNvGrpSpPr/>
+        <p:nvPr/>
+      </p:nvGrpSpPr>
+      <p:grpSpPr>
+        <a:xfrm>
+          <a:off x="0" y="0"/>
+          <a:ext cx="0" cy="0"/>
+          <a:chOff x="0" y="0"/>
+          <a:chExt cx="0" cy="0"/>
+        </a:xfrm>
+      </p:grpSpPr>
+      <p:sp>
+        <p:nvSpPr>
+          <p:cNvPr id="2" name="Titel 1">
+            <a:extLst>
+              <a:ext uri="{FF2B5EF4-FFF2-40B4-BE49-F238E27FC236}">
+                <a16:creationId xmlns:a16="http://schemas.microsoft.com/office/drawing/2014/main" id="{0C579FFF-6A8E-1436-7F47-208326112BC2}"/>
+              </a:ext>
+            </a:extLst>
+          </p:cNvPr>
+          <p:cNvSpPr>
+            <a:spLocks noGrp="1"/>
+          </p:cNvSpPr>
+          <p:nvPr>
+            <p:ph type="title"/>
+          </p:nvPr>
+        </p:nvSpPr>
+        <p:spPr/>
+        <p:txBody>
+          <a:bodyPr/>
+          <a:lstStyle/>
+          <a:p>
+            <a:r>
+              <a:rPr lang="de-DE" noProof="0" dirty="0"/>
+              <a:t>2. Tätigkeiten des vergangenen Zeitraums</a:t>
+            </a:r>
+          </a:p>
+        </p:txBody>
+      </p:sp>
+      <p:sp>
+        <p:nvSpPr>
+          <p:cNvPr id="4" name="Datumsplatzhalter 3">
+            <a:extLst>
+              <a:ext uri="{FF2B5EF4-FFF2-40B4-BE49-F238E27FC236}">
+                <a16:creationId xmlns:a16="http://schemas.microsoft.com/office/drawing/2014/main" id="{A245F716-845A-9D4A-9FCF-2BB455C07642}"/>
+              </a:ext>
+            </a:extLst>
+          </p:cNvPr>
+          <p:cNvSpPr>
+            <a:spLocks noGrp="1"/>
+          </p:cNvSpPr>
+          <p:nvPr>
+            <p:ph type="dt" sz="half" idx="10"/>
+          </p:nvPr>
+        </p:nvSpPr>
+        <p:spPr/>
+        <p:txBody>
+          <a:bodyPr/>
+          <a:lstStyle/>
+          <a:p>
+            <a:fld id="{42B45B56-1D88-4042-8DF0-EB6B41B710D3}" type="datetime1">
+              <a:rPr lang="de-DE" noProof="0" smtClean="0"/>
+              <a:t>10.01.2025</a:t>
+            </a:fld>
+            <a:endParaRPr lang="de-DE" noProof="0" dirty="0"/>
+          </a:p>
+        </p:txBody>
+      </p:sp>
+      <p:sp>
+        <p:nvSpPr>
+          <p:cNvPr id="5" name="Foliennummernplatzhalter 4">
+            <a:extLst>
+              <a:ext uri="{FF2B5EF4-FFF2-40B4-BE49-F238E27FC236}">
+                <a16:creationId xmlns:a16="http://schemas.microsoft.com/office/drawing/2014/main" id="{631092A2-7FF5-A3A2-9DA9-91D1CFBE0825}"/>
+              </a:ext>
+            </a:extLst>
+          </p:cNvPr>
+          <p:cNvSpPr>
+            <a:spLocks noGrp="1"/>
+          </p:cNvSpPr>
+          <p:nvPr>
+            <p:ph type="sldNum" sz="quarter" idx="12"/>
+          </p:nvPr>
+        </p:nvSpPr>
+        <p:spPr/>
+        <p:txBody>
+          <a:bodyPr/>
+          <a:lstStyle/>
+          <a:p>
+            <a:fld id="{07CE569E-9B7C-4CB9-AB80-C0841F922CFF}" type="slidenum">
+              <a:rPr lang="de-DE" noProof="0" smtClean="0"/>
+              <a:t>11</a:t>
+            </a:fld>
+            <a:endParaRPr lang="de-DE" noProof="0" dirty="0"/>
+          </a:p>
+        </p:txBody>
+      </p:sp>
+      <p:sp>
+        <p:nvSpPr>
+          <p:cNvPr id="7" name="Inhaltsplatzhalter 5">
+            <a:extLst>
+              <a:ext uri="{FF2B5EF4-FFF2-40B4-BE49-F238E27FC236}">
+                <a16:creationId xmlns:a16="http://schemas.microsoft.com/office/drawing/2014/main" id="{06A9C708-A850-18E6-5D53-389ADE6ED553}"/>
+              </a:ext>
+            </a:extLst>
+          </p:cNvPr>
+          <p:cNvSpPr txBox="1">
+            <a:spLocks/>
+          </p:cNvSpPr>
+          <p:nvPr/>
+        </p:nvSpPr>
+        <p:spPr>
+          <a:xfrm>
+            <a:off x="944878" y="2682875"/>
+            <a:ext cx="9373872" cy="3048000"/>
+          </a:xfrm>
+          <a:prstGeom prst="rect">
+            <a:avLst/>
+          </a:prstGeom>
+        </p:spPr>
+        <p:txBody>
+          <a:bodyPr>
+            <a:normAutofit fontScale="92500" lnSpcReduction="10000"/>
+          </a:bodyPr>
+          <a:lstStyle>
+            <a:lvl1pPr marL="228600" indent="-228600" algn="l" defTabSz="914400" rtl="0" eaLnBrk="1" latinLnBrk="0" hangingPunct="1">
+              <a:lnSpc>
+                <a:spcPct val="125000"/>
+              </a:lnSpc>
+              <a:spcBef>
+                <a:spcPts val="1000"/>
+              </a:spcBef>
+              <a:buFont typeface="Arial" panose="020B0604020202020204" pitchFamily="34" charset="0"/>
+              <a:buChar char="•"/>
+              <a:defRPr sz="2800" kern="1200">
+                <a:solidFill>
+                  <a:schemeClr val="tx1">
+                    <a:alpha val="70000"/>
+                  </a:schemeClr>
+                </a:solidFill>
+                <a:latin typeface="+mn-lt"/>
+                <a:ea typeface="+mn-ea"/>
+                <a:cs typeface="+mn-cs"/>
+              </a:defRPr>
+            </a:lvl1pPr>
+            <a:lvl2pPr marL="685800" indent="-228600" algn="l" defTabSz="914400" rtl="0" eaLnBrk="1" latinLnBrk="0" hangingPunct="1">
+              <a:lnSpc>
+                <a:spcPct val="125000"/>
+              </a:lnSpc>
+              <a:spcBef>
+                <a:spcPts val="500"/>
+              </a:spcBef>
+              <a:buFont typeface="Arial" panose="020B0604020202020204" pitchFamily="34" charset="0"/>
+              <a:buChar char="•"/>
+              <a:defRPr sz="2400" kern="1200">
+                <a:solidFill>
+                  <a:schemeClr val="tx1">
+                    <a:alpha val="70000"/>
+                  </a:schemeClr>
+                </a:solidFill>
+                <a:latin typeface="+mn-lt"/>
+                <a:ea typeface="+mn-ea"/>
+                <a:cs typeface="+mn-cs"/>
+              </a:defRPr>
+            </a:lvl2pPr>
+            <a:lvl3pPr marL="1143000" indent="-228600" algn="l" defTabSz="914400" rtl="0" eaLnBrk="1" latinLnBrk="0" hangingPunct="1">
+              <a:lnSpc>
+                <a:spcPct val="125000"/>
+              </a:lnSpc>
+              <a:spcBef>
+                <a:spcPts val="500"/>
+              </a:spcBef>
+              <a:buFont typeface="Arial" panose="020B0604020202020204" pitchFamily="34" charset="0"/>
+              <a:buChar char="•"/>
+              <a:defRPr sz="2000" kern="1200">
+                <a:solidFill>
+                  <a:schemeClr val="tx1">
+                    <a:alpha val="70000"/>
+                  </a:schemeClr>
+                </a:solidFill>
+                <a:latin typeface="+mn-lt"/>
+                <a:ea typeface="+mn-ea"/>
+                <a:cs typeface="+mn-cs"/>
+              </a:defRPr>
+            </a:lvl3pPr>
+            <a:lvl4pPr marL="1600200" indent="-228600" algn="l" defTabSz="914400" rtl="0" eaLnBrk="1" latinLnBrk="0" hangingPunct="1">
+              <a:lnSpc>
+                <a:spcPct val="125000"/>
+              </a:lnSpc>
+              <a:spcBef>
+                <a:spcPts val="500"/>
+              </a:spcBef>
+              <a:buFont typeface="Arial" panose="020B0604020202020204" pitchFamily="34" charset="0"/>
+              <a:buChar char="•"/>
+              <a:defRPr sz="1800" kern="1200">
+                <a:solidFill>
+                  <a:schemeClr val="tx1">
+                    <a:alpha val="70000"/>
+                  </a:schemeClr>
+                </a:solidFill>
+                <a:latin typeface="+mn-lt"/>
+                <a:ea typeface="+mn-ea"/>
+                <a:cs typeface="+mn-cs"/>
+              </a:defRPr>
+            </a:lvl4pPr>
+            <a:lvl5pPr marL="2057400" indent="-228600" algn="l" defTabSz="914400" rtl="0" eaLnBrk="1" latinLnBrk="0" hangingPunct="1">
+              <a:lnSpc>
+                <a:spcPct val="125000"/>
+              </a:lnSpc>
+              <a:spcBef>
+                <a:spcPts val="500"/>
+              </a:spcBef>
+              <a:buFont typeface="Arial" panose="020B0604020202020204" pitchFamily="34" charset="0"/>
+              <a:buChar char="•"/>
+              <a:defRPr sz="1800" kern="1200">
+                <a:solidFill>
+                  <a:schemeClr val="tx1">
+                    <a:alpha val="70000"/>
+                  </a:schemeClr>
+                </a:solidFill>
+                <a:latin typeface="+mn-lt"/>
+                <a:ea typeface="+mn-ea"/>
+                <a:cs typeface="+mn-cs"/>
+              </a:defRPr>
+            </a:lvl5pPr>
+            <a:lvl6pPr marL="2514600" indent="-228600" algn="l" defTabSz="914400" rtl="0" eaLnBrk="1" latinLnBrk="0" hangingPunct="1">
+              <a:lnSpc>
+                <a:spcPct val="90000"/>
+              </a:lnSpc>
+              <a:spcBef>
+                <a:spcPts val="500"/>
+              </a:spcBef>
+              <a:buFont typeface="Arial" panose="020B0604020202020204" pitchFamily="34" charset="0"/>
+              <a:buChar char="•"/>
+              <a:defRPr sz="1800" kern="1200">
+                <a:solidFill>
+                  <a:schemeClr val="tx1"/>
+                </a:solidFill>
+                <a:latin typeface="+mn-lt"/>
+                <a:ea typeface="+mn-ea"/>
+                <a:cs typeface="+mn-cs"/>
+              </a:defRPr>
+            </a:lvl6pPr>
+            <a:lvl7pPr marL="2971800" indent="-228600" algn="l" defTabSz="914400" rtl="0" eaLnBrk="1" latinLnBrk="0" hangingPunct="1">
+              <a:lnSpc>
+                <a:spcPct val="90000"/>
+              </a:lnSpc>
+              <a:spcBef>
+                <a:spcPts val="500"/>
+              </a:spcBef>
+              <a:buFont typeface="Arial" panose="020B0604020202020204" pitchFamily="34" charset="0"/>
+              <a:buChar char="•"/>
+              <a:defRPr sz="1800" kern="1200">
+                <a:solidFill>
+                  <a:schemeClr val="tx1"/>
+                </a:solidFill>
+                <a:latin typeface="+mn-lt"/>
+                <a:ea typeface="+mn-ea"/>
+                <a:cs typeface="+mn-cs"/>
+              </a:defRPr>
+            </a:lvl7pPr>
+            <a:lvl8pPr marL="3429000" indent="-228600" algn="l" defTabSz="914400" rtl="0" eaLnBrk="1" latinLnBrk="0" hangingPunct="1">
+              <a:lnSpc>
+                <a:spcPct val="90000"/>
+              </a:lnSpc>
+              <a:spcBef>
+                <a:spcPts val="500"/>
+              </a:spcBef>
+              <a:buFont typeface="Arial" panose="020B0604020202020204" pitchFamily="34" charset="0"/>
+              <a:buChar char="•"/>
+              <a:defRPr sz="1800" kern="1200">
+                <a:solidFill>
+                  <a:schemeClr val="tx1"/>
+                </a:solidFill>
+                <a:latin typeface="+mn-lt"/>
+                <a:ea typeface="+mn-ea"/>
+                <a:cs typeface="+mn-cs"/>
+              </a:defRPr>
+            </a:lvl8pPr>
+            <a:lvl9pPr marL="3886200" indent="-228600" algn="l" defTabSz="914400" rtl="0" eaLnBrk="1" latinLnBrk="0" hangingPunct="1">
+              <a:lnSpc>
+                <a:spcPct val="90000"/>
+              </a:lnSpc>
+              <a:spcBef>
+                <a:spcPts val="500"/>
+              </a:spcBef>
+              <a:buFont typeface="Arial" panose="020B0604020202020204" pitchFamily="34" charset="0"/>
+              <a:buChar char="•"/>
+              <a:defRPr sz="1800" kern="1200">
+                <a:solidFill>
+                  <a:schemeClr val="tx1"/>
+                </a:solidFill>
+                <a:latin typeface="+mn-lt"/>
+                <a:ea typeface="+mn-ea"/>
+                <a:cs typeface="+mn-cs"/>
+              </a:defRPr>
+            </a:lvl9pPr>
+          </a:lstStyle>
+          <a:p>
+            <a:r>
+              <a:rPr lang="de-DE" sz="2400" dirty="0"/>
+              <a:t>Fortlaufende Dokumentation.</a:t>
+            </a:r>
+          </a:p>
+          <a:p>
+            <a:r>
+              <a:rPr lang="de-DE" sz="2400" dirty="0"/>
+              <a:t>Implementierung der Küchenansicht.</a:t>
+            </a:r>
+          </a:p>
+          <a:p>
+            <a:r>
+              <a:rPr lang="de-DE" sz="2400" dirty="0"/>
+              <a:t>Anpassung von Speisen im Warenkorb.</a:t>
+            </a:r>
+          </a:p>
+          <a:p>
+            <a:r>
+              <a:rPr lang="de-DE" sz="2400" dirty="0"/>
+              <a:t>Automatische Kalkulation der Kosten.</a:t>
+            </a:r>
+          </a:p>
+          <a:p>
+            <a:r>
+              <a:rPr lang="de-DE" sz="2400" dirty="0"/>
+              <a:t>Absenden der Bestellung mit spezifische Tischnummer.</a:t>
+            </a:r>
+          </a:p>
+          <a:p>
+            <a:r>
+              <a:rPr lang="de-DE" sz="2400" dirty="0"/>
+              <a:t>Abschluss Warenkorb.</a:t>
+            </a:r>
+          </a:p>
+          <a:p>
+            <a:endParaRPr lang="de-DE" sz="2400" dirty="0"/>
+          </a:p>
+        </p:txBody>
+      </p:sp>
+      <p:sp>
+        <p:nvSpPr>
+          <p:cNvPr id="9" name="Foliennummernplatzhalter 7">
+            <a:extLst>
+              <a:ext uri="{FF2B5EF4-FFF2-40B4-BE49-F238E27FC236}">
+                <a16:creationId xmlns:a16="http://schemas.microsoft.com/office/drawing/2014/main" id="{BD0D2988-85DD-C46C-D2AB-F764D685F152}"/>
+              </a:ext>
+            </a:extLst>
+          </p:cNvPr>
+          <p:cNvSpPr txBox="1">
+            <a:spLocks/>
+          </p:cNvSpPr>
+          <p:nvPr/>
+        </p:nvSpPr>
+        <p:spPr>
+          <a:xfrm>
+            <a:off x="3742082" y="6492875"/>
+            <a:ext cx="1524000" cy="365125"/>
+          </a:xfrm>
+          <a:prstGeom prst="rect">
+            <a:avLst/>
+          </a:prstGeom>
+        </p:spPr>
+        <p:txBody>
+          <a:bodyPr vert="horz" lIns="91440" tIns="45720" rIns="91440" bIns="45720" rtlCol="0" anchor="ctr"/>
+          <a:lstStyle>
+            <a:defPPr>
+              <a:defRPr lang="de-DE"/>
+            </a:defPPr>
+            <a:lvl1pPr marL="0" algn="r" defTabSz="914400" rtl="0" eaLnBrk="1" latinLnBrk="0" hangingPunct="1">
+              <a:defRPr sz="1200" kern="1200">
+                <a:solidFill>
+                  <a:schemeClr val="tx1">
+                    <a:tint val="75000"/>
+                    <a:alpha val="70000"/>
+                  </a:schemeClr>
+                </a:solidFill>
+                <a:latin typeface="+mn-lt"/>
+                <a:ea typeface="+mn-ea"/>
+                <a:cs typeface="+mn-cs"/>
+              </a:defRPr>
+            </a:lvl1pPr>
+            <a:lvl2pPr marL="457200" algn="l" defTabSz="914400" rtl="0" eaLnBrk="1" latinLnBrk="0" hangingPunct="1">
+              <a:defRPr sz="1800" kern="1200">
+                <a:solidFill>
+                  <a:schemeClr val="tx1"/>
+                </a:solidFill>
+                <a:latin typeface="+mn-lt"/>
+                <a:ea typeface="+mn-ea"/>
+                <a:cs typeface="+mn-cs"/>
+              </a:defRPr>
+            </a:lvl2pPr>
+            <a:lvl3pPr marL="914400" algn="l" defTabSz="914400" rtl="0" eaLnBrk="1" latinLnBrk="0" hangingPunct="1">
+              <a:defRPr sz="1800" kern="1200">
+                <a:solidFill>
+                  <a:schemeClr val="tx1"/>
+                </a:solidFill>
+                <a:latin typeface="+mn-lt"/>
+                <a:ea typeface="+mn-ea"/>
+                <a:cs typeface="+mn-cs"/>
+              </a:defRPr>
+            </a:lvl3pPr>
+            <a:lvl4pPr marL="1371600" algn="l" defTabSz="914400" rtl="0" eaLnBrk="1" latinLnBrk="0" hangingPunct="1">
+              <a:defRPr sz="1800" kern="1200">
+                <a:solidFill>
+                  <a:schemeClr val="tx1"/>
+                </a:solidFill>
+                <a:latin typeface="+mn-lt"/>
+                <a:ea typeface="+mn-ea"/>
+                <a:cs typeface="+mn-cs"/>
+              </a:defRPr>
+            </a:lvl4pPr>
+            <a:lvl5pPr marL="1828800" algn="l" defTabSz="914400" rtl="0" eaLnBrk="1" latinLnBrk="0" hangingPunct="1">
+              <a:defRPr sz="1800" kern="1200">
+                <a:solidFill>
+                  <a:schemeClr val="tx1"/>
+                </a:solidFill>
+                <a:latin typeface="+mn-lt"/>
+                <a:ea typeface="+mn-ea"/>
+                <a:cs typeface="+mn-cs"/>
+              </a:defRPr>
+            </a:lvl5pPr>
+            <a:lvl6pPr marL="2286000" algn="l" defTabSz="914400" rtl="0" eaLnBrk="1" latinLnBrk="0" hangingPunct="1">
+              <a:defRPr sz="1800" kern="1200">
+                <a:solidFill>
+                  <a:schemeClr val="tx1"/>
+                </a:solidFill>
+                <a:latin typeface="+mn-lt"/>
+                <a:ea typeface="+mn-ea"/>
+                <a:cs typeface="+mn-cs"/>
+              </a:defRPr>
+            </a:lvl6pPr>
+            <a:lvl7pPr marL="2743200" algn="l" defTabSz="914400" rtl="0" eaLnBrk="1" latinLnBrk="0" hangingPunct="1">
+              <a:defRPr sz="1800" kern="1200">
+                <a:solidFill>
+                  <a:schemeClr val="tx1"/>
+                </a:solidFill>
+                <a:latin typeface="+mn-lt"/>
+                <a:ea typeface="+mn-ea"/>
+                <a:cs typeface="+mn-cs"/>
+              </a:defRPr>
+            </a:lvl7pPr>
+            <a:lvl8pPr marL="3200400" algn="l" defTabSz="914400" rtl="0" eaLnBrk="1" latinLnBrk="0" hangingPunct="1">
+              <a:defRPr sz="1800" kern="1200">
+                <a:solidFill>
+                  <a:schemeClr val="tx1"/>
+                </a:solidFill>
+                <a:latin typeface="+mn-lt"/>
+                <a:ea typeface="+mn-ea"/>
+                <a:cs typeface="+mn-cs"/>
+              </a:defRPr>
+            </a:lvl8pPr>
+            <a:lvl9pPr marL="3657600" algn="l" defTabSz="914400" rtl="0" eaLnBrk="1" latinLnBrk="0" hangingPunct="1">
+              <a:defRPr sz="1800" kern="1200">
+                <a:solidFill>
+                  <a:schemeClr val="tx1"/>
+                </a:solidFill>
+                <a:latin typeface="+mn-lt"/>
+                <a:ea typeface="+mn-ea"/>
+                <a:cs typeface="+mn-cs"/>
+              </a:defRPr>
+            </a:lvl9pPr>
+          </a:lstStyle>
+          <a:p>
+            <a:fld id="{07CE569E-9B7C-4CB9-AB80-C0841F922CFF}" type="slidenum">
+              <a:rPr lang="en-US" smtClean="0"/>
+              <a:pPr/>
+              <a:t>11</a:t>
+            </a:fld>
+            <a:endParaRPr lang="en-US"/>
+          </a:p>
+        </p:txBody>
+      </p:sp>
+    </p:spTree>
+    <p:extLst>
+      <p:ext uri="{BB962C8B-B14F-4D97-AF65-F5344CB8AC3E}">
+        <p14:creationId xmlns:p14="http://schemas.microsoft.com/office/powerpoint/2010/main" val="118876679"/>
+      </p:ext>
+    </p:extLst>
+  </p:cSld>
+  <p:clrMapOvr>
+    <a:masterClrMapping/>
+  </p:clrMapOvr>
+</p:sld>
+</file>
+
+<file path=ppt/slides/slide12.xml><?xml version="1.0" encoding="utf-8"?>
+<p:sld xmlns:a="http://schemas.openxmlformats.org/drawingml/2006/main" xmlns:r="http://schemas.openxmlformats.org/officeDocument/2006/relationships" xmlns:p="http://schemas.openxmlformats.org/presentationml/2006/main">
+  <p:cSld>
+    <p:spTree>
+      <p:nvGrpSpPr>
+        <p:cNvPr id="1" name="">
+          <a:extLst>
+            <a:ext uri="{FF2B5EF4-FFF2-40B4-BE49-F238E27FC236}">
+              <a16:creationId xmlns:a16="http://schemas.microsoft.com/office/drawing/2014/main" id="{B550FC02-FF59-9A2B-E0CB-A4CCA3BCC065}"/>
+            </a:ext>
+          </a:extLst>
+        </p:cNvPr>
+        <p:cNvGrpSpPr/>
+        <p:nvPr/>
+      </p:nvGrpSpPr>
+      <p:grpSpPr>
+        <a:xfrm>
+          <a:off x="0" y="0"/>
+          <a:ext cx="0" cy="0"/>
+          <a:chOff x="0" y="0"/>
+          <a:chExt cx="0" cy="0"/>
+        </a:xfrm>
+      </p:grpSpPr>
+      <p:sp>
+        <p:nvSpPr>
+          <p:cNvPr id="2" name="Titel 1">
+            <a:extLst>
+              <a:ext uri="{FF2B5EF4-FFF2-40B4-BE49-F238E27FC236}">
+                <a16:creationId xmlns:a16="http://schemas.microsoft.com/office/drawing/2014/main" id="{0900599F-51F1-3A1C-3C72-C626B94E6030}"/>
+              </a:ext>
+            </a:extLst>
+          </p:cNvPr>
+          <p:cNvSpPr>
+            <a:spLocks noGrp="1"/>
+          </p:cNvSpPr>
+          <p:nvPr>
+            <p:ph type="title"/>
+          </p:nvPr>
+        </p:nvSpPr>
+        <p:spPr/>
+        <p:txBody>
+          <a:bodyPr/>
+          <a:lstStyle/>
+          <a:p>
+            <a:r>
+              <a:rPr lang="de-DE" noProof="0" dirty="0"/>
+              <a:t>3. Produktzwischenstand</a:t>
+            </a:r>
+          </a:p>
+        </p:txBody>
+      </p:sp>
+      <p:sp>
+        <p:nvSpPr>
+          <p:cNvPr id="4" name="Datumsplatzhalter 3">
+            <a:extLst>
+              <a:ext uri="{FF2B5EF4-FFF2-40B4-BE49-F238E27FC236}">
+                <a16:creationId xmlns:a16="http://schemas.microsoft.com/office/drawing/2014/main" id="{98261E74-1DBE-E2C7-F1CB-400A1775C44B}"/>
+              </a:ext>
+            </a:extLst>
+          </p:cNvPr>
+          <p:cNvSpPr>
+            <a:spLocks noGrp="1"/>
+          </p:cNvSpPr>
+          <p:nvPr>
+            <p:ph type="dt" sz="half" idx="10"/>
+          </p:nvPr>
+        </p:nvSpPr>
+        <p:spPr/>
+        <p:txBody>
+          <a:bodyPr/>
+          <a:lstStyle/>
+          <a:p>
+            <a:fld id="{42B45B56-1D88-4042-8DF0-EB6B41B710D3}" type="datetime1">
+              <a:rPr lang="de-DE" noProof="0" smtClean="0"/>
+              <a:t>10.01.2025</a:t>
+            </a:fld>
+            <a:endParaRPr lang="de-DE" noProof="0" dirty="0"/>
+          </a:p>
+        </p:txBody>
+      </p:sp>
+      <p:sp>
+        <p:nvSpPr>
+          <p:cNvPr id="5" name="Foliennummernplatzhalter 4">
+            <a:extLst>
+              <a:ext uri="{FF2B5EF4-FFF2-40B4-BE49-F238E27FC236}">
+                <a16:creationId xmlns:a16="http://schemas.microsoft.com/office/drawing/2014/main" id="{0776174C-7011-2635-68B1-8FA072C61FEB}"/>
+              </a:ext>
+            </a:extLst>
+          </p:cNvPr>
+          <p:cNvSpPr>
+            <a:spLocks noGrp="1"/>
+          </p:cNvSpPr>
+          <p:nvPr>
+            <p:ph type="sldNum" sz="quarter" idx="12"/>
+          </p:nvPr>
+        </p:nvSpPr>
+        <p:spPr/>
+        <p:txBody>
+          <a:bodyPr/>
+          <a:lstStyle/>
+          <a:p>
+            <a:fld id="{07CE569E-9B7C-4CB9-AB80-C0841F922CFF}" type="slidenum">
+              <a:rPr lang="de-DE" noProof="0" smtClean="0"/>
+              <a:t>12</a:t>
+            </a:fld>
+            <a:endParaRPr lang="de-DE" noProof="0" dirty="0"/>
+          </a:p>
+        </p:txBody>
+      </p:sp>
+      <p:pic>
+        <p:nvPicPr>
+          <p:cNvPr id="7" name="Inhaltsplatzhalter 6">
+            <a:extLst>
+              <a:ext uri="{FF2B5EF4-FFF2-40B4-BE49-F238E27FC236}">
+                <a16:creationId xmlns:a16="http://schemas.microsoft.com/office/drawing/2014/main" id="{37428E1C-AA80-4052-4B11-779B98FB9A9B}"/>
+              </a:ext>
+            </a:extLst>
+          </p:cNvPr>
+          <p:cNvPicPr>
+            <a:picLocks noGrp="1" noChangeAspect="1"/>
+          </p:cNvPicPr>
+          <p:nvPr>
+            <p:ph idx="1"/>
+          </p:nvPr>
+        </p:nvPicPr>
+        <p:blipFill>
+          <a:blip r:embed="rId3"/>
+          <a:stretch>
+            <a:fillRect/>
+          </a:stretch>
+        </p:blipFill>
+        <p:spPr>
+          <a:xfrm>
+            <a:off x="762000" y="3062308"/>
+            <a:ext cx="10668000" cy="2517734"/>
+          </a:xfrm>
+        </p:spPr>
+      </p:pic>
+      <p:sp>
+        <p:nvSpPr>
+          <p:cNvPr id="6" name="Textfeld 5">
+            <a:extLst>
+              <a:ext uri="{FF2B5EF4-FFF2-40B4-BE49-F238E27FC236}">
+                <a16:creationId xmlns:a16="http://schemas.microsoft.com/office/drawing/2014/main" id="{A5E046D2-26E7-3E5E-E5D3-070C9EE2B89D}"/>
+              </a:ext>
+            </a:extLst>
+          </p:cNvPr>
+          <p:cNvSpPr txBox="1"/>
+          <p:nvPr/>
+        </p:nvSpPr>
+        <p:spPr>
+          <a:xfrm>
+            <a:off x="1601733" y="2373852"/>
+            <a:ext cx="3270975" cy="646331"/>
+          </a:xfrm>
+          <a:prstGeom prst="rect">
+            <a:avLst/>
+          </a:prstGeom>
+          <a:noFill/>
+        </p:spPr>
+        <p:txBody>
+          <a:bodyPr wrap="square" rtlCol="0">
+            <a:spAutoFit/>
+          </a:bodyPr>
+          <a:lstStyle/>
+          <a:p>
+            <a:r>
+              <a:rPr lang="en-US" b="1" dirty="0" err="1"/>
+              <a:t>Ansicht</a:t>
+            </a:r>
+            <a:r>
+              <a:rPr lang="en-US" b="1" dirty="0"/>
+              <a:t> </a:t>
+            </a:r>
+            <a:r>
+              <a:rPr lang="en-US" b="1" dirty="0" err="1"/>
+              <a:t>Warenkorb</a:t>
+            </a:r>
+            <a:r>
+              <a:rPr lang="en-US" b="1" dirty="0"/>
+              <a:t> + </a:t>
+            </a:r>
+            <a:r>
+              <a:rPr lang="en-US" b="1" dirty="0" err="1"/>
+              <a:t>Absenden</a:t>
+            </a:r>
+            <a:r>
+              <a:rPr lang="en-US" b="1" dirty="0"/>
+              <a:t> der </a:t>
+            </a:r>
+            <a:r>
+              <a:rPr lang="en-US" b="1" dirty="0" err="1"/>
+              <a:t>Bestellung</a:t>
+            </a:r>
+            <a:endParaRPr lang="de-DE" b="1" dirty="0"/>
+          </a:p>
+        </p:txBody>
+      </p:sp>
+    </p:spTree>
+    <p:extLst>
+      <p:ext uri="{BB962C8B-B14F-4D97-AF65-F5344CB8AC3E}">
+        <p14:creationId xmlns:p14="http://schemas.microsoft.com/office/powerpoint/2010/main" val="2430257231"/>
+      </p:ext>
+    </p:extLst>
+  </p:cSld>
+  <p:clrMapOvr>
+    <a:masterClrMapping/>
+  </p:clrMapOvr>
+</p:sld>
+</file>
+
+<file path=ppt/slides/slide13.xml><?xml version="1.0" encoding="utf-8"?>
+<p:sld xmlns:a="http://schemas.openxmlformats.org/drawingml/2006/main" xmlns:r="http://schemas.openxmlformats.org/officeDocument/2006/relationships" xmlns:p="http://schemas.openxmlformats.org/presentationml/2006/main">
+  <p:cSld>
+    <p:spTree>
+      <p:nvGrpSpPr>
+        <p:cNvPr id="1" name=""/>
+        <p:cNvGrpSpPr/>
+        <p:nvPr/>
+      </p:nvGrpSpPr>
+      <p:grpSpPr>
+        <a:xfrm>
+          <a:off x="0" y="0"/>
+          <a:ext cx="0" cy="0"/>
+          <a:chOff x="0" y="0"/>
+          <a:chExt cx="0" cy="0"/>
+        </a:xfrm>
+      </p:grpSpPr>
+      <p:pic>
+        <p:nvPicPr>
+          <p:cNvPr id="11" name="Grafik 10">
+            <a:extLst>
+              <a:ext uri="{FF2B5EF4-FFF2-40B4-BE49-F238E27FC236}">
+                <a16:creationId xmlns:a16="http://schemas.microsoft.com/office/drawing/2014/main" id="{FE9A0FCD-5FE1-D6D4-1488-1A6CB12FF2A5}"/>
+              </a:ext>
+            </a:extLst>
+          </p:cNvPr>
+          <p:cNvPicPr>
+            <a:picLocks noChangeAspect="1"/>
+          </p:cNvPicPr>
+          <p:nvPr/>
+        </p:nvPicPr>
+        <p:blipFill>
+          <a:blip r:embed="rId2"/>
+          <a:stretch>
+            <a:fillRect/>
+          </a:stretch>
+        </p:blipFill>
+        <p:spPr>
+          <a:xfrm>
+            <a:off x="957389" y="3002985"/>
+            <a:ext cx="4058484" cy="2792305"/>
+          </a:xfrm>
+          <a:prstGeom prst="rect">
+            <a:avLst/>
+          </a:prstGeom>
+        </p:spPr>
+      </p:pic>
+      <p:pic>
+        <p:nvPicPr>
+          <p:cNvPr id="8" name="Inhaltsplatzhalter 7">
+            <a:extLst>
+              <a:ext uri="{FF2B5EF4-FFF2-40B4-BE49-F238E27FC236}">
+                <a16:creationId xmlns:a16="http://schemas.microsoft.com/office/drawing/2014/main" id="{6013533E-10F3-8ACB-2FEC-DC3258599405}"/>
+              </a:ext>
+            </a:extLst>
+          </p:cNvPr>
+          <p:cNvPicPr>
+            <a:picLocks noGrp="1" noChangeAspect="1"/>
+          </p:cNvPicPr>
+          <p:nvPr>
+            <p:ph sz="half" idx="1"/>
+          </p:nvPr>
+        </p:nvPicPr>
+        <p:blipFill>
+          <a:blip r:embed="rId3"/>
+          <a:stretch>
+            <a:fillRect/>
+          </a:stretch>
+        </p:blipFill>
+        <p:spPr>
+          <a:xfrm>
+            <a:off x="6800709" y="2646537"/>
+            <a:ext cx="2588456" cy="3505200"/>
+          </a:xfrm>
+        </p:spPr>
+      </p:pic>
+      <p:sp>
+        <p:nvSpPr>
+          <p:cNvPr id="5" name="Datumsplatzhalter 4">
+            <a:extLst>
+              <a:ext uri="{FF2B5EF4-FFF2-40B4-BE49-F238E27FC236}">
+                <a16:creationId xmlns:a16="http://schemas.microsoft.com/office/drawing/2014/main" id="{175BE0E2-31AB-658D-6EBB-B713FB583365}"/>
+              </a:ext>
+            </a:extLst>
+          </p:cNvPr>
+          <p:cNvSpPr>
+            <a:spLocks noGrp="1"/>
+          </p:cNvSpPr>
+          <p:nvPr>
+            <p:ph type="dt" sz="half" idx="10"/>
+          </p:nvPr>
+        </p:nvSpPr>
+        <p:spPr/>
+        <p:txBody>
+          <a:bodyPr/>
+          <a:lstStyle/>
+          <a:p>
+            <a:fld id="{12AE7323-5CDD-4051-9975-1729D84443C7}" type="datetime1">
+              <a:rPr lang="de-DE" smtClean="0"/>
+              <a:t>10.01.2025</a:t>
+            </a:fld>
+            <a:endParaRPr lang="en-US"/>
+          </a:p>
+        </p:txBody>
+      </p:sp>
+      <p:sp>
+        <p:nvSpPr>
+          <p:cNvPr id="6" name="Foliennummernplatzhalter 5">
+            <a:extLst>
+              <a:ext uri="{FF2B5EF4-FFF2-40B4-BE49-F238E27FC236}">
+                <a16:creationId xmlns:a16="http://schemas.microsoft.com/office/drawing/2014/main" id="{E0949E57-58AB-441C-473B-B2C287EE958D}"/>
+              </a:ext>
+            </a:extLst>
+          </p:cNvPr>
+          <p:cNvSpPr>
+            <a:spLocks noGrp="1"/>
+          </p:cNvSpPr>
+          <p:nvPr>
+            <p:ph type="sldNum" sz="quarter" idx="12"/>
+          </p:nvPr>
+        </p:nvSpPr>
+        <p:spPr/>
+        <p:txBody>
+          <a:bodyPr/>
+          <a:lstStyle/>
+          <a:p>
+            <a:fld id="{07CE569E-9B7C-4CB9-AB80-C0841F922CFF}" type="slidenum">
+              <a:rPr lang="en-US" smtClean="0"/>
+              <a:t>13</a:t>
+            </a:fld>
+            <a:endParaRPr lang="en-US"/>
+          </a:p>
+        </p:txBody>
+      </p:sp>
+      <p:cxnSp>
+        <p:nvCxnSpPr>
+          <p:cNvPr id="7" name="Gerade Verbindung mit Pfeil 6">
+            <a:extLst>
+              <a:ext uri="{FF2B5EF4-FFF2-40B4-BE49-F238E27FC236}">
+                <a16:creationId xmlns:a16="http://schemas.microsoft.com/office/drawing/2014/main" id="{37FD134E-9D05-4999-A25C-C8CF34F9468B}"/>
+              </a:ext>
+            </a:extLst>
+          </p:cNvPr>
+          <p:cNvCxnSpPr>
+            <a:cxnSpLocks/>
+          </p:cNvCxnSpPr>
+          <p:nvPr/>
+        </p:nvCxnSpPr>
+        <p:spPr>
+          <a:xfrm flipV="1">
+            <a:off x="4940215" y="3522588"/>
+            <a:ext cx="2430217" cy="650513"/>
+          </a:xfrm>
+          <a:prstGeom prst="straightConnector1">
+            <a:avLst/>
+          </a:prstGeom>
+          <a:ln w="28575">
+            <a:solidFill>
+              <a:srgbClr val="FF0000"/>
+            </a:solidFill>
+            <a:tailEnd type="triangle"/>
+          </a:ln>
+        </p:spPr>
+        <p:style>
+          <a:lnRef idx="1">
+            <a:schemeClr val="accent1"/>
+          </a:lnRef>
+          <a:fillRef idx="0">
+            <a:schemeClr val="accent1"/>
+          </a:fillRef>
+          <a:effectRef idx="0">
+            <a:schemeClr val="accent1"/>
+          </a:effectRef>
+          <a:fontRef idx="minor">
+            <a:schemeClr val="tx1"/>
+          </a:fontRef>
+        </p:style>
+      </p:cxnSp>
+      <p:sp>
+        <p:nvSpPr>
+          <p:cNvPr id="12" name="Rechteck 11">
+            <a:extLst>
+              <a:ext uri="{FF2B5EF4-FFF2-40B4-BE49-F238E27FC236}">
+                <a16:creationId xmlns:a16="http://schemas.microsoft.com/office/drawing/2014/main" id="{FDCC6A87-D090-B124-0FD0-38D9706447C8}"/>
+              </a:ext>
+            </a:extLst>
+          </p:cNvPr>
+          <p:cNvSpPr/>
+          <p:nvPr/>
+        </p:nvSpPr>
+        <p:spPr>
+          <a:xfrm>
+            <a:off x="4486083" y="3002985"/>
+            <a:ext cx="386625" cy="2749337"/>
+          </a:xfrm>
+          <a:prstGeom prst="rect">
+            <a:avLst/>
+          </a:prstGeom>
+          <a:noFill/>
+          <a:ln w="28575">
+            <a:solidFill>
+              <a:srgbClr val="FF0000"/>
+            </a:solidFill>
+          </a:ln>
+        </p:spPr>
+        <p:style>
+          <a:lnRef idx="2">
+            <a:schemeClr val="accent1">
+              <a:shade val="15000"/>
+            </a:schemeClr>
+          </a:lnRef>
+          <a:fillRef idx="1">
+            <a:schemeClr val="accent1"/>
+          </a:fillRef>
+          <a:effectRef idx="0">
+            <a:schemeClr val="accent1"/>
+          </a:effectRef>
+          <a:fontRef idx="minor">
+            <a:schemeClr val="lt1"/>
+          </a:fontRef>
+        </p:style>
+        <p:txBody>
+          <a:bodyPr rtlCol="0" anchor="ctr"/>
+          <a:lstStyle/>
+          <a:p>
+            <a:pPr algn="ctr"/>
+            <a:endParaRPr lang="de-DE"/>
+          </a:p>
+        </p:txBody>
+      </p:sp>
+      <p:sp>
+        <p:nvSpPr>
+          <p:cNvPr id="16" name="Textfeld 15">
+            <a:extLst>
+              <a:ext uri="{FF2B5EF4-FFF2-40B4-BE49-F238E27FC236}">
+                <a16:creationId xmlns:a16="http://schemas.microsoft.com/office/drawing/2014/main" id="{3FEE51D1-14AA-8F50-D4F4-7F98825609E8}"/>
+              </a:ext>
+            </a:extLst>
+          </p:cNvPr>
+          <p:cNvSpPr txBox="1"/>
+          <p:nvPr/>
+        </p:nvSpPr>
+        <p:spPr>
+          <a:xfrm>
+            <a:off x="1601733" y="2373852"/>
+            <a:ext cx="3270975" cy="369332"/>
+          </a:xfrm>
+          <a:prstGeom prst="rect">
+            <a:avLst/>
+          </a:prstGeom>
+          <a:noFill/>
+        </p:spPr>
+        <p:txBody>
+          <a:bodyPr wrap="square" rtlCol="0">
+            <a:spAutoFit/>
+          </a:bodyPr>
+          <a:lstStyle/>
+          <a:p>
+            <a:r>
+              <a:rPr lang="en-US" b="1" dirty="0"/>
+              <a:t>“</a:t>
+            </a:r>
+            <a:r>
+              <a:rPr lang="en-US" b="1" dirty="0" err="1"/>
+              <a:t>klassische</a:t>
+            </a:r>
+            <a:r>
+              <a:rPr lang="en-US" b="1" dirty="0"/>
+              <a:t>” </a:t>
+            </a:r>
+            <a:r>
+              <a:rPr lang="en-US" b="1" dirty="0" err="1"/>
+              <a:t>Probleme</a:t>
+            </a:r>
+            <a:endParaRPr lang="de-DE" b="1" dirty="0"/>
+          </a:p>
+        </p:txBody>
+      </p:sp>
+      <p:sp>
+        <p:nvSpPr>
+          <p:cNvPr id="17" name="Titel 1">
+            <a:extLst>
+              <a:ext uri="{FF2B5EF4-FFF2-40B4-BE49-F238E27FC236}">
+                <a16:creationId xmlns:a16="http://schemas.microsoft.com/office/drawing/2014/main" id="{9D0596BB-A368-19AC-99B9-B074A422EC3F}"/>
+              </a:ext>
+            </a:extLst>
+          </p:cNvPr>
+          <p:cNvSpPr>
+            <a:spLocks noGrp="1"/>
+          </p:cNvSpPr>
+          <p:nvPr>
+            <p:ph type="title"/>
+          </p:nvPr>
+        </p:nvSpPr>
+        <p:spPr>
+          <a:xfrm>
+            <a:off x="762000" y="762000"/>
+            <a:ext cx="10668000" cy="1524000"/>
+          </a:xfrm>
+        </p:spPr>
         <p:txBody>
           <a:bodyPr/>
           <a:lstStyle/>
@@ -5581,12 +7860,147 @@
           </a:p>
         </p:txBody>
       </p:sp>
-      <p:sp>
-        <p:nvSpPr>
-          <p:cNvPr id="5" name="Datumsplatzhalter 4">
-            <a:extLst>
-              <a:ext uri="{FF2B5EF4-FFF2-40B4-BE49-F238E27FC236}">
-                <a16:creationId xmlns:a16="http://schemas.microsoft.com/office/drawing/2014/main" id="{6AF35EB7-BF13-9CF9-818F-42D64D4D5E06}"/>
+    </p:spTree>
+    <p:extLst>
+      <p:ext uri="{BB962C8B-B14F-4D97-AF65-F5344CB8AC3E}">
+        <p14:creationId xmlns:p14="http://schemas.microsoft.com/office/powerpoint/2010/main" val="2620450788"/>
+      </p:ext>
+    </p:extLst>
+  </p:cSld>
+  <p:clrMapOvr>
+    <a:masterClrMapping/>
+  </p:clrMapOvr>
+  <p:timing>
+    <p:tnLst>
+      <p:par>
+        <p:cTn id="1" dur="indefinite" restart="never" nodeType="tmRoot">
+          <p:childTnLst>
+            <p:seq concurrent="1" nextAc="seek">
+              <p:cTn id="2" dur="indefinite" nodeType="mainSeq">
+                <p:childTnLst>
+                  <p:par>
+                    <p:cTn id="3" fill="hold">
+                      <p:stCondLst>
+                        <p:cond delay="indefinite"/>
+                      </p:stCondLst>
+                      <p:childTnLst>
+                        <p:par>
+                          <p:cTn id="4" fill="hold">
+                            <p:stCondLst>
+                              <p:cond delay="0"/>
+                            </p:stCondLst>
+                            <p:childTnLst>
+                              <p:par>
+                                <p:cTn id="5" presetID="1" presetClass="entr" presetSubtype="0" fill="hold" nodeType="clickEffect">
+                                  <p:stCondLst>
+                                    <p:cond delay="0"/>
+                                  </p:stCondLst>
+                                  <p:childTnLst>
+                                    <p:set>
+                                      <p:cBhvr>
+                                        <p:cTn id="6" dur="1" fill="hold">
+                                          <p:stCondLst>
+                                            <p:cond delay="0"/>
+                                          </p:stCondLst>
+                                        </p:cTn>
+                                        <p:tgtEl>
+                                          <p:spTgt spid="7"/>
+                                        </p:tgtEl>
+                                        <p:attrNameLst>
+                                          <p:attrName>style.visibility</p:attrName>
+                                        </p:attrNameLst>
+                                      </p:cBhvr>
+                                      <p:to>
+                                        <p:strVal val="visible"/>
+                                      </p:to>
+                                    </p:set>
+                                  </p:childTnLst>
+                                </p:cTn>
+                              </p:par>
+                              <p:par>
+                                <p:cTn id="7" presetID="1" presetClass="entr" presetSubtype="0" fill="hold" grpId="0" nodeType="withEffect">
+                                  <p:stCondLst>
+                                    <p:cond delay="0"/>
+                                  </p:stCondLst>
+                                  <p:childTnLst>
+                                    <p:set>
+                                      <p:cBhvr>
+                                        <p:cTn id="8" dur="1" fill="hold">
+                                          <p:stCondLst>
+                                            <p:cond delay="0"/>
+                                          </p:stCondLst>
+                                        </p:cTn>
+                                        <p:tgtEl>
+                                          <p:spTgt spid="12"/>
+                                        </p:tgtEl>
+                                        <p:attrNameLst>
+                                          <p:attrName>style.visibility</p:attrName>
+                                        </p:attrNameLst>
+                                      </p:cBhvr>
+                                      <p:to>
+                                        <p:strVal val="visible"/>
+                                      </p:to>
+                                    </p:set>
+                                  </p:childTnLst>
+                                </p:cTn>
+                              </p:par>
+                            </p:childTnLst>
+                          </p:cTn>
+                        </p:par>
+                      </p:childTnLst>
+                    </p:cTn>
+                  </p:par>
+                </p:childTnLst>
+              </p:cTn>
+              <p:prevCondLst>
+                <p:cond evt="onPrev" delay="0">
+                  <p:tgtEl>
+                    <p:sldTgt/>
+                  </p:tgtEl>
+                </p:cond>
+              </p:prevCondLst>
+              <p:nextCondLst>
+                <p:cond evt="onNext" delay="0">
+                  <p:tgtEl>
+                    <p:sldTgt/>
+                  </p:tgtEl>
+                </p:cond>
+              </p:nextCondLst>
+            </p:seq>
+          </p:childTnLst>
+        </p:cTn>
+      </p:par>
+    </p:tnLst>
+    <p:bldLst>
+      <p:bldP spid="12" grpId="0" animBg="1"/>
+    </p:bldLst>
+  </p:timing>
+</p:sld>
+</file>
+
+<file path=ppt/slides/slide14.xml><?xml version="1.0" encoding="utf-8"?>
+<p:sld xmlns:a="http://schemas.openxmlformats.org/drawingml/2006/main" xmlns:r="http://schemas.openxmlformats.org/officeDocument/2006/relationships" xmlns:p="http://schemas.openxmlformats.org/presentationml/2006/main">
+  <p:cSld>
+    <p:spTree>
+      <p:nvGrpSpPr>
+        <p:cNvPr id="1" name=""/>
+        <p:cNvGrpSpPr/>
+        <p:nvPr/>
+      </p:nvGrpSpPr>
+      <p:grpSpPr>
+        <a:xfrm>
+          <a:off x="0" y="0"/>
+          <a:ext cx="0" cy="0"/>
+          <a:chOff x="0" y="0"/>
+          <a:chExt cx="0" cy="0"/>
+        </a:xfrm>
+      </p:grpSpPr>
+      <p:sp>
+        <p:nvSpPr>
+          <p:cNvPr id="2" name="Titel 1">
+            <a:extLst>
+              <a:ext uri="{FF2B5EF4-FFF2-40B4-BE49-F238E27FC236}">
+                <a16:creationId xmlns:a16="http://schemas.microsoft.com/office/drawing/2014/main" id="{87F9582B-573F-6C3F-9FF6-79F513507039}"/>
               </a:ext>
             </a:extLst>
           </p:cNvPr>
@@ -5594,7 +8008,7 @@
             <a:spLocks noGrp="1"/>
           </p:cNvSpPr>
           <p:nvPr>
-            <p:ph type="dt" sz="half" idx="10"/>
+            <p:ph type="title"/>
           </p:nvPr>
         </p:nvSpPr>
         <p:spPr/>
@@ -5602,20 +8016,20 @@
           <a:bodyPr/>
           <a:lstStyle/>
           <a:p>
-            <a:fld id="{12AE7323-5CDD-4051-9975-1729D84443C7}" type="datetime1">
-              <a:rPr lang="de-DE" smtClean="0"/>
-              <a:t>09.01.2025</a:t>
-            </a:fld>
-            <a:endParaRPr lang="en-US"/>
-          </a:p>
-        </p:txBody>
-      </p:sp>
-      <p:sp>
-        <p:nvSpPr>
-          <p:cNvPr id="6" name="Foliennummernplatzhalter 5">
-            <a:extLst>
-              <a:ext uri="{FF2B5EF4-FFF2-40B4-BE49-F238E27FC236}">
-                <a16:creationId xmlns:a16="http://schemas.microsoft.com/office/drawing/2014/main" id="{65FC5FEC-C21A-BF50-7AE5-B7D6995E7EA3}"/>
+            <a:r>
+              <a:rPr lang="de-DE" noProof="0" dirty="0"/>
+              <a:t>3. Produktzwischenstand</a:t>
+            </a:r>
+            <a:endParaRPr lang="de-DE" dirty="0"/>
+          </a:p>
+        </p:txBody>
+      </p:sp>
+      <p:sp>
+        <p:nvSpPr>
+          <p:cNvPr id="5" name="Datumsplatzhalter 4">
+            <a:extLst>
+              <a:ext uri="{FF2B5EF4-FFF2-40B4-BE49-F238E27FC236}">
+                <a16:creationId xmlns:a16="http://schemas.microsoft.com/office/drawing/2014/main" id="{6AF35EB7-BF13-9CF9-818F-42D64D4D5E06}"/>
               </a:ext>
             </a:extLst>
           </p:cNvPr>
@@ -5623,7 +8037,7 @@
             <a:spLocks noGrp="1"/>
           </p:cNvSpPr>
           <p:nvPr>
-            <p:ph type="sldNum" sz="quarter" idx="12"/>
+            <p:ph type="dt" sz="half" idx="10"/>
           </p:nvPr>
         </p:nvSpPr>
         <p:spPr/>
@@ -5631,9 +8045,38 @@
           <a:bodyPr/>
           <a:lstStyle/>
           <a:p>
+            <a:fld id="{12AE7323-5CDD-4051-9975-1729D84443C7}" type="datetime1">
+              <a:rPr lang="de-DE" smtClean="0"/>
+              <a:t>10.01.2025</a:t>
+            </a:fld>
+            <a:endParaRPr lang="en-US"/>
+          </a:p>
+        </p:txBody>
+      </p:sp>
+      <p:sp>
+        <p:nvSpPr>
+          <p:cNvPr id="6" name="Foliennummernplatzhalter 5">
+            <a:extLst>
+              <a:ext uri="{FF2B5EF4-FFF2-40B4-BE49-F238E27FC236}">
+                <a16:creationId xmlns:a16="http://schemas.microsoft.com/office/drawing/2014/main" id="{65FC5FEC-C21A-BF50-7AE5-B7D6995E7EA3}"/>
+              </a:ext>
+            </a:extLst>
+          </p:cNvPr>
+          <p:cNvSpPr>
+            <a:spLocks noGrp="1"/>
+          </p:cNvSpPr>
+          <p:nvPr>
+            <p:ph type="sldNum" sz="quarter" idx="12"/>
+          </p:nvPr>
+        </p:nvSpPr>
+        <p:spPr/>
+        <p:txBody>
+          <a:bodyPr/>
+          <a:lstStyle/>
+          <a:p>
             <a:fld id="{07CE569E-9B7C-4CB9-AB80-C0841F922CFF}" type="slidenum">
               <a:rPr lang="en-US" smtClean="0"/>
-              <a:t>10</a:t>
+              <a:t>14</a:t>
             </a:fld>
             <a:endParaRPr lang="en-US"/>
           </a:p>
@@ -5765,7 +8208,7 @@
 </p:sld>
 </file>
 
-<file path=ppt/slides/slide11.xml><?xml version="1.0" encoding="utf-8"?>
+<file path=ppt/slides/slide15.xml><?xml version="1.0" encoding="utf-8"?>
 <p:sld xmlns:a="http://schemas.openxmlformats.org/drawingml/2006/main" xmlns:r="http://schemas.openxmlformats.org/officeDocument/2006/relationships" xmlns:p="http://schemas.openxmlformats.org/presentationml/2006/main">
   <p:cSld>
     <p:spTree>
@@ -5862,7 +8305,7 @@
           <a:p>
             <a:fld id="{12AE7323-5CDD-4051-9975-1729D84443C7}" type="datetime1">
               <a:rPr lang="de-DE" smtClean="0"/>
-              <a:t>09.01.2025</a:t>
+              <a:t>10.01.2025</a:t>
             </a:fld>
             <a:endParaRPr lang="en-US"/>
           </a:p>
@@ -5891,7 +8334,7 @@
           <a:p>
             <a:fld id="{07CE569E-9B7C-4CB9-AB80-C0841F922CFF}" type="slidenum">
               <a:rPr lang="en-US" smtClean="0"/>
-              <a:t>11</a:t>
+              <a:t>15</a:t>
             </a:fld>
             <a:endParaRPr lang="en-US"/>
           </a:p>
@@ -5980,7 +8423,7 @@
 </p:sld>
 </file>
 
-<file path=ppt/slides/slide12.xml><?xml version="1.0" encoding="utf-8"?>
+<file path=ppt/slides/slide16.xml><?xml version="1.0" encoding="utf-8"?>
 <p:sld xmlns:a="http://schemas.openxmlformats.org/drawingml/2006/main" xmlns:r="http://schemas.openxmlformats.org/officeDocument/2006/relationships" xmlns:p="http://schemas.openxmlformats.org/presentationml/2006/main">
   <p:cSld>
     <p:spTree>
@@ -6054,7 +8497,7 @@
           <a:p>
             <a:fld id="{42B45B56-1D88-4042-8DF0-EB6B41B710D3}" type="datetime1">
               <a:rPr lang="de-DE" noProof="0" smtClean="0"/>
-              <a:t>09.01.2025</a:t>
+              <a:t>10.01.2025</a:t>
             </a:fld>
             <a:endParaRPr lang="de-DE" noProof="0" dirty="0"/>
           </a:p>
@@ -6083,7 +8526,7 @@
           <a:p>
             <a:fld id="{07CE569E-9B7C-4CB9-AB80-C0841F922CFF}" type="slidenum">
               <a:rPr lang="de-DE" noProof="0" smtClean="0"/>
-              <a:t>12</a:t>
+              <a:t>16</a:t>
             </a:fld>
             <a:endParaRPr lang="de-DE" noProof="0" dirty="0"/>
           </a:p>
@@ -6801,7 +9244,7 @@
 </p:sld>
 </file>
 
-<file path=ppt/slides/slide13.xml><?xml version="1.0" encoding="utf-8"?>
+<file path=ppt/slides/slide17.xml><?xml version="1.0" encoding="utf-8"?>
 <p:sld xmlns:a="http://schemas.openxmlformats.org/drawingml/2006/main" xmlns:r="http://schemas.openxmlformats.org/officeDocument/2006/relationships" xmlns:p="http://schemas.openxmlformats.org/presentationml/2006/main">
   <p:cSld>
     <p:spTree>
@@ -6875,7 +9318,7 @@
           <a:p>
             <a:fld id="{42B45B56-1D88-4042-8DF0-EB6B41B710D3}" type="datetime1">
               <a:rPr lang="de-DE" noProof="0" smtClean="0"/>
-              <a:t>09.01.2025</a:t>
+              <a:t>10.01.2025</a:t>
             </a:fld>
             <a:endParaRPr lang="de-DE" noProof="0" dirty="0"/>
           </a:p>
@@ -6904,7 +9347,7 @@
           <a:p>
             <a:fld id="{07CE569E-9B7C-4CB9-AB80-C0841F922CFF}" type="slidenum">
               <a:rPr lang="de-DE" noProof="0" smtClean="0"/>
-              <a:t>13</a:t>
+              <a:t>17</a:t>
             </a:fld>
             <a:endParaRPr lang="de-DE" noProof="0" dirty="0"/>
           </a:p>
@@ -7560,7 +10003,7 @@
 </p:sld>
 </file>
 
-<file path=ppt/slides/slide14.xml><?xml version="1.0" encoding="utf-8"?>
+<file path=ppt/slides/slide18.xml><?xml version="1.0" encoding="utf-8"?>
 <p:sld xmlns:a="http://schemas.openxmlformats.org/drawingml/2006/main" xmlns:r="http://schemas.openxmlformats.org/officeDocument/2006/relationships" xmlns:p="http://schemas.openxmlformats.org/presentationml/2006/main">
   <p:cSld>
     <p:spTree>
@@ -7634,7 +10077,7 @@
           <a:p>
             <a:fld id="{42B45B56-1D88-4042-8DF0-EB6B41B710D3}" type="datetime1">
               <a:rPr lang="de-DE" noProof="0" smtClean="0"/>
-              <a:t>09.01.2025</a:t>
+              <a:t>10.01.2025</a:t>
             </a:fld>
             <a:endParaRPr lang="de-DE" noProof="0" dirty="0"/>
           </a:p>
@@ -7663,7 +10106,7 @@
           <a:p>
             <a:fld id="{07CE569E-9B7C-4CB9-AB80-C0841F922CFF}" type="slidenum">
               <a:rPr lang="de-DE" noProof="0" smtClean="0"/>
-              <a:t>14</a:t>
+              <a:t>18</a:t>
             </a:fld>
             <a:endParaRPr lang="de-DE" noProof="0" dirty="0"/>
           </a:p>
@@ -8072,7 +10515,7 @@
 </p:sld>
 </file>
 
-<file path=ppt/slides/slide15.xml><?xml version="1.0" encoding="utf-8"?>
+<file path=ppt/slides/slide19.xml><?xml version="1.0" encoding="utf-8"?>
 <p:sld xmlns:a="http://schemas.openxmlformats.org/drawingml/2006/main" xmlns:r="http://schemas.openxmlformats.org/officeDocument/2006/relationships" xmlns:p="http://schemas.openxmlformats.org/presentationml/2006/main">
   <p:cSld>
     <p:spTree>
@@ -8187,7 +10630,7 @@
           <a:p>
             <a:fld id="{42B45B56-1D88-4042-8DF0-EB6B41B710D3}" type="datetime1">
               <a:rPr lang="de-DE" noProof="0" smtClean="0"/>
-              <a:t>09.01.2025</a:t>
+              <a:t>10.01.2025</a:t>
             </a:fld>
             <a:endParaRPr lang="de-DE" noProof="0" dirty="0"/>
           </a:p>
@@ -8216,7 +10659,7 @@
           <a:p>
             <a:fld id="{07CE569E-9B7C-4CB9-AB80-C0841F922CFF}" type="slidenum">
               <a:rPr lang="de-DE" noProof="0" smtClean="0"/>
-              <a:t>15</a:t>
+              <a:t>19</a:t>
             </a:fld>
             <a:endParaRPr lang="de-DE" noProof="0" dirty="0"/>
           </a:p>
@@ -8235,7 +10678,220 @@
 </p:sld>
 </file>
 
-<file path=ppt/slides/slide16.xml><?xml version="1.0" encoding="utf-8"?>
+<file path=ppt/slides/slide2.xml><?xml version="1.0" encoding="utf-8"?>
+<p:sld xmlns:a="http://schemas.openxmlformats.org/drawingml/2006/main" xmlns:r="http://schemas.openxmlformats.org/officeDocument/2006/relationships" xmlns:p="http://schemas.openxmlformats.org/presentationml/2006/main">
+  <p:cSld>
+    <p:spTree>
+      <p:nvGrpSpPr>
+        <p:cNvPr id="1" name=""/>
+        <p:cNvGrpSpPr/>
+        <p:nvPr/>
+      </p:nvGrpSpPr>
+      <p:grpSpPr>
+        <a:xfrm>
+          <a:off x="0" y="0"/>
+          <a:ext cx="0" cy="0"/>
+          <a:chOff x="0" y="0"/>
+          <a:chExt cx="0" cy="0"/>
+        </a:xfrm>
+      </p:grpSpPr>
+      <p:sp>
+        <p:nvSpPr>
+          <p:cNvPr id="11" name="Titel 10">
+            <a:extLst>
+              <a:ext uri="{FF2B5EF4-FFF2-40B4-BE49-F238E27FC236}">
+                <a16:creationId xmlns:a16="http://schemas.microsoft.com/office/drawing/2014/main" id="{1118431B-1496-0A82-1676-FAA6A30588CC}"/>
+              </a:ext>
+            </a:extLst>
+          </p:cNvPr>
+          <p:cNvSpPr>
+            <a:spLocks noGrp="1"/>
+          </p:cNvSpPr>
+          <p:nvPr>
+            <p:ph type="title"/>
+          </p:nvPr>
+        </p:nvSpPr>
+        <p:spPr/>
+        <p:txBody>
+          <a:bodyPr/>
+          <a:lstStyle/>
+          <a:p>
+            <a:r>
+              <a:rPr lang="de-DE" noProof="0" dirty="0"/>
+              <a:t>INHALTSVERZEICHNIS</a:t>
+            </a:r>
+          </a:p>
+        </p:txBody>
+      </p:sp>
+      <p:sp>
+        <p:nvSpPr>
+          <p:cNvPr id="12" name="Inhaltsplatzhalter 11">
+            <a:extLst>
+              <a:ext uri="{FF2B5EF4-FFF2-40B4-BE49-F238E27FC236}">
+                <a16:creationId xmlns:a16="http://schemas.microsoft.com/office/drawing/2014/main" id="{DFE3170E-AE62-0144-BDDB-D9C60B4C7C94}"/>
+              </a:ext>
+            </a:extLst>
+          </p:cNvPr>
+          <p:cNvSpPr>
+            <a:spLocks noGrp="1"/>
+          </p:cNvSpPr>
+          <p:nvPr>
+            <p:ph idx="1"/>
+          </p:nvPr>
+        </p:nvSpPr>
+        <p:spPr/>
+        <p:txBody>
+          <a:bodyPr>
+            <a:normAutofit fontScale="92500" lnSpcReduction="20000"/>
+          </a:bodyPr>
+          <a:lstStyle/>
+          <a:p>
+            <a:pPr marL="514350" indent="-514350">
+              <a:buFont typeface="+mj-lt"/>
+              <a:buAutoNum type="arabicPeriod"/>
+            </a:pPr>
+            <a:r>
+              <a:rPr lang="de-DE" noProof="0" dirty="0"/>
+              <a:t>Produktvorstellung</a:t>
+            </a:r>
+          </a:p>
+          <a:p>
+            <a:pPr marL="971550" lvl="1" indent="-514350">
+              <a:buFont typeface="+mj-lt"/>
+              <a:buAutoNum type="arabicPeriod"/>
+            </a:pPr>
+            <a:r>
+              <a:rPr lang="de-DE" dirty="0" err="1"/>
+              <a:t>Xx</a:t>
+            </a:r>
+            <a:endParaRPr lang="de-DE" dirty="0"/>
+          </a:p>
+          <a:p>
+            <a:pPr marL="971550" lvl="1" indent="-514350">
+              <a:buFont typeface="+mj-lt"/>
+              <a:buAutoNum type="arabicPeriod"/>
+            </a:pPr>
+            <a:r>
+              <a:rPr lang="de-DE" noProof="0" dirty="0" err="1"/>
+              <a:t>Xx</a:t>
+            </a:r>
+            <a:endParaRPr lang="de-DE" noProof="0" dirty="0"/>
+          </a:p>
+          <a:p>
+            <a:pPr marL="514350" indent="-514350">
+              <a:buFont typeface="+mj-lt"/>
+              <a:buAutoNum type="arabicPeriod"/>
+            </a:pPr>
+            <a:r>
+              <a:rPr lang="de-DE" noProof="0" dirty="0"/>
+              <a:t>Sprint 3</a:t>
+            </a:r>
+          </a:p>
+          <a:p>
+            <a:pPr marL="514350" indent="-514350">
+              <a:buFont typeface="+mj-lt"/>
+              <a:buAutoNum type="arabicPeriod"/>
+            </a:pPr>
+            <a:r>
+              <a:rPr lang="de-DE" noProof="0" dirty="0"/>
+              <a:t>Retrospektive</a:t>
+            </a:r>
+          </a:p>
+          <a:p>
+            <a:pPr marL="971550" lvl="1" indent="-514350">
+              <a:buFont typeface="+mj-lt"/>
+              <a:buAutoNum type="arabicPeriod"/>
+            </a:pPr>
+            <a:r>
+              <a:rPr lang="de-DE" noProof="0" dirty="0"/>
+              <a:t>Stunden</a:t>
+            </a:r>
+          </a:p>
+          <a:p>
+            <a:pPr marL="971550" lvl="1" indent="-514350">
+              <a:buFont typeface="+mj-lt"/>
+              <a:buAutoNum type="arabicPeriod"/>
+            </a:pPr>
+            <a:r>
+              <a:rPr lang="de-DE" dirty="0"/>
+              <a:t>Bewertung</a:t>
+            </a:r>
+            <a:endParaRPr lang="de-DE" noProof="0" dirty="0"/>
+          </a:p>
+        </p:txBody>
+      </p:sp>
+      <p:sp>
+        <p:nvSpPr>
+          <p:cNvPr id="16" name="Datumsplatzhalter 15">
+            <a:extLst>
+              <a:ext uri="{FF2B5EF4-FFF2-40B4-BE49-F238E27FC236}">
+                <a16:creationId xmlns:a16="http://schemas.microsoft.com/office/drawing/2014/main" id="{1D85867B-85E2-65F9-23F4-3499A505A0CD}"/>
+              </a:ext>
+            </a:extLst>
+          </p:cNvPr>
+          <p:cNvSpPr>
+            <a:spLocks noGrp="1"/>
+          </p:cNvSpPr>
+          <p:nvPr>
+            <p:ph type="dt" sz="half" idx="10"/>
+          </p:nvPr>
+        </p:nvSpPr>
+        <p:spPr/>
+        <p:txBody>
+          <a:bodyPr/>
+          <a:lstStyle/>
+          <a:p>
+            <a:fld id="{AE5E781B-AB27-45A9-B2F3-7F70593BE83B}" type="datetime1">
+              <a:rPr lang="de-DE" noProof="0" smtClean="0"/>
+              <a:t>10.01.2025</a:t>
+            </a:fld>
+            <a:endParaRPr lang="de-DE" noProof="0" dirty="0"/>
+          </a:p>
+        </p:txBody>
+      </p:sp>
+      <p:sp>
+        <p:nvSpPr>
+          <p:cNvPr id="17" name="Foliennummernplatzhalter 16">
+            <a:extLst>
+              <a:ext uri="{FF2B5EF4-FFF2-40B4-BE49-F238E27FC236}">
+                <a16:creationId xmlns:a16="http://schemas.microsoft.com/office/drawing/2014/main" id="{E760C18F-75BC-9CF5-53D0-7B2D9937E501}"/>
+              </a:ext>
+            </a:extLst>
+          </p:cNvPr>
+          <p:cNvSpPr>
+            <a:spLocks noGrp="1"/>
+          </p:cNvSpPr>
+          <p:nvPr>
+            <p:ph type="sldNum" sz="quarter" idx="12"/>
+          </p:nvPr>
+        </p:nvSpPr>
+        <p:spPr/>
+        <p:txBody>
+          <a:bodyPr/>
+          <a:lstStyle/>
+          <a:p>
+            <a:fld id="{07CE569E-9B7C-4CB9-AB80-C0841F922CFF}" type="slidenum">
+              <a:rPr lang="de-DE" noProof="0" smtClean="0"/>
+              <a:t>2</a:t>
+            </a:fld>
+            <a:endParaRPr lang="de-DE" noProof="0" dirty="0"/>
+          </a:p>
+        </p:txBody>
+      </p:sp>
+    </p:spTree>
+    <p:extLst>
+      <p:ext uri="{BB962C8B-B14F-4D97-AF65-F5344CB8AC3E}">
+        <p14:creationId xmlns:p14="http://schemas.microsoft.com/office/powerpoint/2010/main" val="1411604025"/>
+      </p:ext>
+    </p:extLst>
+  </p:cSld>
+  <p:clrMapOvr>
+    <a:masterClrMapping/>
+  </p:clrMapOvr>
+</p:sld>
+</file>
+
+<file path=ppt/slides/slide20.xml><?xml version="1.0" encoding="utf-8"?>
 <p:sld xmlns:a="http://schemas.openxmlformats.org/drawingml/2006/main" xmlns:r="http://schemas.openxmlformats.org/officeDocument/2006/relationships" xmlns:p="http://schemas.openxmlformats.org/presentationml/2006/main">
   <p:cSld>
     <p:spTree>
@@ -8456,7 +11112,7 @@
           <a:p>
             <a:fld id="{42B45B56-1D88-4042-8DF0-EB6B41B710D3}" type="datetime1">
               <a:rPr lang="de-DE" noProof="0" smtClean="0"/>
-              <a:t>09.01.2025</a:t>
+              <a:t>10.01.2025</a:t>
             </a:fld>
             <a:endParaRPr lang="de-DE" noProof="0" dirty="0"/>
           </a:p>
@@ -8485,7 +11141,7 @@
           <a:p>
             <a:fld id="{07CE569E-9B7C-4CB9-AB80-C0841F922CFF}" type="slidenum">
               <a:rPr lang="de-DE" noProof="0" smtClean="0"/>
-              <a:t>16</a:t>
+              <a:t>20</a:t>
             </a:fld>
             <a:endParaRPr lang="de-DE" noProof="0" dirty="0"/>
           </a:p>
@@ -8504,7 +11160,7 @@
 </p:sld>
 </file>
 
-<file path=ppt/slides/slide17.xml><?xml version="1.0" encoding="utf-8"?>
+<file path=ppt/slides/slide21.xml><?xml version="1.0" encoding="utf-8"?>
 <p:sld xmlns:a="http://schemas.openxmlformats.org/drawingml/2006/main" xmlns:r="http://schemas.openxmlformats.org/officeDocument/2006/relationships" xmlns:p="http://schemas.openxmlformats.org/presentationml/2006/main">
   <p:cSld>
     <p:spTree>
@@ -8715,7 +11371,7 @@
           <a:p>
             <a:fld id="{42B45B56-1D88-4042-8DF0-EB6B41B710D3}" type="datetime1">
               <a:rPr lang="de-DE" noProof="0" smtClean="0"/>
-              <a:t>09.01.2025</a:t>
+              <a:t>10.01.2025</a:t>
             </a:fld>
             <a:endParaRPr lang="de-DE" noProof="0" dirty="0"/>
           </a:p>
@@ -8744,7 +11400,7 @@
           <a:p>
             <a:fld id="{07CE569E-9B7C-4CB9-AB80-C0841F922CFF}" type="slidenum">
               <a:rPr lang="de-DE" noProof="0" smtClean="0"/>
-              <a:t>17</a:t>
+              <a:t>21</a:t>
             </a:fld>
             <a:endParaRPr lang="de-DE" noProof="0" dirty="0"/>
           </a:p>
@@ -8763,7 +11419,7 @@
 </p:sld>
 </file>
 
-<file path=ppt/slides/slide18.xml><?xml version="1.0" encoding="utf-8"?>
+<file path=ppt/slides/slide22.xml><?xml version="1.0" encoding="utf-8"?>
 <p:sld xmlns:a="http://schemas.openxmlformats.org/drawingml/2006/main" xmlns:r="http://schemas.openxmlformats.org/officeDocument/2006/relationships" xmlns:p="http://schemas.openxmlformats.org/presentationml/2006/main">
   <p:cSld>
     <p:bg>
@@ -9644,7 +12300,7 @@
                   <a:spcPts val="600"/>
                 </a:spcAft>
               </a:pPr>
-              <a:t>1/9/2025</a:t>
+              <a:t>1/10/2025</a:t>
             </a:fld>
             <a:endParaRPr lang="en-US" noProof="0">
               <a:solidFill>
@@ -10119,7 +12775,7 @@
                   <a:spcPts val="600"/>
                 </a:spcAft>
               </a:pPr>
-              <a:t>18</a:t>
+              <a:t>22</a:t>
             </a:fld>
             <a:endParaRPr lang="en-US" noProof="0">
               <a:solidFill>
@@ -10135,219 +12791,6 @@
     <p:extLst>
       <p:ext uri="{BB962C8B-B14F-4D97-AF65-F5344CB8AC3E}">
         <p14:creationId xmlns:p14="http://schemas.microsoft.com/office/powerpoint/2010/main" val="3837604972"/>
-      </p:ext>
-    </p:extLst>
-  </p:cSld>
-  <p:clrMapOvr>
-    <a:masterClrMapping/>
-  </p:clrMapOvr>
-</p:sld>
-</file>
-
-<file path=ppt/slides/slide2.xml><?xml version="1.0" encoding="utf-8"?>
-<p:sld xmlns:a="http://schemas.openxmlformats.org/drawingml/2006/main" xmlns:r="http://schemas.openxmlformats.org/officeDocument/2006/relationships" xmlns:p="http://schemas.openxmlformats.org/presentationml/2006/main">
-  <p:cSld>
-    <p:spTree>
-      <p:nvGrpSpPr>
-        <p:cNvPr id="1" name=""/>
-        <p:cNvGrpSpPr/>
-        <p:nvPr/>
-      </p:nvGrpSpPr>
-      <p:grpSpPr>
-        <a:xfrm>
-          <a:off x="0" y="0"/>
-          <a:ext cx="0" cy="0"/>
-          <a:chOff x="0" y="0"/>
-          <a:chExt cx="0" cy="0"/>
-        </a:xfrm>
-      </p:grpSpPr>
-      <p:sp>
-        <p:nvSpPr>
-          <p:cNvPr id="11" name="Titel 10">
-            <a:extLst>
-              <a:ext uri="{FF2B5EF4-FFF2-40B4-BE49-F238E27FC236}">
-                <a16:creationId xmlns:a16="http://schemas.microsoft.com/office/drawing/2014/main" id="{1118431B-1496-0A82-1676-FAA6A30588CC}"/>
-              </a:ext>
-            </a:extLst>
-          </p:cNvPr>
-          <p:cNvSpPr>
-            <a:spLocks noGrp="1"/>
-          </p:cNvSpPr>
-          <p:nvPr>
-            <p:ph type="title"/>
-          </p:nvPr>
-        </p:nvSpPr>
-        <p:spPr/>
-        <p:txBody>
-          <a:bodyPr/>
-          <a:lstStyle/>
-          <a:p>
-            <a:r>
-              <a:rPr lang="de-DE" noProof="0" dirty="0"/>
-              <a:t>INHALTSVERZEICHNIS</a:t>
-            </a:r>
-          </a:p>
-        </p:txBody>
-      </p:sp>
-      <p:sp>
-        <p:nvSpPr>
-          <p:cNvPr id="12" name="Inhaltsplatzhalter 11">
-            <a:extLst>
-              <a:ext uri="{FF2B5EF4-FFF2-40B4-BE49-F238E27FC236}">
-                <a16:creationId xmlns:a16="http://schemas.microsoft.com/office/drawing/2014/main" id="{DFE3170E-AE62-0144-BDDB-D9C60B4C7C94}"/>
-              </a:ext>
-            </a:extLst>
-          </p:cNvPr>
-          <p:cNvSpPr>
-            <a:spLocks noGrp="1"/>
-          </p:cNvSpPr>
-          <p:nvPr>
-            <p:ph idx="1"/>
-          </p:nvPr>
-        </p:nvSpPr>
-        <p:spPr/>
-        <p:txBody>
-          <a:bodyPr>
-            <a:normAutofit fontScale="92500" lnSpcReduction="20000"/>
-          </a:bodyPr>
-          <a:lstStyle/>
-          <a:p>
-            <a:pPr marL="514350" indent="-514350">
-              <a:buFont typeface="+mj-lt"/>
-              <a:buAutoNum type="arabicPeriod"/>
-            </a:pPr>
-            <a:r>
-              <a:rPr lang="de-DE" noProof="0" dirty="0"/>
-              <a:t>Produktvorstellung</a:t>
-            </a:r>
-          </a:p>
-          <a:p>
-            <a:pPr marL="971550" lvl="1" indent="-514350">
-              <a:buFont typeface="+mj-lt"/>
-              <a:buAutoNum type="arabicPeriod"/>
-            </a:pPr>
-            <a:r>
-              <a:rPr lang="de-DE" dirty="0" err="1"/>
-              <a:t>Xx</a:t>
-            </a:r>
-            <a:endParaRPr lang="de-DE" dirty="0"/>
-          </a:p>
-          <a:p>
-            <a:pPr marL="971550" lvl="1" indent="-514350">
-              <a:buFont typeface="+mj-lt"/>
-              <a:buAutoNum type="arabicPeriod"/>
-            </a:pPr>
-            <a:r>
-              <a:rPr lang="de-DE" noProof="0" dirty="0" err="1"/>
-              <a:t>Xx</a:t>
-            </a:r>
-            <a:endParaRPr lang="de-DE" noProof="0" dirty="0"/>
-          </a:p>
-          <a:p>
-            <a:pPr marL="514350" indent="-514350">
-              <a:buFont typeface="+mj-lt"/>
-              <a:buAutoNum type="arabicPeriod"/>
-            </a:pPr>
-            <a:r>
-              <a:rPr lang="de-DE" noProof="0" dirty="0"/>
-              <a:t>Sprint 3</a:t>
-            </a:r>
-          </a:p>
-          <a:p>
-            <a:pPr marL="514350" indent="-514350">
-              <a:buFont typeface="+mj-lt"/>
-              <a:buAutoNum type="arabicPeriod"/>
-            </a:pPr>
-            <a:r>
-              <a:rPr lang="de-DE" noProof="0" dirty="0"/>
-              <a:t>Retrospektive</a:t>
-            </a:r>
-          </a:p>
-          <a:p>
-            <a:pPr marL="971550" lvl="1" indent="-514350">
-              <a:buFont typeface="+mj-lt"/>
-              <a:buAutoNum type="arabicPeriod"/>
-            </a:pPr>
-            <a:r>
-              <a:rPr lang="de-DE" noProof="0" dirty="0"/>
-              <a:t>Stunden</a:t>
-            </a:r>
-          </a:p>
-          <a:p>
-            <a:pPr marL="971550" lvl="1" indent="-514350">
-              <a:buFont typeface="+mj-lt"/>
-              <a:buAutoNum type="arabicPeriod"/>
-            </a:pPr>
-            <a:r>
-              <a:rPr lang="de-DE" dirty="0"/>
-              <a:t>Bewertung</a:t>
-            </a:r>
-            <a:endParaRPr lang="de-DE" noProof="0" dirty="0"/>
-          </a:p>
-        </p:txBody>
-      </p:sp>
-      <p:sp>
-        <p:nvSpPr>
-          <p:cNvPr id="16" name="Datumsplatzhalter 15">
-            <a:extLst>
-              <a:ext uri="{FF2B5EF4-FFF2-40B4-BE49-F238E27FC236}">
-                <a16:creationId xmlns:a16="http://schemas.microsoft.com/office/drawing/2014/main" id="{1D85867B-85E2-65F9-23F4-3499A505A0CD}"/>
-              </a:ext>
-            </a:extLst>
-          </p:cNvPr>
-          <p:cNvSpPr>
-            <a:spLocks noGrp="1"/>
-          </p:cNvSpPr>
-          <p:nvPr>
-            <p:ph type="dt" sz="half" idx="10"/>
-          </p:nvPr>
-        </p:nvSpPr>
-        <p:spPr/>
-        <p:txBody>
-          <a:bodyPr/>
-          <a:lstStyle/>
-          <a:p>
-            <a:fld id="{AE5E781B-AB27-45A9-B2F3-7F70593BE83B}" type="datetime1">
-              <a:rPr lang="de-DE" noProof="0" smtClean="0"/>
-              <a:t>09.01.2025</a:t>
-            </a:fld>
-            <a:endParaRPr lang="de-DE" noProof="0" dirty="0"/>
-          </a:p>
-        </p:txBody>
-      </p:sp>
-      <p:sp>
-        <p:nvSpPr>
-          <p:cNvPr id="17" name="Foliennummernplatzhalter 16">
-            <a:extLst>
-              <a:ext uri="{FF2B5EF4-FFF2-40B4-BE49-F238E27FC236}">
-                <a16:creationId xmlns:a16="http://schemas.microsoft.com/office/drawing/2014/main" id="{E760C18F-75BC-9CF5-53D0-7B2D9937E501}"/>
-              </a:ext>
-            </a:extLst>
-          </p:cNvPr>
-          <p:cNvSpPr>
-            <a:spLocks noGrp="1"/>
-          </p:cNvSpPr>
-          <p:nvPr>
-            <p:ph type="sldNum" sz="quarter" idx="12"/>
-          </p:nvPr>
-        </p:nvSpPr>
-        <p:spPr/>
-        <p:txBody>
-          <a:bodyPr/>
-          <a:lstStyle/>
-          <a:p>
-            <a:fld id="{07CE569E-9B7C-4CB9-AB80-C0841F922CFF}" type="slidenum">
-              <a:rPr lang="de-DE" noProof="0" smtClean="0"/>
-              <a:t>2</a:t>
-            </a:fld>
-            <a:endParaRPr lang="de-DE" noProof="0" dirty="0"/>
-          </a:p>
-        </p:txBody>
-      </p:sp>
-    </p:spTree>
-    <p:extLst>
-      <p:ext uri="{BB962C8B-B14F-4D97-AF65-F5344CB8AC3E}">
-        <p14:creationId xmlns:p14="http://schemas.microsoft.com/office/powerpoint/2010/main" val="1411604025"/>
       </p:ext>
     </p:extLst>
   </p:cSld>
@@ -10425,7 +12868,7 @@
           <a:p>
             <a:fld id="{42B45B56-1D88-4042-8DF0-EB6B41B710D3}" type="datetime1">
               <a:rPr lang="de-DE" noProof="0" smtClean="0"/>
-              <a:t>09.01.2025</a:t>
+              <a:t>10.01.2025</a:t>
             </a:fld>
             <a:endParaRPr lang="de-DE" noProof="0" dirty="0"/>
           </a:p>
@@ -10518,7 +12961,7 @@
           <a:p>
             <a:fld id="{42B45B56-1D88-4042-8DF0-EB6B41B710D3}" type="datetime1">
               <a:rPr lang="de-DE" noProof="0" smtClean="0"/>
-              <a:t>09.01.2025</a:t>
+              <a:t>10.01.2025</a:t>
             </a:fld>
             <a:endParaRPr lang="de-DE" noProof="0" dirty="0"/>
           </a:p>
@@ -10553,75 +12996,6 @@
           </a:p>
         </p:txBody>
       </p:sp>
-      <p:pic>
-        <p:nvPicPr>
-          <p:cNvPr id="7" name="Grafik 6">
-            <a:extLst>
-              <a:ext uri="{FF2B5EF4-FFF2-40B4-BE49-F238E27FC236}">
-                <a16:creationId xmlns:a16="http://schemas.microsoft.com/office/drawing/2014/main" id="{9EE64947-1585-1D71-6FB0-802AB58A0847}"/>
-              </a:ext>
-            </a:extLst>
-          </p:cNvPr>
-          <p:cNvPicPr>
-            <a:picLocks noChangeAspect="1"/>
-          </p:cNvPicPr>
-          <p:nvPr/>
-        </p:nvPicPr>
-        <p:blipFill>
-          <a:blip r:embed="rId2"/>
-          <a:stretch>
-            <a:fillRect/>
-          </a:stretch>
-        </p:blipFill>
-        <p:spPr>
-          <a:xfrm>
-            <a:off x="6884925" y="6278906"/>
-            <a:ext cx="1738967" cy="451906"/>
-          </a:xfrm>
-          <a:prstGeom prst="rect">
-            <a:avLst/>
-          </a:prstGeom>
-        </p:spPr>
-      </p:pic>
-      <p:sp>
-        <p:nvSpPr>
-          <p:cNvPr id="12" name="Textfeld 11">
-            <a:extLst>
-              <a:ext uri="{FF2B5EF4-FFF2-40B4-BE49-F238E27FC236}">
-                <a16:creationId xmlns:a16="http://schemas.microsoft.com/office/drawing/2014/main" id="{33E3BD1F-1F58-5D3B-FF37-29C0E753A58D}"/>
-              </a:ext>
-            </a:extLst>
-          </p:cNvPr>
-          <p:cNvSpPr txBox="1"/>
-          <p:nvPr/>
-        </p:nvSpPr>
-        <p:spPr>
-          <a:xfrm>
-            <a:off x="6884925" y="6327056"/>
-            <a:ext cx="1524000" cy="369332"/>
-          </a:xfrm>
-          <a:prstGeom prst="rect">
-            <a:avLst/>
-          </a:prstGeom>
-          <a:noFill/>
-        </p:spPr>
-        <p:txBody>
-          <a:bodyPr wrap="square" rtlCol="0">
-            <a:spAutoFit/>
-          </a:bodyPr>
-          <a:lstStyle/>
-          <a:p>
-            <a:r>
-              <a:rPr lang="de-DE" noProof="0" dirty="0">
-                <a:solidFill>
-                  <a:srgbClr val="FF0000"/>
-                </a:solidFill>
-              </a:rPr>
-              <a:t>Summe  42</a:t>
-            </a:r>
-          </a:p>
-        </p:txBody>
-      </p:sp>
       <p:graphicFrame>
         <p:nvGraphicFramePr>
           <p:cNvPr id="8" name="Inhaltsplatzhalter 2">
@@ -10634,11 +13008,17 @@
           <p:cNvGraphicFramePr>
             <a:graphicFrameLocks/>
           </p:cNvGraphicFramePr>
-          <p:nvPr/>
+          <p:nvPr>
+            <p:extLst>
+              <p:ext uri="{D42A27DB-BD31-4B8C-83A1-F6EECF244321}">
+                <p14:modId xmlns:p14="http://schemas.microsoft.com/office/powerpoint/2010/main" val="246693028"/>
+              </p:ext>
+            </p:extLst>
+          </p:nvPr>
         </p:nvGraphicFramePr>
         <p:xfrm>
           <a:off x="762000" y="1916681"/>
-          <a:ext cx="9647581" cy="4179319"/>
+          <a:ext cx="9647581" cy="4598635"/>
         </p:xfrm>
         <a:graphic>
           <a:graphicData uri="http://schemas.openxmlformats.org/drawingml/2006/table">
@@ -10763,7 +13143,7 @@
                     <a:p>
                       <a:r>
                         <a:rPr lang="de-DE" sz="1400" noProof="0" dirty="0"/>
-                        <a:t>Dokumentation + Projekt Management + Architekturdokument</a:t>
+                        <a:t>Dokumentation &amp; Organisation</a:t>
                       </a:r>
                     </a:p>
                   </a:txBody>
@@ -10789,7 +13169,7 @@
                     <a:p>
                       <a:r>
                         <a:rPr lang="de-DE" sz="1400" noProof="0" dirty="0"/>
-                        <a:t>16</a:t>
+                        <a:t>10</a:t>
                       </a:r>
                     </a:p>
                   </a:txBody>
@@ -10801,8 +13181,12 @@
                     <a:lstStyle/>
                     <a:p>
                       <a:r>
+                        <a:rPr lang="en-US" sz="1400" noProof="0" dirty="0"/>
+                        <a:t>1</a:t>
+                      </a:r>
+                      <a:r>
                         <a:rPr lang="de-DE" sz="1400" noProof="0" dirty="0"/>
-                        <a:t>14</a:t>
+                        <a:t>2</a:t>
                       </a:r>
                     </a:p>
                   </a:txBody>
@@ -10852,7 +13236,7 @@
                       </a:pPr>
                       <a:r>
                         <a:rPr lang="de-DE" sz="1400" noProof="0" dirty="0"/>
-                        <a:t>Implementierung der Küchenansicht</a:t>
+                        <a:t>Layout / Design</a:t>
                       </a:r>
                     </a:p>
                   </a:txBody>
@@ -10871,13 +13255,20 @@
                     <a:p>
                       <a:r>
                         <a:rPr lang="de-DE" sz="1400" noProof="0" dirty="0"/>
-                        <a:t>Vincent Knapp</a:t>
-                      </a:r>
-                    </a:p>
+                        <a:t>René Weber</a:t>
+                      </a:r>
+                    </a:p>
+                  </a:txBody>
+                  <a:tcPr/>
+                </a:tc>
+                <a:tc>
+                  <a:txBody>
+                    <a:bodyPr/>
+                    <a:lstStyle/>
                     <a:p>
                       <a:r>
                         <a:rPr lang="de-DE" sz="1400" noProof="0" dirty="0"/>
-                        <a:t>René Weber</a:t>
+                        <a:t>9</a:t>
                       </a:r>
                     </a:p>
                   </a:txBody>
@@ -10889,21 +13280,12 @@
                     <a:lstStyle/>
                     <a:p>
                       <a:r>
+                        <a:rPr lang="en-US" sz="1400" noProof="0" dirty="0"/>
+                        <a:t>1</a:t>
+                      </a:r>
+                      <a:r>
                         <a:rPr lang="de-DE" sz="1400" noProof="0" dirty="0"/>
-                        <a:t>5</a:t>
-                      </a:r>
-                    </a:p>
-                  </a:txBody>
-                  <a:tcPr/>
-                </a:tc>
-                <a:tc>
-                  <a:txBody>
-                    <a:bodyPr/>
-                    <a:lstStyle/>
-                    <a:p>
-                      <a:r>
-                        <a:rPr lang="de-DE" sz="1400" noProof="0" dirty="0"/>
-                        <a:t>7</a:t>
+                        <a:t>2</a:t>
                       </a:r>
                     </a:p>
                   </a:txBody>
@@ -10936,7 +13318,7 @@
                     <a:p>
                       <a:r>
                         <a:rPr lang="de-DE" sz="1400" noProof="0" dirty="0"/>
-                        <a:t>Logik: Anpassen von Speisen im Warenkorb</a:t>
+                        <a:t>Hosting</a:t>
                       </a:r>
                     </a:p>
                   </a:txBody>
@@ -10949,13 +13331,20 @@
                     <a:p>
                       <a:r>
                         <a:rPr lang="de-DE" sz="1400" noProof="0" dirty="0"/>
-                        <a:t>Vincent Knapp</a:t>
-                      </a:r>
-                    </a:p>
+                        <a:t>Dennis Haaf</a:t>
+                      </a:r>
+                    </a:p>
+                  </a:txBody>
+                  <a:tcPr/>
+                </a:tc>
+                <a:tc>
+                  <a:txBody>
+                    <a:bodyPr/>
+                    <a:lstStyle/>
                     <a:p>
                       <a:r>
                         <a:rPr lang="de-DE" sz="1400" noProof="0" dirty="0"/>
-                        <a:t>René Weber</a:t>
+                        <a:t>8</a:t>
                       </a:r>
                     </a:p>
                   </a:txBody>
@@ -10967,34 +13356,22 @@
                     <a:lstStyle/>
                     <a:p>
                       <a:r>
+                        <a:rPr lang="en-US" sz="1400" noProof="0" dirty="0"/>
+                        <a:t>7</a:t>
+                      </a:r>
+                      <a:endParaRPr lang="de-DE" sz="1400" noProof="0" dirty="0"/>
+                    </a:p>
+                  </a:txBody>
+                  <a:tcPr/>
+                </a:tc>
+                <a:tc>
+                  <a:txBody>
+                    <a:bodyPr/>
+                    <a:lstStyle/>
+                    <a:p>
+                      <a:r>
                         <a:rPr lang="de-DE" sz="1400" noProof="0" dirty="0"/>
-                        <a:t>4</a:t>
-                      </a:r>
-                    </a:p>
-                  </a:txBody>
-                  <a:tcPr/>
-                </a:tc>
-                <a:tc>
-                  <a:txBody>
-                    <a:bodyPr/>
-                    <a:lstStyle/>
-                    <a:p>
-                      <a:r>
-                        <a:rPr lang="de-DE" sz="1400" noProof="0" dirty="0"/>
-                        <a:t>4</a:t>
-                      </a:r>
-                    </a:p>
-                  </a:txBody>
-                  <a:tcPr/>
-                </a:tc>
-                <a:tc>
-                  <a:txBody>
-                    <a:bodyPr/>
-                    <a:lstStyle/>
-                    <a:p>
-                      <a:r>
-                        <a:rPr lang="de-DE" sz="1400" noProof="0" dirty="0"/>
-                        <a:t>Erledigt</a:t>
+                        <a:t>Nicht umgesetzt</a:t>
                       </a:r>
                     </a:p>
                   </a:txBody>
@@ -11014,7 +13391,7 @@
                     <a:p>
                       <a:r>
                         <a:rPr lang="de-DE" sz="1400" noProof="0" dirty="0"/>
-                        <a:t>Logik: Automatische Kalkulation der Kosten</a:t>
+                        <a:t>Anbindung API</a:t>
                       </a:r>
                     </a:p>
                   </a:txBody>
@@ -11027,7 +13404,7 @@
                     <a:p>
                       <a:r>
                         <a:rPr lang="de-DE" sz="1400" noProof="0" dirty="0"/>
-                        <a:t>Vincent Knapp</a:t>
+                        <a:t>Dennis Haaf</a:t>
                       </a:r>
                     </a:p>
                   </a:txBody>
@@ -11039,22 +13416,24 @@
                     <a:lstStyle/>
                     <a:p>
                       <a:r>
-                        <a:rPr lang="de-DE" sz="1400" noProof="0" dirty="0"/>
+                        <a:rPr lang="en-US" sz="1400" noProof="0" dirty="0"/>
+                        <a:t>7</a:t>
+                      </a:r>
+                      <a:endParaRPr lang="de-DE" sz="1400" noProof="0" dirty="0"/>
+                    </a:p>
+                  </a:txBody>
+                  <a:tcPr/>
+                </a:tc>
+                <a:tc>
+                  <a:txBody>
+                    <a:bodyPr/>
+                    <a:lstStyle/>
+                    <a:p>
+                      <a:r>
+                        <a:rPr lang="en-US" sz="1400" noProof="0" dirty="0"/>
                         <a:t>6</a:t>
                       </a:r>
-                    </a:p>
-                  </a:txBody>
-                  <a:tcPr/>
-                </a:tc>
-                <a:tc>
-                  <a:txBody>
-                    <a:bodyPr/>
-                    <a:lstStyle/>
-                    <a:p>
-                      <a:r>
-                        <a:rPr lang="de-DE" sz="1400" noProof="0" dirty="0"/>
-                        <a:t>5</a:t>
-                      </a:r>
+                      <a:endParaRPr lang="de-DE" sz="1400" noProof="0" dirty="0"/>
                     </a:p>
                   </a:txBody>
                   <a:tcPr/>
@@ -11086,7 +13465,7 @@
                     <a:p>
                       <a:r>
                         <a:rPr lang="de-DE" sz="1400" noProof="0" dirty="0"/>
-                        <a:t>Logik: Absenden der Bestellung für spezifische Tischnummer</a:t>
+                        <a:t>Anpassen Felder für API Erweiterung</a:t>
                       </a:r>
                     </a:p>
                   </a:txBody>
@@ -11102,10 +13481,17 @@
                         <a:t>Vincent Knapp</a:t>
                       </a:r>
                     </a:p>
+                  </a:txBody>
+                  <a:tcPr/>
+                </a:tc>
+                <a:tc>
+                  <a:txBody>
+                    <a:bodyPr/>
+                    <a:lstStyle/>
                     <a:p>
                       <a:r>
                         <a:rPr lang="de-DE" sz="1400" noProof="0" dirty="0"/>
-                        <a:t>Dennis Haaf</a:t>
+                        <a:t>3</a:t>
                       </a:r>
                     </a:p>
                   </a:txBody>
@@ -11117,21 +13503,8 @@
                     <a:lstStyle/>
                     <a:p>
                       <a:r>
-                        <a:rPr lang="de-DE" sz="1400" noProof="0" dirty="0"/>
-                        <a:t>5</a:t>
-                      </a:r>
-                    </a:p>
-                  </a:txBody>
-                  <a:tcPr/>
-                </a:tc>
-                <a:tc>
-                  <a:txBody>
-                    <a:bodyPr/>
-                    <a:lstStyle/>
-                    <a:p>
-                      <a:r>
                         <a:rPr lang="en-US" sz="1400" noProof="0" dirty="0"/>
-                        <a:t>7</a:t>
+                        <a:t>2</a:t>
                       </a:r>
                       <a:endParaRPr lang="de-DE" sz="1400" noProof="0" dirty="0"/>
                     </a:p>
@@ -11165,8 +13538,75 @@
                     <a:p>
                       <a:r>
                         <a:rPr lang="de-DE" sz="1400" noProof="0" dirty="0"/>
-                        <a:t>Abschluss Warenkorb</a:t>
-                      </a:r>
+                        <a:t>Küchenansicht optimieren</a:t>
+                      </a:r>
+                    </a:p>
+                    <a:p>
+                      <a:pPr marL="285750" indent="-285750">
+                        <a:buFont typeface="Wingdings" panose="05000000000000000000" pitchFamily="2" charset="2"/>
+                        <a:buChar char="à"/>
+                      </a:pPr>
+                      <a:r>
+                        <a:rPr lang="de-DE" sz="1400" noProof="0" dirty="0" err="1">
+                          <a:sym typeface="Wingdings" panose="05000000000000000000" pitchFamily="2" charset="2"/>
+                        </a:rPr>
+                        <a:t>Grouping</a:t>
+                      </a:r>
+                      <a:r>
+                        <a:rPr lang="de-DE" sz="1400" noProof="0" dirty="0">
+                          <a:sym typeface="Wingdings" panose="05000000000000000000" pitchFamily="2" charset="2"/>
+                        </a:rPr>
+                        <a:t> per </a:t>
+                      </a:r>
+                      <a:r>
+                        <a:rPr lang="de-DE" sz="1400" noProof="0" dirty="0" err="1">
+                          <a:sym typeface="Wingdings" panose="05000000000000000000" pitchFamily="2" charset="2"/>
+                        </a:rPr>
+                        <a:t>table</a:t>
+                      </a:r>
+                      <a:endParaRPr lang="de-DE" sz="1400" noProof="0" dirty="0">
+                        <a:sym typeface="Wingdings" panose="05000000000000000000" pitchFamily="2" charset="2"/>
+                      </a:endParaRPr>
+                    </a:p>
+                    <a:p>
+                      <a:pPr marL="285750" indent="-285750">
+                        <a:buFont typeface="Wingdings" panose="05000000000000000000" pitchFamily="2" charset="2"/>
+                        <a:buChar char="à"/>
+                      </a:pPr>
+                      <a:r>
+                        <a:rPr lang="de-DE" sz="1400" noProof="0" dirty="0" err="1">
+                          <a:sym typeface="Wingdings" panose="05000000000000000000" pitchFamily="2" charset="2"/>
+                        </a:rPr>
+                        <a:t>Grouping</a:t>
+                      </a:r>
+                      <a:r>
+                        <a:rPr lang="de-DE" sz="1400" noProof="0" dirty="0">
+                          <a:sym typeface="Wingdings" panose="05000000000000000000" pitchFamily="2" charset="2"/>
+                        </a:rPr>
+                        <a:t> per </a:t>
+                      </a:r>
+                      <a:r>
+                        <a:rPr lang="de-DE" sz="1400" noProof="0" dirty="0" err="1">
+                          <a:sym typeface="Wingdings" panose="05000000000000000000" pitchFamily="2" charset="2"/>
+                        </a:rPr>
+                        <a:t>article</a:t>
+                      </a:r>
+                      <a:endParaRPr lang="de-DE" sz="1400" noProof="0" dirty="0">
+                        <a:sym typeface="Wingdings" panose="05000000000000000000" pitchFamily="2" charset="2"/>
+                      </a:endParaRPr>
+                    </a:p>
+                    <a:p>
+                      <a:pPr marL="285750" indent="-285750">
+                        <a:buFont typeface="Wingdings" panose="05000000000000000000" pitchFamily="2" charset="2"/>
+                        <a:buChar char="à"/>
+                      </a:pPr>
+                      <a:r>
+                        <a:rPr lang="de-DE" sz="1400" noProof="0" dirty="0">
+                          <a:sym typeface="Wingdings" panose="05000000000000000000" pitchFamily="2" charset="2"/>
+                        </a:rPr>
+                        <a:t>Switchen zwischen diesen Ansichten</a:t>
+                      </a:r>
+                      <a:endParaRPr lang="de-DE" sz="1400" noProof="0" dirty="0"/>
                     </a:p>
                   </a:txBody>
                   <a:tcPr/>
@@ -11175,22 +13615,23 @@
                   <a:txBody>
                     <a:bodyPr/>
                     <a:lstStyle/>
-                    <a:p>
-                      <a:r>
-                        <a:rPr lang="de-DE" sz="1400" noProof="0" dirty="0"/>
-                        <a:t>Hans Bloching</a:t>
-                      </a:r>
-                    </a:p>
                     <a:p>
                       <a:r>
                         <a:rPr lang="de-DE" sz="1400" noProof="0" dirty="0"/>
                         <a:t>Vincent Knapp</a:t>
                       </a:r>
                     </a:p>
+                  </a:txBody>
+                  <a:tcPr/>
+                </a:tc>
+                <a:tc>
+                  <a:txBody>
+                    <a:bodyPr/>
+                    <a:lstStyle/>
                     <a:p>
                       <a:r>
                         <a:rPr lang="de-DE" sz="1400" noProof="0" dirty="0"/>
-                        <a:t>René Weber</a:t>
+                        <a:t>8</a:t>
                       </a:r>
                     </a:p>
                   </a:txBody>
@@ -11202,21 +13643,8 @@
                     <a:lstStyle/>
                     <a:p>
                       <a:r>
-                        <a:rPr lang="de-DE" sz="1400" noProof="0" dirty="0"/>
-                        <a:t>6</a:t>
-                      </a:r>
-                    </a:p>
-                  </a:txBody>
-                  <a:tcPr/>
-                </a:tc>
-                <a:tc>
-                  <a:txBody>
-                    <a:bodyPr/>
-                    <a:lstStyle/>
-                    <a:p>
-                      <a:r>
                         <a:rPr lang="en-US" sz="1400" noProof="0" dirty="0"/>
-                        <a:t>5</a:t>
+                        <a:t>10</a:t>
                       </a:r>
                       <a:endParaRPr lang="de-DE" sz="1400" noProof="0" dirty="0"/>
                     </a:p>
@@ -11298,7 +13726,7 @@
           <a:lstStyle/>
           <a:p>
             <a:r>
-              <a:rPr lang="de-DE" noProof="0" dirty="0"/>
+              <a:rPr lang="de-DE" noProof="0"/>
               <a:t>3. Retrospektive</a:t>
             </a:r>
             <a:endParaRPr lang="de-DE" dirty="0"/>
@@ -11328,7 +13756,7 @@
           <a:p>
             <a:fld id="{75919FF8-1369-4F22-8739-0971D22D8076}" type="datetime1">
               <a:rPr lang="de-DE" smtClean="0"/>
-              <a:t>09.01.2025</a:t>
+              <a:t>10.01.2025</a:t>
             </a:fld>
             <a:endParaRPr lang="en-US"/>
           </a:p>
@@ -11392,13 +13820,1896 @@
           <a:lstStyle/>
           <a:p>
             <a:r>
-              <a:rPr lang="de-DE" sz="2800" noProof="0" dirty="0"/>
+              <a:rPr lang="de-DE" sz="2800" noProof="0"/>
               <a:t>1. Stunden</a:t>
             </a:r>
             <a:endParaRPr lang="de-DE" sz="2800" dirty="0"/>
           </a:p>
         </p:txBody>
       </p:sp>
+      <p:graphicFrame>
+        <p:nvGraphicFramePr>
+          <p:cNvPr id="5" name="Tabelle 4">
+            <a:extLst>
+              <a:ext uri="{FF2B5EF4-FFF2-40B4-BE49-F238E27FC236}">
+                <a16:creationId xmlns:a16="http://schemas.microsoft.com/office/drawing/2014/main" id="{823E2A83-E151-7005-7128-14F77E7E385E}"/>
+              </a:ext>
+            </a:extLst>
+          </p:cNvPr>
+          <p:cNvGraphicFramePr>
+            <a:graphicFrameLocks noGrp="1"/>
+          </p:cNvGraphicFramePr>
+          <p:nvPr>
+            <p:extLst>
+              <p:ext uri="{D42A27DB-BD31-4B8C-83A1-F6EECF244321}">
+                <p14:modId xmlns:p14="http://schemas.microsoft.com/office/powerpoint/2010/main" val="923882235"/>
+              </p:ext>
+            </p:extLst>
+          </p:nvPr>
+        </p:nvGraphicFramePr>
+        <p:xfrm>
+          <a:off x="1848816" y="2286000"/>
+          <a:ext cx="8494368" cy="3862078"/>
+        </p:xfrm>
+        <a:graphic>
+          <a:graphicData uri="http://schemas.openxmlformats.org/drawingml/2006/table">
+            <a:tbl>
+              <a:tblPr>
+                <a:tableStyleId>{5940675A-B579-460E-94D1-54222C63F5DA}</a:tableStyleId>
+              </a:tblPr>
+              <a:tblGrid>
+                <a:gridCol w="1415728">
+                  <a:extLst>
+                    <a:ext uri="{9D8B030D-6E8A-4147-A177-3AD203B41FA5}">
+                      <a16:colId xmlns:a16="http://schemas.microsoft.com/office/drawing/2014/main" val="2995477702"/>
+                    </a:ext>
+                  </a:extLst>
+                </a:gridCol>
+                <a:gridCol w="1415728">
+                  <a:extLst>
+                    <a:ext uri="{9D8B030D-6E8A-4147-A177-3AD203B41FA5}">
+                      <a16:colId xmlns:a16="http://schemas.microsoft.com/office/drawing/2014/main" val="710254781"/>
+                    </a:ext>
+                  </a:extLst>
+                </a:gridCol>
+                <a:gridCol w="1415728">
+                  <a:extLst>
+                    <a:ext uri="{9D8B030D-6E8A-4147-A177-3AD203B41FA5}">
+                      <a16:colId xmlns:a16="http://schemas.microsoft.com/office/drawing/2014/main" val="1400273077"/>
+                    </a:ext>
+                  </a:extLst>
+                </a:gridCol>
+                <a:gridCol w="1415728">
+                  <a:extLst>
+                    <a:ext uri="{9D8B030D-6E8A-4147-A177-3AD203B41FA5}">
+                      <a16:colId xmlns:a16="http://schemas.microsoft.com/office/drawing/2014/main" val="2902639572"/>
+                    </a:ext>
+                  </a:extLst>
+                </a:gridCol>
+                <a:gridCol w="1415728">
+                  <a:extLst>
+                    <a:ext uri="{9D8B030D-6E8A-4147-A177-3AD203B41FA5}">
+                      <a16:colId xmlns:a16="http://schemas.microsoft.com/office/drawing/2014/main" val="4128075999"/>
+                    </a:ext>
+                  </a:extLst>
+                </a:gridCol>
+                <a:gridCol w="1415728">
+                  <a:extLst>
+                    <a:ext uri="{9D8B030D-6E8A-4147-A177-3AD203B41FA5}">
+                      <a16:colId xmlns:a16="http://schemas.microsoft.com/office/drawing/2014/main" val="2140225275"/>
+                    </a:ext>
+                  </a:extLst>
+                </a:gridCol>
+              </a:tblGrid>
+              <a:tr h="398923">
+                <a:tc gridSpan="2">
+                  <a:txBody>
+                    <a:bodyPr/>
+                    <a:lstStyle/>
+                    <a:p>
+                      <a:pPr algn="ctr" fontAlgn="b"/>
+                      <a:r>
+                        <a:rPr lang="de-DE" sz="1400" b="1" u="none" strike="noStrike" dirty="0">
+                          <a:effectLst/>
+                        </a:rPr>
+                        <a:t>Sprint 1</a:t>
+                      </a:r>
+                      <a:endParaRPr lang="de-DE" sz="1400" b="1" i="0" u="none" strike="noStrike" dirty="0">
+                        <a:solidFill>
+                          <a:srgbClr val="000000"/>
+                        </a:solidFill>
+                        <a:effectLst/>
+                        <a:latin typeface="Aptos Narrow" panose="020B0004020202020204" pitchFamily="34" charset="0"/>
+                      </a:endParaRPr>
+                    </a:p>
+                  </a:txBody>
+                  <a:tcPr marL="9525" marR="9525" marT="9525" marB="0" anchor="b"/>
+                </a:tc>
+                <a:tc hMerge="1">
+                  <a:txBody>
+                    <a:bodyPr/>
+                    <a:lstStyle/>
+                    <a:p>
+                      <a:endParaRPr lang="de-DE"/>
+                    </a:p>
+                  </a:txBody>
+                  <a:tcPr/>
+                </a:tc>
+                <a:tc gridSpan="2">
+                  <a:txBody>
+                    <a:bodyPr/>
+                    <a:lstStyle/>
+                    <a:p>
+                      <a:pPr algn="ctr" fontAlgn="b"/>
+                      <a:r>
+                        <a:rPr lang="de-DE" sz="1400" b="1" u="none" strike="noStrike" dirty="0">
+                          <a:effectLst/>
+                        </a:rPr>
+                        <a:t>Sprint 2</a:t>
+                      </a:r>
+                      <a:endParaRPr lang="de-DE" sz="1400" b="1" i="0" u="none" strike="noStrike" dirty="0">
+                        <a:solidFill>
+                          <a:srgbClr val="000000"/>
+                        </a:solidFill>
+                        <a:effectLst/>
+                        <a:latin typeface="Aptos Narrow" panose="020B0004020202020204" pitchFamily="34" charset="0"/>
+                      </a:endParaRPr>
+                    </a:p>
+                  </a:txBody>
+                  <a:tcPr marL="9525" marR="9525" marT="9525" marB="0" anchor="b"/>
+                </a:tc>
+                <a:tc hMerge="1">
+                  <a:txBody>
+                    <a:bodyPr/>
+                    <a:lstStyle/>
+                    <a:p>
+                      <a:endParaRPr lang="de-DE"/>
+                    </a:p>
+                  </a:txBody>
+                  <a:tcPr/>
+                </a:tc>
+                <a:tc gridSpan="2">
+                  <a:txBody>
+                    <a:bodyPr/>
+                    <a:lstStyle/>
+                    <a:p>
+                      <a:pPr algn="ctr" fontAlgn="b"/>
+                      <a:r>
+                        <a:rPr lang="de-DE" sz="1400" b="1" u="none" strike="noStrike" dirty="0">
+                          <a:effectLst/>
+                        </a:rPr>
+                        <a:t>Sprint 3</a:t>
+                      </a:r>
+                      <a:endParaRPr lang="de-DE" sz="1400" b="1" i="0" u="none" strike="noStrike" dirty="0">
+                        <a:solidFill>
+                          <a:srgbClr val="000000"/>
+                        </a:solidFill>
+                        <a:effectLst/>
+                        <a:latin typeface="Aptos Narrow" panose="020B0004020202020204" pitchFamily="34" charset="0"/>
+                      </a:endParaRPr>
+                    </a:p>
+                  </a:txBody>
+                  <a:tcPr marL="9525" marR="9525" marT="9525" marB="0" anchor="b"/>
+                </a:tc>
+                <a:tc hMerge="1">
+                  <a:txBody>
+                    <a:bodyPr/>
+                    <a:lstStyle/>
+                    <a:p>
+                      <a:endParaRPr lang="de-DE"/>
+                    </a:p>
+                  </a:txBody>
+                  <a:tcPr/>
+                </a:tc>
+                <a:extLst>
+                  <a:ext uri="{0D108BD9-81ED-4DB2-BD59-A6C34878D82A}">
+                    <a16:rowId xmlns:a16="http://schemas.microsoft.com/office/drawing/2014/main" val="2291776983"/>
+                  </a:ext>
+                </a:extLst>
+              </a:tr>
+              <a:tr h="384795">
+                <a:tc>
+                  <a:txBody>
+                    <a:bodyPr/>
+                    <a:lstStyle/>
+                    <a:p>
+                      <a:pPr algn="l" fontAlgn="b"/>
+                      <a:r>
+                        <a:rPr lang="de-DE" sz="1400" b="1" u="none" strike="noStrike" dirty="0">
+                          <a:effectLst/>
+                        </a:rPr>
+                        <a:t>Geschätzt</a:t>
+                      </a:r>
+                      <a:endParaRPr lang="de-DE" sz="1400" b="1" i="0" u="none" strike="noStrike" dirty="0">
+                        <a:solidFill>
+                          <a:srgbClr val="000000"/>
+                        </a:solidFill>
+                        <a:effectLst/>
+                        <a:latin typeface="Aptos Narrow" panose="020B0004020202020204" pitchFamily="34" charset="0"/>
+                      </a:endParaRPr>
+                    </a:p>
+                  </a:txBody>
+                  <a:tcPr marL="9525" marR="9525" marT="9525" marB="0" anchor="b">
+                    <a:solidFill>
+                      <a:schemeClr val="bg1">
+                        <a:lumMod val="65000"/>
+                        <a:lumOff val="35000"/>
+                      </a:schemeClr>
+                    </a:solidFill>
+                  </a:tcPr>
+                </a:tc>
+                <a:tc>
+                  <a:txBody>
+                    <a:bodyPr/>
+                    <a:lstStyle/>
+                    <a:p>
+                      <a:pPr algn="l" fontAlgn="b"/>
+                      <a:r>
+                        <a:rPr lang="de-DE" sz="1400" b="1" u="none" strike="noStrike" dirty="0">
+                          <a:effectLst/>
+                        </a:rPr>
+                        <a:t>Tatsächlich</a:t>
+                      </a:r>
+                      <a:endParaRPr lang="de-DE" sz="1400" b="1" i="0" u="none" strike="noStrike" dirty="0">
+                        <a:solidFill>
+                          <a:srgbClr val="000000"/>
+                        </a:solidFill>
+                        <a:effectLst/>
+                        <a:latin typeface="Aptos Narrow" panose="020B0004020202020204" pitchFamily="34" charset="0"/>
+                      </a:endParaRPr>
+                    </a:p>
+                  </a:txBody>
+                  <a:tcPr marL="9525" marR="9525" marT="9525" marB="0" anchor="b">
+                    <a:solidFill>
+                      <a:schemeClr val="accent1">
+                        <a:lumMod val="50000"/>
+                      </a:schemeClr>
+                    </a:solidFill>
+                  </a:tcPr>
+                </a:tc>
+                <a:tc>
+                  <a:txBody>
+                    <a:bodyPr/>
+                    <a:lstStyle/>
+                    <a:p>
+                      <a:pPr algn="l" fontAlgn="b"/>
+                      <a:r>
+                        <a:rPr lang="de-DE" sz="1400" b="1" u="none" strike="noStrike" dirty="0">
+                          <a:effectLst/>
+                        </a:rPr>
+                        <a:t>Geschätzt</a:t>
+                      </a:r>
+                      <a:endParaRPr lang="de-DE" sz="1400" b="1" i="0" u="none" strike="noStrike" dirty="0">
+                        <a:solidFill>
+                          <a:srgbClr val="000000"/>
+                        </a:solidFill>
+                        <a:effectLst/>
+                        <a:latin typeface="Aptos Narrow" panose="020B0004020202020204" pitchFamily="34" charset="0"/>
+                      </a:endParaRPr>
+                    </a:p>
+                  </a:txBody>
+                  <a:tcPr marL="9525" marR="9525" marT="9525" marB="0" anchor="b">
+                    <a:solidFill>
+                      <a:schemeClr val="bg1">
+                        <a:lumMod val="65000"/>
+                        <a:lumOff val="35000"/>
+                      </a:schemeClr>
+                    </a:solidFill>
+                  </a:tcPr>
+                </a:tc>
+                <a:tc>
+                  <a:txBody>
+                    <a:bodyPr/>
+                    <a:lstStyle/>
+                    <a:p>
+                      <a:pPr algn="l" fontAlgn="b"/>
+                      <a:r>
+                        <a:rPr lang="de-DE" sz="1400" b="1" u="none" strike="noStrike" dirty="0">
+                          <a:effectLst/>
+                        </a:rPr>
+                        <a:t>Tatsächlich</a:t>
+                      </a:r>
+                      <a:endParaRPr lang="de-DE" sz="1400" b="1" i="0" u="none" strike="noStrike" dirty="0">
+                        <a:solidFill>
+                          <a:srgbClr val="000000"/>
+                        </a:solidFill>
+                        <a:effectLst/>
+                        <a:latin typeface="Aptos Narrow" panose="020B0004020202020204" pitchFamily="34" charset="0"/>
+                      </a:endParaRPr>
+                    </a:p>
+                  </a:txBody>
+                  <a:tcPr marL="9525" marR="9525" marT="9525" marB="0" anchor="b">
+                    <a:solidFill>
+                      <a:schemeClr val="accent1">
+                        <a:lumMod val="50000"/>
+                      </a:schemeClr>
+                    </a:solidFill>
+                  </a:tcPr>
+                </a:tc>
+                <a:tc>
+                  <a:txBody>
+                    <a:bodyPr/>
+                    <a:lstStyle/>
+                    <a:p>
+                      <a:pPr algn="l" fontAlgn="b"/>
+                      <a:r>
+                        <a:rPr lang="de-DE" sz="1400" b="1" u="none" strike="noStrike" dirty="0">
+                          <a:effectLst/>
+                        </a:rPr>
+                        <a:t>Geschätzt</a:t>
+                      </a:r>
+                      <a:endParaRPr lang="de-DE" sz="1400" b="1" i="0" u="none" strike="noStrike" dirty="0">
+                        <a:solidFill>
+                          <a:srgbClr val="000000"/>
+                        </a:solidFill>
+                        <a:effectLst/>
+                        <a:latin typeface="Aptos Narrow" panose="020B0004020202020204" pitchFamily="34" charset="0"/>
+                      </a:endParaRPr>
+                    </a:p>
+                  </a:txBody>
+                  <a:tcPr marL="9525" marR="9525" marT="9525" marB="0" anchor="b">
+                    <a:solidFill>
+                      <a:schemeClr val="bg1">
+                        <a:lumMod val="65000"/>
+                        <a:lumOff val="35000"/>
+                      </a:schemeClr>
+                    </a:solidFill>
+                  </a:tcPr>
+                </a:tc>
+                <a:tc>
+                  <a:txBody>
+                    <a:bodyPr/>
+                    <a:lstStyle/>
+                    <a:p>
+                      <a:pPr algn="l" fontAlgn="b"/>
+                      <a:r>
+                        <a:rPr lang="de-DE" sz="1400" b="1" u="none" strike="noStrike" dirty="0">
+                          <a:effectLst/>
+                        </a:rPr>
+                        <a:t>Tatsächlich</a:t>
+                      </a:r>
+                      <a:endParaRPr lang="de-DE" sz="1400" b="1" i="0" u="none" strike="noStrike" dirty="0">
+                        <a:solidFill>
+                          <a:srgbClr val="000000"/>
+                        </a:solidFill>
+                        <a:effectLst/>
+                        <a:latin typeface="Aptos Narrow" panose="020B0004020202020204" pitchFamily="34" charset="0"/>
+                      </a:endParaRPr>
+                    </a:p>
+                  </a:txBody>
+                  <a:tcPr marL="9525" marR="9525" marT="9525" marB="0" anchor="b">
+                    <a:solidFill>
+                      <a:schemeClr val="accent1">
+                        <a:lumMod val="50000"/>
+                      </a:schemeClr>
+                    </a:solidFill>
+                  </a:tcPr>
+                </a:tc>
+                <a:extLst>
+                  <a:ext uri="{0D108BD9-81ED-4DB2-BD59-A6C34878D82A}">
+                    <a16:rowId xmlns:a16="http://schemas.microsoft.com/office/drawing/2014/main" val="1061886808"/>
+                  </a:ext>
+                </a:extLst>
+              </a:tr>
+              <a:tr h="384795">
+                <a:tc>
+                  <a:txBody>
+                    <a:bodyPr/>
+                    <a:lstStyle/>
+                    <a:p>
+                      <a:pPr algn="r" fontAlgn="b"/>
+                      <a:r>
+                        <a:rPr lang="de-DE" sz="1400" u="none" strike="noStrike" dirty="0">
+                          <a:effectLst/>
+                        </a:rPr>
+                        <a:t>18</a:t>
+                      </a:r>
+                      <a:endParaRPr lang="de-DE" sz="1400" b="0" i="0" u="none" strike="noStrike" dirty="0">
+                        <a:solidFill>
+                          <a:srgbClr val="000000"/>
+                        </a:solidFill>
+                        <a:effectLst/>
+                        <a:latin typeface="Aptos Narrow" panose="020B0004020202020204" pitchFamily="34" charset="0"/>
+                      </a:endParaRPr>
+                    </a:p>
+                  </a:txBody>
+                  <a:tcPr marL="9525" marR="9525" marT="9525" marB="0" anchor="b">
+                    <a:solidFill>
+                      <a:schemeClr val="bg1">
+                        <a:lumMod val="65000"/>
+                        <a:lumOff val="35000"/>
+                      </a:schemeClr>
+                    </a:solidFill>
+                  </a:tcPr>
+                </a:tc>
+                <a:tc>
+                  <a:txBody>
+                    <a:bodyPr/>
+                    <a:lstStyle/>
+                    <a:p>
+                      <a:pPr algn="r" fontAlgn="b"/>
+                      <a:r>
+                        <a:rPr lang="de-DE" sz="1400" u="none" strike="noStrike" dirty="0">
+                          <a:effectLst/>
+                        </a:rPr>
+                        <a:t>14</a:t>
+                      </a:r>
+                      <a:endParaRPr lang="de-DE" sz="1400" b="0" i="0" u="none" strike="noStrike" dirty="0">
+                        <a:solidFill>
+                          <a:srgbClr val="000000"/>
+                        </a:solidFill>
+                        <a:effectLst/>
+                        <a:latin typeface="Aptos Narrow" panose="020B0004020202020204" pitchFamily="34" charset="0"/>
+                      </a:endParaRPr>
+                    </a:p>
+                  </a:txBody>
+                  <a:tcPr marL="9525" marR="9525" marT="9525" marB="0" anchor="b">
+                    <a:solidFill>
+                      <a:schemeClr val="accent1">
+                        <a:lumMod val="50000"/>
+                      </a:schemeClr>
+                    </a:solidFill>
+                  </a:tcPr>
+                </a:tc>
+                <a:tc>
+                  <a:txBody>
+                    <a:bodyPr/>
+                    <a:lstStyle/>
+                    <a:p>
+                      <a:pPr algn="r" fontAlgn="b"/>
+                      <a:r>
+                        <a:rPr lang="de-DE" sz="1400" u="none" strike="noStrike" dirty="0">
+                          <a:effectLst/>
+                        </a:rPr>
+                        <a:t>16</a:t>
+                      </a:r>
+                      <a:endParaRPr lang="de-DE" sz="1400" b="0" i="0" u="none" strike="noStrike" dirty="0">
+                        <a:solidFill>
+                          <a:srgbClr val="000000"/>
+                        </a:solidFill>
+                        <a:effectLst/>
+                        <a:latin typeface="Aptos Narrow" panose="020B0004020202020204" pitchFamily="34" charset="0"/>
+                      </a:endParaRPr>
+                    </a:p>
+                  </a:txBody>
+                  <a:tcPr marL="9525" marR="9525" marT="9525" marB="0" anchor="b">
+                    <a:solidFill>
+                      <a:schemeClr val="bg1">
+                        <a:lumMod val="65000"/>
+                        <a:lumOff val="35000"/>
+                      </a:schemeClr>
+                    </a:solidFill>
+                  </a:tcPr>
+                </a:tc>
+                <a:tc>
+                  <a:txBody>
+                    <a:bodyPr/>
+                    <a:lstStyle/>
+                    <a:p>
+                      <a:pPr algn="r" fontAlgn="b"/>
+                      <a:r>
+                        <a:rPr lang="de-DE" sz="1400" u="none" strike="noStrike" dirty="0">
+                          <a:effectLst/>
+                        </a:rPr>
+                        <a:t>14</a:t>
+                      </a:r>
+                      <a:endParaRPr lang="de-DE" sz="1400" b="0" i="0" u="none" strike="noStrike" dirty="0">
+                        <a:solidFill>
+                          <a:srgbClr val="000000"/>
+                        </a:solidFill>
+                        <a:effectLst/>
+                        <a:latin typeface="Aptos Narrow" panose="020B0004020202020204" pitchFamily="34" charset="0"/>
+                      </a:endParaRPr>
+                    </a:p>
+                  </a:txBody>
+                  <a:tcPr marL="9525" marR="9525" marT="9525" marB="0" anchor="b">
+                    <a:solidFill>
+                      <a:schemeClr val="accent1">
+                        <a:lumMod val="50000"/>
+                      </a:schemeClr>
+                    </a:solidFill>
+                  </a:tcPr>
+                </a:tc>
+                <a:tc>
+                  <a:txBody>
+                    <a:bodyPr/>
+                    <a:lstStyle/>
+                    <a:p>
+                      <a:pPr algn="r" fontAlgn="b"/>
+                      <a:r>
+                        <a:rPr lang="de-DE" sz="1400" u="none" strike="noStrike" dirty="0">
+                          <a:effectLst/>
+                        </a:rPr>
+                        <a:t>10</a:t>
+                      </a:r>
+                      <a:endParaRPr lang="de-DE" sz="1400" b="0" i="0" u="none" strike="noStrike" dirty="0">
+                        <a:solidFill>
+                          <a:srgbClr val="000000"/>
+                        </a:solidFill>
+                        <a:effectLst/>
+                        <a:latin typeface="Aptos Narrow" panose="020B0004020202020204" pitchFamily="34" charset="0"/>
+                      </a:endParaRPr>
+                    </a:p>
+                  </a:txBody>
+                  <a:tcPr marL="9525" marR="9525" marT="9525" marB="0" anchor="b">
+                    <a:solidFill>
+                      <a:schemeClr val="bg1">
+                        <a:lumMod val="65000"/>
+                        <a:lumOff val="35000"/>
+                      </a:schemeClr>
+                    </a:solidFill>
+                  </a:tcPr>
+                </a:tc>
+                <a:tc>
+                  <a:txBody>
+                    <a:bodyPr/>
+                    <a:lstStyle/>
+                    <a:p>
+                      <a:pPr algn="r" fontAlgn="b"/>
+                      <a:r>
+                        <a:rPr lang="de-DE" sz="1400" u="none" strike="noStrike" dirty="0">
+                          <a:effectLst/>
+                        </a:rPr>
+                        <a:t>12</a:t>
+                      </a:r>
+                      <a:endParaRPr lang="de-DE" sz="1400" b="0" i="0" u="none" strike="noStrike" dirty="0">
+                        <a:solidFill>
+                          <a:srgbClr val="000000"/>
+                        </a:solidFill>
+                        <a:effectLst/>
+                        <a:latin typeface="Aptos Narrow" panose="020B0004020202020204" pitchFamily="34" charset="0"/>
+                      </a:endParaRPr>
+                    </a:p>
+                  </a:txBody>
+                  <a:tcPr marL="9525" marR="9525" marT="9525" marB="0" anchor="b">
+                    <a:solidFill>
+                      <a:schemeClr val="accent1">
+                        <a:lumMod val="50000"/>
+                      </a:schemeClr>
+                    </a:solidFill>
+                  </a:tcPr>
+                </a:tc>
+                <a:extLst>
+                  <a:ext uri="{0D108BD9-81ED-4DB2-BD59-A6C34878D82A}">
+                    <a16:rowId xmlns:a16="http://schemas.microsoft.com/office/drawing/2014/main" val="1307858597"/>
+                  </a:ext>
+                </a:extLst>
+              </a:tr>
+              <a:tr h="384795">
+                <a:tc>
+                  <a:txBody>
+                    <a:bodyPr/>
+                    <a:lstStyle/>
+                    <a:p>
+                      <a:pPr algn="r" fontAlgn="b"/>
+                      <a:r>
+                        <a:rPr lang="de-DE" sz="1400" u="none" strike="noStrike" dirty="0">
+                          <a:effectLst/>
+                        </a:rPr>
+                        <a:t>2</a:t>
+                      </a:r>
+                      <a:endParaRPr lang="de-DE" sz="1400" b="0" i="0" u="none" strike="noStrike" dirty="0">
+                        <a:solidFill>
+                          <a:srgbClr val="000000"/>
+                        </a:solidFill>
+                        <a:effectLst/>
+                        <a:latin typeface="Aptos Narrow" panose="020B0004020202020204" pitchFamily="34" charset="0"/>
+                      </a:endParaRPr>
+                    </a:p>
+                  </a:txBody>
+                  <a:tcPr marL="9525" marR="9525" marT="9525" marB="0" anchor="b">
+                    <a:solidFill>
+                      <a:schemeClr val="bg1">
+                        <a:lumMod val="65000"/>
+                        <a:lumOff val="35000"/>
+                      </a:schemeClr>
+                    </a:solidFill>
+                  </a:tcPr>
+                </a:tc>
+                <a:tc>
+                  <a:txBody>
+                    <a:bodyPr/>
+                    <a:lstStyle/>
+                    <a:p>
+                      <a:pPr algn="r" fontAlgn="b"/>
+                      <a:r>
+                        <a:rPr lang="de-DE" sz="1400" u="none" strike="noStrike" dirty="0">
+                          <a:effectLst/>
+                        </a:rPr>
+                        <a:t>2</a:t>
+                      </a:r>
+                      <a:endParaRPr lang="de-DE" sz="1400" b="0" i="0" u="none" strike="noStrike" dirty="0">
+                        <a:solidFill>
+                          <a:srgbClr val="000000"/>
+                        </a:solidFill>
+                        <a:effectLst/>
+                        <a:latin typeface="Aptos Narrow" panose="020B0004020202020204" pitchFamily="34" charset="0"/>
+                      </a:endParaRPr>
+                    </a:p>
+                  </a:txBody>
+                  <a:tcPr marL="9525" marR="9525" marT="9525" marB="0" anchor="b">
+                    <a:solidFill>
+                      <a:schemeClr val="accent1">
+                        <a:lumMod val="50000"/>
+                      </a:schemeClr>
+                    </a:solidFill>
+                  </a:tcPr>
+                </a:tc>
+                <a:tc>
+                  <a:txBody>
+                    <a:bodyPr/>
+                    <a:lstStyle/>
+                    <a:p>
+                      <a:pPr algn="r" fontAlgn="b"/>
+                      <a:r>
+                        <a:rPr lang="de-DE" sz="1400" u="none" strike="noStrike" dirty="0">
+                          <a:effectLst/>
+                        </a:rPr>
+                        <a:t>5</a:t>
+                      </a:r>
+                      <a:endParaRPr lang="de-DE" sz="1400" b="0" i="0" u="none" strike="noStrike" dirty="0">
+                        <a:solidFill>
+                          <a:srgbClr val="000000"/>
+                        </a:solidFill>
+                        <a:effectLst/>
+                        <a:latin typeface="Aptos Narrow" panose="020B0004020202020204" pitchFamily="34" charset="0"/>
+                      </a:endParaRPr>
+                    </a:p>
+                  </a:txBody>
+                  <a:tcPr marL="9525" marR="9525" marT="9525" marB="0" anchor="b">
+                    <a:solidFill>
+                      <a:schemeClr val="bg1">
+                        <a:lumMod val="65000"/>
+                        <a:lumOff val="35000"/>
+                      </a:schemeClr>
+                    </a:solidFill>
+                  </a:tcPr>
+                </a:tc>
+                <a:tc>
+                  <a:txBody>
+                    <a:bodyPr/>
+                    <a:lstStyle/>
+                    <a:p>
+                      <a:pPr algn="r" fontAlgn="b"/>
+                      <a:r>
+                        <a:rPr lang="de-DE" sz="1400" u="none" strike="noStrike" dirty="0">
+                          <a:effectLst/>
+                        </a:rPr>
+                        <a:t>7</a:t>
+                      </a:r>
+                      <a:endParaRPr lang="de-DE" sz="1400" b="0" i="0" u="none" strike="noStrike" dirty="0">
+                        <a:solidFill>
+                          <a:srgbClr val="000000"/>
+                        </a:solidFill>
+                        <a:effectLst/>
+                        <a:latin typeface="Aptos Narrow" panose="020B0004020202020204" pitchFamily="34" charset="0"/>
+                      </a:endParaRPr>
+                    </a:p>
+                  </a:txBody>
+                  <a:tcPr marL="9525" marR="9525" marT="9525" marB="0" anchor="b">
+                    <a:solidFill>
+                      <a:schemeClr val="accent1">
+                        <a:lumMod val="50000"/>
+                      </a:schemeClr>
+                    </a:solidFill>
+                  </a:tcPr>
+                </a:tc>
+                <a:tc>
+                  <a:txBody>
+                    <a:bodyPr/>
+                    <a:lstStyle/>
+                    <a:p>
+                      <a:pPr algn="r" fontAlgn="b"/>
+                      <a:r>
+                        <a:rPr lang="de-DE" sz="1400" u="none" strike="noStrike">
+                          <a:effectLst/>
+                        </a:rPr>
+                        <a:t>9</a:t>
+                      </a:r>
+                      <a:endParaRPr lang="de-DE" sz="1400" b="0" i="0" u="none" strike="noStrike">
+                        <a:solidFill>
+                          <a:srgbClr val="000000"/>
+                        </a:solidFill>
+                        <a:effectLst/>
+                        <a:latin typeface="Aptos Narrow" panose="020B0004020202020204" pitchFamily="34" charset="0"/>
+                      </a:endParaRPr>
+                    </a:p>
+                  </a:txBody>
+                  <a:tcPr marL="9525" marR="9525" marT="9525" marB="0" anchor="b">
+                    <a:solidFill>
+                      <a:schemeClr val="bg1">
+                        <a:lumMod val="65000"/>
+                        <a:lumOff val="35000"/>
+                      </a:schemeClr>
+                    </a:solidFill>
+                  </a:tcPr>
+                </a:tc>
+                <a:tc>
+                  <a:txBody>
+                    <a:bodyPr/>
+                    <a:lstStyle/>
+                    <a:p>
+                      <a:pPr algn="r" fontAlgn="b"/>
+                      <a:r>
+                        <a:rPr lang="de-DE" sz="1400" u="none" strike="noStrike" dirty="0">
+                          <a:effectLst/>
+                        </a:rPr>
+                        <a:t>12</a:t>
+                      </a:r>
+                      <a:endParaRPr lang="de-DE" sz="1400" b="0" i="0" u="none" strike="noStrike" dirty="0">
+                        <a:solidFill>
+                          <a:srgbClr val="000000"/>
+                        </a:solidFill>
+                        <a:effectLst/>
+                        <a:latin typeface="Aptos Narrow" panose="020B0004020202020204" pitchFamily="34" charset="0"/>
+                      </a:endParaRPr>
+                    </a:p>
+                  </a:txBody>
+                  <a:tcPr marL="9525" marR="9525" marT="9525" marB="0" anchor="b">
+                    <a:solidFill>
+                      <a:schemeClr val="accent1">
+                        <a:lumMod val="50000"/>
+                      </a:schemeClr>
+                    </a:solidFill>
+                  </a:tcPr>
+                </a:tc>
+                <a:extLst>
+                  <a:ext uri="{0D108BD9-81ED-4DB2-BD59-A6C34878D82A}">
+                    <a16:rowId xmlns:a16="http://schemas.microsoft.com/office/drawing/2014/main" val="1253406523"/>
+                  </a:ext>
+                </a:extLst>
+              </a:tr>
+              <a:tr h="384795">
+                <a:tc>
+                  <a:txBody>
+                    <a:bodyPr/>
+                    <a:lstStyle/>
+                    <a:p>
+                      <a:pPr algn="r" fontAlgn="b"/>
+                      <a:r>
+                        <a:rPr lang="de-DE" sz="1400" u="none" strike="noStrike" dirty="0">
+                          <a:effectLst/>
+                        </a:rPr>
+                        <a:t>8</a:t>
+                      </a:r>
+                      <a:endParaRPr lang="de-DE" sz="1400" b="0" i="0" u="none" strike="noStrike" dirty="0">
+                        <a:solidFill>
+                          <a:srgbClr val="000000"/>
+                        </a:solidFill>
+                        <a:effectLst/>
+                        <a:latin typeface="Aptos Narrow" panose="020B0004020202020204" pitchFamily="34" charset="0"/>
+                      </a:endParaRPr>
+                    </a:p>
+                  </a:txBody>
+                  <a:tcPr marL="9525" marR="9525" marT="9525" marB="0" anchor="b">
+                    <a:solidFill>
+                      <a:schemeClr val="bg1">
+                        <a:lumMod val="65000"/>
+                        <a:lumOff val="35000"/>
+                      </a:schemeClr>
+                    </a:solidFill>
+                  </a:tcPr>
+                </a:tc>
+                <a:tc>
+                  <a:txBody>
+                    <a:bodyPr/>
+                    <a:lstStyle/>
+                    <a:p>
+                      <a:pPr algn="r" fontAlgn="b"/>
+                      <a:r>
+                        <a:rPr lang="de-DE" sz="1400" u="none" strike="noStrike" dirty="0">
+                          <a:effectLst/>
+                        </a:rPr>
+                        <a:t>8</a:t>
+                      </a:r>
+                      <a:endParaRPr lang="de-DE" sz="1400" b="0" i="0" u="none" strike="noStrike" dirty="0">
+                        <a:solidFill>
+                          <a:srgbClr val="000000"/>
+                        </a:solidFill>
+                        <a:effectLst/>
+                        <a:latin typeface="Aptos Narrow" panose="020B0004020202020204" pitchFamily="34" charset="0"/>
+                      </a:endParaRPr>
+                    </a:p>
+                  </a:txBody>
+                  <a:tcPr marL="9525" marR="9525" marT="9525" marB="0" anchor="b">
+                    <a:solidFill>
+                      <a:schemeClr val="accent1">
+                        <a:lumMod val="50000"/>
+                      </a:schemeClr>
+                    </a:solidFill>
+                  </a:tcPr>
+                </a:tc>
+                <a:tc>
+                  <a:txBody>
+                    <a:bodyPr/>
+                    <a:lstStyle/>
+                    <a:p>
+                      <a:pPr algn="r" fontAlgn="b"/>
+                      <a:r>
+                        <a:rPr lang="de-DE" sz="1400" u="none" strike="noStrike" dirty="0">
+                          <a:effectLst/>
+                        </a:rPr>
+                        <a:t>4</a:t>
+                      </a:r>
+                      <a:endParaRPr lang="de-DE" sz="1400" b="0" i="0" u="none" strike="noStrike" dirty="0">
+                        <a:solidFill>
+                          <a:srgbClr val="000000"/>
+                        </a:solidFill>
+                        <a:effectLst/>
+                        <a:latin typeface="Aptos Narrow" panose="020B0004020202020204" pitchFamily="34" charset="0"/>
+                      </a:endParaRPr>
+                    </a:p>
+                  </a:txBody>
+                  <a:tcPr marL="9525" marR="9525" marT="9525" marB="0" anchor="b">
+                    <a:solidFill>
+                      <a:schemeClr val="bg1">
+                        <a:lumMod val="65000"/>
+                        <a:lumOff val="35000"/>
+                      </a:schemeClr>
+                    </a:solidFill>
+                  </a:tcPr>
+                </a:tc>
+                <a:tc>
+                  <a:txBody>
+                    <a:bodyPr/>
+                    <a:lstStyle/>
+                    <a:p>
+                      <a:pPr algn="r" fontAlgn="b"/>
+                      <a:r>
+                        <a:rPr lang="de-DE" sz="1400" u="none" strike="noStrike" dirty="0">
+                          <a:effectLst/>
+                        </a:rPr>
+                        <a:t>4</a:t>
+                      </a:r>
+                      <a:endParaRPr lang="de-DE" sz="1400" b="0" i="0" u="none" strike="noStrike" dirty="0">
+                        <a:solidFill>
+                          <a:srgbClr val="000000"/>
+                        </a:solidFill>
+                        <a:effectLst/>
+                        <a:latin typeface="Aptos Narrow" panose="020B0004020202020204" pitchFamily="34" charset="0"/>
+                      </a:endParaRPr>
+                    </a:p>
+                  </a:txBody>
+                  <a:tcPr marL="9525" marR="9525" marT="9525" marB="0" anchor="b">
+                    <a:solidFill>
+                      <a:schemeClr val="accent1">
+                        <a:lumMod val="50000"/>
+                      </a:schemeClr>
+                    </a:solidFill>
+                  </a:tcPr>
+                </a:tc>
+                <a:tc>
+                  <a:txBody>
+                    <a:bodyPr/>
+                    <a:lstStyle/>
+                    <a:p>
+                      <a:pPr algn="r" fontAlgn="b"/>
+                      <a:r>
+                        <a:rPr lang="de-DE" sz="1400" u="none" strike="noStrike" dirty="0">
+                          <a:effectLst/>
+                        </a:rPr>
+                        <a:t>8</a:t>
+                      </a:r>
+                      <a:endParaRPr lang="de-DE" sz="1400" b="0" i="0" u="none" strike="noStrike" dirty="0">
+                        <a:solidFill>
+                          <a:srgbClr val="000000"/>
+                        </a:solidFill>
+                        <a:effectLst/>
+                        <a:latin typeface="Aptos Narrow" panose="020B0004020202020204" pitchFamily="34" charset="0"/>
+                      </a:endParaRPr>
+                    </a:p>
+                  </a:txBody>
+                  <a:tcPr marL="9525" marR="9525" marT="9525" marB="0" anchor="b">
+                    <a:solidFill>
+                      <a:schemeClr val="bg1">
+                        <a:lumMod val="65000"/>
+                        <a:lumOff val="35000"/>
+                      </a:schemeClr>
+                    </a:solidFill>
+                  </a:tcPr>
+                </a:tc>
+                <a:tc>
+                  <a:txBody>
+                    <a:bodyPr/>
+                    <a:lstStyle/>
+                    <a:p>
+                      <a:pPr algn="r" fontAlgn="b"/>
+                      <a:r>
+                        <a:rPr lang="de-DE" sz="1400" u="none" strike="noStrike" dirty="0">
+                          <a:effectLst/>
+                        </a:rPr>
+                        <a:t>7</a:t>
+                      </a:r>
+                      <a:endParaRPr lang="de-DE" sz="1400" b="0" i="0" u="none" strike="noStrike" dirty="0">
+                        <a:solidFill>
+                          <a:srgbClr val="000000"/>
+                        </a:solidFill>
+                        <a:effectLst/>
+                        <a:latin typeface="Aptos Narrow" panose="020B0004020202020204" pitchFamily="34" charset="0"/>
+                      </a:endParaRPr>
+                    </a:p>
+                  </a:txBody>
+                  <a:tcPr marL="9525" marR="9525" marT="9525" marB="0" anchor="b">
+                    <a:solidFill>
+                      <a:schemeClr val="accent1">
+                        <a:lumMod val="50000"/>
+                      </a:schemeClr>
+                    </a:solidFill>
+                  </a:tcPr>
+                </a:tc>
+                <a:extLst>
+                  <a:ext uri="{0D108BD9-81ED-4DB2-BD59-A6C34878D82A}">
+                    <a16:rowId xmlns:a16="http://schemas.microsoft.com/office/drawing/2014/main" val="4205626346"/>
+                  </a:ext>
+                </a:extLst>
+              </a:tr>
+              <a:tr h="384795">
+                <a:tc>
+                  <a:txBody>
+                    <a:bodyPr/>
+                    <a:lstStyle/>
+                    <a:p>
+                      <a:pPr algn="r" fontAlgn="b"/>
+                      <a:r>
+                        <a:rPr lang="de-DE" sz="1400" u="none" strike="noStrike" dirty="0">
+                          <a:effectLst/>
+                        </a:rPr>
+                        <a:t>1,5</a:t>
+                      </a:r>
+                      <a:endParaRPr lang="de-DE" sz="1400" b="0" i="0" u="none" strike="noStrike" dirty="0">
+                        <a:solidFill>
+                          <a:srgbClr val="000000"/>
+                        </a:solidFill>
+                        <a:effectLst/>
+                        <a:latin typeface="Aptos Narrow" panose="020B0004020202020204" pitchFamily="34" charset="0"/>
+                      </a:endParaRPr>
+                    </a:p>
+                  </a:txBody>
+                  <a:tcPr marL="9525" marR="9525" marT="9525" marB="0" anchor="b">
+                    <a:solidFill>
+                      <a:schemeClr val="bg1">
+                        <a:lumMod val="65000"/>
+                        <a:lumOff val="35000"/>
+                      </a:schemeClr>
+                    </a:solidFill>
+                  </a:tcPr>
+                </a:tc>
+                <a:tc>
+                  <a:txBody>
+                    <a:bodyPr/>
+                    <a:lstStyle/>
+                    <a:p>
+                      <a:pPr algn="r" fontAlgn="b"/>
+                      <a:r>
+                        <a:rPr lang="de-DE" sz="1400" u="none" strike="noStrike" dirty="0">
+                          <a:effectLst/>
+                        </a:rPr>
+                        <a:t>1,5</a:t>
+                      </a:r>
+                      <a:endParaRPr lang="de-DE" sz="1400" b="0" i="0" u="none" strike="noStrike" dirty="0">
+                        <a:solidFill>
+                          <a:srgbClr val="000000"/>
+                        </a:solidFill>
+                        <a:effectLst/>
+                        <a:latin typeface="Aptos Narrow" panose="020B0004020202020204" pitchFamily="34" charset="0"/>
+                      </a:endParaRPr>
+                    </a:p>
+                  </a:txBody>
+                  <a:tcPr marL="9525" marR="9525" marT="9525" marB="0" anchor="b">
+                    <a:solidFill>
+                      <a:schemeClr val="accent1">
+                        <a:lumMod val="50000"/>
+                      </a:schemeClr>
+                    </a:solidFill>
+                  </a:tcPr>
+                </a:tc>
+                <a:tc>
+                  <a:txBody>
+                    <a:bodyPr/>
+                    <a:lstStyle/>
+                    <a:p>
+                      <a:pPr algn="r" fontAlgn="b"/>
+                      <a:r>
+                        <a:rPr lang="de-DE" sz="1400" u="none" strike="noStrike" dirty="0">
+                          <a:effectLst/>
+                        </a:rPr>
+                        <a:t>6</a:t>
+                      </a:r>
+                      <a:endParaRPr lang="de-DE" sz="1400" b="0" i="0" u="none" strike="noStrike" dirty="0">
+                        <a:solidFill>
+                          <a:srgbClr val="000000"/>
+                        </a:solidFill>
+                        <a:effectLst/>
+                        <a:latin typeface="Aptos Narrow" panose="020B0004020202020204" pitchFamily="34" charset="0"/>
+                      </a:endParaRPr>
+                    </a:p>
+                  </a:txBody>
+                  <a:tcPr marL="9525" marR="9525" marT="9525" marB="0" anchor="b">
+                    <a:solidFill>
+                      <a:schemeClr val="bg1">
+                        <a:lumMod val="65000"/>
+                        <a:lumOff val="35000"/>
+                      </a:schemeClr>
+                    </a:solidFill>
+                  </a:tcPr>
+                </a:tc>
+                <a:tc>
+                  <a:txBody>
+                    <a:bodyPr/>
+                    <a:lstStyle/>
+                    <a:p>
+                      <a:pPr algn="r" fontAlgn="b"/>
+                      <a:r>
+                        <a:rPr lang="de-DE" sz="1400" u="none" strike="noStrike" dirty="0">
+                          <a:effectLst/>
+                        </a:rPr>
+                        <a:t>5</a:t>
+                      </a:r>
+                      <a:endParaRPr lang="de-DE" sz="1400" b="0" i="0" u="none" strike="noStrike" dirty="0">
+                        <a:solidFill>
+                          <a:srgbClr val="000000"/>
+                        </a:solidFill>
+                        <a:effectLst/>
+                        <a:latin typeface="Aptos Narrow" panose="020B0004020202020204" pitchFamily="34" charset="0"/>
+                      </a:endParaRPr>
+                    </a:p>
+                  </a:txBody>
+                  <a:tcPr marL="9525" marR="9525" marT="9525" marB="0" anchor="b">
+                    <a:solidFill>
+                      <a:schemeClr val="accent1">
+                        <a:lumMod val="50000"/>
+                      </a:schemeClr>
+                    </a:solidFill>
+                  </a:tcPr>
+                </a:tc>
+                <a:tc>
+                  <a:txBody>
+                    <a:bodyPr/>
+                    <a:lstStyle/>
+                    <a:p>
+                      <a:pPr algn="r" fontAlgn="b"/>
+                      <a:r>
+                        <a:rPr lang="de-DE" sz="1400" u="none" strike="noStrike" dirty="0">
+                          <a:effectLst/>
+                        </a:rPr>
+                        <a:t>7</a:t>
+                      </a:r>
+                      <a:endParaRPr lang="de-DE" sz="1400" b="0" i="0" u="none" strike="noStrike" dirty="0">
+                        <a:solidFill>
+                          <a:srgbClr val="000000"/>
+                        </a:solidFill>
+                        <a:effectLst/>
+                        <a:latin typeface="Aptos Narrow" panose="020B0004020202020204" pitchFamily="34" charset="0"/>
+                      </a:endParaRPr>
+                    </a:p>
+                  </a:txBody>
+                  <a:tcPr marL="9525" marR="9525" marT="9525" marB="0" anchor="b">
+                    <a:solidFill>
+                      <a:schemeClr val="bg1">
+                        <a:lumMod val="65000"/>
+                        <a:lumOff val="35000"/>
+                      </a:schemeClr>
+                    </a:solidFill>
+                  </a:tcPr>
+                </a:tc>
+                <a:tc>
+                  <a:txBody>
+                    <a:bodyPr/>
+                    <a:lstStyle/>
+                    <a:p>
+                      <a:pPr algn="r" fontAlgn="b"/>
+                      <a:r>
+                        <a:rPr lang="de-DE" sz="1400" u="none" strike="noStrike">
+                          <a:effectLst/>
+                        </a:rPr>
+                        <a:t>6</a:t>
+                      </a:r>
+                      <a:endParaRPr lang="de-DE" sz="1400" b="0" i="0" u="none" strike="noStrike">
+                        <a:solidFill>
+                          <a:srgbClr val="000000"/>
+                        </a:solidFill>
+                        <a:effectLst/>
+                        <a:latin typeface="Aptos Narrow" panose="020B0004020202020204" pitchFamily="34" charset="0"/>
+                      </a:endParaRPr>
+                    </a:p>
+                  </a:txBody>
+                  <a:tcPr marL="9525" marR="9525" marT="9525" marB="0" anchor="b">
+                    <a:solidFill>
+                      <a:schemeClr val="accent1">
+                        <a:lumMod val="50000"/>
+                      </a:schemeClr>
+                    </a:solidFill>
+                  </a:tcPr>
+                </a:tc>
+                <a:extLst>
+                  <a:ext uri="{0D108BD9-81ED-4DB2-BD59-A6C34878D82A}">
+                    <a16:rowId xmlns:a16="http://schemas.microsoft.com/office/drawing/2014/main" val="2989607156"/>
+                  </a:ext>
+                </a:extLst>
+              </a:tr>
+              <a:tr h="384795">
+                <a:tc>
+                  <a:txBody>
+                    <a:bodyPr/>
+                    <a:lstStyle/>
+                    <a:p>
+                      <a:pPr algn="r" fontAlgn="b"/>
+                      <a:r>
+                        <a:rPr lang="de-DE" sz="1400" u="none" strike="noStrike" dirty="0">
+                          <a:effectLst/>
+                        </a:rPr>
+                        <a:t>4</a:t>
+                      </a:r>
+                      <a:endParaRPr lang="de-DE" sz="1400" b="0" i="0" u="none" strike="noStrike" dirty="0">
+                        <a:solidFill>
+                          <a:srgbClr val="000000"/>
+                        </a:solidFill>
+                        <a:effectLst/>
+                        <a:latin typeface="Aptos Narrow" panose="020B0004020202020204" pitchFamily="34" charset="0"/>
+                      </a:endParaRPr>
+                    </a:p>
+                  </a:txBody>
+                  <a:tcPr marL="9525" marR="9525" marT="9525" marB="0" anchor="b">
+                    <a:solidFill>
+                      <a:schemeClr val="bg1">
+                        <a:lumMod val="65000"/>
+                        <a:lumOff val="35000"/>
+                      </a:schemeClr>
+                    </a:solidFill>
+                  </a:tcPr>
+                </a:tc>
+                <a:tc>
+                  <a:txBody>
+                    <a:bodyPr/>
+                    <a:lstStyle/>
+                    <a:p>
+                      <a:pPr algn="r" fontAlgn="b"/>
+                      <a:r>
+                        <a:rPr lang="de-DE" sz="1400" u="none" strike="noStrike" dirty="0">
+                          <a:effectLst/>
+                        </a:rPr>
+                        <a:t>4</a:t>
+                      </a:r>
+                      <a:endParaRPr lang="de-DE" sz="1400" b="0" i="0" u="none" strike="noStrike" dirty="0">
+                        <a:solidFill>
+                          <a:srgbClr val="000000"/>
+                        </a:solidFill>
+                        <a:effectLst/>
+                        <a:latin typeface="Aptos Narrow" panose="020B0004020202020204" pitchFamily="34" charset="0"/>
+                      </a:endParaRPr>
+                    </a:p>
+                  </a:txBody>
+                  <a:tcPr marL="9525" marR="9525" marT="9525" marB="0" anchor="b">
+                    <a:solidFill>
+                      <a:schemeClr val="accent1">
+                        <a:lumMod val="50000"/>
+                      </a:schemeClr>
+                    </a:solidFill>
+                  </a:tcPr>
+                </a:tc>
+                <a:tc>
+                  <a:txBody>
+                    <a:bodyPr/>
+                    <a:lstStyle/>
+                    <a:p>
+                      <a:pPr algn="r" fontAlgn="b"/>
+                      <a:r>
+                        <a:rPr lang="de-DE" sz="1400" u="none" strike="noStrike" dirty="0">
+                          <a:effectLst/>
+                        </a:rPr>
+                        <a:t>5</a:t>
+                      </a:r>
+                      <a:endParaRPr lang="de-DE" sz="1400" b="0" i="0" u="none" strike="noStrike" dirty="0">
+                        <a:solidFill>
+                          <a:srgbClr val="000000"/>
+                        </a:solidFill>
+                        <a:effectLst/>
+                        <a:latin typeface="Aptos Narrow" panose="020B0004020202020204" pitchFamily="34" charset="0"/>
+                      </a:endParaRPr>
+                    </a:p>
+                  </a:txBody>
+                  <a:tcPr marL="9525" marR="9525" marT="9525" marB="0" anchor="b">
+                    <a:solidFill>
+                      <a:schemeClr val="bg1">
+                        <a:lumMod val="65000"/>
+                        <a:lumOff val="35000"/>
+                      </a:schemeClr>
+                    </a:solidFill>
+                  </a:tcPr>
+                </a:tc>
+                <a:tc>
+                  <a:txBody>
+                    <a:bodyPr/>
+                    <a:lstStyle/>
+                    <a:p>
+                      <a:pPr algn="r" fontAlgn="b"/>
+                      <a:r>
+                        <a:rPr lang="de-DE" sz="1400" u="none" strike="noStrike" dirty="0">
+                          <a:effectLst/>
+                        </a:rPr>
+                        <a:t>7</a:t>
+                      </a:r>
+                      <a:endParaRPr lang="de-DE" sz="1400" b="0" i="0" u="none" strike="noStrike" dirty="0">
+                        <a:solidFill>
+                          <a:srgbClr val="000000"/>
+                        </a:solidFill>
+                        <a:effectLst/>
+                        <a:latin typeface="Aptos Narrow" panose="020B0004020202020204" pitchFamily="34" charset="0"/>
+                      </a:endParaRPr>
+                    </a:p>
+                  </a:txBody>
+                  <a:tcPr marL="9525" marR="9525" marT="9525" marB="0" anchor="b">
+                    <a:solidFill>
+                      <a:schemeClr val="accent1">
+                        <a:lumMod val="50000"/>
+                      </a:schemeClr>
+                    </a:solidFill>
+                  </a:tcPr>
+                </a:tc>
+                <a:tc>
+                  <a:txBody>
+                    <a:bodyPr/>
+                    <a:lstStyle/>
+                    <a:p>
+                      <a:pPr algn="r" fontAlgn="b"/>
+                      <a:r>
+                        <a:rPr lang="de-DE" sz="1400" u="none" strike="noStrike" dirty="0">
+                          <a:effectLst/>
+                        </a:rPr>
+                        <a:t>3</a:t>
+                      </a:r>
+                      <a:endParaRPr lang="de-DE" sz="1400" b="0" i="0" u="none" strike="noStrike" dirty="0">
+                        <a:solidFill>
+                          <a:srgbClr val="000000"/>
+                        </a:solidFill>
+                        <a:effectLst/>
+                        <a:latin typeface="Aptos Narrow" panose="020B0004020202020204" pitchFamily="34" charset="0"/>
+                      </a:endParaRPr>
+                    </a:p>
+                  </a:txBody>
+                  <a:tcPr marL="9525" marR="9525" marT="9525" marB="0" anchor="b">
+                    <a:solidFill>
+                      <a:schemeClr val="bg1">
+                        <a:lumMod val="65000"/>
+                        <a:lumOff val="35000"/>
+                      </a:schemeClr>
+                    </a:solidFill>
+                  </a:tcPr>
+                </a:tc>
+                <a:tc>
+                  <a:txBody>
+                    <a:bodyPr/>
+                    <a:lstStyle/>
+                    <a:p>
+                      <a:pPr algn="r" fontAlgn="b"/>
+                      <a:r>
+                        <a:rPr lang="de-DE" sz="1400" u="none" strike="noStrike" dirty="0">
+                          <a:effectLst/>
+                        </a:rPr>
+                        <a:t>2</a:t>
+                      </a:r>
+                      <a:endParaRPr lang="de-DE" sz="1400" b="0" i="0" u="none" strike="noStrike" dirty="0">
+                        <a:solidFill>
+                          <a:srgbClr val="000000"/>
+                        </a:solidFill>
+                        <a:effectLst/>
+                        <a:latin typeface="Aptos Narrow" panose="020B0004020202020204" pitchFamily="34" charset="0"/>
+                      </a:endParaRPr>
+                    </a:p>
+                  </a:txBody>
+                  <a:tcPr marL="9525" marR="9525" marT="9525" marB="0" anchor="b">
+                    <a:solidFill>
+                      <a:schemeClr val="accent1">
+                        <a:lumMod val="50000"/>
+                      </a:schemeClr>
+                    </a:solidFill>
+                  </a:tcPr>
+                </a:tc>
+                <a:extLst>
+                  <a:ext uri="{0D108BD9-81ED-4DB2-BD59-A6C34878D82A}">
+                    <a16:rowId xmlns:a16="http://schemas.microsoft.com/office/drawing/2014/main" val="3715989442"/>
+                  </a:ext>
+                </a:extLst>
+              </a:tr>
+              <a:tr h="384795">
+                <a:tc>
+                  <a:txBody>
+                    <a:bodyPr/>
+                    <a:lstStyle/>
+                    <a:p>
+                      <a:pPr algn="r" fontAlgn="b"/>
+                      <a:r>
+                        <a:rPr lang="de-DE" sz="1400" u="none" strike="noStrike" dirty="0">
+                          <a:effectLst/>
+                        </a:rPr>
+                        <a:t>12</a:t>
+                      </a:r>
+                      <a:endParaRPr lang="de-DE" sz="1400" b="0" i="0" u="none" strike="noStrike" dirty="0">
+                        <a:solidFill>
+                          <a:srgbClr val="000000"/>
+                        </a:solidFill>
+                        <a:effectLst/>
+                        <a:latin typeface="Aptos Narrow" panose="020B0004020202020204" pitchFamily="34" charset="0"/>
+                      </a:endParaRPr>
+                    </a:p>
+                  </a:txBody>
+                  <a:tcPr marL="9525" marR="9525" marT="9525" marB="0" anchor="b">
+                    <a:solidFill>
+                      <a:schemeClr val="bg1">
+                        <a:lumMod val="65000"/>
+                        <a:lumOff val="35000"/>
+                      </a:schemeClr>
+                    </a:solidFill>
+                  </a:tcPr>
+                </a:tc>
+                <a:tc>
+                  <a:txBody>
+                    <a:bodyPr/>
+                    <a:lstStyle/>
+                    <a:p>
+                      <a:pPr algn="r" fontAlgn="b"/>
+                      <a:r>
+                        <a:rPr lang="de-DE" sz="1400" u="none" strike="noStrike" dirty="0">
+                          <a:effectLst/>
+                        </a:rPr>
+                        <a:t>4</a:t>
+                      </a:r>
+                      <a:endParaRPr lang="de-DE" sz="1400" b="0" i="0" u="none" strike="noStrike" dirty="0">
+                        <a:solidFill>
+                          <a:srgbClr val="000000"/>
+                        </a:solidFill>
+                        <a:effectLst/>
+                        <a:latin typeface="Aptos Narrow" panose="020B0004020202020204" pitchFamily="34" charset="0"/>
+                      </a:endParaRPr>
+                    </a:p>
+                  </a:txBody>
+                  <a:tcPr marL="9525" marR="9525" marT="9525" marB="0" anchor="b">
+                    <a:solidFill>
+                      <a:schemeClr val="accent1">
+                        <a:lumMod val="50000"/>
+                      </a:schemeClr>
+                    </a:solidFill>
+                  </a:tcPr>
+                </a:tc>
+                <a:tc>
+                  <a:txBody>
+                    <a:bodyPr/>
+                    <a:lstStyle/>
+                    <a:p>
+                      <a:pPr algn="r" fontAlgn="b"/>
+                      <a:r>
+                        <a:rPr lang="de-DE" sz="1400" u="none" strike="noStrike" dirty="0">
+                          <a:effectLst/>
+                        </a:rPr>
+                        <a:t>6</a:t>
+                      </a:r>
+                      <a:endParaRPr lang="de-DE" sz="1400" b="0" i="0" u="none" strike="noStrike" dirty="0">
+                        <a:solidFill>
+                          <a:srgbClr val="000000"/>
+                        </a:solidFill>
+                        <a:effectLst/>
+                        <a:latin typeface="Aptos Narrow" panose="020B0004020202020204" pitchFamily="34" charset="0"/>
+                      </a:endParaRPr>
+                    </a:p>
+                  </a:txBody>
+                  <a:tcPr marL="9525" marR="9525" marT="9525" marB="0" anchor="b">
+                    <a:solidFill>
+                      <a:schemeClr val="bg1">
+                        <a:lumMod val="65000"/>
+                        <a:lumOff val="35000"/>
+                      </a:schemeClr>
+                    </a:solidFill>
+                  </a:tcPr>
+                </a:tc>
+                <a:tc>
+                  <a:txBody>
+                    <a:bodyPr/>
+                    <a:lstStyle/>
+                    <a:p>
+                      <a:pPr algn="r" fontAlgn="b"/>
+                      <a:r>
+                        <a:rPr lang="de-DE" sz="1400" u="none" strike="noStrike" dirty="0">
+                          <a:effectLst/>
+                        </a:rPr>
+                        <a:t>5</a:t>
+                      </a:r>
+                      <a:endParaRPr lang="de-DE" sz="1400" b="0" i="0" u="none" strike="noStrike" dirty="0">
+                        <a:solidFill>
+                          <a:srgbClr val="000000"/>
+                        </a:solidFill>
+                        <a:effectLst/>
+                        <a:latin typeface="Aptos Narrow" panose="020B0004020202020204" pitchFamily="34" charset="0"/>
+                      </a:endParaRPr>
+                    </a:p>
+                  </a:txBody>
+                  <a:tcPr marL="9525" marR="9525" marT="9525" marB="0" anchor="b">
+                    <a:solidFill>
+                      <a:schemeClr val="accent1">
+                        <a:lumMod val="50000"/>
+                      </a:schemeClr>
+                    </a:solidFill>
+                  </a:tcPr>
+                </a:tc>
+                <a:tc>
+                  <a:txBody>
+                    <a:bodyPr/>
+                    <a:lstStyle/>
+                    <a:p>
+                      <a:pPr algn="r" fontAlgn="b"/>
+                      <a:r>
+                        <a:rPr lang="de-DE" sz="1400" u="none" strike="noStrike" dirty="0">
+                          <a:effectLst/>
+                        </a:rPr>
+                        <a:t>8</a:t>
+                      </a:r>
+                      <a:endParaRPr lang="de-DE" sz="1400" b="0" i="0" u="none" strike="noStrike" dirty="0">
+                        <a:solidFill>
+                          <a:srgbClr val="000000"/>
+                        </a:solidFill>
+                        <a:effectLst/>
+                        <a:latin typeface="Aptos Narrow" panose="020B0004020202020204" pitchFamily="34" charset="0"/>
+                      </a:endParaRPr>
+                    </a:p>
+                  </a:txBody>
+                  <a:tcPr marL="9525" marR="9525" marT="9525" marB="0" anchor="b">
+                    <a:solidFill>
+                      <a:schemeClr val="bg1">
+                        <a:lumMod val="65000"/>
+                        <a:lumOff val="35000"/>
+                      </a:schemeClr>
+                    </a:solidFill>
+                  </a:tcPr>
+                </a:tc>
+                <a:tc>
+                  <a:txBody>
+                    <a:bodyPr/>
+                    <a:lstStyle/>
+                    <a:p>
+                      <a:pPr algn="r" fontAlgn="b"/>
+                      <a:r>
+                        <a:rPr lang="de-DE" sz="1400" u="none" strike="noStrike" dirty="0">
+                          <a:effectLst/>
+                        </a:rPr>
+                        <a:t>10</a:t>
+                      </a:r>
+                      <a:endParaRPr lang="de-DE" sz="1400" b="0" i="0" u="none" strike="noStrike" dirty="0">
+                        <a:solidFill>
+                          <a:srgbClr val="000000"/>
+                        </a:solidFill>
+                        <a:effectLst/>
+                        <a:latin typeface="Aptos Narrow" panose="020B0004020202020204" pitchFamily="34" charset="0"/>
+                      </a:endParaRPr>
+                    </a:p>
+                  </a:txBody>
+                  <a:tcPr marL="9525" marR="9525" marT="9525" marB="0" anchor="b">
+                    <a:solidFill>
+                      <a:schemeClr val="accent1">
+                        <a:lumMod val="50000"/>
+                      </a:schemeClr>
+                    </a:solidFill>
+                  </a:tcPr>
+                </a:tc>
+                <a:extLst>
+                  <a:ext uri="{0D108BD9-81ED-4DB2-BD59-A6C34878D82A}">
+                    <a16:rowId xmlns:a16="http://schemas.microsoft.com/office/drawing/2014/main" val="1696011589"/>
+                  </a:ext>
+                </a:extLst>
+              </a:tr>
+              <a:tr h="384795">
+                <a:tc>
+                  <a:txBody>
+                    <a:bodyPr/>
+                    <a:lstStyle/>
+                    <a:p>
+                      <a:pPr algn="r" fontAlgn="b"/>
+                      <a:r>
+                        <a:rPr lang="de-DE" sz="1400" u="none" strike="noStrike" dirty="0">
+                          <a:effectLst/>
+                        </a:rPr>
+                        <a:t>3</a:t>
+                      </a:r>
+                      <a:endParaRPr lang="de-DE" sz="1400" b="0" i="0" u="none" strike="noStrike" dirty="0">
+                        <a:solidFill>
+                          <a:srgbClr val="000000"/>
+                        </a:solidFill>
+                        <a:effectLst/>
+                        <a:latin typeface="Aptos Narrow" panose="020B0004020202020204" pitchFamily="34" charset="0"/>
+                      </a:endParaRPr>
+                    </a:p>
+                  </a:txBody>
+                  <a:tcPr marL="9525" marR="9525" marT="9525" marB="0" anchor="b">
+                    <a:solidFill>
+                      <a:schemeClr val="bg1">
+                        <a:lumMod val="65000"/>
+                        <a:lumOff val="35000"/>
+                      </a:schemeClr>
+                    </a:solidFill>
+                  </a:tcPr>
+                </a:tc>
+                <a:tc>
+                  <a:txBody>
+                    <a:bodyPr/>
+                    <a:lstStyle/>
+                    <a:p>
+                      <a:pPr algn="r" fontAlgn="b"/>
+                      <a:r>
+                        <a:rPr lang="de-DE" sz="1400" u="none" strike="noStrike" dirty="0">
+                          <a:effectLst/>
+                        </a:rPr>
+                        <a:t>0,5</a:t>
+                      </a:r>
+                      <a:endParaRPr lang="de-DE" sz="1400" b="0" i="0" u="none" strike="noStrike" dirty="0">
+                        <a:solidFill>
+                          <a:srgbClr val="000000"/>
+                        </a:solidFill>
+                        <a:effectLst/>
+                        <a:latin typeface="Aptos Narrow" panose="020B0004020202020204" pitchFamily="34" charset="0"/>
+                      </a:endParaRPr>
+                    </a:p>
+                  </a:txBody>
+                  <a:tcPr marL="9525" marR="9525" marT="9525" marB="0" anchor="b">
+                    <a:solidFill>
+                      <a:schemeClr val="accent1">
+                        <a:lumMod val="50000"/>
+                      </a:schemeClr>
+                    </a:solidFill>
+                  </a:tcPr>
+                </a:tc>
+                <a:tc>
+                  <a:txBody>
+                    <a:bodyPr/>
+                    <a:lstStyle/>
+                    <a:p>
+                      <a:pPr algn="l" fontAlgn="b"/>
+                      <a:endParaRPr lang="de-DE" sz="1400" b="0" i="0" u="none" strike="noStrike" dirty="0">
+                        <a:solidFill>
+                          <a:srgbClr val="000000"/>
+                        </a:solidFill>
+                        <a:effectLst/>
+                        <a:latin typeface="Aptos Narrow" panose="020B0004020202020204" pitchFamily="34" charset="0"/>
+                      </a:endParaRPr>
+                    </a:p>
+                  </a:txBody>
+                  <a:tcPr marL="9525" marR="9525" marT="9525" marB="0" anchor="b">
+                    <a:solidFill>
+                      <a:schemeClr val="bg1">
+                        <a:lumMod val="65000"/>
+                        <a:lumOff val="35000"/>
+                      </a:schemeClr>
+                    </a:solidFill>
+                  </a:tcPr>
+                </a:tc>
+                <a:tc>
+                  <a:txBody>
+                    <a:bodyPr/>
+                    <a:lstStyle/>
+                    <a:p>
+                      <a:pPr algn="l" fontAlgn="b"/>
+                      <a:endParaRPr lang="de-DE" sz="1400" b="0" i="0" u="none" strike="noStrike" dirty="0">
+                        <a:solidFill>
+                          <a:srgbClr val="000000"/>
+                        </a:solidFill>
+                        <a:effectLst/>
+                        <a:latin typeface="Aptos Narrow" panose="020B0004020202020204" pitchFamily="34" charset="0"/>
+                      </a:endParaRPr>
+                    </a:p>
+                  </a:txBody>
+                  <a:tcPr marL="9525" marR="9525" marT="9525" marB="0" anchor="b">
+                    <a:solidFill>
+                      <a:schemeClr val="accent1">
+                        <a:lumMod val="50000"/>
+                      </a:schemeClr>
+                    </a:solidFill>
+                  </a:tcPr>
+                </a:tc>
+                <a:tc>
+                  <a:txBody>
+                    <a:bodyPr/>
+                    <a:lstStyle/>
+                    <a:p>
+                      <a:pPr algn="l" fontAlgn="b"/>
+                      <a:endParaRPr lang="de-DE" sz="1400" b="0" i="0" u="none" strike="noStrike" dirty="0">
+                        <a:solidFill>
+                          <a:srgbClr val="000000"/>
+                        </a:solidFill>
+                        <a:effectLst/>
+                        <a:latin typeface="Aptos Narrow" panose="020B0004020202020204" pitchFamily="34" charset="0"/>
+                      </a:endParaRPr>
+                    </a:p>
+                  </a:txBody>
+                  <a:tcPr marL="9525" marR="9525" marT="9525" marB="0" anchor="b">
+                    <a:solidFill>
+                      <a:schemeClr val="bg1">
+                        <a:lumMod val="65000"/>
+                        <a:lumOff val="35000"/>
+                      </a:schemeClr>
+                    </a:solidFill>
+                  </a:tcPr>
+                </a:tc>
+                <a:tc>
+                  <a:txBody>
+                    <a:bodyPr/>
+                    <a:lstStyle/>
+                    <a:p>
+                      <a:pPr algn="l" fontAlgn="b"/>
+                      <a:endParaRPr lang="de-DE" sz="1400" b="0" i="0" u="none" strike="noStrike" dirty="0">
+                        <a:solidFill>
+                          <a:srgbClr val="000000"/>
+                        </a:solidFill>
+                        <a:effectLst/>
+                        <a:latin typeface="Aptos Narrow" panose="020B0004020202020204" pitchFamily="34" charset="0"/>
+                      </a:endParaRPr>
+                    </a:p>
+                  </a:txBody>
+                  <a:tcPr marL="9525" marR="9525" marT="9525" marB="0" anchor="b">
+                    <a:solidFill>
+                      <a:schemeClr val="accent1">
+                        <a:lumMod val="50000"/>
+                      </a:schemeClr>
+                    </a:solidFill>
+                  </a:tcPr>
+                </a:tc>
+                <a:extLst>
+                  <a:ext uri="{0D108BD9-81ED-4DB2-BD59-A6C34878D82A}">
+                    <a16:rowId xmlns:a16="http://schemas.microsoft.com/office/drawing/2014/main" val="3814955850"/>
+                  </a:ext>
+                </a:extLst>
+              </a:tr>
+              <a:tr h="384795">
+                <a:tc>
+                  <a:txBody>
+                    <a:bodyPr/>
+                    <a:lstStyle/>
+                    <a:p>
+                      <a:pPr algn="r" fontAlgn="b"/>
+                      <a:r>
+                        <a:rPr lang="de-DE" sz="1400" b="1" u="none" strike="noStrike" kern="1200" dirty="0">
+                          <a:solidFill>
+                            <a:schemeClr val="tx1"/>
+                          </a:solidFill>
+                          <a:effectLst/>
+                          <a:latin typeface="+mn-lt"/>
+                          <a:ea typeface="+mn-ea"/>
+                          <a:cs typeface="+mn-cs"/>
+                        </a:rPr>
+                        <a:t>48,5</a:t>
+                      </a:r>
+                    </a:p>
+                  </a:txBody>
+                  <a:tcPr marL="9525" marR="9525" marT="9525" marB="0" anchor="b">
+                    <a:solidFill>
+                      <a:schemeClr val="bg1">
+                        <a:lumMod val="65000"/>
+                        <a:lumOff val="35000"/>
+                      </a:schemeClr>
+                    </a:solidFill>
+                  </a:tcPr>
+                </a:tc>
+                <a:tc>
+                  <a:txBody>
+                    <a:bodyPr/>
+                    <a:lstStyle/>
+                    <a:p>
+                      <a:pPr algn="r" fontAlgn="b"/>
+                      <a:r>
+                        <a:rPr lang="de-DE" sz="1400" b="1" u="none" strike="noStrike" kern="1200" dirty="0">
+                          <a:solidFill>
+                            <a:schemeClr val="tx1"/>
+                          </a:solidFill>
+                          <a:effectLst/>
+                          <a:latin typeface="+mn-lt"/>
+                          <a:ea typeface="+mn-ea"/>
+                          <a:cs typeface="+mn-cs"/>
+                        </a:rPr>
+                        <a:t>34</a:t>
+                      </a:r>
+                    </a:p>
+                  </a:txBody>
+                  <a:tcPr marL="9525" marR="9525" marT="9525" marB="0" anchor="b">
+                    <a:solidFill>
+                      <a:schemeClr val="accent1">
+                        <a:lumMod val="50000"/>
+                      </a:schemeClr>
+                    </a:solidFill>
+                  </a:tcPr>
+                </a:tc>
+                <a:tc>
+                  <a:txBody>
+                    <a:bodyPr/>
+                    <a:lstStyle/>
+                    <a:p>
+                      <a:pPr algn="r" fontAlgn="b"/>
+                      <a:r>
+                        <a:rPr lang="de-DE" sz="1400" b="1" u="none" strike="noStrike" kern="1200" dirty="0">
+                          <a:solidFill>
+                            <a:schemeClr val="tx1"/>
+                          </a:solidFill>
+                          <a:effectLst/>
+                          <a:latin typeface="+mn-lt"/>
+                          <a:ea typeface="+mn-ea"/>
+                          <a:cs typeface="+mn-cs"/>
+                        </a:rPr>
+                        <a:t>42</a:t>
+                      </a:r>
+                    </a:p>
+                  </a:txBody>
+                  <a:tcPr marL="9525" marR="9525" marT="9525" marB="0" anchor="b">
+                    <a:solidFill>
+                      <a:schemeClr val="bg1">
+                        <a:lumMod val="65000"/>
+                        <a:lumOff val="35000"/>
+                      </a:schemeClr>
+                    </a:solidFill>
+                  </a:tcPr>
+                </a:tc>
+                <a:tc>
+                  <a:txBody>
+                    <a:bodyPr/>
+                    <a:lstStyle/>
+                    <a:p>
+                      <a:pPr algn="r" fontAlgn="b"/>
+                      <a:r>
+                        <a:rPr lang="de-DE" sz="1400" b="1" u="none" strike="noStrike" kern="1200" dirty="0">
+                          <a:solidFill>
+                            <a:schemeClr val="tx1"/>
+                          </a:solidFill>
+                          <a:effectLst/>
+                          <a:latin typeface="+mn-lt"/>
+                          <a:ea typeface="+mn-ea"/>
+                          <a:cs typeface="+mn-cs"/>
+                        </a:rPr>
+                        <a:t>42</a:t>
+                      </a:r>
+                    </a:p>
+                  </a:txBody>
+                  <a:tcPr marL="9525" marR="9525" marT="9525" marB="0" anchor="b">
+                    <a:solidFill>
+                      <a:schemeClr val="accent1">
+                        <a:lumMod val="50000"/>
+                      </a:schemeClr>
+                    </a:solidFill>
+                  </a:tcPr>
+                </a:tc>
+                <a:tc>
+                  <a:txBody>
+                    <a:bodyPr/>
+                    <a:lstStyle/>
+                    <a:p>
+                      <a:pPr algn="r" fontAlgn="b"/>
+                      <a:r>
+                        <a:rPr lang="de-DE" sz="1400" b="1" u="none" strike="noStrike" kern="1200" dirty="0">
+                          <a:solidFill>
+                            <a:schemeClr val="tx1"/>
+                          </a:solidFill>
+                          <a:effectLst/>
+                          <a:latin typeface="+mn-lt"/>
+                          <a:ea typeface="+mn-ea"/>
+                          <a:cs typeface="+mn-cs"/>
+                        </a:rPr>
+                        <a:t>45</a:t>
+                      </a:r>
+                    </a:p>
+                  </a:txBody>
+                  <a:tcPr marL="9525" marR="9525" marT="9525" marB="0" anchor="b">
+                    <a:solidFill>
+                      <a:schemeClr val="bg1">
+                        <a:lumMod val="65000"/>
+                        <a:lumOff val="35000"/>
+                      </a:schemeClr>
+                    </a:solidFill>
+                  </a:tcPr>
+                </a:tc>
+                <a:tc>
+                  <a:txBody>
+                    <a:bodyPr/>
+                    <a:lstStyle/>
+                    <a:p>
+                      <a:pPr algn="r" fontAlgn="b"/>
+                      <a:r>
+                        <a:rPr lang="de-DE" sz="1400" b="1" u="none" strike="noStrike" kern="1200" dirty="0">
+                          <a:solidFill>
+                            <a:schemeClr val="tx1"/>
+                          </a:solidFill>
+                          <a:effectLst/>
+                          <a:latin typeface="+mn-lt"/>
+                          <a:ea typeface="+mn-ea"/>
+                          <a:cs typeface="+mn-cs"/>
+                        </a:rPr>
+                        <a:t>49</a:t>
+                      </a:r>
+                    </a:p>
+                  </a:txBody>
+                  <a:tcPr marL="9525" marR="9525" marT="9525" marB="0" anchor="b">
+                    <a:solidFill>
+                      <a:schemeClr val="accent1">
+                        <a:lumMod val="50000"/>
+                      </a:schemeClr>
+                    </a:solidFill>
+                  </a:tcPr>
+                </a:tc>
+                <a:extLst>
+                  <a:ext uri="{0D108BD9-81ED-4DB2-BD59-A6C34878D82A}">
+                    <a16:rowId xmlns:a16="http://schemas.microsoft.com/office/drawing/2014/main" val="635434354"/>
+                  </a:ext>
+                </a:extLst>
+              </a:tr>
+            </a:tbl>
+          </a:graphicData>
+        </a:graphic>
+      </p:graphicFrame>
+      <p:graphicFrame>
+        <p:nvGraphicFramePr>
+          <p:cNvPr id="6" name="Tabelle 5">
+            <a:extLst>
+              <a:ext uri="{FF2B5EF4-FFF2-40B4-BE49-F238E27FC236}">
+                <a16:creationId xmlns:a16="http://schemas.microsoft.com/office/drawing/2014/main" id="{1AA45841-6982-4260-FEE2-BC7003E63C1F}"/>
+              </a:ext>
+            </a:extLst>
+          </p:cNvPr>
+          <p:cNvGraphicFramePr>
+            <a:graphicFrameLocks noGrp="1"/>
+          </p:cNvGraphicFramePr>
+          <p:nvPr>
+            <p:extLst>
+              <p:ext uri="{D42A27DB-BD31-4B8C-83A1-F6EECF244321}">
+                <p14:modId xmlns:p14="http://schemas.microsoft.com/office/powerpoint/2010/main" val="3084652216"/>
+              </p:ext>
+            </p:extLst>
+          </p:nvPr>
+        </p:nvGraphicFramePr>
+        <p:xfrm>
+          <a:off x="454946" y="5765006"/>
+          <a:ext cx="1393870" cy="383072"/>
+        </p:xfrm>
+        <a:graphic>
+          <a:graphicData uri="http://schemas.openxmlformats.org/drawingml/2006/table">
+            <a:tbl>
+              <a:tblPr>
+                <a:tableStyleId>{5940675A-B579-460E-94D1-54222C63F5DA}</a:tableStyleId>
+              </a:tblPr>
+              <a:tblGrid>
+                <a:gridCol w="1393870">
+                  <a:extLst>
+                    <a:ext uri="{9D8B030D-6E8A-4147-A177-3AD203B41FA5}">
+                      <a16:colId xmlns:a16="http://schemas.microsoft.com/office/drawing/2014/main" val="2995477702"/>
+                    </a:ext>
+                  </a:extLst>
+                </a:gridCol>
+              </a:tblGrid>
+              <a:tr h="383072">
+                <a:tc>
+                  <a:txBody>
+                    <a:bodyPr/>
+                    <a:lstStyle/>
+                    <a:p>
+                      <a:pPr algn="ctr" fontAlgn="b"/>
+                      <a:r>
+                        <a:rPr lang="de-DE" sz="1400" b="1" u="none" strike="noStrike" dirty="0">
+                          <a:effectLst/>
+                        </a:rPr>
+                        <a:t>Gesamt</a:t>
+                      </a:r>
+                      <a:endParaRPr lang="de-DE" sz="1400" b="1" i="0" u="none" strike="noStrike" dirty="0">
+                        <a:solidFill>
+                          <a:srgbClr val="000000"/>
+                        </a:solidFill>
+                        <a:effectLst/>
+                        <a:latin typeface="Aptos Narrow" panose="020B0004020202020204" pitchFamily="34" charset="0"/>
+                      </a:endParaRPr>
+                    </a:p>
+                  </a:txBody>
+                  <a:tcPr marL="9525" marR="9525" marT="9525" marB="0" anchor="b"/>
+                </a:tc>
+                <a:extLst>
+                  <a:ext uri="{0D108BD9-81ED-4DB2-BD59-A6C34878D82A}">
+                    <a16:rowId xmlns:a16="http://schemas.microsoft.com/office/drawing/2014/main" val="2291776983"/>
+                  </a:ext>
+                </a:extLst>
+              </a:tr>
+            </a:tbl>
+          </a:graphicData>
+        </a:graphic>
+      </p:graphicFrame>
     </p:spTree>
     <p:extLst>
       <p:ext uri="{BB962C8B-B14F-4D97-AF65-F5344CB8AC3E}">
@@ -11413,6 +15724,410 @@
 </file>
 
 <file path=ppt/slides/slide6.xml><?xml version="1.0" encoding="utf-8"?>
+<p:sld xmlns:a="http://schemas.openxmlformats.org/drawingml/2006/main" xmlns:r="http://schemas.openxmlformats.org/officeDocument/2006/relationships" xmlns:p="http://schemas.openxmlformats.org/presentationml/2006/main">
+  <p:cSld>
+    <p:spTree>
+      <p:nvGrpSpPr>
+        <p:cNvPr id="1" name="">
+          <a:extLst>
+            <a:ext uri="{FF2B5EF4-FFF2-40B4-BE49-F238E27FC236}">
+              <a16:creationId xmlns:a16="http://schemas.microsoft.com/office/drawing/2014/main" id="{0B90CE2B-38AF-53AF-9DD2-AEA378726DF3}"/>
+            </a:ext>
+          </a:extLst>
+        </p:cNvPr>
+        <p:cNvGrpSpPr/>
+        <p:nvPr/>
+      </p:nvGrpSpPr>
+      <p:grpSpPr>
+        <a:xfrm>
+          <a:off x="0" y="0"/>
+          <a:ext cx="0" cy="0"/>
+          <a:chOff x="0" y="0"/>
+          <a:chExt cx="0" cy="0"/>
+        </a:xfrm>
+      </p:grpSpPr>
+      <p:sp>
+        <p:nvSpPr>
+          <p:cNvPr id="2" name="Titel 1">
+            <a:extLst>
+              <a:ext uri="{FF2B5EF4-FFF2-40B4-BE49-F238E27FC236}">
+                <a16:creationId xmlns:a16="http://schemas.microsoft.com/office/drawing/2014/main" id="{0D987677-AA59-F2D0-599D-02CB9C90A3D8}"/>
+              </a:ext>
+            </a:extLst>
+          </p:cNvPr>
+          <p:cNvSpPr>
+            <a:spLocks noGrp="1"/>
+          </p:cNvSpPr>
+          <p:nvPr>
+            <p:ph type="title"/>
+          </p:nvPr>
+        </p:nvSpPr>
+        <p:spPr/>
+        <p:txBody>
+          <a:bodyPr/>
+          <a:lstStyle/>
+          <a:p>
+            <a:r>
+              <a:rPr lang="de-DE" noProof="0"/>
+              <a:t>3. Retrospektive</a:t>
+            </a:r>
+            <a:endParaRPr lang="de-DE" dirty="0"/>
+          </a:p>
+        </p:txBody>
+      </p:sp>
+      <p:sp>
+        <p:nvSpPr>
+          <p:cNvPr id="7" name="Datumsplatzhalter 6">
+            <a:extLst>
+              <a:ext uri="{FF2B5EF4-FFF2-40B4-BE49-F238E27FC236}">
+                <a16:creationId xmlns:a16="http://schemas.microsoft.com/office/drawing/2014/main" id="{AD209DA2-7299-C07F-B3E6-253FED7321AB}"/>
+              </a:ext>
+            </a:extLst>
+          </p:cNvPr>
+          <p:cNvSpPr>
+            <a:spLocks noGrp="1"/>
+          </p:cNvSpPr>
+          <p:nvPr>
+            <p:ph type="dt" sz="half" idx="10"/>
+          </p:nvPr>
+        </p:nvSpPr>
+        <p:spPr/>
+        <p:txBody>
+          <a:bodyPr/>
+          <a:lstStyle/>
+          <a:p>
+            <a:fld id="{75919FF8-1369-4F22-8739-0971D22D8076}" type="datetime1">
+              <a:rPr lang="de-DE" smtClean="0"/>
+              <a:t>10.01.2025</a:t>
+            </a:fld>
+            <a:endParaRPr lang="en-US"/>
+          </a:p>
+        </p:txBody>
+      </p:sp>
+      <p:sp>
+        <p:nvSpPr>
+          <p:cNvPr id="8" name="Foliennummernplatzhalter 7">
+            <a:extLst>
+              <a:ext uri="{FF2B5EF4-FFF2-40B4-BE49-F238E27FC236}">
+                <a16:creationId xmlns:a16="http://schemas.microsoft.com/office/drawing/2014/main" id="{4100F722-68C6-3311-5117-8BCFC7D5F589}"/>
+              </a:ext>
+            </a:extLst>
+          </p:cNvPr>
+          <p:cNvSpPr>
+            <a:spLocks noGrp="1"/>
+          </p:cNvSpPr>
+          <p:nvPr>
+            <p:ph type="sldNum" sz="quarter" idx="12"/>
+          </p:nvPr>
+        </p:nvSpPr>
+        <p:spPr/>
+        <p:txBody>
+          <a:bodyPr/>
+          <a:lstStyle/>
+          <a:p>
+            <a:fld id="{07CE569E-9B7C-4CB9-AB80-C0841F922CFF}" type="slidenum">
+              <a:rPr lang="en-US" smtClean="0"/>
+              <a:t>6</a:t>
+            </a:fld>
+            <a:endParaRPr lang="en-US"/>
+          </a:p>
+        </p:txBody>
+      </p:sp>
+      <p:sp>
+        <p:nvSpPr>
+          <p:cNvPr id="18" name="Textfeld 17">
+            <a:extLst>
+              <a:ext uri="{FF2B5EF4-FFF2-40B4-BE49-F238E27FC236}">
+                <a16:creationId xmlns:a16="http://schemas.microsoft.com/office/drawing/2014/main" id="{EBF72CC2-4AE2-716C-58F2-282B1DFBB0E5}"/>
+              </a:ext>
+            </a:extLst>
+          </p:cNvPr>
+          <p:cNvSpPr txBox="1"/>
+          <p:nvPr/>
+        </p:nvSpPr>
+        <p:spPr>
+          <a:xfrm>
+            <a:off x="1225550" y="1847850"/>
+            <a:ext cx="5314950" cy="523220"/>
+          </a:xfrm>
+          <a:prstGeom prst="rect">
+            <a:avLst/>
+          </a:prstGeom>
+          <a:noFill/>
+        </p:spPr>
+        <p:txBody>
+          <a:bodyPr wrap="square" rtlCol="0">
+            <a:spAutoFit/>
+          </a:bodyPr>
+          <a:lstStyle/>
+          <a:p>
+            <a:r>
+              <a:rPr lang="de-DE" sz="2800" noProof="0"/>
+              <a:t>1. Stunden</a:t>
+            </a:r>
+            <a:endParaRPr lang="de-DE" sz="2800" dirty="0"/>
+          </a:p>
+        </p:txBody>
+      </p:sp>
+      <p:graphicFrame>
+        <p:nvGraphicFramePr>
+          <p:cNvPr id="5" name="Tabelle 4">
+            <a:extLst>
+              <a:ext uri="{FF2B5EF4-FFF2-40B4-BE49-F238E27FC236}">
+                <a16:creationId xmlns:a16="http://schemas.microsoft.com/office/drawing/2014/main" id="{F8D8D3B0-85E3-528B-943D-A7042A463B7E}"/>
+              </a:ext>
+            </a:extLst>
+          </p:cNvPr>
+          <p:cNvGraphicFramePr>
+            <a:graphicFrameLocks noGrp="1"/>
+          </p:cNvGraphicFramePr>
+          <p:nvPr>
+            <p:extLst>
+              <p:ext uri="{D42A27DB-BD31-4B8C-83A1-F6EECF244321}">
+                <p14:modId xmlns:p14="http://schemas.microsoft.com/office/powerpoint/2010/main" val="4172833349"/>
+              </p:ext>
+            </p:extLst>
+          </p:nvPr>
+        </p:nvGraphicFramePr>
+        <p:xfrm>
+          <a:off x="1560830" y="2787593"/>
+          <a:ext cx="2831456" cy="1168513"/>
+        </p:xfrm>
+        <a:graphic>
+          <a:graphicData uri="http://schemas.openxmlformats.org/drawingml/2006/table">
+            <a:tbl>
+              <a:tblPr>
+                <a:tableStyleId>{5940675A-B579-460E-94D1-54222C63F5DA}</a:tableStyleId>
+              </a:tblPr>
+              <a:tblGrid>
+                <a:gridCol w="1415728">
+                  <a:extLst>
+                    <a:ext uri="{9D8B030D-6E8A-4147-A177-3AD203B41FA5}">
+                      <a16:colId xmlns:a16="http://schemas.microsoft.com/office/drawing/2014/main" val="2995477702"/>
+                    </a:ext>
+                  </a:extLst>
+                </a:gridCol>
+                <a:gridCol w="1415728">
+                  <a:extLst>
+                    <a:ext uri="{9D8B030D-6E8A-4147-A177-3AD203B41FA5}">
+                      <a16:colId xmlns:a16="http://schemas.microsoft.com/office/drawing/2014/main" val="710254781"/>
+                    </a:ext>
+                  </a:extLst>
+                </a:gridCol>
+              </a:tblGrid>
+              <a:tr h="398923">
+                <a:tc gridSpan="2">
+                  <a:txBody>
+                    <a:bodyPr/>
+                    <a:lstStyle/>
+                    <a:p>
+                      <a:pPr algn="ctr" fontAlgn="b"/>
+                      <a:r>
+                        <a:rPr lang="de-DE" sz="1400" b="1" u="none" strike="noStrike" kern="1200" dirty="0">
+                          <a:solidFill>
+                            <a:schemeClr val="tx1"/>
+                          </a:solidFill>
+                          <a:effectLst/>
+                          <a:latin typeface="+mn-lt"/>
+                          <a:ea typeface="+mn-ea"/>
+                          <a:cs typeface="+mn-cs"/>
+                        </a:rPr>
+                        <a:t>Total</a:t>
+                      </a:r>
+                    </a:p>
+                  </a:txBody>
+                  <a:tcPr marL="9525" marR="9525" marT="9525" marB="0" anchor="b"/>
+                </a:tc>
+                <a:tc hMerge="1">
+                  <a:txBody>
+                    <a:bodyPr/>
+                    <a:lstStyle/>
+                    <a:p>
+                      <a:endParaRPr lang="de-DE"/>
+                    </a:p>
+                  </a:txBody>
+                  <a:tcPr/>
+                </a:tc>
+                <a:extLst>
+                  <a:ext uri="{0D108BD9-81ED-4DB2-BD59-A6C34878D82A}">
+                    <a16:rowId xmlns:a16="http://schemas.microsoft.com/office/drawing/2014/main" val="2291776983"/>
+                  </a:ext>
+                </a:extLst>
+              </a:tr>
+              <a:tr h="384795">
+                <a:tc>
+                  <a:txBody>
+                    <a:bodyPr/>
+                    <a:lstStyle/>
+                    <a:p>
+                      <a:pPr algn="l" fontAlgn="b"/>
+                      <a:r>
+                        <a:rPr lang="de-DE" sz="1400" b="1" u="none" strike="noStrike" kern="1200">
+                          <a:solidFill>
+                            <a:schemeClr val="tx1"/>
+                          </a:solidFill>
+                          <a:effectLst/>
+                          <a:latin typeface="+mn-lt"/>
+                          <a:ea typeface="+mn-ea"/>
+                          <a:cs typeface="+mn-cs"/>
+                        </a:rPr>
+                        <a:t>Geschätzt</a:t>
+                      </a:r>
+                    </a:p>
+                  </a:txBody>
+                  <a:tcPr marL="9525" marR="9525" marT="9525" marB="0" anchor="b">
+                    <a:solidFill>
+                      <a:schemeClr val="bg1">
+                        <a:lumMod val="65000"/>
+                        <a:lumOff val="35000"/>
+                      </a:schemeClr>
+                    </a:solidFill>
+                  </a:tcPr>
+                </a:tc>
+                <a:tc>
+                  <a:txBody>
+                    <a:bodyPr/>
+                    <a:lstStyle/>
+                    <a:p>
+                      <a:pPr algn="l" fontAlgn="b"/>
+                      <a:r>
+                        <a:rPr lang="de-DE" sz="1400" b="1" u="none" strike="noStrike" kern="1200" dirty="0">
+                          <a:solidFill>
+                            <a:schemeClr val="tx1"/>
+                          </a:solidFill>
+                          <a:effectLst/>
+                          <a:latin typeface="+mn-lt"/>
+                          <a:ea typeface="+mn-ea"/>
+                          <a:cs typeface="+mn-cs"/>
+                        </a:rPr>
+                        <a:t>Tatsächlich</a:t>
+                      </a:r>
+                    </a:p>
+                  </a:txBody>
+                  <a:tcPr marL="9525" marR="9525" marT="9525" marB="0" anchor="b">
+                    <a:solidFill>
+                      <a:schemeClr val="accent1">
+                        <a:lumMod val="50000"/>
+                      </a:schemeClr>
+                    </a:solidFill>
+                  </a:tcPr>
+                </a:tc>
+                <a:extLst>
+                  <a:ext uri="{0D108BD9-81ED-4DB2-BD59-A6C34878D82A}">
+                    <a16:rowId xmlns:a16="http://schemas.microsoft.com/office/drawing/2014/main" val="1061886808"/>
+                  </a:ext>
+                </a:extLst>
+              </a:tr>
+              <a:tr h="384795">
+                <a:tc>
+                  <a:txBody>
+                    <a:bodyPr/>
+                    <a:lstStyle/>
+                    <a:p>
+                      <a:pPr algn="r" fontAlgn="b"/>
+                      <a:r>
+                        <a:rPr lang="de-DE" sz="1400" u="none" strike="noStrike" kern="1200">
+                          <a:solidFill>
+                            <a:schemeClr val="tx1"/>
+                          </a:solidFill>
+                          <a:effectLst/>
+                          <a:latin typeface="+mn-lt"/>
+                          <a:ea typeface="+mn-ea"/>
+                          <a:cs typeface="+mn-cs"/>
+                        </a:rPr>
+                        <a:t>135,5</a:t>
+                      </a:r>
+                    </a:p>
+                  </a:txBody>
+                  <a:tcPr marL="9525" marR="9525" marT="9525" marB="0" anchor="b">
+                    <a:solidFill>
+                      <a:schemeClr val="bg1">
+                        <a:lumMod val="65000"/>
+                        <a:lumOff val="35000"/>
+                      </a:schemeClr>
+                    </a:solidFill>
+                  </a:tcPr>
+                </a:tc>
+                <a:tc>
+                  <a:txBody>
+                    <a:bodyPr/>
+                    <a:lstStyle/>
+                    <a:p>
+                      <a:pPr algn="r" fontAlgn="b"/>
+                      <a:r>
+                        <a:rPr lang="de-DE" sz="1400" u="none" strike="noStrike" kern="1200" dirty="0">
+                          <a:solidFill>
+                            <a:schemeClr val="tx1"/>
+                          </a:solidFill>
+                          <a:effectLst/>
+                          <a:latin typeface="+mn-lt"/>
+                          <a:ea typeface="+mn-ea"/>
+                          <a:cs typeface="+mn-cs"/>
+                        </a:rPr>
+                        <a:t>125</a:t>
+                      </a:r>
+                    </a:p>
+                  </a:txBody>
+                  <a:tcPr marL="9525" marR="9525" marT="9525" marB="0" anchor="b">
+                    <a:solidFill>
+                      <a:schemeClr val="accent1">
+                        <a:lumMod val="50000"/>
+                      </a:schemeClr>
+                    </a:solidFill>
+                  </a:tcPr>
+                </a:tc>
+                <a:extLst>
+                  <a:ext uri="{0D108BD9-81ED-4DB2-BD59-A6C34878D82A}">
+                    <a16:rowId xmlns:a16="http://schemas.microsoft.com/office/drawing/2014/main" val="1307858597"/>
+                  </a:ext>
+                </a:extLst>
+              </a:tr>
+            </a:tbl>
+          </a:graphicData>
+        </a:graphic>
+      </p:graphicFrame>
+      <p:graphicFrame>
+        <p:nvGraphicFramePr>
+          <p:cNvPr id="13" name="Diagramm 12">
+            <a:extLst>
+              <a:ext uri="{FF2B5EF4-FFF2-40B4-BE49-F238E27FC236}">
+                <a16:creationId xmlns:a16="http://schemas.microsoft.com/office/drawing/2014/main" id="{94200C6D-30D7-7163-0DB8-D7C07AFFEEBD}"/>
+              </a:ext>
+            </a:extLst>
+          </p:cNvPr>
+          <p:cNvGraphicFramePr/>
+          <p:nvPr>
+            <p:extLst>
+              <p:ext uri="{D42A27DB-BD31-4B8C-83A1-F6EECF244321}">
+                <p14:modId xmlns:p14="http://schemas.microsoft.com/office/powerpoint/2010/main" val="3033955625"/>
+              </p:ext>
+            </p:extLst>
+          </p:nvPr>
+        </p:nvGraphicFramePr>
+        <p:xfrm>
+          <a:off x="5212080" y="2179320"/>
+          <a:ext cx="4945380" cy="3802379"/>
+        </p:xfrm>
+        <a:graphic>
+          <a:graphicData uri="http://schemas.openxmlformats.org/drawingml/2006/chart">
+            <c:chart xmlns:c="http://schemas.openxmlformats.org/drawingml/2006/chart" xmlns:r="http://schemas.openxmlformats.org/officeDocument/2006/relationships" r:id="rId3"/>
+          </a:graphicData>
+        </a:graphic>
+      </p:graphicFrame>
+    </p:spTree>
+    <p:extLst>
+      <p:ext uri="{BB962C8B-B14F-4D97-AF65-F5344CB8AC3E}">
+        <p14:creationId xmlns:p14="http://schemas.microsoft.com/office/powerpoint/2010/main" val="1046366160"/>
+      </p:ext>
+    </p:extLst>
+  </p:cSld>
+  <p:clrMapOvr>
+    <a:masterClrMapping/>
+  </p:clrMapOvr>
+</p:sld>
+</file>
+
+<file path=ppt/slides/slide7.xml><?xml version="1.0" encoding="utf-8"?>
 <p:sld xmlns:a="http://schemas.openxmlformats.org/drawingml/2006/main" xmlns:r="http://schemas.openxmlformats.org/officeDocument/2006/relationships" xmlns:p="http://schemas.openxmlformats.org/presentationml/2006/main">
   <p:cSld>
     <p:spTree>
@@ -11487,7 +16202,7 @@
           <a:p>
             <a:fld id="{75919FF8-1369-4F22-8739-0971D22D8076}" type="datetime1">
               <a:rPr lang="de-DE" smtClean="0"/>
-              <a:t>09.01.2025</a:t>
+              <a:t>10.01.2025</a:t>
             </a:fld>
             <a:endParaRPr lang="en-US"/>
           </a:p>
@@ -11516,7 +16231,7 @@
           <a:p>
             <a:fld id="{07CE569E-9B7C-4CB9-AB80-C0841F922CFF}" type="slidenum">
               <a:rPr lang="en-US" smtClean="0"/>
-              <a:t>6</a:t>
+              <a:t>7</a:t>
             </a:fld>
             <a:endParaRPr lang="en-US"/>
           </a:p>
@@ -11562,6 +16277,373 @@
           </a:p>
         </p:txBody>
       </p:sp>
+      <p:graphicFrame>
+        <p:nvGraphicFramePr>
+          <p:cNvPr id="4" name="Tabelle 3">
+            <a:extLst>
+              <a:ext uri="{FF2B5EF4-FFF2-40B4-BE49-F238E27FC236}">
+                <a16:creationId xmlns:a16="http://schemas.microsoft.com/office/drawing/2014/main" id="{FEA0E701-EF9E-2CCF-F56A-4E16CBE7B564}"/>
+              </a:ext>
+            </a:extLst>
+          </p:cNvPr>
+          <p:cNvGraphicFramePr>
+            <a:graphicFrameLocks noGrp="1"/>
+          </p:cNvGraphicFramePr>
+          <p:nvPr>
+            <p:extLst>
+              <p:ext uri="{D42A27DB-BD31-4B8C-83A1-F6EECF244321}">
+                <p14:modId xmlns:p14="http://schemas.microsoft.com/office/powerpoint/2010/main" val="1849357303"/>
+              </p:ext>
+            </p:extLst>
+          </p:nvPr>
+        </p:nvGraphicFramePr>
+        <p:xfrm>
+          <a:off x="2001520" y="2646660"/>
+          <a:ext cx="5085080" cy="741680"/>
+        </p:xfrm>
+        <a:graphic>
+          <a:graphicData uri="http://schemas.openxmlformats.org/drawingml/2006/table">
+            <a:tbl>
+              <a:tblPr firstRow="1" bandRow="1">
+                <a:tableStyleId>{5C22544A-7EE6-4342-B048-85BDC9FD1C3A}</a:tableStyleId>
+              </a:tblPr>
+              <a:tblGrid>
+                <a:gridCol w="3576320">
+                  <a:extLst>
+                    <a:ext uri="{9D8B030D-6E8A-4147-A177-3AD203B41FA5}">
+                      <a16:colId xmlns:a16="http://schemas.microsoft.com/office/drawing/2014/main" val="2207168074"/>
+                    </a:ext>
+                  </a:extLst>
+                </a:gridCol>
+                <a:gridCol w="1508760">
+                  <a:extLst>
+                    <a:ext uri="{9D8B030D-6E8A-4147-A177-3AD203B41FA5}">
+                      <a16:colId xmlns:a16="http://schemas.microsoft.com/office/drawing/2014/main" val="2714022376"/>
+                    </a:ext>
+                  </a:extLst>
+                </a:gridCol>
+              </a:tblGrid>
+              <a:tr h="370840">
+                <a:tc>
+                  <a:txBody>
+                    <a:bodyPr/>
+                    <a:lstStyle/>
+                    <a:p>
+                      <a:r>
+                        <a:rPr lang="en-US" b="0" dirty="0" err="1">
+                          <a:solidFill>
+                            <a:schemeClr val="bg1">
+                              <a:lumMod val="75000"/>
+                              <a:lumOff val="25000"/>
+                            </a:schemeClr>
+                          </a:solidFill>
+                        </a:rPr>
+                        <a:t>Aufgaben</a:t>
+                      </a:r>
+                      <a:r>
+                        <a:rPr lang="en-US" b="0" dirty="0">
+                          <a:solidFill>
+                            <a:schemeClr val="bg1">
+                              <a:lumMod val="75000"/>
+                              <a:lumOff val="25000"/>
+                            </a:schemeClr>
+                          </a:solidFill>
+                        </a:rPr>
+                        <a:t> </a:t>
+                      </a:r>
+                      <a:r>
+                        <a:rPr lang="en-US" b="0" dirty="0" err="1">
+                          <a:solidFill>
+                            <a:schemeClr val="bg1">
+                              <a:lumMod val="75000"/>
+                              <a:lumOff val="25000"/>
+                            </a:schemeClr>
+                          </a:solidFill>
+                        </a:rPr>
+                        <a:t>vorgenommen</a:t>
+                      </a:r>
+                      <a:endParaRPr lang="de-DE" b="0" dirty="0">
+                        <a:solidFill>
+                          <a:schemeClr val="bg1">
+                            <a:lumMod val="75000"/>
+                            <a:lumOff val="25000"/>
+                          </a:schemeClr>
+                        </a:solidFill>
+                      </a:endParaRPr>
+                    </a:p>
+                  </a:txBody>
+                  <a:tcPr/>
+                </a:tc>
+                <a:tc>
+                  <a:txBody>
+                    <a:bodyPr/>
+                    <a:lstStyle/>
+                    <a:p>
+                      <a:r>
+                        <a:rPr lang="en-US" b="0" dirty="0">
+                          <a:solidFill>
+                            <a:schemeClr val="bg1">
+                              <a:lumMod val="75000"/>
+                              <a:lumOff val="25000"/>
+                            </a:schemeClr>
+                          </a:solidFill>
+                        </a:rPr>
+                        <a:t>17</a:t>
+                      </a:r>
+                      <a:endParaRPr lang="de-DE" b="0" dirty="0">
+                        <a:solidFill>
+                          <a:schemeClr val="bg1">
+                            <a:lumMod val="75000"/>
+                            <a:lumOff val="25000"/>
+                          </a:schemeClr>
+                        </a:solidFill>
+                      </a:endParaRPr>
+                    </a:p>
+                  </a:txBody>
+                  <a:tcPr/>
+                </a:tc>
+                <a:extLst>
+                  <a:ext uri="{0D108BD9-81ED-4DB2-BD59-A6C34878D82A}">
+                    <a16:rowId xmlns:a16="http://schemas.microsoft.com/office/drawing/2014/main" val="3891948981"/>
+                  </a:ext>
+                </a:extLst>
+              </a:tr>
+              <a:tr h="370840">
+                <a:tc>
+                  <a:txBody>
+                    <a:bodyPr/>
+                    <a:lstStyle/>
+                    <a:p>
+                      <a:r>
+                        <a:rPr lang="en-US" b="0" dirty="0" err="1">
+                          <a:solidFill>
+                            <a:schemeClr val="bg1">
+                              <a:lumMod val="75000"/>
+                              <a:lumOff val="25000"/>
+                            </a:schemeClr>
+                          </a:solidFill>
+                        </a:rPr>
+                        <a:t>Aufgaben</a:t>
+                      </a:r>
+                      <a:r>
+                        <a:rPr lang="en-US" b="0" dirty="0">
+                          <a:solidFill>
+                            <a:schemeClr val="bg1">
+                              <a:lumMod val="75000"/>
+                              <a:lumOff val="25000"/>
+                            </a:schemeClr>
+                          </a:solidFill>
+                        </a:rPr>
+                        <a:t> </a:t>
+                      </a:r>
+                      <a:r>
+                        <a:rPr lang="en-US" b="0" dirty="0" err="1">
+                          <a:solidFill>
+                            <a:schemeClr val="bg1">
+                              <a:lumMod val="75000"/>
+                              <a:lumOff val="25000"/>
+                            </a:schemeClr>
+                          </a:solidFill>
+                        </a:rPr>
+                        <a:t>erledigt</a:t>
+                      </a:r>
+                      <a:endParaRPr lang="de-DE" b="0" dirty="0">
+                        <a:solidFill>
+                          <a:schemeClr val="bg1">
+                            <a:lumMod val="75000"/>
+                            <a:lumOff val="25000"/>
+                          </a:schemeClr>
+                        </a:solidFill>
+                      </a:endParaRPr>
+                    </a:p>
+                  </a:txBody>
+                  <a:tcPr/>
+                </a:tc>
+                <a:tc>
+                  <a:txBody>
+                    <a:bodyPr/>
+                    <a:lstStyle/>
+                    <a:p>
+                      <a:r>
+                        <a:rPr lang="en-US" b="0" dirty="0">
+                          <a:solidFill>
+                            <a:schemeClr val="bg1">
+                              <a:lumMod val="75000"/>
+                              <a:lumOff val="25000"/>
+                            </a:schemeClr>
+                          </a:solidFill>
+                        </a:rPr>
+                        <a:t>14</a:t>
+                      </a:r>
+                      <a:endParaRPr lang="de-DE" b="0" dirty="0">
+                        <a:solidFill>
+                          <a:schemeClr val="bg1">
+                            <a:lumMod val="75000"/>
+                            <a:lumOff val="25000"/>
+                          </a:schemeClr>
+                        </a:solidFill>
+                      </a:endParaRPr>
+                    </a:p>
+                  </a:txBody>
+                  <a:tcPr/>
+                </a:tc>
+                <a:extLst>
+                  <a:ext uri="{0D108BD9-81ED-4DB2-BD59-A6C34878D82A}">
+                    <a16:rowId xmlns:a16="http://schemas.microsoft.com/office/drawing/2014/main" val="622447621"/>
+                  </a:ext>
+                </a:extLst>
+              </a:tr>
+            </a:tbl>
+          </a:graphicData>
+        </a:graphic>
+      </p:graphicFrame>
+      <p:graphicFrame>
+        <p:nvGraphicFramePr>
+          <p:cNvPr id="5" name="Tabelle 4">
+            <a:extLst>
+              <a:ext uri="{FF2B5EF4-FFF2-40B4-BE49-F238E27FC236}">
+                <a16:creationId xmlns:a16="http://schemas.microsoft.com/office/drawing/2014/main" id="{8F35EC9F-9D23-061C-71FD-2BB9B35A7F6F}"/>
+              </a:ext>
+            </a:extLst>
+          </p:cNvPr>
+          <p:cNvGraphicFramePr>
+            <a:graphicFrameLocks noGrp="1"/>
+          </p:cNvGraphicFramePr>
+          <p:nvPr>
+            <p:extLst>
+              <p:ext uri="{D42A27DB-BD31-4B8C-83A1-F6EECF244321}">
+                <p14:modId xmlns:p14="http://schemas.microsoft.com/office/powerpoint/2010/main" val="2983548835"/>
+              </p:ext>
+            </p:extLst>
+          </p:nvPr>
+        </p:nvGraphicFramePr>
+        <p:xfrm>
+          <a:off x="3365500" y="3838575"/>
+          <a:ext cx="3721100" cy="1483360"/>
+        </p:xfrm>
+        <a:graphic>
+          <a:graphicData uri="http://schemas.openxmlformats.org/drawingml/2006/table">
+            <a:tbl>
+              <a:tblPr firstRow="1" bandRow="1">
+                <a:tableStyleId>{5C22544A-7EE6-4342-B048-85BDC9FD1C3A}</a:tableStyleId>
+              </a:tblPr>
+              <a:tblGrid>
+                <a:gridCol w="3721100">
+                  <a:extLst>
+                    <a:ext uri="{9D8B030D-6E8A-4147-A177-3AD203B41FA5}">
+                      <a16:colId xmlns:a16="http://schemas.microsoft.com/office/drawing/2014/main" val="708865077"/>
+                    </a:ext>
+                  </a:extLst>
+                </a:gridCol>
+              </a:tblGrid>
+              <a:tr h="370840">
+                <a:tc>
+                  <a:txBody>
+                    <a:bodyPr/>
+                    <a:lstStyle/>
+                    <a:p>
+                      <a:r>
+                        <a:rPr lang="en-US" dirty="0" err="1"/>
+                        <a:t>Nicht</a:t>
+                      </a:r>
+                      <a:r>
+                        <a:rPr lang="en-US" dirty="0"/>
+                        <a:t> </a:t>
+                      </a:r>
+                      <a:r>
+                        <a:rPr lang="en-US" dirty="0" err="1"/>
+                        <a:t>absolvierte</a:t>
+                      </a:r>
+                      <a:r>
+                        <a:rPr lang="en-US" dirty="0"/>
+                        <a:t> Tasks</a:t>
+                      </a:r>
+                      <a:endParaRPr lang="de-DE" dirty="0"/>
+                    </a:p>
+                  </a:txBody>
+                  <a:tcPr/>
+                </a:tc>
+                <a:extLst>
+                  <a:ext uri="{0D108BD9-81ED-4DB2-BD59-A6C34878D82A}">
+                    <a16:rowId xmlns:a16="http://schemas.microsoft.com/office/drawing/2014/main" val="750385328"/>
+                  </a:ext>
+                </a:extLst>
+              </a:tr>
+              <a:tr h="370840">
+                <a:tc>
+                  <a:txBody>
+                    <a:bodyPr/>
+                    <a:lstStyle/>
+                    <a:p>
+                      <a:r>
+                        <a:rPr lang="en-US" dirty="0"/>
+                        <a:t>Hosting</a:t>
+                      </a:r>
+                      <a:endParaRPr lang="de-DE" dirty="0"/>
+                    </a:p>
+                  </a:txBody>
+                  <a:tcPr/>
+                </a:tc>
+                <a:extLst>
+                  <a:ext uri="{0D108BD9-81ED-4DB2-BD59-A6C34878D82A}">
+                    <a16:rowId xmlns:a16="http://schemas.microsoft.com/office/drawing/2014/main" val="4038577521"/>
+                  </a:ext>
+                </a:extLst>
+              </a:tr>
+              <a:tr h="370840">
+                <a:tc>
+                  <a:txBody>
+                    <a:bodyPr/>
+                    <a:lstStyle/>
+                    <a:p>
+                      <a:r>
+                        <a:rPr lang="en-US" dirty="0"/>
+                        <a:t>API</a:t>
+                      </a:r>
+                      <a:endParaRPr lang="de-DE" dirty="0"/>
+                    </a:p>
+                  </a:txBody>
+                  <a:tcPr/>
+                </a:tc>
+                <a:extLst>
+                  <a:ext uri="{0D108BD9-81ED-4DB2-BD59-A6C34878D82A}">
+                    <a16:rowId xmlns:a16="http://schemas.microsoft.com/office/drawing/2014/main" val="2489780308"/>
+                  </a:ext>
+                </a:extLst>
+              </a:tr>
+              <a:tr h="370840">
+                <a:tc>
+                  <a:txBody>
+                    <a:bodyPr/>
+                    <a:lstStyle/>
+                    <a:p>
+                      <a:r>
+                        <a:rPr lang="en-US" dirty="0"/>
+                        <a:t>API </a:t>
+                      </a:r>
+                      <a:r>
+                        <a:rPr lang="en-US" dirty="0" err="1"/>
+                        <a:t>Erweiterung</a:t>
+                      </a:r>
+                      <a:r>
+                        <a:rPr lang="en-US" dirty="0"/>
+                        <a:t> (Website + DB)</a:t>
+                      </a:r>
+                      <a:endParaRPr lang="de-DE" dirty="0"/>
+                    </a:p>
+                  </a:txBody>
+                  <a:tcPr/>
+                </a:tc>
+                <a:extLst>
+                  <a:ext uri="{0D108BD9-81ED-4DB2-BD59-A6C34878D82A}">
+                    <a16:rowId xmlns:a16="http://schemas.microsoft.com/office/drawing/2014/main" val="3361050712"/>
+                  </a:ext>
+                </a:extLst>
+              </a:tr>
+            </a:tbl>
+          </a:graphicData>
+        </a:graphic>
+      </p:graphicFrame>
     </p:spTree>
     <p:extLst>
       <p:ext uri="{BB962C8B-B14F-4D97-AF65-F5344CB8AC3E}">
@@ -11575,7 +16657,7 @@
 </p:sld>
 </file>
 
-<file path=ppt/slides/slide7.xml><?xml version="1.0" encoding="utf-8"?>
+<file path=ppt/slides/slide8.xml><?xml version="1.0" encoding="utf-8"?>
 <p:sld xmlns:a="http://schemas.openxmlformats.org/drawingml/2006/main" xmlns:r="http://schemas.openxmlformats.org/officeDocument/2006/relationships" xmlns:p="http://schemas.openxmlformats.org/presentationml/2006/main">
   <p:cSld>
     <p:spTree>
@@ -11597,7 +16679,7 @@
           <p:cNvPr id="2" name="Titel 1">
             <a:extLst>
               <a:ext uri="{FF2B5EF4-FFF2-40B4-BE49-F238E27FC236}">
-                <a16:creationId xmlns:a16="http://schemas.microsoft.com/office/drawing/2014/main" id="{0C579FFF-6A8E-1436-7F47-208326112BC2}"/>
+                <a16:creationId xmlns:a16="http://schemas.microsoft.com/office/drawing/2014/main" id="{651425FB-1700-5FE9-1141-F138831F1084}"/>
               </a:ext>
             </a:extLst>
           </p:cNvPr>
@@ -11613,19 +16695,16 @@
           <a:bodyPr/>
           <a:lstStyle/>
           <a:p>
-            <a:r>
-              <a:rPr lang="de-DE" noProof="0" dirty="0"/>
-              <a:t>2. Tätigkeiten des vergangenen Zeitraums</a:t>
-            </a:r>
-          </a:p>
-        </p:txBody>
-      </p:sp>
-      <p:sp>
-        <p:nvSpPr>
-          <p:cNvPr id="4" name="Datumsplatzhalter 3">
-            <a:extLst>
-              <a:ext uri="{FF2B5EF4-FFF2-40B4-BE49-F238E27FC236}">
-                <a16:creationId xmlns:a16="http://schemas.microsoft.com/office/drawing/2014/main" id="{A245F716-845A-9D4A-9FCF-2BB455C07642}"/>
+            <a:endParaRPr lang="de-DE"/>
+          </a:p>
+        </p:txBody>
+      </p:sp>
+      <p:sp>
+        <p:nvSpPr>
+          <p:cNvPr id="3" name="Textplatzhalter 2">
+            <a:extLst>
+              <a:ext uri="{FF2B5EF4-FFF2-40B4-BE49-F238E27FC236}">
+                <a16:creationId xmlns:a16="http://schemas.microsoft.com/office/drawing/2014/main" id="{BDE796BA-3961-EA71-B5E9-85DB77328D3C}"/>
               </a:ext>
             </a:extLst>
           </p:cNvPr>
@@ -11633,7 +16712,7 @@
             <a:spLocks noGrp="1"/>
           </p:cNvSpPr>
           <p:nvPr>
-            <p:ph type="dt" sz="half" idx="10"/>
+            <p:ph type="body" idx="1"/>
           </p:nvPr>
         </p:nvSpPr>
         <p:spPr/>
@@ -11641,20 +16720,16 @@
           <a:bodyPr/>
           <a:lstStyle/>
           <a:p>
-            <a:fld id="{42B45B56-1D88-4042-8DF0-EB6B41B710D3}" type="datetime1">
-              <a:rPr lang="de-DE" noProof="0" smtClean="0"/>
-              <a:t>09.01.2025</a:t>
-            </a:fld>
-            <a:endParaRPr lang="de-DE" noProof="0" dirty="0"/>
-          </a:p>
-        </p:txBody>
-      </p:sp>
-      <p:sp>
-        <p:nvSpPr>
-          <p:cNvPr id="5" name="Foliennummernplatzhalter 4">
-            <a:extLst>
-              <a:ext uri="{FF2B5EF4-FFF2-40B4-BE49-F238E27FC236}">
-                <a16:creationId xmlns:a16="http://schemas.microsoft.com/office/drawing/2014/main" id="{631092A2-7FF5-A3A2-9DA9-91D1CFBE0825}"/>
+            <a:endParaRPr lang="de-DE"/>
+          </a:p>
+        </p:txBody>
+      </p:sp>
+      <p:sp>
+        <p:nvSpPr>
+          <p:cNvPr id="4" name="Inhaltsplatzhalter 3">
+            <a:extLst>
+              <a:ext uri="{FF2B5EF4-FFF2-40B4-BE49-F238E27FC236}">
+                <a16:creationId xmlns:a16="http://schemas.microsoft.com/office/drawing/2014/main" id="{78371710-CFF8-A180-2B90-F3860EA9C4A2}"/>
               </a:ext>
             </a:extLst>
           </p:cNvPr>
@@ -11662,7 +16737,7 @@
             <a:spLocks noGrp="1"/>
           </p:cNvSpPr>
           <p:nvPr>
-            <p:ph type="sldNum" sz="quarter" idx="12"/>
+            <p:ph sz="half" idx="2"/>
           </p:nvPr>
         </p:nvSpPr>
         <p:spPr/>
@@ -11670,384 +16745,113 @@
           <a:bodyPr/>
           <a:lstStyle/>
           <a:p>
-            <a:fld id="{07CE569E-9B7C-4CB9-AB80-C0841F922CFF}" type="slidenum">
-              <a:rPr lang="de-DE" noProof="0" smtClean="0"/>
-              <a:t>7</a:t>
+            <a:endParaRPr lang="de-DE"/>
+          </a:p>
+        </p:txBody>
+      </p:sp>
+      <p:sp>
+        <p:nvSpPr>
+          <p:cNvPr id="5" name="Textplatzhalter 4">
+            <a:extLst>
+              <a:ext uri="{FF2B5EF4-FFF2-40B4-BE49-F238E27FC236}">
+                <a16:creationId xmlns:a16="http://schemas.microsoft.com/office/drawing/2014/main" id="{34B820E1-A5F8-8DAD-4358-C345FDE5D7FB}"/>
+              </a:ext>
+            </a:extLst>
+          </p:cNvPr>
+          <p:cNvSpPr>
+            <a:spLocks noGrp="1"/>
+          </p:cNvSpPr>
+          <p:nvPr>
+            <p:ph type="body" sz="quarter" idx="3"/>
+          </p:nvPr>
+        </p:nvSpPr>
+        <p:spPr/>
+        <p:txBody>
+          <a:bodyPr/>
+          <a:lstStyle/>
+          <a:p>
+            <a:endParaRPr lang="de-DE"/>
+          </a:p>
+        </p:txBody>
+      </p:sp>
+      <p:sp>
+        <p:nvSpPr>
+          <p:cNvPr id="6" name="Inhaltsplatzhalter 5">
+            <a:extLst>
+              <a:ext uri="{FF2B5EF4-FFF2-40B4-BE49-F238E27FC236}">
+                <a16:creationId xmlns:a16="http://schemas.microsoft.com/office/drawing/2014/main" id="{EAF19417-CC90-0C0E-185E-3553371EB672}"/>
+              </a:ext>
+            </a:extLst>
+          </p:cNvPr>
+          <p:cNvSpPr>
+            <a:spLocks noGrp="1"/>
+          </p:cNvSpPr>
+          <p:nvPr>
+            <p:ph sz="quarter" idx="4"/>
+          </p:nvPr>
+        </p:nvSpPr>
+        <p:spPr/>
+        <p:txBody>
+          <a:bodyPr/>
+          <a:lstStyle/>
+          <a:p>
+            <a:endParaRPr lang="de-DE"/>
+          </a:p>
+        </p:txBody>
+      </p:sp>
+      <p:sp>
+        <p:nvSpPr>
+          <p:cNvPr id="7" name="Datumsplatzhalter 6">
+            <a:extLst>
+              <a:ext uri="{FF2B5EF4-FFF2-40B4-BE49-F238E27FC236}">
+                <a16:creationId xmlns:a16="http://schemas.microsoft.com/office/drawing/2014/main" id="{E60F87F6-0583-6FAD-E3FE-3F92D0E4D9A1}"/>
+              </a:ext>
+            </a:extLst>
+          </p:cNvPr>
+          <p:cNvSpPr>
+            <a:spLocks noGrp="1"/>
+          </p:cNvSpPr>
+          <p:nvPr>
+            <p:ph type="dt" sz="half" idx="10"/>
+          </p:nvPr>
+        </p:nvSpPr>
+        <p:spPr/>
+        <p:txBody>
+          <a:bodyPr/>
+          <a:lstStyle/>
+          <a:p>
+            <a:fld id="{75919FF8-1369-4F22-8739-0971D22D8076}" type="datetime1">
+              <a:rPr lang="de-DE" smtClean="0"/>
+              <a:t>10.01.2025</a:t>
             </a:fld>
-            <a:endParaRPr lang="de-DE" noProof="0" dirty="0"/>
-          </a:p>
-        </p:txBody>
-      </p:sp>
-      <p:sp>
-        <p:nvSpPr>
-          <p:cNvPr id="7" name="Inhaltsplatzhalter 5">
-            <a:extLst>
-              <a:ext uri="{FF2B5EF4-FFF2-40B4-BE49-F238E27FC236}">
-                <a16:creationId xmlns:a16="http://schemas.microsoft.com/office/drawing/2014/main" id="{06A9C708-A850-18E6-5D53-389ADE6ED553}"/>
-              </a:ext>
-            </a:extLst>
-          </p:cNvPr>
-          <p:cNvSpPr txBox="1">
-            <a:spLocks/>
+            <a:endParaRPr lang="en-US"/>
+          </a:p>
+        </p:txBody>
+      </p:sp>
+      <p:sp>
+        <p:nvSpPr>
+          <p:cNvPr id="8" name="Foliennummernplatzhalter 7">
+            <a:extLst>
+              <a:ext uri="{FF2B5EF4-FFF2-40B4-BE49-F238E27FC236}">
+                <a16:creationId xmlns:a16="http://schemas.microsoft.com/office/drawing/2014/main" id="{BB911ABD-38C2-6694-E95F-5E7DF61FE62A}"/>
+              </a:ext>
+            </a:extLst>
+          </p:cNvPr>
+          <p:cNvSpPr>
+            <a:spLocks noGrp="1"/>
           </p:cNvSpPr>
-          <p:nvPr/>
-        </p:nvSpPr>
-        <p:spPr>
-          <a:xfrm>
-            <a:off x="944878" y="2682875"/>
-            <a:ext cx="9373872" cy="3048000"/>
-          </a:xfrm>
-          <a:prstGeom prst="rect">
-            <a:avLst/>
-          </a:prstGeom>
-        </p:spPr>
-        <p:txBody>
-          <a:bodyPr>
-            <a:normAutofit fontScale="92500" lnSpcReduction="10000"/>
-          </a:bodyPr>
-          <a:lstStyle>
-            <a:lvl1pPr marL="228600" indent="-228600" algn="l" defTabSz="914400" rtl="0" eaLnBrk="1" latinLnBrk="0" hangingPunct="1">
-              <a:lnSpc>
-                <a:spcPct val="125000"/>
-              </a:lnSpc>
-              <a:spcBef>
-                <a:spcPts val="1000"/>
-              </a:spcBef>
-              <a:buFont typeface="Arial" panose="020B0604020202020204" pitchFamily="34" charset="0"/>
-              <a:buChar char="•"/>
-              <a:defRPr sz="2800" kern="1200">
-                <a:solidFill>
-                  <a:schemeClr val="tx1">
-                    <a:alpha val="70000"/>
-                  </a:schemeClr>
-                </a:solidFill>
-                <a:latin typeface="+mn-lt"/>
-                <a:ea typeface="+mn-ea"/>
-                <a:cs typeface="+mn-cs"/>
-              </a:defRPr>
-            </a:lvl1pPr>
-            <a:lvl2pPr marL="685800" indent="-228600" algn="l" defTabSz="914400" rtl="0" eaLnBrk="1" latinLnBrk="0" hangingPunct="1">
-              <a:lnSpc>
-                <a:spcPct val="125000"/>
-              </a:lnSpc>
-              <a:spcBef>
-                <a:spcPts val="500"/>
-              </a:spcBef>
-              <a:buFont typeface="Arial" panose="020B0604020202020204" pitchFamily="34" charset="0"/>
-              <a:buChar char="•"/>
-              <a:defRPr sz="2400" kern="1200">
-                <a:solidFill>
-                  <a:schemeClr val="tx1">
-                    <a:alpha val="70000"/>
-                  </a:schemeClr>
-                </a:solidFill>
-                <a:latin typeface="+mn-lt"/>
-                <a:ea typeface="+mn-ea"/>
-                <a:cs typeface="+mn-cs"/>
-              </a:defRPr>
-            </a:lvl2pPr>
-            <a:lvl3pPr marL="1143000" indent="-228600" algn="l" defTabSz="914400" rtl="0" eaLnBrk="1" latinLnBrk="0" hangingPunct="1">
-              <a:lnSpc>
-                <a:spcPct val="125000"/>
-              </a:lnSpc>
-              <a:spcBef>
-                <a:spcPts val="500"/>
-              </a:spcBef>
-              <a:buFont typeface="Arial" panose="020B0604020202020204" pitchFamily="34" charset="0"/>
-              <a:buChar char="•"/>
-              <a:defRPr sz="2000" kern="1200">
-                <a:solidFill>
-                  <a:schemeClr val="tx1">
-                    <a:alpha val="70000"/>
-                  </a:schemeClr>
-                </a:solidFill>
-                <a:latin typeface="+mn-lt"/>
-                <a:ea typeface="+mn-ea"/>
-                <a:cs typeface="+mn-cs"/>
-              </a:defRPr>
-            </a:lvl3pPr>
-            <a:lvl4pPr marL="1600200" indent="-228600" algn="l" defTabSz="914400" rtl="0" eaLnBrk="1" latinLnBrk="0" hangingPunct="1">
-              <a:lnSpc>
-                <a:spcPct val="125000"/>
-              </a:lnSpc>
-              <a:spcBef>
-                <a:spcPts val="500"/>
-              </a:spcBef>
-              <a:buFont typeface="Arial" panose="020B0604020202020204" pitchFamily="34" charset="0"/>
-              <a:buChar char="•"/>
-              <a:defRPr sz="1800" kern="1200">
-                <a:solidFill>
-                  <a:schemeClr val="tx1">
-                    <a:alpha val="70000"/>
-                  </a:schemeClr>
-                </a:solidFill>
-                <a:latin typeface="+mn-lt"/>
-                <a:ea typeface="+mn-ea"/>
-                <a:cs typeface="+mn-cs"/>
-              </a:defRPr>
-            </a:lvl4pPr>
-            <a:lvl5pPr marL="2057400" indent="-228600" algn="l" defTabSz="914400" rtl="0" eaLnBrk="1" latinLnBrk="0" hangingPunct="1">
-              <a:lnSpc>
-                <a:spcPct val="125000"/>
-              </a:lnSpc>
-              <a:spcBef>
-                <a:spcPts val="500"/>
-              </a:spcBef>
-              <a:buFont typeface="Arial" panose="020B0604020202020204" pitchFamily="34" charset="0"/>
-              <a:buChar char="•"/>
-              <a:defRPr sz="1800" kern="1200">
-                <a:solidFill>
-                  <a:schemeClr val="tx1">
-                    <a:alpha val="70000"/>
-                  </a:schemeClr>
-                </a:solidFill>
-                <a:latin typeface="+mn-lt"/>
-                <a:ea typeface="+mn-ea"/>
-                <a:cs typeface="+mn-cs"/>
-              </a:defRPr>
-            </a:lvl5pPr>
-            <a:lvl6pPr marL="2514600" indent="-228600" algn="l" defTabSz="914400" rtl="0" eaLnBrk="1" latinLnBrk="0" hangingPunct="1">
-              <a:lnSpc>
-                <a:spcPct val="90000"/>
-              </a:lnSpc>
-              <a:spcBef>
-                <a:spcPts val="500"/>
-              </a:spcBef>
-              <a:buFont typeface="Arial" panose="020B0604020202020204" pitchFamily="34" charset="0"/>
-              <a:buChar char="•"/>
-              <a:defRPr sz="1800" kern="1200">
-                <a:solidFill>
-                  <a:schemeClr val="tx1"/>
-                </a:solidFill>
-                <a:latin typeface="+mn-lt"/>
-                <a:ea typeface="+mn-ea"/>
-                <a:cs typeface="+mn-cs"/>
-              </a:defRPr>
-            </a:lvl6pPr>
-            <a:lvl7pPr marL="2971800" indent="-228600" algn="l" defTabSz="914400" rtl="0" eaLnBrk="1" latinLnBrk="0" hangingPunct="1">
-              <a:lnSpc>
-                <a:spcPct val="90000"/>
-              </a:lnSpc>
-              <a:spcBef>
-                <a:spcPts val="500"/>
-              </a:spcBef>
-              <a:buFont typeface="Arial" panose="020B0604020202020204" pitchFamily="34" charset="0"/>
-              <a:buChar char="•"/>
-              <a:defRPr sz="1800" kern="1200">
-                <a:solidFill>
-                  <a:schemeClr val="tx1"/>
-                </a:solidFill>
-                <a:latin typeface="+mn-lt"/>
-                <a:ea typeface="+mn-ea"/>
-                <a:cs typeface="+mn-cs"/>
-              </a:defRPr>
-            </a:lvl7pPr>
-            <a:lvl8pPr marL="3429000" indent="-228600" algn="l" defTabSz="914400" rtl="0" eaLnBrk="1" latinLnBrk="0" hangingPunct="1">
-              <a:lnSpc>
-                <a:spcPct val="90000"/>
-              </a:lnSpc>
-              <a:spcBef>
-                <a:spcPts val="500"/>
-              </a:spcBef>
-              <a:buFont typeface="Arial" panose="020B0604020202020204" pitchFamily="34" charset="0"/>
-              <a:buChar char="•"/>
-              <a:defRPr sz="1800" kern="1200">
-                <a:solidFill>
-                  <a:schemeClr val="tx1"/>
-                </a:solidFill>
-                <a:latin typeface="+mn-lt"/>
-                <a:ea typeface="+mn-ea"/>
-                <a:cs typeface="+mn-cs"/>
-              </a:defRPr>
-            </a:lvl8pPr>
-            <a:lvl9pPr marL="3886200" indent="-228600" algn="l" defTabSz="914400" rtl="0" eaLnBrk="1" latinLnBrk="0" hangingPunct="1">
-              <a:lnSpc>
-                <a:spcPct val="90000"/>
-              </a:lnSpc>
-              <a:spcBef>
-                <a:spcPts val="500"/>
-              </a:spcBef>
-              <a:buFont typeface="Arial" panose="020B0604020202020204" pitchFamily="34" charset="0"/>
-              <a:buChar char="•"/>
-              <a:defRPr sz="1800" kern="1200">
-                <a:solidFill>
-                  <a:schemeClr val="tx1"/>
-                </a:solidFill>
-                <a:latin typeface="+mn-lt"/>
-                <a:ea typeface="+mn-ea"/>
-                <a:cs typeface="+mn-cs"/>
-              </a:defRPr>
-            </a:lvl9pPr>
-          </a:lstStyle>
-          <a:p>
-            <a:r>
-              <a:rPr lang="de-DE" sz="2400" dirty="0"/>
-              <a:t>Fortlaufende Dokumentation.</a:t>
-            </a:r>
-          </a:p>
-          <a:p>
-            <a:r>
-              <a:rPr lang="de-DE" sz="2400" dirty="0"/>
-              <a:t>Implementierung der Küchenansicht.</a:t>
-            </a:r>
-          </a:p>
-          <a:p>
-            <a:r>
-              <a:rPr lang="de-DE" sz="2400" dirty="0"/>
-              <a:t>Anpassung von Speisen im Warenkorb.</a:t>
-            </a:r>
-          </a:p>
-          <a:p>
-            <a:r>
-              <a:rPr lang="de-DE" sz="2400" dirty="0"/>
-              <a:t>Automatische Kalkulation der Kosten.</a:t>
-            </a:r>
-          </a:p>
-          <a:p>
-            <a:r>
-              <a:rPr lang="de-DE" sz="2400" dirty="0"/>
-              <a:t>Absenden der Bestellung mit spezifische Tischnummer.</a:t>
-            </a:r>
-          </a:p>
-          <a:p>
-            <a:r>
-              <a:rPr lang="de-DE" sz="2400" dirty="0"/>
-              <a:t>Abschluss Warenkorb.</a:t>
-            </a:r>
-          </a:p>
-          <a:p>
-            <a:endParaRPr lang="de-DE" sz="2400" dirty="0"/>
-          </a:p>
-        </p:txBody>
-      </p:sp>
-      <p:sp>
-        <p:nvSpPr>
-          <p:cNvPr id="9" name="Foliennummernplatzhalter 7">
-            <a:extLst>
-              <a:ext uri="{FF2B5EF4-FFF2-40B4-BE49-F238E27FC236}">
-                <a16:creationId xmlns:a16="http://schemas.microsoft.com/office/drawing/2014/main" id="{BD0D2988-85DD-C46C-D2AB-F764D685F152}"/>
-              </a:ext>
-            </a:extLst>
-          </p:cNvPr>
-          <p:cNvSpPr txBox="1">
-            <a:spLocks/>
-          </p:cNvSpPr>
-          <p:nvPr/>
-        </p:nvSpPr>
-        <p:spPr>
-          <a:xfrm>
-            <a:off x="3742082" y="6492875"/>
-            <a:ext cx="1524000" cy="365125"/>
-          </a:xfrm>
-          <a:prstGeom prst="rect">
-            <a:avLst/>
-          </a:prstGeom>
-        </p:spPr>
-        <p:txBody>
-          <a:bodyPr vert="horz" lIns="91440" tIns="45720" rIns="91440" bIns="45720" rtlCol="0" anchor="ctr"/>
-          <a:lstStyle>
-            <a:defPPr>
-              <a:defRPr lang="de-DE"/>
-            </a:defPPr>
-            <a:lvl1pPr marL="0" algn="r" defTabSz="914400" rtl="0" eaLnBrk="1" latinLnBrk="0" hangingPunct="1">
-              <a:defRPr sz="1200" kern="1200">
-                <a:solidFill>
-                  <a:schemeClr val="tx1">
-                    <a:tint val="75000"/>
-                    <a:alpha val="70000"/>
-                  </a:schemeClr>
-                </a:solidFill>
-                <a:latin typeface="+mn-lt"/>
-                <a:ea typeface="+mn-ea"/>
-                <a:cs typeface="+mn-cs"/>
-              </a:defRPr>
-            </a:lvl1pPr>
-            <a:lvl2pPr marL="457200" algn="l" defTabSz="914400" rtl="0" eaLnBrk="1" latinLnBrk="0" hangingPunct="1">
-              <a:defRPr sz="1800" kern="1200">
-                <a:solidFill>
-                  <a:schemeClr val="tx1"/>
-                </a:solidFill>
-                <a:latin typeface="+mn-lt"/>
-                <a:ea typeface="+mn-ea"/>
-                <a:cs typeface="+mn-cs"/>
-              </a:defRPr>
-            </a:lvl2pPr>
-            <a:lvl3pPr marL="914400" algn="l" defTabSz="914400" rtl="0" eaLnBrk="1" latinLnBrk="0" hangingPunct="1">
-              <a:defRPr sz="1800" kern="1200">
-                <a:solidFill>
-                  <a:schemeClr val="tx1"/>
-                </a:solidFill>
-                <a:latin typeface="+mn-lt"/>
-                <a:ea typeface="+mn-ea"/>
-                <a:cs typeface="+mn-cs"/>
-              </a:defRPr>
-            </a:lvl3pPr>
-            <a:lvl4pPr marL="1371600" algn="l" defTabSz="914400" rtl="0" eaLnBrk="1" latinLnBrk="0" hangingPunct="1">
-              <a:defRPr sz="1800" kern="1200">
-                <a:solidFill>
-                  <a:schemeClr val="tx1"/>
-                </a:solidFill>
-                <a:latin typeface="+mn-lt"/>
-                <a:ea typeface="+mn-ea"/>
-                <a:cs typeface="+mn-cs"/>
-              </a:defRPr>
-            </a:lvl4pPr>
-            <a:lvl5pPr marL="1828800" algn="l" defTabSz="914400" rtl="0" eaLnBrk="1" latinLnBrk="0" hangingPunct="1">
-              <a:defRPr sz="1800" kern="1200">
-                <a:solidFill>
-                  <a:schemeClr val="tx1"/>
-                </a:solidFill>
-                <a:latin typeface="+mn-lt"/>
-                <a:ea typeface="+mn-ea"/>
-                <a:cs typeface="+mn-cs"/>
-              </a:defRPr>
-            </a:lvl5pPr>
-            <a:lvl6pPr marL="2286000" algn="l" defTabSz="914400" rtl="0" eaLnBrk="1" latinLnBrk="0" hangingPunct="1">
-              <a:defRPr sz="1800" kern="1200">
-                <a:solidFill>
-                  <a:schemeClr val="tx1"/>
-                </a:solidFill>
-                <a:latin typeface="+mn-lt"/>
-                <a:ea typeface="+mn-ea"/>
-                <a:cs typeface="+mn-cs"/>
-              </a:defRPr>
-            </a:lvl6pPr>
-            <a:lvl7pPr marL="2743200" algn="l" defTabSz="914400" rtl="0" eaLnBrk="1" latinLnBrk="0" hangingPunct="1">
-              <a:defRPr sz="1800" kern="1200">
-                <a:solidFill>
-                  <a:schemeClr val="tx1"/>
-                </a:solidFill>
-                <a:latin typeface="+mn-lt"/>
-                <a:ea typeface="+mn-ea"/>
-                <a:cs typeface="+mn-cs"/>
-              </a:defRPr>
-            </a:lvl7pPr>
-            <a:lvl8pPr marL="3200400" algn="l" defTabSz="914400" rtl="0" eaLnBrk="1" latinLnBrk="0" hangingPunct="1">
-              <a:defRPr sz="1800" kern="1200">
-                <a:solidFill>
-                  <a:schemeClr val="tx1"/>
-                </a:solidFill>
-                <a:latin typeface="+mn-lt"/>
-                <a:ea typeface="+mn-ea"/>
-                <a:cs typeface="+mn-cs"/>
-              </a:defRPr>
-            </a:lvl8pPr>
-            <a:lvl9pPr marL="3657600" algn="l" defTabSz="914400" rtl="0" eaLnBrk="1" latinLnBrk="0" hangingPunct="1">
-              <a:defRPr sz="1800" kern="1200">
-                <a:solidFill>
-                  <a:schemeClr val="tx1"/>
-                </a:solidFill>
-                <a:latin typeface="+mn-lt"/>
-                <a:ea typeface="+mn-ea"/>
-                <a:cs typeface="+mn-cs"/>
-              </a:defRPr>
-            </a:lvl9pPr>
-          </a:lstStyle>
+          <p:nvPr>
+            <p:ph type="sldNum" sz="quarter" idx="12"/>
+          </p:nvPr>
+        </p:nvSpPr>
+        <p:spPr/>
+        <p:txBody>
+          <a:bodyPr/>
+          <a:lstStyle/>
           <a:p>
             <a:fld id="{07CE569E-9B7C-4CB9-AB80-C0841F922CFF}" type="slidenum">
               <a:rPr lang="en-US" smtClean="0"/>
-              <a:pPr/>
-              <a:t>7</a:t>
+              <a:t>8</a:t>
             </a:fld>
             <a:endParaRPr lang="en-US"/>
           </a:p>
@@ -12056,218 +16860,7 @@
     </p:spTree>
     <p:extLst>
       <p:ext uri="{BB962C8B-B14F-4D97-AF65-F5344CB8AC3E}">
-        <p14:creationId xmlns:p14="http://schemas.microsoft.com/office/powerpoint/2010/main" val="118876679"/>
-      </p:ext>
-    </p:extLst>
-  </p:cSld>
-  <p:clrMapOvr>
-    <a:masterClrMapping/>
-  </p:clrMapOvr>
-</p:sld>
-</file>
-
-<file path=ppt/slides/slide8.xml><?xml version="1.0" encoding="utf-8"?>
-<p:sld xmlns:a="http://schemas.openxmlformats.org/drawingml/2006/main" xmlns:r="http://schemas.openxmlformats.org/officeDocument/2006/relationships" xmlns:p="http://schemas.openxmlformats.org/presentationml/2006/main">
-  <p:cSld>
-    <p:spTree>
-      <p:nvGrpSpPr>
-        <p:cNvPr id="1" name="">
-          <a:extLst>
-            <a:ext uri="{FF2B5EF4-FFF2-40B4-BE49-F238E27FC236}">
-              <a16:creationId xmlns:a16="http://schemas.microsoft.com/office/drawing/2014/main" id="{B550FC02-FF59-9A2B-E0CB-A4CCA3BCC065}"/>
-            </a:ext>
-          </a:extLst>
-        </p:cNvPr>
-        <p:cNvGrpSpPr/>
-        <p:nvPr/>
-      </p:nvGrpSpPr>
-      <p:grpSpPr>
-        <a:xfrm>
-          <a:off x="0" y="0"/>
-          <a:ext cx="0" cy="0"/>
-          <a:chOff x="0" y="0"/>
-          <a:chExt cx="0" cy="0"/>
-        </a:xfrm>
-      </p:grpSpPr>
-      <p:sp>
-        <p:nvSpPr>
-          <p:cNvPr id="2" name="Titel 1">
-            <a:extLst>
-              <a:ext uri="{FF2B5EF4-FFF2-40B4-BE49-F238E27FC236}">
-                <a16:creationId xmlns:a16="http://schemas.microsoft.com/office/drawing/2014/main" id="{0900599F-51F1-3A1C-3C72-C626B94E6030}"/>
-              </a:ext>
-            </a:extLst>
-          </p:cNvPr>
-          <p:cNvSpPr>
-            <a:spLocks noGrp="1"/>
-          </p:cNvSpPr>
-          <p:nvPr>
-            <p:ph type="title"/>
-          </p:nvPr>
-        </p:nvSpPr>
-        <p:spPr/>
-        <p:txBody>
-          <a:bodyPr/>
-          <a:lstStyle/>
-          <a:p>
-            <a:r>
-              <a:rPr lang="de-DE" noProof="0" dirty="0"/>
-              <a:t>3. Produktzwischenstand</a:t>
-            </a:r>
-          </a:p>
-        </p:txBody>
-      </p:sp>
-      <p:sp>
-        <p:nvSpPr>
-          <p:cNvPr id="4" name="Datumsplatzhalter 3">
-            <a:extLst>
-              <a:ext uri="{FF2B5EF4-FFF2-40B4-BE49-F238E27FC236}">
-                <a16:creationId xmlns:a16="http://schemas.microsoft.com/office/drawing/2014/main" id="{98261E74-1DBE-E2C7-F1CB-400A1775C44B}"/>
-              </a:ext>
-            </a:extLst>
-          </p:cNvPr>
-          <p:cNvSpPr>
-            <a:spLocks noGrp="1"/>
-          </p:cNvSpPr>
-          <p:nvPr>
-            <p:ph type="dt" sz="half" idx="10"/>
-          </p:nvPr>
-        </p:nvSpPr>
-        <p:spPr/>
-        <p:txBody>
-          <a:bodyPr/>
-          <a:lstStyle/>
-          <a:p>
-            <a:fld id="{42B45B56-1D88-4042-8DF0-EB6B41B710D3}" type="datetime1">
-              <a:rPr lang="de-DE" noProof="0" smtClean="0"/>
-              <a:t>09.01.2025</a:t>
-            </a:fld>
-            <a:endParaRPr lang="de-DE" noProof="0" dirty="0"/>
-          </a:p>
-        </p:txBody>
-      </p:sp>
-      <p:sp>
-        <p:nvSpPr>
-          <p:cNvPr id="5" name="Foliennummernplatzhalter 4">
-            <a:extLst>
-              <a:ext uri="{FF2B5EF4-FFF2-40B4-BE49-F238E27FC236}">
-                <a16:creationId xmlns:a16="http://schemas.microsoft.com/office/drawing/2014/main" id="{0776174C-7011-2635-68B1-8FA072C61FEB}"/>
-              </a:ext>
-            </a:extLst>
-          </p:cNvPr>
-          <p:cNvSpPr>
-            <a:spLocks noGrp="1"/>
-          </p:cNvSpPr>
-          <p:nvPr>
-            <p:ph type="sldNum" sz="quarter" idx="12"/>
-          </p:nvPr>
-        </p:nvSpPr>
-        <p:spPr/>
-        <p:txBody>
-          <a:bodyPr/>
-          <a:lstStyle/>
-          <a:p>
-            <a:fld id="{07CE569E-9B7C-4CB9-AB80-C0841F922CFF}" type="slidenum">
-              <a:rPr lang="de-DE" noProof="0" smtClean="0"/>
-              <a:t>8</a:t>
-            </a:fld>
-            <a:endParaRPr lang="de-DE" noProof="0" dirty="0"/>
-          </a:p>
-        </p:txBody>
-      </p:sp>
-      <p:pic>
-        <p:nvPicPr>
-          <p:cNvPr id="7" name="Inhaltsplatzhalter 6">
-            <a:extLst>
-              <a:ext uri="{FF2B5EF4-FFF2-40B4-BE49-F238E27FC236}">
-                <a16:creationId xmlns:a16="http://schemas.microsoft.com/office/drawing/2014/main" id="{37428E1C-AA80-4052-4B11-779B98FB9A9B}"/>
-              </a:ext>
-            </a:extLst>
-          </p:cNvPr>
-          <p:cNvPicPr>
-            <a:picLocks noGrp="1" noChangeAspect="1"/>
-          </p:cNvPicPr>
-          <p:nvPr>
-            <p:ph idx="1"/>
-          </p:nvPr>
-        </p:nvPicPr>
-        <p:blipFill>
-          <a:blip r:embed="rId3"/>
-          <a:stretch>
-            <a:fillRect/>
-          </a:stretch>
-        </p:blipFill>
-        <p:spPr>
-          <a:xfrm>
-            <a:off x="762000" y="3062308"/>
-            <a:ext cx="10668000" cy="2517734"/>
-          </a:xfrm>
-        </p:spPr>
-      </p:pic>
-      <p:sp>
-        <p:nvSpPr>
-          <p:cNvPr id="6" name="Textfeld 5">
-            <a:extLst>
-              <a:ext uri="{FF2B5EF4-FFF2-40B4-BE49-F238E27FC236}">
-                <a16:creationId xmlns:a16="http://schemas.microsoft.com/office/drawing/2014/main" id="{A5E046D2-26E7-3E5E-E5D3-070C9EE2B89D}"/>
-              </a:ext>
-            </a:extLst>
-          </p:cNvPr>
-          <p:cNvSpPr txBox="1"/>
-          <p:nvPr/>
-        </p:nvSpPr>
-        <p:spPr>
-          <a:xfrm>
-            <a:off x="1601733" y="2373852"/>
-            <a:ext cx="3270975" cy="646331"/>
-          </a:xfrm>
-          <a:prstGeom prst="rect">
-            <a:avLst/>
-          </a:prstGeom>
-          <a:noFill/>
-        </p:spPr>
-        <p:txBody>
-          <a:bodyPr wrap="square" rtlCol="0">
-            <a:spAutoFit/>
-          </a:bodyPr>
-          <a:lstStyle/>
-          <a:p>
-            <a:r>
-              <a:rPr lang="en-US" b="1" dirty="0" err="1"/>
-              <a:t>Ansicht</a:t>
-            </a:r>
-            <a:r>
-              <a:rPr lang="en-US" b="1" dirty="0"/>
-              <a:t> </a:t>
-            </a:r>
-            <a:r>
-              <a:rPr lang="en-US" b="1" dirty="0" err="1"/>
-              <a:t>Warenkorb</a:t>
-            </a:r>
-            <a:r>
-              <a:rPr lang="en-US" b="1" dirty="0"/>
-              <a:t> + </a:t>
-            </a:r>
-            <a:r>
-              <a:rPr lang="en-US" b="1" dirty="0" err="1"/>
-              <a:t>Absenden</a:t>
-            </a:r>
-            <a:r>
-              <a:rPr lang="en-US" b="1" dirty="0"/>
-              <a:t> der </a:t>
-            </a:r>
-            <a:r>
-              <a:rPr lang="en-US" b="1" dirty="0" err="1"/>
-              <a:t>Bestellung</a:t>
-            </a:r>
-            <a:endParaRPr lang="de-DE" b="1" dirty="0"/>
-          </a:p>
-        </p:txBody>
-      </p:sp>
-    </p:spTree>
-    <p:extLst>
-      <p:ext uri="{BB962C8B-B14F-4D97-AF65-F5344CB8AC3E}">
-        <p14:creationId xmlns:p14="http://schemas.microsoft.com/office/powerpoint/2010/main" val="2430257231"/>
+        <p14:creationId xmlns:p14="http://schemas.microsoft.com/office/powerpoint/2010/main" val="1905043144"/>
       </p:ext>
     </p:extLst>
   </p:cSld>
@@ -12294,71 +16887,12 @@
           <a:chExt cx="0" cy="0"/>
         </a:xfrm>
       </p:grpSpPr>
-      <p:pic>
-        <p:nvPicPr>
-          <p:cNvPr id="11" name="Grafik 10">
-            <a:extLst>
-              <a:ext uri="{FF2B5EF4-FFF2-40B4-BE49-F238E27FC236}">
-                <a16:creationId xmlns:a16="http://schemas.microsoft.com/office/drawing/2014/main" id="{FE9A0FCD-5FE1-D6D4-1488-1A6CB12FF2A5}"/>
-              </a:ext>
-            </a:extLst>
-          </p:cNvPr>
-          <p:cNvPicPr>
-            <a:picLocks noChangeAspect="1"/>
-          </p:cNvPicPr>
-          <p:nvPr/>
-        </p:nvPicPr>
-        <p:blipFill>
-          <a:blip r:embed="rId2"/>
-          <a:stretch>
-            <a:fillRect/>
-          </a:stretch>
-        </p:blipFill>
-        <p:spPr>
-          <a:xfrm>
-            <a:off x="957389" y="3002985"/>
-            <a:ext cx="4058484" cy="2792305"/>
-          </a:xfrm>
-          <a:prstGeom prst="rect">
-            <a:avLst/>
-          </a:prstGeom>
-        </p:spPr>
-      </p:pic>
-      <p:pic>
-        <p:nvPicPr>
-          <p:cNvPr id="8" name="Inhaltsplatzhalter 7">
-            <a:extLst>
-              <a:ext uri="{FF2B5EF4-FFF2-40B4-BE49-F238E27FC236}">
-                <a16:creationId xmlns:a16="http://schemas.microsoft.com/office/drawing/2014/main" id="{6013533E-10F3-8ACB-2FEC-DC3258599405}"/>
-              </a:ext>
-            </a:extLst>
-          </p:cNvPr>
-          <p:cNvPicPr>
-            <a:picLocks noGrp="1" noChangeAspect="1"/>
-          </p:cNvPicPr>
-          <p:nvPr>
-            <p:ph sz="half" idx="1"/>
-          </p:nvPr>
-        </p:nvPicPr>
-        <p:blipFill>
-          <a:blip r:embed="rId3"/>
-          <a:stretch>
-            <a:fillRect/>
-          </a:stretch>
-        </p:blipFill>
-        <p:spPr>
-          <a:xfrm>
-            <a:off x="6800709" y="2646537"/>
-            <a:ext cx="2588456" cy="3505200"/>
-          </a:xfrm>
-        </p:spPr>
-      </p:pic>
-      <p:sp>
-        <p:nvSpPr>
-          <p:cNvPr id="5" name="Datumsplatzhalter 4">
-            <a:extLst>
-              <a:ext uri="{FF2B5EF4-FFF2-40B4-BE49-F238E27FC236}">
-                <a16:creationId xmlns:a16="http://schemas.microsoft.com/office/drawing/2014/main" id="{175BE0E2-31AB-658D-6EBB-B713FB583365}"/>
+      <p:sp>
+        <p:nvSpPr>
+          <p:cNvPr id="2" name="Titel 1">
+            <a:extLst>
+              <a:ext uri="{FF2B5EF4-FFF2-40B4-BE49-F238E27FC236}">
+                <a16:creationId xmlns:a16="http://schemas.microsoft.com/office/drawing/2014/main" id="{7FAD6978-BE78-49E1-01F7-D1CD7B29209B}"/>
               </a:ext>
             </a:extLst>
           </p:cNvPr>
@@ -12366,7 +16900,7 @@
             <a:spLocks noGrp="1"/>
           </p:cNvSpPr>
           <p:nvPr>
-            <p:ph type="dt" sz="half" idx="10"/>
+            <p:ph type="title"/>
           </p:nvPr>
         </p:nvSpPr>
         <p:spPr/>
@@ -12374,9 +16908,134 @@
           <a:bodyPr/>
           <a:lstStyle/>
           <a:p>
-            <a:fld id="{12AE7323-5CDD-4051-9975-1729D84443C7}" type="datetime1">
+            <a:endParaRPr lang="de-DE"/>
+          </a:p>
+        </p:txBody>
+      </p:sp>
+      <p:sp>
+        <p:nvSpPr>
+          <p:cNvPr id="3" name="Textplatzhalter 2">
+            <a:extLst>
+              <a:ext uri="{FF2B5EF4-FFF2-40B4-BE49-F238E27FC236}">
+                <a16:creationId xmlns:a16="http://schemas.microsoft.com/office/drawing/2014/main" id="{4D7E3D0F-5AF1-AD53-DD93-17C1FDF36FE6}"/>
+              </a:ext>
+            </a:extLst>
+          </p:cNvPr>
+          <p:cNvSpPr>
+            <a:spLocks noGrp="1"/>
+          </p:cNvSpPr>
+          <p:nvPr>
+            <p:ph type="body" idx="1"/>
+          </p:nvPr>
+        </p:nvSpPr>
+        <p:spPr/>
+        <p:txBody>
+          <a:bodyPr/>
+          <a:lstStyle/>
+          <a:p>
+            <a:endParaRPr lang="de-DE"/>
+          </a:p>
+        </p:txBody>
+      </p:sp>
+      <p:sp>
+        <p:nvSpPr>
+          <p:cNvPr id="4" name="Inhaltsplatzhalter 3">
+            <a:extLst>
+              <a:ext uri="{FF2B5EF4-FFF2-40B4-BE49-F238E27FC236}">
+                <a16:creationId xmlns:a16="http://schemas.microsoft.com/office/drawing/2014/main" id="{A86491C0-AD59-2A72-778C-952C55BF9E34}"/>
+              </a:ext>
+            </a:extLst>
+          </p:cNvPr>
+          <p:cNvSpPr>
+            <a:spLocks noGrp="1"/>
+          </p:cNvSpPr>
+          <p:nvPr>
+            <p:ph sz="half" idx="2"/>
+          </p:nvPr>
+        </p:nvSpPr>
+        <p:spPr/>
+        <p:txBody>
+          <a:bodyPr/>
+          <a:lstStyle/>
+          <a:p>
+            <a:endParaRPr lang="de-DE"/>
+          </a:p>
+        </p:txBody>
+      </p:sp>
+      <p:sp>
+        <p:nvSpPr>
+          <p:cNvPr id="5" name="Textplatzhalter 4">
+            <a:extLst>
+              <a:ext uri="{FF2B5EF4-FFF2-40B4-BE49-F238E27FC236}">
+                <a16:creationId xmlns:a16="http://schemas.microsoft.com/office/drawing/2014/main" id="{7A9CC5B0-8B44-2964-08B8-1097D147316D}"/>
+              </a:ext>
+            </a:extLst>
+          </p:cNvPr>
+          <p:cNvSpPr>
+            <a:spLocks noGrp="1"/>
+          </p:cNvSpPr>
+          <p:nvPr>
+            <p:ph type="body" sz="quarter" idx="3"/>
+          </p:nvPr>
+        </p:nvSpPr>
+        <p:spPr/>
+        <p:txBody>
+          <a:bodyPr/>
+          <a:lstStyle/>
+          <a:p>
+            <a:endParaRPr lang="de-DE"/>
+          </a:p>
+        </p:txBody>
+      </p:sp>
+      <p:sp>
+        <p:nvSpPr>
+          <p:cNvPr id="6" name="Inhaltsplatzhalter 5">
+            <a:extLst>
+              <a:ext uri="{FF2B5EF4-FFF2-40B4-BE49-F238E27FC236}">
+                <a16:creationId xmlns:a16="http://schemas.microsoft.com/office/drawing/2014/main" id="{D619E62F-E103-DE63-0609-DE95736617D3}"/>
+              </a:ext>
+            </a:extLst>
+          </p:cNvPr>
+          <p:cNvSpPr>
+            <a:spLocks noGrp="1"/>
+          </p:cNvSpPr>
+          <p:nvPr>
+            <p:ph sz="quarter" idx="4"/>
+          </p:nvPr>
+        </p:nvSpPr>
+        <p:spPr/>
+        <p:txBody>
+          <a:bodyPr/>
+          <a:lstStyle/>
+          <a:p>
+            <a:endParaRPr lang="de-DE"/>
+          </a:p>
+        </p:txBody>
+      </p:sp>
+      <p:sp>
+        <p:nvSpPr>
+          <p:cNvPr id="7" name="Datumsplatzhalter 6">
+            <a:extLst>
+              <a:ext uri="{FF2B5EF4-FFF2-40B4-BE49-F238E27FC236}">
+                <a16:creationId xmlns:a16="http://schemas.microsoft.com/office/drawing/2014/main" id="{B93BD77F-D9E2-9385-C273-2322930388C5}"/>
+              </a:ext>
+            </a:extLst>
+          </p:cNvPr>
+          <p:cNvSpPr>
+            <a:spLocks noGrp="1"/>
+          </p:cNvSpPr>
+          <p:nvPr>
+            <p:ph type="dt" sz="half" idx="10"/>
+          </p:nvPr>
+        </p:nvSpPr>
+        <p:spPr/>
+        <p:txBody>
+          <a:bodyPr/>
+          <a:lstStyle/>
+          <a:p>
+            <a:fld id="{75919FF8-1369-4F22-8739-0971D22D8076}" type="datetime1">
               <a:rPr lang="de-DE" smtClean="0"/>
-              <a:t>09.01.2025</a:t>
+              <a:t>10.01.2025</a:t>
             </a:fld>
             <a:endParaRPr lang="en-US"/>
           </a:p>
@@ -12384,10 +17043,10 @@
       </p:sp>
       <p:sp>
         <p:nvSpPr>
-          <p:cNvPr id="6" name="Foliennummernplatzhalter 5">
-            <a:extLst>
-              <a:ext uri="{FF2B5EF4-FFF2-40B4-BE49-F238E27FC236}">
-                <a16:creationId xmlns:a16="http://schemas.microsoft.com/office/drawing/2014/main" id="{E0949E57-58AB-441C-473B-B2C287EE958D}"/>
+          <p:cNvPr id="8" name="Foliennummernplatzhalter 7">
+            <a:extLst>
+              <a:ext uri="{FF2B5EF4-FFF2-40B4-BE49-F238E27FC236}">
+                <a16:creationId xmlns:a16="http://schemas.microsoft.com/office/drawing/2014/main" id="{75A05C89-0377-12C9-81D5-A5304F36BE53}"/>
               </a:ext>
             </a:extLst>
           </p:cNvPr>
@@ -12411,299 +17070,16 @@
           </a:p>
         </p:txBody>
       </p:sp>
-      <p:cxnSp>
-        <p:nvCxnSpPr>
-          <p:cNvPr id="7" name="Gerade Verbindung mit Pfeil 6">
-            <a:extLst>
-              <a:ext uri="{FF2B5EF4-FFF2-40B4-BE49-F238E27FC236}">
-                <a16:creationId xmlns:a16="http://schemas.microsoft.com/office/drawing/2014/main" id="{37FD134E-9D05-4999-A25C-C8CF34F9468B}"/>
-              </a:ext>
-            </a:extLst>
-          </p:cNvPr>
-          <p:cNvCxnSpPr>
-            <a:cxnSpLocks/>
-          </p:cNvCxnSpPr>
-          <p:nvPr/>
-        </p:nvCxnSpPr>
-        <p:spPr>
-          <a:xfrm flipV="1">
-            <a:off x="4940215" y="3522588"/>
-            <a:ext cx="2430217" cy="650513"/>
-          </a:xfrm>
-          <a:prstGeom prst="straightConnector1">
-            <a:avLst/>
-          </a:prstGeom>
-          <a:ln w="28575">
-            <a:solidFill>
-              <a:srgbClr val="FF0000"/>
-            </a:solidFill>
-            <a:tailEnd type="triangle"/>
-          </a:ln>
-        </p:spPr>
-        <p:style>
-          <a:lnRef idx="1">
-            <a:schemeClr val="accent1"/>
-          </a:lnRef>
-          <a:fillRef idx="0">
-            <a:schemeClr val="accent1"/>
-          </a:fillRef>
-          <a:effectRef idx="0">
-            <a:schemeClr val="accent1"/>
-          </a:effectRef>
-          <a:fontRef idx="minor">
-            <a:schemeClr val="tx1"/>
-          </a:fontRef>
-        </p:style>
-      </p:cxnSp>
-      <p:sp>
-        <p:nvSpPr>
-          <p:cNvPr id="12" name="Rechteck 11">
-            <a:extLst>
-              <a:ext uri="{FF2B5EF4-FFF2-40B4-BE49-F238E27FC236}">
-                <a16:creationId xmlns:a16="http://schemas.microsoft.com/office/drawing/2014/main" id="{FDCC6A87-D090-B124-0FD0-38D9706447C8}"/>
-              </a:ext>
-            </a:extLst>
-          </p:cNvPr>
-          <p:cNvSpPr/>
-          <p:nvPr/>
-        </p:nvSpPr>
-        <p:spPr>
-          <a:xfrm>
-            <a:off x="4486083" y="3002985"/>
-            <a:ext cx="386625" cy="2749337"/>
-          </a:xfrm>
-          <a:prstGeom prst="rect">
-            <a:avLst/>
-          </a:prstGeom>
-          <a:noFill/>
-          <a:ln w="28575">
-            <a:solidFill>
-              <a:srgbClr val="FF0000"/>
-            </a:solidFill>
-          </a:ln>
-        </p:spPr>
-        <p:style>
-          <a:lnRef idx="2">
-            <a:schemeClr val="accent1">
-              <a:shade val="15000"/>
-            </a:schemeClr>
-          </a:lnRef>
-          <a:fillRef idx="1">
-            <a:schemeClr val="accent1"/>
-          </a:fillRef>
-          <a:effectRef idx="0">
-            <a:schemeClr val="accent1"/>
-          </a:effectRef>
-          <a:fontRef idx="minor">
-            <a:schemeClr val="lt1"/>
-          </a:fontRef>
-        </p:style>
-        <p:txBody>
-          <a:bodyPr rtlCol="0" anchor="ctr"/>
-          <a:lstStyle/>
-          <a:p>
-            <a:pPr algn="ctr"/>
-            <a:endParaRPr lang="de-DE"/>
-          </a:p>
-        </p:txBody>
-      </p:sp>
-      <p:sp>
-        <p:nvSpPr>
-          <p:cNvPr id="16" name="Textfeld 15">
-            <a:extLst>
-              <a:ext uri="{FF2B5EF4-FFF2-40B4-BE49-F238E27FC236}">
-                <a16:creationId xmlns:a16="http://schemas.microsoft.com/office/drawing/2014/main" id="{3FEE51D1-14AA-8F50-D4F4-7F98825609E8}"/>
-              </a:ext>
-            </a:extLst>
-          </p:cNvPr>
-          <p:cNvSpPr txBox="1"/>
-          <p:nvPr/>
-        </p:nvSpPr>
-        <p:spPr>
-          <a:xfrm>
-            <a:off x="1601733" y="2373852"/>
-            <a:ext cx="3270975" cy="369332"/>
-          </a:xfrm>
-          <a:prstGeom prst="rect">
-            <a:avLst/>
-          </a:prstGeom>
-          <a:noFill/>
-        </p:spPr>
-        <p:txBody>
-          <a:bodyPr wrap="square" rtlCol="0">
-            <a:spAutoFit/>
-          </a:bodyPr>
-          <a:lstStyle/>
-          <a:p>
-            <a:r>
-              <a:rPr lang="en-US" b="1" dirty="0"/>
-              <a:t>“</a:t>
-            </a:r>
-            <a:r>
-              <a:rPr lang="en-US" b="1" dirty="0" err="1"/>
-              <a:t>klassische</a:t>
-            </a:r>
-            <a:r>
-              <a:rPr lang="en-US" b="1" dirty="0"/>
-              <a:t>” </a:t>
-            </a:r>
-            <a:r>
-              <a:rPr lang="en-US" b="1" dirty="0" err="1"/>
-              <a:t>Probleme</a:t>
-            </a:r>
-            <a:endParaRPr lang="de-DE" b="1" dirty="0"/>
-          </a:p>
-        </p:txBody>
-      </p:sp>
-      <p:sp>
-        <p:nvSpPr>
-          <p:cNvPr id="17" name="Titel 1">
-            <a:extLst>
-              <a:ext uri="{FF2B5EF4-FFF2-40B4-BE49-F238E27FC236}">
-                <a16:creationId xmlns:a16="http://schemas.microsoft.com/office/drawing/2014/main" id="{9D0596BB-A368-19AC-99B9-B074A422EC3F}"/>
-              </a:ext>
-            </a:extLst>
-          </p:cNvPr>
-          <p:cNvSpPr>
-            <a:spLocks noGrp="1"/>
-          </p:cNvSpPr>
-          <p:nvPr>
-            <p:ph type="title"/>
-          </p:nvPr>
-        </p:nvSpPr>
-        <p:spPr>
-          <a:xfrm>
-            <a:off x="762000" y="762000"/>
-            <a:ext cx="10668000" cy="1524000"/>
-          </a:xfrm>
-        </p:spPr>
-        <p:txBody>
-          <a:bodyPr/>
-          <a:lstStyle/>
-          <a:p>
-            <a:r>
-              <a:rPr lang="de-DE" noProof="0" dirty="0"/>
-              <a:t>3. Produktzwischenstand</a:t>
-            </a:r>
-            <a:endParaRPr lang="de-DE" dirty="0"/>
-          </a:p>
-        </p:txBody>
-      </p:sp>
     </p:spTree>
     <p:extLst>
       <p:ext uri="{BB962C8B-B14F-4D97-AF65-F5344CB8AC3E}">
-        <p14:creationId xmlns:p14="http://schemas.microsoft.com/office/powerpoint/2010/main" val="2620450788"/>
+        <p14:creationId xmlns:p14="http://schemas.microsoft.com/office/powerpoint/2010/main" val="2016499817"/>
       </p:ext>
     </p:extLst>
   </p:cSld>
   <p:clrMapOvr>
     <a:masterClrMapping/>
   </p:clrMapOvr>
-  <p:timing>
-    <p:tnLst>
-      <p:par>
-        <p:cTn id="1" dur="indefinite" restart="never" nodeType="tmRoot">
-          <p:childTnLst>
-            <p:seq concurrent="1" nextAc="seek">
-              <p:cTn id="2" dur="indefinite" nodeType="mainSeq">
-                <p:childTnLst>
-                  <p:par>
-                    <p:cTn id="3" fill="hold">
-                      <p:stCondLst>
-                        <p:cond delay="indefinite"/>
-                      </p:stCondLst>
-                      <p:childTnLst>
-                        <p:par>
-                          <p:cTn id="4" fill="hold">
-                            <p:stCondLst>
-                              <p:cond delay="0"/>
-                            </p:stCondLst>
-                            <p:childTnLst>
-                              <p:par>
-                                <p:cTn id="5" presetID="1" presetClass="entr" presetSubtype="0" fill="hold" nodeType="clickEffect">
-                                  <p:stCondLst>
-                                    <p:cond delay="0"/>
-                                  </p:stCondLst>
-                                  <p:childTnLst>
-                                    <p:set>
-                                      <p:cBhvr>
-                                        <p:cTn id="6" dur="1" fill="hold">
-                                          <p:stCondLst>
-                                            <p:cond delay="0"/>
-                                          </p:stCondLst>
-                                        </p:cTn>
-                                        <p:tgtEl>
-                                          <p:spTgt spid="7"/>
-                                        </p:tgtEl>
-                                        <p:attrNameLst>
-                                          <p:attrName>style.visibility</p:attrName>
-                                        </p:attrNameLst>
-                                      </p:cBhvr>
-                                      <p:to>
-                                        <p:strVal val="visible"/>
-                                      </p:to>
-                                    </p:set>
-                                  </p:childTnLst>
-                                </p:cTn>
-                              </p:par>
-                              <p:par>
-                                <p:cTn id="7" presetID="1" presetClass="entr" presetSubtype="0" fill="hold" grpId="0" nodeType="withEffect">
-                                  <p:stCondLst>
-                                    <p:cond delay="0"/>
-                                  </p:stCondLst>
-                                  <p:childTnLst>
-                                    <p:set>
-                                      <p:cBhvr>
-                                        <p:cTn id="8" dur="1" fill="hold">
-                                          <p:stCondLst>
-                                            <p:cond delay="0"/>
-                                          </p:stCondLst>
-                                        </p:cTn>
-                                        <p:tgtEl>
-                                          <p:spTgt spid="12"/>
-                                        </p:tgtEl>
-                                        <p:attrNameLst>
-                                          <p:attrName>style.visibility</p:attrName>
-                                        </p:attrNameLst>
-                                      </p:cBhvr>
-                                      <p:to>
-                                        <p:strVal val="visible"/>
-                                      </p:to>
-                                    </p:set>
-                                  </p:childTnLst>
-                                </p:cTn>
-                              </p:par>
-                            </p:childTnLst>
-                          </p:cTn>
-                        </p:par>
-                      </p:childTnLst>
-                    </p:cTn>
-                  </p:par>
-                </p:childTnLst>
-              </p:cTn>
-              <p:prevCondLst>
-                <p:cond evt="onPrev" delay="0">
-                  <p:tgtEl>
-                    <p:sldTgt/>
-                  </p:tgtEl>
-                </p:cond>
-              </p:prevCondLst>
-              <p:nextCondLst>
-                <p:cond evt="onNext" delay="0">
-                  <p:tgtEl>
-                    <p:sldTgt/>
-                  </p:tgtEl>
-                </p:cond>
-              </p:nextCondLst>
-            </p:seq>
-          </p:childTnLst>
-        </p:cTn>
-      </p:par>
-    </p:tnLst>
-    <p:bldLst>
-      <p:bldP spid="12" grpId="0" animBg="1"/>
-    </p:bldLst>
-  </p:timing>
 </p:sld>
 </file>
 

--- a/Dokumente/Sprint-Backlog/Sprint-Backlog3.pptx
+++ b/Dokumente/Sprint-Backlog/Sprint-Backlog3.pptx
@@ -5,7 +5,7 @@
     <p:sldMasterId id="2147483751" r:id="rId1"/>
   </p:sldMasterIdLst>
   <p:notesMasterIdLst>
-    <p:notesMasterId r:id="rId24"/>
+    <p:notesMasterId r:id="rId25"/>
   </p:notesMasterIdLst>
   <p:sldIdLst>
     <p:sldId id="256" r:id="rId2"/>
@@ -15,21 +15,22 @@
     <p:sldId id="283" r:id="rId6"/>
     <p:sldId id="287" r:id="rId7"/>
     <p:sldId id="285" r:id="rId8"/>
-    <p:sldId id="288" r:id="rId9"/>
-    <p:sldId id="289" r:id="rId10"/>
-    <p:sldId id="290" r:id="rId11"/>
-    <p:sldId id="259" r:id="rId12"/>
-    <p:sldId id="279" r:id="rId13"/>
-    <p:sldId id="280" r:id="rId14"/>
-    <p:sldId id="281" r:id="rId15"/>
-    <p:sldId id="278" r:id="rId16"/>
-    <p:sldId id="267" r:id="rId17"/>
-    <p:sldId id="284" r:id="rId18"/>
-    <p:sldId id="270" r:id="rId19"/>
-    <p:sldId id="262" r:id="rId20"/>
-    <p:sldId id="263" r:id="rId21"/>
-    <p:sldId id="264" r:id="rId22"/>
-    <p:sldId id="275" r:id="rId23"/>
+    <p:sldId id="291" r:id="rId9"/>
+    <p:sldId id="288" r:id="rId10"/>
+    <p:sldId id="289" r:id="rId11"/>
+    <p:sldId id="290" r:id="rId12"/>
+    <p:sldId id="259" r:id="rId13"/>
+    <p:sldId id="279" r:id="rId14"/>
+    <p:sldId id="280" r:id="rId15"/>
+    <p:sldId id="281" r:id="rId16"/>
+    <p:sldId id="278" r:id="rId17"/>
+    <p:sldId id="267" r:id="rId18"/>
+    <p:sldId id="284" r:id="rId19"/>
+    <p:sldId id="270" r:id="rId20"/>
+    <p:sldId id="262" r:id="rId21"/>
+    <p:sldId id="263" r:id="rId22"/>
+    <p:sldId id="264" r:id="rId23"/>
+    <p:sldId id="275" r:id="rId24"/>
   </p:sldIdLst>
   <p:sldSz cx="12192000" cy="6858000"/>
   <p:notesSz cx="6858000" cy="9144000"/>
@@ -1531,7 +1532,7 @@
           <a:p>
             <a:fld id="{7628164F-130E-49E7-B4EA-740541215FF9}" type="datetimeFigureOut">
               <a:rPr lang="de-DE" smtClean="0"/>
-              <a:t>10.01.2025</a:t>
+              <a:t>11.01.2025</a:t>
             </a:fld>
             <a:endParaRPr lang="de-DE"/>
           </a:p>
@@ -2103,6 +2104,114 @@
   <p:cSld>
     <p:spTree>
       <p:nvGrpSpPr>
+        <p:cNvPr id="1" name="">
+          <a:extLst>
+            <a:ext uri="{FF2B5EF4-FFF2-40B4-BE49-F238E27FC236}">
+              <a16:creationId xmlns:a16="http://schemas.microsoft.com/office/drawing/2014/main" id="{A07BFDB5-7EF0-1F93-AFB3-5C56A627D5D3}"/>
+            </a:ext>
+          </a:extLst>
+        </p:cNvPr>
+        <p:cNvGrpSpPr/>
+        <p:nvPr/>
+      </p:nvGrpSpPr>
+      <p:grpSpPr>
+        <a:xfrm>
+          <a:off x="0" y="0"/>
+          <a:ext cx="0" cy="0"/>
+          <a:chOff x="0" y="0"/>
+          <a:chExt cx="0" cy="0"/>
+        </a:xfrm>
+      </p:grpSpPr>
+      <p:sp>
+        <p:nvSpPr>
+          <p:cNvPr id="2" name="Folienbildplatzhalter 1">
+            <a:extLst>
+              <a:ext uri="{FF2B5EF4-FFF2-40B4-BE49-F238E27FC236}">
+                <a16:creationId xmlns:a16="http://schemas.microsoft.com/office/drawing/2014/main" id="{713E22EC-CC6E-CD0F-A90E-5482FE31A5A4}"/>
+              </a:ext>
+            </a:extLst>
+          </p:cNvPr>
+          <p:cNvSpPr>
+            <a:spLocks noGrp="1" noRot="1" noChangeAspect="1"/>
+          </p:cNvSpPr>
+          <p:nvPr>
+            <p:ph type="sldImg"/>
+          </p:nvPr>
+        </p:nvSpPr>
+        <p:spPr/>
+      </p:sp>
+      <p:sp>
+        <p:nvSpPr>
+          <p:cNvPr id="3" name="Notizenplatzhalter 2">
+            <a:extLst>
+              <a:ext uri="{FF2B5EF4-FFF2-40B4-BE49-F238E27FC236}">
+                <a16:creationId xmlns:a16="http://schemas.microsoft.com/office/drawing/2014/main" id="{4803227D-F05F-01A2-AE26-880E0EC3D259}"/>
+              </a:ext>
+            </a:extLst>
+          </p:cNvPr>
+          <p:cNvSpPr>
+            <a:spLocks noGrp="1"/>
+          </p:cNvSpPr>
+          <p:nvPr>
+            <p:ph type="body" idx="1"/>
+          </p:nvPr>
+        </p:nvSpPr>
+        <p:spPr/>
+        <p:txBody>
+          <a:bodyPr/>
+          <a:lstStyle/>
+          <a:p>
+            <a:endParaRPr lang="de-DE" dirty="0"/>
+          </a:p>
+        </p:txBody>
+      </p:sp>
+      <p:sp>
+        <p:nvSpPr>
+          <p:cNvPr id="4" name="Foliennummernplatzhalter 3">
+            <a:extLst>
+              <a:ext uri="{FF2B5EF4-FFF2-40B4-BE49-F238E27FC236}">
+                <a16:creationId xmlns:a16="http://schemas.microsoft.com/office/drawing/2014/main" id="{AC164C2F-BE7A-C49F-8E23-7376208BA66B}"/>
+              </a:ext>
+            </a:extLst>
+          </p:cNvPr>
+          <p:cNvSpPr>
+            <a:spLocks noGrp="1"/>
+          </p:cNvSpPr>
+          <p:nvPr>
+            <p:ph type="sldNum" sz="quarter" idx="5"/>
+          </p:nvPr>
+        </p:nvSpPr>
+        <p:spPr/>
+        <p:txBody>
+          <a:bodyPr/>
+          <a:lstStyle/>
+          <a:p>
+            <a:fld id="{B8062E93-4410-40F6-8AB9-119AC591FA0D}" type="slidenum">
+              <a:rPr lang="de-DE" smtClean="0"/>
+              <a:t>8</a:t>
+            </a:fld>
+            <a:endParaRPr lang="de-DE"/>
+          </a:p>
+        </p:txBody>
+      </p:sp>
+    </p:spTree>
+    <p:extLst>
+      <p:ext uri="{BB962C8B-B14F-4D97-AF65-F5344CB8AC3E}">
+        <p14:creationId xmlns:p14="http://schemas.microsoft.com/office/powerpoint/2010/main" val="2930770985"/>
+      </p:ext>
+    </p:extLst>
+  </p:cSld>
+  <p:clrMapOvr>
+    <a:masterClrMapping/>
+  </p:clrMapOvr>
+</p:notes>
+</file>
+
+<file path=ppt/notesSlides/notesSlide5.xml><?xml version="1.0" encoding="utf-8"?>
+<p:notes xmlns:a="http://schemas.openxmlformats.org/drawingml/2006/main" xmlns:r="http://schemas.openxmlformats.org/officeDocument/2006/relationships" xmlns:p="http://schemas.openxmlformats.org/presentationml/2006/main">
+  <p:cSld>
+    <p:spTree>
+      <p:nvGrpSpPr>
         <p:cNvPr id="1" name=""/>
         <p:cNvGrpSpPr/>
         <p:nvPr/>
@@ -2191,7 +2300,7 @@
           <a:p>
             <a:fld id="{B8062E93-4410-40F6-8AB9-119AC591FA0D}" type="slidenum">
               <a:rPr lang="de-DE" smtClean="0"/>
-              <a:t>12</a:t>
+              <a:t>13</a:t>
             </a:fld>
             <a:endParaRPr lang="de-DE"/>
           </a:p>
@@ -2357,7 +2466,7 @@
           <a:p>
             <a:fld id="{EFF128A2-C7E8-4B7B-8091-9AC752F728F8}" type="datetime1">
               <a:rPr lang="de-DE" smtClean="0"/>
-              <a:t>10.01.2025</a:t>
+              <a:t>11.01.2025</a:t>
             </a:fld>
             <a:endParaRPr lang="en-US"/>
           </a:p>
@@ -2555,7 +2664,7 @@
           <a:p>
             <a:fld id="{CD278108-7565-4086-A563-4BA2E64958FD}" type="datetime1">
               <a:rPr lang="de-DE" smtClean="0"/>
-              <a:t>10.01.2025</a:t>
+              <a:t>11.01.2025</a:t>
             </a:fld>
             <a:endParaRPr lang="en-US"/>
           </a:p>
@@ -2763,7 +2872,7 @@
           <a:p>
             <a:fld id="{E66CCB26-F45E-4B69-82BE-D569C28446C1}" type="datetime1">
               <a:rPr lang="de-DE" smtClean="0"/>
-              <a:t>10.01.2025</a:t>
+              <a:t>11.01.2025</a:t>
             </a:fld>
             <a:endParaRPr lang="en-US"/>
           </a:p>
@@ -2967,7 +3076,7 @@
           <a:p>
             <a:fld id="{42B45B56-1D88-4042-8DF0-EB6B41B710D3}" type="datetime1">
               <a:rPr lang="de-DE" smtClean="0"/>
-              <a:t>10.01.2025</a:t>
+              <a:t>11.01.2025</a:t>
             </a:fld>
             <a:endParaRPr lang="en-US"/>
           </a:p>
@@ -3242,7 +3351,7 @@
           <a:p>
             <a:fld id="{63213392-7725-4DB0-A75F-BB511BA574DC}" type="datetime1">
               <a:rPr lang="de-DE" smtClean="0"/>
-              <a:t>10.01.2025</a:t>
+              <a:t>11.01.2025</a:t>
             </a:fld>
             <a:endParaRPr lang="en-US"/>
           </a:p>
@@ -3507,7 +3616,7 @@
           <a:p>
             <a:fld id="{12AE7323-5CDD-4051-9975-1729D84443C7}" type="datetime1">
               <a:rPr lang="de-DE" smtClean="0"/>
-              <a:t>10.01.2025</a:t>
+              <a:t>11.01.2025</a:t>
             </a:fld>
             <a:endParaRPr lang="en-US"/>
           </a:p>
@@ -3919,7 +4028,7 @@
           <a:p>
             <a:fld id="{75919FF8-1369-4F22-8739-0971D22D8076}" type="datetime1">
               <a:rPr lang="de-DE" smtClean="0"/>
-              <a:t>10.01.2025</a:t>
+              <a:t>11.01.2025</a:t>
             </a:fld>
             <a:endParaRPr lang="en-US"/>
           </a:p>
@@ -4060,7 +4169,7 @@
           <a:p>
             <a:fld id="{07445AF5-82F2-43C2-816E-A9BEF34D89B7}" type="datetime1">
               <a:rPr lang="de-DE" smtClean="0"/>
-              <a:t>10.01.2025</a:t>
+              <a:t>11.01.2025</a:t>
             </a:fld>
             <a:endParaRPr lang="en-US"/>
           </a:p>
@@ -4173,7 +4282,7 @@
           <a:p>
             <a:fld id="{84700FD4-A8C8-481E-B7C9-06459B544445}" type="datetime1">
               <a:rPr lang="de-DE" smtClean="0"/>
-              <a:t>10.01.2025</a:t>
+              <a:t>11.01.2025</a:t>
             </a:fld>
             <a:endParaRPr lang="en-US"/>
           </a:p>
@@ -4485,7 +4594,7 @@
           <a:p>
             <a:fld id="{225DF808-C4B8-42BA-B4B9-08D42756061A}" type="datetime1">
               <a:rPr lang="de-DE" smtClean="0"/>
-              <a:t>10.01.2025</a:t>
+              <a:t>11.01.2025</a:t>
             </a:fld>
             <a:endParaRPr lang="en-US"/>
           </a:p>
@@ -4776,7 +4885,7 @@
           <a:p>
             <a:fld id="{C36BBF2E-DB4C-4E4C-81C8-BB88CDC14250}" type="datetime1">
               <a:rPr lang="de-DE" smtClean="0"/>
-              <a:t>10.01.2025</a:t>
+              <a:t>11.01.2025</a:t>
             </a:fld>
             <a:endParaRPr lang="en-US"/>
           </a:p>
@@ -5531,7 +5640,7 @@
           <a:p>
             <a:fld id="{7C1C68C6-DBC0-4157-B769-7CB85FE6437C}" type="datetime1">
               <a:rPr lang="de-DE" smtClean="0"/>
-              <a:t>10.01.2025</a:t>
+              <a:t>11.01.2025</a:t>
             </a:fld>
             <a:endParaRPr lang="en-US" dirty="0"/>
           </a:p>
@@ -6655,7 +6764,7 @@
           <p:cNvPr id="2" name="Titel 1">
             <a:extLst>
               <a:ext uri="{FF2B5EF4-FFF2-40B4-BE49-F238E27FC236}">
-                <a16:creationId xmlns:a16="http://schemas.microsoft.com/office/drawing/2014/main" id="{76A22F88-187F-2E1C-6E15-E85914E1D8FC}"/>
+                <a16:creationId xmlns:a16="http://schemas.microsoft.com/office/drawing/2014/main" id="{7FAD6978-BE78-49E1-01F7-D1CD7B29209B}"/>
               </a:ext>
             </a:extLst>
           </p:cNvPr>
@@ -6680,7 +6789,7 @@
           <p:cNvPr id="3" name="Textplatzhalter 2">
             <a:extLst>
               <a:ext uri="{FF2B5EF4-FFF2-40B4-BE49-F238E27FC236}">
-                <a16:creationId xmlns:a16="http://schemas.microsoft.com/office/drawing/2014/main" id="{84B80633-8420-C1D9-26A8-A815F83C3FD7}"/>
+                <a16:creationId xmlns:a16="http://schemas.microsoft.com/office/drawing/2014/main" id="{4D7E3D0F-5AF1-AD53-DD93-17C1FDF36FE6}"/>
               </a:ext>
             </a:extLst>
           </p:cNvPr>
@@ -6705,7 +6814,7 @@
           <p:cNvPr id="4" name="Inhaltsplatzhalter 3">
             <a:extLst>
               <a:ext uri="{FF2B5EF4-FFF2-40B4-BE49-F238E27FC236}">
-                <a16:creationId xmlns:a16="http://schemas.microsoft.com/office/drawing/2014/main" id="{EDDD976D-E916-DEE6-C798-F877B82D6C77}"/>
+                <a16:creationId xmlns:a16="http://schemas.microsoft.com/office/drawing/2014/main" id="{A86491C0-AD59-2A72-778C-952C55BF9E34}"/>
               </a:ext>
             </a:extLst>
           </p:cNvPr>
@@ -6730,7 +6839,7 @@
           <p:cNvPr id="5" name="Textplatzhalter 4">
             <a:extLst>
               <a:ext uri="{FF2B5EF4-FFF2-40B4-BE49-F238E27FC236}">
-                <a16:creationId xmlns:a16="http://schemas.microsoft.com/office/drawing/2014/main" id="{3902A5AE-A7EB-74DA-BBBD-55F475CEA606}"/>
+                <a16:creationId xmlns:a16="http://schemas.microsoft.com/office/drawing/2014/main" id="{7A9CC5B0-8B44-2964-08B8-1097D147316D}"/>
               </a:ext>
             </a:extLst>
           </p:cNvPr>
@@ -6755,7 +6864,7 @@
           <p:cNvPr id="6" name="Inhaltsplatzhalter 5">
             <a:extLst>
               <a:ext uri="{FF2B5EF4-FFF2-40B4-BE49-F238E27FC236}">
-                <a16:creationId xmlns:a16="http://schemas.microsoft.com/office/drawing/2014/main" id="{55F6C678-566B-A68F-EDC0-53BB0A322083}"/>
+                <a16:creationId xmlns:a16="http://schemas.microsoft.com/office/drawing/2014/main" id="{D619E62F-E103-DE63-0609-DE95736617D3}"/>
               </a:ext>
             </a:extLst>
           </p:cNvPr>
@@ -6780,7 +6889,7 @@
           <p:cNvPr id="7" name="Datumsplatzhalter 6">
             <a:extLst>
               <a:ext uri="{FF2B5EF4-FFF2-40B4-BE49-F238E27FC236}">
-                <a16:creationId xmlns:a16="http://schemas.microsoft.com/office/drawing/2014/main" id="{91E6D5B6-8AE0-F743-DC04-F60D2DA7A002}"/>
+                <a16:creationId xmlns:a16="http://schemas.microsoft.com/office/drawing/2014/main" id="{B93BD77F-D9E2-9385-C273-2322930388C5}"/>
               </a:ext>
             </a:extLst>
           </p:cNvPr>
@@ -6798,7 +6907,7 @@
           <a:p>
             <a:fld id="{75919FF8-1369-4F22-8739-0971D22D8076}" type="datetime1">
               <a:rPr lang="de-DE" smtClean="0"/>
-              <a:t>10.01.2025</a:t>
+              <a:t>11.01.2025</a:t>
             </a:fld>
             <a:endParaRPr lang="en-US"/>
           </a:p>
@@ -6809,7 +6918,7 @@
           <p:cNvPr id="8" name="Foliennummernplatzhalter 7">
             <a:extLst>
               <a:ext uri="{FF2B5EF4-FFF2-40B4-BE49-F238E27FC236}">
-                <a16:creationId xmlns:a16="http://schemas.microsoft.com/office/drawing/2014/main" id="{B4AFEE18-670A-BAA4-52B3-99F631506E0F}"/>
+                <a16:creationId xmlns:a16="http://schemas.microsoft.com/office/drawing/2014/main" id="{75A05C89-0377-12C9-81D5-A5304F36BE53}"/>
               </a:ext>
             </a:extLst>
           </p:cNvPr>
@@ -6836,7 +6945,7 @@
     </p:spTree>
     <p:extLst>
       <p:ext uri="{BB962C8B-B14F-4D97-AF65-F5344CB8AC3E}">
-        <p14:creationId xmlns:p14="http://schemas.microsoft.com/office/powerpoint/2010/main" val="855614268"/>
+        <p14:creationId xmlns:p14="http://schemas.microsoft.com/office/powerpoint/2010/main" val="2016499817"/>
       </p:ext>
     </p:extLst>
   </p:cSld>
@@ -6868,6 +6977,219 @@
           <p:cNvPr id="2" name="Titel 1">
             <a:extLst>
               <a:ext uri="{FF2B5EF4-FFF2-40B4-BE49-F238E27FC236}">
+                <a16:creationId xmlns:a16="http://schemas.microsoft.com/office/drawing/2014/main" id="{76A22F88-187F-2E1C-6E15-E85914E1D8FC}"/>
+              </a:ext>
+            </a:extLst>
+          </p:cNvPr>
+          <p:cNvSpPr>
+            <a:spLocks noGrp="1"/>
+          </p:cNvSpPr>
+          <p:nvPr>
+            <p:ph type="title"/>
+          </p:nvPr>
+        </p:nvSpPr>
+        <p:spPr/>
+        <p:txBody>
+          <a:bodyPr/>
+          <a:lstStyle/>
+          <a:p>
+            <a:endParaRPr lang="de-DE"/>
+          </a:p>
+        </p:txBody>
+      </p:sp>
+      <p:sp>
+        <p:nvSpPr>
+          <p:cNvPr id="3" name="Textplatzhalter 2">
+            <a:extLst>
+              <a:ext uri="{FF2B5EF4-FFF2-40B4-BE49-F238E27FC236}">
+                <a16:creationId xmlns:a16="http://schemas.microsoft.com/office/drawing/2014/main" id="{84B80633-8420-C1D9-26A8-A815F83C3FD7}"/>
+              </a:ext>
+            </a:extLst>
+          </p:cNvPr>
+          <p:cNvSpPr>
+            <a:spLocks noGrp="1"/>
+          </p:cNvSpPr>
+          <p:nvPr>
+            <p:ph type="body" idx="1"/>
+          </p:nvPr>
+        </p:nvSpPr>
+        <p:spPr/>
+        <p:txBody>
+          <a:bodyPr/>
+          <a:lstStyle/>
+          <a:p>
+            <a:endParaRPr lang="de-DE"/>
+          </a:p>
+        </p:txBody>
+      </p:sp>
+      <p:sp>
+        <p:nvSpPr>
+          <p:cNvPr id="4" name="Inhaltsplatzhalter 3">
+            <a:extLst>
+              <a:ext uri="{FF2B5EF4-FFF2-40B4-BE49-F238E27FC236}">
+                <a16:creationId xmlns:a16="http://schemas.microsoft.com/office/drawing/2014/main" id="{EDDD976D-E916-DEE6-C798-F877B82D6C77}"/>
+              </a:ext>
+            </a:extLst>
+          </p:cNvPr>
+          <p:cNvSpPr>
+            <a:spLocks noGrp="1"/>
+          </p:cNvSpPr>
+          <p:nvPr>
+            <p:ph sz="half" idx="2"/>
+          </p:nvPr>
+        </p:nvSpPr>
+        <p:spPr/>
+        <p:txBody>
+          <a:bodyPr/>
+          <a:lstStyle/>
+          <a:p>
+            <a:endParaRPr lang="de-DE"/>
+          </a:p>
+        </p:txBody>
+      </p:sp>
+      <p:sp>
+        <p:nvSpPr>
+          <p:cNvPr id="5" name="Textplatzhalter 4">
+            <a:extLst>
+              <a:ext uri="{FF2B5EF4-FFF2-40B4-BE49-F238E27FC236}">
+                <a16:creationId xmlns:a16="http://schemas.microsoft.com/office/drawing/2014/main" id="{3902A5AE-A7EB-74DA-BBBD-55F475CEA606}"/>
+              </a:ext>
+            </a:extLst>
+          </p:cNvPr>
+          <p:cNvSpPr>
+            <a:spLocks noGrp="1"/>
+          </p:cNvSpPr>
+          <p:nvPr>
+            <p:ph type="body" sz="quarter" idx="3"/>
+          </p:nvPr>
+        </p:nvSpPr>
+        <p:spPr/>
+        <p:txBody>
+          <a:bodyPr/>
+          <a:lstStyle/>
+          <a:p>
+            <a:endParaRPr lang="de-DE"/>
+          </a:p>
+        </p:txBody>
+      </p:sp>
+      <p:sp>
+        <p:nvSpPr>
+          <p:cNvPr id="6" name="Inhaltsplatzhalter 5">
+            <a:extLst>
+              <a:ext uri="{FF2B5EF4-FFF2-40B4-BE49-F238E27FC236}">
+                <a16:creationId xmlns:a16="http://schemas.microsoft.com/office/drawing/2014/main" id="{55F6C678-566B-A68F-EDC0-53BB0A322083}"/>
+              </a:ext>
+            </a:extLst>
+          </p:cNvPr>
+          <p:cNvSpPr>
+            <a:spLocks noGrp="1"/>
+          </p:cNvSpPr>
+          <p:nvPr>
+            <p:ph sz="quarter" idx="4"/>
+          </p:nvPr>
+        </p:nvSpPr>
+        <p:spPr/>
+        <p:txBody>
+          <a:bodyPr/>
+          <a:lstStyle/>
+          <a:p>
+            <a:endParaRPr lang="de-DE"/>
+          </a:p>
+        </p:txBody>
+      </p:sp>
+      <p:sp>
+        <p:nvSpPr>
+          <p:cNvPr id="7" name="Datumsplatzhalter 6">
+            <a:extLst>
+              <a:ext uri="{FF2B5EF4-FFF2-40B4-BE49-F238E27FC236}">
+                <a16:creationId xmlns:a16="http://schemas.microsoft.com/office/drawing/2014/main" id="{91E6D5B6-8AE0-F743-DC04-F60D2DA7A002}"/>
+              </a:ext>
+            </a:extLst>
+          </p:cNvPr>
+          <p:cNvSpPr>
+            <a:spLocks noGrp="1"/>
+          </p:cNvSpPr>
+          <p:nvPr>
+            <p:ph type="dt" sz="half" idx="10"/>
+          </p:nvPr>
+        </p:nvSpPr>
+        <p:spPr/>
+        <p:txBody>
+          <a:bodyPr/>
+          <a:lstStyle/>
+          <a:p>
+            <a:fld id="{75919FF8-1369-4F22-8739-0971D22D8076}" type="datetime1">
+              <a:rPr lang="de-DE" smtClean="0"/>
+              <a:t>11.01.2025</a:t>
+            </a:fld>
+            <a:endParaRPr lang="en-US"/>
+          </a:p>
+        </p:txBody>
+      </p:sp>
+      <p:sp>
+        <p:nvSpPr>
+          <p:cNvPr id="8" name="Foliennummernplatzhalter 7">
+            <a:extLst>
+              <a:ext uri="{FF2B5EF4-FFF2-40B4-BE49-F238E27FC236}">
+                <a16:creationId xmlns:a16="http://schemas.microsoft.com/office/drawing/2014/main" id="{B4AFEE18-670A-BAA4-52B3-99F631506E0F}"/>
+              </a:ext>
+            </a:extLst>
+          </p:cNvPr>
+          <p:cNvSpPr>
+            <a:spLocks noGrp="1"/>
+          </p:cNvSpPr>
+          <p:nvPr>
+            <p:ph type="sldNum" sz="quarter" idx="12"/>
+          </p:nvPr>
+        </p:nvSpPr>
+        <p:spPr/>
+        <p:txBody>
+          <a:bodyPr/>
+          <a:lstStyle/>
+          <a:p>
+            <a:fld id="{07CE569E-9B7C-4CB9-AB80-C0841F922CFF}" type="slidenum">
+              <a:rPr lang="en-US" smtClean="0"/>
+              <a:t>11</a:t>
+            </a:fld>
+            <a:endParaRPr lang="en-US"/>
+          </a:p>
+        </p:txBody>
+      </p:sp>
+    </p:spTree>
+    <p:extLst>
+      <p:ext uri="{BB962C8B-B14F-4D97-AF65-F5344CB8AC3E}">
+        <p14:creationId xmlns:p14="http://schemas.microsoft.com/office/powerpoint/2010/main" val="855614268"/>
+      </p:ext>
+    </p:extLst>
+  </p:cSld>
+  <p:clrMapOvr>
+    <a:masterClrMapping/>
+  </p:clrMapOvr>
+</p:sld>
+</file>
+
+<file path=ppt/slides/slide12.xml><?xml version="1.0" encoding="utf-8"?>
+<p:sld xmlns:a="http://schemas.openxmlformats.org/drawingml/2006/main" xmlns:r="http://schemas.openxmlformats.org/officeDocument/2006/relationships" xmlns:p="http://schemas.openxmlformats.org/presentationml/2006/main">
+  <p:cSld>
+    <p:spTree>
+      <p:nvGrpSpPr>
+        <p:cNvPr id="1" name=""/>
+        <p:cNvGrpSpPr/>
+        <p:nvPr/>
+      </p:nvGrpSpPr>
+      <p:grpSpPr>
+        <a:xfrm>
+          <a:off x="0" y="0"/>
+          <a:ext cx="0" cy="0"/>
+          <a:chOff x="0" y="0"/>
+          <a:chExt cx="0" cy="0"/>
+        </a:xfrm>
+      </p:grpSpPr>
+      <p:sp>
+        <p:nvSpPr>
+          <p:cNvPr id="2" name="Titel 1">
+            <a:extLst>
+              <a:ext uri="{FF2B5EF4-FFF2-40B4-BE49-F238E27FC236}">
                 <a16:creationId xmlns:a16="http://schemas.microsoft.com/office/drawing/2014/main" id="{0C579FFF-6A8E-1436-7F47-208326112BC2}"/>
               </a:ext>
             </a:extLst>
@@ -6914,7 +7236,7 @@
           <a:p>
             <a:fld id="{42B45B56-1D88-4042-8DF0-EB6B41B710D3}" type="datetime1">
               <a:rPr lang="de-DE" noProof="0" smtClean="0"/>
-              <a:t>10.01.2025</a:t>
+              <a:t>11.01.2025</a:t>
             </a:fld>
             <a:endParaRPr lang="de-DE" noProof="0" dirty="0"/>
           </a:p>
@@ -6943,7 +7265,7 @@
           <a:p>
             <a:fld id="{07CE569E-9B7C-4CB9-AB80-C0841F922CFF}" type="slidenum">
               <a:rPr lang="de-DE" noProof="0" smtClean="0"/>
-              <a:t>11</a:t>
+              <a:t>12</a:t>
             </a:fld>
             <a:endParaRPr lang="de-DE" noProof="0" dirty="0"/>
           </a:p>
@@ -7318,7 +7640,7 @@
             <a:fld id="{07CE569E-9B7C-4CB9-AB80-C0841F922CFF}" type="slidenum">
               <a:rPr lang="en-US" smtClean="0"/>
               <a:pPr/>
-              <a:t>11</a:t>
+              <a:t>12</a:t>
             </a:fld>
             <a:endParaRPr lang="en-US"/>
           </a:p>
@@ -7337,7 +7659,7 @@
 </p:sld>
 </file>
 
-<file path=ppt/slides/slide12.xml><?xml version="1.0" encoding="utf-8"?>
+<file path=ppt/slides/slide13.xml><?xml version="1.0" encoding="utf-8"?>
 <p:sld xmlns:a="http://schemas.openxmlformats.org/drawingml/2006/main" xmlns:r="http://schemas.openxmlformats.org/officeDocument/2006/relationships" xmlns:p="http://schemas.openxmlformats.org/presentationml/2006/main">
   <p:cSld>
     <p:spTree>
@@ -7411,7 +7733,7 @@
           <a:p>
             <a:fld id="{42B45B56-1D88-4042-8DF0-EB6B41B710D3}" type="datetime1">
               <a:rPr lang="de-DE" noProof="0" smtClean="0"/>
-              <a:t>10.01.2025</a:t>
+              <a:t>11.01.2025</a:t>
             </a:fld>
             <a:endParaRPr lang="de-DE" noProof="0" dirty="0"/>
           </a:p>
@@ -7440,7 +7762,7 @@
           <a:p>
             <a:fld id="{07CE569E-9B7C-4CB9-AB80-C0841F922CFF}" type="slidenum">
               <a:rPr lang="de-DE" noProof="0" smtClean="0"/>
-              <a:t>12</a:t>
+              <a:t>13</a:t>
             </a:fld>
             <a:endParaRPr lang="de-DE" noProof="0" dirty="0"/>
           </a:p>
@@ -7548,7 +7870,7 @@
 </p:sld>
 </file>
 
-<file path=ppt/slides/slide13.xml><?xml version="1.0" encoding="utf-8"?>
+<file path=ppt/slides/slide14.xml><?xml version="1.0" encoding="utf-8"?>
 <p:sld xmlns:a="http://schemas.openxmlformats.org/drawingml/2006/main" xmlns:r="http://schemas.openxmlformats.org/officeDocument/2006/relationships" xmlns:p="http://schemas.openxmlformats.org/presentationml/2006/main">
   <p:cSld>
     <p:spTree>
@@ -7647,7 +7969,7 @@
           <a:p>
             <a:fld id="{12AE7323-5CDD-4051-9975-1729D84443C7}" type="datetime1">
               <a:rPr lang="de-DE" smtClean="0"/>
-              <a:t>10.01.2025</a:t>
+              <a:t>11.01.2025</a:t>
             </a:fld>
             <a:endParaRPr lang="en-US"/>
           </a:p>
@@ -7676,7 +7998,7 @@
           <a:p>
             <a:fld id="{07CE569E-9B7C-4CB9-AB80-C0841F922CFF}" type="slidenum">
               <a:rPr lang="en-US" smtClean="0"/>
-              <a:t>13</a:t>
+              <a:t>14</a:t>
             </a:fld>
             <a:endParaRPr lang="en-US"/>
           </a:p>
@@ -7978,7 +8300,7 @@
 </p:sld>
 </file>
 
-<file path=ppt/slides/slide14.xml><?xml version="1.0" encoding="utf-8"?>
+<file path=ppt/slides/slide15.xml><?xml version="1.0" encoding="utf-8"?>
 <p:sld xmlns:a="http://schemas.openxmlformats.org/drawingml/2006/main" xmlns:r="http://schemas.openxmlformats.org/officeDocument/2006/relationships" xmlns:p="http://schemas.openxmlformats.org/presentationml/2006/main">
   <p:cSld>
     <p:spTree>
@@ -8047,7 +8369,7 @@
           <a:p>
             <a:fld id="{12AE7323-5CDD-4051-9975-1729D84443C7}" type="datetime1">
               <a:rPr lang="de-DE" smtClean="0"/>
-              <a:t>10.01.2025</a:t>
+              <a:t>11.01.2025</a:t>
             </a:fld>
             <a:endParaRPr lang="en-US"/>
           </a:p>
@@ -8076,7 +8398,7 @@
           <a:p>
             <a:fld id="{07CE569E-9B7C-4CB9-AB80-C0841F922CFF}" type="slidenum">
               <a:rPr lang="en-US" smtClean="0"/>
-              <a:t>14</a:t>
+              <a:t>15</a:t>
             </a:fld>
             <a:endParaRPr lang="en-US"/>
           </a:p>
@@ -8208,7 +8530,7 @@
 </p:sld>
 </file>
 
-<file path=ppt/slides/slide15.xml><?xml version="1.0" encoding="utf-8"?>
+<file path=ppt/slides/slide16.xml><?xml version="1.0" encoding="utf-8"?>
 <p:sld xmlns:a="http://schemas.openxmlformats.org/drawingml/2006/main" xmlns:r="http://schemas.openxmlformats.org/officeDocument/2006/relationships" xmlns:p="http://schemas.openxmlformats.org/presentationml/2006/main">
   <p:cSld>
     <p:spTree>
@@ -8305,7 +8627,7 @@
           <a:p>
             <a:fld id="{12AE7323-5CDD-4051-9975-1729D84443C7}" type="datetime1">
               <a:rPr lang="de-DE" smtClean="0"/>
-              <a:t>10.01.2025</a:t>
+              <a:t>11.01.2025</a:t>
             </a:fld>
             <a:endParaRPr lang="en-US"/>
           </a:p>
@@ -8334,7 +8656,7 @@
           <a:p>
             <a:fld id="{07CE569E-9B7C-4CB9-AB80-C0841F922CFF}" type="slidenum">
               <a:rPr lang="en-US" smtClean="0"/>
-              <a:t>15</a:t>
+              <a:t>16</a:t>
             </a:fld>
             <a:endParaRPr lang="en-US"/>
           </a:p>
@@ -8423,7 +8745,7 @@
 </p:sld>
 </file>
 
-<file path=ppt/slides/slide16.xml><?xml version="1.0" encoding="utf-8"?>
+<file path=ppt/slides/slide17.xml><?xml version="1.0" encoding="utf-8"?>
 <p:sld xmlns:a="http://schemas.openxmlformats.org/drawingml/2006/main" xmlns:r="http://schemas.openxmlformats.org/officeDocument/2006/relationships" xmlns:p="http://schemas.openxmlformats.org/presentationml/2006/main">
   <p:cSld>
     <p:spTree>
@@ -8497,7 +8819,7 @@
           <a:p>
             <a:fld id="{42B45B56-1D88-4042-8DF0-EB6B41B710D3}" type="datetime1">
               <a:rPr lang="de-DE" noProof="0" smtClean="0"/>
-              <a:t>10.01.2025</a:t>
+              <a:t>11.01.2025</a:t>
             </a:fld>
             <a:endParaRPr lang="de-DE" noProof="0" dirty="0"/>
           </a:p>
@@ -8526,7 +8848,7 @@
           <a:p>
             <a:fld id="{07CE569E-9B7C-4CB9-AB80-C0841F922CFF}" type="slidenum">
               <a:rPr lang="de-DE" noProof="0" smtClean="0"/>
-              <a:t>16</a:t>
+              <a:t>17</a:t>
             </a:fld>
             <a:endParaRPr lang="de-DE" noProof="0" dirty="0"/>
           </a:p>
@@ -9244,7 +9566,7 @@
 </p:sld>
 </file>
 
-<file path=ppt/slides/slide17.xml><?xml version="1.0" encoding="utf-8"?>
+<file path=ppt/slides/slide18.xml><?xml version="1.0" encoding="utf-8"?>
 <p:sld xmlns:a="http://schemas.openxmlformats.org/drawingml/2006/main" xmlns:r="http://schemas.openxmlformats.org/officeDocument/2006/relationships" xmlns:p="http://schemas.openxmlformats.org/presentationml/2006/main">
   <p:cSld>
     <p:spTree>
@@ -9318,7 +9640,7 @@
           <a:p>
             <a:fld id="{42B45B56-1D88-4042-8DF0-EB6B41B710D3}" type="datetime1">
               <a:rPr lang="de-DE" noProof="0" smtClean="0"/>
-              <a:t>10.01.2025</a:t>
+              <a:t>11.01.2025</a:t>
             </a:fld>
             <a:endParaRPr lang="de-DE" noProof="0" dirty="0"/>
           </a:p>
@@ -9347,7 +9669,7 @@
           <a:p>
             <a:fld id="{07CE569E-9B7C-4CB9-AB80-C0841F922CFF}" type="slidenum">
               <a:rPr lang="de-DE" noProof="0" smtClean="0"/>
-              <a:t>17</a:t>
+              <a:t>18</a:t>
             </a:fld>
             <a:endParaRPr lang="de-DE" noProof="0" dirty="0"/>
           </a:p>
@@ -10003,7 +10325,7 @@
 </p:sld>
 </file>
 
-<file path=ppt/slides/slide18.xml><?xml version="1.0" encoding="utf-8"?>
+<file path=ppt/slides/slide19.xml><?xml version="1.0" encoding="utf-8"?>
 <p:sld xmlns:a="http://schemas.openxmlformats.org/drawingml/2006/main" xmlns:r="http://schemas.openxmlformats.org/officeDocument/2006/relationships" xmlns:p="http://schemas.openxmlformats.org/presentationml/2006/main">
   <p:cSld>
     <p:spTree>
@@ -10077,7 +10399,7 @@
           <a:p>
             <a:fld id="{42B45B56-1D88-4042-8DF0-EB6B41B710D3}" type="datetime1">
               <a:rPr lang="de-DE" noProof="0" smtClean="0"/>
-              <a:t>10.01.2025</a:t>
+              <a:t>11.01.2025</a:t>
             </a:fld>
             <a:endParaRPr lang="de-DE" noProof="0" dirty="0"/>
           </a:p>
@@ -10106,7 +10428,7 @@
           <a:p>
             <a:fld id="{07CE569E-9B7C-4CB9-AB80-C0841F922CFF}" type="slidenum">
               <a:rPr lang="de-DE" noProof="0" smtClean="0"/>
-              <a:t>18</a:t>
+              <a:t>19</a:t>
             </a:fld>
             <a:endParaRPr lang="de-DE" noProof="0" dirty="0"/>
           </a:p>
@@ -10515,169 +10837,6 @@
 </p:sld>
 </file>
 
-<file path=ppt/slides/slide19.xml><?xml version="1.0" encoding="utf-8"?>
-<p:sld xmlns:a="http://schemas.openxmlformats.org/drawingml/2006/main" xmlns:r="http://schemas.openxmlformats.org/officeDocument/2006/relationships" xmlns:p="http://schemas.openxmlformats.org/presentationml/2006/main">
-  <p:cSld>
-    <p:spTree>
-      <p:nvGrpSpPr>
-        <p:cNvPr id="1" name=""/>
-        <p:cNvGrpSpPr/>
-        <p:nvPr/>
-      </p:nvGrpSpPr>
-      <p:grpSpPr>
-        <a:xfrm>
-          <a:off x="0" y="0"/>
-          <a:ext cx="0" cy="0"/>
-          <a:chOff x="0" y="0"/>
-          <a:chExt cx="0" cy="0"/>
-        </a:xfrm>
-      </p:grpSpPr>
-      <p:sp>
-        <p:nvSpPr>
-          <p:cNvPr id="2" name="Titel 1">
-            <a:extLst>
-              <a:ext uri="{FF2B5EF4-FFF2-40B4-BE49-F238E27FC236}">
-                <a16:creationId xmlns:a16="http://schemas.microsoft.com/office/drawing/2014/main" id="{86AADDDC-CD07-D152-F98D-6AA7ABFFAE93}"/>
-              </a:ext>
-            </a:extLst>
-          </p:cNvPr>
-          <p:cNvSpPr>
-            <a:spLocks noGrp="1"/>
-          </p:cNvSpPr>
-          <p:nvPr>
-            <p:ph type="title"/>
-          </p:nvPr>
-        </p:nvSpPr>
-        <p:spPr/>
-        <p:txBody>
-          <a:bodyPr/>
-          <a:lstStyle/>
-          <a:p>
-            <a:r>
-              <a:rPr lang="de-DE" noProof="0" dirty="0"/>
-              <a:t>5. Ausblick auf den folgenden Sprint</a:t>
-            </a:r>
-          </a:p>
-        </p:txBody>
-      </p:sp>
-      <p:sp>
-        <p:nvSpPr>
-          <p:cNvPr id="3" name="Inhaltsplatzhalter 2">
-            <a:extLst>
-              <a:ext uri="{FF2B5EF4-FFF2-40B4-BE49-F238E27FC236}">
-                <a16:creationId xmlns:a16="http://schemas.microsoft.com/office/drawing/2014/main" id="{5E854AF4-9867-751A-7A8B-348123EF4C14}"/>
-              </a:ext>
-            </a:extLst>
-          </p:cNvPr>
-          <p:cNvSpPr>
-            <a:spLocks noGrp="1"/>
-          </p:cNvSpPr>
-          <p:nvPr>
-            <p:ph idx="1"/>
-          </p:nvPr>
-        </p:nvSpPr>
-        <p:spPr/>
-        <p:txBody>
-          <a:bodyPr/>
-          <a:lstStyle/>
-          <a:p>
-            <a:r>
-              <a:rPr lang="de-DE" sz="2800" dirty="0"/>
-              <a:t>Layout/Design überarbeiten.</a:t>
-            </a:r>
-          </a:p>
-          <a:p>
-            <a:r>
-              <a:rPr lang="de-DE" sz="2800" dirty="0"/>
-              <a:t>Anbindung API.</a:t>
-            </a:r>
-          </a:p>
-          <a:p>
-            <a:r>
-              <a:rPr lang="de-DE" dirty="0"/>
-              <a:t>Hosting.</a:t>
-            </a:r>
-            <a:endParaRPr lang="de-DE" sz="2800" dirty="0"/>
-          </a:p>
-          <a:p>
-            <a:r>
-              <a:rPr lang="de-DE" sz="2800" dirty="0"/>
-              <a:t>Küchenansicht optimieren.</a:t>
-            </a:r>
-          </a:p>
-        </p:txBody>
-      </p:sp>
-      <p:sp>
-        <p:nvSpPr>
-          <p:cNvPr id="4" name="Datumsplatzhalter 3">
-            <a:extLst>
-              <a:ext uri="{FF2B5EF4-FFF2-40B4-BE49-F238E27FC236}">
-                <a16:creationId xmlns:a16="http://schemas.microsoft.com/office/drawing/2014/main" id="{305A6BE5-5A63-7D28-E770-729A20618D33}"/>
-              </a:ext>
-            </a:extLst>
-          </p:cNvPr>
-          <p:cNvSpPr>
-            <a:spLocks noGrp="1"/>
-          </p:cNvSpPr>
-          <p:nvPr>
-            <p:ph type="dt" sz="half" idx="10"/>
-          </p:nvPr>
-        </p:nvSpPr>
-        <p:spPr/>
-        <p:txBody>
-          <a:bodyPr/>
-          <a:lstStyle/>
-          <a:p>
-            <a:fld id="{42B45B56-1D88-4042-8DF0-EB6B41B710D3}" type="datetime1">
-              <a:rPr lang="de-DE" noProof="0" smtClean="0"/>
-              <a:t>10.01.2025</a:t>
-            </a:fld>
-            <a:endParaRPr lang="de-DE" noProof="0" dirty="0"/>
-          </a:p>
-        </p:txBody>
-      </p:sp>
-      <p:sp>
-        <p:nvSpPr>
-          <p:cNvPr id="5" name="Foliennummernplatzhalter 4">
-            <a:extLst>
-              <a:ext uri="{FF2B5EF4-FFF2-40B4-BE49-F238E27FC236}">
-                <a16:creationId xmlns:a16="http://schemas.microsoft.com/office/drawing/2014/main" id="{E28ABC24-8900-E378-E502-62B817D571F6}"/>
-              </a:ext>
-            </a:extLst>
-          </p:cNvPr>
-          <p:cNvSpPr>
-            <a:spLocks noGrp="1"/>
-          </p:cNvSpPr>
-          <p:nvPr>
-            <p:ph type="sldNum" sz="quarter" idx="12"/>
-          </p:nvPr>
-        </p:nvSpPr>
-        <p:spPr/>
-        <p:txBody>
-          <a:bodyPr/>
-          <a:lstStyle/>
-          <a:p>
-            <a:fld id="{07CE569E-9B7C-4CB9-AB80-C0841F922CFF}" type="slidenum">
-              <a:rPr lang="de-DE" noProof="0" smtClean="0"/>
-              <a:t>19</a:t>
-            </a:fld>
-            <a:endParaRPr lang="de-DE" noProof="0" dirty="0"/>
-          </a:p>
-        </p:txBody>
-      </p:sp>
-    </p:spTree>
-    <p:extLst>
-      <p:ext uri="{BB962C8B-B14F-4D97-AF65-F5344CB8AC3E}">
-        <p14:creationId xmlns:p14="http://schemas.microsoft.com/office/powerpoint/2010/main" val="3562051256"/>
-      </p:ext>
-    </p:extLst>
-  </p:cSld>
-  <p:clrMapOvr>
-    <a:masterClrMapping/>
-  </p:clrMapOvr>
-</p:sld>
-</file>
-
 <file path=ppt/slides/slide2.xml><?xml version="1.0" encoding="utf-8"?>
 <p:sld xmlns:a="http://schemas.openxmlformats.org/drawingml/2006/main" xmlns:r="http://schemas.openxmlformats.org/officeDocument/2006/relationships" xmlns:p="http://schemas.openxmlformats.org/presentationml/2006/main">
   <p:cSld>
@@ -10843,7 +11002,7 @@
           <a:p>
             <a:fld id="{AE5E781B-AB27-45A9-B2F3-7F70593BE83B}" type="datetime1">
               <a:rPr lang="de-DE" noProof="0" smtClean="0"/>
-              <a:t>10.01.2025</a:t>
+              <a:t>11.01.2025</a:t>
             </a:fld>
             <a:endParaRPr lang="de-DE" noProof="0" dirty="0"/>
           </a:p>
@@ -10913,7 +11072,7 @@
           <p:cNvPr id="2" name="Titel 1">
             <a:extLst>
               <a:ext uri="{FF2B5EF4-FFF2-40B4-BE49-F238E27FC236}">
-                <a16:creationId xmlns:a16="http://schemas.microsoft.com/office/drawing/2014/main" id="{A075FF74-E5D2-1C9F-1DF3-DCD54EF547E9}"/>
+                <a16:creationId xmlns:a16="http://schemas.microsoft.com/office/drawing/2014/main" id="{86AADDDC-CD07-D152-F98D-6AA7ABFFAE93}"/>
               </a:ext>
             </a:extLst>
           </p:cNvPr>
@@ -10931,7 +11090,7 @@
           <a:p>
             <a:r>
               <a:rPr lang="de-DE" noProof="0" dirty="0"/>
-              <a:t>6. Software-Tools</a:t>
+              <a:t>5. Ausblick auf den folgenden Sprint</a:t>
             </a:r>
           </a:p>
         </p:txBody>
@@ -10941,7 +11100,7 @@
           <p:cNvPr id="3" name="Inhaltsplatzhalter 2">
             <a:extLst>
               <a:ext uri="{FF2B5EF4-FFF2-40B4-BE49-F238E27FC236}">
-                <a16:creationId xmlns:a16="http://schemas.microsoft.com/office/drawing/2014/main" id="{E627C203-A1B7-383D-97A8-56B3248A1E83}"/>
+                <a16:creationId xmlns:a16="http://schemas.microsoft.com/office/drawing/2014/main" id="{5E854AF4-9867-751A-7A8B-348123EF4C14}"/>
               </a:ext>
             </a:extLst>
           </p:cNvPr>
@@ -10949,63 +11108,46 @@
             <a:spLocks noGrp="1"/>
           </p:cNvSpPr>
           <p:nvPr>
-            <p:ph sz="half" idx="1"/>
+            <p:ph idx="1"/>
           </p:nvPr>
         </p:nvSpPr>
         <p:spPr/>
         <p:txBody>
-          <a:bodyPr>
-            <a:normAutofit/>
-          </a:bodyPr>
+          <a:bodyPr/>
           <a:lstStyle/>
           <a:p>
             <a:r>
-              <a:rPr lang="de-DE" noProof="0" dirty="0"/>
-              <a:t>Programmiersprache:</a:t>
+              <a:rPr lang="de-DE" sz="2800" dirty="0"/>
+              <a:t>Layout/Design überarbeiten.</a:t>
             </a:r>
           </a:p>
           <a:p>
-            <a:pPr lvl="1"/>
             <a:r>
-              <a:rPr lang="de-DE" noProof="0" dirty="0"/>
-              <a:t>C#</a:t>
+              <a:rPr lang="de-DE" sz="2800" dirty="0"/>
+              <a:t>Anbindung API.</a:t>
             </a:r>
           </a:p>
           <a:p>
             <a:r>
-              <a:rPr lang="de-DE" noProof="0" dirty="0"/>
-              <a:t>Framework:</a:t>
+              <a:rPr lang="de-DE" dirty="0"/>
+              <a:t>Hosting.</a:t>
             </a:r>
-          </a:p>
-          <a:p>
-            <a:pPr lvl="1"/>
+            <a:endParaRPr lang="de-DE" sz="2800" dirty="0"/>
+          </a:p>
+          <a:p>
             <a:r>
-              <a:rPr lang="de-DE" noProof="0" dirty="0" err="1"/>
-              <a:t>Blazor</a:t>
+              <a:rPr lang="de-DE" sz="2800" dirty="0"/>
+              <a:t>Küchenansicht optimieren.</a:t>
             </a:r>
-            <a:endParaRPr lang="de-DE" noProof="0" dirty="0"/>
-          </a:p>
-          <a:p>
-            <a:r>
-              <a:rPr lang="de-DE" noProof="0" dirty="0"/>
-              <a:t>IDE:</a:t>
-            </a:r>
-          </a:p>
-          <a:p>
-            <a:pPr lvl="1"/>
-            <a:r>
-              <a:rPr lang="de-DE" noProof="0" dirty="0"/>
-              <a:t>Visual Studio</a:t>
-            </a:r>
-          </a:p>
-        </p:txBody>
-      </p:sp>
-      <p:sp>
-        <p:nvSpPr>
-          <p:cNvPr id="6" name="Inhaltsplatzhalter 5">
-            <a:extLst>
-              <a:ext uri="{FF2B5EF4-FFF2-40B4-BE49-F238E27FC236}">
-                <a16:creationId xmlns:a16="http://schemas.microsoft.com/office/drawing/2014/main" id="{7185288F-FFC3-A9CF-5040-625A8A619580}"/>
+          </a:p>
+        </p:txBody>
+      </p:sp>
+      <p:sp>
+        <p:nvSpPr>
+          <p:cNvPr id="4" name="Datumsplatzhalter 3">
+            <a:extLst>
+              <a:ext uri="{FF2B5EF4-FFF2-40B4-BE49-F238E27FC236}">
+                <a16:creationId xmlns:a16="http://schemas.microsoft.com/office/drawing/2014/main" id="{305A6BE5-5A63-7D28-E770-729A20618D33}"/>
               </a:ext>
             </a:extLst>
           </p:cNvPr>
@@ -11013,95 +11155,6 @@
             <a:spLocks noGrp="1"/>
           </p:cNvSpPr>
           <p:nvPr>
-            <p:ph sz="half" idx="2"/>
-          </p:nvPr>
-        </p:nvSpPr>
-        <p:spPr/>
-        <p:txBody>
-          <a:bodyPr>
-            <a:normAutofit/>
-          </a:bodyPr>
-          <a:lstStyle/>
-          <a:p>
-            <a:r>
-              <a:rPr lang="de-DE" noProof="0" dirty="0"/>
-              <a:t>Datenbank:</a:t>
-            </a:r>
-          </a:p>
-          <a:p>
-            <a:pPr lvl="1"/>
-            <a:r>
-              <a:rPr lang="de-DE" noProof="0" dirty="0"/>
-              <a:t>SQLite</a:t>
-            </a:r>
-          </a:p>
-          <a:p>
-            <a:r>
-              <a:rPr lang="de-DE" noProof="0" dirty="0"/>
-              <a:t>Weitere Tools:</a:t>
-            </a:r>
-          </a:p>
-          <a:p>
-            <a:pPr lvl="1"/>
-            <a:r>
-              <a:rPr lang="de-DE" noProof="0" dirty="0"/>
-              <a:t>Git (Versionierung)</a:t>
-            </a:r>
-          </a:p>
-          <a:p>
-            <a:pPr lvl="1"/>
-            <a:r>
-              <a:rPr lang="de-DE" noProof="0" dirty="0"/>
-              <a:t>Docker (</a:t>
-            </a:r>
-            <a:r>
-              <a:rPr lang="de-DE" noProof="0" dirty="0" err="1"/>
-              <a:t>Deployment</a:t>
-            </a:r>
-            <a:r>
-              <a:rPr lang="de-DE" noProof="0" dirty="0"/>
-              <a:t>)</a:t>
-            </a:r>
-          </a:p>
-          <a:p>
-            <a:pPr lvl="1"/>
-            <a:r>
-              <a:rPr lang="de-DE" dirty="0"/>
-              <a:t>N</a:t>
-            </a:r>
-            <a:r>
-              <a:rPr lang="de-DE" noProof="0" dirty="0" err="1"/>
-              <a:t>utritionix</a:t>
-            </a:r>
-            <a:r>
-              <a:rPr lang="de-DE" dirty="0"/>
-              <a:t> </a:t>
-            </a:r>
-            <a:r>
-              <a:rPr lang="de-DE" dirty="0" err="1"/>
-              <a:t>Api</a:t>
-            </a:r>
-            <a:r>
-              <a:rPr lang="de-DE" dirty="0"/>
-              <a:t> </a:t>
-            </a:r>
-            <a:endParaRPr lang="de-DE" noProof="0" dirty="0"/>
-          </a:p>
-        </p:txBody>
-      </p:sp>
-      <p:sp>
-        <p:nvSpPr>
-          <p:cNvPr id="4" name="Datumsplatzhalter 3">
-            <a:extLst>
-              <a:ext uri="{FF2B5EF4-FFF2-40B4-BE49-F238E27FC236}">
-                <a16:creationId xmlns:a16="http://schemas.microsoft.com/office/drawing/2014/main" id="{F5985418-FDA1-F1A7-80E8-C25C6BAC324B}"/>
-              </a:ext>
-            </a:extLst>
-          </p:cNvPr>
-          <p:cNvSpPr>
-            <a:spLocks noGrp="1"/>
-          </p:cNvSpPr>
-          <p:nvPr>
             <p:ph type="dt" sz="half" idx="10"/>
           </p:nvPr>
         </p:nvSpPr>
@@ -11112,7 +11165,7 @@
           <a:p>
             <a:fld id="{42B45B56-1D88-4042-8DF0-EB6B41B710D3}" type="datetime1">
               <a:rPr lang="de-DE" noProof="0" smtClean="0"/>
-              <a:t>10.01.2025</a:t>
+              <a:t>11.01.2025</a:t>
             </a:fld>
             <a:endParaRPr lang="de-DE" noProof="0" dirty="0"/>
           </a:p>
@@ -11123,7 +11176,7 @@
           <p:cNvPr id="5" name="Foliennummernplatzhalter 4">
             <a:extLst>
               <a:ext uri="{FF2B5EF4-FFF2-40B4-BE49-F238E27FC236}">
-                <a16:creationId xmlns:a16="http://schemas.microsoft.com/office/drawing/2014/main" id="{6A7A11C6-83C4-FA07-F8C7-F2826F8F22B6}"/>
+                <a16:creationId xmlns:a16="http://schemas.microsoft.com/office/drawing/2014/main" id="{E28ABC24-8900-E378-E502-62B817D571F6}"/>
               </a:ext>
             </a:extLst>
           </p:cNvPr>
@@ -11150,7 +11203,7 @@
     </p:spTree>
     <p:extLst>
       <p:ext uri="{BB962C8B-B14F-4D97-AF65-F5344CB8AC3E}">
-        <p14:creationId xmlns:p14="http://schemas.microsoft.com/office/powerpoint/2010/main" val="1367875186"/>
+        <p14:creationId xmlns:p14="http://schemas.microsoft.com/office/powerpoint/2010/main" val="3562051256"/>
       </p:ext>
     </p:extLst>
   </p:cSld>
@@ -11182,6 +11235,275 @@
           <p:cNvPr id="2" name="Titel 1">
             <a:extLst>
               <a:ext uri="{FF2B5EF4-FFF2-40B4-BE49-F238E27FC236}">
+                <a16:creationId xmlns:a16="http://schemas.microsoft.com/office/drawing/2014/main" id="{A075FF74-E5D2-1C9F-1DF3-DCD54EF547E9}"/>
+              </a:ext>
+            </a:extLst>
+          </p:cNvPr>
+          <p:cNvSpPr>
+            <a:spLocks noGrp="1"/>
+          </p:cNvSpPr>
+          <p:nvPr>
+            <p:ph type="title"/>
+          </p:nvPr>
+        </p:nvSpPr>
+        <p:spPr/>
+        <p:txBody>
+          <a:bodyPr/>
+          <a:lstStyle/>
+          <a:p>
+            <a:r>
+              <a:rPr lang="de-DE" noProof="0" dirty="0"/>
+              <a:t>6. Software-Tools</a:t>
+            </a:r>
+          </a:p>
+        </p:txBody>
+      </p:sp>
+      <p:sp>
+        <p:nvSpPr>
+          <p:cNvPr id="3" name="Inhaltsplatzhalter 2">
+            <a:extLst>
+              <a:ext uri="{FF2B5EF4-FFF2-40B4-BE49-F238E27FC236}">
+                <a16:creationId xmlns:a16="http://schemas.microsoft.com/office/drawing/2014/main" id="{E627C203-A1B7-383D-97A8-56B3248A1E83}"/>
+              </a:ext>
+            </a:extLst>
+          </p:cNvPr>
+          <p:cNvSpPr>
+            <a:spLocks noGrp="1"/>
+          </p:cNvSpPr>
+          <p:nvPr>
+            <p:ph sz="half" idx="1"/>
+          </p:nvPr>
+        </p:nvSpPr>
+        <p:spPr/>
+        <p:txBody>
+          <a:bodyPr>
+            <a:normAutofit/>
+          </a:bodyPr>
+          <a:lstStyle/>
+          <a:p>
+            <a:r>
+              <a:rPr lang="de-DE" noProof="0" dirty="0"/>
+              <a:t>Programmiersprache:</a:t>
+            </a:r>
+          </a:p>
+          <a:p>
+            <a:pPr lvl="1"/>
+            <a:r>
+              <a:rPr lang="de-DE" noProof="0" dirty="0"/>
+              <a:t>C#</a:t>
+            </a:r>
+          </a:p>
+          <a:p>
+            <a:r>
+              <a:rPr lang="de-DE" noProof="0" dirty="0"/>
+              <a:t>Framework:</a:t>
+            </a:r>
+          </a:p>
+          <a:p>
+            <a:pPr lvl="1"/>
+            <a:r>
+              <a:rPr lang="de-DE" noProof="0" dirty="0" err="1"/>
+              <a:t>Blazor</a:t>
+            </a:r>
+            <a:endParaRPr lang="de-DE" noProof="0" dirty="0"/>
+          </a:p>
+          <a:p>
+            <a:r>
+              <a:rPr lang="de-DE" noProof="0" dirty="0"/>
+              <a:t>IDE:</a:t>
+            </a:r>
+          </a:p>
+          <a:p>
+            <a:pPr lvl="1"/>
+            <a:r>
+              <a:rPr lang="de-DE" noProof="0" dirty="0"/>
+              <a:t>Visual Studio</a:t>
+            </a:r>
+          </a:p>
+        </p:txBody>
+      </p:sp>
+      <p:sp>
+        <p:nvSpPr>
+          <p:cNvPr id="6" name="Inhaltsplatzhalter 5">
+            <a:extLst>
+              <a:ext uri="{FF2B5EF4-FFF2-40B4-BE49-F238E27FC236}">
+                <a16:creationId xmlns:a16="http://schemas.microsoft.com/office/drawing/2014/main" id="{7185288F-FFC3-A9CF-5040-625A8A619580}"/>
+              </a:ext>
+            </a:extLst>
+          </p:cNvPr>
+          <p:cNvSpPr>
+            <a:spLocks noGrp="1"/>
+          </p:cNvSpPr>
+          <p:nvPr>
+            <p:ph sz="half" idx="2"/>
+          </p:nvPr>
+        </p:nvSpPr>
+        <p:spPr/>
+        <p:txBody>
+          <a:bodyPr>
+            <a:normAutofit/>
+          </a:bodyPr>
+          <a:lstStyle/>
+          <a:p>
+            <a:r>
+              <a:rPr lang="de-DE" noProof="0" dirty="0"/>
+              <a:t>Datenbank:</a:t>
+            </a:r>
+          </a:p>
+          <a:p>
+            <a:pPr lvl="1"/>
+            <a:r>
+              <a:rPr lang="de-DE" noProof="0" dirty="0"/>
+              <a:t>SQLite</a:t>
+            </a:r>
+          </a:p>
+          <a:p>
+            <a:r>
+              <a:rPr lang="de-DE" noProof="0" dirty="0"/>
+              <a:t>Weitere Tools:</a:t>
+            </a:r>
+          </a:p>
+          <a:p>
+            <a:pPr lvl="1"/>
+            <a:r>
+              <a:rPr lang="de-DE" noProof="0" dirty="0"/>
+              <a:t>Git (Versionierung)</a:t>
+            </a:r>
+          </a:p>
+          <a:p>
+            <a:pPr lvl="1"/>
+            <a:r>
+              <a:rPr lang="de-DE" noProof="0" dirty="0"/>
+              <a:t>Docker (</a:t>
+            </a:r>
+            <a:r>
+              <a:rPr lang="de-DE" noProof="0" dirty="0" err="1"/>
+              <a:t>Deployment</a:t>
+            </a:r>
+            <a:r>
+              <a:rPr lang="de-DE" noProof="0" dirty="0"/>
+              <a:t>)</a:t>
+            </a:r>
+          </a:p>
+          <a:p>
+            <a:pPr lvl="1"/>
+            <a:r>
+              <a:rPr lang="de-DE" dirty="0"/>
+              <a:t>N</a:t>
+            </a:r>
+            <a:r>
+              <a:rPr lang="de-DE" noProof="0" dirty="0" err="1"/>
+              <a:t>utritionix</a:t>
+            </a:r>
+            <a:r>
+              <a:rPr lang="de-DE" dirty="0"/>
+              <a:t> </a:t>
+            </a:r>
+            <a:r>
+              <a:rPr lang="de-DE" dirty="0" err="1"/>
+              <a:t>Api</a:t>
+            </a:r>
+            <a:r>
+              <a:rPr lang="de-DE" dirty="0"/>
+              <a:t> </a:t>
+            </a:r>
+            <a:endParaRPr lang="de-DE" noProof="0" dirty="0"/>
+          </a:p>
+        </p:txBody>
+      </p:sp>
+      <p:sp>
+        <p:nvSpPr>
+          <p:cNvPr id="4" name="Datumsplatzhalter 3">
+            <a:extLst>
+              <a:ext uri="{FF2B5EF4-FFF2-40B4-BE49-F238E27FC236}">
+                <a16:creationId xmlns:a16="http://schemas.microsoft.com/office/drawing/2014/main" id="{F5985418-FDA1-F1A7-80E8-C25C6BAC324B}"/>
+              </a:ext>
+            </a:extLst>
+          </p:cNvPr>
+          <p:cNvSpPr>
+            <a:spLocks noGrp="1"/>
+          </p:cNvSpPr>
+          <p:nvPr>
+            <p:ph type="dt" sz="half" idx="10"/>
+          </p:nvPr>
+        </p:nvSpPr>
+        <p:spPr/>
+        <p:txBody>
+          <a:bodyPr/>
+          <a:lstStyle/>
+          <a:p>
+            <a:fld id="{42B45B56-1D88-4042-8DF0-EB6B41B710D3}" type="datetime1">
+              <a:rPr lang="de-DE" noProof="0" smtClean="0"/>
+              <a:t>11.01.2025</a:t>
+            </a:fld>
+            <a:endParaRPr lang="de-DE" noProof="0" dirty="0"/>
+          </a:p>
+        </p:txBody>
+      </p:sp>
+      <p:sp>
+        <p:nvSpPr>
+          <p:cNvPr id="5" name="Foliennummernplatzhalter 4">
+            <a:extLst>
+              <a:ext uri="{FF2B5EF4-FFF2-40B4-BE49-F238E27FC236}">
+                <a16:creationId xmlns:a16="http://schemas.microsoft.com/office/drawing/2014/main" id="{6A7A11C6-83C4-FA07-F8C7-F2826F8F22B6}"/>
+              </a:ext>
+            </a:extLst>
+          </p:cNvPr>
+          <p:cNvSpPr>
+            <a:spLocks noGrp="1"/>
+          </p:cNvSpPr>
+          <p:nvPr>
+            <p:ph type="sldNum" sz="quarter" idx="12"/>
+          </p:nvPr>
+        </p:nvSpPr>
+        <p:spPr/>
+        <p:txBody>
+          <a:bodyPr/>
+          <a:lstStyle/>
+          <a:p>
+            <a:fld id="{07CE569E-9B7C-4CB9-AB80-C0841F922CFF}" type="slidenum">
+              <a:rPr lang="de-DE" noProof="0" smtClean="0"/>
+              <a:t>21</a:t>
+            </a:fld>
+            <a:endParaRPr lang="de-DE" noProof="0" dirty="0"/>
+          </a:p>
+        </p:txBody>
+      </p:sp>
+    </p:spTree>
+    <p:extLst>
+      <p:ext uri="{BB962C8B-B14F-4D97-AF65-F5344CB8AC3E}">
+        <p14:creationId xmlns:p14="http://schemas.microsoft.com/office/powerpoint/2010/main" val="1367875186"/>
+      </p:ext>
+    </p:extLst>
+  </p:cSld>
+  <p:clrMapOvr>
+    <a:masterClrMapping/>
+  </p:clrMapOvr>
+</p:sld>
+</file>
+
+<file path=ppt/slides/slide22.xml><?xml version="1.0" encoding="utf-8"?>
+<p:sld xmlns:a="http://schemas.openxmlformats.org/drawingml/2006/main" xmlns:r="http://schemas.openxmlformats.org/officeDocument/2006/relationships" xmlns:p="http://schemas.openxmlformats.org/presentationml/2006/main">
+  <p:cSld>
+    <p:spTree>
+      <p:nvGrpSpPr>
+        <p:cNvPr id="1" name=""/>
+        <p:cNvGrpSpPr/>
+        <p:nvPr/>
+      </p:nvGrpSpPr>
+      <p:grpSpPr>
+        <a:xfrm>
+          <a:off x="0" y="0"/>
+          <a:ext cx="0" cy="0"/>
+          <a:chOff x="0" y="0"/>
+          <a:chExt cx="0" cy="0"/>
+        </a:xfrm>
+      </p:grpSpPr>
+      <p:sp>
+        <p:nvSpPr>
+          <p:cNvPr id="2" name="Titel 1">
+            <a:extLst>
+              <a:ext uri="{FF2B5EF4-FFF2-40B4-BE49-F238E27FC236}">
                 <a16:creationId xmlns:a16="http://schemas.microsoft.com/office/drawing/2014/main" id="{32CCE440-A4CB-26A7-5B3F-3F9D4B878A95}"/>
               </a:ext>
             </a:extLst>
@@ -11371,7 +11693,7 @@
           <a:p>
             <a:fld id="{42B45B56-1D88-4042-8DF0-EB6B41B710D3}" type="datetime1">
               <a:rPr lang="de-DE" noProof="0" smtClean="0"/>
-              <a:t>10.01.2025</a:t>
+              <a:t>11.01.2025</a:t>
             </a:fld>
             <a:endParaRPr lang="de-DE" noProof="0" dirty="0"/>
           </a:p>
@@ -11400,7 +11722,7 @@
           <a:p>
             <a:fld id="{07CE569E-9B7C-4CB9-AB80-C0841F922CFF}" type="slidenum">
               <a:rPr lang="de-DE" noProof="0" smtClean="0"/>
-              <a:t>21</a:t>
+              <a:t>22</a:t>
             </a:fld>
             <a:endParaRPr lang="de-DE" noProof="0" dirty="0"/>
           </a:p>
@@ -11419,7 +11741,7 @@
 </p:sld>
 </file>
 
-<file path=ppt/slides/slide22.xml><?xml version="1.0" encoding="utf-8"?>
+<file path=ppt/slides/slide23.xml><?xml version="1.0" encoding="utf-8"?>
 <p:sld xmlns:a="http://schemas.openxmlformats.org/drawingml/2006/main" xmlns:r="http://schemas.openxmlformats.org/officeDocument/2006/relationships" xmlns:p="http://schemas.openxmlformats.org/presentationml/2006/main">
   <p:cSld>
     <p:bg>
@@ -12300,7 +12622,7 @@
                   <a:spcPts val="600"/>
                 </a:spcAft>
               </a:pPr>
-              <a:t>1/10/2025</a:t>
+              <a:t>1/11/2025</a:t>
             </a:fld>
             <a:endParaRPr lang="en-US" noProof="0">
               <a:solidFill>
@@ -12775,7 +13097,7 @@
                   <a:spcPts val="600"/>
                 </a:spcAft>
               </a:pPr>
-              <a:t>22</a:t>
+              <a:t>23</a:t>
             </a:fld>
             <a:endParaRPr lang="en-US" noProof="0">
               <a:solidFill>
@@ -12868,7 +13190,7 @@
           <a:p>
             <a:fld id="{42B45B56-1D88-4042-8DF0-EB6B41B710D3}" type="datetime1">
               <a:rPr lang="de-DE" noProof="0" smtClean="0"/>
-              <a:t>10.01.2025</a:t>
+              <a:t>11.01.2025</a:t>
             </a:fld>
             <a:endParaRPr lang="de-DE" noProof="0" dirty="0"/>
           </a:p>
@@ -12961,7 +13283,7 @@
           <a:p>
             <a:fld id="{42B45B56-1D88-4042-8DF0-EB6B41B710D3}" type="datetime1">
               <a:rPr lang="de-DE" noProof="0" smtClean="0"/>
-              <a:t>10.01.2025</a:t>
+              <a:t>11.01.2025</a:t>
             </a:fld>
             <a:endParaRPr lang="de-DE" noProof="0" dirty="0"/>
           </a:p>
@@ -13756,7 +14078,7 @@
           <a:p>
             <a:fld id="{75919FF8-1369-4F22-8739-0971D22D8076}" type="datetime1">
               <a:rPr lang="de-DE" smtClean="0"/>
-              <a:t>10.01.2025</a:t>
+              <a:t>11.01.2025</a:t>
             </a:fld>
             <a:endParaRPr lang="en-US"/>
           </a:p>
@@ -15652,14 +15974,14 @@
           <p:nvPr>
             <p:extLst>
               <p:ext uri="{D42A27DB-BD31-4B8C-83A1-F6EECF244321}">
-                <p14:modId xmlns:p14="http://schemas.microsoft.com/office/powerpoint/2010/main" val="3084652216"/>
+                <p14:modId xmlns:p14="http://schemas.microsoft.com/office/powerpoint/2010/main" val="1491603307"/>
               </p:ext>
             </p:extLst>
           </p:nvPr>
         </p:nvGraphicFramePr>
         <p:xfrm>
-          <a:off x="454946" y="5765006"/>
-          <a:ext cx="1393870" cy="383072"/>
+          <a:off x="514350" y="5765006"/>
+          <a:ext cx="1334466" cy="383072"/>
         </p:xfrm>
         <a:graphic>
           <a:graphicData uri="http://schemas.openxmlformats.org/drawingml/2006/table">
@@ -15668,7 +15990,7 @@
                 <a:tableStyleId>{5940675A-B579-460E-94D1-54222C63F5DA}</a:tableStyleId>
               </a:tblPr>
               <a:tblGrid>
-                <a:gridCol w="1393870">
+                <a:gridCol w="1334466">
                   <a:extLst>
                     <a:ext uri="{9D8B030D-6E8A-4147-A177-3AD203B41FA5}">
                       <a16:colId xmlns:a16="http://schemas.microsoft.com/office/drawing/2014/main" val="2995477702"/>
@@ -15798,7 +16120,7 @@
           <a:p>
             <a:fld id="{75919FF8-1369-4F22-8739-0971D22D8076}" type="datetime1">
               <a:rPr lang="de-DE" smtClean="0"/>
-              <a:t>10.01.2025</a:t>
+              <a:t>11.01.2025</a:t>
             </a:fld>
             <a:endParaRPr lang="en-US"/>
           </a:p>
@@ -16202,7 +16524,7 @@
           <a:p>
             <a:fld id="{75919FF8-1369-4F22-8739-0971D22D8076}" type="datetime1">
               <a:rPr lang="de-DE" smtClean="0"/>
-              <a:t>10.01.2025</a:t>
+              <a:t>11.01.2025</a:t>
             </a:fld>
             <a:endParaRPr lang="en-US"/>
           </a:p>
@@ -16292,7 +16614,7 @@
           <p:nvPr>
             <p:extLst>
               <p:ext uri="{D42A27DB-BD31-4B8C-83A1-F6EECF244321}">
-                <p14:modId xmlns:p14="http://schemas.microsoft.com/office/powerpoint/2010/main" val="1849357303"/>
+                <p14:modId xmlns:p14="http://schemas.microsoft.com/office/powerpoint/2010/main" val="804270518"/>
               </p:ext>
             </p:extLst>
           </p:nvPr>
@@ -16473,7 +16795,7 @@
                             </a:schemeClr>
                           </a:solidFill>
                         </a:rPr>
-                        <a:t>14</a:t>
+                        <a:t>15</a:t>
                       </a:r>
                       <a:endParaRPr lang="de-DE" b="0" dirty="0">
                         <a:solidFill>
@@ -16512,14 +16834,14 @@
           <p:nvPr>
             <p:extLst>
               <p:ext uri="{D42A27DB-BD31-4B8C-83A1-F6EECF244321}">
-                <p14:modId xmlns:p14="http://schemas.microsoft.com/office/powerpoint/2010/main" val="2983548835"/>
+                <p14:modId xmlns:p14="http://schemas.microsoft.com/office/powerpoint/2010/main" val="1851181335"/>
               </p:ext>
             </p:extLst>
           </p:nvPr>
         </p:nvGraphicFramePr>
         <p:xfrm>
           <a:off x="3365500" y="3838575"/>
-          <a:ext cx="3721100" cy="1483360"/>
+          <a:ext cx="3721100" cy="1112520"/>
         </p:xfrm>
         <a:graphic>
           <a:graphicData uri="http://schemas.openxmlformats.org/drawingml/2006/table">
@@ -16587,27 +16909,6 @@
                 <a:extLst>
                   <a:ext uri="{0D108BD9-81ED-4DB2-BD59-A6C34878D82A}">
                     <a16:rowId xmlns:a16="http://schemas.microsoft.com/office/drawing/2014/main" val="4038577521"/>
-                  </a:ext>
-                </a:extLst>
-              </a:tr>
-              <a:tr h="370840">
-                <a:tc>
-                  <a:txBody>
-                    <a:bodyPr/>
-                    <a:lstStyle/>
-                    <a:p>
-                      <a:r>
-                        <a:rPr lang="en-US" dirty="0"/>
-                        <a:t>API</a:t>
-                      </a:r>
-                      <a:endParaRPr lang="de-DE" dirty="0"/>
-                    </a:p>
-                  </a:txBody>
-                  <a:tcPr/>
-                </a:tc>
-                <a:extLst>
-                  <a:ext uri="{0D108BD9-81ED-4DB2-BD59-A6C34878D82A}">
-                    <a16:rowId xmlns:a16="http://schemas.microsoft.com/office/drawing/2014/main" val="2489780308"/>
                   </a:ext>
                 </a:extLst>
               </a:tr>
@@ -16662,7 +16963,13 @@
   <p:cSld>
     <p:spTree>
       <p:nvGrpSpPr>
-        <p:cNvPr id="1" name=""/>
+        <p:cNvPr id="1" name="">
+          <a:extLst>
+            <a:ext uri="{FF2B5EF4-FFF2-40B4-BE49-F238E27FC236}">
+              <a16:creationId xmlns:a16="http://schemas.microsoft.com/office/drawing/2014/main" id="{50A40806-F29C-78D2-A232-48184C108CCE}"/>
+            </a:ext>
+          </a:extLst>
+        </p:cNvPr>
         <p:cNvGrpSpPr/>
         <p:nvPr/>
       </p:nvGrpSpPr>
@@ -16679,7 +16986,7 @@
           <p:cNvPr id="2" name="Titel 1">
             <a:extLst>
               <a:ext uri="{FF2B5EF4-FFF2-40B4-BE49-F238E27FC236}">
-                <a16:creationId xmlns:a16="http://schemas.microsoft.com/office/drawing/2014/main" id="{651425FB-1700-5FE9-1141-F138831F1084}"/>
+                <a16:creationId xmlns:a16="http://schemas.microsoft.com/office/drawing/2014/main" id="{20DD1A6B-11AA-DEC0-13BF-B7997FDC547F}"/>
               </a:ext>
             </a:extLst>
           </p:cNvPr>
@@ -16695,16 +17002,20 @@
           <a:bodyPr/>
           <a:lstStyle/>
           <a:p>
-            <a:endParaRPr lang="de-DE"/>
-          </a:p>
-        </p:txBody>
-      </p:sp>
-      <p:sp>
-        <p:nvSpPr>
-          <p:cNvPr id="3" name="Textplatzhalter 2">
-            <a:extLst>
-              <a:ext uri="{FF2B5EF4-FFF2-40B4-BE49-F238E27FC236}">
-                <a16:creationId xmlns:a16="http://schemas.microsoft.com/office/drawing/2014/main" id="{BDE796BA-3961-EA71-B5E9-85DB77328D3C}"/>
+            <a:r>
+              <a:rPr lang="de-DE" noProof="0" dirty="0"/>
+              <a:t>3. Retrospektive</a:t>
+            </a:r>
+            <a:endParaRPr lang="de-DE" dirty="0"/>
+          </a:p>
+        </p:txBody>
+      </p:sp>
+      <p:sp>
+        <p:nvSpPr>
+          <p:cNvPr id="7" name="Datumsplatzhalter 6">
+            <a:extLst>
+              <a:ext uri="{FF2B5EF4-FFF2-40B4-BE49-F238E27FC236}">
+                <a16:creationId xmlns:a16="http://schemas.microsoft.com/office/drawing/2014/main" id="{F51758B9-CAC7-879F-4157-6FE2100164B0}"/>
               </a:ext>
             </a:extLst>
           </p:cNvPr>
@@ -16712,7 +17023,7 @@
             <a:spLocks noGrp="1"/>
           </p:cNvSpPr>
           <p:nvPr>
-            <p:ph type="body" idx="1"/>
+            <p:ph type="dt" sz="half" idx="10"/>
           </p:nvPr>
         </p:nvSpPr>
         <p:spPr/>
@@ -16720,109 +17031,9 @@
           <a:bodyPr/>
           <a:lstStyle/>
           <a:p>
-            <a:endParaRPr lang="de-DE"/>
-          </a:p>
-        </p:txBody>
-      </p:sp>
-      <p:sp>
-        <p:nvSpPr>
-          <p:cNvPr id="4" name="Inhaltsplatzhalter 3">
-            <a:extLst>
-              <a:ext uri="{FF2B5EF4-FFF2-40B4-BE49-F238E27FC236}">
-                <a16:creationId xmlns:a16="http://schemas.microsoft.com/office/drawing/2014/main" id="{78371710-CFF8-A180-2B90-F3860EA9C4A2}"/>
-              </a:ext>
-            </a:extLst>
-          </p:cNvPr>
-          <p:cNvSpPr>
-            <a:spLocks noGrp="1"/>
-          </p:cNvSpPr>
-          <p:nvPr>
-            <p:ph sz="half" idx="2"/>
-          </p:nvPr>
-        </p:nvSpPr>
-        <p:spPr/>
-        <p:txBody>
-          <a:bodyPr/>
-          <a:lstStyle/>
-          <a:p>
-            <a:endParaRPr lang="de-DE"/>
-          </a:p>
-        </p:txBody>
-      </p:sp>
-      <p:sp>
-        <p:nvSpPr>
-          <p:cNvPr id="5" name="Textplatzhalter 4">
-            <a:extLst>
-              <a:ext uri="{FF2B5EF4-FFF2-40B4-BE49-F238E27FC236}">
-                <a16:creationId xmlns:a16="http://schemas.microsoft.com/office/drawing/2014/main" id="{34B820E1-A5F8-8DAD-4358-C345FDE5D7FB}"/>
-              </a:ext>
-            </a:extLst>
-          </p:cNvPr>
-          <p:cNvSpPr>
-            <a:spLocks noGrp="1"/>
-          </p:cNvSpPr>
-          <p:nvPr>
-            <p:ph type="body" sz="quarter" idx="3"/>
-          </p:nvPr>
-        </p:nvSpPr>
-        <p:spPr/>
-        <p:txBody>
-          <a:bodyPr/>
-          <a:lstStyle/>
-          <a:p>
-            <a:endParaRPr lang="de-DE"/>
-          </a:p>
-        </p:txBody>
-      </p:sp>
-      <p:sp>
-        <p:nvSpPr>
-          <p:cNvPr id="6" name="Inhaltsplatzhalter 5">
-            <a:extLst>
-              <a:ext uri="{FF2B5EF4-FFF2-40B4-BE49-F238E27FC236}">
-                <a16:creationId xmlns:a16="http://schemas.microsoft.com/office/drawing/2014/main" id="{EAF19417-CC90-0C0E-185E-3553371EB672}"/>
-              </a:ext>
-            </a:extLst>
-          </p:cNvPr>
-          <p:cNvSpPr>
-            <a:spLocks noGrp="1"/>
-          </p:cNvSpPr>
-          <p:nvPr>
-            <p:ph sz="quarter" idx="4"/>
-          </p:nvPr>
-        </p:nvSpPr>
-        <p:spPr/>
-        <p:txBody>
-          <a:bodyPr/>
-          <a:lstStyle/>
-          <a:p>
-            <a:endParaRPr lang="de-DE"/>
-          </a:p>
-        </p:txBody>
-      </p:sp>
-      <p:sp>
-        <p:nvSpPr>
-          <p:cNvPr id="7" name="Datumsplatzhalter 6">
-            <a:extLst>
-              <a:ext uri="{FF2B5EF4-FFF2-40B4-BE49-F238E27FC236}">
-                <a16:creationId xmlns:a16="http://schemas.microsoft.com/office/drawing/2014/main" id="{E60F87F6-0583-6FAD-E3FE-3F92D0E4D9A1}"/>
-              </a:ext>
-            </a:extLst>
-          </p:cNvPr>
-          <p:cNvSpPr>
-            <a:spLocks noGrp="1"/>
-          </p:cNvSpPr>
-          <p:nvPr>
-            <p:ph type="dt" sz="half" idx="10"/>
-          </p:nvPr>
-        </p:nvSpPr>
-        <p:spPr/>
-        <p:txBody>
-          <a:bodyPr/>
-          <a:lstStyle/>
-          <a:p>
             <a:fld id="{75919FF8-1369-4F22-8739-0971D22D8076}" type="datetime1">
               <a:rPr lang="de-DE" smtClean="0"/>
-              <a:t>10.01.2025</a:t>
+              <a:t>11.01.2025</a:t>
             </a:fld>
             <a:endParaRPr lang="en-US"/>
           </a:p>
@@ -16833,7 +17044,7 @@
           <p:cNvPr id="8" name="Foliennummernplatzhalter 7">
             <a:extLst>
               <a:ext uri="{FF2B5EF4-FFF2-40B4-BE49-F238E27FC236}">
-                <a16:creationId xmlns:a16="http://schemas.microsoft.com/office/drawing/2014/main" id="{BB911ABD-38C2-6694-E95F-5E7DF61FE62A}"/>
+                <a16:creationId xmlns:a16="http://schemas.microsoft.com/office/drawing/2014/main" id="{73108FAB-78BF-7B2A-532B-ED09870EAE22}"/>
               </a:ext>
             </a:extLst>
           </p:cNvPr>
@@ -16857,10 +17068,217 @@
           </a:p>
         </p:txBody>
       </p:sp>
+      <p:sp>
+        <p:nvSpPr>
+          <p:cNvPr id="18" name="Textfeld 17">
+            <a:extLst>
+              <a:ext uri="{FF2B5EF4-FFF2-40B4-BE49-F238E27FC236}">
+                <a16:creationId xmlns:a16="http://schemas.microsoft.com/office/drawing/2014/main" id="{AE3803A9-AC88-381C-29E0-E59C1F006982}"/>
+              </a:ext>
+            </a:extLst>
+          </p:cNvPr>
+          <p:cNvSpPr txBox="1"/>
+          <p:nvPr/>
+        </p:nvSpPr>
+        <p:spPr>
+          <a:xfrm>
+            <a:off x="1225550" y="1847850"/>
+            <a:ext cx="5314950" cy="523220"/>
+          </a:xfrm>
+          <a:prstGeom prst="rect">
+            <a:avLst/>
+          </a:prstGeom>
+          <a:noFill/>
+        </p:spPr>
+        <p:txBody>
+          <a:bodyPr wrap="square" rtlCol="0">
+            <a:spAutoFit/>
+          </a:bodyPr>
+          <a:lstStyle/>
+          <a:p>
+            <a:r>
+              <a:rPr lang="de-DE" sz="2800" dirty="0"/>
+              <a:t>2</a:t>
+            </a:r>
+            <a:r>
+              <a:rPr lang="de-DE" sz="2800" noProof="0" dirty="0"/>
+              <a:t>. Bewertung</a:t>
+            </a:r>
+            <a:endParaRPr lang="de-DE" sz="2800" dirty="0"/>
+          </a:p>
+        </p:txBody>
+      </p:sp>
+      <p:graphicFrame>
+        <p:nvGraphicFramePr>
+          <p:cNvPr id="3" name="Tabelle 2">
+            <a:extLst>
+              <a:ext uri="{FF2B5EF4-FFF2-40B4-BE49-F238E27FC236}">
+                <a16:creationId xmlns:a16="http://schemas.microsoft.com/office/drawing/2014/main" id="{6E9F4C02-326A-9E80-81DA-A1572728ECCF}"/>
+              </a:ext>
+            </a:extLst>
+          </p:cNvPr>
+          <p:cNvGraphicFramePr>
+            <a:graphicFrameLocks noGrp="1"/>
+          </p:cNvGraphicFramePr>
+          <p:nvPr>
+            <p:extLst>
+              <p:ext uri="{D42A27DB-BD31-4B8C-83A1-F6EECF244321}">
+                <p14:modId xmlns:p14="http://schemas.microsoft.com/office/powerpoint/2010/main" val="2299923327"/>
+              </p:ext>
+            </p:extLst>
+          </p:nvPr>
+        </p:nvGraphicFramePr>
+        <p:xfrm>
+          <a:off x="2019300" y="2539355"/>
+          <a:ext cx="6400800" cy="1483360"/>
+        </p:xfrm>
+        <a:graphic>
+          <a:graphicData uri="http://schemas.openxmlformats.org/drawingml/2006/table">
+            <a:tbl>
+              <a:tblPr firstRow="1" bandRow="1">
+                <a:tableStyleId>{5C22544A-7EE6-4342-B048-85BDC9FD1C3A}</a:tableStyleId>
+              </a:tblPr>
+              <a:tblGrid>
+                <a:gridCol w="6400800">
+                  <a:extLst>
+                    <a:ext uri="{9D8B030D-6E8A-4147-A177-3AD203B41FA5}">
+                      <a16:colId xmlns:a16="http://schemas.microsoft.com/office/drawing/2014/main" val="2468422788"/>
+                    </a:ext>
+                  </a:extLst>
+                </a:gridCol>
+              </a:tblGrid>
+              <a:tr h="370840">
+                <a:tc>
+                  <a:txBody>
+                    <a:bodyPr/>
+                    <a:lstStyle/>
+                    <a:p>
+                      <a:r>
+                        <a:rPr lang="en-US" dirty="0" err="1"/>
+                        <a:t>Hürden</a:t>
+                      </a:r>
+                      <a:endParaRPr lang="de-DE" dirty="0"/>
+                    </a:p>
+                  </a:txBody>
+                  <a:tcPr/>
+                </a:tc>
+                <a:extLst>
+                  <a:ext uri="{0D108BD9-81ED-4DB2-BD59-A6C34878D82A}">
+                    <a16:rowId xmlns:a16="http://schemas.microsoft.com/office/drawing/2014/main" val="2872232138"/>
+                  </a:ext>
+                </a:extLst>
+              </a:tr>
+              <a:tr h="370840">
+                <a:tc>
+                  <a:txBody>
+                    <a:bodyPr/>
+                    <a:lstStyle/>
+                    <a:p>
+                      <a:pPr marL="285750" indent="-285750">
+                        <a:buFont typeface="Arial" panose="020B0604020202020204" pitchFamily="34" charset="0"/>
+                        <a:buChar char="•"/>
+                      </a:pPr>
+                      <a:r>
+                        <a:rPr lang="en-US" dirty="0" err="1"/>
+                        <a:t>Krankenstand</a:t>
+                      </a:r>
+                      <a:endParaRPr lang="de-DE" dirty="0"/>
+                    </a:p>
+                  </a:txBody>
+                  <a:tcPr/>
+                </a:tc>
+                <a:extLst>
+                  <a:ext uri="{0D108BD9-81ED-4DB2-BD59-A6C34878D82A}">
+                    <a16:rowId xmlns:a16="http://schemas.microsoft.com/office/drawing/2014/main" val="3022136991"/>
+                  </a:ext>
+                </a:extLst>
+              </a:tr>
+              <a:tr h="370840">
+                <a:tc>
+                  <a:txBody>
+                    <a:bodyPr/>
+                    <a:lstStyle/>
+                    <a:p>
+                      <a:pPr marL="285750" indent="-285750">
+                        <a:buFont typeface="Arial" panose="020B0604020202020204" pitchFamily="34" charset="0"/>
+                        <a:buChar char="•"/>
+                      </a:pPr>
+                      <a:r>
+                        <a:rPr lang="en-US" dirty="0" err="1"/>
+                        <a:t>Erweiterung</a:t>
+                      </a:r>
+                      <a:r>
+                        <a:rPr lang="en-US" dirty="0"/>
+                        <a:t> von </a:t>
+                      </a:r>
+                      <a:r>
+                        <a:rPr lang="en-US" dirty="0" err="1"/>
+                        <a:t>Komponenten</a:t>
+                      </a:r>
+                      <a:r>
+                        <a:rPr lang="en-US" dirty="0"/>
+                        <a:t> in </a:t>
+                      </a:r>
+                      <a:r>
+                        <a:rPr lang="en-US" dirty="0" err="1"/>
+                        <a:t>neuen</a:t>
+                      </a:r>
+                      <a:r>
+                        <a:rPr lang="en-US" dirty="0"/>
+                        <a:t> Sprints</a:t>
+                      </a:r>
+                      <a:endParaRPr lang="de-DE" dirty="0"/>
+                    </a:p>
+                  </a:txBody>
+                  <a:tcPr/>
+                </a:tc>
+                <a:extLst>
+                  <a:ext uri="{0D108BD9-81ED-4DB2-BD59-A6C34878D82A}">
+                    <a16:rowId xmlns:a16="http://schemas.microsoft.com/office/drawing/2014/main" val="697194822"/>
+                  </a:ext>
+                </a:extLst>
+              </a:tr>
+              <a:tr h="370840">
+                <a:tc>
+                  <a:txBody>
+                    <a:bodyPr/>
+                    <a:lstStyle/>
+                    <a:p>
+                      <a:pPr marL="285750" indent="-285750">
+                        <a:buFont typeface="Arial" panose="020B0604020202020204" pitchFamily="34" charset="0"/>
+                        <a:buChar char="•"/>
+                      </a:pPr>
+                      <a:r>
+                        <a:rPr lang="en-US" dirty="0" err="1"/>
+                        <a:t>Unerwartete</a:t>
+                      </a:r>
+                      <a:r>
+                        <a:rPr lang="en-US" dirty="0"/>
+                        <a:t> </a:t>
+                      </a:r>
+                      <a:r>
+                        <a:rPr lang="en-US" dirty="0" err="1"/>
+                        <a:t>Anforderung</a:t>
+                      </a:r>
+                      <a:endParaRPr lang="de-DE" dirty="0"/>
+                    </a:p>
+                  </a:txBody>
+                  <a:tcPr/>
+                </a:tc>
+                <a:extLst>
+                  <a:ext uri="{0D108BD9-81ED-4DB2-BD59-A6C34878D82A}">
+                    <a16:rowId xmlns:a16="http://schemas.microsoft.com/office/drawing/2014/main" val="2852342383"/>
+                  </a:ext>
+                </a:extLst>
+              </a:tr>
+            </a:tbl>
+          </a:graphicData>
+        </a:graphic>
+      </p:graphicFrame>
     </p:spTree>
     <p:extLst>
       <p:ext uri="{BB962C8B-B14F-4D97-AF65-F5344CB8AC3E}">
-        <p14:creationId xmlns:p14="http://schemas.microsoft.com/office/powerpoint/2010/main" val="1905043144"/>
+        <p14:creationId xmlns:p14="http://schemas.microsoft.com/office/powerpoint/2010/main" val="2707545520"/>
       </p:ext>
     </p:extLst>
   </p:cSld>
@@ -16892,7 +17310,7 @@
           <p:cNvPr id="2" name="Titel 1">
             <a:extLst>
               <a:ext uri="{FF2B5EF4-FFF2-40B4-BE49-F238E27FC236}">
-                <a16:creationId xmlns:a16="http://schemas.microsoft.com/office/drawing/2014/main" id="{7FAD6978-BE78-49E1-01F7-D1CD7B29209B}"/>
+                <a16:creationId xmlns:a16="http://schemas.microsoft.com/office/drawing/2014/main" id="{651425FB-1700-5FE9-1141-F138831F1084}"/>
               </a:ext>
             </a:extLst>
           </p:cNvPr>
@@ -16917,7 +17335,7 @@
           <p:cNvPr id="3" name="Textplatzhalter 2">
             <a:extLst>
               <a:ext uri="{FF2B5EF4-FFF2-40B4-BE49-F238E27FC236}">
-                <a16:creationId xmlns:a16="http://schemas.microsoft.com/office/drawing/2014/main" id="{4D7E3D0F-5AF1-AD53-DD93-17C1FDF36FE6}"/>
+                <a16:creationId xmlns:a16="http://schemas.microsoft.com/office/drawing/2014/main" id="{BDE796BA-3961-EA71-B5E9-85DB77328D3C}"/>
               </a:ext>
             </a:extLst>
           </p:cNvPr>
@@ -16942,7 +17360,7 @@
           <p:cNvPr id="4" name="Inhaltsplatzhalter 3">
             <a:extLst>
               <a:ext uri="{FF2B5EF4-FFF2-40B4-BE49-F238E27FC236}">
-                <a16:creationId xmlns:a16="http://schemas.microsoft.com/office/drawing/2014/main" id="{A86491C0-AD59-2A72-778C-952C55BF9E34}"/>
+                <a16:creationId xmlns:a16="http://schemas.microsoft.com/office/drawing/2014/main" id="{78371710-CFF8-A180-2B90-F3860EA9C4A2}"/>
               </a:ext>
             </a:extLst>
           </p:cNvPr>
@@ -16967,7 +17385,7 @@
           <p:cNvPr id="5" name="Textplatzhalter 4">
             <a:extLst>
               <a:ext uri="{FF2B5EF4-FFF2-40B4-BE49-F238E27FC236}">
-                <a16:creationId xmlns:a16="http://schemas.microsoft.com/office/drawing/2014/main" id="{7A9CC5B0-8B44-2964-08B8-1097D147316D}"/>
+                <a16:creationId xmlns:a16="http://schemas.microsoft.com/office/drawing/2014/main" id="{34B820E1-A5F8-8DAD-4358-C345FDE5D7FB}"/>
               </a:ext>
             </a:extLst>
           </p:cNvPr>
@@ -16992,7 +17410,7 @@
           <p:cNvPr id="6" name="Inhaltsplatzhalter 5">
             <a:extLst>
               <a:ext uri="{FF2B5EF4-FFF2-40B4-BE49-F238E27FC236}">
-                <a16:creationId xmlns:a16="http://schemas.microsoft.com/office/drawing/2014/main" id="{D619E62F-E103-DE63-0609-DE95736617D3}"/>
+                <a16:creationId xmlns:a16="http://schemas.microsoft.com/office/drawing/2014/main" id="{EAF19417-CC90-0C0E-185E-3553371EB672}"/>
               </a:ext>
             </a:extLst>
           </p:cNvPr>
@@ -17017,7 +17435,7 @@
           <p:cNvPr id="7" name="Datumsplatzhalter 6">
             <a:extLst>
               <a:ext uri="{FF2B5EF4-FFF2-40B4-BE49-F238E27FC236}">
-                <a16:creationId xmlns:a16="http://schemas.microsoft.com/office/drawing/2014/main" id="{B93BD77F-D9E2-9385-C273-2322930388C5}"/>
+                <a16:creationId xmlns:a16="http://schemas.microsoft.com/office/drawing/2014/main" id="{E60F87F6-0583-6FAD-E3FE-3F92D0E4D9A1}"/>
               </a:ext>
             </a:extLst>
           </p:cNvPr>
@@ -17035,7 +17453,7 @@
           <a:p>
             <a:fld id="{75919FF8-1369-4F22-8739-0971D22D8076}" type="datetime1">
               <a:rPr lang="de-DE" smtClean="0"/>
-              <a:t>10.01.2025</a:t>
+              <a:t>11.01.2025</a:t>
             </a:fld>
             <a:endParaRPr lang="en-US"/>
           </a:p>
@@ -17046,7 +17464,7 @@
           <p:cNvPr id="8" name="Foliennummernplatzhalter 7">
             <a:extLst>
               <a:ext uri="{FF2B5EF4-FFF2-40B4-BE49-F238E27FC236}">
-                <a16:creationId xmlns:a16="http://schemas.microsoft.com/office/drawing/2014/main" id="{75A05C89-0377-12C9-81D5-A5304F36BE53}"/>
+                <a16:creationId xmlns:a16="http://schemas.microsoft.com/office/drawing/2014/main" id="{BB911ABD-38C2-6694-E95F-5E7DF61FE62A}"/>
               </a:ext>
             </a:extLst>
           </p:cNvPr>
@@ -17073,7 +17491,7 @@
     </p:spTree>
     <p:extLst>
       <p:ext uri="{BB962C8B-B14F-4D97-AF65-F5344CB8AC3E}">
-        <p14:creationId xmlns:p14="http://schemas.microsoft.com/office/powerpoint/2010/main" val="2016499817"/>
+        <p14:creationId xmlns:p14="http://schemas.microsoft.com/office/powerpoint/2010/main" val="1905043144"/>
       </p:ext>
     </p:extLst>
   </p:cSld>

--- a/Dokumente/Sprint-Backlog/Sprint-Backlog3.pptx
+++ b/Dokumente/Sprint-Backlog/Sprint-Backlog3.pptx
@@ -5,7 +5,7 @@
     <p:sldMasterId id="2147483751" r:id="rId1"/>
   </p:sldMasterIdLst>
   <p:notesMasterIdLst>
-    <p:notesMasterId r:id="rId25"/>
+    <p:notesMasterId r:id="rId14"/>
   </p:notesMasterIdLst>
   <p:sldIdLst>
     <p:sldId id="256" r:id="rId2"/>
@@ -19,18 +19,7 @@
     <p:sldId id="288" r:id="rId10"/>
     <p:sldId id="289" r:id="rId11"/>
     <p:sldId id="290" r:id="rId12"/>
-    <p:sldId id="259" r:id="rId13"/>
-    <p:sldId id="279" r:id="rId14"/>
-    <p:sldId id="280" r:id="rId15"/>
-    <p:sldId id="281" r:id="rId16"/>
-    <p:sldId id="278" r:id="rId17"/>
-    <p:sldId id="267" r:id="rId18"/>
-    <p:sldId id="284" r:id="rId19"/>
-    <p:sldId id="270" r:id="rId20"/>
-    <p:sldId id="262" r:id="rId21"/>
-    <p:sldId id="263" r:id="rId22"/>
-    <p:sldId id="264" r:id="rId23"/>
-    <p:sldId id="275" r:id="rId24"/>
+    <p:sldId id="275" r:id="rId13"/>
   </p:sldIdLst>
   <p:sldSz cx="12192000" cy="6858000"/>
   <p:notesSz cx="6858000" cy="9144000"/>
@@ -2207,118 +2196,6 @@
 </p:notes>
 </file>
 
-<file path=ppt/notesSlides/notesSlide5.xml><?xml version="1.0" encoding="utf-8"?>
-<p:notes xmlns:a="http://schemas.openxmlformats.org/drawingml/2006/main" xmlns:r="http://schemas.openxmlformats.org/officeDocument/2006/relationships" xmlns:p="http://schemas.openxmlformats.org/presentationml/2006/main">
-  <p:cSld>
-    <p:spTree>
-      <p:nvGrpSpPr>
-        <p:cNvPr id="1" name=""/>
-        <p:cNvGrpSpPr/>
-        <p:nvPr/>
-      </p:nvGrpSpPr>
-      <p:grpSpPr>
-        <a:xfrm>
-          <a:off x="0" y="0"/>
-          <a:ext cx="0" cy="0"/>
-          <a:chOff x="0" y="0"/>
-          <a:chExt cx="0" cy="0"/>
-        </a:xfrm>
-      </p:grpSpPr>
-      <p:sp>
-        <p:nvSpPr>
-          <p:cNvPr id="2" name="Folienbildplatzhalter 1"/>
-          <p:cNvSpPr>
-            <a:spLocks noGrp="1" noRot="1" noChangeAspect="1"/>
-          </p:cNvSpPr>
-          <p:nvPr>
-            <p:ph type="sldImg"/>
-          </p:nvPr>
-        </p:nvSpPr>
-        <p:spPr/>
-      </p:sp>
-      <p:sp>
-        <p:nvSpPr>
-          <p:cNvPr id="3" name="Notizenplatzhalter 2"/>
-          <p:cNvSpPr>
-            <a:spLocks noGrp="1"/>
-          </p:cNvSpPr>
-          <p:nvPr>
-            <p:ph type="body" idx="1"/>
-          </p:nvPr>
-        </p:nvSpPr>
-        <p:spPr/>
-        <p:txBody>
-          <a:bodyPr/>
-          <a:lstStyle/>
-          <a:p>
-            <a:r>
-              <a:rPr lang="en-US" dirty="0" err="1"/>
-              <a:t>Vorname</a:t>
-            </a:r>
-            <a:r>
-              <a:rPr lang="en-US" dirty="0"/>
-              <a:t> und </a:t>
-            </a:r>
-            <a:r>
-              <a:rPr lang="en-US" dirty="0" err="1"/>
-              <a:t>Nachname</a:t>
-            </a:r>
-            <a:r>
-              <a:rPr lang="en-US" dirty="0"/>
-              <a:t> </a:t>
-            </a:r>
-            <a:r>
-              <a:rPr lang="en-US" dirty="0" err="1"/>
-              <a:t>wurde</a:t>
-            </a:r>
-            <a:r>
-              <a:rPr lang="en-US" dirty="0"/>
-              <a:t> </a:t>
-            </a:r>
-            <a:r>
-              <a:rPr lang="en-US" dirty="0" err="1"/>
-              <a:t>entfernt</a:t>
-            </a:r>
-            <a:endParaRPr lang="de-DE" dirty="0"/>
-          </a:p>
-        </p:txBody>
-      </p:sp>
-      <p:sp>
-        <p:nvSpPr>
-          <p:cNvPr id="4" name="Foliennummernplatzhalter 3"/>
-          <p:cNvSpPr>
-            <a:spLocks noGrp="1"/>
-          </p:cNvSpPr>
-          <p:nvPr>
-            <p:ph type="sldNum" sz="quarter" idx="5"/>
-          </p:nvPr>
-        </p:nvSpPr>
-        <p:spPr/>
-        <p:txBody>
-          <a:bodyPr/>
-          <a:lstStyle/>
-          <a:p>
-            <a:fld id="{B8062E93-4410-40F6-8AB9-119AC591FA0D}" type="slidenum">
-              <a:rPr lang="de-DE" smtClean="0"/>
-              <a:t>13</a:t>
-            </a:fld>
-            <a:endParaRPr lang="de-DE"/>
-          </a:p>
-        </p:txBody>
-      </p:sp>
-    </p:spTree>
-    <p:extLst>
-      <p:ext uri="{BB962C8B-B14F-4D97-AF65-F5344CB8AC3E}">
-        <p14:creationId xmlns:p14="http://schemas.microsoft.com/office/powerpoint/2010/main" val="395456364"/>
-      </p:ext>
-    </p:extLst>
-  </p:cSld>
-  <p:clrMapOvr>
-    <a:masterClrMapping/>
-  </p:clrMapOvr>
-</p:notes>
-</file>
-
 <file path=ppt/slideLayouts/slideLayout1.xml><?xml version="1.0" encoding="utf-8"?>
 <p:sldLayout xmlns:a="http://schemas.openxmlformats.org/drawingml/2006/main" xmlns:r="http://schemas.openxmlformats.org/officeDocument/2006/relationships" xmlns:p="http://schemas.openxmlformats.org/presentationml/2006/main" type="title" preserve="1">
   <p:cSld name="Title Slide">
@@ -7171,4579 +7048,6 @@
 <file path=ppt/slides/slide12.xml><?xml version="1.0" encoding="utf-8"?>
 <p:sld xmlns:a="http://schemas.openxmlformats.org/drawingml/2006/main" xmlns:r="http://schemas.openxmlformats.org/officeDocument/2006/relationships" xmlns:p="http://schemas.openxmlformats.org/presentationml/2006/main">
   <p:cSld>
-    <p:spTree>
-      <p:nvGrpSpPr>
-        <p:cNvPr id="1" name=""/>
-        <p:cNvGrpSpPr/>
-        <p:nvPr/>
-      </p:nvGrpSpPr>
-      <p:grpSpPr>
-        <a:xfrm>
-          <a:off x="0" y="0"/>
-          <a:ext cx="0" cy="0"/>
-          <a:chOff x="0" y="0"/>
-          <a:chExt cx="0" cy="0"/>
-        </a:xfrm>
-      </p:grpSpPr>
-      <p:sp>
-        <p:nvSpPr>
-          <p:cNvPr id="2" name="Titel 1">
-            <a:extLst>
-              <a:ext uri="{FF2B5EF4-FFF2-40B4-BE49-F238E27FC236}">
-                <a16:creationId xmlns:a16="http://schemas.microsoft.com/office/drawing/2014/main" id="{0C579FFF-6A8E-1436-7F47-208326112BC2}"/>
-              </a:ext>
-            </a:extLst>
-          </p:cNvPr>
-          <p:cNvSpPr>
-            <a:spLocks noGrp="1"/>
-          </p:cNvSpPr>
-          <p:nvPr>
-            <p:ph type="title"/>
-          </p:nvPr>
-        </p:nvSpPr>
-        <p:spPr/>
-        <p:txBody>
-          <a:bodyPr/>
-          <a:lstStyle/>
-          <a:p>
-            <a:r>
-              <a:rPr lang="de-DE" noProof="0" dirty="0"/>
-              <a:t>2. Tätigkeiten des vergangenen Zeitraums</a:t>
-            </a:r>
-          </a:p>
-        </p:txBody>
-      </p:sp>
-      <p:sp>
-        <p:nvSpPr>
-          <p:cNvPr id="4" name="Datumsplatzhalter 3">
-            <a:extLst>
-              <a:ext uri="{FF2B5EF4-FFF2-40B4-BE49-F238E27FC236}">
-                <a16:creationId xmlns:a16="http://schemas.microsoft.com/office/drawing/2014/main" id="{A245F716-845A-9D4A-9FCF-2BB455C07642}"/>
-              </a:ext>
-            </a:extLst>
-          </p:cNvPr>
-          <p:cNvSpPr>
-            <a:spLocks noGrp="1"/>
-          </p:cNvSpPr>
-          <p:nvPr>
-            <p:ph type="dt" sz="half" idx="10"/>
-          </p:nvPr>
-        </p:nvSpPr>
-        <p:spPr/>
-        <p:txBody>
-          <a:bodyPr/>
-          <a:lstStyle/>
-          <a:p>
-            <a:fld id="{42B45B56-1D88-4042-8DF0-EB6B41B710D3}" type="datetime1">
-              <a:rPr lang="de-DE" noProof="0" smtClean="0"/>
-              <a:t>11.01.2025</a:t>
-            </a:fld>
-            <a:endParaRPr lang="de-DE" noProof="0" dirty="0"/>
-          </a:p>
-        </p:txBody>
-      </p:sp>
-      <p:sp>
-        <p:nvSpPr>
-          <p:cNvPr id="5" name="Foliennummernplatzhalter 4">
-            <a:extLst>
-              <a:ext uri="{FF2B5EF4-FFF2-40B4-BE49-F238E27FC236}">
-                <a16:creationId xmlns:a16="http://schemas.microsoft.com/office/drawing/2014/main" id="{631092A2-7FF5-A3A2-9DA9-91D1CFBE0825}"/>
-              </a:ext>
-            </a:extLst>
-          </p:cNvPr>
-          <p:cNvSpPr>
-            <a:spLocks noGrp="1"/>
-          </p:cNvSpPr>
-          <p:nvPr>
-            <p:ph type="sldNum" sz="quarter" idx="12"/>
-          </p:nvPr>
-        </p:nvSpPr>
-        <p:spPr/>
-        <p:txBody>
-          <a:bodyPr/>
-          <a:lstStyle/>
-          <a:p>
-            <a:fld id="{07CE569E-9B7C-4CB9-AB80-C0841F922CFF}" type="slidenum">
-              <a:rPr lang="de-DE" noProof="0" smtClean="0"/>
-              <a:t>12</a:t>
-            </a:fld>
-            <a:endParaRPr lang="de-DE" noProof="0" dirty="0"/>
-          </a:p>
-        </p:txBody>
-      </p:sp>
-      <p:sp>
-        <p:nvSpPr>
-          <p:cNvPr id="7" name="Inhaltsplatzhalter 5">
-            <a:extLst>
-              <a:ext uri="{FF2B5EF4-FFF2-40B4-BE49-F238E27FC236}">
-                <a16:creationId xmlns:a16="http://schemas.microsoft.com/office/drawing/2014/main" id="{06A9C708-A850-18E6-5D53-389ADE6ED553}"/>
-              </a:ext>
-            </a:extLst>
-          </p:cNvPr>
-          <p:cNvSpPr txBox="1">
-            <a:spLocks/>
-          </p:cNvSpPr>
-          <p:nvPr/>
-        </p:nvSpPr>
-        <p:spPr>
-          <a:xfrm>
-            <a:off x="944878" y="2682875"/>
-            <a:ext cx="9373872" cy="3048000"/>
-          </a:xfrm>
-          <a:prstGeom prst="rect">
-            <a:avLst/>
-          </a:prstGeom>
-        </p:spPr>
-        <p:txBody>
-          <a:bodyPr>
-            <a:normAutofit fontScale="92500" lnSpcReduction="10000"/>
-          </a:bodyPr>
-          <a:lstStyle>
-            <a:lvl1pPr marL="228600" indent="-228600" algn="l" defTabSz="914400" rtl="0" eaLnBrk="1" latinLnBrk="0" hangingPunct="1">
-              <a:lnSpc>
-                <a:spcPct val="125000"/>
-              </a:lnSpc>
-              <a:spcBef>
-                <a:spcPts val="1000"/>
-              </a:spcBef>
-              <a:buFont typeface="Arial" panose="020B0604020202020204" pitchFamily="34" charset="0"/>
-              <a:buChar char="•"/>
-              <a:defRPr sz="2800" kern="1200">
-                <a:solidFill>
-                  <a:schemeClr val="tx1">
-                    <a:alpha val="70000"/>
-                  </a:schemeClr>
-                </a:solidFill>
-                <a:latin typeface="+mn-lt"/>
-                <a:ea typeface="+mn-ea"/>
-                <a:cs typeface="+mn-cs"/>
-              </a:defRPr>
-            </a:lvl1pPr>
-            <a:lvl2pPr marL="685800" indent="-228600" algn="l" defTabSz="914400" rtl="0" eaLnBrk="1" latinLnBrk="0" hangingPunct="1">
-              <a:lnSpc>
-                <a:spcPct val="125000"/>
-              </a:lnSpc>
-              <a:spcBef>
-                <a:spcPts val="500"/>
-              </a:spcBef>
-              <a:buFont typeface="Arial" panose="020B0604020202020204" pitchFamily="34" charset="0"/>
-              <a:buChar char="•"/>
-              <a:defRPr sz="2400" kern="1200">
-                <a:solidFill>
-                  <a:schemeClr val="tx1">
-                    <a:alpha val="70000"/>
-                  </a:schemeClr>
-                </a:solidFill>
-                <a:latin typeface="+mn-lt"/>
-                <a:ea typeface="+mn-ea"/>
-                <a:cs typeface="+mn-cs"/>
-              </a:defRPr>
-            </a:lvl2pPr>
-            <a:lvl3pPr marL="1143000" indent="-228600" algn="l" defTabSz="914400" rtl="0" eaLnBrk="1" latinLnBrk="0" hangingPunct="1">
-              <a:lnSpc>
-                <a:spcPct val="125000"/>
-              </a:lnSpc>
-              <a:spcBef>
-                <a:spcPts val="500"/>
-              </a:spcBef>
-              <a:buFont typeface="Arial" panose="020B0604020202020204" pitchFamily="34" charset="0"/>
-              <a:buChar char="•"/>
-              <a:defRPr sz="2000" kern="1200">
-                <a:solidFill>
-                  <a:schemeClr val="tx1">
-                    <a:alpha val="70000"/>
-                  </a:schemeClr>
-                </a:solidFill>
-                <a:latin typeface="+mn-lt"/>
-                <a:ea typeface="+mn-ea"/>
-                <a:cs typeface="+mn-cs"/>
-              </a:defRPr>
-            </a:lvl3pPr>
-            <a:lvl4pPr marL="1600200" indent="-228600" algn="l" defTabSz="914400" rtl="0" eaLnBrk="1" latinLnBrk="0" hangingPunct="1">
-              <a:lnSpc>
-                <a:spcPct val="125000"/>
-              </a:lnSpc>
-              <a:spcBef>
-                <a:spcPts val="500"/>
-              </a:spcBef>
-              <a:buFont typeface="Arial" panose="020B0604020202020204" pitchFamily="34" charset="0"/>
-              <a:buChar char="•"/>
-              <a:defRPr sz="1800" kern="1200">
-                <a:solidFill>
-                  <a:schemeClr val="tx1">
-                    <a:alpha val="70000"/>
-                  </a:schemeClr>
-                </a:solidFill>
-                <a:latin typeface="+mn-lt"/>
-                <a:ea typeface="+mn-ea"/>
-                <a:cs typeface="+mn-cs"/>
-              </a:defRPr>
-            </a:lvl4pPr>
-            <a:lvl5pPr marL="2057400" indent="-228600" algn="l" defTabSz="914400" rtl="0" eaLnBrk="1" latinLnBrk="0" hangingPunct="1">
-              <a:lnSpc>
-                <a:spcPct val="125000"/>
-              </a:lnSpc>
-              <a:spcBef>
-                <a:spcPts val="500"/>
-              </a:spcBef>
-              <a:buFont typeface="Arial" panose="020B0604020202020204" pitchFamily="34" charset="0"/>
-              <a:buChar char="•"/>
-              <a:defRPr sz="1800" kern="1200">
-                <a:solidFill>
-                  <a:schemeClr val="tx1">
-                    <a:alpha val="70000"/>
-                  </a:schemeClr>
-                </a:solidFill>
-                <a:latin typeface="+mn-lt"/>
-                <a:ea typeface="+mn-ea"/>
-                <a:cs typeface="+mn-cs"/>
-              </a:defRPr>
-            </a:lvl5pPr>
-            <a:lvl6pPr marL="2514600" indent="-228600" algn="l" defTabSz="914400" rtl="0" eaLnBrk="1" latinLnBrk="0" hangingPunct="1">
-              <a:lnSpc>
-                <a:spcPct val="90000"/>
-              </a:lnSpc>
-              <a:spcBef>
-                <a:spcPts val="500"/>
-              </a:spcBef>
-              <a:buFont typeface="Arial" panose="020B0604020202020204" pitchFamily="34" charset="0"/>
-              <a:buChar char="•"/>
-              <a:defRPr sz="1800" kern="1200">
-                <a:solidFill>
-                  <a:schemeClr val="tx1"/>
-                </a:solidFill>
-                <a:latin typeface="+mn-lt"/>
-                <a:ea typeface="+mn-ea"/>
-                <a:cs typeface="+mn-cs"/>
-              </a:defRPr>
-            </a:lvl6pPr>
-            <a:lvl7pPr marL="2971800" indent="-228600" algn="l" defTabSz="914400" rtl="0" eaLnBrk="1" latinLnBrk="0" hangingPunct="1">
-              <a:lnSpc>
-                <a:spcPct val="90000"/>
-              </a:lnSpc>
-              <a:spcBef>
-                <a:spcPts val="500"/>
-              </a:spcBef>
-              <a:buFont typeface="Arial" panose="020B0604020202020204" pitchFamily="34" charset="0"/>
-              <a:buChar char="•"/>
-              <a:defRPr sz="1800" kern="1200">
-                <a:solidFill>
-                  <a:schemeClr val="tx1"/>
-                </a:solidFill>
-                <a:latin typeface="+mn-lt"/>
-                <a:ea typeface="+mn-ea"/>
-                <a:cs typeface="+mn-cs"/>
-              </a:defRPr>
-            </a:lvl7pPr>
-            <a:lvl8pPr marL="3429000" indent="-228600" algn="l" defTabSz="914400" rtl="0" eaLnBrk="1" latinLnBrk="0" hangingPunct="1">
-              <a:lnSpc>
-                <a:spcPct val="90000"/>
-              </a:lnSpc>
-              <a:spcBef>
-                <a:spcPts val="500"/>
-              </a:spcBef>
-              <a:buFont typeface="Arial" panose="020B0604020202020204" pitchFamily="34" charset="0"/>
-              <a:buChar char="•"/>
-              <a:defRPr sz="1800" kern="1200">
-                <a:solidFill>
-                  <a:schemeClr val="tx1"/>
-                </a:solidFill>
-                <a:latin typeface="+mn-lt"/>
-                <a:ea typeface="+mn-ea"/>
-                <a:cs typeface="+mn-cs"/>
-              </a:defRPr>
-            </a:lvl8pPr>
-            <a:lvl9pPr marL="3886200" indent="-228600" algn="l" defTabSz="914400" rtl="0" eaLnBrk="1" latinLnBrk="0" hangingPunct="1">
-              <a:lnSpc>
-                <a:spcPct val="90000"/>
-              </a:lnSpc>
-              <a:spcBef>
-                <a:spcPts val="500"/>
-              </a:spcBef>
-              <a:buFont typeface="Arial" panose="020B0604020202020204" pitchFamily="34" charset="0"/>
-              <a:buChar char="•"/>
-              <a:defRPr sz="1800" kern="1200">
-                <a:solidFill>
-                  <a:schemeClr val="tx1"/>
-                </a:solidFill>
-                <a:latin typeface="+mn-lt"/>
-                <a:ea typeface="+mn-ea"/>
-                <a:cs typeface="+mn-cs"/>
-              </a:defRPr>
-            </a:lvl9pPr>
-          </a:lstStyle>
-          <a:p>
-            <a:r>
-              <a:rPr lang="de-DE" sz="2400" dirty="0"/>
-              <a:t>Fortlaufende Dokumentation.</a:t>
-            </a:r>
-          </a:p>
-          <a:p>
-            <a:r>
-              <a:rPr lang="de-DE" sz="2400" dirty="0"/>
-              <a:t>Implementierung der Küchenansicht.</a:t>
-            </a:r>
-          </a:p>
-          <a:p>
-            <a:r>
-              <a:rPr lang="de-DE" sz="2400" dirty="0"/>
-              <a:t>Anpassung von Speisen im Warenkorb.</a:t>
-            </a:r>
-          </a:p>
-          <a:p>
-            <a:r>
-              <a:rPr lang="de-DE" sz="2400" dirty="0"/>
-              <a:t>Automatische Kalkulation der Kosten.</a:t>
-            </a:r>
-          </a:p>
-          <a:p>
-            <a:r>
-              <a:rPr lang="de-DE" sz="2400" dirty="0"/>
-              <a:t>Absenden der Bestellung mit spezifische Tischnummer.</a:t>
-            </a:r>
-          </a:p>
-          <a:p>
-            <a:r>
-              <a:rPr lang="de-DE" sz="2400" dirty="0"/>
-              <a:t>Abschluss Warenkorb.</a:t>
-            </a:r>
-          </a:p>
-          <a:p>
-            <a:endParaRPr lang="de-DE" sz="2400" dirty="0"/>
-          </a:p>
-        </p:txBody>
-      </p:sp>
-      <p:sp>
-        <p:nvSpPr>
-          <p:cNvPr id="9" name="Foliennummernplatzhalter 7">
-            <a:extLst>
-              <a:ext uri="{FF2B5EF4-FFF2-40B4-BE49-F238E27FC236}">
-                <a16:creationId xmlns:a16="http://schemas.microsoft.com/office/drawing/2014/main" id="{BD0D2988-85DD-C46C-D2AB-F764D685F152}"/>
-              </a:ext>
-            </a:extLst>
-          </p:cNvPr>
-          <p:cNvSpPr txBox="1">
-            <a:spLocks/>
-          </p:cNvSpPr>
-          <p:nvPr/>
-        </p:nvSpPr>
-        <p:spPr>
-          <a:xfrm>
-            <a:off x="3742082" y="6492875"/>
-            <a:ext cx="1524000" cy="365125"/>
-          </a:xfrm>
-          <a:prstGeom prst="rect">
-            <a:avLst/>
-          </a:prstGeom>
-        </p:spPr>
-        <p:txBody>
-          <a:bodyPr vert="horz" lIns="91440" tIns="45720" rIns="91440" bIns="45720" rtlCol="0" anchor="ctr"/>
-          <a:lstStyle>
-            <a:defPPr>
-              <a:defRPr lang="de-DE"/>
-            </a:defPPr>
-            <a:lvl1pPr marL="0" algn="r" defTabSz="914400" rtl="0" eaLnBrk="1" latinLnBrk="0" hangingPunct="1">
-              <a:defRPr sz="1200" kern="1200">
-                <a:solidFill>
-                  <a:schemeClr val="tx1">
-                    <a:tint val="75000"/>
-                    <a:alpha val="70000"/>
-                  </a:schemeClr>
-                </a:solidFill>
-                <a:latin typeface="+mn-lt"/>
-                <a:ea typeface="+mn-ea"/>
-                <a:cs typeface="+mn-cs"/>
-              </a:defRPr>
-            </a:lvl1pPr>
-            <a:lvl2pPr marL="457200" algn="l" defTabSz="914400" rtl="0" eaLnBrk="1" latinLnBrk="0" hangingPunct="1">
-              <a:defRPr sz="1800" kern="1200">
-                <a:solidFill>
-                  <a:schemeClr val="tx1"/>
-                </a:solidFill>
-                <a:latin typeface="+mn-lt"/>
-                <a:ea typeface="+mn-ea"/>
-                <a:cs typeface="+mn-cs"/>
-              </a:defRPr>
-            </a:lvl2pPr>
-            <a:lvl3pPr marL="914400" algn="l" defTabSz="914400" rtl="0" eaLnBrk="1" latinLnBrk="0" hangingPunct="1">
-              <a:defRPr sz="1800" kern="1200">
-                <a:solidFill>
-                  <a:schemeClr val="tx1"/>
-                </a:solidFill>
-                <a:latin typeface="+mn-lt"/>
-                <a:ea typeface="+mn-ea"/>
-                <a:cs typeface="+mn-cs"/>
-              </a:defRPr>
-            </a:lvl3pPr>
-            <a:lvl4pPr marL="1371600" algn="l" defTabSz="914400" rtl="0" eaLnBrk="1" latinLnBrk="0" hangingPunct="1">
-              <a:defRPr sz="1800" kern="1200">
-                <a:solidFill>
-                  <a:schemeClr val="tx1"/>
-                </a:solidFill>
-                <a:latin typeface="+mn-lt"/>
-                <a:ea typeface="+mn-ea"/>
-                <a:cs typeface="+mn-cs"/>
-              </a:defRPr>
-            </a:lvl4pPr>
-            <a:lvl5pPr marL="1828800" algn="l" defTabSz="914400" rtl="0" eaLnBrk="1" latinLnBrk="0" hangingPunct="1">
-              <a:defRPr sz="1800" kern="1200">
-                <a:solidFill>
-                  <a:schemeClr val="tx1"/>
-                </a:solidFill>
-                <a:latin typeface="+mn-lt"/>
-                <a:ea typeface="+mn-ea"/>
-                <a:cs typeface="+mn-cs"/>
-              </a:defRPr>
-            </a:lvl5pPr>
-            <a:lvl6pPr marL="2286000" algn="l" defTabSz="914400" rtl="0" eaLnBrk="1" latinLnBrk="0" hangingPunct="1">
-              <a:defRPr sz="1800" kern="1200">
-                <a:solidFill>
-                  <a:schemeClr val="tx1"/>
-                </a:solidFill>
-                <a:latin typeface="+mn-lt"/>
-                <a:ea typeface="+mn-ea"/>
-                <a:cs typeface="+mn-cs"/>
-              </a:defRPr>
-            </a:lvl6pPr>
-            <a:lvl7pPr marL="2743200" algn="l" defTabSz="914400" rtl="0" eaLnBrk="1" latinLnBrk="0" hangingPunct="1">
-              <a:defRPr sz="1800" kern="1200">
-                <a:solidFill>
-                  <a:schemeClr val="tx1"/>
-                </a:solidFill>
-                <a:latin typeface="+mn-lt"/>
-                <a:ea typeface="+mn-ea"/>
-                <a:cs typeface="+mn-cs"/>
-              </a:defRPr>
-            </a:lvl7pPr>
-            <a:lvl8pPr marL="3200400" algn="l" defTabSz="914400" rtl="0" eaLnBrk="1" latinLnBrk="0" hangingPunct="1">
-              <a:defRPr sz="1800" kern="1200">
-                <a:solidFill>
-                  <a:schemeClr val="tx1"/>
-                </a:solidFill>
-                <a:latin typeface="+mn-lt"/>
-                <a:ea typeface="+mn-ea"/>
-                <a:cs typeface="+mn-cs"/>
-              </a:defRPr>
-            </a:lvl8pPr>
-            <a:lvl9pPr marL="3657600" algn="l" defTabSz="914400" rtl="0" eaLnBrk="1" latinLnBrk="0" hangingPunct="1">
-              <a:defRPr sz="1800" kern="1200">
-                <a:solidFill>
-                  <a:schemeClr val="tx1"/>
-                </a:solidFill>
-                <a:latin typeface="+mn-lt"/>
-                <a:ea typeface="+mn-ea"/>
-                <a:cs typeface="+mn-cs"/>
-              </a:defRPr>
-            </a:lvl9pPr>
-          </a:lstStyle>
-          <a:p>
-            <a:fld id="{07CE569E-9B7C-4CB9-AB80-C0841F922CFF}" type="slidenum">
-              <a:rPr lang="en-US" smtClean="0"/>
-              <a:pPr/>
-              <a:t>12</a:t>
-            </a:fld>
-            <a:endParaRPr lang="en-US"/>
-          </a:p>
-        </p:txBody>
-      </p:sp>
-    </p:spTree>
-    <p:extLst>
-      <p:ext uri="{BB962C8B-B14F-4D97-AF65-F5344CB8AC3E}">
-        <p14:creationId xmlns:p14="http://schemas.microsoft.com/office/powerpoint/2010/main" val="118876679"/>
-      </p:ext>
-    </p:extLst>
-  </p:cSld>
-  <p:clrMapOvr>
-    <a:masterClrMapping/>
-  </p:clrMapOvr>
-</p:sld>
-</file>
-
-<file path=ppt/slides/slide13.xml><?xml version="1.0" encoding="utf-8"?>
-<p:sld xmlns:a="http://schemas.openxmlformats.org/drawingml/2006/main" xmlns:r="http://schemas.openxmlformats.org/officeDocument/2006/relationships" xmlns:p="http://schemas.openxmlformats.org/presentationml/2006/main">
-  <p:cSld>
-    <p:spTree>
-      <p:nvGrpSpPr>
-        <p:cNvPr id="1" name="">
-          <a:extLst>
-            <a:ext uri="{FF2B5EF4-FFF2-40B4-BE49-F238E27FC236}">
-              <a16:creationId xmlns:a16="http://schemas.microsoft.com/office/drawing/2014/main" id="{B550FC02-FF59-9A2B-E0CB-A4CCA3BCC065}"/>
-            </a:ext>
-          </a:extLst>
-        </p:cNvPr>
-        <p:cNvGrpSpPr/>
-        <p:nvPr/>
-      </p:nvGrpSpPr>
-      <p:grpSpPr>
-        <a:xfrm>
-          <a:off x="0" y="0"/>
-          <a:ext cx="0" cy="0"/>
-          <a:chOff x="0" y="0"/>
-          <a:chExt cx="0" cy="0"/>
-        </a:xfrm>
-      </p:grpSpPr>
-      <p:sp>
-        <p:nvSpPr>
-          <p:cNvPr id="2" name="Titel 1">
-            <a:extLst>
-              <a:ext uri="{FF2B5EF4-FFF2-40B4-BE49-F238E27FC236}">
-                <a16:creationId xmlns:a16="http://schemas.microsoft.com/office/drawing/2014/main" id="{0900599F-51F1-3A1C-3C72-C626B94E6030}"/>
-              </a:ext>
-            </a:extLst>
-          </p:cNvPr>
-          <p:cNvSpPr>
-            <a:spLocks noGrp="1"/>
-          </p:cNvSpPr>
-          <p:nvPr>
-            <p:ph type="title"/>
-          </p:nvPr>
-        </p:nvSpPr>
-        <p:spPr/>
-        <p:txBody>
-          <a:bodyPr/>
-          <a:lstStyle/>
-          <a:p>
-            <a:r>
-              <a:rPr lang="de-DE" noProof="0" dirty="0"/>
-              <a:t>3. Produktzwischenstand</a:t>
-            </a:r>
-          </a:p>
-        </p:txBody>
-      </p:sp>
-      <p:sp>
-        <p:nvSpPr>
-          <p:cNvPr id="4" name="Datumsplatzhalter 3">
-            <a:extLst>
-              <a:ext uri="{FF2B5EF4-FFF2-40B4-BE49-F238E27FC236}">
-                <a16:creationId xmlns:a16="http://schemas.microsoft.com/office/drawing/2014/main" id="{98261E74-1DBE-E2C7-F1CB-400A1775C44B}"/>
-              </a:ext>
-            </a:extLst>
-          </p:cNvPr>
-          <p:cNvSpPr>
-            <a:spLocks noGrp="1"/>
-          </p:cNvSpPr>
-          <p:nvPr>
-            <p:ph type="dt" sz="half" idx="10"/>
-          </p:nvPr>
-        </p:nvSpPr>
-        <p:spPr/>
-        <p:txBody>
-          <a:bodyPr/>
-          <a:lstStyle/>
-          <a:p>
-            <a:fld id="{42B45B56-1D88-4042-8DF0-EB6B41B710D3}" type="datetime1">
-              <a:rPr lang="de-DE" noProof="0" smtClean="0"/>
-              <a:t>11.01.2025</a:t>
-            </a:fld>
-            <a:endParaRPr lang="de-DE" noProof="0" dirty="0"/>
-          </a:p>
-        </p:txBody>
-      </p:sp>
-      <p:sp>
-        <p:nvSpPr>
-          <p:cNvPr id="5" name="Foliennummernplatzhalter 4">
-            <a:extLst>
-              <a:ext uri="{FF2B5EF4-FFF2-40B4-BE49-F238E27FC236}">
-                <a16:creationId xmlns:a16="http://schemas.microsoft.com/office/drawing/2014/main" id="{0776174C-7011-2635-68B1-8FA072C61FEB}"/>
-              </a:ext>
-            </a:extLst>
-          </p:cNvPr>
-          <p:cNvSpPr>
-            <a:spLocks noGrp="1"/>
-          </p:cNvSpPr>
-          <p:nvPr>
-            <p:ph type="sldNum" sz="quarter" idx="12"/>
-          </p:nvPr>
-        </p:nvSpPr>
-        <p:spPr/>
-        <p:txBody>
-          <a:bodyPr/>
-          <a:lstStyle/>
-          <a:p>
-            <a:fld id="{07CE569E-9B7C-4CB9-AB80-C0841F922CFF}" type="slidenum">
-              <a:rPr lang="de-DE" noProof="0" smtClean="0"/>
-              <a:t>13</a:t>
-            </a:fld>
-            <a:endParaRPr lang="de-DE" noProof="0" dirty="0"/>
-          </a:p>
-        </p:txBody>
-      </p:sp>
-      <p:pic>
-        <p:nvPicPr>
-          <p:cNvPr id="7" name="Inhaltsplatzhalter 6">
-            <a:extLst>
-              <a:ext uri="{FF2B5EF4-FFF2-40B4-BE49-F238E27FC236}">
-                <a16:creationId xmlns:a16="http://schemas.microsoft.com/office/drawing/2014/main" id="{37428E1C-AA80-4052-4B11-779B98FB9A9B}"/>
-              </a:ext>
-            </a:extLst>
-          </p:cNvPr>
-          <p:cNvPicPr>
-            <a:picLocks noGrp="1" noChangeAspect="1"/>
-          </p:cNvPicPr>
-          <p:nvPr>
-            <p:ph idx="1"/>
-          </p:nvPr>
-        </p:nvPicPr>
-        <p:blipFill>
-          <a:blip r:embed="rId3"/>
-          <a:stretch>
-            <a:fillRect/>
-          </a:stretch>
-        </p:blipFill>
-        <p:spPr>
-          <a:xfrm>
-            <a:off x="762000" y="3062308"/>
-            <a:ext cx="10668000" cy="2517734"/>
-          </a:xfrm>
-        </p:spPr>
-      </p:pic>
-      <p:sp>
-        <p:nvSpPr>
-          <p:cNvPr id="6" name="Textfeld 5">
-            <a:extLst>
-              <a:ext uri="{FF2B5EF4-FFF2-40B4-BE49-F238E27FC236}">
-                <a16:creationId xmlns:a16="http://schemas.microsoft.com/office/drawing/2014/main" id="{A5E046D2-26E7-3E5E-E5D3-070C9EE2B89D}"/>
-              </a:ext>
-            </a:extLst>
-          </p:cNvPr>
-          <p:cNvSpPr txBox="1"/>
-          <p:nvPr/>
-        </p:nvSpPr>
-        <p:spPr>
-          <a:xfrm>
-            <a:off x="1601733" y="2373852"/>
-            <a:ext cx="3270975" cy="646331"/>
-          </a:xfrm>
-          <a:prstGeom prst="rect">
-            <a:avLst/>
-          </a:prstGeom>
-          <a:noFill/>
-        </p:spPr>
-        <p:txBody>
-          <a:bodyPr wrap="square" rtlCol="0">
-            <a:spAutoFit/>
-          </a:bodyPr>
-          <a:lstStyle/>
-          <a:p>
-            <a:r>
-              <a:rPr lang="en-US" b="1" dirty="0" err="1"/>
-              <a:t>Ansicht</a:t>
-            </a:r>
-            <a:r>
-              <a:rPr lang="en-US" b="1" dirty="0"/>
-              <a:t> </a:t>
-            </a:r>
-            <a:r>
-              <a:rPr lang="en-US" b="1" dirty="0" err="1"/>
-              <a:t>Warenkorb</a:t>
-            </a:r>
-            <a:r>
-              <a:rPr lang="en-US" b="1" dirty="0"/>
-              <a:t> + </a:t>
-            </a:r>
-            <a:r>
-              <a:rPr lang="en-US" b="1" dirty="0" err="1"/>
-              <a:t>Absenden</a:t>
-            </a:r>
-            <a:r>
-              <a:rPr lang="en-US" b="1" dirty="0"/>
-              <a:t> der </a:t>
-            </a:r>
-            <a:r>
-              <a:rPr lang="en-US" b="1" dirty="0" err="1"/>
-              <a:t>Bestellung</a:t>
-            </a:r>
-            <a:endParaRPr lang="de-DE" b="1" dirty="0"/>
-          </a:p>
-        </p:txBody>
-      </p:sp>
-    </p:spTree>
-    <p:extLst>
-      <p:ext uri="{BB962C8B-B14F-4D97-AF65-F5344CB8AC3E}">
-        <p14:creationId xmlns:p14="http://schemas.microsoft.com/office/powerpoint/2010/main" val="2430257231"/>
-      </p:ext>
-    </p:extLst>
-  </p:cSld>
-  <p:clrMapOvr>
-    <a:masterClrMapping/>
-  </p:clrMapOvr>
-</p:sld>
-</file>
-
-<file path=ppt/slides/slide14.xml><?xml version="1.0" encoding="utf-8"?>
-<p:sld xmlns:a="http://schemas.openxmlformats.org/drawingml/2006/main" xmlns:r="http://schemas.openxmlformats.org/officeDocument/2006/relationships" xmlns:p="http://schemas.openxmlformats.org/presentationml/2006/main">
-  <p:cSld>
-    <p:spTree>
-      <p:nvGrpSpPr>
-        <p:cNvPr id="1" name=""/>
-        <p:cNvGrpSpPr/>
-        <p:nvPr/>
-      </p:nvGrpSpPr>
-      <p:grpSpPr>
-        <a:xfrm>
-          <a:off x="0" y="0"/>
-          <a:ext cx="0" cy="0"/>
-          <a:chOff x="0" y="0"/>
-          <a:chExt cx="0" cy="0"/>
-        </a:xfrm>
-      </p:grpSpPr>
-      <p:pic>
-        <p:nvPicPr>
-          <p:cNvPr id="11" name="Grafik 10">
-            <a:extLst>
-              <a:ext uri="{FF2B5EF4-FFF2-40B4-BE49-F238E27FC236}">
-                <a16:creationId xmlns:a16="http://schemas.microsoft.com/office/drawing/2014/main" id="{FE9A0FCD-5FE1-D6D4-1488-1A6CB12FF2A5}"/>
-              </a:ext>
-            </a:extLst>
-          </p:cNvPr>
-          <p:cNvPicPr>
-            <a:picLocks noChangeAspect="1"/>
-          </p:cNvPicPr>
-          <p:nvPr/>
-        </p:nvPicPr>
-        <p:blipFill>
-          <a:blip r:embed="rId2"/>
-          <a:stretch>
-            <a:fillRect/>
-          </a:stretch>
-        </p:blipFill>
-        <p:spPr>
-          <a:xfrm>
-            <a:off x="957389" y="3002985"/>
-            <a:ext cx="4058484" cy="2792305"/>
-          </a:xfrm>
-          <a:prstGeom prst="rect">
-            <a:avLst/>
-          </a:prstGeom>
-        </p:spPr>
-      </p:pic>
-      <p:pic>
-        <p:nvPicPr>
-          <p:cNvPr id="8" name="Inhaltsplatzhalter 7">
-            <a:extLst>
-              <a:ext uri="{FF2B5EF4-FFF2-40B4-BE49-F238E27FC236}">
-                <a16:creationId xmlns:a16="http://schemas.microsoft.com/office/drawing/2014/main" id="{6013533E-10F3-8ACB-2FEC-DC3258599405}"/>
-              </a:ext>
-            </a:extLst>
-          </p:cNvPr>
-          <p:cNvPicPr>
-            <a:picLocks noGrp="1" noChangeAspect="1"/>
-          </p:cNvPicPr>
-          <p:nvPr>
-            <p:ph sz="half" idx="1"/>
-          </p:nvPr>
-        </p:nvPicPr>
-        <p:blipFill>
-          <a:blip r:embed="rId3"/>
-          <a:stretch>
-            <a:fillRect/>
-          </a:stretch>
-        </p:blipFill>
-        <p:spPr>
-          <a:xfrm>
-            <a:off x="6800709" y="2646537"/>
-            <a:ext cx="2588456" cy="3505200"/>
-          </a:xfrm>
-        </p:spPr>
-      </p:pic>
-      <p:sp>
-        <p:nvSpPr>
-          <p:cNvPr id="5" name="Datumsplatzhalter 4">
-            <a:extLst>
-              <a:ext uri="{FF2B5EF4-FFF2-40B4-BE49-F238E27FC236}">
-                <a16:creationId xmlns:a16="http://schemas.microsoft.com/office/drawing/2014/main" id="{175BE0E2-31AB-658D-6EBB-B713FB583365}"/>
-              </a:ext>
-            </a:extLst>
-          </p:cNvPr>
-          <p:cNvSpPr>
-            <a:spLocks noGrp="1"/>
-          </p:cNvSpPr>
-          <p:nvPr>
-            <p:ph type="dt" sz="half" idx="10"/>
-          </p:nvPr>
-        </p:nvSpPr>
-        <p:spPr/>
-        <p:txBody>
-          <a:bodyPr/>
-          <a:lstStyle/>
-          <a:p>
-            <a:fld id="{12AE7323-5CDD-4051-9975-1729D84443C7}" type="datetime1">
-              <a:rPr lang="de-DE" smtClean="0"/>
-              <a:t>11.01.2025</a:t>
-            </a:fld>
-            <a:endParaRPr lang="en-US"/>
-          </a:p>
-        </p:txBody>
-      </p:sp>
-      <p:sp>
-        <p:nvSpPr>
-          <p:cNvPr id="6" name="Foliennummernplatzhalter 5">
-            <a:extLst>
-              <a:ext uri="{FF2B5EF4-FFF2-40B4-BE49-F238E27FC236}">
-                <a16:creationId xmlns:a16="http://schemas.microsoft.com/office/drawing/2014/main" id="{E0949E57-58AB-441C-473B-B2C287EE958D}"/>
-              </a:ext>
-            </a:extLst>
-          </p:cNvPr>
-          <p:cNvSpPr>
-            <a:spLocks noGrp="1"/>
-          </p:cNvSpPr>
-          <p:nvPr>
-            <p:ph type="sldNum" sz="quarter" idx="12"/>
-          </p:nvPr>
-        </p:nvSpPr>
-        <p:spPr/>
-        <p:txBody>
-          <a:bodyPr/>
-          <a:lstStyle/>
-          <a:p>
-            <a:fld id="{07CE569E-9B7C-4CB9-AB80-C0841F922CFF}" type="slidenum">
-              <a:rPr lang="en-US" smtClean="0"/>
-              <a:t>14</a:t>
-            </a:fld>
-            <a:endParaRPr lang="en-US"/>
-          </a:p>
-        </p:txBody>
-      </p:sp>
-      <p:cxnSp>
-        <p:nvCxnSpPr>
-          <p:cNvPr id="7" name="Gerade Verbindung mit Pfeil 6">
-            <a:extLst>
-              <a:ext uri="{FF2B5EF4-FFF2-40B4-BE49-F238E27FC236}">
-                <a16:creationId xmlns:a16="http://schemas.microsoft.com/office/drawing/2014/main" id="{37FD134E-9D05-4999-A25C-C8CF34F9468B}"/>
-              </a:ext>
-            </a:extLst>
-          </p:cNvPr>
-          <p:cNvCxnSpPr>
-            <a:cxnSpLocks/>
-          </p:cNvCxnSpPr>
-          <p:nvPr/>
-        </p:nvCxnSpPr>
-        <p:spPr>
-          <a:xfrm flipV="1">
-            <a:off x="4940215" y="3522588"/>
-            <a:ext cx="2430217" cy="650513"/>
-          </a:xfrm>
-          <a:prstGeom prst="straightConnector1">
-            <a:avLst/>
-          </a:prstGeom>
-          <a:ln w="28575">
-            <a:solidFill>
-              <a:srgbClr val="FF0000"/>
-            </a:solidFill>
-            <a:tailEnd type="triangle"/>
-          </a:ln>
-        </p:spPr>
-        <p:style>
-          <a:lnRef idx="1">
-            <a:schemeClr val="accent1"/>
-          </a:lnRef>
-          <a:fillRef idx="0">
-            <a:schemeClr val="accent1"/>
-          </a:fillRef>
-          <a:effectRef idx="0">
-            <a:schemeClr val="accent1"/>
-          </a:effectRef>
-          <a:fontRef idx="minor">
-            <a:schemeClr val="tx1"/>
-          </a:fontRef>
-        </p:style>
-      </p:cxnSp>
-      <p:sp>
-        <p:nvSpPr>
-          <p:cNvPr id="12" name="Rechteck 11">
-            <a:extLst>
-              <a:ext uri="{FF2B5EF4-FFF2-40B4-BE49-F238E27FC236}">
-                <a16:creationId xmlns:a16="http://schemas.microsoft.com/office/drawing/2014/main" id="{FDCC6A87-D090-B124-0FD0-38D9706447C8}"/>
-              </a:ext>
-            </a:extLst>
-          </p:cNvPr>
-          <p:cNvSpPr/>
-          <p:nvPr/>
-        </p:nvSpPr>
-        <p:spPr>
-          <a:xfrm>
-            <a:off x="4486083" y="3002985"/>
-            <a:ext cx="386625" cy="2749337"/>
-          </a:xfrm>
-          <a:prstGeom prst="rect">
-            <a:avLst/>
-          </a:prstGeom>
-          <a:noFill/>
-          <a:ln w="28575">
-            <a:solidFill>
-              <a:srgbClr val="FF0000"/>
-            </a:solidFill>
-          </a:ln>
-        </p:spPr>
-        <p:style>
-          <a:lnRef idx="2">
-            <a:schemeClr val="accent1">
-              <a:shade val="15000"/>
-            </a:schemeClr>
-          </a:lnRef>
-          <a:fillRef idx="1">
-            <a:schemeClr val="accent1"/>
-          </a:fillRef>
-          <a:effectRef idx="0">
-            <a:schemeClr val="accent1"/>
-          </a:effectRef>
-          <a:fontRef idx="minor">
-            <a:schemeClr val="lt1"/>
-          </a:fontRef>
-        </p:style>
-        <p:txBody>
-          <a:bodyPr rtlCol="0" anchor="ctr"/>
-          <a:lstStyle/>
-          <a:p>
-            <a:pPr algn="ctr"/>
-            <a:endParaRPr lang="de-DE"/>
-          </a:p>
-        </p:txBody>
-      </p:sp>
-      <p:sp>
-        <p:nvSpPr>
-          <p:cNvPr id="16" name="Textfeld 15">
-            <a:extLst>
-              <a:ext uri="{FF2B5EF4-FFF2-40B4-BE49-F238E27FC236}">
-                <a16:creationId xmlns:a16="http://schemas.microsoft.com/office/drawing/2014/main" id="{3FEE51D1-14AA-8F50-D4F4-7F98825609E8}"/>
-              </a:ext>
-            </a:extLst>
-          </p:cNvPr>
-          <p:cNvSpPr txBox="1"/>
-          <p:nvPr/>
-        </p:nvSpPr>
-        <p:spPr>
-          <a:xfrm>
-            <a:off x="1601733" y="2373852"/>
-            <a:ext cx="3270975" cy="369332"/>
-          </a:xfrm>
-          <a:prstGeom prst="rect">
-            <a:avLst/>
-          </a:prstGeom>
-          <a:noFill/>
-        </p:spPr>
-        <p:txBody>
-          <a:bodyPr wrap="square" rtlCol="0">
-            <a:spAutoFit/>
-          </a:bodyPr>
-          <a:lstStyle/>
-          <a:p>
-            <a:r>
-              <a:rPr lang="en-US" b="1" dirty="0"/>
-              <a:t>“</a:t>
-            </a:r>
-            <a:r>
-              <a:rPr lang="en-US" b="1" dirty="0" err="1"/>
-              <a:t>klassische</a:t>
-            </a:r>
-            <a:r>
-              <a:rPr lang="en-US" b="1" dirty="0"/>
-              <a:t>” </a:t>
-            </a:r>
-            <a:r>
-              <a:rPr lang="en-US" b="1" dirty="0" err="1"/>
-              <a:t>Probleme</a:t>
-            </a:r>
-            <a:endParaRPr lang="de-DE" b="1" dirty="0"/>
-          </a:p>
-        </p:txBody>
-      </p:sp>
-      <p:sp>
-        <p:nvSpPr>
-          <p:cNvPr id="17" name="Titel 1">
-            <a:extLst>
-              <a:ext uri="{FF2B5EF4-FFF2-40B4-BE49-F238E27FC236}">
-                <a16:creationId xmlns:a16="http://schemas.microsoft.com/office/drawing/2014/main" id="{9D0596BB-A368-19AC-99B9-B074A422EC3F}"/>
-              </a:ext>
-            </a:extLst>
-          </p:cNvPr>
-          <p:cNvSpPr>
-            <a:spLocks noGrp="1"/>
-          </p:cNvSpPr>
-          <p:nvPr>
-            <p:ph type="title"/>
-          </p:nvPr>
-        </p:nvSpPr>
-        <p:spPr>
-          <a:xfrm>
-            <a:off x="762000" y="762000"/>
-            <a:ext cx="10668000" cy="1524000"/>
-          </a:xfrm>
-        </p:spPr>
-        <p:txBody>
-          <a:bodyPr/>
-          <a:lstStyle/>
-          <a:p>
-            <a:r>
-              <a:rPr lang="de-DE" noProof="0" dirty="0"/>
-              <a:t>3. Produktzwischenstand</a:t>
-            </a:r>
-            <a:endParaRPr lang="de-DE" dirty="0"/>
-          </a:p>
-        </p:txBody>
-      </p:sp>
-    </p:spTree>
-    <p:extLst>
-      <p:ext uri="{BB962C8B-B14F-4D97-AF65-F5344CB8AC3E}">
-        <p14:creationId xmlns:p14="http://schemas.microsoft.com/office/powerpoint/2010/main" val="2620450788"/>
-      </p:ext>
-    </p:extLst>
-  </p:cSld>
-  <p:clrMapOvr>
-    <a:masterClrMapping/>
-  </p:clrMapOvr>
-  <p:timing>
-    <p:tnLst>
-      <p:par>
-        <p:cTn id="1" dur="indefinite" restart="never" nodeType="tmRoot">
-          <p:childTnLst>
-            <p:seq concurrent="1" nextAc="seek">
-              <p:cTn id="2" dur="indefinite" nodeType="mainSeq">
-                <p:childTnLst>
-                  <p:par>
-                    <p:cTn id="3" fill="hold">
-                      <p:stCondLst>
-                        <p:cond delay="indefinite"/>
-                      </p:stCondLst>
-                      <p:childTnLst>
-                        <p:par>
-                          <p:cTn id="4" fill="hold">
-                            <p:stCondLst>
-                              <p:cond delay="0"/>
-                            </p:stCondLst>
-                            <p:childTnLst>
-                              <p:par>
-                                <p:cTn id="5" presetID="1" presetClass="entr" presetSubtype="0" fill="hold" nodeType="clickEffect">
-                                  <p:stCondLst>
-                                    <p:cond delay="0"/>
-                                  </p:stCondLst>
-                                  <p:childTnLst>
-                                    <p:set>
-                                      <p:cBhvr>
-                                        <p:cTn id="6" dur="1" fill="hold">
-                                          <p:stCondLst>
-                                            <p:cond delay="0"/>
-                                          </p:stCondLst>
-                                        </p:cTn>
-                                        <p:tgtEl>
-                                          <p:spTgt spid="7"/>
-                                        </p:tgtEl>
-                                        <p:attrNameLst>
-                                          <p:attrName>style.visibility</p:attrName>
-                                        </p:attrNameLst>
-                                      </p:cBhvr>
-                                      <p:to>
-                                        <p:strVal val="visible"/>
-                                      </p:to>
-                                    </p:set>
-                                  </p:childTnLst>
-                                </p:cTn>
-                              </p:par>
-                              <p:par>
-                                <p:cTn id="7" presetID="1" presetClass="entr" presetSubtype="0" fill="hold" grpId="0" nodeType="withEffect">
-                                  <p:stCondLst>
-                                    <p:cond delay="0"/>
-                                  </p:stCondLst>
-                                  <p:childTnLst>
-                                    <p:set>
-                                      <p:cBhvr>
-                                        <p:cTn id="8" dur="1" fill="hold">
-                                          <p:stCondLst>
-                                            <p:cond delay="0"/>
-                                          </p:stCondLst>
-                                        </p:cTn>
-                                        <p:tgtEl>
-                                          <p:spTgt spid="12"/>
-                                        </p:tgtEl>
-                                        <p:attrNameLst>
-                                          <p:attrName>style.visibility</p:attrName>
-                                        </p:attrNameLst>
-                                      </p:cBhvr>
-                                      <p:to>
-                                        <p:strVal val="visible"/>
-                                      </p:to>
-                                    </p:set>
-                                  </p:childTnLst>
-                                </p:cTn>
-                              </p:par>
-                            </p:childTnLst>
-                          </p:cTn>
-                        </p:par>
-                      </p:childTnLst>
-                    </p:cTn>
-                  </p:par>
-                </p:childTnLst>
-              </p:cTn>
-              <p:prevCondLst>
-                <p:cond evt="onPrev" delay="0">
-                  <p:tgtEl>
-                    <p:sldTgt/>
-                  </p:tgtEl>
-                </p:cond>
-              </p:prevCondLst>
-              <p:nextCondLst>
-                <p:cond evt="onNext" delay="0">
-                  <p:tgtEl>
-                    <p:sldTgt/>
-                  </p:tgtEl>
-                </p:cond>
-              </p:nextCondLst>
-            </p:seq>
-          </p:childTnLst>
-        </p:cTn>
-      </p:par>
-    </p:tnLst>
-    <p:bldLst>
-      <p:bldP spid="12" grpId="0" animBg="1"/>
-    </p:bldLst>
-  </p:timing>
-</p:sld>
-</file>
-
-<file path=ppt/slides/slide15.xml><?xml version="1.0" encoding="utf-8"?>
-<p:sld xmlns:a="http://schemas.openxmlformats.org/drawingml/2006/main" xmlns:r="http://schemas.openxmlformats.org/officeDocument/2006/relationships" xmlns:p="http://schemas.openxmlformats.org/presentationml/2006/main">
-  <p:cSld>
-    <p:spTree>
-      <p:nvGrpSpPr>
-        <p:cNvPr id="1" name=""/>
-        <p:cNvGrpSpPr/>
-        <p:nvPr/>
-      </p:nvGrpSpPr>
-      <p:grpSpPr>
-        <a:xfrm>
-          <a:off x="0" y="0"/>
-          <a:ext cx="0" cy="0"/>
-          <a:chOff x="0" y="0"/>
-          <a:chExt cx="0" cy="0"/>
-        </a:xfrm>
-      </p:grpSpPr>
-      <p:sp>
-        <p:nvSpPr>
-          <p:cNvPr id="2" name="Titel 1">
-            <a:extLst>
-              <a:ext uri="{FF2B5EF4-FFF2-40B4-BE49-F238E27FC236}">
-                <a16:creationId xmlns:a16="http://schemas.microsoft.com/office/drawing/2014/main" id="{87F9582B-573F-6C3F-9FF6-79F513507039}"/>
-              </a:ext>
-            </a:extLst>
-          </p:cNvPr>
-          <p:cNvSpPr>
-            <a:spLocks noGrp="1"/>
-          </p:cNvSpPr>
-          <p:nvPr>
-            <p:ph type="title"/>
-          </p:nvPr>
-        </p:nvSpPr>
-        <p:spPr/>
-        <p:txBody>
-          <a:bodyPr/>
-          <a:lstStyle/>
-          <a:p>
-            <a:r>
-              <a:rPr lang="de-DE" noProof="0" dirty="0"/>
-              <a:t>3. Produktzwischenstand</a:t>
-            </a:r>
-            <a:endParaRPr lang="de-DE" dirty="0"/>
-          </a:p>
-        </p:txBody>
-      </p:sp>
-      <p:sp>
-        <p:nvSpPr>
-          <p:cNvPr id="5" name="Datumsplatzhalter 4">
-            <a:extLst>
-              <a:ext uri="{FF2B5EF4-FFF2-40B4-BE49-F238E27FC236}">
-                <a16:creationId xmlns:a16="http://schemas.microsoft.com/office/drawing/2014/main" id="{6AF35EB7-BF13-9CF9-818F-42D64D4D5E06}"/>
-              </a:ext>
-            </a:extLst>
-          </p:cNvPr>
-          <p:cNvSpPr>
-            <a:spLocks noGrp="1"/>
-          </p:cNvSpPr>
-          <p:nvPr>
-            <p:ph type="dt" sz="half" idx="10"/>
-          </p:nvPr>
-        </p:nvSpPr>
-        <p:spPr/>
-        <p:txBody>
-          <a:bodyPr/>
-          <a:lstStyle/>
-          <a:p>
-            <a:fld id="{12AE7323-5CDD-4051-9975-1729D84443C7}" type="datetime1">
-              <a:rPr lang="de-DE" smtClean="0"/>
-              <a:t>11.01.2025</a:t>
-            </a:fld>
-            <a:endParaRPr lang="en-US"/>
-          </a:p>
-        </p:txBody>
-      </p:sp>
-      <p:sp>
-        <p:nvSpPr>
-          <p:cNvPr id="6" name="Foliennummernplatzhalter 5">
-            <a:extLst>
-              <a:ext uri="{FF2B5EF4-FFF2-40B4-BE49-F238E27FC236}">
-                <a16:creationId xmlns:a16="http://schemas.microsoft.com/office/drawing/2014/main" id="{65FC5FEC-C21A-BF50-7AE5-B7D6995E7EA3}"/>
-              </a:ext>
-            </a:extLst>
-          </p:cNvPr>
-          <p:cNvSpPr>
-            <a:spLocks noGrp="1"/>
-          </p:cNvSpPr>
-          <p:nvPr>
-            <p:ph type="sldNum" sz="quarter" idx="12"/>
-          </p:nvPr>
-        </p:nvSpPr>
-        <p:spPr/>
-        <p:txBody>
-          <a:bodyPr/>
-          <a:lstStyle/>
-          <a:p>
-            <a:fld id="{07CE569E-9B7C-4CB9-AB80-C0841F922CFF}" type="slidenum">
-              <a:rPr lang="en-US" smtClean="0"/>
-              <a:t>15</a:t>
-            </a:fld>
-            <a:endParaRPr lang="en-US"/>
-          </a:p>
-        </p:txBody>
-      </p:sp>
-      <p:sp>
-        <p:nvSpPr>
-          <p:cNvPr id="3" name="Textfeld 2">
-            <a:extLst>
-              <a:ext uri="{FF2B5EF4-FFF2-40B4-BE49-F238E27FC236}">
-                <a16:creationId xmlns:a16="http://schemas.microsoft.com/office/drawing/2014/main" id="{D9DF8A3A-B0A3-6DF4-3436-4938E6B4F2B5}"/>
-              </a:ext>
-            </a:extLst>
-          </p:cNvPr>
-          <p:cNvSpPr txBox="1"/>
-          <p:nvPr/>
-        </p:nvSpPr>
-        <p:spPr>
-          <a:xfrm>
-            <a:off x="1986846" y="2708613"/>
-            <a:ext cx="3890803" cy="646331"/>
-          </a:xfrm>
-          <a:prstGeom prst="rect">
-            <a:avLst/>
-          </a:prstGeom>
-          <a:noFill/>
-        </p:spPr>
-        <p:txBody>
-          <a:bodyPr wrap="square" rtlCol="0">
-            <a:spAutoFit/>
-          </a:bodyPr>
-          <a:lstStyle/>
-          <a:p>
-            <a:r>
-              <a:rPr lang="en-US" b="1" dirty="0"/>
-              <a:t>Login für </a:t>
-            </a:r>
-            <a:r>
-              <a:rPr lang="en-US" b="1" dirty="0" err="1"/>
-              <a:t>Küchen</a:t>
-            </a:r>
-            <a:r>
-              <a:rPr lang="en-US" b="1" dirty="0"/>
-              <a:t>-Mitarbeiter +</a:t>
-            </a:r>
-          </a:p>
-          <a:p>
-            <a:r>
-              <a:rPr lang="en-US" b="1" dirty="0"/>
-              <a:t> </a:t>
-            </a:r>
-            <a:r>
-              <a:rPr lang="en-US" b="1" dirty="0" err="1"/>
-              <a:t>Küchen-Ansicht</a:t>
-            </a:r>
-            <a:endParaRPr lang="de-DE" b="1" dirty="0"/>
-          </a:p>
-        </p:txBody>
-      </p:sp>
-      <p:pic>
-        <p:nvPicPr>
-          <p:cNvPr id="11" name="Grafik 10">
-            <a:extLst>
-              <a:ext uri="{FF2B5EF4-FFF2-40B4-BE49-F238E27FC236}">
-                <a16:creationId xmlns:a16="http://schemas.microsoft.com/office/drawing/2014/main" id="{C3B142F8-D595-F3D0-53F2-D43784670F91}"/>
-              </a:ext>
-            </a:extLst>
-          </p:cNvPr>
-          <p:cNvPicPr>
-            <a:picLocks noChangeAspect="1"/>
-          </p:cNvPicPr>
-          <p:nvPr/>
-        </p:nvPicPr>
-        <p:blipFill>
-          <a:blip r:embed="rId2"/>
-          <a:stretch>
-            <a:fillRect/>
-          </a:stretch>
-        </p:blipFill>
-        <p:spPr>
-          <a:xfrm>
-            <a:off x="3932248" y="3451462"/>
-            <a:ext cx="1827736" cy="2393464"/>
-          </a:xfrm>
-          <a:prstGeom prst="rect">
-            <a:avLst/>
-          </a:prstGeom>
-        </p:spPr>
-      </p:pic>
-      <p:pic>
-        <p:nvPicPr>
-          <p:cNvPr id="15" name="Grafik 14">
-            <a:extLst>
-              <a:ext uri="{FF2B5EF4-FFF2-40B4-BE49-F238E27FC236}">
-                <a16:creationId xmlns:a16="http://schemas.microsoft.com/office/drawing/2014/main" id="{3C1DE59F-BC71-6AD6-A1EA-D622142BB9FD}"/>
-              </a:ext>
-            </a:extLst>
-          </p:cNvPr>
-          <p:cNvPicPr>
-            <a:picLocks noChangeAspect="1"/>
-          </p:cNvPicPr>
-          <p:nvPr/>
-        </p:nvPicPr>
-        <p:blipFill>
-          <a:blip r:embed="rId3"/>
-          <a:srcRect r="20901"/>
-          <a:stretch/>
-        </p:blipFill>
-        <p:spPr>
-          <a:xfrm>
-            <a:off x="7345885" y="1993378"/>
-            <a:ext cx="1988048" cy="3948774"/>
-          </a:xfrm>
-          <a:prstGeom prst="rect">
-            <a:avLst/>
-          </a:prstGeom>
-        </p:spPr>
-      </p:pic>
-    </p:spTree>
-    <p:extLst>
-      <p:ext uri="{BB962C8B-B14F-4D97-AF65-F5344CB8AC3E}">
-        <p14:creationId xmlns:p14="http://schemas.microsoft.com/office/powerpoint/2010/main" val="2028140012"/>
-      </p:ext>
-    </p:extLst>
-  </p:cSld>
-  <p:clrMapOvr>
-    <a:masterClrMapping/>
-  </p:clrMapOvr>
-</p:sld>
-</file>
-
-<file path=ppt/slides/slide16.xml><?xml version="1.0" encoding="utf-8"?>
-<p:sld xmlns:a="http://schemas.openxmlformats.org/drawingml/2006/main" xmlns:r="http://schemas.openxmlformats.org/officeDocument/2006/relationships" xmlns:p="http://schemas.openxmlformats.org/presentationml/2006/main">
-  <p:cSld>
-    <p:spTree>
-      <p:nvGrpSpPr>
-        <p:cNvPr id="1" name=""/>
-        <p:cNvGrpSpPr/>
-        <p:nvPr/>
-      </p:nvGrpSpPr>
-      <p:grpSpPr>
-        <a:xfrm>
-          <a:off x="0" y="0"/>
-          <a:ext cx="0" cy="0"/>
-          <a:chOff x="0" y="0"/>
-          <a:chExt cx="0" cy="0"/>
-        </a:xfrm>
-      </p:grpSpPr>
-      <p:sp>
-        <p:nvSpPr>
-          <p:cNvPr id="2" name="Titel 1">
-            <a:extLst>
-              <a:ext uri="{FF2B5EF4-FFF2-40B4-BE49-F238E27FC236}">
-                <a16:creationId xmlns:a16="http://schemas.microsoft.com/office/drawing/2014/main" id="{B1C4B512-22E9-E7BC-2F39-52FA98096470}"/>
-              </a:ext>
-            </a:extLst>
-          </p:cNvPr>
-          <p:cNvSpPr>
-            <a:spLocks noGrp="1"/>
-          </p:cNvSpPr>
-          <p:nvPr>
-            <p:ph type="title"/>
-          </p:nvPr>
-        </p:nvSpPr>
-        <p:spPr/>
-        <p:txBody>
-          <a:bodyPr/>
-          <a:lstStyle/>
-          <a:p>
-            <a:r>
-              <a:rPr lang="de-DE" dirty="0"/>
-              <a:t>3. Produktzwischenstand</a:t>
-            </a:r>
-          </a:p>
-        </p:txBody>
-      </p:sp>
-      <p:pic>
-        <p:nvPicPr>
-          <p:cNvPr id="8" name="Inhaltsplatzhalter 7">
-            <a:extLst>
-              <a:ext uri="{FF2B5EF4-FFF2-40B4-BE49-F238E27FC236}">
-                <a16:creationId xmlns:a16="http://schemas.microsoft.com/office/drawing/2014/main" id="{504B7381-E1C9-27E1-F63C-D2A3D439D31E}"/>
-              </a:ext>
-            </a:extLst>
-          </p:cNvPr>
-          <p:cNvPicPr>
-            <a:picLocks noGrp="1" noChangeAspect="1"/>
-          </p:cNvPicPr>
-          <p:nvPr>
-            <p:ph sz="half" idx="1"/>
-          </p:nvPr>
-        </p:nvPicPr>
-        <p:blipFill>
-          <a:blip r:embed="rId2"/>
-          <a:stretch>
-            <a:fillRect/>
-          </a:stretch>
-        </p:blipFill>
-        <p:spPr>
-          <a:xfrm>
-            <a:off x="2962397" y="3872929"/>
-            <a:ext cx="2787611" cy="2575752"/>
-          </a:xfrm>
-        </p:spPr>
-      </p:pic>
-      <p:sp>
-        <p:nvSpPr>
-          <p:cNvPr id="5" name="Datumsplatzhalter 4">
-            <a:extLst>
-              <a:ext uri="{FF2B5EF4-FFF2-40B4-BE49-F238E27FC236}">
-                <a16:creationId xmlns:a16="http://schemas.microsoft.com/office/drawing/2014/main" id="{797C75E9-1A01-0510-7271-BFD588356DAE}"/>
-              </a:ext>
-            </a:extLst>
-          </p:cNvPr>
-          <p:cNvSpPr>
-            <a:spLocks noGrp="1"/>
-          </p:cNvSpPr>
-          <p:nvPr>
-            <p:ph type="dt" sz="half" idx="10"/>
-          </p:nvPr>
-        </p:nvSpPr>
-        <p:spPr/>
-        <p:txBody>
-          <a:bodyPr/>
-          <a:lstStyle/>
-          <a:p>
-            <a:fld id="{12AE7323-5CDD-4051-9975-1729D84443C7}" type="datetime1">
-              <a:rPr lang="de-DE" smtClean="0"/>
-              <a:t>11.01.2025</a:t>
-            </a:fld>
-            <a:endParaRPr lang="en-US"/>
-          </a:p>
-        </p:txBody>
-      </p:sp>
-      <p:sp>
-        <p:nvSpPr>
-          <p:cNvPr id="6" name="Foliennummernplatzhalter 5">
-            <a:extLst>
-              <a:ext uri="{FF2B5EF4-FFF2-40B4-BE49-F238E27FC236}">
-                <a16:creationId xmlns:a16="http://schemas.microsoft.com/office/drawing/2014/main" id="{332CAA81-192A-C96D-0378-51DE24B5C3B7}"/>
-              </a:ext>
-            </a:extLst>
-          </p:cNvPr>
-          <p:cNvSpPr>
-            <a:spLocks noGrp="1"/>
-          </p:cNvSpPr>
-          <p:nvPr>
-            <p:ph type="sldNum" sz="quarter" idx="12"/>
-          </p:nvPr>
-        </p:nvSpPr>
-        <p:spPr/>
-        <p:txBody>
-          <a:bodyPr/>
-          <a:lstStyle/>
-          <a:p>
-            <a:fld id="{07CE569E-9B7C-4CB9-AB80-C0841F922CFF}" type="slidenum">
-              <a:rPr lang="en-US" smtClean="0"/>
-              <a:t>16</a:t>
-            </a:fld>
-            <a:endParaRPr lang="en-US"/>
-          </a:p>
-        </p:txBody>
-      </p:sp>
-      <p:pic>
-        <p:nvPicPr>
-          <p:cNvPr id="12" name="Grafik 11">
-            <a:extLst>
-              <a:ext uri="{FF2B5EF4-FFF2-40B4-BE49-F238E27FC236}">
-                <a16:creationId xmlns:a16="http://schemas.microsoft.com/office/drawing/2014/main" id="{63BE612D-5687-2319-947E-C4F2AF1F78CC}"/>
-              </a:ext>
-            </a:extLst>
-          </p:cNvPr>
-          <p:cNvPicPr>
-            <a:picLocks noChangeAspect="1"/>
-          </p:cNvPicPr>
-          <p:nvPr/>
-        </p:nvPicPr>
-        <p:blipFill>
-          <a:blip r:embed="rId3"/>
-          <a:stretch>
-            <a:fillRect/>
-          </a:stretch>
-        </p:blipFill>
-        <p:spPr>
-          <a:xfrm>
-            <a:off x="6627582" y="2117981"/>
-            <a:ext cx="2328978" cy="4330700"/>
-          </a:xfrm>
-          <a:prstGeom prst="rect">
-            <a:avLst/>
-          </a:prstGeom>
-        </p:spPr>
-      </p:pic>
-      <p:sp>
-        <p:nvSpPr>
-          <p:cNvPr id="15" name="Textfeld 14">
-            <a:extLst>
-              <a:ext uri="{FF2B5EF4-FFF2-40B4-BE49-F238E27FC236}">
-                <a16:creationId xmlns:a16="http://schemas.microsoft.com/office/drawing/2014/main" id="{0CB7A0D4-8F31-4CA9-CC56-B759CD1DDCB4}"/>
-              </a:ext>
-            </a:extLst>
-          </p:cNvPr>
-          <p:cNvSpPr txBox="1"/>
-          <p:nvPr/>
-        </p:nvSpPr>
-        <p:spPr>
-          <a:xfrm>
-            <a:off x="1245793" y="2684065"/>
-            <a:ext cx="6026448" cy="369332"/>
-          </a:xfrm>
-          <a:prstGeom prst="rect">
-            <a:avLst/>
-          </a:prstGeom>
-          <a:noFill/>
-        </p:spPr>
-        <p:txBody>
-          <a:bodyPr wrap="square" rtlCol="0">
-            <a:spAutoFit/>
-          </a:bodyPr>
-          <a:lstStyle/>
-          <a:p>
-            <a:r>
-              <a:rPr lang="en-US" b="1" dirty="0"/>
-              <a:t>Logo-Design </a:t>
-            </a:r>
-            <a:r>
-              <a:rPr lang="en-US" b="1" dirty="0" err="1"/>
-              <a:t>Überarbeitung</a:t>
-            </a:r>
-            <a:endParaRPr lang="de-DE" b="1" dirty="0"/>
-          </a:p>
-        </p:txBody>
-      </p:sp>
-    </p:spTree>
-    <p:extLst>
-      <p:ext uri="{BB962C8B-B14F-4D97-AF65-F5344CB8AC3E}">
-        <p14:creationId xmlns:p14="http://schemas.microsoft.com/office/powerpoint/2010/main" val="2979015269"/>
-      </p:ext>
-    </p:extLst>
-  </p:cSld>
-  <p:clrMapOvr>
-    <a:masterClrMapping/>
-  </p:clrMapOvr>
-</p:sld>
-</file>
-
-<file path=ppt/slides/slide17.xml><?xml version="1.0" encoding="utf-8"?>
-<p:sld xmlns:a="http://schemas.openxmlformats.org/drawingml/2006/main" xmlns:r="http://schemas.openxmlformats.org/officeDocument/2006/relationships" xmlns:p="http://schemas.openxmlformats.org/presentationml/2006/main">
-  <p:cSld>
-    <p:spTree>
-      <p:nvGrpSpPr>
-        <p:cNvPr id="1" name="">
-          <a:extLst>
-            <a:ext uri="{FF2B5EF4-FFF2-40B4-BE49-F238E27FC236}">
-              <a16:creationId xmlns:a16="http://schemas.microsoft.com/office/drawing/2014/main" id="{C5F9D20F-1259-1DD4-66CE-2CBDC00607BF}"/>
-            </a:ext>
-          </a:extLst>
-        </p:cNvPr>
-        <p:cNvGrpSpPr/>
-        <p:nvPr/>
-      </p:nvGrpSpPr>
-      <p:grpSpPr>
-        <a:xfrm>
-          <a:off x="0" y="0"/>
-          <a:ext cx="0" cy="0"/>
-          <a:chOff x="0" y="0"/>
-          <a:chExt cx="0" cy="0"/>
-        </a:xfrm>
-      </p:grpSpPr>
-      <p:sp>
-        <p:nvSpPr>
-          <p:cNvPr id="2" name="Titel 1">
-            <a:extLst>
-              <a:ext uri="{FF2B5EF4-FFF2-40B4-BE49-F238E27FC236}">
-                <a16:creationId xmlns:a16="http://schemas.microsoft.com/office/drawing/2014/main" id="{F38F1474-9419-C444-A28A-E12FABF05F5B}"/>
-              </a:ext>
-            </a:extLst>
-          </p:cNvPr>
-          <p:cNvSpPr>
-            <a:spLocks noGrp="1"/>
-          </p:cNvSpPr>
-          <p:nvPr>
-            <p:ph type="title"/>
-          </p:nvPr>
-        </p:nvSpPr>
-        <p:spPr/>
-        <p:txBody>
-          <a:bodyPr/>
-          <a:lstStyle/>
-          <a:p>
-            <a:r>
-              <a:rPr lang="de-DE" noProof="0" dirty="0"/>
-              <a:t>4. Detailplanung – Sprint 2</a:t>
-            </a:r>
-          </a:p>
-        </p:txBody>
-      </p:sp>
-      <p:sp>
-        <p:nvSpPr>
-          <p:cNvPr id="4" name="Datumsplatzhalter 3">
-            <a:extLst>
-              <a:ext uri="{FF2B5EF4-FFF2-40B4-BE49-F238E27FC236}">
-                <a16:creationId xmlns:a16="http://schemas.microsoft.com/office/drawing/2014/main" id="{A61AD540-48A5-C28A-EAB3-FC9343A26E5E}"/>
-              </a:ext>
-            </a:extLst>
-          </p:cNvPr>
-          <p:cNvSpPr>
-            <a:spLocks noGrp="1"/>
-          </p:cNvSpPr>
-          <p:nvPr>
-            <p:ph type="dt" sz="half" idx="10"/>
-          </p:nvPr>
-        </p:nvSpPr>
-        <p:spPr/>
-        <p:txBody>
-          <a:bodyPr/>
-          <a:lstStyle/>
-          <a:p>
-            <a:fld id="{42B45B56-1D88-4042-8DF0-EB6B41B710D3}" type="datetime1">
-              <a:rPr lang="de-DE" noProof="0" smtClean="0"/>
-              <a:t>11.01.2025</a:t>
-            </a:fld>
-            <a:endParaRPr lang="de-DE" noProof="0" dirty="0"/>
-          </a:p>
-        </p:txBody>
-      </p:sp>
-      <p:sp>
-        <p:nvSpPr>
-          <p:cNvPr id="5" name="Foliennummernplatzhalter 4">
-            <a:extLst>
-              <a:ext uri="{FF2B5EF4-FFF2-40B4-BE49-F238E27FC236}">
-                <a16:creationId xmlns:a16="http://schemas.microsoft.com/office/drawing/2014/main" id="{0FCCF7DF-8E4D-8D49-043D-1CEC9B567358}"/>
-              </a:ext>
-            </a:extLst>
-          </p:cNvPr>
-          <p:cNvSpPr>
-            <a:spLocks noGrp="1"/>
-          </p:cNvSpPr>
-          <p:nvPr>
-            <p:ph type="sldNum" sz="quarter" idx="12"/>
-          </p:nvPr>
-        </p:nvSpPr>
-        <p:spPr/>
-        <p:txBody>
-          <a:bodyPr/>
-          <a:lstStyle/>
-          <a:p>
-            <a:fld id="{07CE569E-9B7C-4CB9-AB80-C0841F922CFF}" type="slidenum">
-              <a:rPr lang="de-DE" noProof="0" smtClean="0"/>
-              <a:t>17</a:t>
-            </a:fld>
-            <a:endParaRPr lang="de-DE" noProof="0" dirty="0"/>
-          </a:p>
-        </p:txBody>
-      </p:sp>
-      <p:pic>
-        <p:nvPicPr>
-          <p:cNvPr id="7" name="Grafik 6">
-            <a:extLst>
-              <a:ext uri="{FF2B5EF4-FFF2-40B4-BE49-F238E27FC236}">
-                <a16:creationId xmlns:a16="http://schemas.microsoft.com/office/drawing/2014/main" id="{F447DF4A-5353-B320-B18E-CE9C17911E47}"/>
-              </a:ext>
-            </a:extLst>
-          </p:cNvPr>
-          <p:cNvPicPr>
-            <a:picLocks noChangeAspect="1"/>
-          </p:cNvPicPr>
-          <p:nvPr/>
-        </p:nvPicPr>
-        <p:blipFill>
-          <a:blip r:embed="rId2"/>
-          <a:stretch>
-            <a:fillRect/>
-          </a:stretch>
-        </p:blipFill>
-        <p:spPr>
-          <a:xfrm>
-            <a:off x="6884925" y="6278906"/>
-            <a:ext cx="1738967" cy="451906"/>
-          </a:xfrm>
-          <a:prstGeom prst="rect">
-            <a:avLst/>
-          </a:prstGeom>
-        </p:spPr>
-      </p:pic>
-      <p:sp>
-        <p:nvSpPr>
-          <p:cNvPr id="12" name="Textfeld 11">
-            <a:extLst>
-              <a:ext uri="{FF2B5EF4-FFF2-40B4-BE49-F238E27FC236}">
-                <a16:creationId xmlns:a16="http://schemas.microsoft.com/office/drawing/2014/main" id="{6C748691-0350-4F12-29B1-58781F9859C7}"/>
-              </a:ext>
-            </a:extLst>
-          </p:cNvPr>
-          <p:cNvSpPr txBox="1"/>
-          <p:nvPr/>
-        </p:nvSpPr>
-        <p:spPr>
-          <a:xfrm>
-            <a:off x="6884925" y="6327056"/>
-            <a:ext cx="1524000" cy="369332"/>
-          </a:xfrm>
-          <a:prstGeom prst="rect">
-            <a:avLst/>
-          </a:prstGeom>
-          <a:noFill/>
-        </p:spPr>
-        <p:txBody>
-          <a:bodyPr wrap="square" rtlCol="0">
-            <a:spAutoFit/>
-          </a:bodyPr>
-          <a:lstStyle/>
-          <a:p>
-            <a:r>
-              <a:rPr lang="de-DE" noProof="0" dirty="0">
-                <a:solidFill>
-                  <a:srgbClr val="FF0000"/>
-                </a:solidFill>
-              </a:rPr>
-              <a:t>Summe  42</a:t>
-            </a:r>
-          </a:p>
-        </p:txBody>
-      </p:sp>
-      <p:graphicFrame>
-        <p:nvGraphicFramePr>
-          <p:cNvPr id="8" name="Inhaltsplatzhalter 2">
-            <a:extLst>
-              <a:ext uri="{FF2B5EF4-FFF2-40B4-BE49-F238E27FC236}">
-                <a16:creationId xmlns:a16="http://schemas.microsoft.com/office/drawing/2014/main" id="{8DEB5E55-C04C-135E-89B0-4D1F80BDB020}"/>
-              </a:ext>
-            </a:extLst>
-          </p:cNvPr>
-          <p:cNvGraphicFramePr>
-            <a:graphicFrameLocks/>
-          </p:cNvGraphicFramePr>
-          <p:nvPr>
-            <p:extLst>
-              <p:ext uri="{D42A27DB-BD31-4B8C-83A1-F6EECF244321}">
-                <p14:modId xmlns:p14="http://schemas.microsoft.com/office/powerpoint/2010/main" val="919441351"/>
-              </p:ext>
-            </p:extLst>
-          </p:nvPr>
-        </p:nvGraphicFramePr>
-        <p:xfrm>
-          <a:off x="762000" y="1916681"/>
-          <a:ext cx="9647581" cy="4179319"/>
-        </p:xfrm>
-        <a:graphic>
-          <a:graphicData uri="http://schemas.openxmlformats.org/drawingml/2006/table">
-            <a:tbl>
-              <a:tblPr firstRow="1" bandRow="1">
-                <a:tableStyleId>{5C22544A-7EE6-4342-B048-85BDC9FD1C3A}</a:tableStyleId>
-              </a:tblPr>
-              <a:tblGrid>
-                <a:gridCol w="3319405">
-                  <a:extLst>
-                    <a:ext uri="{9D8B030D-6E8A-4147-A177-3AD203B41FA5}">
-                      <a16:colId xmlns:a16="http://schemas.microsoft.com/office/drawing/2014/main" val="230851902"/>
-                    </a:ext>
-                  </a:extLst>
-                </a:gridCol>
-                <a:gridCol w="2022555">
-                  <a:extLst>
-                    <a:ext uri="{9D8B030D-6E8A-4147-A177-3AD203B41FA5}">
-                      <a16:colId xmlns:a16="http://schemas.microsoft.com/office/drawing/2014/main" val="2657664356"/>
-                    </a:ext>
-                  </a:extLst>
-                </a:gridCol>
-                <a:gridCol w="1510291">
-                  <a:extLst>
-                    <a:ext uri="{9D8B030D-6E8A-4147-A177-3AD203B41FA5}">
-                      <a16:colId xmlns:a16="http://schemas.microsoft.com/office/drawing/2014/main" val="4098082685"/>
-                    </a:ext>
-                  </a:extLst>
-                </a:gridCol>
-                <a:gridCol w="1510291">
-                  <a:extLst>
-                    <a:ext uri="{9D8B030D-6E8A-4147-A177-3AD203B41FA5}">
-                      <a16:colId xmlns:a16="http://schemas.microsoft.com/office/drawing/2014/main" val="1293295862"/>
-                    </a:ext>
-                  </a:extLst>
-                </a:gridCol>
-                <a:gridCol w="1285039">
-                  <a:extLst>
-                    <a:ext uri="{9D8B030D-6E8A-4147-A177-3AD203B41FA5}">
-                      <a16:colId xmlns:a16="http://schemas.microsoft.com/office/drawing/2014/main" val="2360363224"/>
-                    </a:ext>
-                  </a:extLst>
-                </a:gridCol>
-              </a:tblGrid>
-              <a:tr h="515990">
-                <a:tc>
-                  <a:txBody>
-                    <a:bodyPr/>
-                    <a:lstStyle/>
-                    <a:p>
-                      <a:r>
-                        <a:rPr lang="de-DE" sz="1400" noProof="0" dirty="0"/>
-                        <a:t>Aufgabe</a:t>
-                      </a:r>
-                    </a:p>
-                  </a:txBody>
-                  <a:tcPr/>
-                </a:tc>
-                <a:tc>
-                  <a:txBody>
-                    <a:bodyPr/>
-                    <a:lstStyle/>
-                    <a:p>
-                      <a:r>
-                        <a:rPr lang="de-DE" sz="1400" noProof="0" dirty="0"/>
-                        <a:t>Zuständigkeit</a:t>
-                      </a:r>
-                    </a:p>
-                  </a:txBody>
-                  <a:tcPr/>
-                </a:tc>
-                <a:tc>
-                  <a:txBody>
-                    <a:bodyPr/>
-                    <a:lstStyle/>
-                    <a:p>
-                      <a:r>
-                        <a:rPr lang="de-DE" sz="1400" noProof="0" dirty="0"/>
-                        <a:t>Aufwand geschätzt</a:t>
-                      </a:r>
-                    </a:p>
-                  </a:txBody>
-                  <a:tcPr/>
-                </a:tc>
-                <a:tc>
-                  <a:txBody>
-                    <a:bodyPr/>
-                    <a:lstStyle/>
-                    <a:p>
-                      <a:r>
-                        <a:rPr lang="de-DE" sz="1400" noProof="0" dirty="0"/>
-                        <a:t>Aufwand tatsächlich</a:t>
-                      </a:r>
-                    </a:p>
-                  </a:txBody>
-                  <a:tcPr/>
-                </a:tc>
-                <a:tc>
-                  <a:txBody>
-                    <a:bodyPr/>
-                    <a:lstStyle/>
-                    <a:p>
-                      <a:r>
-                        <a:rPr lang="de-DE" sz="1400" noProof="0" dirty="0"/>
-                        <a:t>Status</a:t>
-                      </a:r>
-                    </a:p>
-                  </a:txBody>
-                  <a:tcPr/>
-                </a:tc>
-                <a:extLst>
-                  <a:ext uri="{0D108BD9-81ED-4DB2-BD59-A6C34878D82A}">
-                    <a16:rowId xmlns:a16="http://schemas.microsoft.com/office/drawing/2014/main" val="2749238170"/>
-                  </a:ext>
-                </a:extLst>
-              </a:tr>
-              <a:tr h="643639">
-                <a:tc>
-                  <a:txBody>
-                    <a:bodyPr/>
-                    <a:lstStyle/>
-                    <a:p>
-                      <a:r>
-                        <a:rPr lang="de-DE" sz="1400" noProof="0" dirty="0"/>
-                        <a:t>Dokumentation + Projekt Management + Architekturdokument</a:t>
-                      </a:r>
-                    </a:p>
-                  </a:txBody>
-                  <a:tcPr/>
-                </a:tc>
-                <a:tc>
-                  <a:txBody>
-                    <a:bodyPr/>
-                    <a:lstStyle/>
-                    <a:p>
-                      <a:r>
-                        <a:rPr lang="de-DE" sz="1400" noProof="0" dirty="0"/>
-                        <a:t>Alle</a:t>
-                      </a:r>
-                    </a:p>
-                  </a:txBody>
-                  <a:tcPr/>
-                </a:tc>
-                <a:tc>
-                  <a:txBody>
-                    <a:bodyPr/>
-                    <a:lstStyle/>
-                    <a:p>
-                      <a:r>
-                        <a:rPr lang="de-DE" sz="1400" noProof="0" dirty="0"/>
-                        <a:t>16</a:t>
-                      </a:r>
-                    </a:p>
-                  </a:txBody>
-                  <a:tcPr/>
-                </a:tc>
-                <a:tc>
-                  <a:txBody>
-                    <a:bodyPr/>
-                    <a:lstStyle/>
-                    <a:p>
-                      <a:r>
-                        <a:rPr lang="de-DE" sz="1400" noProof="0" dirty="0"/>
-                        <a:t>14</a:t>
-                      </a:r>
-                    </a:p>
-                  </a:txBody>
-                  <a:tcPr/>
-                </a:tc>
-                <a:tc>
-                  <a:txBody>
-                    <a:bodyPr/>
-                    <a:lstStyle/>
-                    <a:p>
-                      <a:r>
-                        <a:rPr lang="de-DE" sz="1400" noProof="0" dirty="0"/>
-                        <a:t>Erledigt</a:t>
-                      </a:r>
-                    </a:p>
-                  </a:txBody>
-                  <a:tcPr/>
-                </a:tc>
-                <a:extLst>
-                  <a:ext uri="{0D108BD9-81ED-4DB2-BD59-A6C34878D82A}">
-                    <a16:rowId xmlns:a16="http://schemas.microsoft.com/office/drawing/2014/main" val="432160553"/>
-                  </a:ext>
-                </a:extLst>
-              </a:tr>
-              <a:tr h="728456">
-                <a:tc>
-                  <a:txBody>
-                    <a:bodyPr/>
-                    <a:lstStyle/>
-                    <a:p>
-                      <a:pPr marL="0" marR="0" lvl="0" indent="0" algn="l" defTabSz="914400" rtl="0" eaLnBrk="1" fontAlgn="auto" latinLnBrk="0" hangingPunct="1">
-                        <a:lnSpc>
-                          <a:spcPct val="100000"/>
-                        </a:lnSpc>
-                        <a:spcBef>
-                          <a:spcPts val="0"/>
-                        </a:spcBef>
-                        <a:spcAft>
-                          <a:spcPts val="0"/>
-                        </a:spcAft>
-                        <a:buClrTx/>
-                        <a:buSzTx/>
-                        <a:buFontTx/>
-                        <a:buNone/>
-                        <a:tabLst/>
-                        <a:defRPr/>
-                      </a:pPr>
-                      <a:r>
-                        <a:rPr lang="de-DE" sz="1400" noProof="0" dirty="0"/>
-                        <a:t>Implementierung der Küchenansicht</a:t>
-                      </a:r>
-                    </a:p>
-                  </a:txBody>
-                  <a:tcPr/>
-                </a:tc>
-                <a:tc>
-                  <a:txBody>
-                    <a:bodyPr/>
-                    <a:lstStyle/>
-                    <a:p>
-                      <a:r>
-                        <a:rPr lang="de-DE" sz="1400" noProof="0" dirty="0"/>
-                        <a:t>Hans Bloching</a:t>
-                      </a:r>
-                    </a:p>
-                    <a:p>
-                      <a:r>
-                        <a:rPr lang="de-DE" sz="1400" noProof="0" dirty="0"/>
-                        <a:t>Vincent Knapp</a:t>
-                      </a:r>
-                    </a:p>
-                    <a:p>
-                      <a:r>
-                        <a:rPr lang="de-DE" sz="1400" noProof="0" dirty="0"/>
-                        <a:t>René Weber</a:t>
-                      </a:r>
-                    </a:p>
-                  </a:txBody>
-                  <a:tcPr/>
-                </a:tc>
-                <a:tc>
-                  <a:txBody>
-                    <a:bodyPr/>
-                    <a:lstStyle/>
-                    <a:p>
-                      <a:r>
-                        <a:rPr lang="de-DE" sz="1400" noProof="0" dirty="0"/>
-                        <a:t>5</a:t>
-                      </a:r>
-                    </a:p>
-                  </a:txBody>
-                  <a:tcPr/>
-                </a:tc>
-                <a:tc>
-                  <a:txBody>
-                    <a:bodyPr/>
-                    <a:lstStyle/>
-                    <a:p>
-                      <a:r>
-                        <a:rPr lang="de-DE" sz="1400" noProof="0" dirty="0"/>
-                        <a:t>7</a:t>
-                      </a:r>
-                    </a:p>
-                  </a:txBody>
-                  <a:tcPr/>
-                </a:tc>
-                <a:tc>
-                  <a:txBody>
-                    <a:bodyPr/>
-                    <a:lstStyle/>
-                    <a:p>
-                      <a:r>
-                        <a:rPr lang="de-DE" sz="1400" noProof="0" dirty="0"/>
-                        <a:t>Erledigt</a:t>
-                      </a:r>
-                    </a:p>
-                  </a:txBody>
-                  <a:tcPr/>
-                </a:tc>
-                <a:extLst>
-                  <a:ext uri="{0D108BD9-81ED-4DB2-BD59-A6C34878D82A}">
-                    <a16:rowId xmlns:a16="http://schemas.microsoft.com/office/drawing/2014/main" val="740267785"/>
-                  </a:ext>
-                </a:extLst>
-              </a:tr>
-              <a:tr h="515990">
-                <a:tc>
-                  <a:txBody>
-                    <a:bodyPr/>
-                    <a:lstStyle/>
-                    <a:p>
-                      <a:r>
-                        <a:rPr lang="de-DE" sz="1400" noProof="0" dirty="0"/>
-                        <a:t>Logik: Anpassen von Speisen im Warenkorb</a:t>
-                      </a:r>
-                    </a:p>
-                  </a:txBody>
-                  <a:tcPr/>
-                </a:tc>
-                <a:tc>
-                  <a:txBody>
-                    <a:bodyPr/>
-                    <a:lstStyle/>
-                    <a:p>
-                      <a:r>
-                        <a:rPr lang="de-DE" sz="1400" noProof="0" dirty="0"/>
-                        <a:t>Vincent Knapp</a:t>
-                      </a:r>
-                    </a:p>
-                    <a:p>
-                      <a:r>
-                        <a:rPr lang="de-DE" sz="1400" noProof="0" dirty="0"/>
-                        <a:t>René Weber</a:t>
-                      </a:r>
-                    </a:p>
-                  </a:txBody>
-                  <a:tcPr/>
-                </a:tc>
-                <a:tc>
-                  <a:txBody>
-                    <a:bodyPr/>
-                    <a:lstStyle/>
-                    <a:p>
-                      <a:r>
-                        <a:rPr lang="de-DE" sz="1400" noProof="0" dirty="0"/>
-                        <a:t>4</a:t>
-                      </a:r>
-                    </a:p>
-                  </a:txBody>
-                  <a:tcPr/>
-                </a:tc>
-                <a:tc>
-                  <a:txBody>
-                    <a:bodyPr/>
-                    <a:lstStyle/>
-                    <a:p>
-                      <a:r>
-                        <a:rPr lang="de-DE" sz="1400" noProof="0" dirty="0"/>
-                        <a:t>4</a:t>
-                      </a:r>
-                    </a:p>
-                  </a:txBody>
-                  <a:tcPr/>
-                </a:tc>
-                <a:tc>
-                  <a:txBody>
-                    <a:bodyPr/>
-                    <a:lstStyle/>
-                    <a:p>
-                      <a:r>
-                        <a:rPr lang="de-DE" sz="1400" noProof="0" dirty="0"/>
-                        <a:t>Erledigt</a:t>
-                      </a:r>
-                    </a:p>
-                  </a:txBody>
-                  <a:tcPr/>
-                </a:tc>
-                <a:extLst>
-                  <a:ext uri="{0D108BD9-81ED-4DB2-BD59-A6C34878D82A}">
-                    <a16:rowId xmlns:a16="http://schemas.microsoft.com/office/drawing/2014/main" val="2603736860"/>
-                  </a:ext>
-                </a:extLst>
-              </a:tr>
-              <a:tr h="515990">
-                <a:tc>
-                  <a:txBody>
-                    <a:bodyPr/>
-                    <a:lstStyle/>
-                    <a:p>
-                      <a:r>
-                        <a:rPr lang="de-DE" sz="1400" noProof="0" dirty="0"/>
-                        <a:t>Logik: Automatische Kalkulation der Kosten</a:t>
-                      </a:r>
-                    </a:p>
-                  </a:txBody>
-                  <a:tcPr/>
-                </a:tc>
-                <a:tc>
-                  <a:txBody>
-                    <a:bodyPr/>
-                    <a:lstStyle/>
-                    <a:p>
-                      <a:r>
-                        <a:rPr lang="de-DE" sz="1400" noProof="0" dirty="0"/>
-                        <a:t>Vincent Knapp</a:t>
-                      </a:r>
-                    </a:p>
-                  </a:txBody>
-                  <a:tcPr/>
-                </a:tc>
-                <a:tc>
-                  <a:txBody>
-                    <a:bodyPr/>
-                    <a:lstStyle/>
-                    <a:p>
-                      <a:r>
-                        <a:rPr lang="de-DE" sz="1400" noProof="0" dirty="0"/>
-                        <a:t>6</a:t>
-                      </a:r>
-                    </a:p>
-                  </a:txBody>
-                  <a:tcPr/>
-                </a:tc>
-                <a:tc>
-                  <a:txBody>
-                    <a:bodyPr/>
-                    <a:lstStyle/>
-                    <a:p>
-                      <a:r>
-                        <a:rPr lang="de-DE" sz="1400" noProof="0" dirty="0"/>
-                        <a:t>5</a:t>
-                      </a:r>
-                    </a:p>
-                  </a:txBody>
-                  <a:tcPr/>
-                </a:tc>
-                <a:tc>
-                  <a:txBody>
-                    <a:bodyPr/>
-                    <a:lstStyle/>
-                    <a:p>
-                      <a:r>
-                        <a:rPr lang="de-DE" sz="1400" noProof="0" dirty="0"/>
-                        <a:t>Erledigt</a:t>
-                      </a:r>
-                    </a:p>
-                  </a:txBody>
-                  <a:tcPr/>
-                </a:tc>
-                <a:extLst>
-                  <a:ext uri="{0D108BD9-81ED-4DB2-BD59-A6C34878D82A}">
-                    <a16:rowId xmlns:a16="http://schemas.microsoft.com/office/drawing/2014/main" val="4252090113"/>
-                  </a:ext>
-                </a:extLst>
-              </a:tr>
-              <a:tr h="515990">
-                <a:tc>
-                  <a:txBody>
-                    <a:bodyPr/>
-                    <a:lstStyle/>
-                    <a:p>
-                      <a:r>
-                        <a:rPr lang="de-DE" sz="1400" noProof="0" dirty="0"/>
-                        <a:t>Logik: Absenden der Bestellung für spezifische Tischnummer</a:t>
-                      </a:r>
-                    </a:p>
-                  </a:txBody>
-                  <a:tcPr/>
-                </a:tc>
-                <a:tc>
-                  <a:txBody>
-                    <a:bodyPr/>
-                    <a:lstStyle/>
-                    <a:p>
-                      <a:r>
-                        <a:rPr lang="de-DE" sz="1400" noProof="0" dirty="0"/>
-                        <a:t>Vincent Knapp</a:t>
-                      </a:r>
-                    </a:p>
-                    <a:p>
-                      <a:r>
-                        <a:rPr lang="de-DE" sz="1400" noProof="0" dirty="0"/>
-                        <a:t>Dennis Haaf</a:t>
-                      </a:r>
-                    </a:p>
-                  </a:txBody>
-                  <a:tcPr/>
-                </a:tc>
-                <a:tc>
-                  <a:txBody>
-                    <a:bodyPr/>
-                    <a:lstStyle/>
-                    <a:p>
-                      <a:r>
-                        <a:rPr lang="de-DE" sz="1400" noProof="0" dirty="0"/>
-                        <a:t>5</a:t>
-                      </a:r>
-                    </a:p>
-                  </a:txBody>
-                  <a:tcPr/>
-                </a:tc>
-                <a:tc>
-                  <a:txBody>
-                    <a:bodyPr/>
-                    <a:lstStyle/>
-                    <a:p>
-                      <a:r>
-                        <a:rPr lang="en-US" sz="1400" noProof="0" dirty="0"/>
-                        <a:t>7</a:t>
-                      </a:r>
-                      <a:endParaRPr lang="de-DE" sz="1400" noProof="0" dirty="0"/>
-                    </a:p>
-                  </a:txBody>
-                  <a:tcPr/>
-                </a:tc>
-                <a:tc>
-                  <a:txBody>
-                    <a:bodyPr/>
-                    <a:lstStyle/>
-                    <a:p>
-                      <a:r>
-                        <a:rPr lang="de-DE" sz="1400" noProof="0" dirty="0"/>
-                        <a:t>Erledigt</a:t>
-                      </a:r>
-                    </a:p>
-                  </a:txBody>
-                  <a:tcPr/>
-                </a:tc>
-                <a:extLst>
-                  <a:ext uri="{0D108BD9-81ED-4DB2-BD59-A6C34878D82A}">
-                    <a16:rowId xmlns:a16="http://schemas.microsoft.com/office/drawing/2014/main" val="1091053033"/>
-                  </a:ext>
-                </a:extLst>
-              </a:tr>
-              <a:tr h="728456">
-                <a:tc>
-                  <a:txBody>
-                    <a:bodyPr/>
-                    <a:lstStyle/>
-                    <a:p>
-                      <a:r>
-                        <a:rPr lang="de-DE" sz="1400" noProof="0" dirty="0"/>
-                        <a:t>Abschluss Warenkorb</a:t>
-                      </a:r>
-                    </a:p>
-                  </a:txBody>
-                  <a:tcPr/>
-                </a:tc>
-                <a:tc>
-                  <a:txBody>
-                    <a:bodyPr/>
-                    <a:lstStyle/>
-                    <a:p>
-                      <a:r>
-                        <a:rPr lang="de-DE" sz="1400" noProof="0" dirty="0"/>
-                        <a:t>Hans Bloching</a:t>
-                      </a:r>
-                    </a:p>
-                    <a:p>
-                      <a:r>
-                        <a:rPr lang="de-DE" sz="1400" noProof="0" dirty="0"/>
-                        <a:t>Vincent Knapp</a:t>
-                      </a:r>
-                    </a:p>
-                    <a:p>
-                      <a:r>
-                        <a:rPr lang="de-DE" sz="1400" noProof="0" dirty="0"/>
-                        <a:t>René Weber</a:t>
-                      </a:r>
-                    </a:p>
-                  </a:txBody>
-                  <a:tcPr/>
-                </a:tc>
-                <a:tc>
-                  <a:txBody>
-                    <a:bodyPr/>
-                    <a:lstStyle/>
-                    <a:p>
-                      <a:r>
-                        <a:rPr lang="de-DE" sz="1400" noProof="0" dirty="0"/>
-                        <a:t>6</a:t>
-                      </a:r>
-                    </a:p>
-                  </a:txBody>
-                  <a:tcPr/>
-                </a:tc>
-                <a:tc>
-                  <a:txBody>
-                    <a:bodyPr/>
-                    <a:lstStyle/>
-                    <a:p>
-                      <a:r>
-                        <a:rPr lang="en-US" sz="1400" noProof="0" dirty="0"/>
-                        <a:t>5</a:t>
-                      </a:r>
-                      <a:endParaRPr lang="de-DE" sz="1400" noProof="0" dirty="0"/>
-                    </a:p>
-                  </a:txBody>
-                  <a:tcPr/>
-                </a:tc>
-                <a:tc>
-                  <a:txBody>
-                    <a:bodyPr/>
-                    <a:lstStyle/>
-                    <a:p>
-                      <a:r>
-                        <a:rPr lang="de-DE" sz="1400" noProof="0" dirty="0"/>
-                        <a:t>Erledigt</a:t>
-                      </a:r>
-                    </a:p>
-                  </a:txBody>
-                  <a:tcPr/>
-                </a:tc>
-                <a:extLst>
-                  <a:ext uri="{0D108BD9-81ED-4DB2-BD59-A6C34878D82A}">
-                    <a16:rowId xmlns:a16="http://schemas.microsoft.com/office/drawing/2014/main" val="2446957633"/>
-                  </a:ext>
-                </a:extLst>
-              </a:tr>
-            </a:tbl>
-          </a:graphicData>
-        </a:graphic>
-      </p:graphicFrame>
-    </p:spTree>
-    <p:extLst>
-      <p:ext uri="{BB962C8B-B14F-4D97-AF65-F5344CB8AC3E}">
-        <p14:creationId xmlns:p14="http://schemas.microsoft.com/office/powerpoint/2010/main" val="2023827376"/>
-      </p:ext>
-    </p:extLst>
-  </p:cSld>
-  <p:clrMapOvr>
-    <a:masterClrMapping/>
-  </p:clrMapOvr>
-</p:sld>
-</file>
-
-<file path=ppt/slides/slide18.xml><?xml version="1.0" encoding="utf-8"?>
-<p:sld xmlns:a="http://schemas.openxmlformats.org/drawingml/2006/main" xmlns:r="http://schemas.openxmlformats.org/officeDocument/2006/relationships" xmlns:p="http://schemas.openxmlformats.org/presentationml/2006/main">
-  <p:cSld>
-    <p:spTree>
-      <p:nvGrpSpPr>
-        <p:cNvPr id="1" name="">
-          <a:extLst>
-            <a:ext uri="{FF2B5EF4-FFF2-40B4-BE49-F238E27FC236}">
-              <a16:creationId xmlns:a16="http://schemas.microsoft.com/office/drawing/2014/main" id="{E7387E4F-8F8B-549F-9E8B-A6D23B79874A}"/>
-            </a:ext>
-          </a:extLst>
-        </p:cNvPr>
-        <p:cNvGrpSpPr/>
-        <p:nvPr/>
-      </p:nvGrpSpPr>
-      <p:grpSpPr>
-        <a:xfrm>
-          <a:off x="0" y="0"/>
-          <a:ext cx="0" cy="0"/>
-          <a:chOff x="0" y="0"/>
-          <a:chExt cx="0" cy="0"/>
-        </a:xfrm>
-      </p:grpSpPr>
-      <p:sp>
-        <p:nvSpPr>
-          <p:cNvPr id="2" name="Titel 1">
-            <a:extLst>
-              <a:ext uri="{FF2B5EF4-FFF2-40B4-BE49-F238E27FC236}">
-                <a16:creationId xmlns:a16="http://schemas.microsoft.com/office/drawing/2014/main" id="{D58430E9-F122-BB4D-42D9-7C8292E55FE0}"/>
-              </a:ext>
-            </a:extLst>
-          </p:cNvPr>
-          <p:cNvSpPr>
-            <a:spLocks noGrp="1"/>
-          </p:cNvSpPr>
-          <p:nvPr>
-            <p:ph type="title"/>
-          </p:nvPr>
-        </p:nvSpPr>
-        <p:spPr/>
-        <p:txBody>
-          <a:bodyPr/>
-          <a:lstStyle/>
-          <a:p>
-            <a:r>
-              <a:rPr lang="de-DE" noProof="0" dirty="0"/>
-              <a:t>4. Detailplanung – Sprint 3</a:t>
-            </a:r>
-          </a:p>
-        </p:txBody>
-      </p:sp>
-      <p:sp>
-        <p:nvSpPr>
-          <p:cNvPr id="4" name="Datumsplatzhalter 3">
-            <a:extLst>
-              <a:ext uri="{FF2B5EF4-FFF2-40B4-BE49-F238E27FC236}">
-                <a16:creationId xmlns:a16="http://schemas.microsoft.com/office/drawing/2014/main" id="{7E07A518-0A76-4F7C-7D6C-4A88EB592E30}"/>
-              </a:ext>
-            </a:extLst>
-          </p:cNvPr>
-          <p:cNvSpPr>
-            <a:spLocks noGrp="1"/>
-          </p:cNvSpPr>
-          <p:nvPr>
-            <p:ph type="dt" sz="half" idx="10"/>
-          </p:nvPr>
-        </p:nvSpPr>
-        <p:spPr/>
-        <p:txBody>
-          <a:bodyPr/>
-          <a:lstStyle/>
-          <a:p>
-            <a:fld id="{42B45B56-1D88-4042-8DF0-EB6B41B710D3}" type="datetime1">
-              <a:rPr lang="de-DE" noProof="0" smtClean="0"/>
-              <a:t>11.01.2025</a:t>
-            </a:fld>
-            <a:endParaRPr lang="de-DE" noProof="0" dirty="0"/>
-          </a:p>
-        </p:txBody>
-      </p:sp>
-      <p:sp>
-        <p:nvSpPr>
-          <p:cNvPr id="5" name="Foliennummernplatzhalter 4">
-            <a:extLst>
-              <a:ext uri="{FF2B5EF4-FFF2-40B4-BE49-F238E27FC236}">
-                <a16:creationId xmlns:a16="http://schemas.microsoft.com/office/drawing/2014/main" id="{63B4E9A9-C2F5-9B15-881B-C1199172F9BD}"/>
-              </a:ext>
-            </a:extLst>
-          </p:cNvPr>
-          <p:cNvSpPr>
-            <a:spLocks noGrp="1"/>
-          </p:cNvSpPr>
-          <p:nvPr>
-            <p:ph type="sldNum" sz="quarter" idx="12"/>
-          </p:nvPr>
-        </p:nvSpPr>
-        <p:spPr/>
-        <p:txBody>
-          <a:bodyPr/>
-          <a:lstStyle/>
-          <a:p>
-            <a:fld id="{07CE569E-9B7C-4CB9-AB80-C0841F922CFF}" type="slidenum">
-              <a:rPr lang="de-DE" noProof="0" smtClean="0"/>
-              <a:t>18</a:t>
-            </a:fld>
-            <a:endParaRPr lang="de-DE" noProof="0" dirty="0"/>
-          </a:p>
-        </p:txBody>
-      </p:sp>
-      <p:pic>
-        <p:nvPicPr>
-          <p:cNvPr id="7" name="Grafik 6">
-            <a:extLst>
-              <a:ext uri="{FF2B5EF4-FFF2-40B4-BE49-F238E27FC236}">
-                <a16:creationId xmlns:a16="http://schemas.microsoft.com/office/drawing/2014/main" id="{ADA2DE47-6451-F57E-7DC7-1D4B0972903F}"/>
-              </a:ext>
-            </a:extLst>
-          </p:cNvPr>
-          <p:cNvPicPr>
-            <a:picLocks noChangeAspect="1"/>
-          </p:cNvPicPr>
-          <p:nvPr/>
-        </p:nvPicPr>
-        <p:blipFill>
-          <a:blip r:embed="rId2"/>
-          <a:stretch>
-            <a:fillRect/>
-          </a:stretch>
-        </p:blipFill>
-        <p:spPr>
-          <a:xfrm>
-            <a:off x="6884925" y="6278906"/>
-            <a:ext cx="1738967" cy="451906"/>
-          </a:xfrm>
-          <a:prstGeom prst="rect">
-            <a:avLst/>
-          </a:prstGeom>
-        </p:spPr>
-      </p:pic>
-      <p:sp>
-        <p:nvSpPr>
-          <p:cNvPr id="12" name="Textfeld 11">
-            <a:extLst>
-              <a:ext uri="{FF2B5EF4-FFF2-40B4-BE49-F238E27FC236}">
-                <a16:creationId xmlns:a16="http://schemas.microsoft.com/office/drawing/2014/main" id="{E2D9E691-1A44-E858-40FD-A687B005B6E5}"/>
-              </a:ext>
-            </a:extLst>
-          </p:cNvPr>
-          <p:cNvSpPr txBox="1"/>
-          <p:nvPr/>
-        </p:nvSpPr>
-        <p:spPr>
-          <a:xfrm>
-            <a:off x="6884925" y="6327056"/>
-            <a:ext cx="1524000" cy="369332"/>
-          </a:xfrm>
-          <a:prstGeom prst="rect">
-            <a:avLst/>
-          </a:prstGeom>
-          <a:noFill/>
-        </p:spPr>
-        <p:txBody>
-          <a:bodyPr wrap="square" rtlCol="0">
-            <a:spAutoFit/>
-          </a:bodyPr>
-          <a:lstStyle/>
-          <a:p>
-            <a:r>
-              <a:rPr lang="de-DE" noProof="0" dirty="0">
-                <a:solidFill>
-                  <a:srgbClr val="FF0000"/>
-                </a:solidFill>
-              </a:rPr>
-              <a:t>Summe  45</a:t>
-            </a:r>
-          </a:p>
-        </p:txBody>
-      </p:sp>
-      <p:graphicFrame>
-        <p:nvGraphicFramePr>
-          <p:cNvPr id="8" name="Inhaltsplatzhalter 2">
-            <a:extLst>
-              <a:ext uri="{FF2B5EF4-FFF2-40B4-BE49-F238E27FC236}">
-                <a16:creationId xmlns:a16="http://schemas.microsoft.com/office/drawing/2014/main" id="{715C4C09-A577-9E60-2D7F-37D0244704E7}"/>
-              </a:ext>
-            </a:extLst>
-          </p:cNvPr>
-          <p:cNvGraphicFramePr>
-            <a:graphicFrameLocks/>
-          </p:cNvGraphicFramePr>
-          <p:nvPr>
-            <p:extLst>
-              <p:ext uri="{D42A27DB-BD31-4B8C-83A1-F6EECF244321}">
-                <p14:modId xmlns:p14="http://schemas.microsoft.com/office/powerpoint/2010/main" val="284926538"/>
-              </p:ext>
-            </p:extLst>
-          </p:nvPr>
-        </p:nvGraphicFramePr>
-        <p:xfrm>
-          <a:off x="761998" y="1916681"/>
-          <a:ext cx="9647583" cy="4197555"/>
-        </p:xfrm>
-        <a:graphic>
-          <a:graphicData uri="http://schemas.openxmlformats.org/drawingml/2006/table">
-            <a:tbl>
-              <a:tblPr firstRow="1" bandRow="1">
-                <a:tableStyleId>{5C22544A-7EE6-4342-B048-85BDC9FD1C3A}</a:tableStyleId>
-              </a:tblPr>
-              <a:tblGrid>
-                <a:gridCol w="4102452">
-                  <a:extLst>
-                    <a:ext uri="{9D8B030D-6E8A-4147-A177-3AD203B41FA5}">
-                      <a16:colId xmlns:a16="http://schemas.microsoft.com/office/drawing/2014/main" val="230851902"/>
-                    </a:ext>
-                  </a:extLst>
-                </a:gridCol>
-                <a:gridCol w="2499675">
-                  <a:extLst>
-                    <a:ext uri="{9D8B030D-6E8A-4147-A177-3AD203B41FA5}">
-                      <a16:colId xmlns:a16="http://schemas.microsoft.com/office/drawing/2014/main" val="2657664356"/>
-                    </a:ext>
-                  </a:extLst>
-                </a:gridCol>
-                <a:gridCol w="1866569">
-                  <a:extLst>
-                    <a:ext uri="{9D8B030D-6E8A-4147-A177-3AD203B41FA5}">
-                      <a16:colId xmlns:a16="http://schemas.microsoft.com/office/drawing/2014/main" val="4098082685"/>
-                    </a:ext>
-                  </a:extLst>
-                </a:gridCol>
-                <a:gridCol w="1178887">
-                  <a:extLst>
-                    <a:ext uri="{9D8B030D-6E8A-4147-A177-3AD203B41FA5}">
-                      <a16:colId xmlns:a16="http://schemas.microsoft.com/office/drawing/2014/main" val="2360363224"/>
-                    </a:ext>
-                  </a:extLst>
-                </a:gridCol>
-              </a:tblGrid>
-              <a:tr h="515990">
-                <a:tc>
-                  <a:txBody>
-                    <a:bodyPr/>
-                    <a:lstStyle/>
-                    <a:p>
-                      <a:r>
-                        <a:rPr lang="de-DE" sz="1400" noProof="0" dirty="0"/>
-                        <a:t>Aufgabe</a:t>
-                      </a:r>
-                    </a:p>
-                  </a:txBody>
-                  <a:tcPr/>
-                </a:tc>
-                <a:tc>
-                  <a:txBody>
-                    <a:bodyPr/>
-                    <a:lstStyle/>
-                    <a:p>
-                      <a:r>
-                        <a:rPr lang="de-DE" sz="1400" noProof="0" dirty="0"/>
-                        <a:t>Zuständigkeit</a:t>
-                      </a:r>
-                    </a:p>
-                  </a:txBody>
-                  <a:tcPr/>
-                </a:tc>
-                <a:tc>
-                  <a:txBody>
-                    <a:bodyPr/>
-                    <a:lstStyle/>
-                    <a:p>
-                      <a:r>
-                        <a:rPr lang="de-DE" sz="1400" noProof="0" dirty="0"/>
-                        <a:t>Aufwand geschätzt</a:t>
-                      </a:r>
-                    </a:p>
-                  </a:txBody>
-                  <a:tcPr/>
-                </a:tc>
-                <a:tc>
-                  <a:txBody>
-                    <a:bodyPr/>
-                    <a:lstStyle/>
-                    <a:p>
-                      <a:r>
-                        <a:rPr lang="de-DE" sz="1400" noProof="0" dirty="0"/>
-                        <a:t>Status</a:t>
-                      </a:r>
-                    </a:p>
-                  </a:txBody>
-                  <a:tcPr/>
-                </a:tc>
-                <a:extLst>
-                  <a:ext uri="{0D108BD9-81ED-4DB2-BD59-A6C34878D82A}">
-                    <a16:rowId xmlns:a16="http://schemas.microsoft.com/office/drawing/2014/main" val="2749238170"/>
-                  </a:ext>
-                </a:extLst>
-              </a:tr>
-              <a:tr h="643639">
-                <a:tc>
-                  <a:txBody>
-                    <a:bodyPr/>
-                    <a:lstStyle/>
-                    <a:p>
-                      <a:r>
-                        <a:rPr lang="de-DE" sz="1400" noProof="0" dirty="0"/>
-                        <a:t>Dokumentation &amp; Organisation</a:t>
-                      </a:r>
-                    </a:p>
-                  </a:txBody>
-                  <a:tcPr/>
-                </a:tc>
-                <a:tc>
-                  <a:txBody>
-                    <a:bodyPr/>
-                    <a:lstStyle/>
-                    <a:p>
-                      <a:r>
-                        <a:rPr lang="de-DE" sz="1400" noProof="0" dirty="0"/>
-                        <a:t>Alle</a:t>
-                      </a:r>
-                    </a:p>
-                  </a:txBody>
-                  <a:tcPr/>
-                </a:tc>
-                <a:tc>
-                  <a:txBody>
-                    <a:bodyPr/>
-                    <a:lstStyle/>
-                    <a:p>
-                      <a:r>
-                        <a:rPr lang="de-DE" sz="1400" noProof="0" dirty="0"/>
-                        <a:t>10</a:t>
-                      </a:r>
-                    </a:p>
-                  </a:txBody>
-                  <a:tcPr/>
-                </a:tc>
-                <a:tc>
-                  <a:txBody>
-                    <a:bodyPr/>
-                    <a:lstStyle/>
-                    <a:p>
-                      <a:r>
-                        <a:rPr lang="de-DE" sz="1400" noProof="0" dirty="0"/>
-                        <a:t>In Arbeit</a:t>
-                      </a:r>
-                    </a:p>
-                  </a:txBody>
-                  <a:tcPr/>
-                </a:tc>
-                <a:extLst>
-                  <a:ext uri="{0D108BD9-81ED-4DB2-BD59-A6C34878D82A}">
-                    <a16:rowId xmlns:a16="http://schemas.microsoft.com/office/drawing/2014/main" val="432160553"/>
-                  </a:ext>
-                </a:extLst>
-              </a:tr>
-              <a:tr h="545076">
-                <a:tc>
-                  <a:txBody>
-                    <a:bodyPr/>
-                    <a:lstStyle/>
-                    <a:p>
-                      <a:pPr marL="0" marR="0" lvl="0" indent="0" algn="l" defTabSz="914400" rtl="0" eaLnBrk="1" fontAlgn="auto" latinLnBrk="0" hangingPunct="1">
-                        <a:lnSpc>
-                          <a:spcPct val="100000"/>
-                        </a:lnSpc>
-                        <a:spcBef>
-                          <a:spcPts val="0"/>
-                        </a:spcBef>
-                        <a:spcAft>
-                          <a:spcPts val="0"/>
-                        </a:spcAft>
-                        <a:buClrTx/>
-                        <a:buSzTx/>
-                        <a:buFontTx/>
-                        <a:buNone/>
-                        <a:tabLst/>
-                        <a:defRPr/>
-                      </a:pPr>
-                      <a:r>
-                        <a:rPr lang="de-DE" sz="1400" noProof="0" dirty="0"/>
-                        <a:t>Layout / Design</a:t>
-                      </a:r>
-                    </a:p>
-                  </a:txBody>
-                  <a:tcPr/>
-                </a:tc>
-                <a:tc>
-                  <a:txBody>
-                    <a:bodyPr/>
-                    <a:lstStyle/>
-                    <a:p>
-                      <a:r>
-                        <a:rPr lang="de-DE" sz="1400" noProof="0" dirty="0"/>
-                        <a:t>Hans Bloching</a:t>
-                      </a:r>
-                    </a:p>
-                    <a:p>
-                      <a:r>
-                        <a:rPr lang="de-DE" sz="1400" noProof="0" dirty="0"/>
-                        <a:t>René Weber</a:t>
-                      </a:r>
-                    </a:p>
-                  </a:txBody>
-                  <a:tcPr/>
-                </a:tc>
-                <a:tc>
-                  <a:txBody>
-                    <a:bodyPr/>
-                    <a:lstStyle/>
-                    <a:p>
-                      <a:r>
-                        <a:rPr lang="de-DE" sz="1400" noProof="0" dirty="0"/>
-                        <a:t>9</a:t>
-                      </a:r>
-                    </a:p>
-                  </a:txBody>
-                  <a:tcPr/>
-                </a:tc>
-                <a:tc>
-                  <a:txBody>
-                    <a:bodyPr/>
-                    <a:lstStyle/>
-                    <a:p>
-                      <a:r>
-                        <a:rPr lang="de-DE" sz="1400" noProof="0" dirty="0"/>
-                        <a:t>In Arbeit</a:t>
-                      </a:r>
-                    </a:p>
-                  </a:txBody>
-                  <a:tcPr/>
-                </a:tc>
-                <a:extLst>
-                  <a:ext uri="{0D108BD9-81ED-4DB2-BD59-A6C34878D82A}">
-                    <a16:rowId xmlns:a16="http://schemas.microsoft.com/office/drawing/2014/main" val="740267785"/>
-                  </a:ext>
-                </a:extLst>
-              </a:tr>
-              <a:tr h="515990">
-                <a:tc>
-                  <a:txBody>
-                    <a:bodyPr/>
-                    <a:lstStyle/>
-                    <a:p>
-                      <a:r>
-                        <a:rPr lang="de-DE" sz="1400" noProof="0" dirty="0"/>
-                        <a:t>Hosting</a:t>
-                      </a:r>
-                    </a:p>
-                  </a:txBody>
-                  <a:tcPr/>
-                </a:tc>
-                <a:tc>
-                  <a:txBody>
-                    <a:bodyPr/>
-                    <a:lstStyle/>
-                    <a:p>
-                      <a:r>
-                        <a:rPr lang="de-DE" sz="1400" noProof="0" dirty="0"/>
-                        <a:t>Dennis Haaf</a:t>
-                      </a:r>
-                    </a:p>
-                  </a:txBody>
-                  <a:tcPr/>
-                </a:tc>
-                <a:tc>
-                  <a:txBody>
-                    <a:bodyPr/>
-                    <a:lstStyle/>
-                    <a:p>
-                      <a:r>
-                        <a:rPr lang="de-DE" sz="1400" noProof="0" dirty="0"/>
-                        <a:t>8</a:t>
-                      </a:r>
-                    </a:p>
-                  </a:txBody>
-                  <a:tcPr/>
-                </a:tc>
-                <a:tc>
-                  <a:txBody>
-                    <a:bodyPr/>
-                    <a:lstStyle/>
-                    <a:p>
-                      <a:r>
-                        <a:rPr lang="de-DE" sz="1400" noProof="0" dirty="0"/>
-                        <a:t>offen</a:t>
-                      </a:r>
-                    </a:p>
-                  </a:txBody>
-                  <a:tcPr/>
-                </a:tc>
-                <a:extLst>
-                  <a:ext uri="{0D108BD9-81ED-4DB2-BD59-A6C34878D82A}">
-                    <a16:rowId xmlns:a16="http://schemas.microsoft.com/office/drawing/2014/main" val="2603736860"/>
-                  </a:ext>
-                </a:extLst>
-              </a:tr>
-              <a:tr h="515990">
-                <a:tc>
-                  <a:txBody>
-                    <a:bodyPr/>
-                    <a:lstStyle/>
-                    <a:p>
-                      <a:r>
-                        <a:rPr lang="de-DE" sz="1400" noProof="0" dirty="0"/>
-                        <a:t>Anbindung API</a:t>
-                      </a:r>
-                    </a:p>
-                  </a:txBody>
-                  <a:tcPr/>
-                </a:tc>
-                <a:tc>
-                  <a:txBody>
-                    <a:bodyPr/>
-                    <a:lstStyle/>
-                    <a:p>
-                      <a:r>
-                        <a:rPr lang="de-DE" sz="1400" noProof="0" dirty="0"/>
-                        <a:t>Dennis Haaf</a:t>
-                      </a:r>
-                    </a:p>
-                  </a:txBody>
-                  <a:tcPr/>
-                </a:tc>
-                <a:tc>
-                  <a:txBody>
-                    <a:bodyPr/>
-                    <a:lstStyle/>
-                    <a:p>
-                      <a:r>
-                        <a:rPr lang="en-US" sz="1400" noProof="0" dirty="0"/>
-                        <a:t>7</a:t>
-                      </a:r>
-                      <a:endParaRPr lang="de-DE" sz="1400" noProof="0" dirty="0"/>
-                    </a:p>
-                  </a:txBody>
-                  <a:tcPr/>
-                </a:tc>
-                <a:tc>
-                  <a:txBody>
-                    <a:bodyPr/>
-                    <a:lstStyle/>
-                    <a:p>
-                      <a:r>
-                        <a:rPr lang="de-DE" sz="1400" noProof="0" dirty="0"/>
-                        <a:t>offen</a:t>
-                      </a:r>
-                    </a:p>
-                  </a:txBody>
-                  <a:tcPr/>
-                </a:tc>
-                <a:extLst>
-                  <a:ext uri="{0D108BD9-81ED-4DB2-BD59-A6C34878D82A}">
-                    <a16:rowId xmlns:a16="http://schemas.microsoft.com/office/drawing/2014/main" val="4252090113"/>
-                  </a:ext>
-                </a:extLst>
-              </a:tr>
-              <a:tr h="515990">
-                <a:tc>
-                  <a:txBody>
-                    <a:bodyPr/>
-                    <a:lstStyle/>
-                    <a:p>
-                      <a:r>
-                        <a:rPr lang="de-DE" sz="1400" noProof="0" dirty="0"/>
-                        <a:t>Anpassen Felder für API Erweiterung</a:t>
-                      </a:r>
-                    </a:p>
-                  </a:txBody>
-                  <a:tcPr/>
-                </a:tc>
-                <a:tc>
-                  <a:txBody>
-                    <a:bodyPr/>
-                    <a:lstStyle/>
-                    <a:p>
-                      <a:r>
-                        <a:rPr lang="de-DE" sz="1400" noProof="0" dirty="0"/>
-                        <a:t>Vincent Knapp</a:t>
-                      </a:r>
-                    </a:p>
-                  </a:txBody>
-                  <a:tcPr/>
-                </a:tc>
-                <a:tc>
-                  <a:txBody>
-                    <a:bodyPr/>
-                    <a:lstStyle/>
-                    <a:p>
-                      <a:r>
-                        <a:rPr lang="de-DE" sz="1400" noProof="0" dirty="0"/>
-                        <a:t>3</a:t>
-                      </a:r>
-                    </a:p>
-                  </a:txBody>
-                  <a:tcPr/>
-                </a:tc>
-                <a:tc>
-                  <a:txBody>
-                    <a:bodyPr/>
-                    <a:lstStyle/>
-                    <a:p>
-                      <a:r>
-                        <a:rPr lang="de-DE" sz="1400" noProof="0" dirty="0"/>
-                        <a:t>offen</a:t>
-                      </a:r>
-                    </a:p>
-                  </a:txBody>
-                  <a:tcPr/>
-                </a:tc>
-                <a:extLst>
-                  <a:ext uri="{0D108BD9-81ED-4DB2-BD59-A6C34878D82A}">
-                    <a16:rowId xmlns:a16="http://schemas.microsoft.com/office/drawing/2014/main" val="1091053033"/>
-                  </a:ext>
-                </a:extLst>
-              </a:tr>
-              <a:tr h="728456">
-                <a:tc>
-                  <a:txBody>
-                    <a:bodyPr/>
-                    <a:lstStyle/>
-                    <a:p>
-                      <a:r>
-                        <a:rPr lang="de-DE" sz="1400" noProof="0" dirty="0"/>
-                        <a:t>Küchenansicht optimieren</a:t>
-                      </a:r>
-                    </a:p>
-                    <a:p>
-                      <a:pPr marL="285750" indent="-285750">
-                        <a:buFont typeface="Wingdings" panose="05000000000000000000" pitchFamily="2" charset="2"/>
-                        <a:buChar char="à"/>
-                      </a:pPr>
-                      <a:r>
-                        <a:rPr lang="de-DE" sz="1400" noProof="0" dirty="0" err="1">
-                          <a:sym typeface="Wingdings" panose="05000000000000000000" pitchFamily="2" charset="2"/>
-                        </a:rPr>
-                        <a:t>Grouping</a:t>
-                      </a:r>
-                      <a:r>
-                        <a:rPr lang="de-DE" sz="1400" noProof="0" dirty="0">
-                          <a:sym typeface="Wingdings" panose="05000000000000000000" pitchFamily="2" charset="2"/>
-                        </a:rPr>
-                        <a:t> per </a:t>
-                      </a:r>
-                      <a:r>
-                        <a:rPr lang="de-DE" sz="1400" noProof="0" dirty="0" err="1">
-                          <a:sym typeface="Wingdings" panose="05000000000000000000" pitchFamily="2" charset="2"/>
-                        </a:rPr>
-                        <a:t>table</a:t>
-                      </a:r>
-                      <a:endParaRPr lang="de-DE" sz="1400" noProof="0" dirty="0">
-                        <a:sym typeface="Wingdings" panose="05000000000000000000" pitchFamily="2" charset="2"/>
-                      </a:endParaRPr>
-                    </a:p>
-                    <a:p>
-                      <a:pPr marL="285750" indent="-285750">
-                        <a:buFont typeface="Wingdings" panose="05000000000000000000" pitchFamily="2" charset="2"/>
-                        <a:buChar char="à"/>
-                      </a:pPr>
-                      <a:r>
-                        <a:rPr lang="de-DE" sz="1400" noProof="0" dirty="0" err="1">
-                          <a:sym typeface="Wingdings" panose="05000000000000000000" pitchFamily="2" charset="2"/>
-                        </a:rPr>
-                        <a:t>Grouping</a:t>
-                      </a:r>
-                      <a:r>
-                        <a:rPr lang="de-DE" sz="1400" noProof="0" dirty="0">
-                          <a:sym typeface="Wingdings" panose="05000000000000000000" pitchFamily="2" charset="2"/>
-                        </a:rPr>
-                        <a:t> per </a:t>
-                      </a:r>
-                      <a:r>
-                        <a:rPr lang="de-DE" sz="1400" noProof="0" dirty="0" err="1">
-                          <a:sym typeface="Wingdings" panose="05000000000000000000" pitchFamily="2" charset="2"/>
-                        </a:rPr>
-                        <a:t>article</a:t>
-                      </a:r>
-                      <a:endParaRPr lang="de-DE" sz="1400" noProof="0" dirty="0">
-                        <a:sym typeface="Wingdings" panose="05000000000000000000" pitchFamily="2" charset="2"/>
-                      </a:endParaRPr>
-                    </a:p>
-                    <a:p>
-                      <a:pPr marL="285750" indent="-285750">
-                        <a:buFont typeface="Wingdings" panose="05000000000000000000" pitchFamily="2" charset="2"/>
-                        <a:buChar char="à"/>
-                      </a:pPr>
-                      <a:r>
-                        <a:rPr lang="de-DE" sz="1400" noProof="0" dirty="0">
-                          <a:sym typeface="Wingdings" panose="05000000000000000000" pitchFamily="2" charset="2"/>
-                        </a:rPr>
-                        <a:t>Switchen zwischen diesen Ansichten</a:t>
-                      </a:r>
-                      <a:endParaRPr lang="de-DE" sz="1400" noProof="0" dirty="0"/>
-                    </a:p>
-                  </a:txBody>
-                  <a:tcPr/>
-                </a:tc>
-                <a:tc>
-                  <a:txBody>
-                    <a:bodyPr/>
-                    <a:lstStyle/>
-                    <a:p>
-                      <a:r>
-                        <a:rPr lang="de-DE" sz="1400" noProof="0" dirty="0"/>
-                        <a:t>Vincent Knapp</a:t>
-                      </a:r>
-                    </a:p>
-                  </a:txBody>
-                  <a:tcPr/>
-                </a:tc>
-                <a:tc>
-                  <a:txBody>
-                    <a:bodyPr/>
-                    <a:lstStyle/>
-                    <a:p>
-                      <a:r>
-                        <a:rPr lang="de-DE" sz="1400" noProof="0" dirty="0"/>
-                        <a:t>8</a:t>
-                      </a:r>
-                    </a:p>
-                  </a:txBody>
-                  <a:tcPr/>
-                </a:tc>
-                <a:tc>
-                  <a:txBody>
-                    <a:bodyPr/>
-                    <a:lstStyle/>
-                    <a:p>
-                      <a:r>
-                        <a:rPr lang="de-DE" sz="1400" noProof="0" dirty="0"/>
-                        <a:t>offen</a:t>
-                      </a:r>
-                    </a:p>
-                  </a:txBody>
-                  <a:tcPr/>
-                </a:tc>
-                <a:extLst>
-                  <a:ext uri="{0D108BD9-81ED-4DB2-BD59-A6C34878D82A}">
-                    <a16:rowId xmlns:a16="http://schemas.microsoft.com/office/drawing/2014/main" val="2446957633"/>
-                  </a:ext>
-                </a:extLst>
-              </a:tr>
-            </a:tbl>
-          </a:graphicData>
-        </a:graphic>
-      </p:graphicFrame>
-    </p:spTree>
-    <p:extLst>
-      <p:ext uri="{BB962C8B-B14F-4D97-AF65-F5344CB8AC3E}">
-        <p14:creationId xmlns:p14="http://schemas.microsoft.com/office/powerpoint/2010/main" val="704317053"/>
-      </p:ext>
-    </p:extLst>
-  </p:cSld>
-  <p:clrMapOvr>
-    <a:masterClrMapping/>
-  </p:clrMapOvr>
-</p:sld>
-</file>
-
-<file path=ppt/slides/slide19.xml><?xml version="1.0" encoding="utf-8"?>
-<p:sld xmlns:a="http://schemas.openxmlformats.org/drawingml/2006/main" xmlns:r="http://schemas.openxmlformats.org/officeDocument/2006/relationships" xmlns:p="http://schemas.openxmlformats.org/presentationml/2006/main">
-  <p:cSld>
-    <p:spTree>
-      <p:nvGrpSpPr>
-        <p:cNvPr id="1" name="">
-          <a:extLst>
-            <a:ext uri="{FF2B5EF4-FFF2-40B4-BE49-F238E27FC236}">
-              <a16:creationId xmlns:a16="http://schemas.microsoft.com/office/drawing/2014/main" id="{40351EEA-BA7C-3B90-561D-0D11492BE107}"/>
-            </a:ext>
-          </a:extLst>
-        </p:cNvPr>
-        <p:cNvGrpSpPr/>
-        <p:nvPr/>
-      </p:nvGrpSpPr>
-      <p:grpSpPr>
-        <a:xfrm>
-          <a:off x="0" y="0"/>
-          <a:ext cx="0" cy="0"/>
-          <a:chOff x="0" y="0"/>
-          <a:chExt cx="0" cy="0"/>
-        </a:xfrm>
-      </p:grpSpPr>
-      <p:sp>
-        <p:nvSpPr>
-          <p:cNvPr id="2" name="Titel 1">
-            <a:extLst>
-              <a:ext uri="{FF2B5EF4-FFF2-40B4-BE49-F238E27FC236}">
-                <a16:creationId xmlns:a16="http://schemas.microsoft.com/office/drawing/2014/main" id="{908A1978-E453-21F5-A750-26DEAE0EE0B6}"/>
-              </a:ext>
-            </a:extLst>
-          </p:cNvPr>
-          <p:cNvSpPr>
-            <a:spLocks noGrp="1"/>
-          </p:cNvSpPr>
-          <p:nvPr>
-            <p:ph type="title"/>
-          </p:nvPr>
-        </p:nvSpPr>
-        <p:spPr/>
-        <p:txBody>
-          <a:bodyPr/>
-          <a:lstStyle/>
-          <a:p>
-            <a:r>
-              <a:rPr lang="de-DE" noProof="0" dirty="0"/>
-              <a:t>4. Detailplanung</a:t>
-            </a:r>
-          </a:p>
-        </p:txBody>
-      </p:sp>
-      <p:sp>
-        <p:nvSpPr>
-          <p:cNvPr id="4" name="Datumsplatzhalter 3">
-            <a:extLst>
-              <a:ext uri="{FF2B5EF4-FFF2-40B4-BE49-F238E27FC236}">
-                <a16:creationId xmlns:a16="http://schemas.microsoft.com/office/drawing/2014/main" id="{44128699-483C-B676-FF84-71EBEE7465AC}"/>
-              </a:ext>
-            </a:extLst>
-          </p:cNvPr>
-          <p:cNvSpPr>
-            <a:spLocks noGrp="1"/>
-          </p:cNvSpPr>
-          <p:nvPr>
-            <p:ph type="dt" sz="half" idx="10"/>
-          </p:nvPr>
-        </p:nvSpPr>
-        <p:spPr/>
-        <p:txBody>
-          <a:bodyPr/>
-          <a:lstStyle/>
-          <a:p>
-            <a:fld id="{42B45B56-1D88-4042-8DF0-EB6B41B710D3}" type="datetime1">
-              <a:rPr lang="de-DE" noProof="0" smtClean="0"/>
-              <a:t>11.01.2025</a:t>
-            </a:fld>
-            <a:endParaRPr lang="de-DE" noProof="0" dirty="0"/>
-          </a:p>
-        </p:txBody>
-      </p:sp>
-      <p:sp>
-        <p:nvSpPr>
-          <p:cNvPr id="5" name="Foliennummernplatzhalter 4">
-            <a:extLst>
-              <a:ext uri="{FF2B5EF4-FFF2-40B4-BE49-F238E27FC236}">
-                <a16:creationId xmlns:a16="http://schemas.microsoft.com/office/drawing/2014/main" id="{E5843F72-DC90-0016-08C4-DE4726BBFC55}"/>
-              </a:ext>
-            </a:extLst>
-          </p:cNvPr>
-          <p:cNvSpPr>
-            <a:spLocks noGrp="1"/>
-          </p:cNvSpPr>
-          <p:nvPr>
-            <p:ph type="sldNum" sz="quarter" idx="12"/>
-          </p:nvPr>
-        </p:nvSpPr>
-        <p:spPr/>
-        <p:txBody>
-          <a:bodyPr/>
-          <a:lstStyle/>
-          <a:p>
-            <a:fld id="{07CE569E-9B7C-4CB9-AB80-C0841F922CFF}" type="slidenum">
-              <a:rPr lang="de-DE" noProof="0" smtClean="0"/>
-              <a:t>19</a:t>
-            </a:fld>
-            <a:endParaRPr lang="de-DE" noProof="0" dirty="0"/>
-          </a:p>
-        </p:txBody>
-      </p:sp>
-      <p:graphicFrame>
-        <p:nvGraphicFramePr>
-          <p:cNvPr id="3" name="Tabelle 2">
-            <a:extLst>
-              <a:ext uri="{FF2B5EF4-FFF2-40B4-BE49-F238E27FC236}">
-                <a16:creationId xmlns:a16="http://schemas.microsoft.com/office/drawing/2014/main" id="{B2306EE2-63D8-E950-D946-06B2B545E5A7}"/>
-              </a:ext>
-            </a:extLst>
-          </p:cNvPr>
-          <p:cNvGraphicFramePr>
-            <a:graphicFrameLocks noGrp="1"/>
-          </p:cNvGraphicFramePr>
-          <p:nvPr>
-            <p:extLst>
-              <p:ext uri="{D42A27DB-BD31-4B8C-83A1-F6EECF244321}">
-                <p14:modId xmlns:p14="http://schemas.microsoft.com/office/powerpoint/2010/main" val="1460256789"/>
-              </p:ext>
-            </p:extLst>
-          </p:nvPr>
-        </p:nvGraphicFramePr>
-        <p:xfrm>
-          <a:off x="911224" y="2587186"/>
-          <a:ext cx="8718551" cy="3601052"/>
-        </p:xfrm>
-        <a:graphic>
-          <a:graphicData uri="http://schemas.openxmlformats.org/drawingml/2006/table">
-            <a:tbl>
-              <a:tblPr bandRow="1">
-                <a:tableStyleId>{5C22544A-7EE6-4342-B048-85BDC9FD1C3A}</a:tableStyleId>
-              </a:tblPr>
-              <a:tblGrid>
-                <a:gridCol w="3184526">
-                  <a:extLst>
-                    <a:ext uri="{9D8B030D-6E8A-4147-A177-3AD203B41FA5}">
-                      <a16:colId xmlns:a16="http://schemas.microsoft.com/office/drawing/2014/main" val="194438012"/>
-                    </a:ext>
-                  </a:extLst>
-                </a:gridCol>
-                <a:gridCol w="5534025">
-                  <a:extLst>
-                    <a:ext uri="{9D8B030D-6E8A-4147-A177-3AD203B41FA5}">
-                      <a16:colId xmlns:a16="http://schemas.microsoft.com/office/drawing/2014/main" val="2620241848"/>
-                    </a:ext>
-                  </a:extLst>
-                </a:gridCol>
-              </a:tblGrid>
-              <a:tr h="549699">
-                <a:tc>
-                  <a:txBody>
-                    <a:bodyPr/>
-                    <a:lstStyle/>
-                    <a:p>
-                      <a:r>
-                        <a:rPr lang="de-DE" sz="1400" noProof="0" dirty="0"/>
-                        <a:t>Dokumentation + Organisation</a:t>
-                      </a:r>
-                    </a:p>
-                  </a:txBody>
-                  <a:tcPr/>
-                </a:tc>
-                <a:tc>
-                  <a:txBody>
-                    <a:bodyPr/>
-                    <a:lstStyle/>
-                    <a:p>
-                      <a:pPr marL="285750" indent="-285750">
-                        <a:buFont typeface="Arial" panose="020B0604020202020204" pitchFamily="34" charset="0"/>
-                        <a:buChar char="•"/>
-                      </a:pPr>
-                      <a:r>
-                        <a:rPr lang="de-DE" sz="1400" noProof="0" dirty="0"/>
-                        <a:t>Geprüft und freigegeben.</a:t>
-                      </a:r>
-                    </a:p>
-                  </a:txBody>
-                  <a:tcPr/>
-                </a:tc>
-                <a:extLst>
-                  <a:ext uri="{0D108BD9-81ED-4DB2-BD59-A6C34878D82A}">
-                    <a16:rowId xmlns:a16="http://schemas.microsoft.com/office/drawing/2014/main" val="3514348944"/>
-                  </a:ext>
-                </a:extLst>
-              </a:tr>
-              <a:tr h="644762">
-                <a:tc>
-                  <a:txBody>
-                    <a:bodyPr/>
-                    <a:lstStyle/>
-                    <a:p>
-                      <a:pPr marL="0" marR="0" lvl="0" indent="0" algn="l" defTabSz="914400" rtl="0" eaLnBrk="1" fontAlgn="auto" latinLnBrk="0" hangingPunct="1">
-                        <a:lnSpc>
-                          <a:spcPct val="100000"/>
-                        </a:lnSpc>
-                        <a:spcBef>
-                          <a:spcPts val="0"/>
-                        </a:spcBef>
-                        <a:spcAft>
-                          <a:spcPts val="0"/>
-                        </a:spcAft>
-                        <a:buClrTx/>
-                        <a:buSzTx/>
-                        <a:buFontTx/>
-                        <a:buNone/>
-                        <a:tabLst/>
-                        <a:defRPr/>
-                      </a:pPr>
-                      <a:r>
-                        <a:rPr lang="de-DE" sz="1400" noProof="0" dirty="0"/>
-                        <a:t>Layout / Design</a:t>
-                      </a:r>
-                    </a:p>
-                  </a:txBody>
-                  <a:tcPr/>
-                </a:tc>
-                <a:tc>
-                  <a:txBody>
-                    <a:bodyPr/>
-                    <a:lstStyle/>
-                    <a:p>
-                      <a:pPr marL="285750" marR="0" lvl="0" indent="-285750" algn="l" defTabSz="914400" rtl="0" eaLnBrk="1" fontAlgn="auto" latinLnBrk="0" hangingPunct="1">
-                        <a:lnSpc>
-                          <a:spcPct val="100000"/>
-                        </a:lnSpc>
-                        <a:spcBef>
-                          <a:spcPts val="0"/>
-                        </a:spcBef>
-                        <a:spcAft>
-                          <a:spcPts val="0"/>
-                        </a:spcAft>
-                        <a:buClrTx/>
-                        <a:buSzTx/>
-                        <a:buFont typeface="Arial" panose="020B0604020202020204" pitchFamily="34" charset="0"/>
-                        <a:buChar char="•"/>
-                        <a:tabLst/>
-                        <a:defRPr/>
-                      </a:pPr>
-                      <a:r>
-                        <a:rPr lang="de-DE" sz="1400" noProof="0" dirty="0"/>
-                        <a:t>Einheitliches Design.</a:t>
-                      </a:r>
-                    </a:p>
-                    <a:p>
-                      <a:pPr marL="285750" marR="0" lvl="0" indent="-285750" algn="l" defTabSz="914400" rtl="0" eaLnBrk="1" fontAlgn="auto" latinLnBrk="0" hangingPunct="1">
-                        <a:lnSpc>
-                          <a:spcPct val="100000"/>
-                        </a:lnSpc>
-                        <a:spcBef>
-                          <a:spcPts val="0"/>
-                        </a:spcBef>
-                        <a:spcAft>
-                          <a:spcPts val="0"/>
-                        </a:spcAft>
-                        <a:buClrTx/>
-                        <a:buSzTx/>
-                        <a:buFont typeface="Arial" panose="020B0604020202020204" pitchFamily="34" charset="0"/>
-                        <a:buChar char="•"/>
-                        <a:tabLst/>
-                        <a:defRPr/>
-                      </a:pPr>
-                      <a:r>
-                        <a:rPr lang="de-DE" sz="1400" noProof="0" dirty="0"/>
-                        <a:t>Farbabstimmung (Hoher Kontrast wenn nötig).</a:t>
-                      </a:r>
-                    </a:p>
-                  </a:txBody>
-                  <a:tcPr/>
-                </a:tc>
-                <a:extLst>
-                  <a:ext uri="{0D108BD9-81ED-4DB2-BD59-A6C34878D82A}">
-                    <a16:rowId xmlns:a16="http://schemas.microsoft.com/office/drawing/2014/main" val="3529812188"/>
-                  </a:ext>
-                </a:extLst>
-              </a:tr>
-              <a:tr h="781784">
-                <a:tc>
-                  <a:txBody>
-                    <a:bodyPr/>
-                    <a:lstStyle/>
-                    <a:p>
-                      <a:r>
-                        <a:rPr lang="de-DE" sz="1400" noProof="0" dirty="0"/>
-                        <a:t>Hosting</a:t>
-                      </a:r>
-                    </a:p>
-                  </a:txBody>
-                  <a:tcPr/>
-                </a:tc>
-                <a:tc>
-                  <a:txBody>
-                    <a:bodyPr/>
-                    <a:lstStyle/>
-                    <a:p>
-                      <a:pPr marL="285750" indent="-285750">
-                        <a:buFont typeface="Arial" panose="020B0604020202020204" pitchFamily="34" charset="0"/>
-                        <a:buChar char="•"/>
-                      </a:pPr>
-                      <a:r>
-                        <a:rPr lang="de-DE" sz="1400" noProof="0" dirty="0"/>
-                        <a:t>Bereitgestellt auf Server.</a:t>
-                      </a:r>
-                    </a:p>
-                    <a:p>
-                      <a:pPr marL="285750" indent="-285750">
-                        <a:buFont typeface="Arial" panose="020B0604020202020204" pitchFamily="34" charset="0"/>
-                        <a:buChar char="•"/>
-                      </a:pPr>
-                      <a:r>
-                        <a:rPr lang="de-DE" sz="1400" noProof="0" dirty="0"/>
-                        <a:t>Erreichbar (mind.) aus gleichem Netzwerk.</a:t>
-                      </a:r>
-                    </a:p>
-                  </a:txBody>
-                  <a:tcPr/>
-                </a:tc>
-                <a:extLst>
-                  <a:ext uri="{0D108BD9-81ED-4DB2-BD59-A6C34878D82A}">
-                    <a16:rowId xmlns:a16="http://schemas.microsoft.com/office/drawing/2014/main" val="1310199598"/>
-                  </a:ext>
-                </a:extLst>
-              </a:tr>
-              <a:tr h="425923">
-                <a:tc>
-                  <a:txBody>
-                    <a:bodyPr/>
-                    <a:lstStyle/>
-                    <a:p>
-                      <a:r>
-                        <a:rPr lang="de-DE" sz="1400" noProof="0" dirty="0"/>
-                        <a:t>Anbindung API</a:t>
-                      </a:r>
-                    </a:p>
-                  </a:txBody>
-                  <a:tcPr/>
-                </a:tc>
-                <a:tc>
-                  <a:txBody>
-                    <a:bodyPr/>
-                    <a:lstStyle/>
-                    <a:p>
-                      <a:pPr marL="285750" indent="-285750">
-                        <a:buFont typeface="Arial" panose="020B0604020202020204" pitchFamily="34" charset="0"/>
-                        <a:buChar char="•"/>
-                      </a:pPr>
-                      <a:r>
-                        <a:rPr lang="de-DE" sz="1400" noProof="0" dirty="0"/>
-                        <a:t>Daten können von API abgerufen werden.</a:t>
-                      </a:r>
-                    </a:p>
-                    <a:p>
-                      <a:pPr marL="285750" indent="-285750">
-                        <a:buFont typeface="Arial" panose="020B0604020202020204" pitchFamily="34" charset="0"/>
-                        <a:buChar char="•"/>
-                      </a:pPr>
-                      <a:r>
-                        <a:rPr lang="de-DE" sz="1400" noProof="0" dirty="0"/>
-                        <a:t>Daten können gespeichert werden.</a:t>
-                      </a:r>
-                    </a:p>
-                  </a:txBody>
-                  <a:tcPr/>
-                </a:tc>
-                <a:extLst>
-                  <a:ext uri="{0D108BD9-81ED-4DB2-BD59-A6C34878D82A}">
-                    <a16:rowId xmlns:a16="http://schemas.microsoft.com/office/drawing/2014/main" val="1027042450"/>
-                  </a:ext>
-                </a:extLst>
-              </a:tr>
-              <a:tr h="461885">
-                <a:tc>
-                  <a:txBody>
-                    <a:bodyPr/>
-                    <a:lstStyle/>
-                    <a:p>
-                      <a:r>
-                        <a:rPr lang="de-DE" sz="1400" noProof="0" dirty="0"/>
-                        <a:t>Felder (API Erweiterung)</a:t>
-                      </a:r>
-                    </a:p>
-                  </a:txBody>
-                  <a:tcPr/>
-                </a:tc>
-                <a:tc>
-                  <a:txBody>
-                    <a:bodyPr/>
-                    <a:lstStyle/>
-                    <a:p>
-                      <a:pPr marL="285750" indent="-285750">
-                        <a:buFont typeface="Arial" panose="020B0604020202020204" pitchFamily="34" charset="0"/>
-                        <a:buChar char="•"/>
-                      </a:pPr>
-                      <a:r>
-                        <a:rPr lang="de-DE" sz="1400" noProof="0" dirty="0"/>
-                        <a:t>Daten aus API werden dem Kunden angezeigt.</a:t>
-                      </a:r>
-                    </a:p>
-                  </a:txBody>
-                  <a:tcPr/>
-                </a:tc>
-                <a:extLst>
-                  <a:ext uri="{0D108BD9-81ED-4DB2-BD59-A6C34878D82A}">
-                    <a16:rowId xmlns:a16="http://schemas.microsoft.com/office/drawing/2014/main" val="3357681546"/>
-                  </a:ext>
-                </a:extLst>
-              </a:tr>
-              <a:tr h="644762">
-                <a:tc>
-                  <a:txBody>
-                    <a:bodyPr/>
-                    <a:lstStyle/>
-                    <a:p>
-                      <a:r>
-                        <a:rPr lang="de-DE" sz="1400" noProof="0" dirty="0"/>
-                        <a:t>Optimierung Küchenansicht</a:t>
-                      </a:r>
-                    </a:p>
-                  </a:txBody>
-                  <a:tcPr/>
-                </a:tc>
-                <a:tc>
-                  <a:txBody>
-                    <a:bodyPr/>
-                    <a:lstStyle/>
-                    <a:p>
-                      <a:pPr marL="285750" indent="-285750">
-                        <a:buFont typeface="Arial" panose="020B0604020202020204" pitchFamily="34" charset="0"/>
-                        <a:buChar char="•"/>
-                      </a:pPr>
-                      <a:r>
-                        <a:rPr lang="de-DE" sz="1400" noProof="0" dirty="0"/>
-                        <a:t>Wechseln zwischen Ansichten.</a:t>
-                      </a:r>
-                    </a:p>
-                    <a:p>
-                      <a:pPr marL="285750" indent="-285750">
-                        <a:buFont typeface="Arial" panose="020B0604020202020204" pitchFamily="34" charset="0"/>
-                        <a:buChar char="•"/>
-                      </a:pPr>
-                      <a:r>
-                        <a:rPr lang="de-DE" sz="1400" noProof="0" dirty="0"/>
-                        <a:t>Gruppierung ist möglich.</a:t>
-                      </a:r>
-                    </a:p>
-                  </a:txBody>
-                  <a:tcPr/>
-                </a:tc>
-                <a:extLst>
-                  <a:ext uri="{0D108BD9-81ED-4DB2-BD59-A6C34878D82A}">
-                    <a16:rowId xmlns:a16="http://schemas.microsoft.com/office/drawing/2014/main" val="4006408752"/>
-                  </a:ext>
-                </a:extLst>
-              </a:tr>
-            </a:tbl>
-          </a:graphicData>
-        </a:graphic>
-      </p:graphicFrame>
-      <p:sp>
-        <p:nvSpPr>
-          <p:cNvPr id="6" name="Textfeld 5">
-            <a:extLst>
-              <a:ext uri="{FF2B5EF4-FFF2-40B4-BE49-F238E27FC236}">
-                <a16:creationId xmlns:a16="http://schemas.microsoft.com/office/drawing/2014/main" id="{98BCABE6-CA74-3ACD-9CB3-5C8F6D1D34AE}"/>
-              </a:ext>
-            </a:extLst>
-          </p:cNvPr>
-          <p:cNvSpPr txBox="1"/>
-          <p:nvPr/>
-        </p:nvSpPr>
-        <p:spPr>
-          <a:xfrm>
-            <a:off x="911225" y="2067261"/>
-            <a:ext cx="5899150" cy="369332"/>
-          </a:xfrm>
-          <a:prstGeom prst="rect">
-            <a:avLst/>
-          </a:prstGeom>
-          <a:noFill/>
-        </p:spPr>
-        <p:txBody>
-          <a:bodyPr wrap="square" rtlCol="0">
-            <a:spAutoFit/>
-          </a:bodyPr>
-          <a:lstStyle/>
-          <a:p>
-            <a:r>
-              <a:rPr lang="de-DE" b="1" noProof="0" dirty="0"/>
-              <a:t>Abnahmekriterien</a:t>
-            </a:r>
-          </a:p>
-        </p:txBody>
-      </p:sp>
-    </p:spTree>
-    <p:extLst>
-      <p:ext uri="{BB962C8B-B14F-4D97-AF65-F5344CB8AC3E}">
-        <p14:creationId xmlns:p14="http://schemas.microsoft.com/office/powerpoint/2010/main" val="1110673821"/>
-      </p:ext>
-    </p:extLst>
-  </p:cSld>
-  <p:clrMapOvr>
-    <a:masterClrMapping/>
-  </p:clrMapOvr>
-</p:sld>
-</file>
-
-<file path=ppt/slides/slide2.xml><?xml version="1.0" encoding="utf-8"?>
-<p:sld xmlns:a="http://schemas.openxmlformats.org/drawingml/2006/main" xmlns:r="http://schemas.openxmlformats.org/officeDocument/2006/relationships" xmlns:p="http://schemas.openxmlformats.org/presentationml/2006/main">
-  <p:cSld>
-    <p:spTree>
-      <p:nvGrpSpPr>
-        <p:cNvPr id="1" name=""/>
-        <p:cNvGrpSpPr/>
-        <p:nvPr/>
-      </p:nvGrpSpPr>
-      <p:grpSpPr>
-        <a:xfrm>
-          <a:off x="0" y="0"/>
-          <a:ext cx="0" cy="0"/>
-          <a:chOff x="0" y="0"/>
-          <a:chExt cx="0" cy="0"/>
-        </a:xfrm>
-      </p:grpSpPr>
-      <p:sp>
-        <p:nvSpPr>
-          <p:cNvPr id="11" name="Titel 10">
-            <a:extLst>
-              <a:ext uri="{FF2B5EF4-FFF2-40B4-BE49-F238E27FC236}">
-                <a16:creationId xmlns:a16="http://schemas.microsoft.com/office/drawing/2014/main" id="{1118431B-1496-0A82-1676-FAA6A30588CC}"/>
-              </a:ext>
-            </a:extLst>
-          </p:cNvPr>
-          <p:cNvSpPr>
-            <a:spLocks noGrp="1"/>
-          </p:cNvSpPr>
-          <p:nvPr>
-            <p:ph type="title"/>
-          </p:nvPr>
-        </p:nvSpPr>
-        <p:spPr/>
-        <p:txBody>
-          <a:bodyPr/>
-          <a:lstStyle/>
-          <a:p>
-            <a:r>
-              <a:rPr lang="de-DE" noProof="0" dirty="0"/>
-              <a:t>INHALTSVERZEICHNIS</a:t>
-            </a:r>
-          </a:p>
-        </p:txBody>
-      </p:sp>
-      <p:sp>
-        <p:nvSpPr>
-          <p:cNvPr id="12" name="Inhaltsplatzhalter 11">
-            <a:extLst>
-              <a:ext uri="{FF2B5EF4-FFF2-40B4-BE49-F238E27FC236}">
-                <a16:creationId xmlns:a16="http://schemas.microsoft.com/office/drawing/2014/main" id="{DFE3170E-AE62-0144-BDDB-D9C60B4C7C94}"/>
-              </a:ext>
-            </a:extLst>
-          </p:cNvPr>
-          <p:cNvSpPr>
-            <a:spLocks noGrp="1"/>
-          </p:cNvSpPr>
-          <p:nvPr>
-            <p:ph idx="1"/>
-          </p:nvPr>
-        </p:nvSpPr>
-        <p:spPr/>
-        <p:txBody>
-          <a:bodyPr>
-            <a:normAutofit fontScale="92500" lnSpcReduction="20000"/>
-          </a:bodyPr>
-          <a:lstStyle/>
-          <a:p>
-            <a:pPr marL="514350" indent="-514350">
-              <a:buFont typeface="+mj-lt"/>
-              <a:buAutoNum type="arabicPeriod"/>
-            </a:pPr>
-            <a:r>
-              <a:rPr lang="de-DE" noProof="0" dirty="0"/>
-              <a:t>Produktvorstellung</a:t>
-            </a:r>
-          </a:p>
-          <a:p>
-            <a:pPr marL="971550" lvl="1" indent="-514350">
-              <a:buFont typeface="+mj-lt"/>
-              <a:buAutoNum type="arabicPeriod"/>
-            </a:pPr>
-            <a:r>
-              <a:rPr lang="de-DE" dirty="0" err="1"/>
-              <a:t>Xx</a:t>
-            </a:r>
-            <a:endParaRPr lang="de-DE" dirty="0"/>
-          </a:p>
-          <a:p>
-            <a:pPr marL="971550" lvl="1" indent="-514350">
-              <a:buFont typeface="+mj-lt"/>
-              <a:buAutoNum type="arabicPeriod"/>
-            </a:pPr>
-            <a:r>
-              <a:rPr lang="de-DE" noProof="0" dirty="0" err="1"/>
-              <a:t>Xx</a:t>
-            </a:r>
-            <a:endParaRPr lang="de-DE" noProof="0" dirty="0"/>
-          </a:p>
-          <a:p>
-            <a:pPr marL="514350" indent="-514350">
-              <a:buFont typeface="+mj-lt"/>
-              <a:buAutoNum type="arabicPeriod"/>
-            </a:pPr>
-            <a:r>
-              <a:rPr lang="de-DE" noProof="0" dirty="0"/>
-              <a:t>Sprint 3</a:t>
-            </a:r>
-          </a:p>
-          <a:p>
-            <a:pPr marL="514350" indent="-514350">
-              <a:buFont typeface="+mj-lt"/>
-              <a:buAutoNum type="arabicPeriod"/>
-            </a:pPr>
-            <a:r>
-              <a:rPr lang="de-DE" noProof="0" dirty="0"/>
-              <a:t>Retrospektive</a:t>
-            </a:r>
-          </a:p>
-          <a:p>
-            <a:pPr marL="971550" lvl="1" indent="-514350">
-              <a:buFont typeface="+mj-lt"/>
-              <a:buAutoNum type="arabicPeriod"/>
-            </a:pPr>
-            <a:r>
-              <a:rPr lang="de-DE" noProof="0" dirty="0"/>
-              <a:t>Stunden</a:t>
-            </a:r>
-          </a:p>
-          <a:p>
-            <a:pPr marL="971550" lvl="1" indent="-514350">
-              <a:buFont typeface="+mj-lt"/>
-              <a:buAutoNum type="arabicPeriod"/>
-            </a:pPr>
-            <a:r>
-              <a:rPr lang="de-DE" dirty="0"/>
-              <a:t>Bewertung</a:t>
-            </a:r>
-            <a:endParaRPr lang="de-DE" noProof="0" dirty="0"/>
-          </a:p>
-        </p:txBody>
-      </p:sp>
-      <p:sp>
-        <p:nvSpPr>
-          <p:cNvPr id="16" name="Datumsplatzhalter 15">
-            <a:extLst>
-              <a:ext uri="{FF2B5EF4-FFF2-40B4-BE49-F238E27FC236}">
-                <a16:creationId xmlns:a16="http://schemas.microsoft.com/office/drawing/2014/main" id="{1D85867B-85E2-65F9-23F4-3499A505A0CD}"/>
-              </a:ext>
-            </a:extLst>
-          </p:cNvPr>
-          <p:cNvSpPr>
-            <a:spLocks noGrp="1"/>
-          </p:cNvSpPr>
-          <p:nvPr>
-            <p:ph type="dt" sz="half" idx="10"/>
-          </p:nvPr>
-        </p:nvSpPr>
-        <p:spPr/>
-        <p:txBody>
-          <a:bodyPr/>
-          <a:lstStyle/>
-          <a:p>
-            <a:fld id="{AE5E781B-AB27-45A9-B2F3-7F70593BE83B}" type="datetime1">
-              <a:rPr lang="de-DE" noProof="0" smtClean="0"/>
-              <a:t>11.01.2025</a:t>
-            </a:fld>
-            <a:endParaRPr lang="de-DE" noProof="0" dirty="0"/>
-          </a:p>
-        </p:txBody>
-      </p:sp>
-      <p:sp>
-        <p:nvSpPr>
-          <p:cNvPr id="17" name="Foliennummernplatzhalter 16">
-            <a:extLst>
-              <a:ext uri="{FF2B5EF4-FFF2-40B4-BE49-F238E27FC236}">
-                <a16:creationId xmlns:a16="http://schemas.microsoft.com/office/drawing/2014/main" id="{E760C18F-75BC-9CF5-53D0-7B2D9937E501}"/>
-              </a:ext>
-            </a:extLst>
-          </p:cNvPr>
-          <p:cNvSpPr>
-            <a:spLocks noGrp="1"/>
-          </p:cNvSpPr>
-          <p:nvPr>
-            <p:ph type="sldNum" sz="quarter" idx="12"/>
-          </p:nvPr>
-        </p:nvSpPr>
-        <p:spPr/>
-        <p:txBody>
-          <a:bodyPr/>
-          <a:lstStyle/>
-          <a:p>
-            <a:fld id="{07CE569E-9B7C-4CB9-AB80-C0841F922CFF}" type="slidenum">
-              <a:rPr lang="de-DE" noProof="0" smtClean="0"/>
-              <a:t>2</a:t>
-            </a:fld>
-            <a:endParaRPr lang="de-DE" noProof="0" dirty="0"/>
-          </a:p>
-        </p:txBody>
-      </p:sp>
-    </p:spTree>
-    <p:extLst>
-      <p:ext uri="{BB962C8B-B14F-4D97-AF65-F5344CB8AC3E}">
-        <p14:creationId xmlns:p14="http://schemas.microsoft.com/office/powerpoint/2010/main" val="1411604025"/>
-      </p:ext>
-    </p:extLst>
-  </p:cSld>
-  <p:clrMapOvr>
-    <a:masterClrMapping/>
-  </p:clrMapOvr>
-</p:sld>
-</file>
-
-<file path=ppt/slides/slide20.xml><?xml version="1.0" encoding="utf-8"?>
-<p:sld xmlns:a="http://schemas.openxmlformats.org/drawingml/2006/main" xmlns:r="http://schemas.openxmlformats.org/officeDocument/2006/relationships" xmlns:p="http://schemas.openxmlformats.org/presentationml/2006/main">
-  <p:cSld>
-    <p:spTree>
-      <p:nvGrpSpPr>
-        <p:cNvPr id="1" name=""/>
-        <p:cNvGrpSpPr/>
-        <p:nvPr/>
-      </p:nvGrpSpPr>
-      <p:grpSpPr>
-        <a:xfrm>
-          <a:off x="0" y="0"/>
-          <a:ext cx="0" cy="0"/>
-          <a:chOff x="0" y="0"/>
-          <a:chExt cx="0" cy="0"/>
-        </a:xfrm>
-      </p:grpSpPr>
-      <p:sp>
-        <p:nvSpPr>
-          <p:cNvPr id="2" name="Titel 1">
-            <a:extLst>
-              <a:ext uri="{FF2B5EF4-FFF2-40B4-BE49-F238E27FC236}">
-                <a16:creationId xmlns:a16="http://schemas.microsoft.com/office/drawing/2014/main" id="{86AADDDC-CD07-D152-F98D-6AA7ABFFAE93}"/>
-              </a:ext>
-            </a:extLst>
-          </p:cNvPr>
-          <p:cNvSpPr>
-            <a:spLocks noGrp="1"/>
-          </p:cNvSpPr>
-          <p:nvPr>
-            <p:ph type="title"/>
-          </p:nvPr>
-        </p:nvSpPr>
-        <p:spPr/>
-        <p:txBody>
-          <a:bodyPr/>
-          <a:lstStyle/>
-          <a:p>
-            <a:r>
-              <a:rPr lang="de-DE" noProof="0" dirty="0"/>
-              <a:t>5. Ausblick auf den folgenden Sprint</a:t>
-            </a:r>
-          </a:p>
-        </p:txBody>
-      </p:sp>
-      <p:sp>
-        <p:nvSpPr>
-          <p:cNvPr id="3" name="Inhaltsplatzhalter 2">
-            <a:extLst>
-              <a:ext uri="{FF2B5EF4-FFF2-40B4-BE49-F238E27FC236}">
-                <a16:creationId xmlns:a16="http://schemas.microsoft.com/office/drawing/2014/main" id="{5E854AF4-9867-751A-7A8B-348123EF4C14}"/>
-              </a:ext>
-            </a:extLst>
-          </p:cNvPr>
-          <p:cNvSpPr>
-            <a:spLocks noGrp="1"/>
-          </p:cNvSpPr>
-          <p:nvPr>
-            <p:ph idx="1"/>
-          </p:nvPr>
-        </p:nvSpPr>
-        <p:spPr/>
-        <p:txBody>
-          <a:bodyPr/>
-          <a:lstStyle/>
-          <a:p>
-            <a:r>
-              <a:rPr lang="de-DE" sz="2800" dirty="0"/>
-              <a:t>Layout/Design überarbeiten.</a:t>
-            </a:r>
-          </a:p>
-          <a:p>
-            <a:r>
-              <a:rPr lang="de-DE" sz="2800" dirty="0"/>
-              <a:t>Anbindung API.</a:t>
-            </a:r>
-          </a:p>
-          <a:p>
-            <a:r>
-              <a:rPr lang="de-DE" dirty="0"/>
-              <a:t>Hosting.</a:t>
-            </a:r>
-            <a:endParaRPr lang="de-DE" sz="2800" dirty="0"/>
-          </a:p>
-          <a:p>
-            <a:r>
-              <a:rPr lang="de-DE" sz="2800" dirty="0"/>
-              <a:t>Küchenansicht optimieren.</a:t>
-            </a:r>
-          </a:p>
-        </p:txBody>
-      </p:sp>
-      <p:sp>
-        <p:nvSpPr>
-          <p:cNvPr id="4" name="Datumsplatzhalter 3">
-            <a:extLst>
-              <a:ext uri="{FF2B5EF4-FFF2-40B4-BE49-F238E27FC236}">
-                <a16:creationId xmlns:a16="http://schemas.microsoft.com/office/drawing/2014/main" id="{305A6BE5-5A63-7D28-E770-729A20618D33}"/>
-              </a:ext>
-            </a:extLst>
-          </p:cNvPr>
-          <p:cNvSpPr>
-            <a:spLocks noGrp="1"/>
-          </p:cNvSpPr>
-          <p:nvPr>
-            <p:ph type="dt" sz="half" idx="10"/>
-          </p:nvPr>
-        </p:nvSpPr>
-        <p:spPr/>
-        <p:txBody>
-          <a:bodyPr/>
-          <a:lstStyle/>
-          <a:p>
-            <a:fld id="{42B45B56-1D88-4042-8DF0-EB6B41B710D3}" type="datetime1">
-              <a:rPr lang="de-DE" noProof="0" smtClean="0"/>
-              <a:t>11.01.2025</a:t>
-            </a:fld>
-            <a:endParaRPr lang="de-DE" noProof="0" dirty="0"/>
-          </a:p>
-        </p:txBody>
-      </p:sp>
-      <p:sp>
-        <p:nvSpPr>
-          <p:cNvPr id="5" name="Foliennummernplatzhalter 4">
-            <a:extLst>
-              <a:ext uri="{FF2B5EF4-FFF2-40B4-BE49-F238E27FC236}">
-                <a16:creationId xmlns:a16="http://schemas.microsoft.com/office/drawing/2014/main" id="{E28ABC24-8900-E378-E502-62B817D571F6}"/>
-              </a:ext>
-            </a:extLst>
-          </p:cNvPr>
-          <p:cNvSpPr>
-            <a:spLocks noGrp="1"/>
-          </p:cNvSpPr>
-          <p:nvPr>
-            <p:ph type="sldNum" sz="quarter" idx="12"/>
-          </p:nvPr>
-        </p:nvSpPr>
-        <p:spPr/>
-        <p:txBody>
-          <a:bodyPr/>
-          <a:lstStyle/>
-          <a:p>
-            <a:fld id="{07CE569E-9B7C-4CB9-AB80-C0841F922CFF}" type="slidenum">
-              <a:rPr lang="de-DE" noProof="0" smtClean="0"/>
-              <a:t>20</a:t>
-            </a:fld>
-            <a:endParaRPr lang="de-DE" noProof="0" dirty="0"/>
-          </a:p>
-        </p:txBody>
-      </p:sp>
-    </p:spTree>
-    <p:extLst>
-      <p:ext uri="{BB962C8B-B14F-4D97-AF65-F5344CB8AC3E}">
-        <p14:creationId xmlns:p14="http://schemas.microsoft.com/office/powerpoint/2010/main" val="3562051256"/>
-      </p:ext>
-    </p:extLst>
-  </p:cSld>
-  <p:clrMapOvr>
-    <a:masterClrMapping/>
-  </p:clrMapOvr>
-</p:sld>
-</file>
-
-<file path=ppt/slides/slide21.xml><?xml version="1.0" encoding="utf-8"?>
-<p:sld xmlns:a="http://schemas.openxmlformats.org/drawingml/2006/main" xmlns:r="http://schemas.openxmlformats.org/officeDocument/2006/relationships" xmlns:p="http://schemas.openxmlformats.org/presentationml/2006/main">
-  <p:cSld>
-    <p:spTree>
-      <p:nvGrpSpPr>
-        <p:cNvPr id="1" name=""/>
-        <p:cNvGrpSpPr/>
-        <p:nvPr/>
-      </p:nvGrpSpPr>
-      <p:grpSpPr>
-        <a:xfrm>
-          <a:off x="0" y="0"/>
-          <a:ext cx="0" cy="0"/>
-          <a:chOff x="0" y="0"/>
-          <a:chExt cx="0" cy="0"/>
-        </a:xfrm>
-      </p:grpSpPr>
-      <p:sp>
-        <p:nvSpPr>
-          <p:cNvPr id="2" name="Titel 1">
-            <a:extLst>
-              <a:ext uri="{FF2B5EF4-FFF2-40B4-BE49-F238E27FC236}">
-                <a16:creationId xmlns:a16="http://schemas.microsoft.com/office/drawing/2014/main" id="{A075FF74-E5D2-1C9F-1DF3-DCD54EF547E9}"/>
-              </a:ext>
-            </a:extLst>
-          </p:cNvPr>
-          <p:cNvSpPr>
-            <a:spLocks noGrp="1"/>
-          </p:cNvSpPr>
-          <p:nvPr>
-            <p:ph type="title"/>
-          </p:nvPr>
-        </p:nvSpPr>
-        <p:spPr/>
-        <p:txBody>
-          <a:bodyPr/>
-          <a:lstStyle/>
-          <a:p>
-            <a:r>
-              <a:rPr lang="de-DE" noProof="0" dirty="0"/>
-              <a:t>6. Software-Tools</a:t>
-            </a:r>
-          </a:p>
-        </p:txBody>
-      </p:sp>
-      <p:sp>
-        <p:nvSpPr>
-          <p:cNvPr id="3" name="Inhaltsplatzhalter 2">
-            <a:extLst>
-              <a:ext uri="{FF2B5EF4-FFF2-40B4-BE49-F238E27FC236}">
-                <a16:creationId xmlns:a16="http://schemas.microsoft.com/office/drawing/2014/main" id="{E627C203-A1B7-383D-97A8-56B3248A1E83}"/>
-              </a:ext>
-            </a:extLst>
-          </p:cNvPr>
-          <p:cNvSpPr>
-            <a:spLocks noGrp="1"/>
-          </p:cNvSpPr>
-          <p:nvPr>
-            <p:ph sz="half" idx="1"/>
-          </p:nvPr>
-        </p:nvSpPr>
-        <p:spPr/>
-        <p:txBody>
-          <a:bodyPr>
-            <a:normAutofit/>
-          </a:bodyPr>
-          <a:lstStyle/>
-          <a:p>
-            <a:r>
-              <a:rPr lang="de-DE" noProof="0" dirty="0"/>
-              <a:t>Programmiersprache:</a:t>
-            </a:r>
-          </a:p>
-          <a:p>
-            <a:pPr lvl="1"/>
-            <a:r>
-              <a:rPr lang="de-DE" noProof="0" dirty="0"/>
-              <a:t>C#</a:t>
-            </a:r>
-          </a:p>
-          <a:p>
-            <a:r>
-              <a:rPr lang="de-DE" noProof="0" dirty="0"/>
-              <a:t>Framework:</a:t>
-            </a:r>
-          </a:p>
-          <a:p>
-            <a:pPr lvl="1"/>
-            <a:r>
-              <a:rPr lang="de-DE" noProof="0" dirty="0" err="1"/>
-              <a:t>Blazor</a:t>
-            </a:r>
-            <a:endParaRPr lang="de-DE" noProof="0" dirty="0"/>
-          </a:p>
-          <a:p>
-            <a:r>
-              <a:rPr lang="de-DE" noProof="0" dirty="0"/>
-              <a:t>IDE:</a:t>
-            </a:r>
-          </a:p>
-          <a:p>
-            <a:pPr lvl="1"/>
-            <a:r>
-              <a:rPr lang="de-DE" noProof="0" dirty="0"/>
-              <a:t>Visual Studio</a:t>
-            </a:r>
-          </a:p>
-        </p:txBody>
-      </p:sp>
-      <p:sp>
-        <p:nvSpPr>
-          <p:cNvPr id="6" name="Inhaltsplatzhalter 5">
-            <a:extLst>
-              <a:ext uri="{FF2B5EF4-FFF2-40B4-BE49-F238E27FC236}">
-                <a16:creationId xmlns:a16="http://schemas.microsoft.com/office/drawing/2014/main" id="{7185288F-FFC3-A9CF-5040-625A8A619580}"/>
-              </a:ext>
-            </a:extLst>
-          </p:cNvPr>
-          <p:cNvSpPr>
-            <a:spLocks noGrp="1"/>
-          </p:cNvSpPr>
-          <p:nvPr>
-            <p:ph sz="half" idx="2"/>
-          </p:nvPr>
-        </p:nvSpPr>
-        <p:spPr/>
-        <p:txBody>
-          <a:bodyPr>
-            <a:normAutofit/>
-          </a:bodyPr>
-          <a:lstStyle/>
-          <a:p>
-            <a:r>
-              <a:rPr lang="de-DE" noProof="0" dirty="0"/>
-              <a:t>Datenbank:</a:t>
-            </a:r>
-          </a:p>
-          <a:p>
-            <a:pPr lvl="1"/>
-            <a:r>
-              <a:rPr lang="de-DE" noProof="0" dirty="0"/>
-              <a:t>SQLite</a:t>
-            </a:r>
-          </a:p>
-          <a:p>
-            <a:r>
-              <a:rPr lang="de-DE" noProof="0" dirty="0"/>
-              <a:t>Weitere Tools:</a:t>
-            </a:r>
-          </a:p>
-          <a:p>
-            <a:pPr lvl="1"/>
-            <a:r>
-              <a:rPr lang="de-DE" noProof="0" dirty="0"/>
-              <a:t>Git (Versionierung)</a:t>
-            </a:r>
-          </a:p>
-          <a:p>
-            <a:pPr lvl="1"/>
-            <a:r>
-              <a:rPr lang="de-DE" noProof="0" dirty="0"/>
-              <a:t>Docker (</a:t>
-            </a:r>
-            <a:r>
-              <a:rPr lang="de-DE" noProof="0" dirty="0" err="1"/>
-              <a:t>Deployment</a:t>
-            </a:r>
-            <a:r>
-              <a:rPr lang="de-DE" noProof="0" dirty="0"/>
-              <a:t>)</a:t>
-            </a:r>
-          </a:p>
-          <a:p>
-            <a:pPr lvl="1"/>
-            <a:r>
-              <a:rPr lang="de-DE" dirty="0"/>
-              <a:t>N</a:t>
-            </a:r>
-            <a:r>
-              <a:rPr lang="de-DE" noProof="0" dirty="0" err="1"/>
-              <a:t>utritionix</a:t>
-            </a:r>
-            <a:r>
-              <a:rPr lang="de-DE" dirty="0"/>
-              <a:t> </a:t>
-            </a:r>
-            <a:r>
-              <a:rPr lang="de-DE" dirty="0" err="1"/>
-              <a:t>Api</a:t>
-            </a:r>
-            <a:r>
-              <a:rPr lang="de-DE" dirty="0"/>
-              <a:t> </a:t>
-            </a:r>
-            <a:endParaRPr lang="de-DE" noProof="0" dirty="0"/>
-          </a:p>
-        </p:txBody>
-      </p:sp>
-      <p:sp>
-        <p:nvSpPr>
-          <p:cNvPr id="4" name="Datumsplatzhalter 3">
-            <a:extLst>
-              <a:ext uri="{FF2B5EF4-FFF2-40B4-BE49-F238E27FC236}">
-                <a16:creationId xmlns:a16="http://schemas.microsoft.com/office/drawing/2014/main" id="{F5985418-FDA1-F1A7-80E8-C25C6BAC324B}"/>
-              </a:ext>
-            </a:extLst>
-          </p:cNvPr>
-          <p:cNvSpPr>
-            <a:spLocks noGrp="1"/>
-          </p:cNvSpPr>
-          <p:nvPr>
-            <p:ph type="dt" sz="half" idx="10"/>
-          </p:nvPr>
-        </p:nvSpPr>
-        <p:spPr/>
-        <p:txBody>
-          <a:bodyPr/>
-          <a:lstStyle/>
-          <a:p>
-            <a:fld id="{42B45B56-1D88-4042-8DF0-EB6B41B710D3}" type="datetime1">
-              <a:rPr lang="de-DE" noProof="0" smtClean="0"/>
-              <a:t>11.01.2025</a:t>
-            </a:fld>
-            <a:endParaRPr lang="de-DE" noProof="0" dirty="0"/>
-          </a:p>
-        </p:txBody>
-      </p:sp>
-      <p:sp>
-        <p:nvSpPr>
-          <p:cNvPr id="5" name="Foliennummernplatzhalter 4">
-            <a:extLst>
-              <a:ext uri="{FF2B5EF4-FFF2-40B4-BE49-F238E27FC236}">
-                <a16:creationId xmlns:a16="http://schemas.microsoft.com/office/drawing/2014/main" id="{6A7A11C6-83C4-FA07-F8C7-F2826F8F22B6}"/>
-              </a:ext>
-            </a:extLst>
-          </p:cNvPr>
-          <p:cNvSpPr>
-            <a:spLocks noGrp="1"/>
-          </p:cNvSpPr>
-          <p:nvPr>
-            <p:ph type="sldNum" sz="quarter" idx="12"/>
-          </p:nvPr>
-        </p:nvSpPr>
-        <p:spPr/>
-        <p:txBody>
-          <a:bodyPr/>
-          <a:lstStyle/>
-          <a:p>
-            <a:fld id="{07CE569E-9B7C-4CB9-AB80-C0841F922CFF}" type="slidenum">
-              <a:rPr lang="de-DE" noProof="0" smtClean="0"/>
-              <a:t>21</a:t>
-            </a:fld>
-            <a:endParaRPr lang="de-DE" noProof="0" dirty="0"/>
-          </a:p>
-        </p:txBody>
-      </p:sp>
-    </p:spTree>
-    <p:extLst>
-      <p:ext uri="{BB962C8B-B14F-4D97-AF65-F5344CB8AC3E}">
-        <p14:creationId xmlns:p14="http://schemas.microsoft.com/office/powerpoint/2010/main" val="1367875186"/>
-      </p:ext>
-    </p:extLst>
-  </p:cSld>
-  <p:clrMapOvr>
-    <a:masterClrMapping/>
-  </p:clrMapOvr>
-</p:sld>
-</file>
-
-<file path=ppt/slides/slide22.xml><?xml version="1.0" encoding="utf-8"?>
-<p:sld xmlns:a="http://schemas.openxmlformats.org/drawingml/2006/main" xmlns:r="http://schemas.openxmlformats.org/officeDocument/2006/relationships" xmlns:p="http://schemas.openxmlformats.org/presentationml/2006/main">
-  <p:cSld>
-    <p:spTree>
-      <p:nvGrpSpPr>
-        <p:cNvPr id="1" name=""/>
-        <p:cNvGrpSpPr/>
-        <p:nvPr/>
-      </p:nvGrpSpPr>
-      <p:grpSpPr>
-        <a:xfrm>
-          <a:off x="0" y="0"/>
-          <a:ext cx="0" cy="0"/>
-          <a:chOff x="0" y="0"/>
-          <a:chExt cx="0" cy="0"/>
-        </a:xfrm>
-      </p:grpSpPr>
-      <p:sp>
-        <p:nvSpPr>
-          <p:cNvPr id="2" name="Titel 1">
-            <a:extLst>
-              <a:ext uri="{FF2B5EF4-FFF2-40B4-BE49-F238E27FC236}">
-                <a16:creationId xmlns:a16="http://schemas.microsoft.com/office/drawing/2014/main" id="{32CCE440-A4CB-26A7-5B3F-3F9D4B878A95}"/>
-              </a:ext>
-            </a:extLst>
-          </p:cNvPr>
-          <p:cNvSpPr>
-            <a:spLocks noGrp="1"/>
-          </p:cNvSpPr>
-          <p:nvPr>
-            <p:ph type="title"/>
-          </p:nvPr>
-        </p:nvSpPr>
-        <p:spPr/>
-        <p:txBody>
-          <a:bodyPr/>
-          <a:lstStyle/>
-          <a:p>
-            <a:r>
-              <a:rPr lang="de-DE" noProof="0" dirty="0"/>
-              <a:t>7. SOUPs/OTS</a:t>
-            </a:r>
-          </a:p>
-        </p:txBody>
-      </p:sp>
-      <p:sp>
-        <p:nvSpPr>
-          <p:cNvPr id="6" name="Inhaltsplatzhalter 5">
-            <a:extLst>
-              <a:ext uri="{FF2B5EF4-FFF2-40B4-BE49-F238E27FC236}">
-                <a16:creationId xmlns:a16="http://schemas.microsoft.com/office/drawing/2014/main" id="{AF37E05B-D1E7-D5BB-3AA4-0CBC94340331}"/>
-              </a:ext>
-            </a:extLst>
-          </p:cNvPr>
-          <p:cNvSpPr>
-            <a:spLocks noGrp="1"/>
-          </p:cNvSpPr>
-          <p:nvPr>
-            <p:ph sz="half" idx="1"/>
-          </p:nvPr>
-        </p:nvSpPr>
-        <p:spPr/>
-        <p:txBody>
-          <a:bodyPr>
-            <a:normAutofit fontScale="92500" lnSpcReduction="20000"/>
-          </a:bodyPr>
-          <a:lstStyle/>
-          <a:p>
-            <a:r>
-              <a:rPr lang="de-DE" noProof="0" dirty="0"/>
-              <a:t>Eingesetzte SOUPs:</a:t>
-            </a:r>
-          </a:p>
-          <a:p>
-            <a:pPr lvl="1"/>
-            <a:r>
-              <a:rPr lang="de-DE" noProof="0" dirty="0"/>
-              <a:t>Docker-Container für Hosting der Anwendung</a:t>
-            </a:r>
-          </a:p>
-          <a:p>
-            <a:pPr lvl="1"/>
-            <a:r>
-              <a:rPr lang="de-DE" dirty="0"/>
-              <a:t>N</a:t>
-            </a:r>
-            <a:r>
-              <a:rPr lang="de-DE" noProof="0" dirty="0" err="1"/>
-              <a:t>utritionix</a:t>
-            </a:r>
-            <a:r>
-              <a:rPr lang="de-DE" noProof="0" dirty="0"/>
-              <a:t> </a:t>
-            </a:r>
-            <a:r>
-              <a:rPr lang="de-DE" noProof="0" dirty="0" err="1"/>
-              <a:t>Api</a:t>
-            </a:r>
-            <a:r>
-              <a:rPr lang="de-DE" noProof="0" dirty="0"/>
-              <a:t> </a:t>
-            </a:r>
-          </a:p>
-          <a:p>
-            <a:r>
-              <a:rPr lang="de-DE" noProof="0" dirty="0"/>
-              <a:t>Bibliotheken: </a:t>
-            </a:r>
-          </a:p>
-          <a:p>
-            <a:pPr lvl="1"/>
-            <a:r>
-              <a:rPr lang="de-DE" noProof="0" dirty="0"/>
-              <a:t>[z. B. </a:t>
-            </a:r>
-            <a:r>
-              <a:rPr lang="de-DE" noProof="0" dirty="0" err="1"/>
-              <a:t>Newtonsoft.Json</a:t>
-            </a:r>
-            <a:r>
-              <a:rPr lang="de-DE" noProof="0" dirty="0"/>
-              <a:t>]</a:t>
-            </a:r>
-          </a:p>
-          <a:p>
-            <a:r>
-              <a:rPr lang="de-DE" noProof="0" dirty="0"/>
-              <a:t>Eingesetzte OTS:</a:t>
-            </a:r>
-          </a:p>
-          <a:p>
-            <a:pPr lvl="1"/>
-            <a:r>
-              <a:rPr lang="de-DE" noProof="0" dirty="0"/>
-              <a:t>.NET 5.0 Framework</a:t>
-            </a:r>
-          </a:p>
-        </p:txBody>
-      </p:sp>
-      <p:sp>
-        <p:nvSpPr>
-          <p:cNvPr id="7" name="Inhaltsplatzhalter 6">
-            <a:extLst>
-              <a:ext uri="{FF2B5EF4-FFF2-40B4-BE49-F238E27FC236}">
-                <a16:creationId xmlns:a16="http://schemas.microsoft.com/office/drawing/2014/main" id="{3BFD40B0-F7F1-F960-F8BC-73901AB54EC1}"/>
-              </a:ext>
-            </a:extLst>
-          </p:cNvPr>
-          <p:cNvSpPr>
-            <a:spLocks noGrp="1"/>
-          </p:cNvSpPr>
-          <p:nvPr>
-            <p:ph sz="half" idx="2"/>
-          </p:nvPr>
-        </p:nvSpPr>
-        <p:spPr/>
-        <p:txBody>
-          <a:bodyPr>
-            <a:normAutofit fontScale="92500" lnSpcReduction="20000"/>
-          </a:bodyPr>
-          <a:lstStyle/>
-          <a:p>
-            <a:r>
-              <a:rPr lang="de-DE" noProof="0" dirty="0"/>
-              <a:t>SQLite-Datenbank</a:t>
-            </a:r>
-          </a:p>
-          <a:p>
-            <a:r>
-              <a:rPr lang="de-DE" noProof="0" dirty="0"/>
-              <a:t>Visual Studio IDE</a:t>
-            </a:r>
-          </a:p>
-          <a:p>
-            <a:r>
-              <a:rPr lang="de-DE" noProof="0" dirty="0"/>
-              <a:t>Maßnahmen zur Validierung und Sicherstellung:</a:t>
-            </a:r>
-          </a:p>
-          <a:p>
-            <a:pPr lvl="1"/>
-            <a:r>
-              <a:rPr lang="de-DE" noProof="0" dirty="0"/>
-              <a:t>Security-Scans, regelmäßige Updates</a:t>
-            </a:r>
-          </a:p>
-        </p:txBody>
-      </p:sp>
-      <p:sp>
-        <p:nvSpPr>
-          <p:cNvPr id="4" name="Datumsplatzhalter 3">
-            <a:extLst>
-              <a:ext uri="{FF2B5EF4-FFF2-40B4-BE49-F238E27FC236}">
-                <a16:creationId xmlns:a16="http://schemas.microsoft.com/office/drawing/2014/main" id="{02CC40AD-91C3-625D-A10C-F9A7627732C1}"/>
-              </a:ext>
-            </a:extLst>
-          </p:cNvPr>
-          <p:cNvSpPr>
-            <a:spLocks noGrp="1"/>
-          </p:cNvSpPr>
-          <p:nvPr>
-            <p:ph type="dt" sz="half" idx="10"/>
-          </p:nvPr>
-        </p:nvSpPr>
-        <p:spPr/>
-        <p:txBody>
-          <a:bodyPr/>
-          <a:lstStyle/>
-          <a:p>
-            <a:fld id="{42B45B56-1D88-4042-8DF0-EB6B41B710D3}" type="datetime1">
-              <a:rPr lang="de-DE" noProof="0" smtClean="0"/>
-              <a:t>11.01.2025</a:t>
-            </a:fld>
-            <a:endParaRPr lang="de-DE" noProof="0" dirty="0"/>
-          </a:p>
-        </p:txBody>
-      </p:sp>
-      <p:sp>
-        <p:nvSpPr>
-          <p:cNvPr id="5" name="Foliennummernplatzhalter 4">
-            <a:extLst>
-              <a:ext uri="{FF2B5EF4-FFF2-40B4-BE49-F238E27FC236}">
-                <a16:creationId xmlns:a16="http://schemas.microsoft.com/office/drawing/2014/main" id="{C09C3547-5BE9-9D3D-0D06-22EA64B7A6ED}"/>
-              </a:ext>
-            </a:extLst>
-          </p:cNvPr>
-          <p:cNvSpPr>
-            <a:spLocks noGrp="1"/>
-          </p:cNvSpPr>
-          <p:nvPr>
-            <p:ph type="sldNum" sz="quarter" idx="12"/>
-          </p:nvPr>
-        </p:nvSpPr>
-        <p:spPr/>
-        <p:txBody>
-          <a:bodyPr/>
-          <a:lstStyle/>
-          <a:p>
-            <a:fld id="{07CE569E-9B7C-4CB9-AB80-C0841F922CFF}" type="slidenum">
-              <a:rPr lang="de-DE" noProof="0" smtClean="0"/>
-              <a:t>22</a:t>
-            </a:fld>
-            <a:endParaRPr lang="de-DE" noProof="0" dirty="0"/>
-          </a:p>
-        </p:txBody>
-      </p:sp>
-    </p:spTree>
-    <p:extLst>
-      <p:ext uri="{BB962C8B-B14F-4D97-AF65-F5344CB8AC3E}">
-        <p14:creationId xmlns:p14="http://schemas.microsoft.com/office/powerpoint/2010/main" val="3169394714"/>
-      </p:ext>
-    </p:extLst>
-  </p:cSld>
-  <p:clrMapOvr>
-    <a:masterClrMapping/>
-  </p:clrMapOvr>
-</p:sld>
-</file>
-
-<file path=ppt/slides/slide23.xml><?xml version="1.0" encoding="utf-8"?>
-<p:sld xmlns:a="http://schemas.openxmlformats.org/drawingml/2006/main" xmlns:r="http://schemas.openxmlformats.org/officeDocument/2006/relationships" xmlns:p="http://schemas.openxmlformats.org/presentationml/2006/main">
-  <p:cSld>
     <p:bg>
       <p:bgPr>
         <a:solidFill>
@@ -13097,7 +8401,7 @@
                   <a:spcPts val="600"/>
                 </a:spcAft>
               </a:pPr>
-              <a:t>23</a:t>
+              <a:t>12</a:t>
             </a:fld>
             <a:endParaRPr lang="en-US" noProof="0">
               <a:solidFill>
@@ -13113,6 +8417,197 @@
     <p:extLst>
       <p:ext uri="{BB962C8B-B14F-4D97-AF65-F5344CB8AC3E}">
         <p14:creationId xmlns:p14="http://schemas.microsoft.com/office/powerpoint/2010/main" val="3837604972"/>
+      </p:ext>
+    </p:extLst>
+  </p:cSld>
+  <p:clrMapOvr>
+    <a:masterClrMapping/>
+  </p:clrMapOvr>
+</p:sld>
+</file>
+
+<file path=ppt/slides/slide2.xml><?xml version="1.0" encoding="utf-8"?>
+<p:sld xmlns:a="http://schemas.openxmlformats.org/drawingml/2006/main" xmlns:r="http://schemas.openxmlformats.org/officeDocument/2006/relationships" xmlns:p="http://schemas.openxmlformats.org/presentationml/2006/main">
+  <p:cSld>
+    <p:spTree>
+      <p:nvGrpSpPr>
+        <p:cNvPr id="1" name=""/>
+        <p:cNvGrpSpPr/>
+        <p:nvPr/>
+      </p:nvGrpSpPr>
+      <p:grpSpPr>
+        <a:xfrm>
+          <a:off x="0" y="0"/>
+          <a:ext cx="0" cy="0"/>
+          <a:chOff x="0" y="0"/>
+          <a:chExt cx="0" cy="0"/>
+        </a:xfrm>
+      </p:grpSpPr>
+      <p:sp>
+        <p:nvSpPr>
+          <p:cNvPr id="11" name="Titel 10">
+            <a:extLst>
+              <a:ext uri="{FF2B5EF4-FFF2-40B4-BE49-F238E27FC236}">
+                <a16:creationId xmlns:a16="http://schemas.microsoft.com/office/drawing/2014/main" id="{1118431B-1496-0A82-1676-FAA6A30588CC}"/>
+              </a:ext>
+            </a:extLst>
+          </p:cNvPr>
+          <p:cNvSpPr>
+            <a:spLocks noGrp="1"/>
+          </p:cNvSpPr>
+          <p:nvPr>
+            <p:ph type="title"/>
+          </p:nvPr>
+        </p:nvSpPr>
+        <p:spPr/>
+        <p:txBody>
+          <a:bodyPr/>
+          <a:lstStyle/>
+          <a:p>
+            <a:r>
+              <a:rPr lang="de-DE" noProof="0" dirty="0"/>
+              <a:t>INHALTSVERZEICHNIS</a:t>
+            </a:r>
+          </a:p>
+        </p:txBody>
+      </p:sp>
+      <p:sp>
+        <p:nvSpPr>
+          <p:cNvPr id="12" name="Inhaltsplatzhalter 11">
+            <a:extLst>
+              <a:ext uri="{FF2B5EF4-FFF2-40B4-BE49-F238E27FC236}">
+                <a16:creationId xmlns:a16="http://schemas.microsoft.com/office/drawing/2014/main" id="{DFE3170E-AE62-0144-BDDB-D9C60B4C7C94}"/>
+              </a:ext>
+            </a:extLst>
+          </p:cNvPr>
+          <p:cNvSpPr>
+            <a:spLocks noGrp="1"/>
+          </p:cNvSpPr>
+          <p:nvPr>
+            <p:ph idx="1"/>
+          </p:nvPr>
+        </p:nvSpPr>
+        <p:spPr/>
+        <p:txBody>
+          <a:bodyPr>
+            <a:normAutofit/>
+          </a:bodyPr>
+          <a:lstStyle/>
+          <a:p>
+            <a:pPr marL="514350" indent="-514350">
+              <a:buFont typeface="+mj-lt"/>
+              <a:buAutoNum type="arabicPeriod"/>
+            </a:pPr>
+            <a:r>
+              <a:rPr lang="de-DE" noProof="0" dirty="0"/>
+              <a:t>Produktvorstellung</a:t>
+            </a:r>
+          </a:p>
+          <a:p>
+            <a:pPr marL="514350" indent="-514350">
+              <a:buFont typeface="+mj-lt"/>
+              <a:buAutoNum type="arabicPeriod"/>
+            </a:pPr>
+            <a:r>
+              <a:rPr lang="de-DE" noProof="0" dirty="0"/>
+              <a:t>Sprint 3</a:t>
+            </a:r>
+          </a:p>
+          <a:p>
+            <a:pPr marL="514350" indent="-514350">
+              <a:buFont typeface="+mj-lt"/>
+              <a:buAutoNum type="arabicPeriod"/>
+            </a:pPr>
+            <a:r>
+              <a:rPr lang="de-DE" noProof="0" dirty="0"/>
+              <a:t>Retrospektive</a:t>
+            </a:r>
+          </a:p>
+          <a:p>
+            <a:pPr marL="971550" lvl="1" indent="-514350">
+              <a:buFont typeface="+mj-lt"/>
+              <a:buAutoNum type="arabicPeriod"/>
+            </a:pPr>
+            <a:r>
+              <a:rPr lang="de-DE" noProof="0" dirty="0"/>
+              <a:t>Stunden</a:t>
+            </a:r>
+          </a:p>
+          <a:p>
+            <a:pPr marL="971550" lvl="1" indent="-514350">
+              <a:buFont typeface="+mj-lt"/>
+              <a:buAutoNum type="arabicPeriod"/>
+            </a:pPr>
+            <a:r>
+              <a:rPr lang="de-DE" dirty="0"/>
+              <a:t>Bewertung</a:t>
+            </a:r>
+            <a:endParaRPr lang="de-DE" noProof="0" dirty="0"/>
+          </a:p>
+        </p:txBody>
+      </p:sp>
+      <p:sp>
+        <p:nvSpPr>
+          <p:cNvPr id="16" name="Datumsplatzhalter 15">
+            <a:extLst>
+              <a:ext uri="{FF2B5EF4-FFF2-40B4-BE49-F238E27FC236}">
+                <a16:creationId xmlns:a16="http://schemas.microsoft.com/office/drawing/2014/main" id="{1D85867B-85E2-65F9-23F4-3499A505A0CD}"/>
+              </a:ext>
+            </a:extLst>
+          </p:cNvPr>
+          <p:cNvSpPr>
+            <a:spLocks noGrp="1"/>
+          </p:cNvSpPr>
+          <p:nvPr>
+            <p:ph type="dt" sz="half" idx="10"/>
+          </p:nvPr>
+        </p:nvSpPr>
+        <p:spPr/>
+        <p:txBody>
+          <a:bodyPr/>
+          <a:lstStyle/>
+          <a:p>
+            <a:fld id="{AE5E781B-AB27-45A9-B2F3-7F70593BE83B}" type="datetime1">
+              <a:rPr lang="de-DE" noProof="0" smtClean="0"/>
+              <a:t>11.01.2025</a:t>
+            </a:fld>
+            <a:endParaRPr lang="de-DE" noProof="0" dirty="0"/>
+          </a:p>
+        </p:txBody>
+      </p:sp>
+      <p:sp>
+        <p:nvSpPr>
+          <p:cNvPr id="17" name="Foliennummernplatzhalter 16">
+            <a:extLst>
+              <a:ext uri="{FF2B5EF4-FFF2-40B4-BE49-F238E27FC236}">
+                <a16:creationId xmlns:a16="http://schemas.microsoft.com/office/drawing/2014/main" id="{E760C18F-75BC-9CF5-53D0-7B2D9937E501}"/>
+              </a:ext>
+            </a:extLst>
+          </p:cNvPr>
+          <p:cNvSpPr>
+            <a:spLocks noGrp="1"/>
+          </p:cNvSpPr>
+          <p:nvPr>
+            <p:ph type="sldNum" sz="quarter" idx="12"/>
+          </p:nvPr>
+        </p:nvSpPr>
+        <p:spPr/>
+        <p:txBody>
+          <a:bodyPr/>
+          <a:lstStyle/>
+          <a:p>
+            <a:fld id="{07CE569E-9B7C-4CB9-AB80-C0841F922CFF}" type="slidenum">
+              <a:rPr lang="de-DE" noProof="0" smtClean="0"/>
+              <a:t>2</a:t>
+            </a:fld>
+            <a:endParaRPr lang="de-DE" noProof="0" dirty="0"/>
+          </a:p>
+        </p:txBody>
+      </p:sp>
+    </p:spTree>
+    <p:extLst>
+      <p:ext uri="{BB962C8B-B14F-4D97-AF65-F5344CB8AC3E}">
+        <p14:creationId xmlns:p14="http://schemas.microsoft.com/office/powerpoint/2010/main" val="1411604025"/>
       </p:ext>
     </p:extLst>
   </p:cSld>
@@ -13193,6 +8688,76 @@
               <a:t>11.01.2025</a:t>
             </a:fld>
             <a:endParaRPr lang="de-DE" noProof="0" dirty="0"/>
+          </a:p>
+        </p:txBody>
+      </p:sp>
+      <p:pic>
+        <p:nvPicPr>
+          <p:cNvPr id="5" name="Grafik 4">
+            <a:extLst>
+              <a:ext uri="{FF2B5EF4-FFF2-40B4-BE49-F238E27FC236}">
+                <a16:creationId xmlns:a16="http://schemas.microsoft.com/office/drawing/2014/main" id="{A891BD7D-A9F6-8A66-CF85-E7E375919CC4}"/>
+              </a:ext>
+            </a:extLst>
+          </p:cNvPr>
+          <p:cNvPicPr>
+            <a:picLocks noChangeAspect="1"/>
+          </p:cNvPicPr>
+          <p:nvPr/>
+        </p:nvPicPr>
+        <p:blipFill>
+          <a:blip r:embed="rId2"/>
+          <a:stretch>
+            <a:fillRect/>
+          </a:stretch>
+        </p:blipFill>
+        <p:spPr>
+          <a:xfrm>
+            <a:off x="1692124" y="2488555"/>
+            <a:ext cx="2922802" cy="3161723"/>
+          </a:xfrm>
+          <a:prstGeom prst="rect">
+            <a:avLst/>
+          </a:prstGeom>
+        </p:spPr>
+      </p:pic>
+      <p:sp>
+        <p:nvSpPr>
+          <p:cNvPr id="6" name="Textfeld 5">
+            <a:extLst>
+              <a:ext uri="{FF2B5EF4-FFF2-40B4-BE49-F238E27FC236}">
+                <a16:creationId xmlns:a16="http://schemas.microsoft.com/office/drawing/2014/main" id="{5840DF72-7360-7A4E-4327-DEA30E087B1B}"/>
+              </a:ext>
+            </a:extLst>
+          </p:cNvPr>
+          <p:cNvSpPr txBox="1"/>
+          <p:nvPr/>
+        </p:nvSpPr>
+        <p:spPr>
+          <a:xfrm>
+            <a:off x="1169894" y="2050676"/>
+            <a:ext cx="2284856" cy="369332"/>
+          </a:xfrm>
+          <a:prstGeom prst="rect">
+            <a:avLst/>
+          </a:prstGeom>
+          <a:noFill/>
+        </p:spPr>
+        <p:txBody>
+          <a:bodyPr wrap="none" rtlCol="0">
+            <a:spAutoFit/>
+          </a:bodyPr>
+          <a:lstStyle/>
+          <a:p>
+            <a:r>
+              <a:rPr lang="en-US" b="1" dirty="0" err="1"/>
+              <a:t>Datenbank</a:t>
+            </a:r>
+            <a:r>
+              <a:rPr lang="en-US" b="1" dirty="0"/>
+              <a:t>-Modell</a:t>
+            </a:r>
+            <a:endParaRPr lang="de-DE" b="1" dirty="0"/>
           </a:p>
         </p:txBody>
       </p:sp>
@@ -13333,7 +8898,7 @@
           <p:nvPr>
             <p:extLst>
               <p:ext uri="{D42A27DB-BD31-4B8C-83A1-F6EECF244321}">
-                <p14:modId xmlns:p14="http://schemas.microsoft.com/office/powerpoint/2010/main" val="246693028"/>
+                <p14:modId xmlns:p14="http://schemas.microsoft.com/office/powerpoint/2010/main" val="3119072434"/>
               </p:ext>
             </p:extLst>
           </p:nvPr>
@@ -14142,7 +9707,7 @@
           <a:lstStyle/>
           <a:p>
             <a:r>
-              <a:rPr lang="de-DE" sz="2800" noProof="0"/>
+              <a:rPr lang="de-DE" sz="2800" noProof="0" dirty="0"/>
               <a:t>1. Stunden</a:t>
             </a:r>
             <a:endParaRPr lang="de-DE" sz="2800" dirty="0"/>
@@ -15221,12 +10786,12 @@
                     <a:p>
                       <a:pPr algn="r" fontAlgn="b"/>
                       <a:r>
-                        <a:rPr lang="de-DE" sz="1400" u="none" strike="noStrike">
+                        <a:rPr lang="de-DE" sz="1400" u="none" strike="noStrike" dirty="0">
                           <a:effectLst/>
                         </a:rPr>
                         <a:t>6</a:t>
                       </a:r>
-                      <a:endParaRPr lang="de-DE" sz="1400" b="0" i="0" u="none" strike="noStrike">
+                      <a:endParaRPr lang="de-DE" sz="1400" b="0" i="0" u="none" strike="noStrike" dirty="0">
                         <a:solidFill>
                           <a:srgbClr val="000000"/>
                         </a:solidFill>
@@ -16284,7 +11849,7 @@
                     <a:p>
                       <a:pPr algn="l" fontAlgn="b"/>
                       <a:r>
-                        <a:rPr lang="de-DE" sz="1400" b="1" u="none" strike="noStrike" kern="1200">
+                        <a:rPr lang="de-DE" sz="1400" b="1" u="none" strike="noStrike" kern="1200" dirty="0">
                           <a:solidFill>
                             <a:schemeClr val="tx1"/>
                           </a:solidFill>
@@ -16348,7 +11913,7 @@
                     <a:p>
                       <a:pPr algn="r" fontAlgn="b"/>
                       <a:r>
-                        <a:rPr lang="de-DE" sz="1400" u="none" strike="noStrike" kern="1200">
+                        <a:rPr lang="de-DE" sz="1400" u="none" strike="noStrike" kern="1200" dirty="0">
                           <a:solidFill>
                             <a:schemeClr val="tx1"/>
                           </a:solidFill>
@@ -16614,7 +12179,7 @@
           <p:nvPr>
             <p:extLst>
               <p:ext uri="{D42A27DB-BD31-4B8C-83A1-F6EECF244321}">
-                <p14:modId xmlns:p14="http://schemas.microsoft.com/office/powerpoint/2010/main" val="804270518"/>
+                <p14:modId xmlns:p14="http://schemas.microsoft.com/office/powerpoint/2010/main" val="386549644"/>
               </p:ext>
             </p:extLst>
           </p:nvPr>
@@ -16795,7 +12360,7 @@
                             </a:schemeClr>
                           </a:solidFill>
                         </a:rPr>
-                        <a:t>15</a:t>
+                        <a:t>16</a:t>
                       </a:r>
                       <a:endParaRPr lang="de-DE" b="0" dirty="0">
                         <a:solidFill>
@@ -16834,14 +12399,14 @@
           <p:nvPr>
             <p:extLst>
               <p:ext uri="{D42A27DB-BD31-4B8C-83A1-F6EECF244321}">
-                <p14:modId xmlns:p14="http://schemas.microsoft.com/office/powerpoint/2010/main" val="1851181335"/>
+                <p14:modId xmlns:p14="http://schemas.microsoft.com/office/powerpoint/2010/main" val="4084869597"/>
               </p:ext>
             </p:extLst>
           </p:nvPr>
         </p:nvGraphicFramePr>
         <p:xfrm>
-          <a:off x="3365500" y="3838575"/>
-          <a:ext cx="3721100" cy="1112520"/>
+          <a:off x="2001520" y="3838575"/>
+          <a:ext cx="3721100" cy="741680"/>
         </p:xfrm>
         <a:graphic>
           <a:graphicData uri="http://schemas.openxmlformats.org/drawingml/2006/table">
@@ -16912,35 +12477,6 @@
                   </a:ext>
                 </a:extLst>
               </a:tr>
-              <a:tr h="370840">
-                <a:tc>
-                  <a:txBody>
-                    <a:bodyPr/>
-                    <a:lstStyle/>
-                    <a:p>
-                      <a:r>
-                        <a:rPr lang="en-US" dirty="0"/>
-                        <a:t>API </a:t>
-                      </a:r>
-                      <a:r>
-                        <a:rPr lang="en-US" dirty="0" err="1"/>
-                        <a:t>Erweiterung</a:t>
-                      </a:r>
-                      <a:r>
-                        <a:rPr lang="en-US" dirty="0"/>
-                        <a:t> (Website + DB)</a:t>
-                      </a:r>
-                      <a:endParaRPr lang="de-DE" dirty="0"/>
-                    </a:p>
-                  </a:txBody>
-                  <a:tcPr/>
-                </a:tc>
-                <a:extLst>
-                  <a:ext uri="{0D108BD9-81ED-4DB2-BD59-A6C34878D82A}">
-                    <a16:rowId xmlns:a16="http://schemas.microsoft.com/office/drawing/2014/main" val="3361050712"/>
-                  </a:ext>
-                </a:extLst>
-              </a:tr>
             </a:tbl>
           </a:graphicData>
         </a:graphic>
@@ -17123,14 +12659,14 @@
           <p:nvPr>
             <p:extLst>
               <p:ext uri="{D42A27DB-BD31-4B8C-83A1-F6EECF244321}">
-                <p14:modId xmlns:p14="http://schemas.microsoft.com/office/powerpoint/2010/main" val="2299923327"/>
+                <p14:modId xmlns:p14="http://schemas.microsoft.com/office/powerpoint/2010/main" val="3114812149"/>
               </p:ext>
             </p:extLst>
           </p:nvPr>
         </p:nvGraphicFramePr>
         <p:xfrm>
           <a:off x="2019300" y="2539355"/>
-          <a:ext cx="6400800" cy="1483360"/>
+          <a:ext cx="6400800" cy="1854200"/>
         </p:xfrm>
         <a:graphic>
           <a:graphicData uri="http://schemas.openxmlformats.org/drawingml/2006/table">
@@ -17165,6 +12701,59 @@
                 <a:extLst>
                   <a:ext uri="{0D108BD9-81ED-4DB2-BD59-A6C34878D82A}">
                     <a16:rowId xmlns:a16="http://schemas.microsoft.com/office/drawing/2014/main" val="2872232138"/>
+                  </a:ext>
+                </a:extLst>
+              </a:tr>
+              <a:tr h="370840">
+                <a:tc>
+                  <a:txBody>
+                    <a:bodyPr/>
+                    <a:lstStyle/>
+                    <a:p>
+                      <a:pPr marL="285750" indent="-285750">
+                        <a:buFont typeface="Arial" panose="020B0604020202020204" pitchFamily="34" charset="0"/>
+                        <a:buChar char="•"/>
+                      </a:pPr>
+                      <a:r>
+                        <a:rPr lang="en-US" dirty="0" err="1"/>
+                        <a:t>Einlernen</a:t>
+                      </a:r>
+                      <a:r>
+                        <a:rPr lang="en-US" dirty="0"/>
+                        <a:t> in </a:t>
+                      </a:r>
+                      <a:r>
+                        <a:rPr lang="en-US" dirty="0" err="1"/>
+                        <a:t>neue</a:t>
+                      </a:r>
+                      <a:r>
+                        <a:rPr lang="en-US" dirty="0"/>
+                        <a:t> </a:t>
+                      </a:r>
+                      <a:r>
+                        <a:rPr lang="en-US" dirty="0" err="1"/>
+                        <a:t>Programme</a:t>
+                      </a:r>
+                      <a:r>
+                        <a:rPr lang="en-US" dirty="0"/>
+                        <a:t> (C# </a:t>
+                      </a:r>
+                      <a:r>
+                        <a:rPr lang="en-US" dirty="0" err="1"/>
+                        <a:t>oder</a:t>
+                      </a:r>
+                      <a:r>
+                        <a:rPr lang="en-US" dirty="0"/>
+                        <a:t> Docker)</a:t>
+                      </a:r>
+                      <a:endParaRPr lang="de-DE" dirty="0"/>
+                    </a:p>
+                  </a:txBody>
+                  <a:tcPr/>
+                </a:tc>
+                <a:extLst>
+                  <a:ext uri="{0D108BD9-81ED-4DB2-BD59-A6C34878D82A}">
+                    <a16:rowId xmlns:a16="http://schemas.microsoft.com/office/drawing/2014/main" val="2566326108"/>
                   </a:ext>
                 </a:extLst>
               </a:tr>

--- a/Dokumente/Sprint-Backlog/Sprint-Backlog3.pptx
+++ b/Dokumente/Sprint-Backlog/Sprint-Backlog3.pptx
@@ -5,7 +5,7 @@
     <p:sldMasterId id="2147483751" r:id="rId1"/>
   </p:sldMasterIdLst>
   <p:notesMasterIdLst>
-    <p:notesMasterId r:id="rId14"/>
+    <p:notesMasterId r:id="rId11"/>
   </p:notesMasterIdLst>
   <p:sldIdLst>
     <p:sldId id="256" r:id="rId2"/>
@@ -16,10 +16,7 @@
     <p:sldId id="287" r:id="rId7"/>
     <p:sldId id="285" r:id="rId8"/>
     <p:sldId id="291" r:id="rId9"/>
-    <p:sldId id="288" r:id="rId10"/>
-    <p:sldId id="289" r:id="rId11"/>
-    <p:sldId id="290" r:id="rId12"/>
-    <p:sldId id="275" r:id="rId13"/>
+    <p:sldId id="275" r:id="rId10"/>
   </p:sldIdLst>
   <p:sldSz cx="12192000" cy="6858000"/>
   <p:notesSz cx="6858000" cy="9144000"/>
@@ -6606,6 +6603,48 @@
           </a:prstGeom>
         </p:spPr>
       </p:pic>
+      <p:sp>
+        <p:nvSpPr>
+          <p:cNvPr id="4" name="Textfeld 3">
+            <a:extLst>
+              <a:ext uri="{FF2B5EF4-FFF2-40B4-BE49-F238E27FC236}">
+                <a16:creationId xmlns:a16="http://schemas.microsoft.com/office/drawing/2014/main" id="{9072BB07-DE04-0EE0-3E22-6CDE2AF43705}"/>
+              </a:ext>
+            </a:extLst>
+          </p:cNvPr>
+          <p:cNvSpPr txBox="1"/>
+          <p:nvPr/>
+        </p:nvSpPr>
+        <p:spPr>
+          <a:xfrm>
+            <a:off x="7619999" y="4694561"/>
+            <a:ext cx="3810000" cy="646331"/>
+          </a:xfrm>
+          <a:prstGeom prst="rect">
+            <a:avLst/>
+          </a:prstGeom>
+          <a:noFill/>
+        </p:spPr>
+        <p:txBody>
+          <a:bodyPr wrap="square" rtlCol="0">
+            <a:spAutoFit/>
+          </a:bodyPr>
+          <a:lstStyle/>
+          <a:p>
+            <a:r>
+              <a:rPr lang="de-DE" dirty="0">
+                <a:solidFill>
+                  <a:schemeClr val="accent4">
+                    <a:lumMod val="40000"/>
+                    <a:lumOff val="60000"/>
+                  </a:schemeClr>
+                </a:solidFill>
+              </a:rPr>
+              <a:t>Hans Bloching, Vincent Knapp, Dennis Haaf, René Weber</a:t>
+            </a:r>
+          </a:p>
+        </p:txBody>
+      </p:sp>
     </p:spTree>
     <p:extLst>
       <p:ext uri="{BB962C8B-B14F-4D97-AF65-F5344CB8AC3E}">
@@ -6619,7 +6658,198 @@
 </p:sld>
 </file>
 
-<file path=ppt/slides/slide10.xml><?xml version="1.0" encoding="utf-8"?>
+<file path=ppt/slides/slide2.xml><?xml version="1.0" encoding="utf-8"?>
+<p:sld xmlns:a="http://schemas.openxmlformats.org/drawingml/2006/main" xmlns:r="http://schemas.openxmlformats.org/officeDocument/2006/relationships" xmlns:p="http://schemas.openxmlformats.org/presentationml/2006/main">
+  <p:cSld>
+    <p:spTree>
+      <p:nvGrpSpPr>
+        <p:cNvPr id="1" name=""/>
+        <p:cNvGrpSpPr/>
+        <p:nvPr/>
+      </p:nvGrpSpPr>
+      <p:grpSpPr>
+        <a:xfrm>
+          <a:off x="0" y="0"/>
+          <a:ext cx="0" cy="0"/>
+          <a:chOff x="0" y="0"/>
+          <a:chExt cx="0" cy="0"/>
+        </a:xfrm>
+      </p:grpSpPr>
+      <p:sp>
+        <p:nvSpPr>
+          <p:cNvPr id="11" name="Titel 10">
+            <a:extLst>
+              <a:ext uri="{FF2B5EF4-FFF2-40B4-BE49-F238E27FC236}">
+                <a16:creationId xmlns:a16="http://schemas.microsoft.com/office/drawing/2014/main" id="{1118431B-1496-0A82-1676-FAA6A30588CC}"/>
+              </a:ext>
+            </a:extLst>
+          </p:cNvPr>
+          <p:cNvSpPr>
+            <a:spLocks noGrp="1"/>
+          </p:cNvSpPr>
+          <p:nvPr>
+            <p:ph type="title"/>
+          </p:nvPr>
+        </p:nvSpPr>
+        <p:spPr/>
+        <p:txBody>
+          <a:bodyPr/>
+          <a:lstStyle/>
+          <a:p>
+            <a:r>
+              <a:rPr lang="de-DE" noProof="0" dirty="0"/>
+              <a:t>INHALTSVERZEICHNIS</a:t>
+            </a:r>
+          </a:p>
+        </p:txBody>
+      </p:sp>
+      <p:sp>
+        <p:nvSpPr>
+          <p:cNvPr id="12" name="Inhaltsplatzhalter 11">
+            <a:extLst>
+              <a:ext uri="{FF2B5EF4-FFF2-40B4-BE49-F238E27FC236}">
+                <a16:creationId xmlns:a16="http://schemas.microsoft.com/office/drawing/2014/main" id="{DFE3170E-AE62-0144-BDDB-D9C60B4C7C94}"/>
+              </a:ext>
+            </a:extLst>
+          </p:cNvPr>
+          <p:cNvSpPr>
+            <a:spLocks noGrp="1"/>
+          </p:cNvSpPr>
+          <p:nvPr>
+            <p:ph idx="1"/>
+          </p:nvPr>
+        </p:nvSpPr>
+        <p:spPr/>
+        <p:txBody>
+          <a:bodyPr>
+            <a:normAutofit/>
+          </a:bodyPr>
+          <a:lstStyle/>
+          <a:p>
+            <a:pPr marL="514350" indent="-514350">
+              <a:buFont typeface="+mj-lt"/>
+              <a:buAutoNum type="arabicPeriod"/>
+            </a:pPr>
+            <a:r>
+              <a:rPr lang="de-DE" noProof="0" dirty="0"/>
+              <a:t>Produktvorstellung</a:t>
+            </a:r>
+          </a:p>
+          <a:p>
+            <a:pPr marL="514350" indent="-514350">
+              <a:buFont typeface="+mj-lt"/>
+              <a:buAutoNum type="arabicPeriod"/>
+            </a:pPr>
+            <a:r>
+              <a:rPr lang="de-DE" noProof="0" dirty="0"/>
+              <a:t>Sprint 3</a:t>
+            </a:r>
+          </a:p>
+          <a:p>
+            <a:pPr marL="514350" indent="-514350">
+              <a:buFont typeface="+mj-lt"/>
+              <a:buAutoNum type="arabicPeriod"/>
+            </a:pPr>
+            <a:r>
+              <a:rPr lang="de-DE" noProof="0" dirty="0"/>
+              <a:t>Retrospektive</a:t>
+            </a:r>
+          </a:p>
+          <a:p>
+            <a:pPr marL="971550" lvl="1" indent="-514350">
+              <a:buFont typeface="+mj-lt"/>
+              <a:buAutoNum type="arabicPeriod"/>
+            </a:pPr>
+            <a:r>
+              <a:rPr lang="de-DE" noProof="0" dirty="0"/>
+              <a:t>Stunden</a:t>
+            </a:r>
+          </a:p>
+          <a:p>
+            <a:pPr marL="971550" lvl="1" indent="-514350">
+              <a:buFont typeface="+mj-lt"/>
+              <a:buAutoNum type="arabicPeriod"/>
+            </a:pPr>
+            <a:r>
+              <a:rPr lang="de-DE" dirty="0"/>
+              <a:t>Bewertung</a:t>
+            </a:r>
+            <a:endParaRPr lang="de-DE" noProof="0" dirty="0"/>
+          </a:p>
+        </p:txBody>
+      </p:sp>
+      <p:sp>
+        <p:nvSpPr>
+          <p:cNvPr id="16" name="Datumsplatzhalter 15">
+            <a:extLst>
+              <a:ext uri="{FF2B5EF4-FFF2-40B4-BE49-F238E27FC236}">
+                <a16:creationId xmlns:a16="http://schemas.microsoft.com/office/drawing/2014/main" id="{1D85867B-85E2-65F9-23F4-3499A505A0CD}"/>
+              </a:ext>
+            </a:extLst>
+          </p:cNvPr>
+          <p:cNvSpPr>
+            <a:spLocks noGrp="1"/>
+          </p:cNvSpPr>
+          <p:nvPr>
+            <p:ph type="dt" sz="half" idx="10"/>
+          </p:nvPr>
+        </p:nvSpPr>
+        <p:spPr/>
+        <p:txBody>
+          <a:bodyPr/>
+          <a:lstStyle/>
+          <a:p>
+            <a:fld id="{AE5E781B-AB27-45A9-B2F3-7F70593BE83B}" type="datetime1">
+              <a:rPr lang="de-DE" noProof="0" smtClean="0"/>
+              <a:t>11.01.2025</a:t>
+            </a:fld>
+            <a:endParaRPr lang="de-DE" noProof="0" dirty="0"/>
+          </a:p>
+        </p:txBody>
+      </p:sp>
+      <p:sp>
+        <p:nvSpPr>
+          <p:cNvPr id="17" name="Foliennummernplatzhalter 16">
+            <a:extLst>
+              <a:ext uri="{FF2B5EF4-FFF2-40B4-BE49-F238E27FC236}">
+                <a16:creationId xmlns:a16="http://schemas.microsoft.com/office/drawing/2014/main" id="{E760C18F-75BC-9CF5-53D0-7B2D9937E501}"/>
+              </a:ext>
+            </a:extLst>
+          </p:cNvPr>
+          <p:cNvSpPr>
+            <a:spLocks noGrp="1"/>
+          </p:cNvSpPr>
+          <p:nvPr>
+            <p:ph type="sldNum" sz="quarter" idx="12"/>
+          </p:nvPr>
+        </p:nvSpPr>
+        <p:spPr/>
+        <p:txBody>
+          <a:bodyPr/>
+          <a:lstStyle/>
+          <a:p>
+            <a:fld id="{07CE569E-9B7C-4CB9-AB80-C0841F922CFF}" type="slidenum">
+              <a:rPr lang="de-DE" noProof="0" smtClean="0"/>
+              <a:t>2</a:t>
+            </a:fld>
+            <a:endParaRPr lang="de-DE" noProof="0" dirty="0"/>
+          </a:p>
+        </p:txBody>
+      </p:sp>
+    </p:spTree>
+    <p:extLst>
+      <p:ext uri="{BB962C8B-B14F-4D97-AF65-F5344CB8AC3E}">
+        <p14:creationId xmlns:p14="http://schemas.microsoft.com/office/powerpoint/2010/main" val="1411604025"/>
+      </p:ext>
+    </p:extLst>
+  </p:cSld>
+  <p:clrMapOvr>
+    <a:masterClrMapping/>
+  </p:clrMapOvr>
+</p:sld>
+</file>
+
+<file path=ppt/slides/slide3.xml><?xml version="1.0" encoding="utf-8"?>
 <p:sld xmlns:a="http://schemas.openxmlformats.org/drawingml/2006/main" xmlns:r="http://schemas.openxmlformats.org/officeDocument/2006/relationships" xmlns:p="http://schemas.openxmlformats.org/presentationml/2006/main">
   <p:cSld>
     <p:spTree>
@@ -6641,7 +6871,7 @@
           <p:cNvPr id="2" name="Titel 1">
             <a:extLst>
               <a:ext uri="{FF2B5EF4-FFF2-40B4-BE49-F238E27FC236}">
-                <a16:creationId xmlns:a16="http://schemas.microsoft.com/office/drawing/2014/main" id="{7FAD6978-BE78-49E1-01F7-D1CD7B29209B}"/>
+                <a16:creationId xmlns:a16="http://schemas.microsoft.com/office/drawing/2014/main" id="{7A1E5C4A-B8F4-CC1A-1D51-FB926F9311D4}"/>
               </a:ext>
             </a:extLst>
           </p:cNvPr>
@@ -6657,116 +6887,19 @@
           <a:bodyPr/>
           <a:lstStyle/>
           <a:p>
-            <a:endParaRPr lang="de-DE"/>
+            <a:r>
+              <a:rPr lang="de-DE" noProof="0" dirty="0"/>
+              <a:t>1. Produktvorstellung</a:t>
+            </a:r>
           </a:p>
         </p:txBody>
       </p:sp>
       <p:sp>
         <p:nvSpPr>
-          <p:cNvPr id="3" name="Textplatzhalter 2">
+          <p:cNvPr id="4" name="Datumsplatzhalter 3">
             <a:extLst>
               <a:ext uri="{FF2B5EF4-FFF2-40B4-BE49-F238E27FC236}">
-                <a16:creationId xmlns:a16="http://schemas.microsoft.com/office/drawing/2014/main" id="{4D7E3D0F-5AF1-AD53-DD93-17C1FDF36FE6}"/>
-              </a:ext>
-            </a:extLst>
-          </p:cNvPr>
-          <p:cNvSpPr>
-            <a:spLocks noGrp="1"/>
-          </p:cNvSpPr>
-          <p:nvPr>
-            <p:ph type="body" idx="1"/>
-          </p:nvPr>
-        </p:nvSpPr>
-        <p:spPr/>
-        <p:txBody>
-          <a:bodyPr/>
-          <a:lstStyle/>
-          <a:p>
-            <a:endParaRPr lang="de-DE"/>
-          </a:p>
-        </p:txBody>
-      </p:sp>
-      <p:sp>
-        <p:nvSpPr>
-          <p:cNvPr id="4" name="Inhaltsplatzhalter 3">
-            <a:extLst>
-              <a:ext uri="{FF2B5EF4-FFF2-40B4-BE49-F238E27FC236}">
-                <a16:creationId xmlns:a16="http://schemas.microsoft.com/office/drawing/2014/main" id="{A86491C0-AD59-2A72-778C-952C55BF9E34}"/>
-              </a:ext>
-            </a:extLst>
-          </p:cNvPr>
-          <p:cNvSpPr>
-            <a:spLocks noGrp="1"/>
-          </p:cNvSpPr>
-          <p:nvPr>
-            <p:ph sz="half" idx="2"/>
-          </p:nvPr>
-        </p:nvSpPr>
-        <p:spPr/>
-        <p:txBody>
-          <a:bodyPr/>
-          <a:lstStyle/>
-          <a:p>
-            <a:endParaRPr lang="de-DE"/>
-          </a:p>
-        </p:txBody>
-      </p:sp>
-      <p:sp>
-        <p:nvSpPr>
-          <p:cNvPr id="5" name="Textplatzhalter 4">
-            <a:extLst>
-              <a:ext uri="{FF2B5EF4-FFF2-40B4-BE49-F238E27FC236}">
-                <a16:creationId xmlns:a16="http://schemas.microsoft.com/office/drawing/2014/main" id="{7A9CC5B0-8B44-2964-08B8-1097D147316D}"/>
-              </a:ext>
-            </a:extLst>
-          </p:cNvPr>
-          <p:cNvSpPr>
-            <a:spLocks noGrp="1"/>
-          </p:cNvSpPr>
-          <p:nvPr>
-            <p:ph type="body" sz="quarter" idx="3"/>
-          </p:nvPr>
-        </p:nvSpPr>
-        <p:spPr/>
-        <p:txBody>
-          <a:bodyPr/>
-          <a:lstStyle/>
-          <a:p>
-            <a:endParaRPr lang="de-DE"/>
-          </a:p>
-        </p:txBody>
-      </p:sp>
-      <p:sp>
-        <p:nvSpPr>
-          <p:cNvPr id="6" name="Inhaltsplatzhalter 5">
-            <a:extLst>
-              <a:ext uri="{FF2B5EF4-FFF2-40B4-BE49-F238E27FC236}">
-                <a16:creationId xmlns:a16="http://schemas.microsoft.com/office/drawing/2014/main" id="{D619E62F-E103-DE63-0609-DE95736617D3}"/>
-              </a:ext>
-            </a:extLst>
-          </p:cNvPr>
-          <p:cNvSpPr>
-            <a:spLocks noGrp="1"/>
-          </p:cNvSpPr>
-          <p:nvPr>
-            <p:ph sz="quarter" idx="4"/>
-          </p:nvPr>
-        </p:nvSpPr>
-        <p:spPr/>
-        <p:txBody>
-          <a:bodyPr/>
-          <a:lstStyle/>
-          <a:p>
-            <a:endParaRPr lang="de-DE"/>
-          </a:p>
-        </p:txBody>
-      </p:sp>
-      <p:sp>
-        <p:nvSpPr>
-          <p:cNvPr id="7" name="Datumsplatzhalter 6">
-            <a:extLst>
-              <a:ext uri="{FF2B5EF4-FFF2-40B4-BE49-F238E27FC236}">
-                <a16:creationId xmlns:a16="http://schemas.microsoft.com/office/drawing/2014/main" id="{B93BD77F-D9E2-9385-C273-2322930388C5}"/>
+                <a16:creationId xmlns:a16="http://schemas.microsoft.com/office/drawing/2014/main" id="{EA337988-C3D3-59BD-7CB5-176C2C33D8CC}"/>
               </a:ext>
             </a:extLst>
           </p:cNvPr>
@@ -6782,20 +6915,90 @@
           <a:bodyPr/>
           <a:lstStyle/>
           <a:p>
-            <a:fld id="{75919FF8-1369-4F22-8739-0971D22D8076}" type="datetime1">
-              <a:rPr lang="de-DE" smtClean="0"/>
+            <a:fld id="{2D425500-C8C0-4442-A2C6-8E47A1727C81}" type="datetime1">
+              <a:rPr lang="de-DE" noProof="0" smtClean="0"/>
               <a:t>11.01.2025</a:t>
             </a:fld>
-            <a:endParaRPr lang="en-US"/>
+            <a:endParaRPr lang="de-DE" noProof="0" dirty="0"/>
+          </a:p>
+        </p:txBody>
+      </p:sp>
+      <p:pic>
+        <p:nvPicPr>
+          <p:cNvPr id="5" name="Grafik 4">
+            <a:extLst>
+              <a:ext uri="{FF2B5EF4-FFF2-40B4-BE49-F238E27FC236}">
+                <a16:creationId xmlns:a16="http://schemas.microsoft.com/office/drawing/2014/main" id="{A891BD7D-A9F6-8A66-CF85-E7E375919CC4}"/>
+              </a:ext>
+            </a:extLst>
+          </p:cNvPr>
+          <p:cNvPicPr>
+            <a:picLocks noChangeAspect="1"/>
+          </p:cNvPicPr>
+          <p:nvPr/>
+        </p:nvPicPr>
+        <p:blipFill>
+          <a:blip r:embed="rId2"/>
+          <a:stretch>
+            <a:fillRect/>
+          </a:stretch>
+        </p:blipFill>
+        <p:spPr>
+          <a:xfrm>
+            <a:off x="1692124" y="2488555"/>
+            <a:ext cx="2922802" cy="3161723"/>
+          </a:xfrm>
+          <a:prstGeom prst="rect">
+            <a:avLst/>
+          </a:prstGeom>
+        </p:spPr>
+      </p:pic>
+      <p:sp>
+        <p:nvSpPr>
+          <p:cNvPr id="6" name="Textfeld 5">
+            <a:extLst>
+              <a:ext uri="{FF2B5EF4-FFF2-40B4-BE49-F238E27FC236}">
+                <a16:creationId xmlns:a16="http://schemas.microsoft.com/office/drawing/2014/main" id="{5840DF72-7360-7A4E-4327-DEA30E087B1B}"/>
+              </a:ext>
+            </a:extLst>
+          </p:cNvPr>
+          <p:cNvSpPr txBox="1"/>
+          <p:nvPr/>
+        </p:nvSpPr>
+        <p:spPr>
+          <a:xfrm>
+            <a:off x="1169894" y="2050676"/>
+            <a:ext cx="2284856" cy="369332"/>
+          </a:xfrm>
+          <a:prstGeom prst="rect">
+            <a:avLst/>
+          </a:prstGeom>
+          <a:noFill/>
+        </p:spPr>
+        <p:txBody>
+          <a:bodyPr wrap="none" rtlCol="0">
+            <a:spAutoFit/>
+          </a:bodyPr>
+          <a:lstStyle/>
+          <a:p>
+            <a:r>
+              <a:rPr lang="en-US" b="1" dirty="0" err="1"/>
+              <a:t>Datenbank</a:t>
+            </a:r>
+            <a:r>
+              <a:rPr lang="en-US" b="1" dirty="0"/>
+              <a:t>-Modell</a:t>
+            </a:r>
+            <a:endParaRPr lang="de-DE" b="1" dirty="0"/>
           </a:p>
         </p:txBody>
       </p:sp>
       <p:sp>
         <p:nvSpPr>
-          <p:cNvPr id="8" name="Foliennummernplatzhalter 7">
+          <p:cNvPr id="3" name="Foliennummernplatzhalter 2">
             <a:extLst>
               <a:ext uri="{FF2B5EF4-FFF2-40B4-BE49-F238E27FC236}">
-                <a16:creationId xmlns:a16="http://schemas.microsoft.com/office/drawing/2014/main" id="{75A05C89-0377-12C9-81D5-A5304F36BE53}"/>
+                <a16:creationId xmlns:a16="http://schemas.microsoft.com/office/drawing/2014/main" id="{F531E56C-5685-13B6-681E-CFF7574BD59A}"/>
               </a:ext>
             </a:extLst>
           </p:cNvPr>
@@ -6813,7 +7016,7 @@
           <a:p>
             <a:fld id="{07CE569E-9B7C-4CB9-AB80-C0841F922CFF}" type="slidenum">
               <a:rPr lang="en-US" smtClean="0"/>
-              <a:t>10</a:t>
+              <a:t>3</a:t>
             </a:fld>
             <a:endParaRPr lang="en-US"/>
           </a:p>
@@ -6822,7 +7025,7 @@
     </p:spTree>
     <p:extLst>
       <p:ext uri="{BB962C8B-B14F-4D97-AF65-F5344CB8AC3E}">
-        <p14:creationId xmlns:p14="http://schemas.microsoft.com/office/powerpoint/2010/main" val="2016499817"/>
+        <p14:creationId xmlns:p14="http://schemas.microsoft.com/office/powerpoint/2010/main" val="1795399291"/>
       </p:ext>
     </p:extLst>
   </p:cSld>
@@ -6832,7 +7035,807 @@
 </p:sld>
 </file>
 
-<file path=ppt/slides/slide11.xml><?xml version="1.0" encoding="utf-8"?>
+<file path=ppt/slides/slide4.xml><?xml version="1.0" encoding="utf-8"?>
+<p:sld xmlns:a="http://schemas.openxmlformats.org/drawingml/2006/main" xmlns:r="http://schemas.openxmlformats.org/officeDocument/2006/relationships" xmlns:p="http://schemas.openxmlformats.org/presentationml/2006/main">
+  <p:cSld>
+    <p:spTree>
+      <p:nvGrpSpPr>
+        <p:cNvPr id="1" name="">
+          <a:extLst>
+            <a:ext uri="{FF2B5EF4-FFF2-40B4-BE49-F238E27FC236}">
+              <a16:creationId xmlns:a16="http://schemas.microsoft.com/office/drawing/2014/main" id="{C1FB40F6-48BA-A1BD-295D-E56F7455D424}"/>
+            </a:ext>
+          </a:extLst>
+        </p:cNvPr>
+        <p:cNvGrpSpPr/>
+        <p:nvPr/>
+      </p:nvGrpSpPr>
+      <p:grpSpPr>
+        <a:xfrm>
+          <a:off x="0" y="0"/>
+          <a:ext cx="0" cy="0"/>
+          <a:chOff x="0" y="0"/>
+          <a:chExt cx="0" cy="0"/>
+        </a:xfrm>
+      </p:grpSpPr>
+      <p:sp>
+        <p:nvSpPr>
+          <p:cNvPr id="2" name="Titel 1">
+            <a:extLst>
+              <a:ext uri="{FF2B5EF4-FFF2-40B4-BE49-F238E27FC236}">
+                <a16:creationId xmlns:a16="http://schemas.microsoft.com/office/drawing/2014/main" id="{4FCCAF50-FDE7-62D9-D966-F9AF4A2D1906}"/>
+              </a:ext>
+            </a:extLst>
+          </p:cNvPr>
+          <p:cNvSpPr>
+            <a:spLocks noGrp="1"/>
+          </p:cNvSpPr>
+          <p:nvPr>
+            <p:ph type="title"/>
+          </p:nvPr>
+        </p:nvSpPr>
+        <p:spPr/>
+        <p:txBody>
+          <a:bodyPr/>
+          <a:lstStyle/>
+          <a:p>
+            <a:r>
+              <a:rPr lang="de-DE" noProof="0" dirty="0"/>
+              <a:t>2. Sprint 3</a:t>
+            </a:r>
+          </a:p>
+        </p:txBody>
+      </p:sp>
+      <p:sp>
+        <p:nvSpPr>
+          <p:cNvPr id="4" name="Datumsplatzhalter 3">
+            <a:extLst>
+              <a:ext uri="{FF2B5EF4-FFF2-40B4-BE49-F238E27FC236}">
+                <a16:creationId xmlns:a16="http://schemas.microsoft.com/office/drawing/2014/main" id="{4A8A0980-7CFE-6E60-0566-576B7D6069F7}"/>
+              </a:ext>
+            </a:extLst>
+          </p:cNvPr>
+          <p:cNvSpPr>
+            <a:spLocks noGrp="1"/>
+          </p:cNvSpPr>
+          <p:nvPr>
+            <p:ph type="dt" sz="half" idx="10"/>
+          </p:nvPr>
+        </p:nvSpPr>
+        <p:spPr/>
+        <p:txBody>
+          <a:bodyPr/>
+          <a:lstStyle/>
+          <a:p>
+            <a:fld id="{42B45B56-1D88-4042-8DF0-EB6B41B710D3}" type="datetime1">
+              <a:rPr lang="de-DE" noProof="0" smtClean="0"/>
+              <a:t>11.01.2025</a:t>
+            </a:fld>
+            <a:endParaRPr lang="de-DE" noProof="0" dirty="0"/>
+          </a:p>
+        </p:txBody>
+      </p:sp>
+      <p:sp>
+        <p:nvSpPr>
+          <p:cNvPr id="5" name="Foliennummernplatzhalter 4">
+            <a:extLst>
+              <a:ext uri="{FF2B5EF4-FFF2-40B4-BE49-F238E27FC236}">
+                <a16:creationId xmlns:a16="http://schemas.microsoft.com/office/drawing/2014/main" id="{99BA6CC3-0B2A-7257-EB28-A0D502E7D7D0}"/>
+              </a:ext>
+            </a:extLst>
+          </p:cNvPr>
+          <p:cNvSpPr>
+            <a:spLocks noGrp="1"/>
+          </p:cNvSpPr>
+          <p:nvPr>
+            <p:ph type="sldNum" sz="quarter" idx="12"/>
+          </p:nvPr>
+        </p:nvSpPr>
+        <p:spPr/>
+        <p:txBody>
+          <a:bodyPr/>
+          <a:lstStyle/>
+          <a:p>
+            <a:fld id="{07CE569E-9B7C-4CB9-AB80-C0841F922CFF}" type="slidenum">
+              <a:rPr lang="de-DE" noProof="0" smtClean="0"/>
+              <a:t>4</a:t>
+            </a:fld>
+            <a:endParaRPr lang="de-DE" noProof="0" dirty="0"/>
+          </a:p>
+        </p:txBody>
+      </p:sp>
+      <p:graphicFrame>
+        <p:nvGraphicFramePr>
+          <p:cNvPr id="8" name="Inhaltsplatzhalter 2">
+            <a:extLst>
+              <a:ext uri="{FF2B5EF4-FFF2-40B4-BE49-F238E27FC236}">
+                <a16:creationId xmlns:a16="http://schemas.microsoft.com/office/drawing/2014/main" id="{E1B56B55-E2E4-3EB8-63FD-CAC2E336AEE8}"/>
+              </a:ext>
+            </a:extLst>
+          </p:cNvPr>
+          <p:cNvGraphicFramePr>
+            <a:graphicFrameLocks/>
+          </p:cNvGraphicFramePr>
+          <p:nvPr>
+            <p:extLst>
+              <p:ext uri="{D42A27DB-BD31-4B8C-83A1-F6EECF244321}">
+                <p14:modId xmlns:p14="http://schemas.microsoft.com/office/powerpoint/2010/main" val="460771221"/>
+              </p:ext>
+            </p:extLst>
+          </p:nvPr>
+        </p:nvGraphicFramePr>
+        <p:xfrm>
+          <a:off x="762000" y="1916681"/>
+          <a:ext cx="9984464" cy="4385275"/>
+        </p:xfrm>
+        <a:graphic>
+          <a:graphicData uri="http://schemas.openxmlformats.org/drawingml/2006/table">
+            <a:tbl>
+              <a:tblPr firstRow="1" bandRow="1">
+                <a:tableStyleId>{5C22544A-7EE6-4342-B048-85BDC9FD1C3A}</a:tableStyleId>
+              </a:tblPr>
+              <a:tblGrid>
+                <a:gridCol w="3435315">
+                  <a:extLst>
+                    <a:ext uri="{9D8B030D-6E8A-4147-A177-3AD203B41FA5}">
+                      <a16:colId xmlns:a16="http://schemas.microsoft.com/office/drawing/2014/main" val="230851902"/>
+                    </a:ext>
+                  </a:extLst>
+                </a:gridCol>
+                <a:gridCol w="2093180">
+                  <a:extLst>
+                    <a:ext uri="{9D8B030D-6E8A-4147-A177-3AD203B41FA5}">
+                      <a16:colId xmlns:a16="http://schemas.microsoft.com/office/drawing/2014/main" val="2657664356"/>
+                    </a:ext>
+                  </a:extLst>
+                </a:gridCol>
+                <a:gridCol w="1563029">
+                  <a:extLst>
+                    <a:ext uri="{9D8B030D-6E8A-4147-A177-3AD203B41FA5}">
+                      <a16:colId xmlns:a16="http://schemas.microsoft.com/office/drawing/2014/main" val="4098082685"/>
+                    </a:ext>
+                  </a:extLst>
+                </a:gridCol>
+                <a:gridCol w="1563029">
+                  <a:extLst>
+                    <a:ext uri="{9D8B030D-6E8A-4147-A177-3AD203B41FA5}">
+                      <a16:colId xmlns:a16="http://schemas.microsoft.com/office/drawing/2014/main" val="1293295862"/>
+                    </a:ext>
+                  </a:extLst>
+                </a:gridCol>
+                <a:gridCol w="1329911">
+                  <a:extLst>
+                    <a:ext uri="{9D8B030D-6E8A-4147-A177-3AD203B41FA5}">
+                      <a16:colId xmlns:a16="http://schemas.microsoft.com/office/drawing/2014/main" val="2360363224"/>
+                    </a:ext>
+                  </a:extLst>
+                </a:gridCol>
+              </a:tblGrid>
+              <a:tr h="515990">
+                <a:tc>
+                  <a:txBody>
+                    <a:bodyPr/>
+                    <a:lstStyle/>
+                    <a:p>
+                      <a:r>
+                        <a:rPr lang="de-DE" sz="1400" noProof="0" dirty="0"/>
+                        <a:t>Aufgabe</a:t>
+                      </a:r>
+                    </a:p>
+                  </a:txBody>
+                  <a:tcPr/>
+                </a:tc>
+                <a:tc>
+                  <a:txBody>
+                    <a:bodyPr/>
+                    <a:lstStyle/>
+                    <a:p>
+                      <a:r>
+                        <a:rPr lang="de-DE" sz="1400" noProof="0" dirty="0"/>
+                        <a:t>Zuständigkeit</a:t>
+                      </a:r>
+                    </a:p>
+                  </a:txBody>
+                  <a:tcPr/>
+                </a:tc>
+                <a:tc>
+                  <a:txBody>
+                    <a:bodyPr/>
+                    <a:lstStyle/>
+                    <a:p>
+                      <a:r>
+                        <a:rPr lang="de-DE" sz="1400" noProof="0" dirty="0"/>
+                        <a:t>Aufwand geschätzt</a:t>
+                      </a:r>
+                    </a:p>
+                  </a:txBody>
+                  <a:tcPr/>
+                </a:tc>
+                <a:tc>
+                  <a:txBody>
+                    <a:bodyPr/>
+                    <a:lstStyle/>
+                    <a:p>
+                      <a:r>
+                        <a:rPr lang="de-DE" sz="1400" noProof="0" dirty="0"/>
+                        <a:t>Aufwand tatsächlich</a:t>
+                      </a:r>
+                    </a:p>
+                  </a:txBody>
+                  <a:tcPr/>
+                </a:tc>
+                <a:tc>
+                  <a:txBody>
+                    <a:bodyPr/>
+                    <a:lstStyle/>
+                    <a:p>
+                      <a:r>
+                        <a:rPr lang="de-DE" sz="1400" noProof="0" dirty="0"/>
+                        <a:t>Status</a:t>
+                      </a:r>
+                    </a:p>
+                  </a:txBody>
+                  <a:tcPr/>
+                </a:tc>
+                <a:extLst>
+                  <a:ext uri="{0D108BD9-81ED-4DB2-BD59-A6C34878D82A}">
+                    <a16:rowId xmlns:a16="http://schemas.microsoft.com/office/drawing/2014/main" val="2749238170"/>
+                  </a:ext>
+                </a:extLst>
+              </a:tr>
+              <a:tr h="643639">
+                <a:tc>
+                  <a:txBody>
+                    <a:bodyPr/>
+                    <a:lstStyle/>
+                    <a:p>
+                      <a:r>
+                        <a:rPr lang="de-DE" sz="1400" noProof="0" dirty="0"/>
+                        <a:t>Dokumentation &amp; Organisation</a:t>
+                      </a:r>
+                    </a:p>
+                  </a:txBody>
+                  <a:tcPr/>
+                </a:tc>
+                <a:tc>
+                  <a:txBody>
+                    <a:bodyPr/>
+                    <a:lstStyle/>
+                    <a:p>
+                      <a:r>
+                        <a:rPr lang="de-DE" sz="1400" noProof="0" dirty="0"/>
+                        <a:t>Alle</a:t>
+                      </a:r>
+                    </a:p>
+                  </a:txBody>
+                  <a:tcPr/>
+                </a:tc>
+                <a:tc>
+                  <a:txBody>
+                    <a:bodyPr/>
+                    <a:lstStyle/>
+                    <a:p>
+                      <a:r>
+                        <a:rPr lang="de-DE" sz="1400" noProof="0" dirty="0"/>
+                        <a:t>10</a:t>
+                      </a:r>
+                    </a:p>
+                  </a:txBody>
+                  <a:tcPr/>
+                </a:tc>
+                <a:tc>
+                  <a:txBody>
+                    <a:bodyPr/>
+                    <a:lstStyle/>
+                    <a:p>
+                      <a:r>
+                        <a:rPr lang="en-US" sz="1400" noProof="0" dirty="0"/>
+                        <a:t>1</a:t>
+                      </a:r>
+                      <a:r>
+                        <a:rPr lang="de-DE" sz="1400" noProof="0" dirty="0"/>
+                        <a:t>2</a:t>
+                      </a:r>
+                    </a:p>
+                  </a:txBody>
+                  <a:tcPr/>
+                </a:tc>
+                <a:tc>
+                  <a:txBody>
+                    <a:bodyPr/>
+                    <a:lstStyle/>
+                    <a:p>
+                      <a:r>
+                        <a:rPr lang="de-DE" sz="1400" noProof="0" dirty="0"/>
+                        <a:t>Erledigt</a:t>
+                      </a:r>
+                    </a:p>
+                  </a:txBody>
+                  <a:tcPr/>
+                </a:tc>
+                <a:extLst>
+                  <a:ext uri="{0D108BD9-81ED-4DB2-BD59-A6C34878D82A}">
+                    <a16:rowId xmlns:a16="http://schemas.microsoft.com/office/drawing/2014/main" val="432160553"/>
+                  </a:ext>
+                </a:extLst>
+              </a:tr>
+              <a:tr h="728456">
+                <a:tc>
+                  <a:txBody>
+                    <a:bodyPr/>
+                    <a:lstStyle/>
+                    <a:p>
+                      <a:pPr marL="0" marR="0" lvl="0" indent="0" algn="l" defTabSz="914400" rtl="0" eaLnBrk="1" fontAlgn="auto" latinLnBrk="0" hangingPunct="1">
+                        <a:lnSpc>
+                          <a:spcPct val="100000"/>
+                        </a:lnSpc>
+                        <a:spcBef>
+                          <a:spcPts val="0"/>
+                        </a:spcBef>
+                        <a:spcAft>
+                          <a:spcPts val="0"/>
+                        </a:spcAft>
+                        <a:buClrTx/>
+                        <a:buSzTx/>
+                        <a:buFontTx/>
+                        <a:buNone/>
+                        <a:tabLst/>
+                        <a:defRPr/>
+                      </a:pPr>
+                      <a:r>
+                        <a:rPr lang="de-DE" sz="1400" noProof="0" dirty="0"/>
+                        <a:t>Layout / Design</a:t>
+                      </a:r>
+                    </a:p>
+                  </a:txBody>
+                  <a:tcPr/>
+                </a:tc>
+                <a:tc>
+                  <a:txBody>
+                    <a:bodyPr/>
+                    <a:lstStyle/>
+                    <a:p>
+                      <a:r>
+                        <a:rPr lang="de-DE" sz="1400" noProof="0" dirty="0"/>
+                        <a:t>Hans Bloching</a:t>
+                      </a:r>
+                    </a:p>
+                    <a:p>
+                      <a:r>
+                        <a:rPr lang="de-DE" sz="1400" noProof="0" dirty="0"/>
+                        <a:t>René Weber</a:t>
+                      </a:r>
+                    </a:p>
+                  </a:txBody>
+                  <a:tcPr/>
+                </a:tc>
+                <a:tc>
+                  <a:txBody>
+                    <a:bodyPr/>
+                    <a:lstStyle/>
+                    <a:p>
+                      <a:r>
+                        <a:rPr lang="de-DE" sz="1400" noProof="0" dirty="0"/>
+                        <a:t>9</a:t>
+                      </a:r>
+                    </a:p>
+                  </a:txBody>
+                  <a:tcPr/>
+                </a:tc>
+                <a:tc>
+                  <a:txBody>
+                    <a:bodyPr/>
+                    <a:lstStyle/>
+                    <a:p>
+                      <a:r>
+                        <a:rPr lang="en-US" sz="1400" noProof="0" dirty="0"/>
+                        <a:t>1</a:t>
+                      </a:r>
+                      <a:r>
+                        <a:rPr lang="de-DE" sz="1400" noProof="0" dirty="0"/>
+                        <a:t>2</a:t>
+                      </a:r>
+                    </a:p>
+                  </a:txBody>
+                  <a:tcPr/>
+                </a:tc>
+                <a:tc>
+                  <a:txBody>
+                    <a:bodyPr/>
+                    <a:lstStyle/>
+                    <a:p>
+                      <a:r>
+                        <a:rPr lang="de-DE" sz="1400" noProof="0" dirty="0"/>
+                        <a:t>Erledigt</a:t>
+                      </a:r>
+                    </a:p>
+                  </a:txBody>
+                  <a:tcPr/>
+                </a:tc>
+                <a:extLst>
+                  <a:ext uri="{0D108BD9-81ED-4DB2-BD59-A6C34878D82A}">
+                    <a16:rowId xmlns:a16="http://schemas.microsoft.com/office/drawing/2014/main" val="740267785"/>
+                  </a:ext>
+                </a:extLst>
+              </a:tr>
+              <a:tr h="515990">
+                <a:tc>
+                  <a:txBody>
+                    <a:bodyPr/>
+                    <a:lstStyle/>
+                    <a:p>
+                      <a:r>
+                        <a:rPr lang="de-DE" sz="1400" noProof="0" dirty="0"/>
+                        <a:t>Hosting</a:t>
+                      </a:r>
+                    </a:p>
+                  </a:txBody>
+                  <a:tcPr/>
+                </a:tc>
+                <a:tc>
+                  <a:txBody>
+                    <a:bodyPr/>
+                    <a:lstStyle/>
+                    <a:p>
+                      <a:r>
+                        <a:rPr lang="de-DE" sz="1400" noProof="0" dirty="0"/>
+                        <a:t>Dennis Haaf</a:t>
+                      </a:r>
+                    </a:p>
+                  </a:txBody>
+                  <a:tcPr/>
+                </a:tc>
+                <a:tc>
+                  <a:txBody>
+                    <a:bodyPr/>
+                    <a:lstStyle/>
+                    <a:p>
+                      <a:r>
+                        <a:rPr lang="de-DE" sz="1400" noProof="0" dirty="0"/>
+                        <a:t>8</a:t>
+                      </a:r>
+                    </a:p>
+                  </a:txBody>
+                  <a:tcPr/>
+                </a:tc>
+                <a:tc>
+                  <a:txBody>
+                    <a:bodyPr/>
+                    <a:lstStyle/>
+                    <a:p>
+                      <a:r>
+                        <a:rPr lang="en-US" sz="1400" noProof="0" dirty="0"/>
+                        <a:t>7</a:t>
+                      </a:r>
+                      <a:endParaRPr lang="de-DE" sz="1400" noProof="0" dirty="0"/>
+                    </a:p>
+                  </a:txBody>
+                  <a:tcPr/>
+                </a:tc>
+                <a:tc>
+                  <a:txBody>
+                    <a:bodyPr/>
+                    <a:lstStyle/>
+                    <a:p>
+                      <a:r>
+                        <a:rPr lang="de-DE" sz="1400" noProof="0" dirty="0"/>
+                        <a:t>Nicht umgesetzt</a:t>
+                      </a:r>
+                    </a:p>
+                  </a:txBody>
+                  <a:tcPr/>
+                </a:tc>
+                <a:extLst>
+                  <a:ext uri="{0D108BD9-81ED-4DB2-BD59-A6C34878D82A}">
+                    <a16:rowId xmlns:a16="http://schemas.microsoft.com/office/drawing/2014/main" val="2603736860"/>
+                  </a:ext>
+                </a:extLst>
+              </a:tr>
+              <a:tr h="515990">
+                <a:tc>
+                  <a:txBody>
+                    <a:bodyPr/>
+                    <a:lstStyle/>
+                    <a:p>
+                      <a:r>
+                        <a:rPr lang="de-DE" sz="1400" noProof="0" dirty="0"/>
+                        <a:t>Anbindung API</a:t>
+                      </a:r>
+                    </a:p>
+                  </a:txBody>
+                  <a:tcPr/>
+                </a:tc>
+                <a:tc>
+                  <a:txBody>
+                    <a:bodyPr/>
+                    <a:lstStyle/>
+                    <a:p>
+                      <a:r>
+                        <a:rPr lang="de-DE" sz="1400" noProof="0" dirty="0"/>
+                        <a:t>Dennis Haaf</a:t>
+                      </a:r>
+                    </a:p>
+                  </a:txBody>
+                  <a:tcPr/>
+                </a:tc>
+                <a:tc>
+                  <a:txBody>
+                    <a:bodyPr/>
+                    <a:lstStyle/>
+                    <a:p>
+                      <a:r>
+                        <a:rPr lang="en-US" sz="1400" noProof="0" dirty="0"/>
+                        <a:t>7</a:t>
+                      </a:r>
+                      <a:endParaRPr lang="de-DE" sz="1400" noProof="0" dirty="0"/>
+                    </a:p>
+                  </a:txBody>
+                  <a:tcPr/>
+                </a:tc>
+                <a:tc>
+                  <a:txBody>
+                    <a:bodyPr/>
+                    <a:lstStyle/>
+                    <a:p>
+                      <a:r>
+                        <a:rPr lang="en-US" sz="1400" noProof="0" dirty="0"/>
+                        <a:t>6</a:t>
+                      </a:r>
+                      <a:endParaRPr lang="de-DE" sz="1400" noProof="0" dirty="0"/>
+                    </a:p>
+                  </a:txBody>
+                  <a:tcPr/>
+                </a:tc>
+                <a:tc>
+                  <a:txBody>
+                    <a:bodyPr/>
+                    <a:lstStyle/>
+                    <a:p>
+                      <a:r>
+                        <a:rPr lang="de-DE" sz="1400" noProof="0" dirty="0"/>
+                        <a:t>Erledigt</a:t>
+                      </a:r>
+                    </a:p>
+                  </a:txBody>
+                  <a:tcPr/>
+                </a:tc>
+                <a:extLst>
+                  <a:ext uri="{0D108BD9-81ED-4DB2-BD59-A6C34878D82A}">
+                    <a16:rowId xmlns:a16="http://schemas.microsoft.com/office/drawing/2014/main" val="4252090113"/>
+                  </a:ext>
+                </a:extLst>
+              </a:tr>
+              <a:tr h="515990">
+                <a:tc>
+                  <a:txBody>
+                    <a:bodyPr/>
+                    <a:lstStyle/>
+                    <a:p>
+                      <a:r>
+                        <a:rPr lang="de-DE" sz="1400" noProof="0" dirty="0"/>
+                        <a:t>Anpassen Felder für API Erweiterung</a:t>
+                      </a:r>
+                    </a:p>
+                  </a:txBody>
+                  <a:tcPr/>
+                </a:tc>
+                <a:tc>
+                  <a:txBody>
+                    <a:bodyPr/>
+                    <a:lstStyle/>
+                    <a:p>
+                      <a:r>
+                        <a:rPr lang="de-DE" sz="1400" noProof="0" dirty="0"/>
+                        <a:t>Vincent Knapp</a:t>
+                      </a:r>
+                    </a:p>
+                  </a:txBody>
+                  <a:tcPr/>
+                </a:tc>
+                <a:tc>
+                  <a:txBody>
+                    <a:bodyPr/>
+                    <a:lstStyle/>
+                    <a:p>
+                      <a:r>
+                        <a:rPr lang="de-DE" sz="1400" noProof="0" dirty="0"/>
+                        <a:t>3</a:t>
+                      </a:r>
+                    </a:p>
+                  </a:txBody>
+                  <a:tcPr/>
+                </a:tc>
+                <a:tc>
+                  <a:txBody>
+                    <a:bodyPr/>
+                    <a:lstStyle/>
+                    <a:p>
+                      <a:r>
+                        <a:rPr lang="en-US" sz="1400" noProof="0" dirty="0"/>
+                        <a:t>2</a:t>
+                      </a:r>
+                      <a:endParaRPr lang="de-DE" sz="1400" noProof="0" dirty="0"/>
+                    </a:p>
+                  </a:txBody>
+                  <a:tcPr/>
+                </a:tc>
+                <a:tc>
+                  <a:txBody>
+                    <a:bodyPr/>
+                    <a:lstStyle/>
+                    <a:p>
+                      <a:r>
+                        <a:rPr lang="de-DE" sz="1400" noProof="0" dirty="0"/>
+                        <a:t>Erledigt</a:t>
+                      </a:r>
+                    </a:p>
+                  </a:txBody>
+                  <a:tcPr/>
+                </a:tc>
+                <a:extLst>
+                  <a:ext uri="{0D108BD9-81ED-4DB2-BD59-A6C34878D82A}">
+                    <a16:rowId xmlns:a16="http://schemas.microsoft.com/office/drawing/2014/main" val="1091053033"/>
+                  </a:ext>
+                </a:extLst>
+              </a:tr>
+              <a:tr h="728456">
+                <a:tc>
+                  <a:txBody>
+                    <a:bodyPr/>
+                    <a:lstStyle/>
+                    <a:p>
+                      <a:r>
+                        <a:rPr lang="de-DE" sz="1400" noProof="0" dirty="0"/>
+                        <a:t>Küchenansicht optimieren</a:t>
+                      </a:r>
+                    </a:p>
+                    <a:p>
+                      <a:pPr marL="285750" indent="-285750">
+                        <a:buFont typeface="Wingdings" panose="05000000000000000000" pitchFamily="2" charset="2"/>
+                        <a:buChar char="à"/>
+                      </a:pPr>
+                      <a:r>
+                        <a:rPr lang="de-DE" sz="1400" noProof="0" dirty="0" err="1">
+                          <a:sym typeface="Wingdings" panose="05000000000000000000" pitchFamily="2" charset="2"/>
+                        </a:rPr>
+                        <a:t>Grouping</a:t>
+                      </a:r>
+                      <a:r>
+                        <a:rPr lang="de-DE" sz="1400" noProof="0" dirty="0">
+                          <a:sym typeface="Wingdings" panose="05000000000000000000" pitchFamily="2" charset="2"/>
+                        </a:rPr>
+                        <a:t> per </a:t>
+                      </a:r>
+                      <a:r>
+                        <a:rPr lang="de-DE" sz="1400" noProof="0" dirty="0" err="1">
+                          <a:sym typeface="Wingdings" panose="05000000000000000000" pitchFamily="2" charset="2"/>
+                        </a:rPr>
+                        <a:t>table</a:t>
+                      </a:r>
+                      <a:endParaRPr lang="de-DE" sz="1400" noProof="0" dirty="0">
+                        <a:sym typeface="Wingdings" panose="05000000000000000000" pitchFamily="2" charset="2"/>
+                      </a:endParaRPr>
+                    </a:p>
+                    <a:p>
+                      <a:pPr marL="285750" indent="-285750">
+                        <a:buFont typeface="Wingdings" panose="05000000000000000000" pitchFamily="2" charset="2"/>
+                        <a:buChar char="à"/>
+                      </a:pPr>
+                      <a:r>
+                        <a:rPr lang="de-DE" sz="1400" noProof="0" dirty="0" err="1">
+                          <a:sym typeface="Wingdings" panose="05000000000000000000" pitchFamily="2" charset="2"/>
+                        </a:rPr>
+                        <a:t>Grouping</a:t>
+                      </a:r>
+                      <a:r>
+                        <a:rPr lang="de-DE" sz="1400" noProof="0" dirty="0">
+                          <a:sym typeface="Wingdings" panose="05000000000000000000" pitchFamily="2" charset="2"/>
+                        </a:rPr>
+                        <a:t> per </a:t>
+                      </a:r>
+                      <a:r>
+                        <a:rPr lang="de-DE" sz="1400" noProof="0" dirty="0" err="1">
+                          <a:sym typeface="Wingdings" panose="05000000000000000000" pitchFamily="2" charset="2"/>
+                        </a:rPr>
+                        <a:t>article</a:t>
+                      </a:r>
+                      <a:endParaRPr lang="de-DE" sz="1400" noProof="0" dirty="0">
+                        <a:sym typeface="Wingdings" panose="05000000000000000000" pitchFamily="2" charset="2"/>
+                      </a:endParaRPr>
+                    </a:p>
+                    <a:p>
+                      <a:pPr marL="285750" indent="-285750">
+                        <a:buFont typeface="Wingdings" panose="05000000000000000000" pitchFamily="2" charset="2"/>
+                        <a:buChar char="à"/>
+                      </a:pPr>
+                      <a:r>
+                        <a:rPr lang="de-DE" sz="1400" noProof="0" dirty="0">
+                          <a:sym typeface="Wingdings" panose="05000000000000000000" pitchFamily="2" charset="2"/>
+                        </a:rPr>
+                        <a:t>Switchen zwischen diesen Ansichten</a:t>
+                      </a:r>
+                      <a:endParaRPr lang="de-DE" sz="1400" noProof="0" dirty="0"/>
+                    </a:p>
+                  </a:txBody>
+                  <a:tcPr/>
+                </a:tc>
+                <a:tc>
+                  <a:txBody>
+                    <a:bodyPr/>
+                    <a:lstStyle/>
+                    <a:p>
+                      <a:r>
+                        <a:rPr lang="de-DE" sz="1400" noProof="0" dirty="0"/>
+                        <a:t>Vincent Knapp</a:t>
+                      </a:r>
+                    </a:p>
+                  </a:txBody>
+                  <a:tcPr/>
+                </a:tc>
+                <a:tc>
+                  <a:txBody>
+                    <a:bodyPr/>
+                    <a:lstStyle/>
+                    <a:p>
+                      <a:r>
+                        <a:rPr lang="de-DE" sz="1400" noProof="0" dirty="0"/>
+                        <a:t>8</a:t>
+                      </a:r>
+                    </a:p>
+                  </a:txBody>
+                  <a:tcPr/>
+                </a:tc>
+                <a:tc>
+                  <a:txBody>
+                    <a:bodyPr/>
+                    <a:lstStyle/>
+                    <a:p>
+                      <a:r>
+                        <a:rPr lang="en-US" sz="1400" noProof="0" dirty="0"/>
+                        <a:t>10</a:t>
+                      </a:r>
+                      <a:endParaRPr lang="de-DE" sz="1400" noProof="0" dirty="0"/>
+                    </a:p>
+                  </a:txBody>
+                  <a:tcPr/>
+                </a:tc>
+                <a:tc>
+                  <a:txBody>
+                    <a:bodyPr/>
+                    <a:lstStyle/>
+                    <a:p>
+                      <a:r>
+                        <a:rPr lang="de-DE" sz="1400" noProof="0" dirty="0"/>
+                        <a:t>Erledigt</a:t>
+                      </a:r>
+                    </a:p>
+                  </a:txBody>
+                  <a:tcPr/>
+                </a:tc>
+                <a:extLst>
+                  <a:ext uri="{0D108BD9-81ED-4DB2-BD59-A6C34878D82A}">
+                    <a16:rowId xmlns:a16="http://schemas.microsoft.com/office/drawing/2014/main" val="2446957633"/>
+                  </a:ext>
+                </a:extLst>
+              </a:tr>
+            </a:tbl>
+          </a:graphicData>
+        </a:graphic>
+      </p:graphicFrame>
+    </p:spTree>
+    <p:extLst>
+      <p:ext uri="{BB962C8B-B14F-4D97-AF65-F5344CB8AC3E}">
+        <p14:creationId xmlns:p14="http://schemas.microsoft.com/office/powerpoint/2010/main" val="3032542341"/>
+      </p:ext>
+    </p:extLst>
+  </p:cSld>
+  <p:clrMapOvr>
+    <a:masterClrMapping/>
+  </p:clrMapOvr>
+</p:sld>
+</file>
+
+<file path=ppt/slides/slide5.xml><?xml version="1.0" encoding="utf-8"?>
 <p:sld xmlns:a="http://schemas.openxmlformats.org/drawingml/2006/main" xmlns:r="http://schemas.openxmlformats.org/officeDocument/2006/relationships" xmlns:p="http://schemas.openxmlformats.org/presentationml/2006/main">
   <p:cSld>
     <p:spTree>
@@ -6854,7 +7857,7 @@
           <p:cNvPr id="2" name="Titel 1">
             <a:extLst>
               <a:ext uri="{FF2B5EF4-FFF2-40B4-BE49-F238E27FC236}">
-                <a16:creationId xmlns:a16="http://schemas.microsoft.com/office/drawing/2014/main" id="{76A22F88-187F-2E1C-6E15-E85914E1D8FC}"/>
+                <a16:creationId xmlns:a16="http://schemas.microsoft.com/office/drawing/2014/main" id="{79153A5A-42D6-38AA-D828-2C8F5CFE3886}"/>
               </a:ext>
             </a:extLst>
           </p:cNvPr>
@@ -6870,107 +7873,11 @@
           <a:bodyPr/>
           <a:lstStyle/>
           <a:p>
-            <a:endParaRPr lang="de-DE"/>
-          </a:p>
-        </p:txBody>
-      </p:sp>
-      <p:sp>
-        <p:nvSpPr>
-          <p:cNvPr id="3" name="Textplatzhalter 2">
-            <a:extLst>
-              <a:ext uri="{FF2B5EF4-FFF2-40B4-BE49-F238E27FC236}">
-                <a16:creationId xmlns:a16="http://schemas.microsoft.com/office/drawing/2014/main" id="{84B80633-8420-C1D9-26A8-A815F83C3FD7}"/>
-              </a:ext>
-            </a:extLst>
-          </p:cNvPr>
-          <p:cNvSpPr>
-            <a:spLocks noGrp="1"/>
-          </p:cNvSpPr>
-          <p:nvPr>
-            <p:ph type="body" idx="1"/>
-          </p:nvPr>
-        </p:nvSpPr>
-        <p:spPr/>
-        <p:txBody>
-          <a:bodyPr/>
-          <a:lstStyle/>
-          <a:p>
-            <a:endParaRPr lang="de-DE"/>
-          </a:p>
-        </p:txBody>
-      </p:sp>
-      <p:sp>
-        <p:nvSpPr>
-          <p:cNvPr id="4" name="Inhaltsplatzhalter 3">
-            <a:extLst>
-              <a:ext uri="{FF2B5EF4-FFF2-40B4-BE49-F238E27FC236}">
-                <a16:creationId xmlns:a16="http://schemas.microsoft.com/office/drawing/2014/main" id="{EDDD976D-E916-DEE6-C798-F877B82D6C77}"/>
-              </a:ext>
-            </a:extLst>
-          </p:cNvPr>
-          <p:cNvSpPr>
-            <a:spLocks noGrp="1"/>
-          </p:cNvSpPr>
-          <p:nvPr>
-            <p:ph sz="half" idx="2"/>
-          </p:nvPr>
-        </p:nvSpPr>
-        <p:spPr/>
-        <p:txBody>
-          <a:bodyPr/>
-          <a:lstStyle/>
-          <a:p>
-            <a:endParaRPr lang="de-DE"/>
-          </a:p>
-        </p:txBody>
-      </p:sp>
-      <p:sp>
-        <p:nvSpPr>
-          <p:cNvPr id="5" name="Textplatzhalter 4">
-            <a:extLst>
-              <a:ext uri="{FF2B5EF4-FFF2-40B4-BE49-F238E27FC236}">
-                <a16:creationId xmlns:a16="http://schemas.microsoft.com/office/drawing/2014/main" id="{3902A5AE-A7EB-74DA-BBBD-55F475CEA606}"/>
-              </a:ext>
-            </a:extLst>
-          </p:cNvPr>
-          <p:cNvSpPr>
-            <a:spLocks noGrp="1"/>
-          </p:cNvSpPr>
-          <p:nvPr>
-            <p:ph type="body" sz="quarter" idx="3"/>
-          </p:nvPr>
-        </p:nvSpPr>
-        <p:spPr/>
-        <p:txBody>
-          <a:bodyPr/>
-          <a:lstStyle/>
-          <a:p>
-            <a:endParaRPr lang="de-DE"/>
-          </a:p>
-        </p:txBody>
-      </p:sp>
-      <p:sp>
-        <p:nvSpPr>
-          <p:cNvPr id="6" name="Inhaltsplatzhalter 5">
-            <a:extLst>
-              <a:ext uri="{FF2B5EF4-FFF2-40B4-BE49-F238E27FC236}">
-                <a16:creationId xmlns:a16="http://schemas.microsoft.com/office/drawing/2014/main" id="{55F6C678-566B-A68F-EDC0-53BB0A322083}"/>
-              </a:ext>
-            </a:extLst>
-          </p:cNvPr>
-          <p:cNvSpPr>
-            <a:spLocks noGrp="1"/>
-          </p:cNvSpPr>
-          <p:nvPr>
-            <p:ph sz="quarter" idx="4"/>
-          </p:nvPr>
-        </p:nvSpPr>
-        <p:spPr/>
-        <p:txBody>
-          <a:bodyPr/>
-          <a:lstStyle/>
-          <a:p>
-            <a:endParaRPr lang="de-DE"/>
+            <a:r>
+              <a:rPr lang="de-DE" noProof="0"/>
+              <a:t>3. Retrospektive</a:t>
+            </a:r>
+            <a:endParaRPr lang="de-DE" dirty="0"/>
           </a:p>
         </p:txBody>
       </p:sp>
@@ -6979,7 +7886,7 @@
           <p:cNvPr id="7" name="Datumsplatzhalter 6">
             <a:extLst>
               <a:ext uri="{FF2B5EF4-FFF2-40B4-BE49-F238E27FC236}">
-                <a16:creationId xmlns:a16="http://schemas.microsoft.com/office/drawing/2014/main" id="{91E6D5B6-8AE0-F743-DC04-F60D2DA7A002}"/>
+                <a16:creationId xmlns:a16="http://schemas.microsoft.com/office/drawing/2014/main" id="{098A9CB6-954E-B757-AC00-4A778ED6535E}"/>
               </a:ext>
             </a:extLst>
           </p:cNvPr>
@@ -7008,7 +7915,7 @@
           <p:cNvPr id="8" name="Foliennummernplatzhalter 7">
             <a:extLst>
               <a:ext uri="{FF2B5EF4-FFF2-40B4-BE49-F238E27FC236}">
-                <a16:creationId xmlns:a16="http://schemas.microsoft.com/office/drawing/2014/main" id="{B4AFEE18-670A-BAA4-52B3-99F631506E0F}"/>
+                <a16:creationId xmlns:a16="http://schemas.microsoft.com/office/drawing/2014/main" id="{F6E3DE72-A848-5233-F182-414F08D31AA6}"/>
               </a:ext>
             </a:extLst>
           </p:cNvPr>
@@ -7026,16 +7933,1935 @@
           <a:p>
             <a:fld id="{07CE569E-9B7C-4CB9-AB80-C0841F922CFF}" type="slidenum">
               <a:rPr lang="en-US" smtClean="0"/>
-              <a:t>11</a:t>
+              <a:t>5</a:t>
             </a:fld>
             <a:endParaRPr lang="en-US"/>
           </a:p>
         </p:txBody>
       </p:sp>
+      <p:sp>
+        <p:nvSpPr>
+          <p:cNvPr id="18" name="Textfeld 17">
+            <a:extLst>
+              <a:ext uri="{FF2B5EF4-FFF2-40B4-BE49-F238E27FC236}">
+                <a16:creationId xmlns:a16="http://schemas.microsoft.com/office/drawing/2014/main" id="{22E7EA54-6431-6012-72BE-61692230AC59}"/>
+              </a:ext>
+            </a:extLst>
+          </p:cNvPr>
+          <p:cNvSpPr txBox="1"/>
+          <p:nvPr/>
+        </p:nvSpPr>
+        <p:spPr>
+          <a:xfrm>
+            <a:off x="1225550" y="1847850"/>
+            <a:ext cx="5314950" cy="523220"/>
+          </a:xfrm>
+          <a:prstGeom prst="rect">
+            <a:avLst/>
+          </a:prstGeom>
+          <a:noFill/>
+        </p:spPr>
+        <p:txBody>
+          <a:bodyPr wrap="square" rtlCol="0">
+            <a:spAutoFit/>
+          </a:bodyPr>
+          <a:lstStyle/>
+          <a:p>
+            <a:r>
+              <a:rPr lang="de-DE" sz="2800" noProof="0" dirty="0"/>
+              <a:t>1. Stunden</a:t>
+            </a:r>
+            <a:endParaRPr lang="de-DE" sz="2800" dirty="0"/>
+          </a:p>
+        </p:txBody>
+      </p:sp>
+      <p:graphicFrame>
+        <p:nvGraphicFramePr>
+          <p:cNvPr id="5" name="Tabelle 4">
+            <a:extLst>
+              <a:ext uri="{FF2B5EF4-FFF2-40B4-BE49-F238E27FC236}">
+                <a16:creationId xmlns:a16="http://schemas.microsoft.com/office/drawing/2014/main" id="{823E2A83-E151-7005-7128-14F77E7E385E}"/>
+              </a:ext>
+            </a:extLst>
+          </p:cNvPr>
+          <p:cNvGraphicFramePr>
+            <a:graphicFrameLocks noGrp="1"/>
+          </p:cNvGraphicFramePr>
+          <p:nvPr>
+            <p:extLst>
+              <p:ext uri="{D42A27DB-BD31-4B8C-83A1-F6EECF244321}">
+                <p14:modId xmlns:p14="http://schemas.microsoft.com/office/powerpoint/2010/main" val="923882235"/>
+              </p:ext>
+            </p:extLst>
+          </p:nvPr>
+        </p:nvGraphicFramePr>
+        <p:xfrm>
+          <a:off x="1848816" y="2286000"/>
+          <a:ext cx="8494368" cy="3862078"/>
+        </p:xfrm>
+        <a:graphic>
+          <a:graphicData uri="http://schemas.openxmlformats.org/drawingml/2006/table">
+            <a:tbl>
+              <a:tblPr>
+                <a:tableStyleId>{5940675A-B579-460E-94D1-54222C63F5DA}</a:tableStyleId>
+              </a:tblPr>
+              <a:tblGrid>
+                <a:gridCol w="1415728">
+                  <a:extLst>
+                    <a:ext uri="{9D8B030D-6E8A-4147-A177-3AD203B41FA5}">
+                      <a16:colId xmlns:a16="http://schemas.microsoft.com/office/drawing/2014/main" val="2995477702"/>
+                    </a:ext>
+                  </a:extLst>
+                </a:gridCol>
+                <a:gridCol w="1415728">
+                  <a:extLst>
+                    <a:ext uri="{9D8B030D-6E8A-4147-A177-3AD203B41FA5}">
+                      <a16:colId xmlns:a16="http://schemas.microsoft.com/office/drawing/2014/main" val="710254781"/>
+                    </a:ext>
+                  </a:extLst>
+                </a:gridCol>
+                <a:gridCol w="1415728">
+                  <a:extLst>
+                    <a:ext uri="{9D8B030D-6E8A-4147-A177-3AD203B41FA5}">
+                      <a16:colId xmlns:a16="http://schemas.microsoft.com/office/drawing/2014/main" val="1400273077"/>
+                    </a:ext>
+                  </a:extLst>
+                </a:gridCol>
+                <a:gridCol w="1415728">
+                  <a:extLst>
+                    <a:ext uri="{9D8B030D-6E8A-4147-A177-3AD203B41FA5}">
+                      <a16:colId xmlns:a16="http://schemas.microsoft.com/office/drawing/2014/main" val="2902639572"/>
+                    </a:ext>
+                  </a:extLst>
+                </a:gridCol>
+                <a:gridCol w="1415728">
+                  <a:extLst>
+                    <a:ext uri="{9D8B030D-6E8A-4147-A177-3AD203B41FA5}">
+                      <a16:colId xmlns:a16="http://schemas.microsoft.com/office/drawing/2014/main" val="4128075999"/>
+                    </a:ext>
+                  </a:extLst>
+                </a:gridCol>
+                <a:gridCol w="1415728">
+                  <a:extLst>
+                    <a:ext uri="{9D8B030D-6E8A-4147-A177-3AD203B41FA5}">
+                      <a16:colId xmlns:a16="http://schemas.microsoft.com/office/drawing/2014/main" val="2140225275"/>
+                    </a:ext>
+                  </a:extLst>
+                </a:gridCol>
+              </a:tblGrid>
+              <a:tr h="398923">
+                <a:tc gridSpan="2">
+                  <a:txBody>
+                    <a:bodyPr/>
+                    <a:lstStyle/>
+                    <a:p>
+                      <a:pPr algn="ctr" fontAlgn="b"/>
+                      <a:r>
+                        <a:rPr lang="de-DE" sz="1400" b="1" u="none" strike="noStrike" dirty="0">
+                          <a:effectLst/>
+                        </a:rPr>
+                        <a:t>Sprint 1</a:t>
+                      </a:r>
+                      <a:endParaRPr lang="de-DE" sz="1400" b="1" i="0" u="none" strike="noStrike" dirty="0">
+                        <a:solidFill>
+                          <a:srgbClr val="000000"/>
+                        </a:solidFill>
+                        <a:effectLst/>
+                        <a:latin typeface="Aptos Narrow" panose="020B0004020202020204" pitchFamily="34" charset="0"/>
+                      </a:endParaRPr>
+                    </a:p>
+                  </a:txBody>
+                  <a:tcPr marL="9525" marR="9525" marT="9525" marB="0" anchor="b"/>
+                </a:tc>
+                <a:tc hMerge="1">
+                  <a:txBody>
+                    <a:bodyPr/>
+                    <a:lstStyle/>
+                    <a:p>
+                      <a:endParaRPr lang="de-DE"/>
+                    </a:p>
+                  </a:txBody>
+                  <a:tcPr/>
+                </a:tc>
+                <a:tc gridSpan="2">
+                  <a:txBody>
+                    <a:bodyPr/>
+                    <a:lstStyle/>
+                    <a:p>
+                      <a:pPr algn="ctr" fontAlgn="b"/>
+                      <a:r>
+                        <a:rPr lang="de-DE" sz="1400" b="1" u="none" strike="noStrike" dirty="0">
+                          <a:effectLst/>
+                        </a:rPr>
+                        <a:t>Sprint 2</a:t>
+                      </a:r>
+                      <a:endParaRPr lang="de-DE" sz="1400" b="1" i="0" u="none" strike="noStrike" dirty="0">
+                        <a:solidFill>
+                          <a:srgbClr val="000000"/>
+                        </a:solidFill>
+                        <a:effectLst/>
+                        <a:latin typeface="Aptos Narrow" panose="020B0004020202020204" pitchFamily="34" charset="0"/>
+                      </a:endParaRPr>
+                    </a:p>
+                  </a:txBody>
+                  <a:tcPr marL="9525" marR="9525" marT="9525" marB="0" anchor="b"/>
+                </a:tc>
+                <a:tc hMerge="1">
+                  <a:txBody>
+                    <a:bodyPr/>
+                    <a:lstStyle/>
+                    <a:p>
+                      <a:endParaRPr lang="de-DE"/>
+                    </a:p>
+                  </a:txBody>
+                  <a:tcPr/>
+                </a:tc>
+                <a:tc gridSpan="2">
+                  <a:txBody>
+                    <a:bodyPr/>
+                    <a:lstStyle/>
+                    <a:p>
+                      <a:pPr algn="ctr" fontAlgn="b"/>
+                      <a:r>
+                        <a:rPr lang="de-DE" sz="1400" b="1" u="none" strike="noStrike" dirty="0">
+                          <a:effectLst/>
+                        </a:rPr>
+                        <a:t>Sprint 3</a:t>
+                      </a:r>
+                      <a:endParaRPr lang="de-DE" sz="1400" b="1" i="0" u="none" strike="noStrike" dirty="0">
+                        <a:solidFill>
+                          <a:srgbClr val="000000"/>
+                        </a:solidFill>
+                        <a:effectLst/>
+                        <a:latin typeface="Aptos Narrow" panose="020B0004020202020204" pitchFamily="34" charset="0"/>
+                      </a:endParaRPr>
+                    </a:p>
+                  </a:txBody>
+                  <a:tcPr marL="9525" marR="9525" marT="9525" marB="0" anchor="b"/>
+                </a:tc>
+                <a:tc hMerge="1">
+                  <a:txBody>
+                    <a:bodyPr/>
+                    <a:lstStyle/>
+                    <a:p>
+                      <a:endParaRPr lang="de-DE"/>
+                    </a:p>
+                  </a:txBody>
+                  <a:tcPr/>
+                </a:tc>
+                <a:extLst>
+                  <a:ext uri="{0D108BD9-81ED-4DB2-BD59-A6C34878D82A}">
+                    <a16:rowId xmlns:a16="http://schemas.microsoft.com/office/drawing/2014/main" val="2291776983"/>
+                  </a:ext>
+                </a:extLst>
+              </a:tr>
+              <a:tr h="384795">
+                <a:tc>
+                  <a:txBody>
+                    <a:bodyPr/>
+                    <a:lstStyle/>
+                    <a:p>
+                      <a:pPr algn="l" fontAlgn="b"/>
+                      <a:r>
+                        <a:rPr lang="de-DE" sz="1400" b="1" u="none" strike="noStrike" dirty="0">
+                          <a:effectLst/>
+                        </a:rPr>
+                        <a:t>Geschätzt</a:t>
+                      </a:r>
+                      <a:endParaRPr lang="de-DE" sz="1400" b="1" i="0" u="none" strike="noStrike" dirty="0">
+                        <a:solidFill>
+                          <a:srgbClr val="000000"/>
+                        </a:solidFill>
+                        <a:effectLst/>
+                        <a:latin typeface="Aptos Narrow" panose="020B0004020202020204" pitchFamily="34" charset="0"/>
+                      </a:endParaRPr>
+                    </a:p>
+                  </a:txBody>
+                  <a:tcPr marL="9525" marR="9525" marT="9525" marB="0" anchor="b">
+                    <a:solidFill>
+                      <a:schemeClr val="bg1">
+                        <a:lumMod val="65000"/>
+                        <a:lumOff val="35000"/>
+                      </a:schemeClr>
+                    </a:solidFill>
+                  </a:tcPr>
+                </a:tc>
+                <a:tc>
+                  <a:txBody>
+                    <a:bodyPr/>
+                    <a:lstStyle/>
+                    <a:p>
+                      <a:pPr algn="l" fontAlgn="b"/>
+                      <a:r>
+                        <a:rPr lang="de-DE" sz="1400" b="1" u="none" strike="noStrike" dirty="0">
+                          <a:effectLst/>
+                        </a:rPr>
+                        <a:t>Tatsächlich</a:t>
+                      </a:r>
+                      <a:endParaRPr lang="de-DE" sz="1400" b="1" i="0" u="none" strike="noStrike" dirty="0">
+                        <a:solidFill>
+                          <a:srgbClr val="000000"/>
+                        </a:solidFill>
+                        <a:effectLst/>
+                        <a:latin typeface="Aptos Narrow" panose="020B0004020202020204" pitchFamily="34" charset="0"/>
+                      </a:endParaRPr>
+                    </a:p>
+                  </a:txBody>
+                  <a:tcPr marL="9525" marR="9525" marT="9525" marB="0" anchor="b">
+                    <a:solidFill>
+                      <a:schemeClr val="accent1">
+                        <a:lumMod val="50000"/>
+                      </a:schemeClr>
+                    </a:solidFill>
+                  </a:tcPr>
+                </a:tc>
+                <a:tc>
+                  <a:txBody>
+                    <a:bodyPr/>
+                    <a:lstStyle/>
+                    <a:p>
+                      <a:pPr algn="l" fontAlgn="b"/>
+                      <a:r>
+                        <a:rPr lang="de-DE" sz="1400" b="1" u="none" strike="noStrike" dirty="0">
+                          <a:effectLst/>
+                        </a:rPr>
+                        <a:t>Geschätzt</a:t>
+                      </a:r>
+                      <a:endParaRPr lang="de-DE" sz="1400" b="1" i="0" u="none" strike="noStrike" dirty="0">
+                        <a:solidFill>
+                          <a:srgbClr val="000000"/>
+                        </a:solidFill>
+                        <a:effectLst/>
+                        <a:latin typeface="Aptos Narrow" panose="020B0004020202020204" pitchFamily="34" charset="0"/>
+                      </a:endParaRPr>
+                    </a:p>
+                  </a:txBody>
+                  <a:tcPr marL="9525" marR="9525" marT="9525" marB="0" anchor="b">
+                    <a:solidFill>
+                      <a:schemeClr val="bg1">
+                        <a:lumMod val="65000"/>
+                        <a:lumOff val="35000"/>
+                      </a:schemeClr>
+                    </a:solidFill>
+                  </a:tcPr>
+                </a:tc>
+                <a:tc>
+                  <a:txBody>
+                    <a:bodyPr/>
+                    <a:lstStyle/>
+                    <a:p>
+                      <a:pPr algn="l" fontAlgn="b"/>
+                      <a:r>
+                        <a:rPr lang="de-DE" sz="1400" b="1" u="none" strike="noStrike" dirty="0">
+                          <a:effectLst/>
+                        </a:rPr>
+                        <a:t>Tatsächlich</a:t>
+                      </a:r>
+                      <a:endParaRPr lang="de-DE" sz="1400" b="1" i="0" u="none" strike="noStrike" dirty="0">
+                        <a:solidFill>
+                          <a:srgbClr val="000000"/>
+                        </a:solidFill>
+                        <a:effectLst/>
+                        <a:latin typeface="Aptos Narrow" panose="020B0004020202020204" pitchFamily="34" charset="0"/>
+                      </a:endParaRPr>
+                    </a:p>
+                  </a:txBody>
+                  <a:tcPr marL="9525" marR="9525" marT="9525" marB="0" anchor="b">
+                    <a:solidFill>
+                      <a:schemeClr val="accent1">
+                        <a:lumMod val="50000"/>
+                      </a:schemeClr>
+                    </a:solidFill>
+                  </a:tcPr>
+                </a:tc>
+                <a:tc>
+                  <a:txBody>
+                    <a:bodyPr/>
+                    <a:lstStyle/>
+                    <a:p>
+                      <a:pPr algn="l" fontAlgn="b"/>
+                      <a:r>
+                        <a:rPr lang="de-DE" sz="1400" b="1" u="none" strike="noStrike" dirty="0">
+                          <a:effectLst/>
+                        </a:rPr>
+                        <a:t>Geschätzt</a:t>
+                      </a:r>
+                      <a:endParaRPr lang="de-DE" sz="1400" b="1" i="0" u="none" strike="noStrike" dirty="0">
+                        <a:solidFill>
+                          <a:srgbClr val="000000"/>
+                        </a:solidFill>
+                        <a:effectLst/>
+                        <a:latin typeface="Aptos Narrow" panose="020B0004020202020204" pitchFamily="34" charset="0"/>
+                      </a:endParaRPr>
+                    </a:p>
+                  </a:txBody>
+                  <a:tcPr marL="9525" marR="9525" marT="9525" marB="0" anchor="b">
+                    <a:solidFill>
+                      <a:schemeClr val="bg1">
+                        <a:lumMod val="65000"/>
+                        <a:lumOff val="35000"/>
+                      </a:schemeClr>
+                    </a:solidFill>
+                  </a:tcPr>
+                </a:tc>
+                <a:tc>
+                  <a:txBody>
+                    <a:bodyPr/>
+                    <a:lstStyle/>
+                    <a:p>
+                      <a:pPr algn="l" fontAlgn="b"/>
+                      <a:r>
+                        <a:rPr lang="de-DE" sz="1400" b="1" u="none" strike="noStrike" dirty="0">
+                          <a:effectLst/>
+                        </a:rPr>
+                        <a:t>Tatsächlich</a:t>
+                      </a:r>
+                      <a:endParaRPr lang="de-DE" sz="1400" b="1" i="0" u="none" strike="noStrike" dirty="0">
+                        <a:solidFill>
+                          <a:srgbClr val="000000"/>
+                        </a:solidFill>
+                        <a:effectLst/>
+                        <a:latin typeface="Aptos Narrow" panose="020B0004020202020204" pitchFamily="34" charset="0"/>
+                      </a:endParaRPr>
+                    </a:p>
+                  </a:txBody>
+                  <a:tcPr marL="9525" marR="9525" marT="9525" marB="0" anchor="b">
+                    <a:solidFill>
+                      <a:schemeClr val="accent1">
+                        <a:lumMod val="50000"/>
+                      </a:schemeClr>
+                    </a:solidFill>
+                  </a:tcPr>
+                </a:tc>
+                <a:extLst>
+                  <a:ext uri="{0D108BD9-81ED-4DB2-BD59-A6C34878D82A}">
+                    <a16:rowId xmlns:a16="http://schemas.microsoft.com/office/drawing/2014/main" val="1061886808"/>
+                  </a:ext>
+                </a:extLst>
+              </a:tr>
+              <a:tr h="384795">
+                <a:tc>
+                  <a:txBody>
+                    <a:bodyPr/>
+                    <a:lstStyle/>
+                    <a:p>
+                      <a:pPr algn="r" fontAlgn="b"/>
+                      <a:r>
+                        <a:rPr lang="de-DE" sz="1400" u="none" strike="noStrike" dirty="0">
+                          <a:effectLst/>
+                        </a:rPr>
+                        <a:t>18</a:t>
+                      </a:r>
+                      <a:endParaRPr lang="de-DE" sz="1400" b="0" i="0" u="none" strike="noStrike" dirty="0">
+                        <a:solidFill>
+                          <a:srgbClr val="000000"/>
+                        </a:solidFill>
+                        <a:effectLst/>
+                        <a:latin typeface="Aptos Narrow" panose="020B0004020202020204" pitchFamily="34" charset="0"/>
+                      </a:endParaRPr>
+                    </a:p>
+                  </a:txBody>
+                  <a:tcPr marL="9525" marR="9525" marT="9525" marB="0" anchor="b">
+                    <a:solidFill>
+                      <a:schemeClr val="bg1">
+                        <a:lumMod val="65000"/>
+                        <a:lumOff val="35000"/>
+                      </a:schemeClr>
+                    </a:solidFill>
+                  </a:tcPr>
+                </a:tc>
+                <a:tc>
+                  <a:txBody>
+                    <a:bodyPr/>
+                    <a:lstStyle/>
+                    <a:p>
+                      <a:pPr algn="r" fontAlgn="b"/>
+                      <a:r>
+                        <a:rPr lang="de-DE" sz="1400" u="none" strike="noStrike" dirty="0">
+                          <a:effectLst/>
+                        </a:rPr>
+                        <a:t>14</a:t>
+                      </a:r>
+                      <a:endParaRPr lang="de-DE" sz="1400" b="0" i="0" u="none" strike="noStrike" dirty="0">
+                        <a:solidFill>
+                          <a:srgbClr val="000000"/>
+                        </a:solidFill>
+                        <a:effectLst/>
+                        <a:latin typeface="Aptos Narrow" panose="020B0004020202020204" pitchFamily="34" charset="0"/>
+                      </a:endParaRPr>
+                    </a:p>
+                  </a:txBody>
+                  <a:tcPr marL="9525" marR="9525" marT="9525" marB="0" anchor="b">
+                    <a:solidFill>
+                      <a:schemeClr val="accent1">
+                        <a:lumMod val="50000"/>
+                      </a:schemeClr>
+                    </a:solidFill>
+                  </a:tcPr>
+                </a:tc>
+                <a:tc>
+                  <a:txBody>
+                    <a:bodyPr/>
+                    <a:lstStyle/>
+                    <a:p>
+                      <a:pPr algn="r" fontAlgn="b"/>
+                      <a:r>
+                        <a:rPr lang="de-DE" sz="1400" u="none" strike="noStrike" dirty="0">
+                          <a:effectLst/>
+                        </a:rPr>
+                        <a:t>16</a:t>
+                      </a:r>
+                      <a:endParaRPr lang="de-DE" sz="1400" b="0" i="0" u="none" strike="noStrike" dirty="0">
+                        <a:solidFill>
+                          <a:srgbClr val="000000"/>
+                        </a:solidFill>
+                        <a:effectLst/>
+                        <a:latin typeface="Aptos Narrow" panose="020B0004020202020204" pitchFamily="34" charset="0"/>
+                      </a:endParaRPr>
+                    </a:p>
+                  </a:txBody>
+                  <a:tcPr marL="9525" marR="9525" marT="9525" marB="0" anchor="b">
+                    <a:solidFill>
+                      <a:schemeClr val="bg1">
+                        <a:lumMod val="65000"/>
+                        <a:lumOff val="35000"/>
+                      </a:schemeClr>
+                    </a:solidFill>
+                  </a:tcPr>
+                </a:tc>
+                <a:tc>
+                  <a:txBody>
+                    <a:bodyPr/>
+                    <a:lstStyle/>
+                    <a:p>
+                      <a:pPr algn="r" fontAlgn="b"/>
+                      <a:r>
+                        <a:rPr lang="de-DE" sz="1400" u="none" strike="noStrike" dirty="0">
+                          <a:effectLst/>
+                        </a:rPr>
+                        <a:t>14</a:t>
+                      </a:r>
+                      <a:endParaRPr lang="de-DE" sz="1400" b="0" i="0" u="none" strike="noStrike" dirty="0">
+                        <a:solidFill>
+                          <a:srgbClr val="000000"/>
+                        </a:solidFill>
+                        <a:effectLst/>
+                        <a:latin typeface="Aptos Narrow" panose="020B0004020202020204" pitchFamily="34" charset="0"/>
+                      </a:endParaRPr>
+                    </a:p>
+                  </a:txBody>
+                  <a:tcPr marL="9525" marR="9525" marT="9525" marB="0" anchor="b">
+                    <a:solidFill>
+                      <a:schemeClr val="accent1">
+                        <a:lumMod val="50000"/>
+                      </a:schemeClr>
+                    </a:solidFill>
+                  </a:tcPr>
+                </a:tc>
+                <a:tc>
+                  <a:txBody>
+                    <a:bodyPr/>
+                    <a:lstStyle/>
+                    <a:p>
+                      <a:pPr algn="r" fontAlgn="b"/>
+                      <a:r>
+                        <a:rPr lang="de-DE" sz="1400" u="none" strike="noStrike" dirty="0">
+                          <a:effectLst/>
+                        </a:rPr>
+                        <a:t>10</a:t>
+                      </a:r>
+                      <a:endParaRPr lang="de-DE" sz="1400" b="0" i="0" u="none" strike="noStrike" dirty="0">
+                        <a:solidFill>
+                          <a:srgbClr val="000000"/>
+                        </a:solidFill>
+                        <a:effectLst/>
+                        <a:latin typeface="Aptos Narrow" panose="020B0004020202020204" pitchFamily="34" charset="0"/>
+                      </a:endParaRPr>
+                    </a:p>
+                  </a:txBody>
+                  <a:tcPr marL="9525" marR="9525" marT="9525" marB="0" anchor="b">
+                    <a:solidFill>
+                      <a:schemeClr val="bg1">
+                        <a:lumMod val="65000"/>
+                        <a:lumOff val="35000"/>
+                      </a:schemeClr>
+                    </a:solidFill>
+                  </a:tcPr>
+                </a:tc>
+                <a:tc>
+                  <a:txBody>
+                    <a:bodyPr/>
+                    <a:lstStyle/>
+                    <a:p>
+                      <a:pPr algn="r" fontAlgn="b"/>
+                      <a:r>
+                        <a:rPr lang="de-DE" sz="1400" u="none" strike="noStrike" dirty="0">
+                          <a:effectLst/>
+                        </a:rPr>
+                        <a:t>12</a:t>
+                      </a:r>
+                      <a:endParaRPr lang="de-DE" sz="1400" b="0" i="0" u="none" strike="noStrike" dirty="0">
+                        <a:solidFill>
+                          <a:srgbClr val="000000"/>
+                        </a:solidFill>
+                        <a:effectLst/>
+                        <a:latin typeface="Aptos Narrow" panose="020B0004020202020204" pitchFamily="34" charset="0"/>
+                      </a:endParaRPr>
+                    </a:p>
+                  </a:txBody>
+                  <a:tcPr marL="9525" marR="9525" marT="9525" marB="0" anchor="b">
+                    <a:solidFill>
+                      <a:schemeClr val="accent1">
+                        <a:lumMod val="50000"/>
+                      </a:schemeClr>
+                    </a:solidFill>
+                  </a:tcPr>
+                </a:tc>
+                <a:extLst>
+                  <a:ext uri="{0D108BD9-81ED-4DB2-BD59-A6C34878D82A}">
+                    <a16:rowId xmlns:a16="http://schemas.microsoft.com/office/drawing/2014/main" val="1307858597"/>
+                  </a:ext>
+                </a:extLst>
+              </a:tr>
+              <a:tr h="384795">
+                <a:tc>
+                  <a:txBody>
+                    <a:bodyPr/>
+                    <a:lstStyle/>
+                    <a:p>
+                      <a:pPr algn="r" fontAlgn="b"/>
+                      <a:r>
+                        <a:rPr lang="de-DE" sz="1400" u="none" strike="noStrike" dirty="0">
+                          <a:effectLst/>
+                        </a:rPr>
+                        <a:t>2</a:t>
+                      </a:r>
+                      <a:endParaRPr lang="de-DE" sz="1400" b="0" i="0" u="none" strike="noStrike" dirty="0">
+                        <a:solidFill>
+                          <a:srgbClr val="000000"/>
+                        </a:solidFill>
+                        <a:effectLst/>
+                        <a:latin typeface="Aptos Narrow" panose="020B0004020202020204" pitchFamily="34" charset="0"/>
+                      </a:endParaRPr>
+                    </a:p>
+                  </a:txBody>
+                  <a:tcPr marL="9525" marR="9525" marT="9525" marB="0" anchor="b">
+                    <a:solidFill>
+                      <a:schemeClr val="bg1">
+                        <a:lumMod val="65000"/>
+                        <a:lumOff val="35000"/>
+                      </a:schemeClr>
+                    </a:solidFill>
+                  </a:tcPr>
+                </a:tc>
+                <a:tc>
+                  <a:txBody>
+                    <a:bodyPr/>
+                    <a:lstStyle/>
+                    <a:p>
+                      <a:pPr algn="r" fontAlgn="b"/>
+                      <a:r>
+                        <a:rPr lang="de-DE" sz="1400" u="none" strike="noStrike" dirty="0">
+                          <a:effectLst/>
+                        </a:rPr>
+                        <a:t>2</a:t>
+                      </a:r>
+                      <a:endParaRPr lang="de-DE" sz="1400" b="0" i="0" u="none" strike="noStrike" dirty="0">
+                        <a:solidFill>
+                          <a:srgbClr val="000000"/>
+                        </a:solidFill>
+                        <a:effectLst/>
+                        <a:latin typeface="Aptos Narrow" panose="020B0004020202020204" pitchFamily="34" charset="0"/>
+                      </a:endParaRPr>
+                    </a:p>
+                  </a:txBody>
+                  <a:tcPr marL="9525" marR="9525" marT="9525" marB="0" anchor="b">
+                    <a:solidFill>
+                      <a:schemeClr val="accent1">
+                        <a:lumMod val="50000"/>
+                      </a:schemeClr>
+                    </a:solidFill>
+                  </a:tcPr>
+                </a:tc>
+                <a:tc>
+                  <a:txBody>
+                    <a:bodyPr/>
+                    <a:lstStyle/>
+                    <a:p>
+                      <a:pPr algn="r" fontAlgn="b"/>
+                      <a:r>
+                        <a:rPr lang="de-DE" sz="1400" u="none" strike="noStrike" dirty="0">
+                          <a:effectLst/>
+                        </a:rPr>
+                        <a:t>5</a:t>
+                      </a:r>
+                      <a:endParaRPr lang="de-DE" sz="1400" b="0" i="0" u="none" strike="noStrike" dirty="0">
+                        <a:solidFill>
+                          <a:srgbClr val="000000"/>
+                        </a:solidFill>
+                        <a:effectLst/>
+                        <a:latin typeface="Aptos Narrow" panose="020B0004020202020204" pitchFamily="34" charset="0"/>
+                      </a:endParaRPr>
+                    </a:p>
+                  </a:txBody>
+                  <a:tcPr marL="9525" marR="9525" marT="9525" marB="0" anchor="b">
+                    <a:solidFill>
+                      <a:schemeClr val="bg1">
+                        <a:lumMod val="65000"/>
+                        <a:lumOff val="35000"/>
+                      </a:schemeClr>
+                    </a:solidFill>
+                  </a:tcPr>
+                </a:tc>
+                <a:tc>
+                  <a:txBody>
+                    <a:bodyPr/>
+                    <a:lstStyle/>
+                    <a:p>
+                      <a:pPr algn="r" fontAlgn="b"/>
+                      <a:r>
+                        <a:rPr lang="de-DE" sz="1400" u="none" strike="noStrike" dirty="0">
+                          <a:effectLst/>
+                        </a:rPr>
+                        <a:t>7</a:t>
+                      </a:r>
+                      <a:endParaRPr lang="de-DE" sz="1400" b="0" i="0" u="none" strike="noStrike" dirty="0">
+                        <a:solidFill>
+                          <a:srgbClr val="000000"/>
+                        </a:solidFill>
+                        <a:effectLst/>
+                        <a:latin typeface="Aptos Narrow" panose="020B0004020202020204" pitchFamily="34" charset="0"/>
+                      </a:endParaRPr>
+                    </a:p>
+                  </a:txBody>
+                  <a:tcPr marL="9525" marR="9525" marT="9525" marB="0" anchor="b">
+                    <a:solidFill>
+                      <a:schemeClr val="accent1">
+                        <a:lumMod val="50000"/>
+                      </a:schemeClr>
+                    </a:solidFill>
+                  </a:tcPr>
+                </a:tc>
+                <a:tc>
+                  <a:txBody>
+                    <a:bodyPr/>
+                    <a:lstStyle/>
+                    <a:p>
+                      <a:pPr algn="r" fontAlgn="b"/>
+                      <a:r>
+                        <a:rPr lang="de-DE" sz="1400" u="none" strike="noStrike">
+                          <a:effectLst/>
+                        </a:rPr>
+                        <a:t>9</a:t>
+                      </a:r>
+                      <a:endParaRPr lang="de-DE" sz="1400" b="0" i="0" u="none" strike="noStrike">
+                        <a:solidFill>
+                          <a:srgbClr val="000000"/>
+                        </a:solidFill>
+                        <a:effectLst/>
+                        <a:latin typeface="Aptos Narrow" panose="020B0004020202020204" pitchFamily="34" charset="0"/>
+                      </a:endParaRPr>
+                    </a:p>
+                  </a:txBody>
+                  <a:tcPr marL="9525" marR="9525" marT="9525" marB="0" anchor="b">
+                    <a:solidFill>
+                      <a:schemeClr val="bg1">
+                        <a:lumMod val="65000"/>
+                        <a:lumOff val="35000"/>
+                      </a:schemeClr>
+                    </a:solidFill>
+                  </a:tcPr>
+                </a:tc>
+                <a:tc>
+                  <a:txBody>
+                    <a:bodyPr/>
+                    <a:lstStyle/>
+                    <a:p>
+                      <a:pPr algn="r" fontAlgn="b"/>
+                      <a:r>
+                        <a:rPr lang="de-DE" sz="1400" u="none" strike="noStrike" dirty="0">
+                          <a:effectLst/>
+                        </a:rPr>
+                        <a:t>12</a:t>
+                      </a:r>
+                      <a:endParaRPr lang="de-DE" sz="1400" b="0" i="0" u="none" strike="noStrike" dirty="0">
+                        <a:solidFill>
+                          <a:srgbClr val="000000"/>
+                        </a:solidFill>
+                        <a:effectLst/>
+                        <a:latin typeface="Aptos Narrow" panose="020B0004020202020204" pitchFamily="34" charset="0"/>
+                      </a:endParaRPr>
+                    </a:p>
+                  </a:txBody>
+                  <a:tcPr marL="9525" marR="9525" marT="9525" marB="0" anchor="b">
+                    <a:solidFill>
+                      <a:schemeClr val="accent1">
+                        <a:lumMod val="50000"/>
+                      </a:schemeClr>
+                    </a:solidFill>
+                  </a:tcPr>
+                </a:tc>
+                <a:extLst>
+                  <a:ext uri="{0D108BD9-81ED-4DB2-BD59-A6C34878D82A}">
+                    <a16:rowId xmlns:a16="http://schemas.microsoft.com/office/drawing/2014/main" val="1253406523"/>
+                  </a:ext>
+                </a:extLst>
+              </a:tr>
+              <a:tr h="384795">
+                <a:tc>
+                  <a:txBody>
+                    <a:bodyPr/>
+                    <a:lstStyle/>
+                    <a:p>
+                      <a:pPr algn="r" fontAlgn="b"/>
+                      <a:r>
+                        <a:rPr lang="de-DE" sz="1400" u="none" strike="noStrike" dirty="0">
+                          <a:effectLst/>
+                        </a:rPr>
+                        <a:t>8</a:t>
+                      </a:r>
+                      <a:endParaRPr lang="de-DE" sz="1400" b="0" i="0" u="none" strike="noStrike" dirty="0">
+                        <a:solidFill>
+                          <a:srgbClr val="000000"/>
+                        </a:solidFill>
+                        <a:effectLst/>
+                        <a:latin typeface="Aptos Narrow" panose="020B0004020202020204" pitchFamily="34" charset="0"/>
+                      </a:endParaRPr>
+                    </a:p>
+                  </a:txBody>
+                  <a:tcPr marL="9525" marR="9525" marT="9525" marB="0" anchor="b">
+                    <a:solidFill>
+                      <a:schemeClr val="bg1">
+                        <a:lumMod val="65000"/>
+                        <a:lumOff val="35000"/>
+                      </a:schemeClr>
+                    </a:solidFill>
+                  </a:tcPr>
+                </a:tc>
+                <a:tc>
+                  <a:txBody>
+                    <a:bodyPr/>
+                    <a:lstStyle/>
+                    <a:p>
+                      <a:pPr algn="r" fontAlgn="b"/>
+                      <a:r>
+                        <a:rPr lang="de-DE" sz="1400" u="none" strike="noStrike" dirty="0">
+                          <a:effectLst/>
+                        </a:rPr>
+                        <a:t>8</a:t>
+                      </a:r>
+                      <a:endParaRPr lang="de-DE" sz="1400" b="0" i="0" u="none" strike="noStrike" dirty="0">
+                        <a:solidFill>
+                          <a:srgbClr val="000000"/>
+                        </a:solidFill>
+                        <a:effectLst/>
+                        <a:latin typeface="Aptos Narrow" panose="020B0004020202020204" pitchFamily="34" charset="0"/>
+                      </a:endParaRPr>
+                    </a:p>
+                  </a:txBody>
+                  <a:tcPr marL="9525" marR="9525" marT="9525" marB="0" anchor="b">
+                    <a:solidFill>
+                      <a:schemeClr val="accent1">
+                        <a:lumMod val="50000"/>
+                      </a:schemeClr>
+                    </a:solidFill>
+                  </a:tcPr>
+                </a:tc>
+                <a:tc>
+                  <a:txBody>
+                    <a:bodyPr/>
+                    <a:lstStyle/>
+                    <a:p>
+                      <a:pPr algn="r" fontAlgn="b"/>
+                      <a:r>
+                        <a:rPr lang="de-DE" sz="1400" u="none" strike="noStrike" dirty="0">
+                          <a:effectLst/>
+                        </a:rPr>
+                        <a:t>4</a:t>
+                      </a:r>
+                      <a:endParaRPr lang="de-DE" sz="1400" b="0" i="0" u="none" strike="noStrike" dirty="0">
+                        <a:solidFill>
+                          <a:srgbClr val="000000"/>
+                        </a:solidFill>
+                        <a:effectLst/>
+                        <a:latin typeface="Aptos Narrow" panose="020B0004020202020204" pitchFamily="34" charset="0"/>
+                      </a:endParaRPr>
+                    </a:p>
+                  </a:txBody>
+                  <a:tcPr marL="9525" marR="9525" marT="9525" marB="0" anchor="b">
+                    <a:solidFill>
+                      <a:schemeClr val="bg1">
+                        <a:lumMod val="65000"/>
+                        <a:lumOff val="35000"/>
+                      </a:schemeClr>
+                    </a:solidFill>
+                  </a:tcPr>
+                </a:tc>
+                <a:tc>
+                  <a:txBody>
+                    <a:bodyPr/>
+                    <a:lstStyle/>
+                    <a:p>
+                      <a:pPr algn="r" fontAlgn="b"/>
+                      <a:r>
+                        <a:rPr lang="de-DE" sz="1400" u="none" strike="noStrike" dirty="0">
+                          <a:effectLst/>
+                        </a:rPr>
+                        <a:t>4</a:t>
+                      </a:r>
+                      <a:endParaRPr lang="de-DE" sz="1400" b="0" i="0" u="none" strike="noStrike" dirty="0">
+                        <a:solidFill>
+                          <a:srgbClr val="000000"/>
+                        </a:solidFill>
+                        <a:effectLst/>
+                        <a:latin typeface="Aptos Narrow" panose="020B0004020202020204" pitchFamily="34" charset="0"/>
+                      </a:endParaRPr>
+                    </a:p>
+                  </a:txBody>
+                  <a:tcPr marL="9525" marR="9525" marT="9525" marB="0" anchor="b">
+                    <a:solidFill>
+                      <a:schemeClr val="accent1">
+                        <a:lumMod val="50000"/>
+                      </a:schemeClr>
+                    </a:solidFill>
+                  </a:tcPr>
+                </a:tc>
+                <a:tc>
+                  <a:txBody>
+                    <a:bodyPr/>
+                    <a:lstStyle/>
+                    <a:p>
+                      <a:pPr algn="r" fontAlgn="b"/>
+                      <a:r>
+                        <a:rPr lang="de-DE" sz="1400" u="none" strike="noStrike" dirty="0">
+                          <a:effectLst/>
+                        </a:rPr>
+                        <a:t>8</a:t>
+                      </a:r>
+                      <a:endParaRPr lang="de-DE" sz="1400" b="0" i="0" u="none" strike="noStrike" dirty="0">
+                        <a:solidFill>
+                          <a:srgbClr val="000000"/>
+                        </a:solidFill>
+                        <a:effectLst/>
+                        <a:latin typeface="Aptos Narrow" panose="020B0004020202020204" pitchFamily="34" charset="0"/>
+                      </a:endParaRPr>
+                    </a:p>
+                  </a:txBody>
+                  <a:tcPr marL="9525" marR="9525" marT="9525" marB="0" anchor="b">
+                    <a:solidFill>
+                      <a:schemeClr val="bg1">
+                        <a:lumMod val="65000"/>
+                        <a:lumOff val="35000"/>
+                      </a:schemeClr>
+                    </a:solidFill>
+                  </a:tcPr>
+                </a:tc>
+                <a:tc>
+                  <a:txBody>
+                    <a:bodyPr/>
+                    <a:lstStyle/>
+                    <a:p>
+                      <a:pPr algn="r" fontAlgn="b"/>
+                      <a:r>
+                        <a:rPr lang="de-DE" sz="1400" u="none" strike="noStrike" dirty="0">
+                          <a:effectLst/>
+                        </a:rPr>
+                        <a:t>7</a:t>
+                      </a:r>
+                      <a:endParaRPr lang="de-DE" sz="1400" b="0" i="0" u="none" strike="noStrike" dirty="0">
+                        <a:solidFill>
+                          <a:srgbClr val="000000"/>
+                        </a:solidFill>
+                        <a:effectLst/>
+                        <a:latin typeface="Aptos Narrow" panose="020B0004020202020204" pitchFamily="34" charset="0"/>
+                      </a:endParaRPr>
+                    </a:p>
+                  </a:txBody>
+                  <a:tcPr marL="9525" marR="9525" marT="9525" marB="0" anchor="b">
+                    <a:solidFill>
+                      <a:schemeClr val="accent1">
+                        <a:lumMod val="50000"/>
+                      </a:schemeClr>
+                    </a:solidFill>
+                  </a:tcPr>
+                </a:tc>
+                <a:extLst>
+                  <a:ext uri="{0D108BD9-81ED-4DB2-BD59-A6C34878D82A}">
+                    <a16:rowId xmlns:a16="http://schemas.microsoft.com/office/drawing/2014/main" val="4205626346"/>
+                  </a:ext>
+                </a:extLst>
+              </a:tr>
+              <a:tr h="384795">
+                <a:tc>
+                  <a:txBody>
+                    <a:bodyPr/>
+                    <a:lstStyle/>
+                    <a:p>
+                      <a:pPr algn="r" fontAlgn="b"/>
+                      <a:r>
+                        <a:rPr lang="de-DE" sz="1400" u="none" strike="noStrike" dirty="0">
+                          <a:effectLst/>
+                        </a:rPr>
+                        <a:t>1,5</a:t>
+                      </a:r>
+                      <a:endParaRPr lang="de-DE" sz="1400" b="0" i="0" u="none" strike="noStrike" dirty="0">
+                        <a:solidFill>
+                          <a:srgbClr val="000000"/>
+                        </a:solidFill>
+                        <a:effectLst/>
+                        <a:latin typeface="Aptos Narrow" panose="020B0004020202020204" pitchFamily="34" charset="0"/>
+                      </a:endParaRPr>
+                    </a:p>
+                  </a:txBody>
+                  <a:tcPr marL="9525" marR="9525" marT="9525" marB="0" anchor="b">
+                    <a:solidFill>
+                      <a:schemeClr val="bg1">
+                        <a:lumMod val="65000"/>
+                        <a:lumOff val="35000"/>
+                      </a:schemeClr>
+                    </a:solidFill>
+                  </a:tcPr>
+                </a:tc>
+                <a:tc>
+                  <a:txBody>
+                    <a:bodyPr/>
+                    <a:lstStyle/>
+                    <a:p>
+                      <a:pPr algn="r" fontAlgn="b"/>
+                      <a:r>
+                        <a:rPr lang="de-DE" sz="1400" u="none" strike="noStrike" dirty="0">
+                          <a:effectLst/>
+                        </a:rPr>
+                        <a:t>1,5</a:t>
+                      </a:r>
+                      <a:endParaRPr lang="de-DE" sz="1400" b="0" i="0" u="none" strike="noStrike" dirty="0">
+                        <a:solidFill>
+                          <a:srgbClr val="000000"/>
+                        </a:solidFill>
+                        <a:effectLst/>
+                        <a:latin typeface="Aptos Narrow" panose="020B0004020202020204" pitchFamily="34" charset="0"/>
+                      </a:endParaRPr>
+                    </a:p>
+                  </a:txBody>
+                  <a:tcPr marL="9525" marR="9525" marT="9525" marB="0" anchor="b">
+                    <a:solidFill>
+                      <a:schemeClr val="accent1">
+                        <a:lumMod val="50000"/>
+                      </a:schemeClr>
+                    </a:solidFill>
+                  </a:tcPr>
+                </a:tc>
+                <a:tc>
+                  <a:txBody>
+                    <a:bodyPr/>
+                    <a:lstStyle/>
+                    <a:p>
+                      <a:pPr algn="r" fontAlgn="b"/>
+                      <a:r>
+                        <a:rPr lang="de-DE" sz="1400" u="none" strike="noStrike" dirty="0">
+                          <a:effectLst/>
+                        </a:rPr>
+                        <a:t>6</a:t>
+                      </a:r>
+                      <a:endParaRPr lang="de-DE" sz="1400" b="0" i="0" u="none" strike="noStrike" dirty="0">
+                        <a:solidFill>
+                          <a:srgbClr val="000000"/>
+                        </a:solidFill>
+                        <a:effectLst/>
+                        <a:latin typeface="Aptos Narrow" panose="020B0004020202020204" pitchFamily="34" charset="0"/>
+                      </a:endParaRPr>
+                    </a:p>
+                  </a:txBody>
+                  <a:tcPr marL="9525" marR="9525" marT="9525" marB="0" anchor="b">
+                    <a:solidFill>
+                      <a:schemeClr val="bg1">
+                        <a:lumMod val="65000"/>
+                        <a:lumOff val="35000"/>
+                      </a:schemeClr>
+                    </a:solidFill>
+                  </a:tcPr>
+                </a:tc>
+                <a:tc>
+                  <a:txBody>
+                    <a:bodyPr/>
+                    <a:lstStyle/>
+                    <a:p>
+                      <a:pPr algn="r" fontAlgn="b"/>
+                      <a:r>
+                        <a:rPr lang="de-DE" sz="1400" u="none" strike="noStrike" dirty="0">
+                          <a:effectLst/>
+                        </a:rPr>
+                        <a:t>5</a:t>
+                      </a:r>
+                      <a:endParaRPr lang="de-DE" sz="1400" b="0" i="0" u="none" strike="noStrike" dirty="0">
+                        <a:solidFill>
+                          <a:srgbClr val="000000"/>
+                        </a:solidFill>
+                        <a:effectLst/>
+                        <a:latin typeface="Aptos Narrow" panose="020B0004020202020204" pitchFamily="34" charset="0"/>
+                      </a:endParaRPr>
+                    </a:p>
+                  </a:txBody>
+                  <a:tcPr marL="9525" marR="9525" marT="9525" marB="0" anchor="b">
+                    <a:solidFill>
+                      <a:schemeClr val="accent1">
+                        <a:lumMod val="50000"/>
+                      </a:schemeClr>
+                    </a:solidFill>
+                  </a:tcPr>
+                </a:tc>
+                <a:tc>
+                  <a:txBody>
+                    <a:bodyPr/>
+                    <a:lstStyle/>
+                    <a:p>
+                      <a:pPr algn="r" fontAlgn="b"/>
+                      <a:r>
+                        <a:rPr lang="de-DE" sz="1400" u="none" strike="noStrike" dirty="0">
+                          <a:effectLst/>
+                        </a:rPr>
+                        <a:t>7</a:t>
+                      </a:r>
+                      <a:endParaRPr lang="de-DE" sz="1400" b="0" i="0" u="none" strike="noStrike" dirty="0">
+                        <a:solidFill>
+                          <a:srgbClr val="000000"/>
+                        </a:solidFill>
+                        <a:effectLst/>
+                        <a:latin typeface="Aptos Narrow" panose="020B0004020202020204" pitchFamily="34" charset="0"/>
+                      </a:endParaRPr>
+                    </a:p>
+                  </a:txBody>
+                  <a:tcPr marL="9525" marR="9525" marT="9525" marB="0" anchor="b">
+                    <a:solidFill>
+                      <a:schemeClr val="bg1">
+                        <a:lumMod val="65000"/>
+                        <a:lumOff val="35000"/>
+                      </a:schemeClr>
+                    </a:solidFill>
+                  </a:tcPr>
+                </a:tc>
+                <a:tc>
+                  <a:txBody>
+                    <a:bodyPr/>
+                    <a:lstStyle/>
+                    <a:p>
+                      <a:pPr algn="r" fontAlgn="b"/>
+                      <a:r>
+                        <a:rPr lang="de-DE" sz="1400" u="none" strike="noStrike" dirty="0">
+                          <a:effectLst/>
+                        </a:rPr>
+                        <a:t>6</a:t>
+                      </a:r>
+                      <a:endParaRPr lang="de-DE" sz="1400" b="0" i="0" u="none" strike="noStrike" dirty="0">
+                        <a:solidFill>
+                          <a:srgbClr val="000000"/>
+                        </a:solidFill>
+                        <a:effectLst/>
+                        <a:latin typeface="Aptos Narrow" panose="020B0004020202020204" pitchFamily="34" charset="0"/>
+                      </a:endParaRPr>
+                    </a:p>
+                  </a:txBody>
+                  <a:tcPr marL="9525" marR="9525" marT="9525" marB="0" anchor="b">
+                    <a:solidFill>
+                      <a:schemeClr val="accent1">
+                        <a:lumMod val="50000"/>
+                      </a:schemeClr>
+                    </a:solidFill>
+                  </a:tcPr>
+                </a:tc>
+                <a:extLst>
+                  <a:ext uri="{0D108BD9-81ED-4DB2-BD59-A6C34878D82A}">
+                    <a16:rowId xmlns:a16="http://schemas.microsoft.com/office/drawing/2014/main" val="2989607156"/>
+                  </a:ext>
+                </a:extLst>
+              </a:tr>
+              <a:tr h="384795">
+                <a:tc>
+                  <a:txBody>
+                    <a:bodyPr/>
+                    <a:lstStyle/>
+                    <a:p>
+                      <a:pPr algn="r" fontAlgn="b"/>
+                      <a:r>
+                        <a:rPr lang="de-DE" sz="1400" u="none" strike="noStrike" dirty="0">
+                          <a:effectLst/>
+                        </a:rPr>
+                        <a:t>4</a:t>
+                      </a:r>
+                      <a:endParaRPr lang="de-DE" sz="1400" b="0" i="0" u="none" strike="noStrike" dirty="0">
+                        <a:solidFill>
+                          <a:srgbClr val="000000"/>
+                        </a:solidFill>
+                        <a:effectLst/>
+                        <a:latin typeface="Aptos Narrow" panose="020B0004020202020204" pitchFamily="34" charset="0"/>
+                      </a:endParaRPr>
+                    </a:p>
+                  </a:txBody>
+                  <a:tcPr marL="9525" marR="9525" marT="9525" marB="0" anchor="b">
+                    <a:solidFill>
+                      <a:schemeClr val="bg1">
+                        <a:lumMod val="65000"/>
+                        <a:lumOff val="35000"/>
+                      </a:schemeClr>
+                    </a:solidFill>
+                  </a:tcPr>
+                </a:tc>
+                <a:tc>
+                  <a:txBody>
+                    <a:bodyPr/>
+                    <a:lstStyle/>
+                    <a:p>
+                      <a:pPr algn="r" fontAlgn="b"/>
+                      <a:r>
+                        <a:rPr lang="de-DE" sz="1400" u="none" strike="noStrike" dirty="0">
+                          <a:effectLst/>
+                        </a:rPr>
+                        <a:t>4</a:t>
+                      </a:r>
+                      <a:endParaRPr lang="de-DE" sz="1400" b="0" i="0" u="none" strike="noStrike" dirty="0">
+                        <a:solidFill>
+                          <a:srgbClr val="000000"/>
+                        </a:solidFill>
+                        <a:effectLst/>
+                        <a:latin typeface="Aptos Narrow" panose="020B0004020202020204" pitchFamily="34" charset="0"/>
+                      </a:endParaRPr>
+                    </a:p>
+                  </a:txBody>
+                  <a:tcPr marL="9525" marR="9525" marT="9525" marB="0" anchor="b">
+                    <a:solidFill>
+                      <a:schemeClr val="accent1">
+                        <a:lumMod val="50000"/>
+                      </a:schemeClr>
+                    </a:solidFill>
+                  </a:tcPr>
+                </a:tc>
+                <a:tc>
+                  <a:txBody>
+                    <a:bodyPr/>
+                    <a:lstStyle/>
+                    <a:p>
+                      <a:pPr algn="r" fontAlgn="b"/>
+                      <a:r>
+                        <a:rPr lang="de-DE" sz="1400" u="none" strike="noStrike" dirty="0">
+                          <a:effectLst/>
+                        </a:rPr>
+                        <a:t>5</a:t>
+                      </a:r>
+                      <a:endParaRPr lang="de-DE" sz="1400" b="0" i="0" u="none" strike="noStrike" dirty="0">
+                        <a:solidFill>
+                          <a:srgbClr val="000000"/>
+                        </a:solidFill>
+                        <a:effectLst/>
+                        <a:latin typeface="Aptos Narrow" panose="020B0004020202020204" pitchFamily="34" charset="0"/>
+                      </a:endParaRPr>
+                    </a:p>
+                  </a:txBody>
+                  <a:tcPr marL="9525" marR="9525" marT="9525" marB="0" anchor="b">
+                    <a:solidFill>
+                      <a:schemeClr val="bg1">
+                        <a:lumMod val="65000"/>
+                        <a:lumOff val="35000"/>
+                      </a:schemeClr>
+                    </a:solidFill>
+                  </a:tcPr>
+                </a:tc>
+                <a:tc>
+                  <a:txBody>
+                    <a:bodyPr/>
+                    <a:lstStyle/>
+                    <a:p>
+                      <a:pPr algn="r" fontAlgn="b"/>
+                      <a:r>
+                        <a:rPr lang="de-DE" sz="1400" u="none" strike="noStrike" dirty="0">
+                          <a:effectLst/>
+                        </a:rPr>
+                        <a:t>7</a:t>
+                      </a:r>
+                      <a:endParaRPr lang="de-DE" sz="1400" b="0" i="0" u="none" strike="noStrike" dirty="0">
+                        <a:solidFill>
+                          <a:srgbClr val="000000"/>
+                        </a:solidFill>
+                        <a:effectLst/>
+                        <a:latin typeface="Aptos Narrow" panose="020B0004020202020204" pitchFamily="34" charset="0"/>
+                      </a:endParaRPr>
+                    </a:p>
+                  </a:txBody>
+                  <a:tcPr marL="9525" marR="9525" marT="9525" marB="0" anchor="b">
+                    <a:solidFill>
+                      <a:schemeClr val="accent1">
+                        <a:lumMod val="50000"/>
+                      </a:schemeClr>
+                    </a:solidFill>
+                  </a:tcPr>
+                </a:tc>
+                <a:tc>
+                  <a:txBody>
+                    <a:bodyPr/>
+                    <a:lstStyle/>
+                    <a:p>
+                      <a:pPr algn="r" fontAlgn="b"/>
+                      <a:r>
+                        <a:rPr lang="de-DE" sz="1400" u="none" strike="noStrike" dirty="0">
+                          <a:effectLst/>
+                        </a:rPr>
+                        <a:t>3</a:t>
+                      </a:r>
+                      <a:endParaRPr lang="de-DE" sz="1400" b="0" i="0" u="none" strike="noStrike" dirty="0">
+                        <a:solidFill>
+                          <a:srgbClr val="000000"/>
+                        </a:solidFill>
+                        <a:effectLst/>
+                        <a:latin typeface="Aptos Narrow" panose="020B0004020202020204" pitchFamily="34" charset="0"/>
+                      </a:endParaRPr>
+                    </a:p>
+                  </a:txBody>
+                  <a:tcPr marL="9525" marR="9525" marT="9525" marB="0" anchor="b">
+                    <a:solidFill>
+                      <a:schemeClr val="bg1">
+                        <a:lumMod val="65000"/>
+                        <a:lumOff val="35000"/>
+                      </a:schemeClr>
+                    </a:solidFill>
+                  </a:tcPr>
+                </a:tc>
+                <a:tc>
+                  <a:txBody>
+                    <a:bodyPr/>
+                    <a:lstStyle/>
+                    <a:p>
+                      <a:pPr algn="r" fontAlgn="b"/>
+                      <a:r>
+                        <a:rPr lang="de-DE" sz="1400" u="none" strike="noStrike" dirty="0">
+                          <a:effectLst/>
+                        </a:rPr>
+                        <a:t>2</a:t>
+                      </a:r>
+                      <a:endParaRPr lang="de-DE" sz="1400" b="0" i="0" u="none" strike="noStrike" dirty="0">
+                        <a:solidFill>
+                          <a:srgbClr val="000000"/>
+                        </a:solidFill>
+                        <a:effectLst/>
+                        <a:latin typeface="Aptos Narrow" panose="020B0004020202020204" pitchFamily="34" charset="0"/>
+                      </a:endParaRPr>
+                    </a:p>
+                  </a:txBody>
+                  <a:tcPr marL="9525" marR="9525" marT="9525" marB="0" anchor="b">
+                    <a:solidFill>
+                      <a:schemeClr val="accent1">
+                        <a:lumMod val="50000"/>
+                      </a:schemeClr>
+                    </a:solidFill>
+                  </a:tcPr>
+                </a:tc>
+                <a:extLst>
+                  <a:ext uri="{0D108BD9-81ED-4DB2-BD59-A6C34878D82A}">
+                    <a16:rowId xmlns:a16="http://schemas.microsoft.com/office/drawing/2014/main" val="3715989442"/>
+                  </a:ext>
+                </a:extLst>
+              </a:tr>
+              <a:tr h="384795">
+                <a:tc>
+                  <a:txBody>
+                    <a:bodyPr/>
+                    <a:lstStyle/>
+                    <a:p>
+                      <a:pPr algn="r" fontAlgn="b"/>
+                      <a:r>
+                        <a:rPr lang="de-DE" sz="1400" u="none" strike="noStrike" dirty="0">
+                          <a:effectLst/>
+                        </a:rPr>
+                        <a:t>12</a:t>
+                      </a:r>
+                      <a:endParaRPr lang="de-DE" sz="1400" b="0" i="0" u="none" strike="noStrike" dirty="0">
+                        <a:solidFill>
+                          <a:srgbClr val="000000"/>
+                        </a:solidFill>
+                        <a:effectLst/>
+                        <a:latin typeface="Aptos Narrow" panose="020B0004020202020204" pitchFamily="34" charset="0"/>
+                      </a:endParaRPr>
+                    </a:p>
+                  </a:txBody>
+                  <a:tcPr marL="9525" marR="9525" marT="9525" marB="0" anchor="b">
+                    <a:solidFill>
+                      <a:schemeClr val="bg1">
+                        <a:lumMod val="65000"/>
+                        <a:lumOff val="35000"/>
+                      </a:schemeClr>
+                    </a:solidFill>
+                  </a:tcPr>
+                </a:tc>
+                <a:tc>
+                  <a:txBody>
+                    <a:bodyPr/>
+                    <a:lstStyle/>
+                    <a:p>
+                      <a:pPr algn="r" fontAlgn="b"/>
+                      <a:r>
+                        <a:rPr lang="de-DE" sz="1400" u="none" strike="noStrike" dirty="0">
+                          <a:effectLst/>
+                        </a:rPr>
+                        <a:t>4</a:t>
+                      </a:r>
+                      <a:endParaRPr lang="de-DE" sz="1400" b="0" i="0" u="none" strike="noStrike" dirty="0">
+                        <a:solidFill>
+                          <a:srgbClr val="000000"/>
+                        </a:solidFill>
+                        <a:effectLst/>
+                        <a:latin typeface="Aptos Narrow" panose="020B0004020202020204" pitchFamily="34" charset="0"/>
+                      </a:endParaRPr>
+                    </a:p>
+                  </a:txBody>
+                  <a:tcPr marL="9525" marR="9525" marT="9525" marB="0" anchor="b">
+                    <a:solidFill>
+                      <a:schemeClr val="accent1">
+                        <a:lumMod val="50000"/>
+                      </a:schemeClr>
+                    </a:solidFill>
+                  </a:tcPr>
+                </a:tc>
+                <a:tc>
+                  <a:txBody>
+                    <a:bodyPr/>
+                    <a:lstStyle/>
+                    <a:p>
+                      <a:pPr algn="r" fontAlgn="b"/>
+                      <a:r>
+                        <a:rPr lang="de-DE" sz="1400" u="none" strike="noStrike" dirty="0">
+                          <a:effectLst/>
+                        </a:rPr>
+                        <a:t>6</a:t>
+                      </a:r>
+                      <a:endParaRPr lang="de-DE" sz="1400" b="0" i="0" u="none" strike="noStrike" dirty="0">
+                        <a:solidFill>
+                          <a:srgbClr val="000000"/>
+                        </a:solidFill>
+                        <a:effectLst/>
+                        <a:latin typeface="Aptos Narrow" panose="020B0004020202020204" pitchFamily="34" charset="0"/>
+                      </a:endParaRPr>
+                    </a:p>
+                  </a:txBody>
+                  <a:tcPr marL="9525" marR="9525" marT="9525" marB="0" anchor="b">
+                    <a:solidFill>
+                      <a:schemeClr val="bg1">
+                        <a:lumMod val="65000"/>
+                        <a:lumOff val="35000"/>
+                      </a:schemeClr>
+                    </a:solidFill>
+                  </a:tcPr>
+                </a:tc>
+                <a:tc>
+                  <a:txBody>
+                    <a:bodyPr/>
+                    <a:lstStyle/>
+                    <a:p>
+                      <a:pPr algn="r" fontAlgn="b"/>
+                      <a:r>
+                        <a:rPr lang="de-DE" sz="1400" u="none" strike="noStrike" dirty="0">
+                          <a:effectLst/>
+                        </a:rPr>
+                        <a:t>5</a:t>
+                      </a:r>
+                      <a:endParaRPr lang="de-DE" sz="1400" b="0" i="0" u="none" strike="noStrike" dirty="0">
+                        <a:solidFill>
+                          <a:srgbClr val="000000"/>
+                        </a:solidFill>
+                        <a:effectLst/>
+                        <a:latin typeface="Aptos Narrow" panose="020B0004020202020204" pitchFamily="34" charset="0"/>
+                      </a:endParaRPr>
+                    </a:p>
+                  </a:txBody>
+                  <a:tcPr marL="9525" marR="9525" marT="9525" marB="0" anchor="b">
+                    <a:solidFill>
+                      <a:schemeClr val="accent1">
+                        <a:lumMod val="50000"/>
+                      </a:schemeClr>
+                    </a:solidFill>
+                  </a:tcPr>
+                </a:tc>
+                <a:tc>
+                  <a:txBody>
+                    <a:bodyPr/>
+                    <a:lstStyle/>
+                    <a:p>
+                      <a:pPr algn="r" fontAlgn="b"/>
+                      <a:r>
+                        <a:rPr lang="de-DE" sz="1400" u="none" strike="noStrike" dirty="0">
+                          <a:effectLst/>
+                        </a:rPr>
+                        <a:t>8</a:t>
+                      </a:r>
+                      <a:endParaRPr lang="de-DE" sz="1400" b="0" i="0" u="none" strike="noStrike" dirty="0">
+                        <a:solidFill>
+                          <a:srgbClr val="000000"/>
+                        </a:solidFill>
+                        <a:effectLst/>
+                        <a:latin typeface="Aptos Narrow" panose="020B0004020202020204" pitchFamily="34" charset="0"/>
+                      </a:endParaRPr>
+                    </a:p>
+                  </a:txBody>
+                  <a:tcPr marL="9525" marR="9525" marT="9525" marB="0" anchor="b">
+                    <a:solidFill>
+                      <a:schemeClr val="bg1">
+                        <a:lumMod val="65000"/>
+                        <a:lumOff val="35000"/>
+                      </a:schemeClr>
+                    </a:solidFill>
+                  </a:tcPr>
+                </a:tc>
+                <a:tc>
+                  <a:txBody>
+                    <a:bodyPr/>
+                    <a:lstStyle/>
+                    <a:p>
+                      <a:pPr algn="r" fontAlgn="b"/>
+                      <a:r>
+                        <a:rPr lang="de-DE" sz="1400" u="none" strike="noStrike" dirty="0">
+                          <a:effectLst/>
+                        </a:rPr>
+                        <a:t>10</a:t>
+                      </a:r>
+                      <a:endParaRPr lang="de-DE" sz="1400" b="0" i="0" u="none" strike="noStrike" dirty="0">
+                        <a:solidFill>
+                          <a:srgbClr val="000000"/>
+                        </a:solidFill>
+                        <a:effectLst/>
+                        <a:latin typeface="Aptos Narrow" panose="020B0004020202020204" pitchFamily="34" charset="0"/>
+                      </a:endParaRPr>
+                    </a:p>
+                  </a:txBody>
+                  <a:tcPr marL="9525" marR="9525" marT="9525" marB="0" anchor="b">
+                    <a:solidFill>
+                      <a:schemeClr val="accent1">
+                        <a:lumMod val="50000"/>
+                      </a:schemeClr>
+                    </a:solidFill>
+                  </a:tcPr>
+                </a:tc>
+                <a:extLst>
+                  <a:ext uri="{0D108BD9-81ED-4DB2-BD59-A6C34878D82A}">
+                    <a16:rowId xmlns:a16="http://schemas.microsoft.com/office/drawing/2014/main" val="1696011589"/>
+                  </a:ext>
+                </a:extLst>
+              </a:tr>
+              <a:tr h="384795">
+                <a:tc>
+                  <a:txBody>
+                    <a:bodyPr/>
+                    <a:lstStyle/>
+                    <a:p>
+                      <a:pPr algn="r" fontAlgn="b"/>
+                      <a:r>
+                        <a:rPr lang="de-DE" sz="1400" u="none" strike="noStrike" dirty="0">
+                          <a:effectLst/>
+                        </a:rPr>
+                        <a:t>3</a:t>
+                      </a:r>
+                      <a:endParaRPr lang="de-DE" sz="1400" b="0" i="0" u="none" strike="noStrike" dirty="0">
+                        <a:solidFill>
+                          <a:srgbClr val="000000"/>
+                        </a:solidFill>
+                        <a:effectLst/>
+                        <a:latin typeface="Aptos Narrow" panose="020B0004020202020204" pitchFamily="34" charset="0"/>
+                      </a:endParaRPr>
+                    </a:p>
+                  </a:txBody>
+                  <a:tcPr marL="9525" marR="9525" marT="9525" marB="0" anchor="b">
+                    <a:solidFill>
+                      <a:schemeClr val="bg1">
+                        <a:lumMod val="65000"/>
+                        <a:lumOff val="35000"/>
+                      </a:schemeClr>
+                    </a:solidFill>
+                  </a:tcPr>
+                </a:tc>
+                <a:tc>
+                  <a:txBody>
+                    <a:bodyPr/>
+                    <a:lstStyle/>
+                    <a:p>
+                      <a:pPr algn="r" fontAlgn="b"/>
+                      <a:r>
+                        <a:rPr lang="de-DE" sz="1400" u="none" strike="noStrike" dirty="0">
+                          <a:effectLst/>
+                        </a:rPr>
+                        <a:t>0,5</a:t>
+                      </a:r>
+                      <a:endParaRPr lang="de-DE" sz="1400" b="0" i="0" u="none" strike="noStrike" dirty="0">
+                        <a:solidFill>
+                          <a:srgbClr val="000000"/>
+                        </a:solidFill>
+                        <a:effectLst/>
+                        <a:latin typeface="Aptos Narrow" panose="020B0004020202020204" pitchFamily="34" charset="0"/>
+                      </a:endParaRPr>
+                    </a:p>
+                  </a:txBody>
+                  <a:tcPr marL="9525" marR="9525" marT="9525" marB="0" anchor="b">
+                    <a:solidFill>
+                      <a:schemeClr val="accent1">
+                        <a:lumMod val="50000"/>
+                      </a:schemeClr>
+                    </a:solidFill>
+                  </a:tcPr>
+                </a:tc>
+                <a:tc>
+                  <a:txBody>
+                    <a:bodyPr/>
+                    <a:lstStyle/>
+                    <a:p>
+                      <a:pPr algn="l" fontAlgn="b"/>
+                      <a:endParaRPr lang="de-DE" sz="1400" b="0" i="0" u="none" strike="noStrike" dirty="0">
+                        <a:solidFill>
+                          <a:srgbClr val="000000"/>
+                        </a:solidFill>
+                        <a:effectLst/>
+                        <a:latin typeface="Aptos Narrow" panose="020B0004020202020204" pitchFamily="34" charset="0"/>
+                      </a:endParaRPr>
+                    </a:p>
+                  </a:txBody>
+                  <a:tcPr marL="9525" marR="9525" marT="9525" marB="0" anchor="b">
+                    <a:solidFill>
+                      <a:schemeClr val="bg1">
+                        <a:lumMod val="65000"/>
+                        <a:lumOff val="35000"/>
+                      </a:schemeClr>
+                    </a:solidFill>
+                  </a:tcPr>
+                </a:tc>
+                <a:tc>
+                  <a:txBody>
+                    <a:bodyPr/>
+                    <a:lstStyle/>
+                    <a:p>
+                      <a:pPr algn="l" fontAlgn="b"/>
+                      <a:endParaRPr lang="de-DE" sz="1400" b="0" i="0" u="none" strike="noStrike" dirty="0">
+                        <a:solidFill>
+                          <a:srgbClr val="000000"/>
+                        </a:solidFill>
+                        <a:effectLst/>
+                        <a:latin typeface="Aptos Narrow" panose="020B0004020202020204" pitchFamily="34" charset="0"/>
+                      </a:endParaRPr>
+                    </a:p>
+                  </a:txBody>
+                  <a:tcPr marL="9525" marR="9525" marT="9525" marB="0" anchor="b">
+                    <a:solidFill>
+                      <a:schemeClr val="accent1">
+                        <a:lumMod val="50000"/>
+                      </a:schemeClr>
+                    </a:solidFill>
+                  </a:tcPr>
+                </a:tc>
+                <a:tc>
+                  <a:txBody>
+                    <a:bodyPr/>
+                    <a:lstStyle/>
+                    <a:p>
+                      <a:pPr algn="l" fontAlgn="b"/>
+                      <a:endParaRPr lang="de-DE" sz="1400" b="0" i="0" u="none" strike="noStrike" dirty="0">
+                        <a:solidFill>
+                          <a:srgbClr val="000000"/>
+                        </a:solidFill>
+                        <a:effectLst/>
+                        <a:latin typeface="Aptos Narrow" panose="020B0004020202020204" pitchFamily="34" charset="0"/>
+                      </a:endParaRPr>
+                    </a:p>
+                  </a:txBody>
+                  <a:tcPr marL="9525" marR="9525" marT="9525" marB="0" anchor="b">
+                    <a:solidFill>
+                      <a:schemeClr val="bg1">
+                        <a:lumMod val="65000"/>
+                        <a:lumOff val="35000"/>
+                      </a:schemeClr>
+                    </a:solidFill>
+                  </a:tcPr>
+                </a:tc>
+                <a:tc>
+                  <a:txBody>
+                    <a:bodyPr/>
+                    <a:lstStyle/>
+                    <a:p>
+                      <a:pPr algn="l" fontAlgn="b"/>
+                      <a:endParaRPr lang="de-DE" sz="1400" b="0" i="0" u="none" strike="noStrike" dirty="0">
+                        <a:solidFill>
+                          <a:srgbClr val="000000"/>
+                        </a:solidFill>
+                        <a:effectLst/>
+                        <a:latin typeface="Aptos Narrow" panose="020B0004020202020204" pitchFamily="34" charset="0"/>
+                      </a:endParaRPr>
+                    </a:p>
+                  </a:txBody>
+                  <a:tcPr marL="9525" marR="9525" marT="9525" marB="0" anchor="b">
+                    <a:solidFill>
+                      <a:schemeClr val="accent1">
+                        <a:lumMod val="50000"/>
+                      </a:schemeClr>
+                    </a:solidFill>
+                  </a:tcPr>
+                </a:tc>
+                <a:extLst>
+                  <a:ext uri="{0D108BD9-81ED-4DB2-BD59-A6C34878D82A}">
+                    <a16:rowId xmlns:a16="http://schemas.microsoft.com/office/drawing/2014/main" val="3814955850"/>
+                  </a:ext>
+                </a:extLst>
+              </a:tr>
+              <a:tr h="384795">
+                <a:tc>
+                  <a:txBody>
+                    <a:bodyPr/>
+                    <a:lstStyle/>
+                    <a:p>
+                      <a:pPr algn="r" fontAlgn="b"/>
+                      <a:r>
+                        <a:rPr lang="de-DE" sz="1400" b="1" u="none" strike="noStrike" kern="1200" dirty="0">
+                          <a:solidFill>
+                            <a:schemeClr val="tx1"/>
+                          </a:solidFill>
+                          <a:effectLst/>
+                          <a:latin typeface="+mn-lt"/>
+                          <a:ea typeface="+mn-ea"/>
+                          <a:cs typeface="+mn-cs"/>
+                        </a:rPr>
+                        <a:t>48,5</a:t>
+                      </a:r>
+                    </a:p>
+                  </a:txBody>
+                  <a:tcPr marL="9525" marR="9525" marT="9525" marB="0" anchor="b">
+                    <a:solidFill>
+                      <a:schemeClr val="bg1">
+                        <a:lumMod val="65000"/>
+                        <a:lumOff val="35000"/>
+                      </a:schemeClr>
+                    </a:solidFill>
+                  </a:tcPr>
+                </a:tc>
+                <a:tc>
+                  <a:txBody>
+                    <a:bodyPr/>
+                    <a:lstStyle/>
+                    <a:p>
+                      <a:pPr algn="r" fontAlgn="b"/>
+                      <a:r>
+                        <a:rPr lang="de-DE" sz="1400" b="1" u="none" strike="noStrike" kern="1200" dirty="0">
+                          <a:solidFill>
+                            <a:schemeClr val="tx1"/>
+                          </a:solidFill>
+                          <a:effectLst/>
+                          <a:latin typeface="+mn-lt"/>
+                          <a:ea typeface="+mn-ea"/>
+                          <a:cs typeface="+mn-cs"/>
+                        </a:rPr>
+                        <a:t>34</a:t>
+                      </a:r>
+                    </a:p>
+                  </a:txBody>
+                  <a:tcPr marL="9525" marR="9525" marT="9525" marB="0" anchor="b">
+                    <a:solidFill>
+                      <a:schemeClr val="accent1">
+                        <a:lumMod val="50000"/>
+                      </a:schemeClr>
+                    </a:solidFill>
+                  </a:tcPr>
+                </a:tc>
+                <a:tc>
+                  <a:txBody>
+                    <a:bodyPr/>
+                    <a:lstStyle/>
+                    <a:p>
+                      <a:pPr algn="r" fontAlgn="b"/>
+                      <a:r>
+                        <a:rPr lang="de-DE" sz="1400" b="1" u="none" strike="noStrike" kern="1200" dirty="0">
+                          <a:solidFill>
+                            <a:schemeClr val="tx1"/>
+                          </a:solidFill>
+                          <a:effectLst/>
+                          <a:latin typeface="+mn-lt"/>
+                          <a:ea typeface="+mn-ea"/>
+                          <a:cs typeface="+mn-cs"/>
+                        </a:rPr>
+                        <a:t>42</a:t>
+                      </a:r>
+                    </a:p>
+                  </a:txBody>
+                  <a:tcPr marL="9525" marR="9525" marT="9525" marB="0" anchor="b">
+                    <a:solidFill>
+                      <a:schemeClr val="bg1">
+                        <a:lumMod val="65000"/>
+                        <a:lumOff val="35000"/>
+                      </a:schemeClr>
+                    </a:solidFill>
+                  </a:tcPr>
+                </a:tc>
+                <a:tc>
+                  <a:txBody>
+                    <a:bodyPr/>
+                    <a:lstStyle/>
+                    <a:p>
+                      <a:pPr algn="r" fontAlgn="b"/>
+                      <a:r>
+                        <a:rPr lang="de-DE" sz="1400" b="1" u="none" strike="noStrike" kern="1200" dirty="0">
+                          <a:solidFill>
+                            <a:schemeClr val="tx1"/>
+                          </a:solidFill>
+                          <a:effectLst/>
+                          <a:latin typeface="+mn-lt"/>
+                          <a:ea typeface="+mn-ea"/>
+                          <a:cs typeface="+mn-cs"/>
+                        </a:rPr>
+                        <a:t>42</a:t>
+                      </a:r>
+                    </a:p>
+                  </a:txBody>
+                  <a:tcPr marL="9525" marR="9525" marT="9525" marB="0" anchor="b">
+                    <a:solidFill>
+                      <a:schemeClr val="accent1">
+                        <a:lumMod val="50000"/>
+                      </a:schemeClr>
+                    </a:solidFill>
+                  </a:tcPr>
+                </a:tc>
+                <a:tc>
+                  <a:txBody>
+                    <a:bodyPr/>
+                    <a:lstStyle/>
+                    <a:p>
+                      <a:pPr algn="r" fontAlgn="b"/>
+                      <a:r>
+                        <a:rPr lang="de-DE" sz="1400" b="1" u="none" strike="noStrike" kern="1200" dirty="0">
+                          <a:solidFill>
+                            <a:schemeClr val="tx1"/>
+                          </a:solidFill>
+                          <a:effectLst/>
+                          <a:latin typeface="+mn-lt"/>
+                          <a:ea typeface="+mn-ea"/>
+                          <a:cs typeface="+mn-cs"/>
+                        </a:rPr>
+                        <a:t>45</a:t>
+                      </a:r>
+                    </a:p>
+                  </a:txBody>
+                  <a:tcPr marL="9525" marR="9525" marT="9525" marB="0" anchor="b">
+                    <a:solidFill>
+                      <a:schemeClr val="bg1">
+                        <a:lumMod val="65000"/>
+                        <a:lumOff val="35000"/>
+                      </a:schemeClr>
+                    </a:solidFill>
+                  </a:tcPr>
+                </a:tc>
+                <a:tc>
+                  <a:txBody>
+                    <a:bodyPr/>
+                    <a:lstStyle/>
+                    <a:p>
+                      <a:pPr algn="r" fontAlgn="b"/>
+                      <a:r>
+                        <a:rPr lang="de-DE" sz="1400" b="1" u="none" strike="noStrike" kern="1200" dirty="0">
+                          <a:solidFill>
+                            <a:schemeClr val="tx1"/>
+                          </a:solidFill>
+                          <a:effectLst/>
+                          <a:latin typeface="+mn-lt"/>
+                          <a:ea typeface="+mn-ea"/>
+                          <a:cs typeface="+mn-cs"/>
+                        </a:rPr>
+                        <a:t>49</a:t>
+                      </a:r>
+                    </a:p>
+                  </a:txBody>
+                  <a:tcPr marL="9525" marR="9525" marT="9525" marB="0" anchor="b">
+                    <a:solidFill>
+                      <a:schemeClr val="accent1">
+                        <a:lumMod val="50000"/>
+                      </a:schemeClr>
+                    </a:solidFill>
+                  </a:tcPr>
+                </a:tc>
+                <a:extLst>
+                  <a:ext uri="{0D108BD9-81ED-4DB2-BD59-A6C34878D82A}">
+                    <a16:rowId xmlns:a16="http://schemas.microsoft.com/office/drawing/2014/main" val="635434354"/>
+                  </a:ext>
+                </a:extLst>
+              </a:tr>
+            </a:tbl>
+          </a:graphicData>
+        </a:graphic>
+      </p:graphicFrame>
+      <p:graphicFrame>
+        <p:nvGraphicFramePr>
+          <p:cNvPr id="6" name="Tabelle 5">
+            <a:extLst>
+              <a:ext uri="{FF2B5EF4-FFF2-40B4-BE49-F238E27FC236}">
+                <a16:creationId xmlns:a16="http://schemas.microsoft.com/office/drawing/2014/main" id="{1AA45841-6982-4260-FEE2-BC7003E63C1F}"/>
+              </a:ext>
+            </a:extLst>
+          </p:cNvPr>
+          <p:cNvGraphicFramePr>
+            <a:graphicFrameLocks noGrp="1"/>
+          </p:cNvGraphicFramePr>
+          <p:nvPr>
+            <p:extLst>
+              <p:ext uri="{D42A27DB-BD31-4B8C-83A1-F6EECF244321}">
+                <p14:modId xmlns:p14="http://schemas.microsoft.com/office/powerpoint/2010/main" val="1491603307"/>
+              </p:ext>
+            </p:extLst>
+          </p:nvPr>
+        </p:nvGraphicFramePr>
+        <p:xfrm>
+          <a:off x="514350" y="5765006"/>
+          <a:ext cx="1334466" cy="383072"/>
+        </p:xfrm>
+        <a:graphic>
+          <a:graphicData uri="http://schemas.openxmlformats.org/drawingml/2006/table">
+            <a:tbl>
+              <a:tblPr>
+                <a:tableStyleId>{5940675A-B579-460E-94D1-54222C63F5DA}</a:tableStyleId>
+              </a:tblPr>
+              <a:tblGrid>
+                <a:gridCol w="1334466">
+                  <a:extLst>
+                    <a:ext uri="{9D8B030D-6E8A-4147-A177-3AD203B41FA5}">
+                      <a16:colId xmlns:a16="http://schemas.microsoft.com/office/drawing/2014/main" val="2995477702"/>
+                    </a:ext>
+                  </a:extLst>
+                </a:gridCol>
+              </a:tblGrid>
+              <a:tr h="383072">
+                <a:tc>
+                  <a:txBody>
+                    <a:bodyPr/>
+                    <a:lstStyle/>
+                    <a:p>
+                      <a:pPr algn="ctr" fontAlgn="b"/>
+                      <a:r>
+                        <a:rPr lang="de-DE" sz="1400" b="1" u="none" strike="noStrike" dirty="0">
+                          <a:effectLst/>
+                        </a:rPr>
+                        <a:t>Gesamt</a:t>
+                      </a:r>
+                      <a:endParaRPr lang="de-DE" sz="1400" b="1" i="0" u="none" strike="noStrike" dirty="0">
+                        <a:solidFill>
+                          <a:srgbClr val="000000"/>
+                        </a:solidFill>
+                        <a:effectLst/>
+                        <a:latin typeface="Aptos Narrow" panose="020B0004020202020204" pitchFamily="34" charset="0"/>
+                      </a:endParaRPr>
+                    </a:p>
+                  </a:txBody>
+                  <a:tcPr marL="9525" marR="9525" marT="9525" marB="0" anchor="b"/>
+                </a:tc>
+                <a:extLst>
+                  <a:ext uri="{0D108BD9-81ED-4DB2-BD59-A6C34878D82A}">
+                    <a16:rowId xmlns:a16="http://schemas.microsoft.com/office/drawing/2014/main" val="2291776983"/>
+                  </a:ext>
+                </a:extLst>
+              </a:tr>
+            </a:tbl>
+          </a:graphicData>
+        </a:graphic>
+      </p:graphicFrame>
     </p:spTree>
     <p:extLst>
       <p:ext uri="{BB962C8B-B14F-4D97-AF65-F5344CB8AC3E}">
-        <p14:creationId xmlns:p14="http://schemas.microsoft.com/office/powerpoint/2010/main" val="855614268"/>
+        <p14:creationId xmlns:p14="http://schemas.microsoft.com/office/powerpoint/2010/main" val="2935499678"/>
       </p:ext>
     </p:extLst>
   </p:cSld>
@@ -7045,7 +9871,1458 @@
 </p:sld>
 </file>
 
-<file path=ppt/slides/slide12.xml><?xml version="1.0" encoding="utf-8"?>
+<file path=ppt/slides/slide6.xml><?xml version="1.0" encoding="utf-8"?>
+<p:sld xmlns:a="http://schemas.openxmlformats.org/drawingml/2006/main" xmlns:r="http://schemas.openxmlformats.org/officeDocument/2006/relationships" xmlns:p="http://schemas.openxmlformats.org/presentationml/2006/main">
+  <p:cSld>
+    <p:spTree>
+      <p:nvGrpSpPr>
+        <p:cNvPr id="1" name="">
+          <a:extLst>
+            <a:ext uri="{FF2B5EF4-FFF2-40B4-BE49-F238E27FC236}">
+              <a16:creationId xmlns:a16="http://schemas.microsoft.com/office/drawing/2014/main" id="{0B90CE2B-38AF-53AF-9DD2-AEA378726DF3}"/>
+            </a:ext>
+          </a:extLst>
+        </p:cNvPr>
+        <p:cNvGrpSpPr/>
+        <p:nvPr/>
+      </p:nvGrpSpPr>
+      <p:grpSpPr>
+        <a:xfrm>
+          <a:off x="0" y="0"/>
+          <a:ext cx="0" cy="0"/>
+          <a:chOff x="0" y="0"/>
+          <a:chExt cx="0" cy="0"/>
+        </a:xfrm>
+      </p:grpSpPr>
+      <p:sp>
+        <p:nvSpPr>
+          <p:cNvPr id="2" name="Titel 1">
+            <a:extLst>
+              <a:ext uri="{FF2B5EF4-FFF2-40B4-BE49-F238E27FC236}">
+                <a16:creationId xmlns:a16="http://schemas.microsoft.com/office/drawing/2014/main" id="{0D987677-AA59-F2D0-599D-02CB9C90A3D8}"/>
+              </a:ext>
+            </a:extLst>
+          </p:cNvPr>
+          <p:cNvSpPr>
+            <a:spLocks noGrp="1"/>
+          </p:cNvSpPr>
+          <p:nvPr>
+            <p:ph type="title"/>
+          </p:nvPr>
+        </p:nvSpPr>
+        <p:spPr/>
+        <p:txBody>
+          <a:bodyPr/>
+          <a:lstStyle/>
+          <a:p>
+            <a:r>
+              <a:rPr lang="de-DE" noProof="0"/>
+              <a:t>3. Retrospektive</a:t>
+            </a:r>
+            <a:endParaRPr lang="de-DE" dirty="0"/>
+          </a:p>
+        </p:txBody>
+      </p:sp>
+      <p:sp>
+        <p:nvSpPr>
+          <p:cNvPr id="7" name="Datumsplatzhalter 6">
+            <a:extLst>
+              <a:ext uri="{FF2B5EF4-FFF2-40B4-BE49-F238E27FC236}">
+                <a16:creationId xmlns:a16="http://schemas.microsoft.com/office/drawing/2014/main" id="{AD209DA2-7299-C07F-B3E6-253FED7321AB}"/>
+              </a:ext>
+            </a:extLst>
+          </p:cNvPr>
+          <p:cNvSpPr>
+            <a:spLocks noGrp="1"/>
+          </p:cNvSpPr>
+          <p:nvPr>
+            <p:ph type="dt" sz="half" idx="10"/>
+          </p:nvPr>
+        </p:nvSpPr>
+        <p:spPr/>
+        <p:txBody>
+          <a:bodyPr/>
+          <a:lstStyle/>
+          <a:p>
+            <a:fld id="{75919FF8-1369-4F22-8739-0971D22D8076}" type="datetime1">
+              <a:rPr lang="de-DE" smtClean="0"/>
+              <a:t>11.01.2025</a:t>
+            </a:fld>
+            <a:endParaRPr lang="en-US"/>
+          </a:p>
+        </p:txBody>
+      </p:sp>
+      <p:sp>
+        <p:nvSpPr>
+          <p:cNvPr id="8" name="Foliennummernplatzhalter 7">
+            <a:extLst>
+              <a:ext uri="{FF2B5EF4-FFF2-40B4-BE49-F238E27FC236}">
+                <a16:creationId xmlns:a16="http://schemas.microsoft.com/office/drawing/2014/main" id="{4100F722-68C6-3311-5117-8BCFC7D5F589}"/>
+              </a:ext>
+            </a:extLst>
+          </p:cNvPr>
+          <p:cNvSpPr>
+            <a:spLocks noGrp="1"/>
+          </p:cNvSpPr>
+          <p:nvPr>
+            <p:ph type="sldNum" sz="quarter" idx="12"/>
+          </p:nvPr>
+        </p:nvSpPr>
+        <p:spPr/>
+        <p:txBody>
+          <a:bodyPr/>
+          <a:lstStyle/>
+          <a:p>
+            <a:fld id="{07CE569E-9B7C-4CB9-AB80-C0841F922CFF}" type="slidenum">
+              <a:rPr lang="en-US" smtClean="0"/>
+              <a:t>6</a:t>
+            </a:fld>
+            <a:endParaRPr lang="en-US"/>
+          </a:p>
+        </p:txBody>
+      </p:sp>
+      <p:sp>
+        <p:nvSpPr>
+          <p:cNvPr id="18" name="Textfeld 17">
+            <a:extLst>
+              <a:ext uri="{FF2B5EF4-FFF2-40B4-BE49-F238E27FC236}">
+                <a16:creationId xmlns:a16="http://schemas.microsoft.com/office/drawing/2014/main" id="{EBF72CC2-4AE2-716C-58F2-282B1DFBB0E5}"/>
+              </a:ext>
+            </a:extLst>
+          </p:cNvPr>
+          <p:cNvSpPr txBox="1"/>
+          <p:nvPr/>
+        </p:nvSpPr>
+        <p:spPr>
+          <a:xfrm>
+            <a:off x="1225550" y="1847850"/>
+            <a:ext cx="5314950" cy="523220"/>
+          </a:xfrm>
+          <a:prstGeom prst="rect">
+            <a:avLst/>
+          </a:prstGeom>
+          <a:noFill/>
+        </p:spPr>
+        <p:txBody>
+          <a:bodyPr wrap="square" rtlCol="0">
+            <a:spAutoFit/>
+          </a:bodyPr>
+          <a:lstStyle/>
+          <a:p>
+            <a:r>
+              <a:rPr lang="de-DE" sz="2800" noProof="0"/>
+              <a:t>1. Stunden</a:t>
+            </a:r>
+            <a:endParaRPr lang="de-DE" sz="2800" dirty="0"/>
+          </a:p>
+        </p:txBody>
+      </p:sp>
+      <p:graphicFrame>
+        <p:nvGraphicFramePr>
+          <p:cNvPr id="5" name="Tabelle 4">
+            <a:extLst>
+              <a:ext uri="{FF2B5EF4-FFF2-40B4-BE49-F238E27FC236}">
+                <a16:creationId xmlns:a16="http://schemas.microsoft.com/office/drawing/2014/main" id="{F8D8D3B0-85E3-528B-943D-A7042A463B7E}"/>
+              </a:ext>
+            </a:extLst>
+          </p:cNvPr>
+          <p:cNvGraphicFramePr>
+            <a:graphicFrameLocks noGrp="1"/>
+          </p:cNvGraphicFramePr>
+          <p:nvPr>
+            <p:extLst>
+              <p:ext uri="{D42A27DB-BD31-4B8C-83A1-F6EECF244321}">
+                <p14:modId xmlns:p14="http://schemas.microsoft.com/office/powerpoint/2010/main" val="4172833349"/>
+              </p:ext>
+            </p:extLst>
+          </p:nvPr>
+        </p:nvGraphicFramePr>
+        <p:xfrm>
+          <a:off x="1560830" y="2787593"/>
+          <a:ext cx="2831456" cy="1168513"/>
+        </p:xfrm>
+        <a:graphic>
+          <a:graphicData uri="http://schemas.openxmlformats.org/drawingml/2006/table">
+            <a:tbl>
+              <a:tblPr>
+                <a:tableStyleId>{5940675A-B579-460E-94D1-54222C63F5DA}</a:tableStyleId>
+              </a:tblPr>
+              <a:tblGrid>
+                <a:gridCol w="1415728">
+                  <a:extLst>
+                    <a:ext uri="{9D8B030D-6E8A-4147-A177-3AD203B41FA5}">
+                      <a16:colId xmlns:a16="http://schemas.microsoft.com/office/drawing/2014/main" val="2995477702"/>
+                    </a:ext>
+                  </a:extLst>
+                </a:gridCol>
+                <a:gridCol w="1415728">
+                  <a:extLst>
+                    <a:ext uri="{9D8B030D-6E8A-4147-A177-3AD203B41FA5}">
+                      <a16:colId xmlns:a16="http://schemas.microsoft.com/office/drawing/2014/main" val="710254781"/>
+                    </a:ext>
+                  </a:extLst>
+                </a:gridCol>
+              </a:tblGrid>
+              <a:tr h="398923">
+                <a:tc gridSpan="2">
+                  <a:txBody>
+                    <a:bodyPr/>
+                    <a:lstStyle/>
+                    <a:p>
+                      <a:pPr algn="ctr" fontAlgn="b"/>
+                      <a:r>
+                        <a:rPr lang="de-DE" sz="1400" b="1" u="none" strike="noStrike" kern="1200" dirty="0">
+                          <a:solidFill>
+                            <a:schemeClr val="tx1"/>
+                          </a:solidFill>
+                          <a:effectLst/>
+                          <a:latin typeface="+mn-lt"/>
+                          <a:ea typeface="+mn-ea"/>
+                          <a:cs typeface="+mn-cs"/>
+                        </a:rPr>
+                        <a:t>Total</a:t>
+                      </a:r>
+                    </a:p>
+                  </a:txBody>
+                  <a:tcPr marL="9525" marR="9525" marT="9525" marB="0" anchor="b"/>
+                </a:tc>
+                <a:tc hMerge="1">
+                  <a:txBody>
+                    <a:bodyPr/>
+                    <a:lstStyle/>
+                    <a:p>
+                      <a:endParaRPr lang="de-DE"/>
+                    </a:p>
+                  </a:txBody>
+                  <a:tcPr/>
+                </a:tc>
+                <a:extLst>
+                  <a:ext uri="{0D108BD9-81ED-4DB2-BD59-A6C34878D82A}">
+                    <a16:rowId xmlns:a16="http://schemas.microsoft.com/office/drawing/2014/main" val="2291776983"/>
+                  </a:ext>
+                </a:extLst>
+              </a:tr>
+              <a:tr h="384795">
+                <a:tc>
+                  <a:txBody>
+                    <a:bodyPr/>
+                    <a:lstStyle/>
+                    <a:p>
+                      <a:pPr algn="l" fontAlgn="b"/>
+                      <a:r>
+                        <a:rPr lang="de-DE" sz="1400" b="1" u="none" strike="noStrike" kern="1200" dirty="0">
+                          <a:solidFill>
+                            <a:schemeClr val="tx1"/>
+                          </a:solidFill>
+                          <a:effectLst/>
+                          <a:latin typeface="+mn-lt"/>
+                          <a:ea typeface="+mn-ea"/>
+                          <a:cs typeface="+mn-cs"/>
+                        </a:rPr>
+                        <a:t>Geschätzt</a:t>
+                      </a:r>
+                    </a:p>
+                  </a:txBody>
+                  <a:tcPr marL="9525" marR="9525" marT="9525" marB="0" anchor="b">
+                    <a:solidFill>
+                      <a:schemeClr val="bg1">
+                        <a:lumMod val="65000"/>
+                        <a:lumOff val="35000"/>
+                      </a:schemeClr>
+                    </a:solidFill>
+                  </a:tcPr>
+                </a:tc>
+                <a:tc>
+                  <a:txBody>
+                    <a:bodyPr/>
+                    <a:lstStyle/>
+                    <a:p>
+                      <a:pPr algn="l" fontAlgn="b"/>
+                      <a:r>
+                        <a:rPr lang="de-DE" sz="1400" b="1" u="none" strike="noStrike" kern="1200" dirty="0">
+                          <a:solidFill>
+                            <a:schemeClr val="tx1"/>
+                          </a:solidFill>
+                          <a:effectLst/>
+                          <a:latin typeface="+mn-lt"/>
+                          <a:ea typeface="+mn-ea"/>
+                          <a:cs typeface="+mn-cs"/>
+                        </a:rPr>
+                        <a:t>Tatsächlich</a:t>
+                      </a:r>
+                    </a:p>
+                  </a:txBody>
+                  <a:tcPr marL="9525" marR="9525" marT="9525" marB="0" anchor="b">
+                    <a:solidFill>
+                      <a:schemeClr val="accent1">
+                        <a:lumMod val="50000"/>
+                      </a:schemeClr>
+                    </a:solidFill>
+                  </a:tcPr>
+                </a:tc>
+                <a:extLst>
+                  <a:ext uri="{0D108BD9-81ED-4DB2-BD59-A6C34878D82A}">
+                    <a16:rowId xmlns:a16="http://schemas.microsoft.com/office/drawing/2014/main" val="1061886808"/>
+                  </a:ext>
+                </a:extLst>
+              </a:tr>
+              <a:tr h="384795">
+                <a:tc>
+                  <a:txBody>
+                    <a:bodyPr/>
+                    <a:lstStyle/>
+                    <a:p>
+                      <a:pPr algn="r" fontAlgn="b"/>
+                      <a:r>
+                        <a:rPr lang="de-DE" sz="1400" u="none" strike="noStrike" kern="1200" dirty="0">
+                          <a:solidFill>
+                            <a:schemeClr val="tx1"/>
+                          </a:solidFill>
+                          <a:effectLst/>
+                          <a:latin typeface="+mn-lt"/>
+                          <a:ea typeface="+mn-ea"/>
+                          <a:cs typeface="+mn-cs"/>
+                        </a:rPr>
+                        <a:t>135,5</a:t>
+                      </a:r>
+                    </a:p>
+                  </a:txBody>
+                  <a:tcPr marL="9525" marR="9525" marT="9525" marB="0" anchor="b">
+                    <a:solidFill>
+                      <a:schemeClr val="bg1">
+                        <a:lumMod val="65000"/>
+                        <a:lumOff val="35000"/>
+                      </a:schemeClr>
+                    </a:solidFill>
+                  </a:tcPr>
+                </a:tc>
+                <a:tc>
+                  <a:txBody>
+                    <a:bodyPr/>
+                    <a:lstStyle/>
+                    <a:p>
+                      <a:pPr algn="r" fontAlgn="b"/>
+                      <a:r>
+                        <a:rPr lang="de-DE" sz="1400" u="none" strike="noStrike" kern="1200" dirty="0">
+                          <a:solidFill>
+                            <a:schemeClr val="tx1"/>
+                          </a:solidFill>
+                          <a:effectLst/>
+                          <a:latin typeface="+mn-lt"/>
+                          <a:ea typeface="+mn-ea"/>
+                          <a:cs typeface="+mn-cs"/>
+                        </a:rPr>
+                        <a:t>125</a:t>
+                      </a:r>
+                    </a:p>
+                  </a:txBody>
+                  <a:tcPr marL="9525" marR="9525" marT="9525" marB="0" anchor="b">
+                    <a:solidFill>
+                      <a:schemeClr val="accent1">
+                        <a:lumMod val="50000"/>
+                      </a:schemeClr>
+                    </a:solidFill>
+                  </a:tcPr>
+                </a:tc>
+                <a:extLst>
+                  <a:ext uri="{0D108BD9-81ED-4DB2-BD59-A6C34878D82A}">
+                    <a16:rowId xmlns:a16="http://schemas.microsoft.com/office/drawing/2014/main" val="1307858597"/>
+                  </a:ext>
+                </a:extLst>
+              </a:tr>
+            </a:tbl>
+          </a:graphicData>
+        </a:graphic>
+      </p:graphicFrame>
+      <p:graphicFrame>
+        <p:nvGraphicFramePr>
+          <p:cNvPr id="13" name="Diagramm 12">
+            <a:extLst>
+              <a:ext uri="{FF2B5EF4-FFF2-40B4-BE49-F238E27FC236}">
+                <a16:creationId xmlns:a16="http://schemas.microsoft.com/office/drawing/2014/main" id="{94200C6D-30D7-7163-0DB8-D7C07AFFEEBD}"/>
+              </a:ext>
+            </a:extLst>
+          </p:cNvPr>
+          <p:cNvGraphicFramePr/>
+          <p:nvPr>
+            <p:extLst>
+              <p:ext uri="{D42A27DB-BD31-4B8C-83A1-F6EECF244321}">
+                <p14:modId xmlns:p14="http://schemas.microsoft.com/office/powerpoint/2010/main" val="3033955625"/>
+              </p:ext>
+            </p:extLst>
+          </p:nvPr>
+        </p:nvGraphicFramePr>
+        <p:xfrm>
+          <a:off x="5212080" y="2179320"/>
+          <a:ext cx="4945380" cy="3802379"/>
+        </p:xfrm>
+        <a:graphic>
+          <a:graphicData uri="http://schemas.openxmlformats.org/drawingml/2006/chart">
+            <c:chart xmlns:c="http://schemas.openxmlformats.org/drawingml/2006/chart" xmlns:r="http://schemas.openxmlformats.org/officeDocument/2006/relationships" r:id="rId3"/>
+          </a:graphicData>
+        </a:graphic>
+      </p:graphicFrame>
+    </p:spTree>
+    <p:extLst>
+      <p:ext uri="{BB962C8B-B14F-4D97-AF65-F5344CB8AC3E}">
+        <p14:creationId xmlns:p14="http://schemas.microsoft.com/office/powerpoint/2010/main" val="1046366160"/>
+      </p:ext>
+    </p:extLst>
+  </p:cSld>
+  <p:clrMapOvr>
+    <a:masterClrMapping/>
+  </p:clrMapOvr>
+</p:sld>
+</file>
+
+<file path=ppt/slides/slide7.xml><?xml version="1.0" encoding="utf-8"?>
+<p:sld xmlns:a="http://schemas.openxmlformats.org/drawingml/2006/main" xmlns:r="http://schemas.openxmlformats.org/officeDocument/2006/relationships" xmlns:p="http://schemas.openxmlformats.org/presentationml/2006/main">
+  <p:cSld>
+    <p:spTree>
+      <p:nvGrpSpPr>
+        <p:cNvPr id="1" name="">
+          <a:extLst>
+            <a:ext uri="{FF2B5EF4-FFF2-40B4-BE49-F238E27FC236}">
+              <a16:creationId xmlns:a16="http://schemas.microsoft.com/office/drawing/2014/main" id="{E7C17AEB-6D71-4999-917C-3312894401E9}"/>
+            </a:ext>
+          </a:extLst>
+        </p:cNvPr>
+        <p:cNvGrpSpPr/>
+        <p:nvPr/>
+      </p:nvGrpSpPr>
+      <p:grpSpPr>
+        <a:xfrm>
+          <a:off x="0" y="0"/>
+          <a:ext cx="0" cy="0"/>
+          <a:chOff x="0" y="0"/>
+          <a:chExt cx="0" cy="0"/>
+        </a:xfrm>
+      </p:grpSpPr>
+      <p:sp>
+        <p:nvSpPr>
+          <p:cNvPr id="2" name="Titel 1">
+            <a:extLst>
+              <a:ext uri="{FF2B5EF4-FFF2-40B4-BE49-F238E27FC236}">
+                <a16:creationId xmlns:a16="http://schemas.microsoft.com/office/drawing/2014/main" id="{793C8BAD-6795-CEE3-A039-3CD781B20123}"/>
+              </a:ext>
+            </a:extLst>
+          </p:cNvPr>
+          <p:cNvSpPr>
+            <a:spLocks noGrp="1"/>
+          </p:cNvSpPr>
+          <p:nvPr>
+            <p:ph type="title"/>
+          </p:nvPr>
+        </p:nvSpPr>
+        <p:spPr/>
+        <p:txBody>
+          <a:bodyPr/>
+          <a:lstStyle/>
+          <a:p>
+            <a:r>
+              <a:rPr lang="de-DE" noProof="0" dirty="0"/>
+              <a:t>3. Retrospektive</a:t>
+            </a:r>
+            <a:endParaRPr lang="de-DE" dirty="0"/>
+          </a:p>
+        </p:txBody>
+      </p:sp>
+      <p:sp>
+        <p:nvSpPr>
+          <p:cNvPr id="7" name="Datumsplatzhalter 6">
+            <a:extLst>
+              <a:ext uri="{FF2B5EF4-FFF2-40B4-BE49-F238E27FC236}">
+                <a16:creationId xmlns:a16="http://schemas.microsoft.com/office/drawing/2014/main" id="{5B27EE52-AFEF-8088-3BFC-629A5DB99B97}"/>
+              </a:ext>
+            </a:extLst>
+          </p:cNvPr>
+          <p:cNvSpPr>
+            <a:spLocks noGrp="1"/>
+          </p:cNvSpPr>
+          <p:nvPr>
+            <p:ph type="dt" sz="half" idx="10"/>
+          </p:nvPr>
+        </p:nvSpPr>
+        <p:spPr/>
+        <p:txBody>
+          <a:bodyPr/>
+          <a:lstStyle/>
+          <a:p>
+            <a:fld id="{75919FF8-1369-4F22-8739-0971D22D8076}" type="datetime1">
+              <a:rPr lang="de-DE" smtClean="0"/>
+              <a:t>11.01.2025</a:t>
+            </a:fld>
+            <a:endParaRPr lang="en-US"/>
+          </a:p>
+        </p:txBody>
+      </p:sp>
+      <p:sp>
+        <p:nvSpPr>
+          <p:cNvPr id="8" name="Foliennummernplatzhalter 7">
+            <a:extLst>
+              <a:ext uri="{FF2B5EF4-FFF2-40B4-BE49-F238E27FC236}">
+                <a16:creationId xmlns:a16="http://schemas.microsoft.com/office/drawing/2014/main" id="{FABAD064-ACC8-91FD-EB64-48D526FC7EB5}"/>
+              </a:ext>
+            </a:extLst>
+          </p:cNvPr>
+          <p:cNvSpPr>
+            <a:spLocks noGrp="1"/>
+          </p:cNvSpPr>
+          <p:nvPr>
+            <p:ph type="sldNum" sz="quarter" idx="12"/>
+          </p:nvPr>
+        </p:nvSpPr>
+        <p:spPr/>
+        <p:txBody>
+          <a:bodyPr/>
+          <a:lstStyle/>
+          <a:p>
+            <a:fld id="{07CE569E-9B7C-4CB9-AB80-C0841F922CFF}" type="slidenum">
+              <a:rPr lang="en-US" smtClean="0"/>
+              <a:t>7</a:t>
+            </a:fld>
+            <a:endParaRPr lang="en-US"/>
+          </a:p>
+        </p:txBody>
+      </p:sp>
+      <p:sp>
+        <p:nvSpPr>
+          <p:cNvPr id="18" name="Textfeld 17">
+            <a:extLst>
+              <a:ext uri="{FF2B5EF4-FFF2-40B4-BE49-F238E27FC236}">
+                <a16:creationId xmlns:a16="http://schemas.microsoft.com/office/drawing/2014/main" id="{C6389866-A467-73D9-5966-D2C436766646}"/>
+              </a:ext>
+            </a:extLst>
+          </p:cNvPr>
+          <p:cNvSpPr txBox="1"/>
+          <p:nvPr/>
+        </p:nvSpPr>
+        <p:spPr>
+          <a:xfrm>
+            <a:off x="1225550" y="1847850"/>
+            <a:ext cx="5314950" cy="523220"/>
+          </a:xfrm>
+          <a:prstGeom prst="rect">
+            <a:avLst/>
+          </a:prstGeom>
+          <a:noFill/>
+        </p:spPr>
+        <p:txBody>
+          <a:bodyPr wrap="square" rtlCol="0">
+            <a:spAutoFit/>
+          </a:bodyPr>
+          <a:lstStyle/>
+          <a:p>
+            <a:r>
+              <a:rPr lang="de-DE" sz="2800" dirty="0"/>
+              <a:t>2</a:t>
+            </a:r>
+            <a:r>
+              <a:rPr lang="de-DE" sz="2800" noProof="0" dirty="0"/>
+              <a:t>. Bewertung</a:t>
+            </a:r>
+            <a:endParaRPr lang="de-DE" sz="2800" dirty="0"/>
+          </a:p>
+        </p:txBody>
+      </p:sp>
+      <p:graphicFrame>
+        <p:nvGraphicFramePr>
+          <p:cNvPr id="4" name="Tabelle 3">
+            <a:extLst>
+              <a:ext uri="{FF2B5EF4-FFF2-40B4-BE49-F238E27FC236}">
+                <a16:creationId xmlns:a16="http://schemas.microsoft.com/office/drawing/2014/main" id="{FEA0E701-EF9E-2CCF-F56A-4E16CBE7B564}"/>
+              </a:ext>
+            </a:extLst>
+          </p:cNvPr>
+          <p:cNvGraphicFramePr>
+            <a:graphicFrameLocks noGrp="1"/>
+          </p:cNvGraphicFramePr>
+          <p:nvPr>
+            <p:extLst>
+              <p:ext uri="{D42A27DB-BD31-4B8C-83A1-F6EECF244321}">
+                <p14:modId xmlns:p14="http://schemas.microsoft.com/office/powerpoint/2010/main" val="4015923755"/>
+              </p:ext>
+            </p:extLst>
+          </p:nvPr>
+        </p:nvGraphicFramePr>
+        <p:xfrm>
+          <a:off x="2001520" y="2646660"/>
+          <a:ext cx="5085080" cy="741680"/>
+        </p:xfrm>
+        <a:graphic>
+          <a:graphicData uri="http://schemas.openxmlformats.org/drawingml/2006/table">
+            <a:tbl>
+              <a:tblPr firstRow="1" bandRow="1">
+                <a:tableStyleId>{69CF1AB2-1976-4502-BF36-3FF5EA218861}</a:tableStyleId>
+              </a:tblPr>
+              <a:tblGrid>
+                <a:gridCol w="3576320">
+                  <a:extLst>
+                    <a:ext uri="{9D8B030D-6E8A-4147-A177-3AD203B41FA5}">
+                      <a16:colId xmlns:a16="http://schemas.microsoft.com/office/drawing/2014/main" val="2207168074"/>
+                    </a:ext>
+                  </a:extLst>
+                </a:gridCol>
+                <a:gridCol w="1508760">
+                  <a:extLst>
+                    <a:ext uri="{9D8B030D-6E8A-4147-A177-3AD203B41FA5}">
+                      <a16:colId xmlns:a16="http://schemas.microsoft.com/office/drawing/2014/main" val="2714022376"/>
+                    </a:ext>
+                  </a:extLst>
+                </a:gridCol>
+              </a:tblGrid>
+              <a:tr h="370840">
+                <a:tc>
+                  <a:txBody>
+                    <a:bodyPr/>
+                    <a:lstStyle/>
+                    <a:p>
+                      <a:r>
+                        <a:rPr lang="en-US" b="0" dirty="0" err="1">
+                          <a:solidFill>
+                            <a:schemeClr val="bg1">
+                              <a:lumMod val="75000"/>
+                              <a:lumOff val="25000"/>
+                            </a:schemeClr>
+                          </a:solidFill>
+                        </a:rPr>
+                        <a:t>Aufgaben</a:t>
+                      </a:r>
+                      <a:r>
+                        <a:rPr lang="en-US" b="0" dirty="0">
+                          <a:solidFill>
+                            <a:schemeClr val="bg1">
+                              <a:lumMod val="75000"/>
+                              <a:lumOff val="25000"/>
+                            </a:schemeClr>
+                          </a:solidFill>
+                        </a:rPr>
+                        <a:t> </a:t>
+                      </a:r>
+                      <a:r>
+                        <a:rPr lang="en-US" b="0" dirty="0" err="1">
+                          <a:solidFill>
+                            <a:schemeClr val="bg1">
+                              <a:lumMod val="75000"/>
+                              <a:lumOff val="25000"/>
+                            </a:schemeClr>
+                          </a:solidFill>
+                        </a:rPr>
+                        <a:t>vorgenommen</a:t>
+                      </a:r>
+                      <a:endParaRPr lang="de-DE" b="0" dirty="0">
+                        <a:solidFill>
+                          <a:schemeClr val="bg1">
+                            <a:lumMod val="75000"/>
+                            <a:lumOff val="25000"/>
+                          </a:schemeClr>
+                        </a:solidFill>
+                      </a:endParaRPr>
+                    </a:p>
+                  </a:txBody>
+                  <a:tcPr/>
+                </a:tc>
+                <a:tc>
+                  <a:txBody>
+                    <a:bodyPr/>
+                    <a:lstStyle/>
+                    <a:p>
+                      <a:r>
+                        <a:rPr lang="en-US" b="0" dirty="0">
+                          <a:solidFill>
+                            <a:schemeClr val="bg1">
+                              <a:lumMod val="75000"/>
+                              <a:lumOff val="25000"/>
+                            </a:schemeClr>
+                          </a:solidFill>
+                        </a:rPr>
+                        <a:t>17</a:t>
+                      </a:r>
+                      <a:endParaRPr lang="de-DE" b="0" dirty="0">
+                        <a:solidFill>
+                          <a:schemeClr val="bg1">
+                            <a:lumMod val="75000"/>
+                            <a:lumOff val="25000"/>
+                          </a:schemeClr>
+                        </a:solidFill>
+                      </a:endParaRPr>
+                    </a:p>
+                  </a:txBody>
+                  <a:tcPr/>
+                </a:tc>
+                <a:extLst>
+                  <a:ext uri="{0D108BD9-81ED-4DB2-BD59-A6C34878D82A}">
+                    <a16:rowId xmlns:a16="http://schemas.microsoft.com/office/drawing/2014/main" val="3891948981"/>
+                  </a:ext>
+                </a:extLst>
+              </a:tr>
+              <a:tr h="370840">
+                <a:tc>
+                  <a:txBody>
+                    <a:bodyPr/>
+                    <a:lstStyle/>
+                    <a:p>
+                      <a:r>
+                        <a:rPr lang="en-US" b="0" dirty="0" err="1">
+                          <a:solidFill>
+                            <a:schemeClr val="bg1">
+                              <a:lumMod val="75000"/>
+                              <a:lumOff val="25000"/>
+                            </a:schemeClr>
+                          </a:solidFill>
+                        </a:rPr>
+                        <a:t>Aufgaben</a:t>
+                      </a:r>
+                      <a:r>
+                        <a:rPr lang="en-US" b="0" dirty="0">
+                          <a:solidFill>
+                            <a:schemeClr val="bg1">
+                              <a:lumMod val="75000"/>
+                              <a:lumOff val="25000"/>
+                            </a:schemeClr>
+                          </a:solidFill>
+                        </a:rPr>
+                        <a:t> </a:t>
+                      </a:r>
+                      <a:r>
+                        <a:rPr lang="en-US" b="0" dirty="0" err="1">
+                          <a:solidFill>
+                            <a:schemeClr val="bg1">
+                              <a:lumMod val="75000"/>
+                              <a:lumOff val="25000"/>
+                            </a:schemeClr>
+                          </a:solidFill>
+                        </a:rPr>
+                        <a:t>erledigt</a:t>
+                      </a:r>
+                      <a:endParaRPr lang="de-DE" b="0" dirty="0">
+                        <a:solidFill>
+                          <a:schemeClr val="bg1">
+                            <a:lumMod val="75000"/>
+                            <a:lumOff val="25000"/>
+                          </a:schemeClr>
+                        </a:solidFill>
+                      </a:endParaRPr>
+                    </a:p>
+                  </a:txBody>
+                  <a:tcPr/>
+                </a:tc>
+                <a:tc>
+                  <a:txBody>
+                    <a:bodyPr/>
+                    <a:lstStyle/>
+                    <a:p>
+                      <a:r>
+                        <a:rPr lang="en-US" b="0" dirty="0">
+                          <a:solidFill>
+                            <a:schemeClr val="bg1">
+                              <a:lumMod val="75000"/>
+                              <a:lumOff val="25000"/>
+                            </a:schemeClr>
+                          </a:solidFill>
+                        </a:rPr>
+                        <a:t>16</a:t>
+                      </a:r>
+                      <a:endParaRPr lang="de-DE" b="0" dirty="0">
+                        <a:solidFill>
+                          <a:schemeClr val="bg1">
+                            <a:lumMod val="75000"/>
+                            <a:lumOff val="25000"/>
+                          </a:schemeClr>
+                        </a:solidFill>
+                      </a:endParaRPr>
+                    </a:p>
+                  </a:txBody>
+                  <a:tcPr/>
+                </a:tc>
+                <a:extLst>
+                  <a:ext uri="{0D108BD9-81ED-4DB2-BD59-A6C34878D82A}">
+                    <a16:rowId xmlns:a16="http://schemas.microsoft.com/office/drawing/2014/main" val="622447621"/>
+                  </a:ext>
+                </a:extLst>
+              </a:tr>
+            </a:tbl>
+          </a:graphicData>
+        </a:graphic>
+      </p:graphicFrame>
+      <p:graphicFrame>
+        <p:nvGraphicFramePr>
+          <p:cNvPr id="5" name="Tabelle 4">
+            <a:extLst>
+              <a:ext uri="{FF2B5EF4-FFF2-40B4-BE49-F238E27FC236}">
+                <a16:creationId xmlns:a16="http://schemas.microsoft.com/office/drawing/2014/main" id="{8F35EC9F-9D23-061C-71FD-2BB9B35A7F6F}"/>
+              </a:ext>
+            </a:extLst>
+          </p:cNvPr>
+          <p:cNvGraphicFramePr>
+            <a:graphicFrameLocks noGrp="1"/>
+          </p:cNvGraphicFramePr>
+          <p:nvPr>
+            <p:extLst>
+              <p:ext uri="{D42A27DB-BD31-4B8C-83A1-F6EECF244321}">
+                <p14:modId xmlns:p14="http://schemas.microsoft.com/office/powerpoint/2010/main" val="4084869597"/>
+              </p:ext>
+            </p:extLst>
+          </p:nvPr>
+        </p:nvGraphicFramePr>
+        <p:xfrm>
+          <a:off x="2001520" y="3838575"/>
+          <a:ext cx="3721100" cy="741680"/>
+        </p:xfrm>
+        <a:graphic>
+          <a:graphicData uri="http://schemas.openxmlformats.org/drawingml/2006/table">
+            <a:tbl>
+              <a:tblPr firstRow="1" bandRow="1">
+                <a:tableStyleId>{5C22544A-7EE6-4342-B048-85BDC9FD1C3A}</a:tableStyleId>
+              </a:tblPr>
+              <a:tblGrid>
+                <a:gridCol w="3721100">
+                  <a:extLst>
+                    <a:ext uri="{9D8B030D-6E8A-4147-A177-3AD203B41FA5}">
+                      <a16:colId xmlns:a16="http://schemas.microsoft.com/office/drawing/2014/main" val="708865077"/>
+                    </a:ext>
+                  </a:extLst>
+                </a:gridCol>
+              </a:tblGrid>
+              <a:tr h="370840">
+                <a:tc>
+                  <a:txBody>
+                    <a:bodyPr/>
+                    <a:lstStyle/>
+                    <a:p>
+                      <a:r>
+                        <a:rPr lang="en-US" dirty="0" err="1"/>
+                        <a:t>Nicht</a:t>
+                      </a:r>
+                      <a:r>
+                        <a:rPr lang="en-US" dirty="0"/>
+                        <a:t> </a:t>
+                      </a:r>
+                      <a:r>
+                        <a:rPr lang="en-US" dirty="0" err="1"/>
+                        <a:t>absolvierte</a:t>
+                      </a:r>
+                      <a:r>
+                        <a:rPr lang="en-US" dirty="0"/>
+                        <a:t> Tasks</a:t>
+                      </a:r>
+                      <a:endParaRPr lang="de-DE" dirty="0"/>
+                    </a:p>
+                  </a:txBody>
+                  <a:tcPr/>
+                </a:tc>
+                <a:extLst>
+                  <a:ext uri="{0D108BD9-81ED-4DB2-BD59-A6C34878D82A}">
+                    <a16:rowId xmlns:a16="http://schemas.microsoft.com/office/drawing/2014/main" val="750385328"/>
+                  </a:ext>
+                </a:extLst>
+              </a:tr>
+              <a:tr h="370840">
+                <a:tc>
+                  <a:txBody>
+                    <a:bodyPr/>
+                    <a:lstStyle/>
+                    <a:p>
+                      <a:r>
+                        <a:rPr lang="en-US" dirty="0"/>
+                        <a:t>Hosting</a:t>
+                      </a:r>
+                      <a:endParaRPr lang="de-DE" dirty="0"/>
+                    </a:p>
+                  </a:txBody>
+                  <a:tcPr/>
+                </a:tc>
+                <a:extLst>
+                  <a:ext uri="{0D108BD9-81ED-4DB2-BD59-A6C34878D82A}">
+                    <a16:rowId xmlns:a16="http://schemas.microsoft.com/office/drawing/2014/main" val="4038577521"/>
+                  </a:ext>
+                </a:extLst>
+              </a:tr>
+            </a:tbl>
+          </a:graphicData>
+        </a:graphic>
+      </p:graphicFrame>
+    </p:spTree>
+    <p:extLst>
+      <p:ext uri="{BB962C8B-B14F-4D97-AF65-F5344CB8AC3E}">
+        <p14:creationId xmlns:p14="http://schemas.microsoft.com/office/powerpoint/2010/main" val="617946276"/>
+      </p:ext>
+    </p:extLst>
+  </p:cSld>
+  <p:clrMapOvr>
+    <a:masterClrMapping/>
+  </p:clrMapOvr>
+</p:sld>
+</file>
+
+<file path=ppt/slides/slide8.xml><?xml version="1.0" encoding="utf-8"?>
+<p:sld xmlns:a="http://schemas.openxmlformats.org/drawingml/2006/main" xmlns:r="http://schemas.openxmlformats.org/officeDocument/2006/relationships" xmlns:p="http://schemas.openxmlformats.org/presentationml/2006/main">
+  <p:cSld>
+    <p:spTree>
+      <p:nvGrpSpPr>
+        <p:cNvPr id="1" name="">
+          <a:extLst>
+            <a:ext uri="{FF2B5EF4-FFF2-40B4-BE49-F238E27FC236}">
+              <a16:creationId xmlns:a16="http://schemas.microsoft.com/office/drawing/2014/main" id="{50A40806-F29C-78D2-A232-48184C108CCE}"/>
+            </a:ext>
+          </a:extLst>
+        </p:cNvPr>
+        <p:cNvGrpSpPr/>
+        <p:nvPr/>
+      </p:nvGrpSpPr>
+      <p:grpSpPr>
+        <a:xfrm>
+          <a:off x="0" y="0"/>
+          <a:ext cx="0" cy="0"/>
+          <a:chOff x="0" y="0"/>
+          <a:chExt cx="0" cy="0"/>
+        </a:xfrm>
+      </p:grpSpPr>
+      <p:sp>
+        <p:nvSpPr>
+          <p:cNvPr id="2" name="Titel 1">
+            <a:extLst>
+              <a:ext uri="{FF2B5EF4-FFF2-40B4-BE49-F238E27FC236}">
+                <a16:creationId xmlns:a16="http://schemas.microsoft.com/office/drawing/2014/main" id="{20DD1A6B-11AA-DEC0-13BF-B7997FDC547F}"/>
+              </a:ext>
+            </a:extLst>
+          </p:cNvPr>
+          <p:cNvSpPr>
+            <a:spLocks noGrp="1"/>
+          </p:cNvSpPr>
+          <p:nvPr>
+            <p:ph type="title"/>
+          </p:nvPr>
+        </p:nvSpPr>
+        <p:spPr/>
+        <p:txBody>
+          <a:bodyPr/>
+          <a:lstStyle/>
+          <a:p>
+            <a:r>
+              <a:rPr lang="de-DE" noProof="0" dirty="0"/>
+              <a:t>3. Retrospektive</a:t>
+            </a:r>
+            <a:endParaRPr lang="de-DE" dirty="0"/>
+          </a:p>
+        </p:txBody>
+      </p:sp>
+      <p:sp>
+        <p:nvSpPr>
+          <p:cNvPr id="7" name="Datumsplatzhalter 6">
+            <a:extLst>
+              <a:ext uri="{FF2B5EF4-FFF2-40B4-BE49-F238E27FC236}">
+                <a16:creationId xmlns:a16="http://schemas.microsoft.com/office/drawing/2014/main" id="{F51758B9-CAC7-879F-4157-6FE2100164B0}"/>
+              </a:ext>
+            </a:extLst>
+          </p:cNvPr>
+          <p:cNvSpPr>
+            <a:spLocks noGrp="1"/>
+          </p:cNvSpPr>
+          <p:nvPr>
+            <p:ph type="dt" sz="half" idx="10"/>
+          </p:nvPr>
+        </p:nvSpPr>
+        <p:spPr/>
+        <p:txBody>
+          <a:bodyPr/>
+          <a:lstStyle/>
+          <a:p>
+            <a:fld id="{75919FF8-1369-4F22-8739-0971D22D8076}" type="datetime1">
+              <a:rPr lang="de-DE" smtClean="0"/>
+              <a:t>11.01.2025</a:t>
+            </a:fld>
+            <a:endParaRPr lang="en-US"/>
+          </a:p>
+        </p:txBody>
+      </p:sp>
+      <p:sp>
+        <p:nvSpPr>
+          <p:cNvPr id="8" name="Foliennummernplatzhalter 7">
+            <a:extLst>
+              <a:ext uri="{FF2B5EF4-FFF2-40B4-BE49-F238E27FC236}">
+                <a16:creationId xmlns:a16="http://schemas.microsoft.com/office/drawing/2014/main" id="{73108FAB-78BF-7B2A-532B-ED09870EAE22}"/>
+              </a:ext>
+            </a:extLst>
+          </p:cNvPr>
+          <p:cNvSpPr>
+            <a:spLocks noGrp="1"/>
+          </p:cNvSpPr>
+          <p:nvPr>
+            <p:ph type="sldNum" sz="quarter" idx="12"/>
+          </p:nvPr>
+        </p:nvSpPr>
+        <p:spPr/>
+        <p:txBody>
+          <a:bodyPr/>
+          <a:lstStyle/>
+          <a:p>
+            <a:fld id="{07CE569E-9B7C-4CB9-AB80-C0841F922CFF}" type="slidenum">
+              <a:rPr lang="en-US" smtClean="0"/>
+              <a:t>8</a:t>
+            </a:fld>
+            <a:endParaRPr lang="en-US"/>
+          </a:p>
+        </p:txBody>
+      </p:sp>
+      <p:sp>
+        <p:nvSpPr>
+          <p:cNvPr id="18" name="Textfeld 17">
+            <a:extLst>
+              <a:ext uri="{FF2B5EF4-FFF2-40B4-BE49-F238E27FC236}">
+                <a16:creationId xmlns:a16="http://schemas.microsoft.com/office/drawing/2014/main" id="{AE3803A9-AC88-381C-29E0-E59C1F006982}"/>
+              </a:ext>
+            </a:extLst>
+          </p:cNvPr>
+          <p:cNvSpPr txBox="1"/>
+          <p:nvPr/>
+        </p:nvSpPr>
+        <p:spPr>
+          <a:xfrm>
+            <a:off x="1225550" y="1847850"/>
+            <a:ext cx="5314950" cy="523220"/>
+          </a:xfrm>
+          <a:prstGeom prst="rect">
+            <a:avLst/>
+          </a:prstGeom>
+          <a:noFill/>
+        </p:spPr>
+        <p:txBody>
+          <a:bodyPr wrap="square" rtlCol="0">
+            <a:spAutoFit/>
+          </a:bodyPr>
+          <a:lstStyle/>
+          <a:p>
+            <a:r>
+              <a:rPr lang="de-DE" sz="2800" dirty="0"/>
+              <a:t>2</a:t>
+            </a:r>
+            <a:r>
+              <a:rPr lang="de-DE" sz="2800" noProof="0" dirty="0"/>
+              <a:t>. Bewertung</a:t>
+            </a:r>
+            <a:endParaRPr lang="de-DE" sz="2800" dirty="0"/>
+          </a:p>
+        </p:txBody>
+      </p:sp>
+      <p:graphicFrame>
+        <p:nvGraphicFramePr>
+          <p:cNvPr id="3" name="Tabelle 2">
+            <a:extLst>
+              <a:ext uri="{FF2B5EF4-FFF2-40B4-BE49-F238E27FC236}">
+                <a16:creationId xmlns:a16="http://schemas.microsoft.com/office/drawing/2014/main" id="{6E9F4C02-326A-9E80-81DA-A1572728ECCF}"/>
+              </a:ext>
+            </a:extLst>
+          </p:cNvPr>
+          <p:cNvGraphicFramePr>
+            <a:graphicFrameLocks noGrp="1"/>
+          </p:cNvGraphicFramePr>
+          <p:nvPr>
+            <p:extLst>
+              <p:ext uri="{D42A27DB-BD31-4B8C-83A1-F6EECF244321}">
+                <p14:modId xmlns:p14="http://schemas.microsoft.com/office/powerpoint/2010/main" val="1742999682"/>
+              </p:ext>
+            </p:extLst>
+          </p:nvPr>
+        </p:nvGraphicFramePr>
+        <p:xfrm>
+          <a:off x="1225548" y="2488555"/>
+          <a:ext cx="4521200" cy="2763520"/>
+        </p:xfrm>
+        <a:graphic>
+          <a:graphicData uri="http://schemas.openxmlformats.org/drawingml/2006/table">
+            <a:tbl>
+              <a:tblPr firstRow="1" bandRow="1">
+                <a:tableStyleId>{5C22544A-7EE6-4342-B048-85BDC9FD1C3A}</a:tableStyleId>
+              </a:tblPr>
+              <a:tblGrid>
+                <a:gridCol w="4521200">
+                  <a:extLst>
+                    <a:ext uri="{9D8B030D-6E8A-4147-A177-3AD203B41FA5}">
+                      <a16:colId xmlns:a16="http://schemas.microsoft.com/office/drawing/2014/main" val="2468422788"/>
+                    </a:ext>
+                  </a:extLst>
+                </a:gridCol>
+              </a:tblGrid>
+              <a:tr h="370840">
+                <a:tc>
+                  <a:txBody>
+                    <a:bodyPr/>
+                    <a:lstStyle/>
+                    <a:p>
+                      <a:r>
+                        <a:rPr lang="en-US" dirty="0" err="1"/>
+                        <a:t>Hürden</a:t>
+                      </a:r>
+                      <a:endParaRPr lang="de-DE" dirty="0"/>
+                    </a:p>
+                  </a:txBody>
+                  <a:tcPr/>
+                </a:tc>
+                <a:extLst>
+                  <a:ext uri="{0D108BD9-81ED-4DB2-BD59-A6C34878D82A}">
+                    <a16:rowId xmlns:a16="http://schemas.microsoft.com/office/drawing/2014/main" val="2872232138"/>
+                  </a:ext>
+                </a:extLst>
+              </a:tr>
+              <a:tr h="370840">
+                <a:tc>
+                  <a:txBody>
+                    <a:bodyPr/>
+                    <a:lstStyle/>
+                    <a:p>
+                      <a:pPr marL="285750" indent="-285750">
+                        <a:buFont typeface="Arial" panose="020B0604020202020204" pitchFamily="34" charset="0"/>
+                        <a:buChar char="•"/>
+                      </a:pPr>
+                      <a:r>
+                        <a:rPr lang="en-US" dirty="0" err="1"/>
+                        <a:t>Einlernen</a:t>
+                      </a:r>
+                      <a:r>
+                        <a:rPr lang="en-US" dirty="0"/>
+                        <a:t> in </a:t>
+                      </a:r>
+                      <a:r>
+                        <a:rPr lang="en-US" dirty="0" err="1"/>
+                        <a:t>neue</a:t>
+                      </a:r>
+                      <a:r>
+                        <a:rPr lang="en-US" dirty="0"/>
+                        <a:t> </a:t>
+                      </a:r>
+                      <a:r>
+                        <a:rPr lang="en-US" dirty="0" err="1"/>
+                        <a:t>Programme</a:t>
+                      </a:r>
+                      <a:r>
+                        <a:rPr lang="en-US" dirty="0"/>
+                        <a:t> (C# </a:t>
+                      </a:r>
+                      <a:r>
+                        <a:rPr lang="en-US" dirty="0" err="1"/>
+                        <a:t>oder</a:t>
+                      </a:r>
+                      <a:r>
+                        <a:rPr lang="en-US" dirty="0"/>
+                        <a:t> Docker)</a:t>
+                      </a:r>
+                      <a:endParaRPr lang="de-DE" dirty="0"/>
+                    </a:p>
+                  </a:txBody>
+                  <a:tcPr/>
+                </a:tc>
+                <a:extLst>
+                  <a:ext uri="{0D108BD9-81ED-4DB2-BD59-A6C34878D82A}">
+                    <a16:rowId xmlns:a16="http://schemas.microsoft.com/office/drawing/2014/main" val="2566326108"/>
+                  </a:ext>
+                </a:extLst>
+              </a:tr>
+              <a:tr h="370840">
+                <a:tc>
+                  <a:txBody>
+                    <a:bodyPr/>
+                    <a:lstStyle/>
+                    <a:p>
+                      <a:pPr marL="285750" indent="-285750">
+                        <a:buFont typeface="Arial" panose="020B0604020202020204" pitchFamily="34" charset="0"/>
+                        <a:buChar char="•"/>
+                      </a:pPr>
+                      <a:r>
+                        <a:rPr lang="en-US" dirty="0" err="1"/>
+                        <a:t>Krankenstand</a:t>
+                      </a:r>
+                      <a:endParaRPr lang="de-DE" dirty="0"/>
+                    </a:p>
+                  </a:txBody>
+                  <a:tcPr/>
+                </a:tc>
+                <a:extLst>
+                  <a:ext uri="{0D108BD9-81ED-4DB2-BD59-A6C34878D82A}">
+                    <a16:rowId xmlns:a16="http://schemas.microsoft.com/office/drawing/2014/main" val="3022136991"/>
+                  </a:ext>
+                </a:extLst>
+              </a:tr>
+              <a:tr h="370840">
+                <a:tc>
+                  <a:txBody>
+                    <a:bodyPr/>
+                    <a:lstStyle/>
+                    <a:p>
+                      <a:pPr marL="285750" indent="-285750">
+                        <a:buFont typeface="Arial" panose="020B0604020202020204" pitchFamily="34" charset="0"/>
+                        <a:buChar char="•"/>
+                      </a:pPr>
+                      <a:r>
+                        <a:rPr lang="en-US" dirty="0" err="1"/>
+                        <a:t>Erweiterung</a:t>
+                      </a:r>
+                      <a:r>
+                        <a:rPr lang="en-US" dirty="0"/>
+                        <a:t> von </a:t>
+                      </a:r>
+                      <a:r>
+                        <a:rPr lang="en-US" dirty="0" err="1"/>
+                        <a:t>Komponenten</a:t>
+                      </a:r>
+                      <a:r>
+                        <a:rPr lang="en-US" dirty="0"/>
+                        <a:t> in </a:t>
+                      </a:r>
+                      <a:r>
+                        <a:rPr lang="en-US" dirty="0" err="1"/>
+                        <a:t>neuen</a:t>
+                      </a:r>
+                      <a:r>
+                        <a:rPr lang="en-US" dirty="0"/>
+                        <a:t> Sprints</a:t>
+                      </a:r>
+                      <a:endParaRPr lang="de-DE" dirty="0"/>
+                    </a:p>
+                  </a:txBody>
+                  <a:tcPr/>
+                </a:tc>
+                <a:extLst>
+                  <a:ext uri="{0D108BD9-81ED-4DB2-BD59-A6C34878D82A}">
+                    <a16:rowId xmlns:a16="http://schemas.microsoft.com/office/drawing/2014/main" val="697194822"/>
+                  </a:ext>
+                </a:extLst>
+              </a:tr>
+              <a:tr h="370840">
+                <a:tc>
+                  <a:txBody>
+                    <a:bodyPr/>
+                    <a:lstStyle/>
+                    <a:p>
+                      <a:pPr marL="285750" indent="-285750">
+                        <a:buFont typeface="Arial" panose="020B0604020202020204" pitchFamily="34" charset="0"/>
+                        <a:buChar char="•"/>
+                      </a:pPr>
+                      <a:r>
+                        <a:rPr lang="en-US" dirty="0" err="1"/>
+                        <a:t>Unerwartete</a:t>
+                      </a:r>
+                      <a:r>
+                        <a:rPr lang="en-US" dirty="0"/>
+                        <a:t> </a:t>
+                      </a:r>
+                      <a:r>
+                        <a:rPr lang="en-US" dirty="0" err="1"/>
+                        <a:t>Anforderung</a:t>
+                      </a:r>
+                      <a:endParaRPr lang="de-DE" dirty="0"/>
+                    </a:p>
+                  </a:txBody>
+                  <a:tcPr/>
+                </a:tc>
+                <a:extLst>
+                  <a:ext uri="{0D108BD9-81ED-4DB2-BD59-A6C34878D82A}">
+                    <a16:rowId xmlns:a16="http://schemas.microsoft.com/office/drawing/2014/main" val="2852342383"/>
+                  </a:ext>
+                </a:extLst>
+              </a:tr>
+              <a:tr h="370840">
+                <a:tc>
+                  <a:txBody>
+                    <a:bodyPr/>
+                    <a:lstStyle/>
+                    <a:p>
+                      <a:pPr marL="285750" indent="-285750">
+                        <a:buFont typeface="Arial" panose="020B0604020202020204" pitchFamily="34" charset="0"/>
+                        <a:buChar char="•"/>
+                      </a:pPr>
+                      <a:r>
+                        <a:rPr lang="de-DE" dirty="0"/>
+                        <a:t>Terminfindung innerhalb der Gruppe</a:t>
+                      </a:r>
+                    </a:p>
+                  </a:txBody>
+                  <a:tcPr/>
+                </a:tc>
+                <a:extLst>
+                  <a:ext uri="{0D108BD9-81ED-4DB2-BD59-A6C34878D82A}">
+                    <a16:rowId xmlns:a16="http://schemas.microsoft.com/office/drawing/2014/main" val="1795200493"/>
+                  </a:ext>
+                </a:extLst>
+              </a:tr>
+            </a:tbl>
+          </a:graphicData>
+        </a:graphic>
+      </p:graphicFrame>
+      <p:graphicFrame>
+        <p:nvGraphicFramePr>
+          <p:cNvPr id="4" name="Tabelle 3">
+            <a:extLst>
+              <a:ext uri="{FF2B5EF4-FFF2-40B4-BE49-F238E27FC236}">
+                <a16:creationId xmlns:a16="http://schemas.microsoft.com/office/drawing/2014/main" id="{5FFAAA1E-D3B2-AB08-B9FE-CCDD8D3409B5}"/>
+              </a:ext>
+            </a:extLst>
+          </p:cNvPr>
+          <p:cNvGraphicFramePr>
+            <a:graphicFrameLocks noGrp="1"/>
+          </p:cNvGraphicFramePr>
+          <p:nvPr>
+            <p:extLst>
+              <p:ext uri="{D42A27DB-BD31-4B8C-83A1-F6EECF244321}">
+                <p14:modId xmlns:p14="http://schemas.microsoft.com/office/powerpoint/2010/main" val="1739769445"/>
+              </p:ext>
+            </p:extLst>
+          </p:nvPr>
+        </p:nvGraphicFramePr>
+        <p:xfrm>
+          <a:off x="6445252" y="2494647"/>
+          <a:ext cx="4521200" cy="1854200"/>
+        </p:xfrm>
+        <a:graphic>
+          <a:graphicData uri="http://schemas.openxmlformats.org/drawingml/2006/table">
+            <a:tbl>
+              <a:tblPr firstRow="1" bandRow="1">
+                <a:tableStyleId>{5C22544A-7EE6-4342-B048-85BDC9FD1C3A}</a:tableStyleId>
+              </a:tblPr>
+              <a:tblGrid>
+                <a:gridCol w="4521200">
+                  <a:extLst>
+                    <a:ext uri="{9D8B030D-6E8A-4147-A177-3AD203B41FA5}">
+                      <a16:colId xmlns:a16="http://schemas.microsoft.com/office/drawing/2014/main" val="2468422788"/>
+                    </a:ext>
+                  </a:extLst>
+                </a:gridCol>
+              </a:tblGrid>
+              <a:tr h="370840">
+                <a:tc>
+                  <a:txBody>
+                    <a:bodyPr/>
+                    <a:lstStyle/>
+                    <a:p>
+                      <a:r>
+                        <a:rPr lang="en-US" dirty="0" err="1"/>
+                        <a:t>Erfolge</a:t>
+                      </a:r>
+                      <a:endParaRPr lang="de-DE" dirty="0"/>
+                    </a:p>
+                  </a:txBody>
+                  <a:tcPr/>
+                </a:tc>
+                <a:extLst>
+                  <a:ext uri="{0D108BD9-81ED-4DB2-BD59-A6C34878D82A}">
+                    <a16:rowId xmlns:a16="http://schemas.microsoft.com/office/drawing/2014/main" val="2872232138"/>
+                  </a:ext>
+                </a:extLst>
+              </a:tr>
+              <a:tr h="370840">
+                <a:tc>
+                  <a:txBody>
+                    <a:bodyPr/>
+                    <a:lstStyle/>
+                    <a:p>
+                      <a:pPr marL="285750" indent="-285750">
+                        <a:buFont typeface="Arial" panose="020B0604020202020204" pitchFamily="34" charset="0"/>
+                        <a:buChar char="•"/>
+                      </a:pPr>
+                      <a:r>
+                        <a:rPr lang="de-DE" dirty="0"/>
+                        <a:t>Alle Anforderungen erfüllt</a:t>
+                      </a:r>
+                    </a:p>
+                  </a:txBody>
+                  <a:tcPr/>
+                </a:tc>
+                <a:extLst>
+                  <a:ext uri="{0D108BD9-81ED-4DB2-BD59-A6C34878D82A}">
+                    <a16:rowId xmlns:a16="http://schemas.microsoft.com/office/drawing/2014/main" val="2566326108"/>
+                  </a:ext>
+                </a:extLst>
+              </a:tr>
+              <a:tr h="370840">
+                <a:tc>
+                  <a:txBody>
+                    <a:bodyPr/>
+                    <a:lstStyle/>
+                    <a:p>
+                      <a:pPr marL="285750" indent="-285750">
+                        <a:buFont typeface="Arial" panose="020B0604020202020204" pitchFamily="34" charset="0"/>
+                        <a:buChar char="•"/>
+                      </a:pPr>
+                      <a:r>
+                        <a:rPr lang="de-DE" dirty="0"/>
+                        <a:t>Zufriedenstellendes Ergebnis</a:t>
+                      </a:r>
+                    </a:p>
+                  </a:txBody>
+                  <a:tcPr/>
+                </a:tc>
+                <a:extLst>
+                  <a:ext uri="{0D108BD9-81ED-4DB2-BD59-A6C34878D82A}">
+                    <a16:rowId xmlns:a16="http://schemas.microsoft.com/office/drawing/2014/main" val="3022136991"/>
+                  </a:ext>
+                </a:extLst>
+              </a:tr>
+              <a:tr h="370840">
+                <a:tc>
+                  <a:txBody>
+                    <a:bodyPr/>
+                    <a:lstStyle/>
+                    <a:p>
+                      <a:pPr marL="285750" indent="-285750">
+                        <a:buFont typeface="Arial" panose="020B0604020202020204" pitchFamily="34" charset="0"/>
+                        <a:buChar char="•"/>
+                      </a:pPr>
+                      <a:r>
+                        <a:rPr lang="de-DE" dirty="0"/>
+                        <a:t>Gutes Teamwork</a:t>
+                      </a:r>
+                    </a:p>
+                  </a:txBody>
+                  <a:tcPr/>
+                </a:tc>
+                <a:extLst>
+                  <a:ext uri="{0D108BD9-81ED-4DB2-BD59-A6C34878D82A}">
+                    <a16:rowId xmlns:a16="http://schemas.microsoft.com/office/drawing/2014/main" val="697194822"/>
+                  </a:ext>
+                </a:extLst>
+              </a:tr>
+              <a:tr h="370840">
+                <a:tc>
+                  <a:txBody>
+                    <a:bodyPr/>
+                    <a:lstStyle/>
+                    <a:p>
+                      <a:pPr marL="285750" indent="-285750">
+                        <a:buFont typeface="Arial" panose="020B0604020202020204" pitchFamily="34" charset="0"/>
+                        <a:buChar char="•"/>
+                      </a:pPr>
+                      <a:r>
+                        <a:rPr lang="de-DE" dirty="0"/>
+                        <a:t>Neue Erfahrungen gesammelt</a:t>
+                      </a:r>
+                    </a:p>
+                  </a:txBody>
+                  <a:tcPr/>
+                </a:tc>
+                <a:extLst>
+                  <a:ext uri="{0D108BD9-81ED-4DB2-BD59-A6C34878D82A}">
+                    <a16:rowId xmlns:a16="http://schemas.microsoft.com/office/drawing/2014/main" val="2852342383"/>
+                  </a:ext>
+                </a:extLst>
+              </a:tr>
+            </a:tbl>
+          </a:graphicData>
+        </a:graphic>
+      </p:graphicFrame>
+    </p:spTree>
+    <p:extLst>
+      <p:ext uri="{BB962C8B-B14F-4D97-AF65-F5344CB8AC3E}">
+        <p14:creationId xmlns:p14="http://schemas.microsoft.com/office/powerpoint/2010/main" val="2707545520"/>
+      </p:ext>
+    </p:extLst>
+  </p:cSld>
+  <p:clrMapOvr>
+    <a:masterClrMapping/>
+  </p:clrMapOvr>
+</p:sld>
+</file>
+
+<file path=ppt/slides/slide9.xml><?xml version="1.0" encoding="utf-8"?>
 <p:sld xmlns:a="http://schemas.openxmlformats.org/drawingml/2006/main" xmlns:r="http://schemas.openxmlformats.org/officeDocument/2006/relationships" xmlns:p="http://schemas.openxmlformats.org/presentationml/2006/main">
   <p:cSld>
     <p:bg>
@@ -7913,22 +12190,17 @@
                 <a:spcPts val="600"/>
               </a:spcAft>
             </a:pPr>
-            <a:fld id="{12AE7323-5CDD-4051-9975-1729D84443C7}" type="datetime1">
-              <a:rPr lang="en-US" noProof="0">
+            <a:fld id="{E5192307-6455-4567-A609-F166D6943C9F}" type="datetime1">
+              <a:rPr lang="de-DE" noProof="0" smtClean="0">
                 <a:solidFill>
                   <a:schemeClr val="tx1">
                     <a:alpha val="70000"/>
                   </a:schemeClr>
                 </a:solidFill>
               </a:rPr>
-              <a:pPr>
-                <a:spcAft>
-                  <a:spcPts val="600"/>
-                </a:spcAft>
-              </a:pPr>
-              <a:t>1/11/2025</a:t>
+              <a:t>11.01.2025</a:t>
             </a:fld>
-            <a:endParaRPr lang="en-US" noProof="0">
+            <a:endParaRPr lang="en-US" noProof="0" dirty="0">
               <a:solidFill>
                 <a:schemeClr val="tx1">
                   <a:alpha val="70000"/>
@@ -8401,7 +12673,7 @@
                   <a:spcPts val="600"/>
                 </a:spcAft>
               </a:pPr>
-              <a:t>12</a:t>
+              <a:t>9</a:t>
             </a:fld>
             <a:endParaRPr lang="en-US" noProof="0">
               <a:solidFill>
@@ -8417,4670 +12689,6 @@
     <p:extLst>
       <p:ext uri="{BB962C8B-B14F-4D97-AF65-F5344CB8AC3E}">
         <p14:creationId xmlns:p14="http://schemas.microsoft.com/office/powerpoint/2010/main" val="3837604972"/>
-      </p:ext>
-    </p:extLst>
-  </p:cSld>
-  <p:clrMapOvr>
-    <a:masterClrMapping/>
-  </p:clrMapOvr>
-</p:sld>
-</file>
-
-<file path=ppt/slides/slide2.xml><?xml version="1.0" encoding="utf-8"?>
-<p:sld xmlns:a="http://schemas.openxmlformats.org/drawingml/2006/main" xmlns:r="http://schemas.openxmlformats.org/officeDocument/2006/relationships" xmlns:p="http://schemas.openxmlformats.org/presentationml/2006/main">
-  <p:cSld>
-    <p:spTree>
-      <p:nvGrpSpPr>
-        <p:cNvPr id="1" name=""/>
-        <p:cNvGrpSpPr/>
-        <p:nvPr/>
-      </p:nvGrpSpPr>
-      <p:grpSpPr>
-        <a:xfrm>
-          <a:off x="0" y="0"/>
-          <a:ext cx="0" cy="0"/>
-          <a:chOff x="0" y="0"/>
-          <a:chExt cx="0" cy="0"/>
-        </a:xfrm>
-      </p:grpSpPr>
-      <p:sp>
-        <p:nvSpPr>
-          <p:cNvPr id="11" name="Titel 10">
-            <a:extLst>
-              <a:ext uri="{FF2B5EF4-FFF2-40B4-BE49-F238E27FC236}">
-                <a16:creationId xmlns:a16="http://schemas.microsoft.com/office/drawing/2014/main" id="{1118431B-1496-0A82-1676-FAA6A30588CC}"/>
-              </a:ext>
-            </a:extLst>
-          </p:cNvPr>
-          <p:cNvSpPr>
-            <a:spLocks noGrp="1"/>
-          </p:cNvSpPr>
-          <p:nvPr>
-            <p:ph type="title"/>
-          </p:nvPr>
-        </p:nvSpPr>
-        <p:spPr/>
-        <p:txBody>
-          <a:bodyPr/>
-          <a:lstStyle/>
-          <a:p>
-            <a:r>
-              <a:rPr lang="de-DE" noProof="0" dirty="0"/>
-              <a:t>INHALTSVERZEICHNIS</a:t>
-            </a:r>
-          </a:p>
-        </p:txBody>
-      </p:sp>
-      <p:sp>
-        <p:nvSpPr>
-          <p:cNvPr id="12" name="Inhaltsplatzhalter 11">
-            <a:extLst>
-              <a:ext uri="{FF2B5EF4-FFF2-40B4-BE49-F238E27FC236}">
-                <a16:creationId xmlns:a16="http://schemas.microsoft.com/office/drawing/2014/main" id="{DFE3170E-AE62-0144-BDDB-D9C60B4C7C94}"/>
-              </a:ext>
-            </a:extLst>
-          </p:cNvPr>
-          <p:cNvSpPr>
-            <a:spLocks noGrp="1"/>
-          </p:cNvSpPr>
-          <p:nvPr>
-            <p:ph idx="1"/>
-          </p:nvPr>
-        </p:nvSpPr>
-        <p:spPr/>
-        <p:txBody>
-          <a:bodyPr>
-            <a:normAutofit/>
-          </a:bodyPr>
-          <a:lstStyle/>
-          <a:p>
-            <a:pPr marL="514350" indent="-514350">
-              <a:buFont typeface="+mj-lt"/>
-              <a:buAutoNum type="arabicPeriod"/>
-            </a:pPr>
-            <a:r>
-              <a:rPr lang="de-DE" noProof="0" dirty="0"/>
-              <a:t>Produktvorstellung</a:t>
-            </a:r>
-          </a:p>
-          <a:p>
-            <a:pPr marL="514350" indent="-514350">
-              <a:buFont typeface="+mj-lt"/>
-              <a:buAutoNum type="arabicPeriod"/>
-            </a:pPr>
-            <a:r>
-              <a:rPr lang="de-DE" noProof="0" dirty="0"/>
-              <a:t>Sprint 3</a:t>
-            </a:r>
-          </a:p>
-          <a:p>
-            <a:pPr marL="514350" indent="-514350">
-              <a:buFont typeface="+mj-lt"/>
-              <a:buAutoNum type="arabicPeriod"/>
-            </a:pPr>
-            <a:r>
-              <a:rPr lang="de-DE" noProof="0" dirty="0"/>
-              <a:t>Retrospektive</a:t>
-            </a:r>
-          </a:p>
-          <a:p>
-            <a:pPr marL="971550" lvl="1" indent="-514350">
-              <a:buFont typeface="+mj-lt"/>
-              <a:buAutoNum type="arabicPeriod"/>
-            </a:pPr>
-            <a:r>
-              <a:rPr lang="de-DE" noProof="0" dirty="0"/>
-              <a:t>Stunden</a:t>
-            </a:r>
-          </a:p>
-          <a:p>
-            <a:pPr marL="971550" lvl="1" indent="-514350">
-              <a:buFont typeface="+mj-lt"/>
-              <a:buAutoNum type="arabicPeriod"/>
-            </a:pPr>
-            <a:r>
-              <a:rPr lang="de-DE" dirty="0"/>
-              <a:t>Bewertung</a:t>
-            </a:r>
-            <a:endParaRPr lang="de-DE" noProof="0" dirty="0"/>
-          </a:p>
-        </p:txBody>
-      </p:sp>
-      <p:sp>
-        <p:nvSpPr>
-          <p:cNvPr id="16" name="Datumsplatzhalter 15">
-            <a:extLst>
-              <a:ext uri="{FF2B5EF4-FFF2-40B4-BE49-F238E27FC236}">
-                <a16:creationId xmlns:a16="http://schemas.microsoft.com/office/drawing/2014/main" id="{1D85867B-85E2-65F9-23F4-3499A505A0CD}"/>
-              </a:ext>
-            </a:extLst>
-          </p:cNvPr>
-          <p:cNvSpPr>
-            <a:spLocks noGrp="1"/>
-          </p:cNvSpPr>
-          <p:nvPr>
-            <p:ph type="dt" sz="half" idx="10"/>
-          </p:nvPr>
-        </p:nvSpPr>
-        <p:spPr/>
-        <p:txBody>
-          <a:bodyPr/>
-          <a:lstStyle/>
-          <a:p>
-            <a:fld id="{AE5E781B-AB27-45A9-B2F3-7F70593BE83B}" type="datetime1">
-              <a:rPr lang="de-DE" noProof="0" smtClean="0"/>
-              <a:t>11.01.2025</a:t>
-            </a:fld>
-            <a:endParaRPr lang="de-DE" noProof="0" dirty="0"/>
-          </a:p>
-        </p:txBody>
-      </p:sp>
-      <p:sp>
-        <p:nvSpPr>
-          <p:cNvPr id="17" name="Foliennummernplatzhalter 16">
-            <a:extLst>
-              <a:ext uri="{FF2B5EF4-FFF2-40B4-BE49-F238E27FC236}">
-                <a16:creationId xmlns:a16="http://schemas.microsoft.com/office/drawing/2014/main" id="{E760C18F-75BC-9CF5-53D0-7B2D9937E501}"/>
-              </a:ext>
-            </a:extLst>
-          </p:cNvPr>
-          <p:cNvSpPr>
-            <a:spLocks noGrp="1"/>
-          </p:cNvSpPr>
-          <p:nvPr>
-            <p:ph type="sldNum" sz="quarter" idx="12"/>
-          </p:nvPr>
-        </p:nvSpPr>
-        <p:spPr/>
-        <p:txBody>
-          <a:bodyPr/>
-          <a:lstStyle/>
-          <a:p>
-            <a:fld id="{07CE569E-9B7C-4CB9-AB80-C0841F922CFF}" type="slidenum">
-              <a:rPr lang="de-DE" noProof="0" smtClean="0"/>
-              <a:t>2</a:t>
-            </a:fld>
-            <a:endParaRPr lang="de-DE" noProof="0" dirty="0"/>
-          </a:p>
-        </p:txBody>
-      </p:sp>
-    </p:spTree>
-    <p:extLst>
-      <p:ext uri="{BB962C8B-B14F-4D97-AF65-F5344CB8AC3E}">
-        <p14:creationId xmlns:p14="http://schemas.microsoft.com/office/powerpoint/2010/main" val="1411604025"/>
-      </p:ext>
-    </p:extLst>
-  </p:cSld>
-  <p:clrMapOvr>
-    <a:masterClrMapping/>
-  </p:clrMapOvr>
-</p:sld>
-</file>
-
-<file path=ppt/slides/slide3.xml><?xml version="1.0" encoding="utf-8"?>
-<p:sld xmlns:a="http://schemas.openxmlformats.org/drawingml/2006/main" xmlns:r="http://schemas.openxmlformats.org/officeDocument/2006/relationships" xmlns:p="http://schemas.openxmlformats.org/presentationml/2006/main">
-  <p:cSld>
-    <p:spTree>
-      <p:nvGrpSpPr>
-        <p:cNvPr id="1" name=""/>
-        <p:cNvGrpSpPr/>
-        <p:nvPr/>
-      </p:nvGrpSpPr>
-      <p:grpSpPr>
-        <a:xfrm>
-          <a:off x="0" y="0"/>
-          <a:ext cx="0" cy="0"/>
-          <a:chOff x="0" y="0"/>
-          <a:chExt cx="0" cy="0"/>
-        </a:xfrm>
-      </p:grpSpPr>
-      <p:sp>
-        <p:nvSpPr>
-          <p:cNvPr id="2" name="Titel 1">
-            <a:extLst>
-              <a:ext uri="{FF2B5EF4-FFF2-40B4-BE49-F238E27FC236}">
-                <a16:creationId xmlns:a16="http://schemas.microsoft.com/office/drawing/2014/main" id="{7A1E5C4A-B8F4-CC1A-1D51-FB926F9311D4}"/>
-              </a:ext>
-            </a:extLst>
-          </p:cNvPr>
-          <p:cNvSpPr>
-            <a:spLocks noGrp="1"/>
-          </p:cNvSpPr>
-          <p:nvPr>
-            <p:ph type="title"/>
-          </p:nvPr>
-        </p:nvSpPr>
-        <p:spPr/>
-        <p:txBody>
-          <a:bodyPr/>
-          <a:lstStyle/>
-          <a:p>
-            <a:r>
-              <a:rPr lang="de-DE" noProof="0" dirty="0"/>
-              <a:t>1. Produktvorstellung</a:t>
-            </a:r>
-          </a:p>
-        </p:txBody>
-      </p:sp>
-      <p:sp>
-        <p:nvSpPr>
-          <p:cNvPr id="4" name="Datumsplatzhalter 3">
-            <a:extLst>
-              <a:ext uri="{FF2B5EF4-FFF2-40B4-BE49-F238E27FC236}">
-                <a16:creationId xmlns:a16="http://schemas.microsoft.com/office/drawing/2014/main" id="{EA337988-C3D3-59BD-7CB5-176C2C33D8CC}"/>
-              </a:ext>
-            </a:extLst>
-          </p:cNvPr>
-          <p:cNvSpPr>
-            <a:spLocks noGrp="1"/>
-          </p:cNvSpPr>
-          <p:nvPr>
-            <p:ph type="dt" sz="half" idx="10"/>
-          </p:nvPr>
-        </p:nvSpPr>
-        <p:spPr/>
-        <p:txBody>
-          <a:bodyPr/>
-          <a:lstStyle/>
-          <a:p>
-            <a:fld id="{42B45B56-1D88-4042-8DF0-EB6B41B710D3}" type="datetime1">
-              <a:rPr lang="de-DE" noProof="0" smtClean="0"/>
-              <a:t>11.01.2025</a:t>
-            </a:fld>
-            <a:endParaRPr lang="de-DE" noProof="0" dirty="0"/>
-          </a:p>
-        </p:txBody>
-      </p:sp>
-      <p:pic>
-        <p:nvPicPr>
-          <p:cNvPr id="5" name="Grafik 4">
-            <a:extLst>
-              <a:ext uri="{FF2B5EF4-FFF2-40B4-BE49-F238E27FC236}">
-                <a16:creationId xmlns:a16="http://schemas.microsoft.com/office/drawing/2014/main" id="{A891BD7D-A9F6-8A66-CF85-E7E375919CC4}"/>
-              </a:ext>
-            </a:extLst>
-          </p:cNvPr>
-          <p:cNvPicPr>
-            <a:picLocks noChangeAspect="1"/>
-          </p:cNvPicPr>
-          <p:nvPr/>
-        </p:nvPicPr>
-        <p:blipFill>
-          <a:blip r:embed="rId2"/>
-          <a:stretch>
-            <a:fillRect/>
-          </a:stretch>
-        </p:blipFill>
-        <p:spPr>
-          <a:xfrm>
-            <a:off x="1692124" y="2488555"/>
-            <a:ext cx="2922802" cy="3161723"/>
-          </a:xfrm>
-          <a:prstGeom prst="rect">
-            <a:avLst/>
-          </a:prstGeom>
-        </p:spPr>
-      </p:pic>
-      <p:sp>
-        <p:nvSpPr>
-          <p:cNvPr id="6" name="Textfeld 5">
-            <a:extLst>
-              <a:ext uri="{FF2B5EF4-FFF2-40B4-BE49-F238E27FC236}">
-                <a16:creationId xmlns:a16="http://schemas.microsoft.com/office/drawing/2014/main" id="{5840DF72-7360-7A4E-4327-DEA30E087B1B}"/>
-              </a:ext>
-            </a:extLst>
-          </p:cNvPr>
-          <p:cNvSpPr txBox="1"/>
-          <p:nvPr/>
-        </p:nvSpPr>
-        <p:spPr>
-          <a:xfrm>
-            <a:off x="1169894" y="2050676"/>
-            <a:ext cx="2284856" cy="369332"/>
-          </a:xfrm>
-          <a:prstGeom prst="rect">
-            <a:avLst/>
-          </a:prstGeom>
-          <a:noFill/>
-        </p:spPr>
-        <p:txBody>
-          <a:bodyPr wrap="none" rtlCol="0">
-            <a:spAutoFit/>
-          </a:bodyPr>
-          <a:lstStyle/>
-          <a:p>
-            <a:r>
-              <a:rPr lang="en-US" b="1" dirty="0" err="1"/>
-              <a:t>Datenbank</a:t>
-            </a:r>
-            <a:r>
-              <a:rPr lang="en-US" b="1" dirty="0"/>
-              <a:t>-Modell</a:t>
-            </a:r>
-            <a:endParaRPr lang="de-DE" b="1" dirty="0"/>
-          </a:p>
-        </p:txBody>
-      </p:sp>
-    </p:spTree>
-    <p:extLst>
-      <p:ext uri="{BB962C8B-B14F-4D97-AF65-F5344CB8AC3E}">
-        <p14:creationId xmlns:p14="http://schemas.microsoft.com/office/powerpoint/2010/main" val="1795399291"/>
-      </p:ext>
-    </p:extLst>
-  </p:cSld>
-  <p:clrMapOvr>
-    <a:masterClrMapping/>
-  </p:clrMapOvr>
-</p:sld>
-</file>
-
-<file path=ppt/slides/slide4.xml><?xml version="1.0" encoding="utf-8"?>
-<p:sld xmlns:a="http://schemas.openxmlformats.org/drawingml/2006/main" xmlns:r="http://schemas.openxmlformats.org/officeDocument/2006/relationships" xmlns:p="http://schemas.openxmlformats.org/presentationml/2006/main">
-  <p:cSld>
-    <p:spTree>
-      <p:nvGrpSpPr>
-        <p:cNvPr id="1" name="">
-          <a:extLst>
-            <a:ext uri="{FF2B5EF4-FFF2-40B4-BE49-F238E27FC236}">
-              <a16:creationId xmlns:a16="http://schemas.microsoft.com/office/drawing/2014/main" id="{C1FB40F6-48BA-A1BD-295D-E56F7455D424}"/>
-            </a:ext>
-          </a:extLst>
-        </p:cNvPr>
-        <p:cNvGrpSpPr/>
-        <p:nvPr/>
-      </p:nvGrpSpPr>
-      <p:grpSpPr>
-        <a:xfrm>
-          <a:off x="0" y="0"/>
-          <a:ext cx="0" cy="0"/>
-          <a:chOff x="0" y="0"/>
-          <a:chExt cx="0" cy="0"/>
-        </a:xfrm>
-      </p:grpSpPr>
-      <p:sp>
-        <p:nvSpPr>
-          <p:cNvPr id="2" name="Titel 1">
-            <a:extLst>
-              <a:ext uri="{FF2B5EF4-FFF2-40B4-BE49-F238E27FC236}">
-                <a16:creationId xmlns:a16="http://schemas.microsoft.com/office/drawing/2014/main" id="{4FCCAF50-FDE7-62D9-D966-F9AF4A2D1906}"/>
-              </a:ext>
-            </a:extLst>
-          </p:cNvPr>
-          <p:cNvSpPr>
-            <a:spLocks noGrp="1"/>
-          </p:cNvSpPr>
-          <p:nvPr>
-            <p:ph type="title"/>
-          </p:nvPr>
-        </p:nvSpPr>
-        <p:spPr/>
-        <p:txBody>
-          <a:bodyPr/>
-          <a:lstStyle/>
-          <a:p>
-            <a:r>
-              <a:rPr lang="de-DE" noProof="0" dirty="0"/>
-              <a:t>2. Sprint 3</a:t>
-            </a:r>
-          </a:p>
-        </p:txBody>
-      </p:sp>
-      <p:sp>
-        <p:nvSpPr>
-          <p:cNvPr id="4" name="Datumsplatzhalter 3">
-            <a:extLst>
-              <a:ext uri="{FF2B5EF4-FFF2-40B4-BE49-F238E27FC236}">
-                <a16:creationId xmlns:a16="http://schemas.microsoft.com/office/drawing/2014/main" id="{4A8A0980-7CFE-6E60-0566-576B7D6069F7}"/>
-              </a:ext>
-            </a:extLst>
-          </p:cNvPr>
-          <p:cNvSpPr>
-            <a:spLocks noGrp="1"/>
-          </p:cNvSpPr>
-          <p:nvPr>
-            <p:ph type="dt" sz="half" idx="10"/>
-          </p:nvPr>
-        </p:nvSpPr>
-        <p:spPr/>
-        <p:txBody>
-          <a:bodyPr/>
-          <a:lstStyle/>
-          <a:p>
-            <a:fld id="{42B45B56-1D88-4042-8DF0-EB6B41B710D3}" type="datetime1">
-              <a:rPr lang="de-DE" noProof="0" smtClean="0"/>
-              <a:t>11.01.2025</a:t>
-            </a:fld>
-            <a:endParaRPr lang="de-DE" noProof="0" dirty="0"/>
-          </a:p>
-        </p:txBody>
-      </p:sp>
-      <p:sp>
-        <p:nvSpPr>
-          <p:cNvPr id="5" name="Foliennummernplatzhalter 4">
-            <a:extLst>
-              <a:ext uri="{FF2B5EF4-FFF2-40B4-BE49-F238E27FC236}">
-                <a16:creationId xmlns:a16="http://schemas.microsoft.com/office/drawing/2014/main" id="{99BA6CC3-0B2A-7257-EB28-A0D502E7D7D0}"/>
-              </a:ext>
-            </a:extLst>
-          </p:cNvPr>
-          <p:cNvSpPr>
-            <a:spLocks noGrp="1"/>
-          </p:cNvSpPr>
-          <p:nvPr>
-            <p:ph type="sldNum" sz="quarter" idx="12"/>
-          </p:nvPr>
-        </p:nvSpPr>
-        <p:spPr/>
-        <p:txBody>
-          <a:bodyPr/>
-          <a:lstStyle/>
-          <a:p>
-            <a:fld id="{07CE569E-9B7C-4CB9-AB80-C0841F922CFF}" type="slidenum">
-              <a:rPr lang="de-DE" noProof="0" smtClean="0"/>
-              <a:t>4</a:t>
-            </a:fld>
-            <a:endParaRPr lang="de-DE" noProof="0" dirty="0"/>
-          </a:p>
-        </p:txBody>
-      </p:sp>
-      <p:graphicFrame>
-        <p:nvGraphicFramePr>
-          <p:cNvPr id="8" name="Inhaltsplatzhalter 2">
-            <a:extLst>
-              <a:ext uri="{FF2B5EF4-FFF2-40B4-BE49-F238E27FC236}">
-                <a16:creationId xmlns:a16="http://schemas.microsoft.com/office/drawing/2014/main" id="{E1B56B55-E2E4-3EB8-63FD-CAC2E336AEE8}"/>
-              </a:ext>
-            </a:extLst>
-          </p:cNvPr>
-          <p:cNvGraphicFramePr>
-            <a:graphicFrameLocks/>
-          </p:cNvGraphicFramePr>
-          <p:nvPr>
-            <p:extLst>
-              <p:ext uri="{D42A27DB-BD31-4B8C-83A1-F6EECF244321}">
-                <p14:modId xmlns:p14="http://schemas.microsoft.com/office/powerpoint/2010/main" val="3119072434"/>
-              </p:ext>
-            </p:extLst>
-          </p:nvPr>
-        </p:nvGraphicFramePr>
-        <p:xfrm>
-          <a:off x="762000" y="1916681"/>
-          <a:ext cx="9647581" cy="4598635"/>
-        </p:xfrm>
-        <a:graphic>
-          <a:graphicData uri="http://schemas.openxmlformats.org/drawingml/2006/table">
-            <a:tbl>
-              <a:tblPr firstRow="1" bandRow="1">
-                <a:tableStyleId>{5C22544A-7EE6-4342-B048-85BDC9FD1C3A}</a:tableStyleId>
-              </a:tblPr>
-              <a:tblGrid>
-                <a:gridCol w="3319405">
-                  <a:extLst>
-                    <a:ext uri="{9D8B030D-6E8A-4147-A177-3AD203B41FA5}">
-                      <a16:colId xmlns:a16="http://schemas.microsoft.com/office/drawing/2014/main" val="230851902"/>
-                    </a:ext>
-                  </a:extLst>
-                </a:gridCol>
-                <a:gridCol w="2022555">
-                  <a:extLst>
-                    <a:ext uri="{9D8B030D-6E8A-4147-A177-3AD203B41FA5}">
-                      <a16:colId xmlns:a16="http://schemas.microsoft.com/office/drawing/2014/main" val="2657664356"/>
-                    </a:ext>
-                  </a:extLst>
-                </a:gridCol>
-                <a:gridCol w="1510291">
-                  <a:extLst>
-                    <a:ext uri="{9D8B030D-6E8A-4147-A177-3AD203B41FA5}">
-                      <a16:colId xmlns:a16="http://schemas.microsoft.com/office/drawing/2014/main" val="4098082685"/>
-                    </a:ext>
-                  </a:extLst>
-                </a:gridCol>
-                <a:gridCol w="1510291">
-                  <a:extLst>
-                    <a:ext uri="{9D8B030D-6E8A-4147-A177-3AD203B41FA5}">
-                      <a16:colId xmlns:a16="http://schemas.microsoft.com/office/drawing/2014/main" val="1293295862"/>
-                    </a:ext>
-                  </a:extLst>
-                </a:gridCol>
-                <a:gridCol w="1285039">
-                  <a:extLst>
-                    <a:ext uri="{9D8B030D-6E8A-4147-A177-3AD203B41FA5}">
-                      <a16:colId xmlns:a16="http://schemas.microsoft.com/office/drawing/2014/main" val="2360363224"/>
-                    </a:ext>
-                  </a:extLst>
-                </a:gridCol>
-              </a:tblGrid>
-              <a:tr h="515990">
-                <a:tc>
-                  <a:txBody>
-                    <a:bodyPr/>
-                    <a:lstStyle/>
-                    <a:p>
-                      <a:r>
-                        <a:rPr lang="de-DE" sz="1400" noProof="0" dirty="0"/>
-                        <a:t>Aufgabe</a:t>
-                      </a:r>
-                    </a:p>
-                  </a:txBody>
-                  <a:tcPr/>
-                </a:tc>
-                <a:tc>
-                  <a:txBody>
-                    <a:bodyPr/>
-                    <a:lstStyle/>
-                    <a:p>
-                      <a:r>
-                        <a:rPr lang="de-DE" sz="1400" noProof="0" dirty="0"/>
-                        <a:t>Zuständigkeit</a:t>
-                      </a:r>
-                    </a:p>
-                  </a:txBody>
-                  <a:tcPr/>
-                </a:tc>
-                <a:tc>
-                  <a:txBody>
-                    <a:bodyPr/>
-                    <a:lstStyle/>
-                    <a:p>
-                      <a:r>
-                        <a:rPr lang="de-DE" sz="1400" noProof="0" dirty="0"/>
-                        <a:t>Aufwand geschätzt</a:t>
-                      </a:r>
-                    </a:p>
-                  </a:txBody>
-                  <a:tcPr/>
-                </a:tc>
-                <a:tc>
-                  <a:txBody>
-                    <a:bodyPr/>
-                    <a:lstStyle/>
-                    <a:p>
-                      <a:r>
-                        <a:rPr lang="de-DE" sz="1400" noProof="0" dirty="0"/>
-                        <a:t>Aufwand tatsächlich</a:t>
-                      </a:r>
-                    </a:p>
-                  </a:txBody>
-                  <a:tcPr/>
-                </a:tc>
-                <a:tc>
-                  <a:txBody>
-                    <a:bodyPr/>
-                    <a:lstStyle/>
-                    <a:p>
-                      <a:r>
-                        <a:rPr lang="de-DE" sz="1400" noProof="0" dirty="0"/>
-                        <a:t>Status</a:t>
-                      </a:r>
-                    </a:p>
-                  </a:txBody>
-                  <a:tcPr/>
-                </a:tc>
-                <a:extLst>
-                  <a:ext uri="{0D108BD9-81ED-4DB2-BD59-A6C34878D82A}">
-                    <a16:rowId xmlns:a16="http://schemas.microsoft.com/office/drawing/2014/main" val="2749238170"/>
-                  </a:ext>
-                </a:extLst>
-              </a:tr>
-              <a:tr h="643639">
-                <a:tc>
-                  <a:txBody>
-                    <a:bodyPr/>
-                    <a:lstStyle/>
-                    <a:p>
-                      <a:r>
-                        <a:rPr lang="de-DE" sz="1400" noProof="0" dirty="0"/>
-                        <a:t>Dokumentation &amp; Organisation</a:t>
-                      </a:r>
-                    </a:p>
-                  </a:txBody>
-                  <a:tcPr/>
-                </a:tc>
-                <a:tc>
-                  <a:txBody>
-                    <a:bodyPr/>
-                    <a:lstStyle/>
-                    <a:p>
-                      <a:r>
-                        <a:rPr lang="de-DE" sz="1400" noProof="0" dirty="0"/>
-                        <a:t>Alle</a:t>
-                      </a:r>
-                    </a:p>
-                  </a:txBody>
-                  <a:tcPr/>
-                </a:tc>
-                <a:tc>
-                  <a:txBody>
-                    <a:bodyPr/>
-                    <a:lstStyle/>
-                    <a:p>
-                      <a:r>
-                        <a:rPr lang="de-DE" sz="1400" noProof="0" dirty="0"/>
-                        <a:t>10</a:t>
-                      </a:r>
-                    </a:p>
-                  </a:txBody>
-                  <a:tcPr/>
-                </a:tc>
-                <a:tc>
-                  <a:txBody>
-                    <a:bodyPr/>
-                    <a:lstStyle/>
-                    <a:p>
-                      <a:r>
-                        <a:rPr lang="en-US" sz="1400" noProof="0" dirty="0"/>
-                        <a:t>1</a:t>
-                      </a:r>
-                      <a:r>
-                        <a:rPr lang="de-DE" sz="1400" noProof="0" dirty="0"/>
-                        <a:t>2</a:t>
-                      </a:r>
-                    </a:p>
-                  </a:txBody>
-                  <a:tcPr/>
-                </a:tc>
-                <a:tc>
-                  <a:txBody>
-                    <a:bodyPr/>
-                    <a:lstStyle/>
-                    <a:p>
-                      <a:r>
-                        <a:rPr lang="de-DE" sz="1400" noProof="0" dirty="0"/>
-                        <a:t>Erledigt</a:t>
-                      </a:r>
-                    </a:p>
-                  </a:txBody>
-                  <a:tcPr/>
-                </a:tc>
-                <a:extLst>
-                  <a:ext uri="{0D108BD9-81ED-4DB2-BD59-A6C34878D82A}">
-                    <a16:rowId xmlns:a16="http://schemas.microsoft.com/office/drawing/2014/main" val="432160553"/>
-                  </a:ext>
-                </a:extLst>
-              </a:tr>
-              <a:tr h="728456">
-                <a:tc>
-                  <a:txBody>
-                    <a:bodyPr/>
-                    <a:lstStyle/>
-                    <a:p>
-                      <a:pPr marL="0" marR="0" lvl="0" indent="0" algn="l" defTabSz="914400" rtl="0" eaLnBrk="1" fontAlgn="auto" latinLnBrk="0" hangingPunct="1">
-                        <a:lnSpc>
-                          <a:spcPct val="100000"/>
-                        </a:lnSpc>
-                        <a:spcBef>
-                          <a:spcPts val="0"/>
-                        </a:spcBef>
-                        <a:spcAft>
-                          <a:spcPts val="0"/>
-                        </a:spcAft>
-                        <a:buClrTx/>
-                        <a:buSzTx/>
-                        <a:buFontTx/>
-                        <a:buNone/>
-                        <a:tabLst/>
-                        <a:defRPr/>
-                      </a:pPr>
-                      <a:r>
-                        <a:rPr lang="de-DE" sz="1400" noProof="0" dirty="0"/>
-                        <a:t>Layout / Design</a:t>
-                      </a:r>
-                    </a:p>
-                  </a:txBody>
-                  <a:tcPr/>
-                </a:tc>
-                <a:tc>
-                  <a:txBody>
-                    <a:bodyPr/>
-                    <a:lstStyle/>
-                    <a:p>
-                      <a:r>
-                        <a:rPr lang="de-DE" sz="1400" noProof="0" dirty="0"/>
-                        <a:t>Hans Bloching</a:t>
-                      </a:r>
-                    </a:p>
-                    <a:p>
-                      <a:r>
-                        <a:rPr lang="de-DE" sz="1400" noProof="0" dirty="0"/>
-                        <a:t>René Weber</a:t>
-                      </a:r>
-                    </a:p>
-                  </a:txBody>
-                  <a:tcPr/>
-                </a:tc>
-                <a:tc>
-                  <a:txBody>
-                    <a:bodyPr/>
-                    <a:lstStyle/>
-                    <a:p>
-                      <a:r>
-                        <a:rPr lang="de-DE" sz="1400" noProof="0" dirty="0"/>
-                        <a:t>9</a:t>
-                      </a:r>
-                    </a:p>
-                  </a:txBody>
-                  <a:tcPr/>
-                </a:tc>
-                <a:tc>
-                  <a:txBody>
-                    <a:bodyPr/>
-                    <a:lstStyle/>
-                    <a:p>
-                      <a:r>
-                        <a:rPr lang="en-US" sz="1400" noProof="0" dirty="0"/>
-                        <a:t>1</a:t>
-                      </a:r>
-                      <a:r>
-                        <a:rPr lang="de-DE" sz="1400" noProof="0" dirty="0"/>
-                        <a:t>2</a:t>
-                      </a:r>
-                    </a:p>
-                  </a:txBody>
-                  <a:tcPr/>
-                </a:tc>
-                <a:tc>
-                  <a:txBody>
-                    <a:bodyPr/>
-                    <a:lstStyle/>
-                    <a:p>
-                      <a:r>
-                        <a:rPr lang="de-DE" sz="1400" noProof="0" dirty="0"/>
-                        <a:t>Erledigt</a:t>
-                      </a:r>
-                    </a:p>
-                  </a:txBody>
-                  <a:tcPr/>
-                </a:tc>
-                <a:extLst>
-                  <a:ext uri="{0D108BD9-81ED-4DB2-BD59-A6C34878D82A}">
-                    <a16:rowId xmlns:a16="http://schemas.microsoft.com/office/drawing/2014/main" val="740267785"/>
-                  </a:ext>
-                </a:extLst>
-              </a:tr>
-              <a:tr h="515990">
-                <a:tc>
-                  <a:txBody>
-                    <a:bodyPr/>
-                    <a:lstStyle/>
-                    <a:p>
-                      <a:r>
-                        <a:rPr lang="de-DE" sz="1400" noProof="0" dirty="0"/>
-                        <a:t>Hosting</a:t>
-                      </a:r>
-                    </a:p>
-                  </a:txBody>
-                  <a:tcPr/>
-                </a:tc>
-                <a:tc>
-                  <a:txBody>
-                    <a:bodyPr/>
-                    <a:lstStyle/>
-                    <a:p>
-                      <a:r>
-                        <a:rPr lang="de-DE" sz="1400" noProof="0" dirty="0"/>
-                        <a:t>Dennis Haaf</a:t>
-                      </a:r>
-                    </a:p>
-                  </a:txBody>
-                  <a:tcPr/>
-                </a:tc>
-                <a:tc>
-                  <a:txBody>
-                    <a:bodyPr/>
-                    <a:lstStyle/>
-                    <a:p>
-                      <a:r>
-                        <a:rPr lang="de-DE" sz="1400" noProof="0" dirty="0"/>
-                        <a:t>8</a:t>
-                      </a:r>
-                    </a:p>
-                  </a:txBody>
-                  <a:tcPr/>
-                </a:tc>
-                <a:tc>
-                  <a:txBody>
-                    <a:bodyPr/>
-                    <a:lstStyle/>
-                    <a:p>
-                      <a:r>
-                        <a:rPr lang="en-US" sz="1400" noProof="0" dirty="0"/>
-                        <a:t>7</a:t>
-                      </a:r>
-                      <a:endParaRPr lang="de-DE" sz="1400" noProof="0" dirty="0"/>
-                    </a:p>
-                  </a:txBody>
-                  <a:tcPr/>
-                </a:tc>
-                <a:tc>
-                  <a:txBody>
-                    <a:bodyPr/>
-                    <a:lstStyle/>
-                    <a:p>
-                      <a:r>
-                        <a:rPr lang="de-DE" sz="1400" noProof="0" dirty="0"/>
-                        <a:t>Nicht umgesetzt</a:t>
-                      </a:r>
-                    </a:p>
-                  </a:txBody>
-                  <a:tcPr/>
-                </a:tc>
-                <a:extLst>
-                  <a:ext uri="{0D108BD9-81ED-4DB2-BD59-A6C34878D82A}">
-                    <a16:rowId xmlns:a16="http://schemas.microsoft.com/office/drawing/2014/main" val="2603736860"/>
-                  </a:ext>
-                </a:extLst>
-              </a:tr>
-              <a:tr h="515990">
-                <a:tc>
-                  <a:txBody>
-                    <a:bodyPr/>
-                    <a:lstStyle/>
-                    <a:p>
-                      <a:r>
-                        <a:rPr lang="de-DE" sz="1400" noProof="0" dirty="0"/>
-                        <a:t>Anbindung API</a:t>
-                      </a:r>
-                    </a:p>
-                  </a:txBody>
-                  <a:tcPr/>
-                </a:tc>
-                <a:tc>
-                  <a:txBody>
-                    <a:bodyPr/>
-                    <a:lstStyle/>
-                    <a:p>
-                      <a:r>
-                        <a:rPr lang="de-DE" sz="1400" noProof="0" dirty="0"/>
-                        <a:t>Dennis Haaf</a:t>
-                      </a:r>
-                    </a:p>
-                  </a:txBody>
-                  <a:tcPr/>
-                </a:tc>
-                <a:tc>
-                  <a:txBody>
-                    <a:bodyPr/>
-                    <a:lstStyle/>
-                    <a:p>
-                      <a:r>
-                        <a:rPr lang="en-US" sz="1400" noProof="0" dirty="0"/>
-                        <a:t>7</a:t>
-                      </a:r>
-                      <a:endParaRPr lang="de-DE" sz="1400" noProof="0" dirty="0"/>
-                    </a:p>
-                  </a:txBody>
-                  <a:tcPr/>
-                </a:tc>
-                <a:tc>
-                  <a:txBody>
-                    <a:bodyPr/>
-                    <a:lstStyle/>
-                    <a:p>
-                      <a:r>
-                        <a:rPr lang="en-US" sz="1400" noProof="0" dirty="0"/>
-                        <a:t>6</a:t>
-                      </a:r>
-                      <a:endParaRPr lang="de-DE" sz="1400" noProof="0" dirty="0"/>
-                    </a:p>
-                  </a:txBody>
-                  <a:tcPr/>
-                </a:tc>
-                <a:tc>
-                  <a:txBody>
-                    <a:bodyPr/>
-                    <a:lstStyle/>
-                    <a:p>
-                      <a:r>
-                        <a:rPr lang="de-DE" sz="1400" noProof="0" dirty="0"/>
-                        <a:t>Erledigt</a:t>
-                      </a:r>
-                    </a:p>
-                  </a:txBody>
-                  <a:tcPr/>
-                </a:tc>
-                <a:extLst>
-                  <a:ext uri="{0D108BD9-81ED-4DB2-BD59-A6C34878D82A}">
-                    <a16:rowId xmlns:a16="http://schemas.microsoft.com/office/drawing/2014/main" val="4252090113"/>
-                  </a:ext>
-                </a:extLst>
-              </a:tr>
-              <a:tr h="515990">
-                <a:tc>
-                  <a:txBody>
-                    <a:bodyPr/>
-                    <a:lstStyle/>
-                    <a:p>
-                      <a:r>
-                        <a:rPr lang="de-DE" sz="1400" noProof="0" dirty="0"/>
-                        <a:t>Anpassen Felder für API Erweiterung</a:t>
-                      </a:r>
-                    </a:p>
-                  </a:txBody>
-                  <a:tcPr/>
-                </a:tc>
-                <a:tc>
-                  <a:txBody>
-                    <a:bodyPr/>
-                    <a:lstStyle/>
-                    <a:p>
-                      <a:r>
-                        <a:rPr lang="de-DE" sz="1400" noProof="0" dirty="0"/>
-                        <a:t>Vincent Knapp</a:t>
-                      </a:r>
-                    </a:p>
-                  </a:txBody>
-                  <a:tcPr/>
-                </a:tc>
-                <a:tc>
-                  <a:txBody>
-                    <a:bodyPr/>
-                    <a:lstStyle/>
-                    <a:p>
-                      <a:r>
-                        <a:rPr lang="de-DE" sz="1400" noProof="0" dirty="0"/>
-                        <a:t>3</a:t>
-                      </a:r>
-                    </a:p>
-                  </a:txBody>
-                  <a:tcPr/>
-                </a:tc>
-                <a:tc>
-                  <a:txBody>
-                    <a:bodyPr/>
-                    <a:lstStyle/>
-                    <a:p>
-                      <a:r>
-                        <a:rPr lang="en-US" sz="1400" noProof="0" dirty="0"/>
-                        <a:t>2</a:t>
-                      </a:r>
-                      <a:endParaRPr lang="de-DE" sz="1400" noProof="0" dirty="0"/>
-                    </a:p>
-                  </a:txBody>
-                  <a:tcPr/>
-                </a:tc>
-                <a:tc>
-                  <a:txBody>
-                    <a:bodyPr/>
-                    <a:lstStyle/>
-                    <a:p>
-                      <a:r>
-                        <a:rPr lang="de-DE" sz="1400" noProof="0" dirty="0"/>
-                        <a:t>Erledigt</a:t>
-                      </a:r>
-                    </a:p>
-                  </a:txBody>
-                  <a:tcPr/>
-                </a:tc>
-                <a:extLst>
-                  <a:ext uri="{0D108BD9-81ED-4DB2-BD59-A6C34878D82A}">
-                    <a16:rowId xmlns:a16="http://schemas.microsoft.com/office/drawing/2014/main" val="1091053033"/>
-                  </a:ext>
-                </a:extLst>
-              </a:tr>
-              <a:tr h="728456">
-                <a:tc>
-                  <a:txBody>
-                    <a:bodyPr/>
-                    <a:lstStyle/>
-                    <a:p>
-                      <a:r>
-                        <a:rPr lang="de-DE" sz="1400" noProof="0" dirty="0"/>
-                        <a:t>Küchenansicht optimieren</a:t>
-                      </a:r>
-                    </a:p>
-                    <a:p>
-                      <a:pPr marL="285750" indent="-285750">
-                        <a:buFont typeface="Wingdings" panose="05000000000000000000" pitchFamily="2" charset="2"/>
-                        <a:buChar char="à"/>
-                      </a:pPr>
-                      <a:r>
-                        <a:rPr lang="de-DE" sz="1400" noProof="0" dirty="0" err="1">
-                          <a:sym typeface="Wingdings" panose="05000000000000000000" pitchFamily="2" charset="2"/>
-                        </a:rPr>
-                        <a:t>Grouping</a:t>
-                      </a:r>
-                      <a:r>
-                        <a:rPr lang="de-DE" sz="1400" noProof="0" dirty="0">
-                          <a:sym typeface="Wingdings" panose="05000000000000000000" pitchFamily="2" charset="2"/>
-                        </a:rPr>
-                        <a:t> per </a:t>
-                      </a:r>
-                      <a:r>
-                        <a:rPr lang="de-DE" sz="1400" noProof="0" dirty="0" err="1">
-                          <a:sym typeface="Wingdings" panose="05000000000000000000" pitchFamily="2" charset="2"/>
-                        </a:rPr>
-                        <a:t>table</a:t>
-                      </a:r>
-                      <a:endParaRPr lang="de-DE" sz="1400" noProof="0" dirty="0">
-                        <a:sym typeface="Wingdings" panose="05000000000000000000" pitchFamily="2" charset="2"/>
-                      </a:endParaRPr>
-                    </a:p>
-                    <a:p>
-                      <a:pPr marL="285750" indent="-285750">
-                        <a:buFont typeface="Wingdings" panose="05000000000000000000" pitchFamily="2" charset="2"/>
-                        <a:buChar char="à"/>
-                      </a:pPr>
-                      <a:r>
-                        <a:rPr lang="de-DE" sz="1400" noProof="0" dirty="0" err="1">
-                          <a:sym typeface="Wingdings" panose="05000000000000000000" pitchFamily="2" charset="2"/>
-                        </a:rPr>
-                        <a:t>Grouping</a:t>
-                      </a:r>
-                      <a:r>
-                        <a:rPr lang="de-DE" sz="1400" noProof="0" dirty="0">
-                          <a:sym typeface="Wingdings" panose="05000000000000000000" pitchFamily="2" charset="2"/>
-                        </a:rPr>
-                        <a:t> per </a:t>
-                      </a:r>
-                      <a:r>
-                        <a:rPr lang="de-DE" sz="1400" noProof="0" dirty="0" err="1">
-                          <a:sym typeface="Wingdings" panose="05000000000000000000" pitchFamily="2" charset="2"/>
-                        </a:rPr>
-                        <a:t>article</a:t>
-                      </a:r>
-                      <a:endParaRPr lang="de-DE" sz="1400" noProof="0" dirty="0">
-                        <a:sym typeface="Wingdings" panose="05000000000000000000" pitchFamily="2" charset="2"/>
-                      </a:endParaRPr>
-                    </a:p>
-                    <a:p>
-                      <a:pPr marL="285750" indent="-285750">
-                        <a:buFont typeface="Wingdings" panose="05000000000000000000" pitchFamily="2" charset="2"/>
-                        <a:buChar char="à"/>
-                      </a:pPr>
-                      <a:r>
-                        <a:rPr lang="de-DE" sz="1400" noProof="0" dirty="0">
-                          <a:sym typeface="Wingdings" panose="05000000000000000000" pitchFamily="2" charset="2"/>
-                        </a:rPr>
-                        <a:t>Switchen zwischen diesen Ansichten</a:t>
-                      </a:r>
-                      <a:endParaRPr lang="de-DE" sz="1400" noProof="0" dirty="0"/>
-                    </a:p>
-                  </a:txBody>
-                  <a:tcPr/>
-                </a:tc>
-                <a:tc>
-                  <a:txBody>
-                    <a:bodyPr/>
-                    <a:lstStyle/>
-                    <a:p>
-                      <a:r>
-                        <a:rPr lang="de-DE" sz="1400" noProof="0" dirty="0"/>
-                        <a:t>Vincent Knapp</a:t>
-                      </a:r>
-                    </a:p>
-                  </a:txBody>
-                  <a:tcPr/>
-                </a:tc>
-                <a:tc>
-                  <a:txBody>
-                    <a:bodyPr/>
-                    <a:lstStyle/>
-                    <a:p>
-                      <a:r>
-                        <a:rPr lang="de-DE" sz="1400" noProof="0" dirty="0"/>
-                        <a:t>8</a:t>
-                      </a:r>
-                    </a:p>
-                  </a:txBody>
-                  <a:tcPr/>
-                </a:tc>
-                <a:tc>
-                  <a:txBody>
-                    <a:bodyPr/>
-                    <a:lstStyle/>
-                    <a:p>
-                      <a:r>
-                        <a:rPr lang="en-US" sz="1400" noProof="0" dirty="0"/>
-                        <a:t>10</a:t>
-                      </a:r>
-                      <a:endParaRPr lang="de-DE" sz="1400" noProof="0" dirty="0"/>
-                    </a:p>
-                  </a:txBody>
-                  <a:tcPr/>
-                </a:tc>
-                <a:tc>
-                  <a:txBody>
-                    <a:bodyPr/>
-                    <a:lstStyle/>
-                    <a:p>
-                      <a:r>
-                        <a:rPr lang="de-DE" sz="1400" noProof="0" dirty="0"/>
-                        <a:t>Erledigt</a:t>
-                      </a:r>
-                    </a:p>
-                  </a:txBody>
-                  <a:tcPr/>
-                </a:tc>
-                <a:extLst>
-                  <a:ext uri="{0D108BD9-81ED-4DB2-BD59-A6C34878D82A}">
-                    <a16:rowId xmlns:a16="http://schemas.microsoft.com/office/drawing/2014/main" val="2446957633"/>
-                  </a:ext>
-                </a:extLst>
-              </a:tr>
-            </a:tbl>
-          </a:graphicData>
-        </a:graphic>
-      </p:graphicFrame>
-    </p:spTree>
-    <p:extLst>
-      <p:ext uri="{BB962C8B-B14F-4D97-AF65-F5344CB8AC3E}">
-        <p14:creationId xmlns:p14="http://schemas.microsoft.com/office/powerpoint/2010/main" val="3032542341"/>
-      </p:ext>
-    </p:extLst>
-  </p:cSld>
-  <p:clrMapOvr>
-    <a:masterClrMapping/>
-  </p:clrMapOvr>
-</p:sld>
-</file>
-
-<file path=ppt/slides/slide5.xml><?xml version="1.0" encoding="utf-8"?>
-<p:sld xmlns:a="http://schemas.openxmlformats.org/drawingml/2006/main" xmlns:r="http://schemas.openxmlformats.org/officeDocument/2006/relationships" xmlns:p="http://schemas.openxmlformats.org/presentationml/2006/main">
-  <p:cSld>
-    <p:spTree>
-      <p:nvGrpSpPr>
-        <p:cNvPr id="1" name=""/>
-        <p:cNvGrpSpPr/>
-        <p:nvPr/>
-      </p:nvGrpSpPr>
-      <p:grpSpPr>
-        <a:xfrm>
-          <a:off x="0" y="0"/>
-          <a:ext cx="0" cy="0"/>
-          <a:chOff x="0" y="0"/>
-          <a:chExt cx="0" cy="0"/>
-        </a:xfrm>
-      </p:grpSpPr>
-      <p:sp>
-        <p:nvSpPr>
-          <p:cNvPr id="2" name="Titel 1">
-            <a:extLst>
-              <a:ext uri="{FF2B5EF4-FFF2-40B4-BE49-F238E27FC236}">
-                <a16:creationId xmlns:a16="http://schemas.microsoft.com/office/drawing/2014/main" id="{79153A5A-42D6-38AA-D828-2C8F5CFE3886}"/>
-              </a:ext>
-            </a:extLst>
-          </p:cNvPr>
-          <p:cNvSpPr>
-            <a:spLocks noGrp="1"/>
-          </p:cNvSpPr>
-          <p:nvPr>
-            <p:ph type="title"/>
-          </p:nvPr>
-        </p:nvSpPr>
-        <p:spPr/>
-        <p:txBody>
-          <a:bodyPr/>
-          <a:lstStyle/>
-          <a:p>
-            <a:r>
-              <a:rPr lang="de-DE" noProof="0"/>
-              <a:t>3. Retrospektive</a:t>
-            </a:r>
-            <a:endParaRPr lang="de-DE" dirty="0"/>
-          </a:p>
-        </p:txBody>
-      </p:sp>
-      <p:sp>
-        <p:nvSpPr>
-          <p:cNvPr id="7" name="Datumsplatzhalter 6">
-            <a:extLst>
-              <a:ext uri="{FF2B5EF4-FFF2-40B4-BE49-F238E27FC236}">
-                <a16:creationId xmlns:a16="http://schemas.microsoft.com/office/drawing/2014/main" id="{098A9CB6-954E-B757-AC00-4A778ED6535E}"/>
-              </a:ext>
-            </a:extLst>
-          </p:cNvPr>
-          <p:cNvSpPr>
-            <a:spLocks noGrp="1"/>
-          </p:cNvSpPr>
-          <p:nvPr>
-            <p:ph type="dt" sz="half" idx="10"/>
-          </p:nvPr>
-        </p:nvSpPr>
-        <p:spPr/>
-        <p:txBody>
-          <a:bodyPr/>
-          <a:lstStyle/>
-          <a:p>
-            <a:fld id="{75919FF8-1369-4F22-8739-0971D22D8076}" type="datetime1">
-              <a:rPr lang="de-DE" smtClean="0"/>
-              <a:t>11.01.2025</a:t>
-            </a:fld>
-            <a:endParaRPr lang="en-US"/>
-          </a:p>
-        </p:txBody>
-      </p:sp>
-      <p:sp>
-        <p:nvSpPr>
-          <p:cNvPr id="8" name="Foliennummernplatzhalter 7">
-            <a:extLst>
-              <a:ext uri="{FF2B5EF4-FFF2-40B4-BE49-F238E27FC236}">
-                <a16:creationId xmlns:a16="http://schemas.microsoft.com/office/drawing/2014/main" id="{F6E3DE72-A848-5233-F182-414F08D31AA6}"/>
-              </a:ext>
-            </a:extLst>
-          </p:cNvPr>
-          <p:cNvSpPr>
-            <a:spLocks noGrp="1"/>
-          </p:cNvSpPr>
-          <p:nvPr>
-            <p:ph type="sldNum" sz="quarter" idx="12"/>
-          </p:nvPr>
-        </p:nvSpPr>
-        <p:spPr/>
-        <p:txBody>
-          <a:bodyPr/>
-          <a:lstStyle/>
-          <a:p>
-            <a:fld id="{07CE569E-9B7C-4CB9-AB80-C0841F922CFF}" type="slidenum">
-              <a:rPr lang="en-US" smtClean="0"/>
-              <a:t>5</a:t>
-            </a:fld>
-            <a:endParaRPr lang="en-US"/>
-          </a:p>
-        </p:txBody>
-      </p:sp>
-      <p:sp>
-        <p:nvSpPr>
-          <p:cNvPr id="18" name="Textfeld 17">
-            <a:extLst>
-              <a:ext uri="{FF2B5EF4-FFF2-40B4-BE49-F238E27FC236}">
-                <a16:creationId xmlns:a16="http://schemas.microsoft.com/office/drawing/2014/main" id="{22E7EA54-6431-6012-72BE-61692230AC59}"/>
-              </a:ext>
-            </a:extLst>
-          </p:cNvPr>
-          <p:cNvSpPr txBox="1"/>
-          <p:nvPr/>
-        </p:nvSpPr>
-        <p:spPr>
-          <a:xfrm>
-            <a:off x="1225550" y="1847850"/>
-            <a:ext cx="5314950" cy="523220"/>
-          </a:xfrm>
-          <a:prstGeom prst="rect">
-            <a:avLst/>
-          </a:prstGeom>
-          <a:noFill/>
-        </p:spPr>
-        <p:txBody>
-          <a:bodyPr wrap="square" rtlCol="0">
-            <a:spAutoFit/>
-          </a:bodyPr>
-          <a:lstStyle/>
-          <a:p>
-            <a:r>
-              <a:rPr lang="de-DE" sz="2800" noProof="0" dirty="0"/>
-              <a:t>1. Stunden</a:t>
-            </a:r>
-            <a:endParaRPr lang="de-DE" sz="2800" dirty="0"/>
-          </a:p>
-        </p:txBody>
-      </p:sp>
-      <p:graphicFrame>
-        <p:nvGraphicFramePr>
-          <p:cNvPr id="5" name="Tabelle 4">
-            <a:extLst>
-              <a:ext uri="{FF2B5EF4-FFF2-40B4-BE49-F238E27FC236}">
-                <a16:creationId xmlns:a16="http://schemas.microsoft.com/office/drawing/2014/main" id="{823E2A83-E151-7005-7128-14F77E7E385E}"/>
-              </a:ext>
-            </a:extLst>
-          </p:cNvPr>
-          <p:cNvGraphicFramePr>
-            <a:graphicFrameLocks noGrp="1"/>
-          </p:cNvGraphicFramePr>
-          <p:nvPr>
-            <p:extLst>
-              <p:ext uri="{D42A27DB-BD31-4B8C-83A1-F6EECF244321}">
-                <p14:modId xmlns:p14="http://schemas.microsoft.com/office/powerpoint/2010/main" val="923882235"/>
-              </p:ext>
-            </p:extLst>
-          </p:nvPr>
-        </p:nvGraphicFramePr>
-        <p:xfrm>
-          <a:off x="1848816" y="2286000"/>
-          <a:ext cx="8494368" cy="3862078"/>
-        </p:xfrm>
-        <a:graphic>
-          <a:graphicData uri="http://schemas.openxmlformats.org/drawingml/2006/table">
-            <a:tbl>
-              <a:tblPr>
-                <a:tableStyleId>{5940675A-B579-460E-94D1-54222C63F5DA}</a:tableStyleId>
-              </a:tblPr>
-              <a:tblGrid>
-                <a:gridCol w="1415728">
-                  <a:extLst>
-                    <a:ext uri="{9D8B030D-6E8A-4147-A177-3AD203B41FA5}">
-                      <a16:colId xmlns:a16="http://schemas.microsoft.com/office/drawing/2014/main" val="2995477702"/>
-                    </a:ext>
-                  </a:extLst>
-                </a:gridCol>
-                <a:gridCol w="1415728">
-                  <a:extLst>
-                    <a:ext uri="{9D8B030D-6E8A-4147-A177-3AD203B41FA5}">
-                      <a16:colId xmlns:a16="http://schemas.microsoft.com/office/drawing/2014/main" val="710254781"/>
-                    </a:ext>
-                  </a:extLst>
-                </a:gridCol>
-                <a:gridCol w="1415728">
-                  <a:extLst>
-                    <a:ext uri="{9D8B030D-6E8A-4147-A177-3AD203B41FA5}">
-                      <a16:colId xmlns:a16="http://schemas.microsoft.com/office/drawing/2014/main" val="1400273077"/>
-                    </a:ext>
-                  </a:extLst>
-                </a:gridCol>
-                <a:gridCol w="1415728">
-                  <a:extLst>
-                    <a:ext uri="{9D8B030D-6E8A-4147-A177-3AD203B41FA5}">
-                      <a16:colId xmlns:a16="http://schemas.microsoft.com/office/drawing/2014/main" val="2902639572"/>
-                    </a:ext>
-                  </a:extLst>
-                </a:gridCol>
-                <a:gridCol w="1415728">
-                  <a:extLst>
-                    <a:ext uri="{9D8B030D-6E8A-4147-A177-3AD203B41FA5}">
-                      <a16:colId xmlns:a16="http://schemas.microsoft.com/office/drawing/2014/main" val="4128075999"/>
-                    </a:ext>
-                  </a:extLst>
-                </a:gridCol>
-                <a:gridCol w="1415728">
-                  <a:extLst>
-                    <a:ext uri="{9D8B030D-6E8A-4147-A177-3AD203B41FA5}">
-                      <a16:colId xmlns:a16="http://schemas.microsoft.com/office/drawing/2014/main" val="2140225275"/>
-                    </a:ext>
-                  </a:extLst>
-                </a:gridCol>
-              </a:tblGrid>
-              <a:tr h="398923">
-                <a:tc gridSpan="2">
-                  <a:txBody>
-                    <a:bodyPr/>
-                    <a:lstStyle/>
-                    <a:p>
-                      <a:pPr algn="ctr" fontAlgn="b"/>
-                      <a:r>
-                        <a:rPr lang="de-DE" sz="1400" b="1" u="none" strike="noStrike" dirty="0">
-                          <a:effectLst/>
-                        </a:rPr>
-                        <a:t>Sprint 1</a:t>
-                      </a:r>
-                      <a:endParaRPr lang="de-DE" sz="1400" b="1" i="0" u="none" strike="noStrike" dirty="0">
-                        <a:solidFill>
-                          <a:srgbClr val="000000"/>
-                        </a:solidFill>
-                        <a:effectLst/>
-                        <a:latin typeface="Aptos Narrow" panose="020B0004020202020204" pitchFamily="34" charset="0"/>
-                      </a:endParaRPr>
-                    </a:p>
-                  </a:txBody>
-                  <a:tcPr marL="9525" marR="9525" marT="9525" marB="0" anchor="b"/>
-                </a:tc>
-                <a:tc hMerge="1">
-                  <a:txBody>
-                    <a:bodyPr/>
-                    <a:lstStyle/>
-                    <a:p>
-                      <a:endParaRPr lang="de-DE"/>
-                    </a:p>
-                  </a:txBody>
-                  <a:tcPr/>
-                </a:tc>
-                <a:tc gridSpan="2">
-                  <a:txBody>
-                    <a:bodyPr/>
-                    <a:lstStyle/>
-                    <a:p>
-                      <a:pPr algn="ctr" fontAlgn="b"/>
-                      <a:r>
-                        <a:rPr lang="de-DE" sz="1400" b="1" u="none" strike="noStrike" dirty="0">
-                          <a:effectLst/>
-                        </a:rPr>
-                        <a:t>Sprint 2</a:t>
-                      </a:r>
-                      <a:endParaRPr lang="de-DE" sz="1400" b="1" i="0" u="none" strike="noStrike" dirty="0">
-                        <a:solidFill>
-                          <a:srgbClr val="000000"/>
-                        </a:solidFill>
-                        <a:effectLst/>
-                        <a:latin typeface="Aptos Narrow" panose="020B0004020202020204" pitchFamily="34" charset="0"/>
-                      </a:endParaRPr>
-                    </a:p>
-                  </a:txBody>
-                  <a:tcPr marL="9525" marR="9525" marT="9525" marB="0" anchor="b"/>
-                </a:tc>
-                <a:tc hMerge="1">
-                  <a:txBody>
-                    <a:bodyPr/>
-                    <a:lstStyle/>
-                    <a:p>
-                      <a:endParaRPr lang="de-DE"/>
-                    </a:p>
-                  </a:txBody>
-                  <a:tcPr/>
-                </a:tc>
-                <a:tc gridSpan="2">
-                  <a:txBody>
-                    <a:bodyPr/>
-                    <a:lstStyle/>
-                    <a:p>
-                      <a:pPr algn="ctr" fontAlgn="b"/>
-                      <a:r>
-                        <a:rPr lang="de-DE" sz="1400" b="1" u="none" strike="noStrike" dirty="0">
-                          <a:effectLst/>
-                        </a:rPr>
-                        <a:t>Sprint 3</a:t>
-                      </a:r>
-                      <a:endParaRPr lang="de-DE" sz="1400" b="1" i="0" u="none" strike="noStrike" dirty="0">
-                        <a:solidFill>
-                          <a:srgbClr val="000000"/>
-                        </a:solidFill>
-                        <a:effectLst/>
-                        <a:latin typeface="Aptos Narrow" panose="020B0004020202020204" pitchFamily="34" charset="0"/>
-                      </a:endParaRPr>
-                    </a:p>
-                  </a:txBody>
-                  <a:tcPr marL="9525" marR="9525" marT="9525" marB="0" anchor="b"/>
-                </a:tc>
-                <a:tc hMerge="1">
-                  <a:txBody>
-                    <a:bodyPr/>
-                    <a:lstStyle/>
-                    <a:p>
-                      <a:endParaRPr lang="de-DE"/>
-                    </a:p>
-                  </a:txBody>
-                  <a:tcPr/>
-                </a:tc>
-                <a:extLst>
-                  <a:ext uri="{0D108BD9-81ED-4DB2-BD59-A6C34878D82A}">
-                    <a16:rowId xmlns:a16="http://schemas.microsoft.com/office/drawing/2014/main" val="2291776983"/>
-                  </a:ext>
-                </a:extLst>
-              </a:tr>
-              <a:tr h="384795">
-                <a:tc>
-                  <a:txBody>
-                    <a:bodyPr/>
-                    <a:lstStyle/>
-                    <a:p>
-                      <a:pPr algn="l" fontAlgn="b"/>
-                      <a:r>
-                        <a:rPr lang="de-DE" sz="1400" b="1" u="none" strike="noStrike" dirty="0">
-                          <a:effectLst/>
-                        </a:rPr>
-                        <a:t>Geschätzt</a:t>
-                      </a:r>
-                      <a:endParaRPr lang="de-DE" sz="1400" b="1" i="0" u="none" strike="noStrike" dirty="0">
-                        <a:solidFill>
-                          <a:srgbClr val="000000"/>
-                        </a:solidFill>
-                        <a:effectLst/>
-                        <a:latin typeface="Aptos Narrow" panose="020B0004020202020204" pitchFamily="34" charset="0"/>
-                      </a:endParaRPr>
-                    </a:p>
-                  </a:txBody>
-                  <a:tcPr marL="9525" marR="9525" marT="9525" marB="0" anchor="b">
-                    <a:solidFill>
-                      <a:schemeClr val="bg1">
-                        <a:lumMod val="65000"/>
-                        <a:lumOff val="35000"/>
-                      </a:schemeClr>
-                    </a:solidFill>
-                  </a:tcPr>
-                </a:tc>
-                <a:tc>
-                  <a:txBody>
-                    <a:bodyPr/>
-                    <a:lstStyle/>
-                    <a:p>
-                      <a:pPr algn="l" fontAlgn="b"/>
-                      <a:r>
-                        <a:rPr lang="de-DE" sz="1400" b="1" u="none" strike="noStrike" dirty="0">
-                          <a:effectLst/>
-                        </a:rPr>
-                        <a:t>Tatsächlich</a:t>
-                      </a:r>
-                      <a:endParaRPr lang="de-DE" sz="1400" b="1" i="0" u="none" strike="noStrike" dirty="0">
-                        <a:solidFill>
-                          <a:srgbClr val="000000"/>
-                        </a:solidFill>
-                        <a:effectLst/>
-                        <a:latin typeface="Aptos Narrow" panose="020B0004020202020204" pitchFamily="34" charset="0"/>
-                      </a:endParaRPr>
-                    </a:p>
-                  </a:txBody>
-                  <a:tcPr marL="9525" marR="9525" marT="9525" marB="0" anchor="b">
-                    <a:solidFill>
-                      <a:schemeClr val="accent1">
-                        <a:lumMod val="50000"/>
-                      </a:schemeClr>
-                    </a:solidFill>
-                  </a:tcPr>
-                </a:tc>
-                <a:tc>
-                  <a:txBody>
-                    <a:bodyPr/>
-                    <a:lstStyle/>
-                    <a:p>
-                      <a:pPr algn="l" fontAlgn="b"/>
-                      <a:r>
-                        <a:rPr lang="de-DE" sz="1400" b="1" u="none" strike="noStrike" dirty="0">
-                          <a:effectLst/>
-                        </a:rPr>
-                        <a:t>Geschätzt</a:t>
-                      </a:r>
-                      <a:endParaRPr lang="de-DE" sz="1400" b="1" i="0" u="none" strike="noStrike" dirty="0">
-                        <a:solidFill>
-                          <a:srgbClr val="000000"/>
-                        </a:solidFill>
-                        <a:effectLst/>
-                        <a:latin typeface="Aptos Narrow" panose="020B0004020202020204" pitchFamily="34" charset="0"/>
-                      </a:endParaRPr>
-                    </a:p>
-                  </a:txBody>
-                  <a:tcPr marL="9525" marR="9525" marT="9525" marB="0" anchor="b">
-                    <a:solidFill>
-                      <a:schemeClr val="bg1">
-                        <a:lumMod val="65000"/>
-                        <a:lumOff val="35000"/>
-                      </a:schemeClr>
-                    </a:solidFill>
-                  </a:tcPr>
-                </a:tc>
-                <a:tc>
-                  <a:txBody>
-                    <a:bodyPr/>
-                    <a:lstStyle/>
-                    <a:p>
-                      <a:pPr algn="l" fontAlgn="b"/>
-                      <a:r>
-                        <a:rPr lang="de-DE" sz="1400" b="1" u="none" strike="noStrike" dirty="0">
-                          <a:effectLst/>
-                        </a:rPr>
-                        <a:t>Tatsächlich</a:t>
-                      </a:r>
-                      <a:endParaRPr lang="de-DE" sz="1400" b="1" i="0" u="none" strike="noStrike" dirty="0">
-                        <a:solidFill>
-                          <a:srgbClr val="000000"/>
-                        </a:solidFill>
-                        <a:effectLst/>
-                        <a:latin typeface="Aptos Narrow" panose="020B0004020202020204" pitchFamily="34" charset="0"/>
-                      </a:endParaRPr>
-                    </a:p>
-                  </a:txBody>
-                  <a:tcPr marL="9525" marR="9525" marT="9525" marB="0" anchor="b">
-                    <a:solidFill>
-                      <a:schemeClr val="accent1">
-                        <a:lumMod val="50000"/>
-                      </a:schemeClr>
-                    </a:solidFill>
-                  </a:tcPr>
-                </a:tc>
-                <a:tc>
-                  <a:txBody>
-                    <a:bodyPr/>
-                    <a:lstStyle/>
-                    <a:p>
-                      <a:pPr algn="l" fontAlgn="b"/>
-                      <a:r>
-                        <a:rPr lang="de-DE" sz="1400" b="1" u="none" strike="noStrike" dirty="0">
-                          <a:effectLst/>
-                        </a:rPr>
-                        <a:t>Geschätzt</a:t>
-                      </a:r>
-                      <a:endParaRPr lang="de-DE" sz="1400" b="1" i="0" u="none" strike="noStrike" dirty="0">
-                        <a:solidFill>
-                          <a:srgbClr val="000000"/>
-                        </a:solidFill>
-                        <a:effectLst/>
-                        <a:latin typeface="Aptos Narrow" panose="020B0004020202020204" pitchFamily="34" charset="0"/>
-                      </a:endParaRPr>
-                    </a:p>
-                  </a:txBody>
-                  <a:tcPr marL="9525" marR="9525" marT="9525" marB="0" anchor="b">
-                    <a:solidFill>
-                      <a:schemeClr val="bg1">
-                        <a:lumMod val="65000"/>
-                        <a:lumOff val="35000"/>
-                      </a:schemeClr>
-                    </a:solidFill>
-                  </a:tcPr>
-                </a:tc>
-                <a:tc>
-                  <a:txBody>
-                    <a:bodyPr/>
-                    <a:lstStyle/>
-                    <a:p>
-                      <a:pPr algn="l" fontAlgn="b"/>
-                      <a:r>
-                        <a:rPr lang="de-DE" sz="1400" b="1" u="none" strike="noStrike" dirty="0">
-                          <a:effectLst/>
-                        </a:rPr>
-                        <a:t>Tatsächlich</a:t>
-                      </a:r>
-                      <a:endParaRPr lang="de-DE" sz="1400" b="1" i="0" u="none" strike="noStrike" dirty="0">
-                        <a:solidFill>
-                          <a:srgbClr val="000000"/>
-                        </a:solidFill>
-                        <a:effectLst/>
-                        <a:latin typeface="Aptos Narrow" panose="020B0004020202020204" pitchFamily="34" charset="0"/>
-                      </a:endParaRPr>
-                    </a:p>
-                  </a:txBody>
-                  <a:tcPr marL="9525" marR="9525" marT="9525" marB="0" anchor="b">
-                    <a:solidFill>
-                      <a:schemeClr val="accent1">
-                        <a:lumMod val="50000"/>
-                      </a:schemeClr>
-                    </a:solidFill>
-                  </a:tcPr>
-                </a:tc>
-                <a:extLst>
-                  <a:ext uri="{0D108BD9-81ED-4DB2-BD59-A6C34878D82A}">
-                    <a16:rowId xmlns:a16="http://schemas.microsoft.com/office/drawing/2014/main" val="1061886808"/>
-                  </a:ext>
-                </a:extLst>
-              </a:tr>
-              <a:tr h="384795">
-                <a:tc>
-                  <a:txBody>
-                    <a:bodyPr/>
-                    <a:lstStyle/>
-                    <a:p>
-                      <a:pPr algn="r" fontAlgn="b"/>
-                      <a:r>
-                        <a:rPr lang="de-DE" sz="1400" u="none" strike="noStrike" dirty="0">
-                          <a:effectLst/>
-                        </a:rPr>
-                        <a:t>18</a:t>
-                      </a:r>
-                      <a:endParaRPr lang="de-DE" sz="1400" b="0" i="0" u="none" strike="noStrike" dirty="0">
-                        <a:solidFill>
-                          <a:srgbClr val="000000"/>
-                        </a:solidFill>
-                        <a:effectLst/>
-                        <a:latin typeface="Aptos Narrow" panose="020B0004020202020204" pitchFamily="34" charset="0"/>
-                      </a:endParaRPr>
-                    </a:p>
-                  </a:txBody>
-                  <a:tcPr marL="9525" marR="9525" marT="9525" marB="0" anchor="b">
-                    <a:solidFill>
-                      <a:schemeClr val="bg1">
-                        <a:lumMod val="65000"/>
-                        <a:lumOff val="35000"/>
-                      </a:schemeClr>
-                    </a:solidFill>
-                  </a:tcPr>
-                </a:tc>
-                <a:tc>
-                  <a:txBody>
-                    <a:bodyPr/>
-                    <a:lstStyle/>
-                    <a:p>
-                      <a:pPr algn="r" fontAlgn="b"/>
-                      <a:r>
-                        <a:rPr lang="de-DE" sz="1400" u="none" strike="noStrike" dirty="0">
-                          <a:effectLst/>
-                        </a:rPr>
-                        <a:t>14</a:t>
-                      </a:r>
-                      <a:endParaRPr lang="de-DE" sz="1400" b="0" i="0" u="none" strike="noStrike" dirty="0">
-                        <a:solidFill>
-                          <a:srgbClr val="000000"/>
-                        </a:solidFill>
-                        <a:effectLst/>
-                        <a:latin typeface="Aptos Narrow" panose="020B0004020202020204" pitchFamily="34" charset="0"/>
-                      </a:endParaRPr>
-                    </a:p>
-                  </a:txBody>
-                  <a:tcPr marL="9525" marR="9525" marT="9525" marB="0" anchor="b">
-                    <a:solidFill>
-                      <a:schemeClr val="accent1">
-                        <a:lumMod val="50000"/>
-                      </a:schemeClr>
-                    </a:solidFill>
-                  </a:tcPr>
-                </a:tc>
-                <a:tc>
-                  <a:txBody>
-                    <a:bodyPr/>
-                    <a:lstStyle/>
-                    <a:p>
-                      <a:pPr algn="r" fontAlgn="b"/>
-                      <a:r>
-                        <a:rPr lang="de-DE" sz="1400" u="none" strike="noStrike" dirty="0">
-                          <a:effectLst/>
-                        </a:rPr>
-                        <a:t>16</a:t>
-                      </a:r>
-                      <a:endParaRPr lang="de-DE" sz="1400" b="0" i="0" u="none" strike="noStrike" dirty="0">
-                        <a:solidFill>
-                          <a:srgbClr val="000000"/>
-                        </a:solidFill>
-                        <a:effectLst/>
-                        <a:latin typeface="Aptos Narrow" panose="020B0004020202020204" pitchFamily="34" charset="0"/>
-                      </a:endParaRPr>
-                    </a:p>
-                  </a:txBody>
-                  <a:tcPr marL="9525" marR="9525" marT="9525" marB="0" anchor="b">
-                    <a:solidFill>
-                      <a:schemeClr val="bg1">
-                        <a:lumMod val="65000"/>
-                        <a:lumOff val="35000"/>
-                      </a:schemeClr>
-                    </a:solidFill>
-                  </a:tcPr>
-                </a:tc>
-                <a:tc>
-                  <a:txBody>
-                    <a:bodyPr/>
-                    <a:lstStyle/>
-                    <a:p>
-                      <a:pPr algn="r" fontAlgn="b"/>
-                      <a:r>
-                        <a:rPr lang="de-DE" sz="1400" u="none" strike="noStrike" dirty="0">
-                          <a:effectLst/>
-                        </a:rPr>
-                        <a:t>14</a:t>
-                      </a:r>
-                      <a:endParaRPr lang="de-DE" sz="1400" b="0" i="0" u="none" strike="noStrike" dirty="0">
-                        <a:solidFill>
-                          <a:srgbClr val="000000"/>
-                        </a:solidFill>
-                        <a:effectLst/>
-                        <a:latin typeface="Aptos Narrow" panose="020B0004020202020204" pitchFamily="34" charset="0"/>
-                      </a:endParaRPr>
-                    </a:p>
-                  </a:txBody>
-                  <a:tcPr marL="9525" marR="9525" marT="9525" marB="0" anchor="b">
-                    <a:solidFill>
-                      <a:schemeClr val="accent1">
-                        <a:lumMod val="50000"/>
-                      </a:schemeClr>
-                    </a:solidFill>
-                  </a:tcPr>
-                </a:tc>
-                <a:tc>
-                  <a:txBody>
-                    <a:bodyPr/>
-                    <a:lstStyle/>
-                    <a:p>
-                      <a:pPr algn="r" fontAlgn="b"/>
-                      <a:r>
-                        <a:rPr lang="de-DE" sz="1400" u="none" strike="noStrike" dirty="0">
-                          <a:effectLst/>
-                        </a:rPr>
-                        <a:t>10</a:t>
-                      </a:r>
-                      <a:endParaRPr lang="de-DE" sz="1400" b="0" i="0" u="none" strike="noStrike" dirty="0">
-                        <a:solidFill>
-                          <a:srgbClr val="000000"/>
-                        </a:solidFill>
-                        <a:effectLst/>
-                        <a:latin typeface="Aptos Narrow" panose="020B0004020202020204" pitchFamily="34" charset="0"/>
-                      </a:endParaRPr>
-                    </a:p>
-                  </a:txBody>
-                  <a:tcPr marL="9525" marR="9525" marT="9525" marB="0" anchor="b">
-                    <a:solidFill>
-                      <a:schemeClr val="bg1">
-                        <a:lumMod val="65000"/>
-                        <a:lumOff val="35000"/>
-                      </a:schemeClr>
-                    </a:solidFill>
-                  </a:tcPr>
-                </a:tc>
-                <a:tc>
-                  <a:txBody>
-                    <a:bodyPr/>
-                    <a:lstStyle/>
-                    <a:p>
-                      <a:pPr algn="r" fontAlgn="b"/>
-                      <a:r>
-                        <a:rPr lang="de-DE" sz="1400" u="none" strike="noStrike" dirty="0">
-                          <a:effectLst/>
-                        </a:rPr>
-                        <a:t>12</a:t>
-                      </a:r>
-                      <a:endParaRPr lang="de-DE" sz="1400" b="0" i="0" u="none" strike="noStrike" dirty="0">
-                        <a:solidFill>
-                          <a:srgbClr val="000000"/>
-                        </a:solidFill>
-                        <a:effectLst/>
-                        <a:latin typeface="Aptos Narrow" panose="020B0004020202020204" pitchFamily="34" charset="0"/>
-                      </a:endParaRPr>
-                    </a:p>
-                  </a:txBody>
-                  <a:tcPr marL="9525" marR="9525" marT="9525" marB="0" anchor="b">
-                    <a:solidFill>
-                      <a:schemeClr val="accent1">
-                        <a:lumMod val="50000"/>
-                      </a:schemeClr>
-                    </a:solidFill>
-                  </a:tcPr>
-                </a:tc>
-                <a:extLst>
-                  <a:ext uri="{0D108BD9-81ED-4DB2-BD59-A6C34878D82A}">
-                    <a16:rowId xmlns:a16="http://schemas.microsoft.com/office/drawing/2014/main" val="1307858597"/>
-                  </a:ext>
-                </a:extLst>
-              </a:tr>
-              <a:tr h="384795">
-                <a:tc>
-                  <a:txBody>
-                    <a:bodyPr/>
-                    <a:lstStyle/>
-                    <a:p>
-                      <a:pPr algn="r" fontAlgn="b"/>
-                      <a:r>
-                        <a:rPr lang="de-DE" sz="1400" u="none" strike="noStrike" dirty="0">
-                          <a:effectLst/>
-                        </a:rPr>
-                        <a:t>2</a:t>
-                      </a:r>
-                      <a:endParaRPr lang="de-DE" sz="1400" b="0" i="0" u="none" strike="noStrike" dirty="0">
-                        <a:solidFill>
-                          <a:srgbClr val="000000"/>
-                        </a:solidFill>
-                        <a:effectLst/>
-                        <a:latin typeface="Aptos Narrow" panose="020B0004020202020204" pitchFamily="34" charset="0"/>
-                      </a:endParaRPr>
-                    </a:p>
-                  </a:txBody>
-                  <a:tcPr marL="9525" marR="9525" marT="9525" marB="0" anchor="b">
-                    <a:solidFill>
-                      <a:schemeClr val="bg1">
-                        <a:lumMod val="65000"/>
-                        <a:lumOff val="35000"/>
-                      </a:schemeClr>
-                    </a:solidFill>
-                  </a:tcPr>
-                </a:tc>
-                <a:tc>
-                  <a:txBody>
-                    <a:bodyPr/>
-                    <a:lstStyle/>
-                    <a:p>
-                      <a:pPr algn="r" fontAlgn="b"/>
-                      <a:r>
-                        <a:rPr lang="de-DE" sz="1400" u="none" strike="noStrike" dirty="0">
-                          <a:effectLst/>
-                        </a:rPr>
-                        <a:t>2</a:t>
-                      </a:r>
-                      <a:endParaRPr lang="de-DE" sz="1400" b="0" i="0" u="none" strike="noStrike" dirty="0">
-                        <a:solidFill>
-                          <a:srgbClr val="000000"/>
-                        </a:solidFill>
-                        <a:effectLst/>
-                        <a:latin typeface="Aptos Narrow" panose="020B0004020202020204" pitchFamily="34" charset="0"/>
-                      </a:endParaRPr>
-                    </a:p>
-                  </a:txBody>
-                  <a:tcPr marL="9525" marR="9525" marT="9525" marB="0" anchor="b">
-                    <a:solidFill>
-                      <a:schemeClr val="accent1">
-                        <a:lumMod val="50000"/>
-                      </a:schemeClr>
-                    </a:solidFill>
-                  </a:tcPr>
-                </a:tc>
-                <a:tc>
-                  <a:txBody>
-                    <a:bodyPr/>
-                    <a:lstStyle/>
-                    <a:p>
-                      <a:pPr algn="r" fontAlgn="b"/>
-                      <a:r>
-                        <a:rPr lang="de-DE" sz="1400" u="none" strike="noStrike" dirty="0">
-                          <a:effectLst/>
-                        </a:rPr>
-                        <a:t>5</a:t>
-                      </a:r>
-                      <a:endParaRPr lang="de-DE" sz="1400" b="0" i="0" u="none" strike="noStrike" dirty="0">
-                        <a:solidFill>
-                          <a:srgbClr val="000000"/>
-                        </a:solidFill>
-                        <a:effectLst/>
-                        <a:latin typeface="Aptos Narrow" panose="020B0004020202020204" pitchFamily="34" charset="0"/>
-                      </a:endParaRPr>
-                    </a:p>
-                  </a:txBody>
-                  <a:tcPr marL="9525" marR="9525" marT="9525" marB="0" anchor="b">
-                    <a:solidFill>
-                      <a:schemeClr val="bg1">
-                        <a:lumMod val="65000"/>
-                        <a:lumOff val="35000"/>
-                      </a:schemeClr>
-                    </a:solidFill>
-                  </a:tcPr>
-                </a:tc>
-                <a:tc>
-                  <a:txBody>
-                    <a:bodyPr/>
-                    <a:lstStyle/>
-                    <a:p>
-                      <a:pPr algn="r" fontAlgn="b"/>
-                      <a:r>
-                        <a:rPr lang="de-DE" sz="1400" u="none" strike="noStrike" dirty="0">
-                          <a:effectLst/>
-                        </a:rPr>
-                        <a:t>7</a:t>
-                      </a:r>
-                      <a:endParaRPr lang="de-DE" sz="1400" b="0" i="0" u="none" strike="noStrike" dirty="0">
-                        <a:solidFill>
-                          <a:srgbClr val="000000"/>
-                        </a:solidFill>
-                        <a:effectLst/>
-                        <a:latin typeface="Aptos Narrow" panose="020B0004020202020204" pitchFamily="34" charset="0"/>
-                      </a:endParaRPr>
-                    </a:p>
-                  </a:txBody>
-                  <a:tcPr marL="9525" marR="9525" marT="9525" marB="0" anchor="b">
-                    <a:solidFill>
-                      <a:schemeClr val="accent1">
-                        <a:lumMod val="50000"/>
-                      </a:schemeClr>
-                    </a:solidFill>
-                  </a:tcPr>
-                </a:tc>
-                <a:tc>
-                  <a:txBody>
-                    <a:bodyPr/>
-                    <a:lstStyle/>
-                    <a:p>
-                      <a:pPr algn="r" fontAlgn="b"/>
-                      <a:r>
-                        <a:rPr lang="de-DE" sz="1400" u="none" strike="noStrike">
-                          <a:effectLst/>
-                        </a:rPr>
-                        <a:t>9</a:t>
-                      </a:r>
-                      <a:endParaRPr lang="de-DE" sz="1400" b="0" i="0" u="none" strike="noStrike">
-                        <a:solidFill>
-                          <a:srgbClr val="000000"/>
-                        </a:solidFill>
-                        <a:effectLst/>
-                        <a:latin typeface="Aptos Narrow" panose="020B0004020202020204" pitchFamily="34" charset="0"/>
-                      </a:endParaRPr>
-                    </a:p>
-                  </a:txBody>
-                  <a:tcPr marL="9525" marR="9525" marT="9525" marB="0" anchor="b">
-                    <a:solidFill>
-                      <a:schemeClr val="bg1">
-                        <a:lumMod val="65000"/>
-                        <a:lumOff val="35000"/>
-                      </a:schemeClr>
-                    </a:solidFill>
-                  </a:tcPr>
-                </a:tc>
-                <a:tc>
-                  <a:txBody>
-                    <a:bodyPr/>
-                    <a:lstStyle/>
-                    <a:p>
-                      <a:pPr algn="r" fontAlgn="b"/>
-                      <a:r>
-                        <a:rPr lang="de-DE" sz="1400" u="none" strike="noStrike" dirty="0">
-                          <a:effectLst/>
-                        </a:rPr>
-                        <a:t>12</a:t>
-                      </a:r>
-                      <a:endParaRPr lang="de-DE" sz="1400" b="0" i="0" u="none" strike="noStrike" dirty="0">
-                        <a:solidFill>
-                          <a:srgbClr val="000000"/>
-                        </a:solidFill>
-                        <a:effectLst/>
-                        <a:latin typeface="Aptos Narrow" panose="020B0004020202020204" pitchFamily="34" charset="0"/>
-                      </a:endParaRPr>
-                    </a:p>
-                  </a:txBody>
-                  <a:tcPr marL="9525" marR="9525" marT="9525" marB="0" anchor="b">
-                    <a:solidFill>
-                      <a:schemeClr val="accent1">
-                        <a:lumMod val="50000"/>
-                      </a:schemeClr>
-                    </a:solidFill>
-                  </a:tcPr>
-                </a:tc>
-                <a:extLst>
-                  <a:ext uri="{0D108BD9-81ED-4DB2-BD59-A6C34878D82A}">
-                    <a16:rowId xmlns:a16="http://schemas.microsoft.com/office/drawing/2014/main" val="1253406523"/>
-                  </a:ext>
-                </a:extLst>
-              </a:tr>
-              <a:tr h="384795">
-                <a:tc>
-                  <a:txBody>
-                    <a:bodyPr/>
-                    <a:lstStyle/>
-                    <a:p>
-                      <a:pPr algn="r" fontAlgn="b"/>
-                      <a:r>
-                        <a:rPr lang="de-DE" sz="1400" u="none" strike="noStrike" dirty="0">
-                          <a:effectLst/>
-                        </a:rPr>
-                        <a:t>8</a:t>
-                      </a:r>
-                      <a:endParaRPr lang="de-DE" sz="1400" b="0" i="0" u="none" strike="noStrike" dirty="0">
-                        <a:solidFill>
-                          <a:srgbClr val="000000"/>
-                        </a:solidFill>
-                        <a:effectLst/>
-                        <a:latin typeface="Aptos Narrow" panose="020B0004020202020204" pitchFamily="34" charset="0"/>
-                      </a:endParaRPr>
-                    </a:p>
-                  </a:txBody>
-                  <a:tcPr marL="9525" marR="9525" marT="9525" marB="0" anchor="b">
-                    <a:solidFill>
-                      <a:schemeClr val="bg1">
-                        <a:lumMod val="65000"/>
-                        <a:lumOff val="35000"/>
-                      </a:schemeClr>
-                    </a:solidFill>
-                  </a:tcPr>
-                </a:tc>
-                <a:tc>
-                  <a:txBody>
-                    <a:bodyPr/>
-                    <a:lstStyle/>
-                    <a:p>
-                      <a:pPr algn="r" fontAlgn="b"/>
-                      <a:r>
-                        <a:rPr lang="de-DE" sz="1400" u="none" strike="noStrike" dirty="0">
-                          <a:effectLst/>
-                        </a:rPr>
-                        <a:t>8</a:t>
-                      </a:r>
-                      <a:endParaRPr lang="de-DE" sz="1400" b="0" i="0" u="none" strike="noStrike" dirty="0">
-                        <a:solidFill>
-                          <a:srgbClr val="000000"/>
-                        </a:solidFill>
-                        <a:effectLst/>
-                        <a:latin typeface="Aptos Narrow" panose="020B0004020202020204" pitchFamily="34" charset="0"/>
-                      </a:endParaRPr>
-                    </a:p>
-                  </a:txBody>
-                  <a:tcPr marL="9525" marR="9525" marT="9525" marB="0" anchor="b">
-                    <a:solidFill>
-                      <a:schemeClr val="accent1">
-                        <a:lumMod val="50000"/>
-                      </a:schemeClr>
-                    </a:solidFill>
-                  </a:tcPr>
-                </a:tc>
-                <a:tc>
-                  <a:txBody>
-                    <a:bodyPr/>
-                    <a:lstStyle/>
-                    <a:p>
-                      <a:pPr algn="r" fontAlgn="b"/>
-                      <a:r>
-                        <a:rPr lang="de-DE" sz="1400" u="none" strike="noStrike" dirty="0">
-                          <a:effectLst/>
-                        </a:rPr>
-                        <a:t>4</a:t>
-                      </a:r>
-                      <a:endParaRPr lang="de-DE" sz="1400" b="0" i="0" u="none" strike="noStrike" dirty="0">
-                        <a:solidFill>
-                          <a:srgbClr val="000000"/>
-                        </a:solidFill>
-                        <a:effectLst/>
-                        <a:latin typeface="Aptos Narrow" panose="020B0004020202020204" pitchFamily="34" charset="0"/>
-                      </a:endParaRPr>
-                    </a:p>
-                  </a:txBody>
-                  <a:tcPr marL="9525" marR="9525" marT="9525" marB="0" anchor="b">
-                    <a:solidFill>
-                      <a:schemeClr val="bg1">
-                        <a:lumMod val="65000"/>
-                        <a:lumOff val="35000"/>
-                      </a:schemeClr>
-                    </a:solidFill>
-                  </a:tcPr>
-                </a:tc>
-                <a:tc>
-                  <a:txBody>
-                    <a:bodyPr/>
-                    <a:lstStyle/>
-                    <a:p>
-                      <a:pPr algn="r" fontAlgn="b"/>
-                      <a:r>
-                        <a:rPr lang="de-DE" sz="1400" u="none" strike="noStrike" dirty="0">
-                          <a:effectLst/>
-                        </a:rPr>
-                        <a:t>4</a:t>
-                      </a:r>
-                      <a:endParaRPr lang="de-DE" sz="1400" b="0" i="0" u="none" strike="noStrike" dirty="0">
-                        <a:solidFill>
-                          <a:srgbClr val="000000"/>
-                        </a:solidFill>
-                        <a:effectLst/>
-                        <a:latin typeface="Aptos Narrow" panose="020B0004020202020204" pitchFamily="34" charset="0"/>
-                      </a:endParaRPr>
-                    </a:p>
-                  </a:txBody>
-                  <a:tcPr marL="9525" marR="9525" marT="9525" marB="0" anchor="b">
-                    <a:solidFill>
-                      <a:schemeClr val="accent1">
-                        <a:lumMod val="50000"/>
-                      </a:schemeClr>
-                    </a:solidFill>
-                  </a:tcPr>
-                </a:tc>
-                <a:tc>
-                  <a:txBody>
-                    <a:bodyPr/>
-                    <a:lstStyle/>
-                    <a:p>
-                      <a:pPr algn="r" fontAlgn="b"/>
-                      <a:r>
-                        <a:rPr lang="de-DE" sz="1400" u="none" strike="noStrike" dirty="0">
-                          <a:effectLst/>
-                        </a:rPr>
-                        <a:t>8</a:t>
-                      </a:r>
-                      <a:endParaRPr lang="de-DE" sz="1400" b="0" i="0" u="none" strike="noStrike" dirty="0">
-                        <a:solidFill>
-                          <a:srgbClr val="000000"/>
-                        </a:solidFill>
-                        <a:effectLst/>
-                        <a:latin typeface="Aptos Narrow" panose="020B0004020202020204" pitchFamily="34" charset="0"/>
-                      </a:endParaRPr>
-                    </a:p>
-                  </a:txBody>
-                  <a:tcPr marL="9525" marR="9525" marT="9525" marB="0" anchor="b">
-                    <a:solidFill>
-                      <a:schemeClr val="bg1">
-                        <a:lumMod val="65000"/>
-                        <a:lumOff val="35000"/>
-                      </a:schemeClr>
-                    </a:solidFill>
-                  </a:tcPr>
-                </a:tc>
-                <a:tc>
-                  <a:txBody>
-                    <a:bodyPr/>
-                    <a:lstStyle/>
-                    <a:p>
-                      <a:pPr algn="r" fontAlgn="b"/>
-                      <a:r>
-                        <a:rPr lang="de-DE" sz="1400" u="none" strike="noStrike" dirty="0">
-                          <a:effectLst/>
-                        </a:rPr>
-                        <a:t>7</a:t>
-                      </a:r>
-                      <a:endParaRPr lang="de-DE" sz="1400" b="0" i="0" u="none" strike="noStrike" dirty="0">
-                        <a:solidFill>
-                          <a:srgbClr val="000000"/>
-                        </a:solidFill>
-                        <a:effectLst/>
-                        <a:latin typeface="Aptos Narrow" panose="020B0004020202020204" pitchFamily="34" charset="0"/>
-                      </a:endParaRPr>
-                    </a:p>
-                  </a:txBody>
-                  <a:tcPr marL="9525" marR="9525" marT="9525" marB="0" anchor="b">
-                    <a:solidFill>
-                      <a:schemeClr val="accent1">
-                        <a:lumMod val="50000"/>
-                      </a:schemeClr>
-                    </a:solidFill>
-                  </a:tcPr>
-                </a:tc>
-                <a:extLst>
-                  <a:ext uri="{0D108BD9-81ED-4DB2-BD59-A6C34878D82A}">
-                    <a16:rowId xmlns:a16="http://schemas.microsoft.com/office/drawing/2014/main" val="4205626346"/>
-                  </a:ext>
-                </a:extLst>
-              </a:tr>
-              <a:tr h="384795">
-                <a:tc>
-                  <a:txBody>
-                    <a:bodyPr/>
-                    <a:lstStyle/>
-                    <a:p>
-                      <a:pPr algn="r" fontAlgn="b"/>
-                      <a:r>
-                        <a:rPr lang="de-DE" sz="1400" u="none" strike="noStrike" dirty="0">
-                          <a:effectLst/>
-                        </a:rPr>
-                        <a:t>1,5</a:t>
-                      </a:r>
-                      <a:endParaRPr lang="de-DE" sz="1400" b="0" i="0" u="none" strike="noStrike" dirty="0">
-                        <a:solidFill>
-                          <a:srgbClr val="000000"/>
-                        </a:solidFill>
-                        <a:effectLst/>
-                        <a:latin typeface="Aptos Narrow" panose="020B0004020202020204" pitchFamily="34" charset="0"/>
-                      </a:endParaRPr>
-                    </a:p>
-                  </a:txBody>
-                  <a:tcPr marL="9525" marR="9525" marT="9525" marB="0" anchor="b">
-                    <a:solidFill>
-                      <a:schemeClr val="bg1">
-                        <a:lumMod val="65000"/>
-                        <a:lumOff val="35000"/>
-                      </a:schemeClr>
-                    </a:solidFill>
-                  </a:tcPr>
-                </a:tc>
-                <a:tc>
-                  <a:txBody>
-                    <a:bodyPr/>
-                    <a:lstStyle/>
-                    <a:p>
-                      <a:pPr algn="r" fontAlgn="b"/>
-                      <a:r>
-                        <a:rPr lang="de-DE" sz="1400" u="none" strike="noStrike" dirty="0">
-                          <a:effectLst/>
-                        </a:rPr>
-                        <a:t>1,5</a:t>
-                      </a:r>
-                      <a:endParaRPr lang="de-DE" sz="1400" b="0" i="0" u="none" strike="noStrike" dirty="0">
-                        <a:solidFill>
-                          <a:srgbClr val="000000"/>
-                        </a:solidFill>
-                        <a:effectLst/>
-                        <a:latin typeface="Aptos Narrow" panose="020B0004020202020204" pitchFamily="34" charset="0"/>
-                      </a:endParaRPr>
-                    </a:p>
-                  </a:txBody>
-                  <a:tcPr marL="9525" marR="9525" marT="9525" marB="0" anchor="b">
-                    <a:solidFill>
-                      <a:schemeClr val="accent1">
-                        <a:lumMod val="50000"/>
-                      </a:schemeClr>
-                    </a:solidFill>
-                  </a:tcPr>
-                </a:tc>
-                <a:tc>
-                  <a:txBody>
-                    <a:bodyPr/>
-                    <a:lstStyle/>
-                    <a:p>
-                      <a:pPr algn="r" fontAlgn="b"/>
-                      <a:r>
-                        <a:rPr lang="de-DE" sz="1400" u="none" strike="noStrike" dirty="0">
-                          <a:effectLst/>
-                        </a:rPr>
-                        <a:t>6</a:t>
-                      </a:r>
-                      <a:endParaRPr lang="de-DE" sz="1400" b="0" i="0" u="none" strike="noStrike" dirty="0">
-                        <a:solidFill>
-                          <a:srgbClr val="000000"/>
-                        </a:solidFill>
-                        <a:effectLst/>
-                        <a:latin typeface="Aptos Narrow" panose="020B0004020202020204" pitchFamily="34" charset="0"/>
-                      </a:endParaRPr>
-                    </a:p>
-                  </a:txBody>
-                  <a:tcPr marL="9525" marR="9525" marT="9525" marB="0" anchor="b">
-                    <a:solidFill>
-                      <a:schemeClr val="bg1">
-                        <a:lumMod val="65000"/>
-                        <a:lumOff val="35000"/>
-                      </a:schemeClr>
-                    </a:solidFill>
-                  </a:tcPr>
-                </a:tc>
-                <a:tc>
-                  <a:txBody>
-                    <a:bodyPr/>
-                    <a:lstStyle/>
-                    <a:p>
-                      <a:pPr algn="r" fontAlgn="b"/>
-                      <a:r>
-                        <a:rPr lang="de-DE" sz="1400" u="none" strike="noStrike" dirty="0">
-                          <a:effectLst/>
-                        </a:rPr>
-                        <a:t>5</a:t>
-                      </a:r>
-                      <a:endParaRPr lang="de-DE" sz="1400" b="0" i="0" u="none" strike="noStrike" dirty="0">
-                        <a:solidFill>
-                          <a:srgbClr val="000000"/>
-                        </a:solidFill>
-                        <a:effectLst/>
-                        <a:latin typeface="Aptos Narrow" panose="020B0004020202020204" pitchFamily="34" charset="0"/>
-                      </a:endParaRPr>
-                    </a:p>
-                  </a:txBody>
-                  <a:tcPr marL="9525" marR="9525" marT="9525" marB="0" anchor="b">
-                    <a:solidFill>
-                      <a:schemeClr val="accent1">
-                        <a:lumMod val="50000"/>
-                      </a:schemeClr>
-                    </a:solidFill>
-                  </a:tcPr>
-                </a:tc>
-                <a:tc>
-                  <a:txBody>
-                    <a:bodyPr/>
-                    <a:lstStyle/>
-                    <a:p>
-                      <a:pPr algn="r" fontAlgn="b"/>
-                      <a:r>
-                        <a:rPr lang="de-DE" sz="1400" u="none" strike="noStrike" dirty="0">
-                          <a:effectLst/>
-                        </a:rPr>
-                        <a:t>7</a:t>
-                      </a:r>
-                      <a:endParaRPr lang="de-DE" sz="1400" b="0" i="0" u="none" strike="noStrike" dirty="0">
-                        <a:solidFill>
-                          <a:srgbClr val="000000"/>
-                        </a:solidFill>
-                        <a:effectLst/>
-                        <a:latin typeface="Aptos Narrow" panose="020B0004020202020204" pitchFamily="34" charset="0"/>
-                      </a:endParaRPr>
-                    </a:p>
-                  </a:txBody>
-                  <a:tcPr marL="9525" marR="9525" marT="9525" marB="0" anchor="b">
-                    <a:solidFill>
-                      <a:schemeClr val="bg1">
-                        <a:lumMod val="65000"/>
-                        <a:lumOff val="35000"/>
-                      </a:schemeClr>
-                    </a:solidFill>
-                  </a:tcPr>
-                </a:tc>
-                <a:tc>
-                  <a:txBody>
-                    <a:bodyPr/>
-                    <a:lstStyle/>
-                    <a:p>
-                      <a:pPr algn="r" fontAlgn="b"/>
-                      <a:r>
-                        <a:rPr lang="de-DE" sz="1400" u="none" strike="noStrike" dirty="0">
-                          <a:effectLst/>
-                        </a:rPr>
-                        <a:t>6</a:t>
-                      </a:r>
-                      <a:endParaRPr lang="de-DE" sz="1400" b="0" i="0" u="none" strike="noStrike" dirty="0">
-                        <a:solidFill>
-                          <a:srgbClr val="000000"/>
-                        </a:solidFill>
-                        <a:effectLst/>
-                        <a:latin typeface="Aptos Narrow" panose="020B0004020202020204" pitchFamily="34" charset="0"/>
-                      </a:endParaRPr>
-                    </a:p>
-                  </a:txBody>
-                  <a:tcPr marL="9525" marR="9525" marT="9525" marB="0" anchor="b">
-                    <a:solidFill>
-                      <a:schemeClr val="accent1">
-                        <a:lumMod val="50000"/>
-                      </a:schemeClr>
-                    </a:solidFill>
-                  </a:tcPr>
-                </a:tc>
-                <a:extLst>
-                  <a:ext uri="{0D108BD9-81ED-4DB2-BD59-A6C34878D82A}">
-                    <a16:rowId xmlns:a16="http://schemas.microsoft.com/office/drawing/2014/main" val="2989607156"/>
-                  </a:ext>
-                </a:extLst>
-              </a:tr>
-              <a:tr h="384795">
-                <a:tc>
-                  <a:txBody>
-                    <a:bodyPr/>
-                    <a:lstStyle/>
-                    <a:p>
-                      <a:pPr algn="r" fontAlgn="b"/>
-                      <a:r>
-                        <a:rPr lang="de-DE" sz="1400" u="none" strike="noStrike" dirty="0">
-                          <a:effectLst/>
-                        </a:rPr>
-                        <a:t>4</a:t>
-                      </a:r>
-                      <a:endParaRPr lang="de-DE" sz="1400" b="0" i="0" u="none" strike="noStrike" dirty="0">
-                        <a:solidFill>
-                          <a:srgbClr val="000000"/>
-                        </a:solidFill>
-                        <a:effectLst/>
-                        <a:latin typeface="Aptos Narrow" panose="020B0004020202020204" pitchFamily="34" charset="0"/>
-                      </a:endParaRPr>
-                    </a:p>
-                  </a:txBody>
-                  <a:tcPr marL="9525" marR="9525" marT="9525" marB="0" anchor="b">
-                    <a:solidFill>
-                      <a:schemeClr val="bg1">
-                        <a:lumMod val="65000"/>
-                        <a:lumOff val="35000"/>
-                      </a:schemeClr>
-                    </a:solidFill>
-                  </a:tcPr>
-                </a:tc>
-                <a:tc>
-                  <a:txBody>
-                    <a:bodyPr/>
-                    <a:lstStyle/>
-                    <a:p>
-                      <a:pPr algn="r" fontAlgn="b"/>
-                      <a:r>
-                        <a:rPr lang="de-DE" sz="1400" u="none" strike="noStrike" dirty="0">
-                          <a:effectLst/>
-                        </a:rPr>
-                        <a:t>4</a:t>
-                      </a:r>
-                      <a:endParaRPr lang="de-DE" sz="1400" b="0" i="0" u="none" strike="noStrike" dirty="0">
-                        <a:solidFill>
-                          <a:srgbClr val="000000"/>
-                        </a:solidFill>
-                        <a:effectLst/>
-                        <a:latin typeface="Aptos Narrow" panose="020B0004020202020204" pitchFamily="34" charset="0"/>
-                      </a:endParaRPr>
-                    </a:p>
-                  </a:txBody>
-                  <a:tcPr marL="9525" marR="9525" marT="9525" marB="0" anchor="b">
-                    <a:solidFill>
-                      <a:schemeClr val="accent1">
-                        <a:lumMod val="50000"/>
-                      </a:schemeClr>
-                    </a:solidFill>
-                  </a:tcPr>
-                </a:tc>
-                <a:tc>
-                  <a:txBody>
-                    <a:bodyPr/>
-                    <a:lstStyle/>
-                    <a:p>
-                      <a:pPr algn="r" fontAlgn="b"/>
-                      <a:r>
-                        <a:rPr lang="de-DE" sz="1400" u="none" strike="noStrike" dirty="0">
-                          <a:effectLst/>
-                        </a:rPr>
-                        <a:t>5</a:t>
-                      </a:r>
-                      <a:endParaRPr lang="de-DE" sz="1400" b="0" i="0" u="none" strike="noStrike" dirty="0">
-                        <a:solidFill>
-                          <a:srgbClr val="000000"/>
-                        </a:solidFill>
-                        <a:effectLst/>
-                        <a:latin typeface="Aptos Narrow" panose="020B0004020202020204" pitchFamily="34" charset="0"/>
-                      </a:endParaRPr>
-                    </a:p>
-                  </a:txBody>
-                  <a:tcPr marL="9525" marR="9525" marT="9525" marB="0" anchor="b">
-                    <a:solidFill>
-                      <a:schemeClr val="bg1">
-                        <a:lumMod val="65000"/>
-                        <a:lumOff val="35000"/>
-                      </a:schemeClr>
-                    </a:solidFill>
-                  </a:tcPr>
-                </a:tc>
-                <a:tc>
-                  <a:txBody>
-                    <a:bodyPr/>
-                    <a:lstStyle/>
-                    <a:p>
-                      <a:pPr algn="r" fontAlgn="b"/>
-                      <a:r>
-                        <a:rPr lang="de-DE" sz="1400" u="none" strike="noStrike" dirty="0">
-                          <a:effectLst/>
-                        </a:rPr>
-                        <a:t>7</a:t>
-                      </a:r>
-                      <a:endParaRPr lang="de-DE" sz="1400" b="0" i="0" u="none" strike="noStrike" dirty="0">
-                        <a:solidFill>
-                          <a:srgbClr val="000000"/>
-                        </a:solidFill>
-                        <a:effectLst/>
-                        <a:latin typeface="Aptos Narrow" panose="020B0004020202020204" pitchFamily="34" charset="0"/>
-                      </a:endParaRPr>
-                    </a:p>
-                  </a:txBody>
-                  <a:tcPr marL="9525" marR="9525" marT="9525" marB="0" anchor="b">
-                    <a:solidFill>
-                      <a:schemeClr val="accent1">
-                        <a:lumMod val="50000"/>
-                      </a:schemeClr>
-                    </a:solidFill>
-                  </a:tcPr>
-                </a:tc>
-                <a:tc>
-                  <a:txBody>
-                    <a:bodyPr/>
-                    <a:lstStyle/>
-                    <a:p>
-                      <a:pPr algn="r" fontAlgn="b"/>
-                      <a:r>
-                        <a:rPr lang="de-DE" sz="1400" u="none" strike="noStrike" dirty="0">
-                          <a:effectLst/>
-                        </a:rPr>
-                        <a:t>3</a:t>
-                      </a:r>
-                      <a:endParaRPr lang="de-DE" sz="1400" b="0" i="0" u="none" strike="noStrike" dirty="0">
-                        <a:solidFill>
-                          <a:srgbClr val="000000"/>
-                        </a:solidFill>
-                        <a:effectLst/>
-                        <a:latin typeface="Aptos Narrow" panose="020B0004020202020204" pitchFamily="34" charset="0"/>
-                      </a:endParaRPr>
-                    </a:p>
-                  </a:txBody>
-                  <a:tcPr marL="9525" marR="9525" marT="9525" marB="0" anchor="b">
-                    <a:solidFill>
-                      <a:schemeClr val="bg1">
-                        <a:lumMod val="65000"/>
-                        <a:lumOff val="35000"/>
-                      </a:schemeClr>
-                    </a:solidFill>
-                  </a:tcPr>
-                </a:tc>
-                <a:tc>
-                  <a:txBody>
-                    <a:bodyPr/>
-                    <a:lstStyle/>
-                    <a:p>
-                      <a:pPr algn="r" fontAlgn="b"/>
-                      <a:r>
-                        <a:rPr lang="de-DE" sz="1400" u="none" strike="noStrike" dirty="0">
-                          <a:effectLst/>
-                        </a:rPr>
-                        <a:t>2</a:t>
-                      </a:r>
-                      <a:endParaRPr lang="de-DE" sz="1400" b="0" i="0" u="none" strike="noStrike" dirty="0">
-                        <a:solidFill>
-                          <a:srgbClr val="000000"/>
-                        </a:solidFill>
-                        <a:effectLst/>
-                        <a:latin typeface="Aptos Narrow" panose="020B0004020202020204" pitchFamily="34" charset="0"/>
-                      </a:endParaRPr>
-                    </a:p>
-                  </a:txBody>
-                  <a:tcPr marL="9525" marR="9525" marT="9525" marB="0" anchor="b">
-                    <a:solidFill>
-                      <a:schemeClr val="accent1">
-                        <a:lumMod val="50000"/>
-                      </a:schemeClr>
-                    </a:solidFill>
-                  </a:tcPr>
-                </a:tc>
-                <a:extLst>
-                  <a:ext uri="{0D108BD9-81ED-4DB2-BD59-A6C34878D82A}">
-                    <a16:rowId xmlns:a16="http://schemas.microsoft.com/office/drawing/2014/main" val="3715989442"/>
-                  </a:ext>
-                </a:extLst>
-              </a:tr>
-              <a:tr h="384795">
-                <a:tc>
-                  <a:txBody>
-                    <a:bodyPr/>
-                    <a:lstStyle/>
-                    <a:p>
-                      <a:pPr algn="r" fontAlgn="b"/>
-                      <a:r>
-                        <a:rPr lang="de-DE" sz="1400" u="none" strike="noStrike" dirty="0">
-                          <a:effectLst/>
-                        </a:rPr>
-                        <a:t>12</a:t>
-                      </a:r>
-                      <a:endParaRPr lang="de-DE" sz="1400" b="0" i="0" u="none" strike="noStrike" dirty="0">
-                        <a:solidFill>
-                          <a:srgbClr val="000000"/>
-                        </a:solidFill>
-                        <a:effectLst/>
-                        <a:latin typeface="Aptos Narrow" panose="020B0004020202020204" pitchFamily="34" charset="0"/>
-                      </a:endParaRPr>
-                    </a:p>
-                  </a:txBody>
-                  <a:tcPr marL="9525" marR="9525" marT="9525" marB="0" anchor="b">
-                    <a:solidFill>
-                      <a:schemeClr val="bg1">
-                        <a:lumMod val="65000"/>
-                        <a:lumOff val="35000"/>
-                      </a:schemeClr>
-                    </a:solidFill>
-                  </a:tcPr>
-                </a:tc>
-                <a:tc>
-                  <a:txBody>
-                    <a:bodyPr/>
-                    <a:lstStyle/>
-                    <a:p>
-                      <a:pPr algn="r" fontAlgn="b"/>
-                      <a:r>
-                        <a:rPr lang="de-DE" sz="1400" u="none" strike="noStrike" dirty="0">
-                          <a:effectLst/>
-                        </a:rPr>
-                        <a:t>4</a:t>
-                      </a:r>
-                      <a:endParaRPr lang="de-DE" sz="1400" b="0" i="0" u="none" strike="noStrike" dirty="0">
-                        <a:solidFill>
-                          <a:srgbClr val="000000"/>
-                        </a:solidFill>
-                        <a:effectLst/>
-                        <a:latin typeface="Aptos Narrow" panose="020B0004020202020204" pitchFamily="34" charset="0"/>
-                      </a:endParaRPr>
-                    </a:p>
-                  </a:txBody>
-                  <a:tcPr marL="9525" marR="9525" marT="9525" marB="0" anchor="b">
-                    <a:solidFill>
-                      <a:schemeClr val="accent1">
-                        <a:lumMod val="50000"/>
-                      </a:schemeClr>
-                    </a:solidFill>
-                  </a:tcPr>
-                </a:tc>
-                <a:tc>
-                  <a:txBody>
-                    <a:bodyPr/>
-                    <a:lstStyle/>
-                    <a:p>
-                      <a:pPr algn="r" fontAlgn="b"/>
-                      <a:r>
-                        <a:rPr lang="de-DE" sz="1400" u="none" strike="noStrike" dirty="0">
-                          <a:effectLst/>
-                        </a:rPr>
-                        <a:t>6</a:t>
-                      </a:r>
-                      <a:endParaRPr lang="de-DE" sz="1400" b="0" i="0" u="none" strike="noStrike" dirty="0">
-                        <a:solidFill>
-                          <a:srgbClr val="000000"/>
-                        </a:solidFill>
-                        <a:effectLst/>
-                        <a:latin typeface="Aptos Narrow" panose="020B0004020202020204" pitchFamily="34" charset="0"/>
-                      </a:endParaRPr>
-                    </a:p>
-                  </a:txBody>
-                  <a:tcPr marL="9525" marR="9525" marT="9525" marB="0" anchor="b">
-                    <a:solidFill>
-                      <a:schemeClr val="bg1">
-                        <a:lumMod val="65000"/>
-                        <a:lumOff val="35000"/>
-                      </a:schemeClr>
-                    </a:solidFill>
-                  </a:tcPr>
-                </a:tc>
-                <a:tc>
-                  <a:txBody>
-                    <a:bodyPr/>
-                    <a:lstStyle/>
-                    <a:p>
-                      <a:pPr algn="r" fontAlgn="b"/>
-                      <a:r>
-                        <a:rPr lang="de-DE" sz="1400" u="none" strike="noStrike" dirty="0">
-                          <a:effectLst/>
-                        </a:rPr>
-                        <a:t>5</a:t>
-                      </a:r>
-                      <a:endParaRPr lang="de-DE" sz="1400" b="0" i="0" u="none" strike="noStrike" dirty="0">
-                        <a:solidFill>
-                          <a:srgbClr val="000000"/>
-                        </a:solidFill>
-                        <a:effectLst/>
-                        <a:latin typeface="Aptos Narrow" panose="020B0004020202020204" pitchFamily="34" charset="0"/>
-                      </a:endParaRPr>
-                    </a:p>
-                  </a:txBody>
-                  <a:tcPr marL="9525" marR="9525" marT="9525" marB="0" anchor="b">
-                    <a:solidFill>
-                      <a:schemeClr val="accent1">
-                        <a:lumMod val="50000"/>
-                      </a:schemeClr>
-                    </a:solidFill>
-                  </a:tcPr>
-                </a:tc>
-                <a:tc>
-                  <a:txBody>
-                    <a:bodyPr/>
-                    <a:lstStyle/>
-                    <a:p>
-                      <a:pPr algn="r" fontAlgn="b"/>
-                      <a:r>
-                        <a:rPr lang="de-DE" sz="1400" u="none" strike="noStrike" dirty="0">
-                          <a:effectLst/>
-                        </a:rPr>
-                        <a:t>8</a:t>
-                      </a:r>
-                      <a:endParaRPr lang="de-DE" sz="1400" b="0" i="0" u="none" strike="noStrike" dirty="0">
-                        <a:solidFill>
-                          <a:srgbClr val="000000"/>
-                        </a:solidFill>
-                        <a:effectLst/>
-                        <a:latin typeface="Aptos Narrow" panose="020B0004020202020204" pitchFamily="34" charset="0"/>
-                      </a:endParaRPr>
-                    </a:p>
-                  </a:txBody>
-                  <a:tcPr marL="9525" marR="9525" marT="9525" marB="0" anchor="b">
-                    <a:solidFill>
-                      <a:schemeClr val="bg1">
-                        <a:lumMod val="65000"/>
-                        <a:lumOff val="35000"/>
-                      </a:schemeClr>
-                    </a:solidFill>
-                  </a:tcPr>
-                </a:tc>
-                <a:tc>
-                  <a:txBody>
-                    <a:bodyPr/>
-                    <a:lstStyle/>
-                    <a:p>
-                      <a:pPr algn="r" fontAlgn="b"/>
-                      <a:r>
-                        <a:rPr lang="de-DE" sz="1400" u="none" strike="noStrike" dirty="0">
-                          <a:effectLst/>
-                        </a:rPr>
-                        <a:t>10</a:t>
-                      </a:r>
-                      <a:endParaRPr lang="de-DE" sz="1400" b="0" i="0" u="none" strike="noStrike" dirty="0">
-                        <a:solidFill>
-                          <a:srgbClr val="000000"/>
-                        </a:solidFill>
-                        <a:effectLst/>
-                        <a:latin typeface="Aptos Narrow" panose="020B0004020202020204" pitchFamily="34" charset="0"/>
-                      </a:endParaRPr>
-                    </a:p>
-                  </a:txBody>
-                  <a:tcPr marL="9525" marR="9525" marT="9525" marB="0" anchor="b">
-                    <a:solidFill>
-                      <a:schemeClr val="accent1">
-                        <a:lumMod val="50000"/>
-                      </a:schemeClr>
-                    </a:solidFill>
-                  </a:tcPr>
-                </a:tc>
-                <a:extLst>
-                  <a:ext uri="{0D108BD9-81ED-4DB2-BD59-A6C34878D82A}">
-                    <a16:rowId xmlns:a16="http://schemas.microsoft.com/office/drawing/2014/main" val="1696011589"/>
-                  </a:ext>
-                </a:extLst>
-              </a:tr>
-              <a:tr h="384795">
-                <a:tc>
-                  <a:txBody>
-                    <a:bodyPr/>
-                    <a:lstStyle/>
-                    <a:p>
-                      <a:pPr algn="r" fontAlgn="b"/>
-                      <a:r>
-                        <a:rPr lang="de-DE" sz="1400" u="none" strike="noStrike" dirty="0">
-                          <a:effectLst/>
-                        </a:rPr>
-                        <a:t>3</a:t>
-                      </a:r>
-                      <a:endParaRPr lang="de-DE" sz="1400" b="0" i="0" u="none" strike="noStrike" dirty="0">
-                        <a:solidFill>
-                          <a:srgbClr val="000000"/>
-                        </a:solidFill>
-                        <a:effectLst/>
-                        <a:latin typeface="Aptos Narrow" panose="020B0004020202020204" pitchFamily="34" charset="0"/>
-                      </a:endParaRPr>
-                    </a:p>
-                  </a:txBody>
-                  <a:tcPr marL="9525" marR="9525" marT="9525" marB="0" anchor="b">
-                    <a:solidFill>
-                      <a:schemeClr val="bg1">
-                        <a:lumMod val="65000"/>
-                        <a:lumOff val="35000"/>
-                      </a:schemeClr>
-                    </a:solidFill>
-                  </a:tcPr>
-                </a:tc>
-                <a:tc>
-                  <a:txBody>
-                    <a:bodyPr/>
-                    <a:lstStyle/>
-                    <a:p>
-                      <a:pPr algn="r" fontAlgn="b"/>
-                      <a:r>
-                        <a:rPr lang="de-DE" sz="1400" u="none" strike="noStrike" dirty="0">
-                          <a:effectLst/>
-                        </a:rPr>
-                        <a:t>0,5</a:t>
-                      </a:r>
-                      <a:endParaRPr lang="de-DE" sz="1400" b="0" i="0" u="none" strike="noStrike" dirty="0">
-                        <a:solidFill>
-                          <a:srgbClr val="000000"/>
-                        </a:solidFill>
-                        <a:effectLst/>
-                        <a:latin typeface="Aptos Narrow" panose="020B0004020202020204" pitchFamily="34" charset="0"/>
-                      </a:endParaRPr>
-                    </a:p>
-                  </a:txBody>
-                  <a:tcPr marL="9525" marR="9525" marT="9525" marB="0" anchor="b">
-                    <a:solidFill>
-                      <a:schemeClr val="accent1">
-                        <a:lumMod val="50000"/>
-                      </a:schemeClr>
-                    </a:solidFill>
-                  </a:tcPr>
-                </a:tc>
-                <a:tc>
-                  <a:txBody>
-                    <a:bodyPr/>
-                    <a:lstStyle/>
-                    <a:p>
-                      <a:pPr algn="l" fontAlgn="b"/>
-                      <a:endParaRPr lang="de-DE" sz="1400" b="0" i="0" u="none" strike="noStrike" dirty="0">
-                        <a:solidFill>
-                          <a:srgbClr val="000000"/>
-                        </a:solidFill>
-                        <a:effectLst/>
-                        <a:latin typeface="Aptos Narrow" panose="020B0004020202020204" pitchFamily="34" charset="0"/>
-                      </a:endParaRPr>
-                    </a:p>
-                  </a:txBody>
-                  <a:tcPr marL="9525" marR="9525" marT="9525" marB="0" anchor="b">
-                    <a:solidFill>
-                      <a:schemeClr val="bg1">
-                        <a:lumMod val="65000"/>
-                        <a:lumOff val="35000"/>
-                      </a:schemeClr>
-                    </a:solidFill>
-                  </a:tcPr>
-                </a:tc>
-                <a:tc>
-                  <a:txBody>
-                    <a:bodyPr/>
-                    <a:lstStyle/>
-                    <a:p>
-                      <a:pPr algn="l" fontAlgn="b"/>
-                      <a:endParaRPr lang="de-DE" sz="1400" b="0" i="0" u="none" strike="noStrike" dirty="0">
-                        <a:solidFill>
-                          <a:srgbClr val="000000"/>
-                        </a:solidFill>
-                        <a:effectLst/>
-                        <a:latin typeface="Aptos Narrow" panose="020B0004020202020204" pitchFamily="34" charset="0"/>
-                      </a:endParaRPr>
-                    </a:p>
-                  </a:txBody>
-                  <a:tcPr marL="9525" marR="9525" marT="9525" marB="0" anchor="b">
-                    <a:solidFill>
-                      <a:schemeClr val="accent1">
-                        <a:lumMod val="50000"/>
-                      </a:schemeClr>
-                    </a:solidFill>
-                  </a:tcPr>
-                </a:tc>
-                <a:tc>
-                  <a:txBody>
-                    <a:bodyPr/>
-                    <a:lstStyle/>
-                    <a:p>
-                      <a:pPr algn="l" fontAlgn="b"/>
-                      <a:endParaRPr lang="de-DE" sz="1400" b="0" i="0" u="none" strike="noStrike" dirty="0">
-                        <a:solidFill>
-                          <a:srgbClr val="000000"/>
-                        </a:solidFill>
-                        <a:effectLst/>
-                        <a:latin typeface="Aptos Narrow" panose="020B0004020202020204" pitchFamily="34" charset="0"/>
-                      </a:endParaRPr>
-                    </a:p>
-                  </a:txBody>
-                  <a:tcPr marL="9525" marR="9525" marT="9525" marB="0" anchor="b">
-                    <a:solidFill>
-                      <a:schemeClr val="bg1">
-                        <a:lumMod val="65000"/>
-                        <a:lumOff val="35000"/>
-                      </a:schemeClr>
-                    </a:solidFill>
-                  </a:tcPr>
-                </a:tc>
-                <a:tc>
-                  <a:txBody>
-                    <a:bodyPr/>
-                    <a:lstStyle/>
-                    <a:p>
-                      <a:pPr algn="l" fontAlgn="b"/>
-                      <a:endParaRPr lang="de-DE" sz="1400" b="0" i="0" u="none" strike="noStrike" dirty="0">
-                        <a:solidFill>
-                          <a:srgbClr val="000000"/>
-                        </a:solidFill>
-                        <a:effectLst/>
-                        <a:latin typeface="Aptos Narrow" panose="020B0004020202020204" pitchFamily="34" charset="0"/>
-                      </a:endParaRPr>
-                    </a:p>
-                  </a:txBody>
-                  <a:tcPr marL="9525" marR="9525" marT="9525" marB="0" anchor="b">
-                    <a:solidFill>
-                      <a:schemeClr val="accent1">
-                        <a:lumMod val="50000"/>
-                      </a:schemeClr>
-                    </a:solidFill>
-                  </a:tcPr>
-                </a:tc>
-                <a:extLst>
-                  <a:ext uri="{0D108BD9-81ED-4DB2-BD59-A6C34878D82A}">
-                    <a16:rowId xmlns:a16="http://schemas.microsoft.com/office/drawing/2014/main" val="3814955850"/>
-                  </a:ext>
-                </a:extLst>
-              </a:tr>
-              <a:tr h="384795">
-                <a:tc>
-                  <a:txBody>
-                    <a:bodyPr/>
-                    <a:lstStyle/>
-                    <a:p>
-                      <a:pPr algn="r" fontAlgn="b"/>
-                      <a:r>
-                        <a:rPr lang="de-DE" sz="1400" b="1" u="none" strike="noStrike" kern="1200" dirty="0">
-                          <a:solidFill>
-                            <a:schemeClr val="tx1"/>
-                          </a:solidFill>
-                          <a:effectLst/>
-                          <a:latin typeface="+mn-lt"/>
-                          <a:ea typeface="+mn-ea"/>
-                          <a:cs typeface="+mn-cs"/>
-                        </a:rPr>
-                        <a:t>48,5</a:t>
-                      </a:r>
-                    </a:p>
-                  </a:txBody>
-                  <a:tcPr marL="9525" marR="9525" marT="9525" marB="0" anchor="b">
-                    <a:solidFill>
-                      <a:schemeClr val="bg1">
-                        <a:lumMod val="65000"/>
-                        <a:lumOff val="35000"/>
-                      </a:schemeClr>
-                    </a:solidFill>
-                  </a:tcPr>
-                </a:tc>
-                <a:tc>
-                  <a:txBody>
-                    <a:bodyPr/>
-                    <a:lstStyle/>
-                    <a:p>
-                      <a:pPr algn="r" fontAlgn="b"/>
-                      <a:r>
-                        <a:rPr lang="de-DE" sz="1400" b="1" u="none" strike="noStrike" kern="1200" dirty="0">
-                          <a:solidFill>
-                            <a:schemeClr val="tx1"/>
-                          </a:solidFill>
-                          <a:effectLst/>
-                          <a:latin typeface="+mn-lt"/>
-                          <a:ea typeface="+mn-ea"/>
-                          <a:cs typeface="+mn-cs"/>
-                        </a:rPr>
-                        <a:t>34</a:t>
-                      </a:r>
-                    </a:p>
-                  </a:txBody>
-                  <a:tcPr marL="9525" marR="9525" marT="9525" marB="0" anchor="b">
-                    <a:solidFill>
-                      <a:schemeClr val="accent1">
-                        <a:lumMod val="50000"/>
-                      </a:schemeClr>
-                    </a:solidFill>
-                  </a:tcPr>
-                </a:tc>
-                <a:tc>
-                  <a:txBody>
-                    <a:bodyPr/>
-                    <a:lstStyle/>
-                    <a:p>
-                      <a:pPr algn="r" fontAlgn="b"/>
-                      <a:r>
-                        <a:rPr lang="de-DE" sz="1400" b="1" u="none" strike="noStrike" kern="1200" dirty="0">
-                          <a:solidFill>
-                            <a:schemeClr val="tx1"/>
-                          </a:solidFill>
-                          <a:effectLst/>
-                          <a:latin typeface="+mn-lt"/>
-                          <a:ea typeface="+mn-ea"/>
-                          <a:cs typeface="+mn-cs"/>
-                        </a:rPr>
-                        <a:t>42</a:t>
-                      </a:r>
-                    </a:p>
-                  </a:txBody>
-                  <a:tcPr marL="9525" marR="9525" marT="9525" marB="0" anchor="b">
-                    <a:solidFill>
-                      <a:schemeClr val="bg1">
-                        <a:lumMod val="65000"/>
-                        <a:lumOff val="35000"/>
-                      </a:schemeClr>
-                    </a:solidFill>
-                  </a:tcPr>
-                </a:tc>
-                <a:tc>
-                  <a:txBody>
-                    <a:bodyPr/>
-                    <a:lstStyle/>
-                    <a:p>
-                      <a:pPr algn="r" fontAlgn="b"/>
-                      <a:r>
-                        <a:rPr lang="de-DE" sz="1400" b="1" u="none" strike="noStrike" kern="1200" dirty="0">
-                          <a:solidFill>
-                            <a:schemeClr val="tx1"/>
-                          </a:solidFill>
-                          <a:effectLst/>
-                          <a:latin typeface="+mn-lt"/>
-                          <a:ea typeface="+mn-ea"/>
-                          <a:cs typeface="+mn-cs"/>
-                        </a:rPr>
-                        <a:t>42</a:t>
-                      </a:r>
-                    </a:p>
-                  </a:txBody>
-                  <a:tcPr marL="9525" marR="9525" marT="9525" marB="0" anchor="b">
-                    <a:solidFill>
-                      <a:schemeClr val="accent1">
-                        <a:lumMod val="50000"/>
-                      </a:schemeClr>
-                    </a:solidFill>
-                  </a:tcPr>
-                </a:tc>
-                <a:tc>
-                  <a:txBody>
-                    <a:bodyPr/>
-                    <a:lstStyle/>
-                    <a:p>
-                      <a:pPr algn="r" fontAlgn="b"/>
-                      <a:r>
-                        <a:rPr lang="de-DE" sz="1400" b="1" u="none" strike="noStrike" kern="1200" dirty="0">
-                          <a:solidFill>
-                            <a:schemeClr val="tx1"/>
-                          </a:solidFill>
-                          <a:effectLst/>
-                          <a:latin typeface="+mn-lt"/>
-                          <a:ea typeface="+mn-ea"/>
-                          <a:cs typeface="+mn-cs"/>
-                        </a:rPr>
-                        <a:t>45</a:t>
-                      </a:r>
-                    </a:p>
-                  </a:txBody>
-                  <a:tcPr marL="9525" marR="9525" marT="9525" marB="0" anchor="b">
-                    <a:solidFill>
-                      <a:schemeClr val="bg1">
-                        <a:lumMod val="65000"/>
-                        <a:lumOff val="35000"/>
-                      </a:schemeClr>
-                    </a:solidFill>
-                  </a:tcPr>
-                </a:tc>
-                <a:tc>
-                  <a:txBody>
-                    <a:bodyPr/>
-                    <a:lstStyle/>
-                    <a:p>
-                      <a:pPr algn="r" fontAlgn="b"/>
-                      <a:r>
-                        <a:rPr lang="de-DE" sz="1400" b="1" u="none" strike="noStrike" kern="1200" dirty="0">
-                          <a:solidFill>
-                            <a:schemeClr val="tx1"/>
-                          </a:solidFill>
-                          <a:effectLst/>
-                          <a:latin typeface="+mn-lt"/>
-                          <a:ea typeface="+mn-ea"/>
-                          <a:cs typeface="+mn-cs"/>
-                        </a:rPr>
-                        <a:t>49</a:t>
-                      </a:r>
-                    </a:p>
-                  </a:txBody>
-                  <a:tcPr marL="9525" marR="9525" marT="9525" marB="0" anchor="b">
-                    <a:solidFill>
-                      <a:schemeClr val="accent1">
-                        <a:lumMod val="50000"/>
-                      </a:schemeClr>
-                    </a:solidFill>
-                  </a:tcPr>
-                </a:tc>
-                <a:extLst>
-                  <a:ext uri="{0D108BD9-81ED-4DB2-BD59-A6C34878D82A}">
-                    <a16:rowId xmlns:a16="http://schemas.microsoft.com/office/drawing/2014/main" val="635434354"/>
-                  </a:ext>
-                </a:extLst>
-              </a:tr>
-            </a:tbl>
-          </a:graphicData>
-        </a:graphic>
-      </p:graphicFrame>
-      <p:graphicFrame>
-        <p:nvGraphicFramePr>
-          <p:cNvPr id="6" name="Tabelle 5">
-            <a:extLst>
-              <a:ext uri="{FF2B5EF4-FFF2-40B4-BE49-F238E27FC236}">
-                <a16:creationId xmlns:a16="http://schemas.microsoft.com/office/drawing/2014/main" id="{1AA45841-6982-4260-FEE2-BC7003E63C1F}"/>
-              </a:ext>
-            </a:extLst>
-          </p:cNvPr>
-          <p:cNvGraphicFramePr>
-            <a:graphicFrameLocks noGrp="1"/>
-          </p:cNvGraphicFramePr>
-          <p:nvPr>
-            <p:extLst>
-              <p:ext uri="{D42A27DB-BD31-4B8C-83A1-F6EECF244321}">
-                <p14:modId xmlns:p14="http://schemas.microsoft.com/office/powerpoint/2010/main" val="1491603307"/>
-              </p:ext>
-            </p:extLst>
-          </p:nvPr>
-        </p:nvGraphicFramePr>
-        <p:xfrm>
-          <a:off x="514350" y="5765006"/>
-          <a:ext cx="1334466" cy="383072"/>
-        </p:xfrm>
-        <a:graphic>
-          <a:graphicData uri="http://schemas.openxmlformats.org/drawingml/2006/table">
-            <a:tbl>
-              <a:tblPr>
-                <a:tableStyleId>{5940675A-B579-460E-94D1-54222C63F5DA}</a:tableStyleId>
-              </a:tblPr>
-              <a:tblGrid>
-                <a:gridCol w="1334466">
-                  <a:extLst>
-                    <a:ext uri="{9D8B030D-6E8A-4147-A177-3AD203B41FA5}">
-                      <a16:colId xmlns:a16="http://schemas.microsoft.com/office/drawing/2014/main" val="2995477702"/>
-                    </a:ext>
-                  </a:extLst>
-                </a:gridCol>
-              </a:tblGrid>
-              <a:tr h="383072">
-                <a:tc>
-                  <a:txBody>
-                    <a:bodyPr/>
-                    <a:lstStyle/>
-                    <a:p>
-                      <a:pPr algn="ctr" fontAlgn="b"/>
-                      <a:r>
-                        <a:rPr lang="de-DE" sz="1400" b="1" u="none" strike="noStrike" dirty="0">
-                          <a:effectLst/>
-                        </a:rPr>
-                        <a:t>Gesamt</a:t>
-                      </a:r>
-                      <a:endParaRPr lang="de-DE" sz="1400" b="1" i="0" u="none" strike="noStrike" dirty="0">
-                        <a:solidFill>
-                          <a:srgbClr val="000000"/>
-                        </a:solidFill>
-                        <a:effectLst/>
-                        <a:latin typeface="Aptos Narrow" panose="020B0004020202020204" pitchFamily="34" charset="0"/>
-                      </a:endParaRPr>
-                    </a:p>
-                  </a:txBody>
-                  <a:tcPr marL="9525" marR="9525" marT="9525" marB="0" anchor="b"/>
-                </a:tc>
-                <a:extLst>
-                  <a:ext uri="{0D108BD9-81ED-4DB2-BD59-A6C34878D82A}">
-                    <a16:rowId xmlns:a16="http://schemas.microsoft.com/office/drawing/2014/main" val="2291776983"/>
-                  </a:ext>
-                </a:extLst>
-              </a:tr>
-            </a:tbl>
-          </a:graphicData>
-        </a:graphic>
-      </p:graphicFrame>
-    </p:spTree>
-    <p:extLst>
-      <p:ext uri="{BB962C8B-B14F-4D97-AF65-F5344CB8AC3E}">
-        <p14:creationId xmlns:p14="http://schemas.microsoft.com/office/powerpoint/2010/main" val="2935499678"/>
-      </p:ext>
-    </p:extLst>
-  </p:cSld>
-  <p:clrMapOvr>
-    <a:masterClrMapping/>
-  </p:clrMapOvr>
-</p:sld>
-</file>
-
-<file path=ppt/slides/slide6.xml><?xml version="1.0" encoding="utf-8"?>
-<p:sld xmlns:a="http://schemas.openxmlformats.org/drawingml/2006/main" xmlns:r="http://schemas.openxmlformats.org/officeDocument/2006/relationships" xmlns:p="http://schemas.openxmlformats.org/presentationml/2006/main">
-  <p:cSld>
-    <p:spTree>
-      <p:nvGrpSpPr>
-        <p:cNvPr id="1" name="">
-          <a:extLst>
-            <a:ext uri="{FF2B5EF4-FFF2-40B4-BE49-F238E27FC236}">
-              <a16:creationId xmlns:a16="http://schemas.microsoft.com/office/drawing/2014/main" id="{0B90CE2B-38AF-53AF-9DD2-AEA378726DF3}"/>
-            </a:ext>
-          </a:extLst>
-        </p:cNvPr>
-        <p:cNvGrpSpPr/>
-        <p:nvPr/>
-      </p:nvGrpSpPr>
-      <p:grpSpPr>
-        <a:xfrm>
-          <a:off x="0" y="0"/>
-          <a:ext cx="0" cy="0"/>
-          <a:chOff x="0" y="0"/>
-          <a:chExt cx="0" cy="0"/>
-        </a:xfrm>
-      </p:grpSpPr>
-      <p:sp>
-        <p:nvSpPr>
-          <p:cNvPr id="2" name="Titel 1">
-            <a:extLst>
-              <a:ext uri="{FF2B5EF4-FFF2-40B4-BE49-F238E27FC236}">
-                <a16:creationId xmlns:a16="http://schemas.microsoft.com/office/drawing/2014/main" id="{0D987677-AA59-F2D0-599D-02CB9C90A3D8}"/>
-              </a:ext>
-            </a:extLst>
-          </p:cNvPr>
-          <p:cNvSpPr>
-            <a:spLocks noGrp="1"/>
-          </p:cNvSpPr>
-          <p:nvPr>
-            <p:ph type="title"/>
-          </p:nvPr>
-        </p:nvSpPr>
-        <p:spPr/>
-        <p:txBody>
-          <a:bodyPr/>
-          <a:lstStyle/>
-          <a:p>
-            <a:r>
-              <a:rPr lang="de-DE" noProof="0"/>
-              <a:t>3. Retrospektive</a:t>
-            </a:r>
-            <a:endParaRPr lang="de-DE" dirty="0"/>
-          </a:p>
-        </p:txBody>
-      </p:sp>
-      <p:sp>
-        <p:nvSpPr>
-          <p:cNvPr id="7" name="Datumsplatzhalter 6">
-            <a:extLst>
-              <a:ext uri="{FF2B5EF4-FFF2-40B4-BE49-F238E27FC236}">
-                <a16:creationId xmlns:a16="http://schemas.microsoft.com/office/drawing/2014/main" id="{AD209DA2-7299-C07F-B3E6-253FED7321AB}"/>
-              </a:ext>
-            </a:extLst>
-          </p:cNvPr>
-          <p:cNvSpPr>
-            <a:spLocks noGrp="1"/>
-          </p:cNvSpPr>
-          <p:nvPr>
-            <p:ph type="dt" sz="half" idx="10"/>
-          </p:nvPr>
-        </p:nvSpPr>
-        <p:spPr/>
-        <p:txBody>
-          <a:bodyPr/>
-          <a:lstStyle/>
-          <a:p>
-            <a:fld id="{75919FF8-1369-4F22-8739-0971D22D8076}" type="datetime1">
-              <a:rPr lang="de-DE" smtClean="0"/>
-              <a:t>11.01.2025</a:t>
-            </a:fld>
-            <a:endParaRPr lang="en-US"/>
-          </a:p>
-        </p:txBody>
-      </p:sp>
-      <p:sp>
-        <p:nvSpPr>
-          <p:cNvPr id="8" name="Foliennummernplatzhalter 7">
-            <a:extLst>
-              <a:ext uri="{FF2B5EF4-FFF2-40B4-BE49-F238E27FC236}">
-                <a16:creationId xmlns:a16="http://schemas.microsoft.com/office/drawing/2014/main" id="{4100F722-68C6-3311-5117-8BCFC7D5F589}"/>
-              </a:ext>
-            </a:extLst>
-          </p:cNvPr>
-          <p:cNvSpPr>
-            <a:spLocks noGrp="1"/>
-          </p:cNvSpPr>
-          <p:nvPr>
-            <p:ph type="sldNum" sz="quarter" idx="12"/>
-          </p:nvPr>
-        </p:nvSpPr>
-        <p:spPr/>
-        <p:txBody>
-          <a:bodyPr/>
-          <a:lstStyle/>
-          <a:p>
-            <a:fld id="{07CE569E-9B7C-4CB9-AB80-C0841F922CFF}" type="slidenum">
-              <a:rPr lang="en-US" smtClean="0"/>
-              <a:t>6</a:t>
-            </a:fld>
-            <a:endParaRPr lang="en-US"/>
-          </a:p>
-        </p:txBody>
-      </p:sp>
-      <p:sp>
-        <p:nvSpPr>
-          <p:cNvPr id="18" name="Textfeld 17">
-            <a:extLst>
-              <a:ext uri="{FF2B5EF4-FFF2-40B4-BE49-F238E27FC236}">
-                <a16:creationId xmlns:a16="http://schemas.microsoft.com/office/drawing/2014/main" id="{EBF72CC2-4AE2-716C-58F2-282B1DFBB0E5}"/>
-              </a:ext>
-            </a:extLst>
-          </p:cNvPr>
-          <p:cNvSpPr txBox="1"/>
-          <p:nvPr/>
-        </p:nvSpPr>
-        <p:spPr>
-          <a:xfrm>
-            <a:off x="1225550" y="1847850"/>
-            <a:ext cx="5314950" cy="523220"/>
-          </a:xfrm>
-          <a:prstGeom prst="rect">
-            <a:avLst/>
-          </a:prstGeom>
-          <a:noFill/>
-        </p:spPr>
-        <p:txBody>
-          <a:bodyPr wrap="square" rtlCol="0">
-            <a:spAutoFit/>
-          </a:bodyPr>
-          <a:lstStyle/>
-          <a:p>
-            <a:r>
-              <a:rPr lang="de-DE" sz="2800" noProof="0"/>
-              <a:t>1. Stunden</a:t>
-            </a:r>
-            <a:endParaRPr lang="de-DE" sz="2800" dirty="0"/>
-          </a:p>
-        </p:txBody>
-      </p:sp>
-      <p:graphicFrame>
-        <p:nvGraphicFramePr>
-          <p:cNvPr id="5" name="Tabelle 4">
-            <a:extLst>
-              <a:ext uri="{FF2B5EF4-FFF2-40B4-BE49-F238E27FC236}">
-                <a16:creationId xmlns:a16="http://schemas.microsoft.com/office/drawing/2014/main" id="{F8D8D3B0-85E3-528B-943D-A7042A463B7E}"/>
-              </a:ext>
-            </a:extLst>
-          </p:cNvPr>
-          <p:cNvGraphicFramePr>
-            <a:graphicFrameLocks noGrp="1"/>
-          </p:cNvGraphicFramePr>
-          <p:nvPr>
-            <p:extLst>
-              <p:ext uri="{D42A27DB-BD31-4B8C-83A1-F6EECF244321}">
-                <p14:modId xmlns:p14="http://schemas.microsoft.com/office/powerpoint/2010/main" val="4172833349"/>
-              </p:ext>
-            </p:extLst>
-          </p:nvPr>
-        </p:nvGraphicFramePr>
-        <p:xfrm>
-          <a:off x="1560830" y="2787593"/>
-          <a:ext cx="2831456" cy="1168513"/>
-        </p:xfrm>
-        <a:graphic>
-          <a:graphicData uri="http://schemas.openxmlformats.org/drawingml/2006/table">
-            <a:tbl>
-              <a:tblPr>
-                <a:tableStyleId>{5940675A-B579-460E-94D1-54222C63F5DA}</a:tableStyleId>
-              </a:tblPr>
-              <a:tblGrid>
-                <a:gridCol w="1415728">
-                  <a:extLst>
-                    <a:ext uri="{9D8B030D-6E8A-4147-A177-3AD203B41FA5}">
-                      <a16:colId xmlns:a16="http://schemas.microsoft.com/office/drawing/2014/main" val="2995477702"/>
-                    </a:ext>
-                  </a:extLst>
-                </a:gridCol>
-                <a:gridCol w="1415728">
-                  <a:extLst>
-                    <a:ext uri="{9D8B030D-6E8A-4147-A177-3AD203B41FA5}">
-                      <a16:colId xmlns:a16="http://schemas.microsoft.com/office/drawing/2014/main" val="710254781"/>
-                    </a:ext>
-                  </a:extLst>
-                </a:gridCol>
-              </a:tblGrid>
-              <a:tr h="398923">
-                <a:tc gridSpan="2">
-                  <a:txBody>
-                    <a:bodyPr/>
-                    <a:lstStyle/>
-                    <a:p>
-                      <a:pPr algn="ctr" fontAlgn="b"/>
-                      <a:r>
-                        <a:rPr lang="de-DE" sz="1400" b="1" u="none" strike="noStrike" kern="1200" dirty="0">
-                          <a:solidFill>
-                            <a:schemeClr val="tx1"/>
-                          </a:solidFill>
-                          <a:effectLst/>
-                          <a:latin typeface="+mn-lt"/>
-                          <a:ea typeface="+mn-ea"/>
-                          <a:cs typeface="+mn-cs"/>
-                        </a:rPr>
-                        <a:t>Total</a:t>
-                      </a:r>
-                    </a:p>
-                  </a:txBody>
-                  <a:tcPr marL="9525" marR="9525" marT="9525" marB="0" anchor="b"/>
-                </a:tc>
-                <a:tc hMerge="1">
-                  <a:txBody>
-                    <a:bodyPr/>
-                    <a:lstStyle/>
-                    <a:p>
-                      <a:endParaRPr lang="de-DE"/>
-                    </a:p>
-                  </a:txBody>
-                  <a:tcPr/>
-                </a:tc>
-                <a:extLst>
-                  <a:ext uri="{0D108BD9-81ED-4DB2-BD59-A6C34878D82A}">
-                    <a16:rowId xmlns:a16="http://schemas.microsoft.com/office/drawing/2014/main" val="2291776983"/>
-                  </a:ext>
-                </a:extLst>
-              </a:tr>
-              <a:tr h="384795">
-                <a:tc>
-                  <a:txBody>
-                    <a:bodyPr/>
-                    <a:lstStyle/>
-                    <a:p>
-                      <a:pPr algn="l" fontAlgn="b"/>
-                      <a:r>
-                        <a:rPr lang="de-DE" sz="1400" b="1" u="none" strike="noStrike" kern="1200" dirty="0">
-                          <a:solidFill>
-                            <a:schemeClr val="tx1"/>
-                          </a:solidFill>
-                          <a:effectLst/>
-                          <a:latin typeface="+mn-lt"/>
-                          <a:ea typeface="+mn-ea"/>
-                          <a:cs typeface="+mn-cs"/>
-                        </a:rPr>
-                        <a:t>Geschätzt</a:t>
-                      </a:r>
-                    </a:p>
-                  </a:txBody>
-                  <a:tcPr marL="9525" marR="9525" marT="9525" marB="0" anchor="b">
-                    <a:solidFill>
-                      <a:schemeClr val="bg1">
-                        <a:lumMod val="65000"/>
-                        <a:lumOff val="35000"/>
-                      </a:schemeClr>
-                    </a:solidFill>
-                  </a:tcPr>
-                </a:tc>
-                <a:tc>
-                  <a:txBody>
-                    <a:bodyPr/>
-                    <a:lstStyle/>
-                    <a:p>
-                      <a:pPr algn="l" fontAlgn="b"/>
-                      <a:r>
-                        <a:rPr lang="de-DE" sz="1400" b="1" u="none" strike="noStrike" kern="1200" dirty="0">
-                          <a:solidFill>
-                            <a:schemeClr val="tx1"/>
-                          </a:solidFill>
-                          <a:effectLst/>
-                          <a:latin typeface="+mn-lt"/>
-                          <a:ea typeface="+mn-ea"/>
-                          <a:cs typeface="+mn-cs"/>
-                        </a:rPr>
-                        <a:t>Tatsächlich</a:t>
-                      </a:r>
-                    </a:p>
-                  </a:txBody>
-                  <a:tcPr marL="9525" marR="9525" marT="9525" marB="0" anchor="b">
-                    <a:solidFill>
-                      <a:schemeClr val="accent1">
-                        <a:lumMod val="50000"/>
-                      </a:schemeClr>
-                    </a:solidFill>
-                  </a:tcPr>
-                </a:tc>
-                <a:extLst>
-                  <a:ext uri="{0D108BD9-81ED-4DB2-BD59-A6C34878D82A}">
-                    <a16:rowId xmlns:a16="http://schemas.microsoft.com/office/drawing/2014/main" val="1061886808"/>
-                  </a:ext>
-                </a:extLst>
-              </a:tr>
-              <a:tr h="384795">
-                <a:tc>
-                  <a:txBody>
-                    <a:bodyPr/>
-                    <a:lstStyle/>
-                    <a:p>
-                      <a:pPr algn="r" fontAlgn="b"/>
-                      <a:r>
-                        <a:rPr lang="de-DE" sz="1400" u="none" strike="noStrike" kern="1200" dirty="0">
-                          <a:solidFill>
-                            <a:schemeClr val="tx1"/>
-                          </a:solidFill>
-                          <a:effectLst/>
-                          <a:latin typeface="+mn-lt"/>
-                          <a:ea typeface="+mn-ea"/>
-                          <a:cs typeface="+mn-cs"/>
-                        </a:rPr>
-                        <a:t>135,5</a:t>
-                      </a:r>
-                    </a:p>
-                  </a:txBody>
-                  <a:tcPr marL="9525" marR="9525" marT="9525" marB="0" anchor="b">
-                    <a:solidFill>
-                      <a:schemeClr val="bg1">
-                        <a:lumMod val="65000"/>
-                        <a:lumOff val="35000"/>
-                      </a:schemeClr>
-                    </a:solidFill>
-                  </a:tcPr>
-                </a:tc>
-                <a:tc>
-                  <a:txBody>
-                    <a:bodyPr/>
-                    <a:lstStyle/>
-                    <a:p>
-                      <a:pPr algn="r" fontAlgn="b"/>
-                      <a:r>
-                        <a:rPr lang="de-DE" sz="1400" u="none" strike="noStrike" kern="1200" dirty="0">
-                          <a:solidFill>
-                            <a:schemeClr val="tx1"/>
-                          </a:solidFill>
-                          <a:effectLst/>
-                          <a:latin typeface="+mn-lt"/>
-                          <a:ea typeface="+mn-ea"/>
-                          <a:cs typeface="+mn-cs"/>
-                        </a:rPr>
-                        <a:t>125</a:t>
-                      </a:r>
-                    </a:p>
-                  </a:txBody>
-                  <a:tcPr marL="9525" marR="9525" marT="9525" marB="0" anchor="b">
-                    <a:solidFill>
-                      <a:schemeClr val="accent1">
-                        <a:lumMod val="50000"/>
-                      </a:schemeClr>
-                    </a:solidFill>
-                  </a:tcPr>
-                </a:tc>
-                <a:extLst>
-                  <a:ext uri="{0D108BD9-81ED-4DB2-BD59-A6C34878D82A}">
-                    <a16:rowId xmlns:a16="http://schemas.microsoft.com/office/drawing/2014/main" val="1307858597"/>
-                  </a:ext>
-                </a:extLst>
-              </a:tr>
-            </a:tbl>
-          </a:graphicData>
-        </a:graphic>
-      </p:graphicFrame>
-      <p:graphicFrame>
-        <p:nvGraphicFramePr>
-          <p:cNvPr id="13" name="Diagramm 12">
-            <a:extLst>
-              <a:ext uri="{FF2B5EF4-FFF2-40B4-BE49-F238E27FC236}">
-                <a16:creationId xmlns:a16="http://schemas.microsoft.com/office/drawing/2014/main" id="{94200C6D-30D7-7163-0DB8-D7C07AFFEEBD}"/>
-              </a:ext>
-            </a:extLst>
-          </p:cNvPr>
-          <p:cNvGraphicFramePr/>
-          <p:nvPr>
-            <p:extLst>
-              <p:ext uri="{D42A27DB-BD31-4B8C-83A1-F6EECF244321}">
-                <p14:modId xmlns:p14="http://schemas.microsoft.com/office/powerpoint/2010/main" val="3033955625"/>
-              </p:ext>
-            </p:extLst>
-          </p:nvPr>
-        </p:nvGraphicFramePr>
-        <p:xfrm>
-          <a:off x="5212080" y="2179320"/>
-          <a:ext cx="4945380" cy="3802379"/>
-        </p:xfrm>
-        <a:graphic>
-          <a:graphicData uri="http://schemas.openxmlformats.org/drawingml/2006/chart">
-            <c:chart xmlns:c="http://schemas.openxmlformats.org/drawingml/2006/chart" xmlns:r="http://schemas.openxmlformats.org/officeDocument/2006/relationships" r:id="rId3"/>
-          </a:graphicData>
-        </a:graphic>
-      </p:graphicFrame>
-    </p:spTree>
-    <p:extLst>
-      <p:ext uri="{BB962C8B-B14F-4D97-AF65-F5344CB8AC3E}">
-        <p14:creationId xmlns:p14="http://schemas.microsoft.com/office/powerpoint/2010/main" val="1046366160"/>
-      </p:ext>
-    </p:extLst>
-  </p:cSld>
-  <p:clrMapOvr>
-    <a:masterClrMapping/>
-  </p:clrMapOvr>
-</p:sld>
-</file>
-
-<file path=ppt/slides/slide7.xml><?xml version="1.0" encoding="utf-8"?>
-<p:sld xmlns:a="http://schemas.openxmlformats.org/drawingml/2006/main" xmlns:r="http://schemas.openxmlformats.org/officeDocument/2006/relationships" xmlns:p="http://schemas.openxmlformats.org/presentationml/2006/main">
-  <p:cSld>
-    <p:spTree>
-      <p:nvGrpSpPr>
-        <p:cNvPr id="1" name="">
-          <a:extLst>
-            <a:ext uri="{FF2B5EF4-FFF2-40B4-BE49-F238E27FC236}">
-              <a16:creationId xmlns:a16="http://schemas.microsoft.com/office/drawing/2014/main" id="{E7C17AEB-6D71-4999-917C-3312894401E9}"/>
-            </a:ext>
-          </a:extLst>
-        </p:cNvPr>
-        <p:cNvGrpSpPr/>
-        <p:nvPr/>
-      </p:nvGrpSpPr>
-      <p:grpSpPr>
-        <a:xfrm>
-          <a:off x="0" y="0"/>
-          <a:ext cx="0" cy="0"/>
-          <a:chOff x="0" y="0"/>
-          <a:chExt cx="0" cy="0"/>
-        </a:xfrm>
-      </p:grpSpPr>
-      <p:sp>
-        <p:nvSpPr>
-          <p:cNvPr id="2" name="Titel 1">
-            <a:extLst>
-              <a:ext uri="{FF2B5EF4-FFF2-40B4-BE49-F238E27FC236}">
-                <a16:creationId xmlns:a16="http://schemas.microsoft.com/office/drawing/2014/main" id="{793C8BAD-6795-CEE3-A039-3CD781B20123}"/>
-              </a:ext>
-            </a:extLst>
-          </p:cNvPr>
-          <p:cNvSpPr>
-            <a:spLocks noGrp="1"/>
-          </p:cNvSpPr>
-          <p:nvPr>
-            <p:ph type="title"/>
-          </p:nvPr>
-        </p:nvSpPr>
-        <p:spPr/>
-        <p:txBody>
-          <a:bodyPr/>
-          <a:lstStyle/>
-          <a:p>
-            <a:r>
-              <a:rPr lang="de-DE" noProof="0" dirty="0"/>
-              <a:t>3. Retrospektive</a:t>
-            </a:r>
-            <a:endParaRPr lang="de-DE" dirty="0"/>
-          </a:p>
-        </p:txBody>
-      </p:sp>
-      <p:sp>
-        <p:nvSpPr>
-          <p:cNvPr id="7" name="Datumsplatzhalter 6">
-            <a:extLst>
-              <a:ext uri="{FF2B5EF4-FFF2-40B4-BE49-F238E27FC236}">
-                <a16:creationId xmlns:a16="http://schemas.microsoft.com/office/drawing/2014/main" id="{5B27EE52-AFEF-8088-3BFC-629A5DB99B97}"/>
-              </a:ext>
-            </a:extLst>
-          </p:cNvPr>
-          <p:cNvSpPr>
-            <a:spLocks noGrp="1"/>
-          </p:cNvSpPr>
-          <p:nvPr>
-            <p:ph type="dt" sz="half" idx="10"/>
-          </p:nvPr>
-        </p:nvSpPr>
-        <p:spPr/>
-        <p:txBody>
-          <a:bodyPr/>
-          <a:lstStyle/>
-          <a:p>
-            <a:fld id="{75919FF8-1369-4F22-8739-0971D22D8076}" type="datetime1">
-              <a:rPr lang="de-DE" smtClean="0"/>
-              <a:t>11.01.2025</a:t>
-            </a:fld>
-            <a:endParaRPr lang="en-US"/>
-          </a:p>
-        </p:txBody>
-      </p:sp>
-      <p:sp>
-        <p:nvSpPr>
-          <p:cNvPr id="8" name="Foliennummernplatzhalter 7">
-            <a:extLst>
-              <a:ext uri="{FF2B5EF4-FFF2-40B4-BE49-F238E27FC236}">
-                <a16:creationId xmlns:a16="http://schemas.microsoft.com/office/drawing/2014/main" id="{FABAD064-ACC8-91FD-EB64-48D526FC7EB5}"/>
-              </a:ext>
-            </a:extLst>
-          </p:cNvPr>
-          <p:cNvSpPr>
-            <a:spLocks noGrp="1"/>
-          </p:cNvSpPr>
-          <p:nvPr>
-            <p:ph type="sldNum" sz="quarter" idx="12"/>
-          </p:nvPr>
-        </p:nvSpPr>
-        <p:spPr/>
-        <p:txBody>
-          <a:bodyPr/>
-          <a:lstStyle/>
-          <a:p>
-            <a:fld id="{07CE569E-9B7C-4CB9-AB80-C0841F922CFF}" type="slidenum">
-              <a:rPr lang="en-US" smtClean="0"/>
-              <a:t>7</a:t>
-            </a:fld>
-            <a:endParaRPr lang="en-US"/>
-          </a:p>
-        </p:txBody>
-      </p:sp>
-      <p:sp>
-        <p:nvSpPr>
-          <p:cNvPr id="18" name="Textfeld 17">
-            <a:extLst>
-              <a:ext uri="{FF2B5EF4-FFF2-40B4-BE49-F238E27FC236}">
-                <a16:creationId xmlns:a16="http://schemas.microsoft.com/office/drawing/2014/main" id="{C6389866-A467-73D9-5966-D2C436766646}"/>
-              </a:ext>
-            </a:extLst>
-          </p:cNvPr>
-          <p:cNvSpPr txBox="1"/>
-          <p:nvPr/>
-        </p:nvSpPr>
-        <p:spPr>
-          <a:xfrm>
-            <a:off x="1225550" y="1847850"/>
-            <a:ext cx="5314950" cy="523220"/>
-          </a:xfrm>
-          <a:prstGeom prst="rect">
-            <a:avLst/>
-          </a:prstGeom>
-          <a:noFill/>
-        </p:spPr>
-        <p:txBody>
-          <a:bodyPr wrap="square" rtlCol="0">
-            <a:spAutoFit/>
-          </a:bodyPr>
-          <a:lstStyle/>
-          <a:p>
-            <a:r>
-              <a:rPr lang="de-DE" sz="2800" dirty="0"/>
-              <a:t>2</a:t>
-            </a:r>
-            <a:r>
-              <a:rPr lang="de-DE" sz="2800" noProof="0" dirty="0"/>
-              <a:t>. Bewertung</a:t>
-            </a:r>
-            <a:endParaRPr lang="de-DE" sz="2800" dirty="0"/>
-          </a:p>
-        </p:txBody>
-      </p:sp>
-      <p:graphicFrame>
-        <p:nvGraphicFramePr>
-          <p:cNvPr id="4" name="Tabelle 3">
-            <a:extLst>
-              <a:ext uri="{FF2B5EF4-FFF2-40B4-BE49-F238E27FC236}">
-                <a16:creationId xmlns:a16="http://schemas.microsoft.com/office/drawing/2014/main" id="{FEA0E701-EF9E-2CCF-F56A-4E16CBE7B564}"/>
-              </a:ext>
-            </a:extLst>
-          </p:cNvPr>
-          <p:cNvGraphicFramePr>
-            <a:graphicFrameLocks noGrp="1"/>
-          </p:cNvGraphicFramePr>
-          <p:nvPr>
-            <p:extLst>
-              <p:ext uri="{D42A27DB-BD31-4B8C-83A1-F6EECF244321}">
-                <p14:modId xmlns:p14="http://schemas.microsoft.com/office/powerpoint/2010/main" val="386549644"/>
-              </p:ext>
-            </p:extLst>
-          </p:nvPr>
-        </p:nvGraphicFramePr>
-        <p:xfrm>
-          <a:off x="2001520" y="2646660"/>
-          <a:ext cx="5085080" cy="741680"/>
-        </p:xfrm>
-        <a:graphic>
-          <a:graphicData uri="http://schemas.openxmlformats.org/drawingml/2006/table">
-            <a:tbl>
-              <a:tblPr firstRow="1" bandRow="1">
-                <a:tableStyleId>{5C22544A-7EE6-4342-B048-85BDC9FD1C3A}</a:tableStyleId>
-              </a:tblPr>
-              <a:tblGrid>
-                <a:gridCol w="3576320">
-                  <a:extLst>
-                    <a:ext uri="{9D8B030D-6E8A-4147-A177-3AD203B41FA5}">
-                      <a16:colId xmlns:a16="http://schemas.microsoft.com/office/drawing/2014/main" val="2207168074"/>
-                    </a:ext>
-                  </a:extLst>
-                </a:gridCol>
-                <a:gridCol w="1508760">
-                  <a:extLst>
-                    <a:ext uri="{9D8B030D-6E8A-4147-A177-3AD203B41FA5}">
-                      <a16:colId xmlns:a16="http://schemas.microsoft.com/office/drawing/2014/main" val="2714022376"/>
-                    </a:ext>
-                  </a:extLst>
-                </a:gridCol>
-              </a:tblGrid>
-              <a:tr h="370840">
-                <a:tc>
-                  <a:txBody>
-                    <a:bodyPr/>
-                    <a:lstStyle/>
-                    <a:p>
-                      <a:r>
-                        <a:rPr lang="en-US" b="0" dirty="0" err="1">
-                          <a:solidFill>
-                            <a:schemeClr val="bg1">
-                              <a:lumMod val="75000"/>
-                              <a:lumOff val="25000"/>
-                            </a:schemeClr>
-                          </a:solidFill>
-                        </a:rPr>
-                        <a:t>Aufgaben</a:t>
-                      </a:r>
-                      <a:r>
-                        <a:rPr lang="en-US" b="0" dirty="0">
-                          <a:solidFill>
-                            <a:schemeClr val="bg1">
-                              <a:lumMod val="75000"/>
-                              <a:lumOff val="25000"/>
-                            </a:schemeClr>
-                          </a:solidFill>
-                        </a:rPr>
-                        <a:t> </a:t>
-                      </a:r>
-                      <a:r>
-                        <a:rPr lang="en-US" b="0" dirty="0" err="1">
-                          <a:solidFill>
-                            <a:schemeClr val="bg1">
-                              <a:lumMod val="75000"/>
-                              <a:lumOff val="25000"/>
-                            </a:schemeClr>
-                          </a:solidFill>
-                        </a:rPr>
-                        <a:t>vorgenommen</a:t>
-                      </a:r>
-                      <a:endParaRPr lang="de-DE" b="0" dirty="0">
-                        <a:solidFill>
-                          <a:schemeClr val="bg1">
-                            <a:lumMod val="75000"/>
-                            <a:lumOff val="25000"/>
-                          </a:schemeClr>
-                        </a:solidFill>
-                      </a:endParaRPr>
-                    </a:p>
-                  </a:txBody>
-                  <a:tcPr/>
-                </a:tc>
-                <a:tc>
-                  <a:txBody>
-                    <a:bodyPr/>
-                    <a:lstStyle/>
-                    <a:p>
-                      <a:r>
-                        <a:rPr lang="en-US" b="0" dirty="0">
-                          <a:solidFill>
-                            <a:schemeClr val="bg1">
-                              <a:lumMod val="75000"/>
-                              <a:lumOff val="25000"/>
-                            </a:schemeClr>
-                          </a:solidFill>
-                        </a:rPr>
-                        <a:t>17</a:t>
-                      </a:r>
-                      <a:endParaRPr lang="de-DE" b="0" dirty="0">
-                        <a:solidFill>
-                          <a:schemeClr val="bg1">
-                            <a:lumMod val="75000"/>
-                            <a:lumOff val="25000"/>
-                          </a:schemeClr>
-                        </a:solidFill>
-                      </a:endParaRPr>
-                    </a:p>
-                  </a:txBody>
-                  <a:tcPr/>
-                </a:tc>
-                <a:extLst>
-                  <a:ext uri="{0D108BD9-81ED-4DB2-BD59-A6C34878D82A}">
-                    <a16:rowId xmlns:a16="http://schemas.microsoft.com/office/drawing/2014/main" val="3891948981"/>
-                  </a:ext>
-                </a:extLst>
-              </a:tr>
-              <a:tr h="370840">
-                <a:tc>
-                  <a:txBody>
-                    <a:bodyPr/>
-                    <a:lstStyle/>
-                    <a:p>
-                      <a:r>
-                        <a:rPr lang="en-US" b="0" dirty="0" err="1">
-                          <a:solidFill>
-                            <a:schemeClr val="bg1">
-                              <a:lumMod val="75000"/>
-                              <a:lumOff val="25000"/>
-                            </a:schemeClr>
-                          </a:solidFill>
-                        </a:rPr>
-                        <a:t>Aufgaben</a:t>
-                      </a:r>
-                      <a:r>
-                        <a:rPr lang="en-US" b="0" dirty="0">
-                          <a:solidFill>
-                            <a:schemeClr val="bg1">
-                              <a:lumMod val="75000"/>
-                              <a:lumOff val="25000"/>
-                            </a:schemeClr>
-                          </a:solidFill>
-                        </a:rPr>
-                        <a:t> </a:t>
-                      </a:r>
-                      <a:r>
-                        <a:rPr lang="en-US" b="0" dirty="0" err="1">
-                          <a:solidFill>
-                            <a:schemeClr val="bg1">
-                              <a:lumMod val="75000"/>
-                              <a:lumOff val="25000"/>
-                            </a:schemeClr>
-                          </a:solidFill>
-                        </a:rPr>
-                        <a:t>erledigt</a:t>
-                      </a:r>
-                      <a:endParaRPr lang="de-DE" b="0" dirty="0">
-                        <a:solidFill>
-                          <a:schemeClr val="bg1">
-                            <a:lumMod val="75000"/>
-                            <a:lumOff val="25000"/>
-                          </a:schemeClr>
-                        </a:solidFill>
-                      </a:endParaRPr>
-                    </a:p>
-                  </a:txBody>
-                  <a:tcPr/>
-                </a:tc>
-                <a:tc>
-                  <a:txBody>
-                    <a:bodyPr/>
-                    <a:lstStyle/>
-                    <a:p>
-                      <a:r>
-                        <a:rPr lang="en-US" b="0" dirty="0">
-                          <a:solidFill>
-                            <a:schemeClr val="bg1">
-                              <a:lumMod val="75000"/>
-                              <a:lumOff val="25000"/>
-                            </a:schemeClr>
-                          </a:solidFill>
-                        </a:rPr>
-                        <a:t>16</a:t>
-                      </a:r>
-                      <a:endParaRPr lang="de-DE" b="0" dirty="0">
-                        <a:solidFill>
-                          <a:schemeClr val="bg1">
-                            <a:lumMod val="75000"/>
-                            <a:lumOff val="25000"/>
-                          </a:schemeClr>
-                        </a:solidFill>
-                      </a:endParaRPr>
-                    </a:p>
-                  </a:txBody>
-                  <a:tcPr/>
-                </a:tc>
-                <a:extLst>
-                  <a:ext uri="{0D108BD9-81ED-4DB2-BD59-A6C34878D82A}">
-                    <a16:rowId xmlns:a16="http://schemas.microsoft.com/office/drawing/2014/main" val="622447621"/>
-                  </a:ext>
-                </a:extLst>
-              </a:tr>
-            </a:tbl>
-          </a:graphicData>
-        </a:graphic>
-      </p:graphicFrame>
-      <p:graphicFrame>
-        <p:nvGraphicFramePr>
-          <p:cNvPr id="5" name="Tabelle 4">
-            <a:extLst>
-              <a:ext uri="{FF2B5EF4-FFF2-40B4-BE49-F238E27FC236}">
-                <a16:creationId xmlns:a16="http://schemas.microsoft.com/office/drawing/2014/main" id="{8F35EC9F-9D23-061C-71FD-2BB9B35A7F6F}"/>
-              </a:ext>
-            </a:extLst>
-          </p:cNvPr>
-          <p:cNvGraphicFramePr>
-            <a:graphicFrameLocks noGrp="1"/>
-          </p:cNvGraphicFramePr>
-          <p:nvPr>
-            <p:extLst>
-              <p:ext uri="{D42A27DB-BD31-4B8C-83A1-F6EECF244321}">
-                <p14:modId xmlns:p14="http://schemas.microsoft.com/office/powerpoint/2010/main" val="4084869597"/>
-              </p:ext>
-            </p:extLst>
-          </p:nvPr>
-        </p:nvGraphicFramePr>
-        <p:xfrm>
-          <a:off x="2001520" y="3838575"/>
-          <a:ext cx="3721100" cy="741680"/>
-        </p:xfrm>
-        <a:graphic>
-          <a:graphicData uri="http://schemas.openxmlformats.org/drawingml/2006/table">
-            <a:tbl>
-              <a:tblPr firstRow="1" bandRow="1">
-                <a:tableStyleId>{5C22544A-7EE6-4342-B048-85BDC9FD1C3A}</a:tableStyleId>
-              </a:tblPr>
-              <a:tblGrid>
-                <a:gridCol w="3721100">
-                  <a:extLst>
-                    <a:ext uri="{9D8B030D-6E8A-4147-A177-3AD203B41FA5}">
-                      <a16:colId xmlns:a16="http://schemas.microsoft.com/office/drawing/2014/main" val="708865077"/>
-                    </a:ext>
-                  </a:extLst>
-                </a:gridCol>
-              </a:tblGrid>
-              <a:tr h="370840">
-                <a:tc>
-                  <a:txBody>
-                    <a:bodyPr/>
-                    <a:lstStyle/>
-                    <a:p>
-                      <a:r>
-                        <a:rPr lang="en-US" dirty="0" err="1"/>
-                        <a:t>Nicht</a:t>
-                      </a:r>
-                      <a:r>
-                        <a:rPr lang="en-US" dirty="0"/>
-                        <a:t> </a:t>
-                      </a:r>
-                      <a:r>
-                        <a:rPr lang="en-US" dirty="0" err="1"/>
-                        <a:t>absolvierte</a:t>
-                      </a:r>
-                      <a:r>
-                        <a:rPr lang="en-US" dirty="0"/>
-                        <a:t> Tasks</a:t>
-                      </a:r>
-                      <a:endParaRPr lang="de-DE" dirty="0"/>
-                    </a:p>
-                  </a:txBody>
-                  <a:tcPr/>
-                </a:tc>
-                <a:extLst>
-                  <a:ext uri="{0D108BD9-81ED-4DB2-BD59-A6C34878D82A}">
-                    <a16:rowId xmlns:a16="http://schemas.microsoft.com/office/drawing/2014/main" val="750385328"/>
-                  </a:ext>
-                </a:extLst>
-              </a:tr>
-              <a:tr h="370840">
-                <a:tc>
-                  <a:txBody>
-                    <a:bodyPr/>
-                    <a:lstStyle/>
-                    <a:p>
-                      <a:r>
-                        <a:rPr lang="en-US" dirty="0"/>
-                        <a:t>Hosting</a:t>
-                      </a:r>
-                      <a:endParaRPr lang="de-DE" dirty="0"/>
-                    </a:p>
-                  </a:txBody>
-                  <a:tcPr/>
-                </a:tc>
-                <a:extLst>
-                  <a:ext uri="{0D108BD9-81ED-4DB2-BD59-A6C34878D82A}">
-                    <a16:rowId xmlns:a16="http://schemas.microsoft.com/office/drawing/2014/main" val="4038577521"/>
-                  </a:ext>
-                </a:extLst>
-              </a:tr>
-            </a:tbl>
-          </a:graphicData>
-        </a:graphic>
-      </p:graphicFrame>
-    </p:spTree>
-    <p:extLst>
-      <p:ext uri="{BB962C8B-B14F-4D97-AF65-F5344CB8AC3E}">
-        <p14:creationId xmlns:p14="http://schemas.microsoft.com/office/powerpoint/2010/main" val="617946276"/>
-      </p:ext>
-    </p:extLst>
-  </p:cSld>
-  <p:clrMapOvr>
-    <a:masterClrMapping/>
-  </p:clrMapOvr>
-</p:sld>
-</file>
-
-<file path=ppt/slides/slide8.xml><?xml version="1.0" encoding="utf-8"?>
-<p:sld xmlns:a="http://schemas.openxmlformats.org/drawingml/2006/main" xmlns:r="http://schemas.openxmlformats.org/officeDocument/2006/relationships" xmlns:p="http://schemas.openxmlformats.org/presentationml/2006/main">
-  <p:cSld>
-    <p:spTree>
-      <p:nvGrpSpPr>
-        <p:cNvPr id="1" name="">
-          <a:extLst>
-            <a:ext uri="{FF2B5EF4-FFF2-40B4-BE49-F238E27FC236}">
-              <a16:creationId xmlns:a16="http://schemas.microsoft.com/office/drawing/2014/main" id="{50A40806-F29C-78D2-A232-48184C108CCE}"/>
-            </a:ext>
-          </a:extLst>
-        </p:cNvPr>
-        <p:cNvGrpSpPr/>
-        <p:nvPr/>
-      </p:nvGrpSpPr>
-      <p:grpSpPr>
-        <a:xfrm>
-          <a:off x="0" y="0"/>
-          <a:ext cx="0" cy="0"/>
-          <a:chOff x="0" y="0"/>
-          <a:chExt cx="0" cy="0"/>
-        </a:xfrm>
-      </p:grpSpPr>
-      <p:sp>
-        <p:nvSpPr>
-          <p:cNvPr id="2" name="Titel 1">
-            <a:extLst>
-              <a:ext uri="{FF2B5EF4-FFF2-40B4-BE49-F238E27FC236}">
-                <a16:creationId xmlns:a16="http://schemas.microsoft.com/office/drawing/2014/main" id="{20DD1A6B-11AA-DEC0-13BF-B7997FDC547F}"/>
-              </a:ext>
-            </a:extLst>
-          </p:cNvPr>
-          <p:cNvSpPr>
-            <a:spLocks noGrp="1"/>
-          </p:cNvSpPr>
-          <p:nvPr>
-            <p:ph type="title"/>
-          </p:nvPr>
-        </p:nvSpPr>
-        <p:spPr/>
-        <p:txBody>
-          <a:bodyPr/>
-          <a:lstStyle/>
-          <a:p>
-            <a:r>
-              <a:rPr lang="de-DE" noProof="0" dirty="0"/>
-              <a:t>3. Retrospektive</a:t>
-            </a:r>
-            <a:endParaRPr lang="de-DE" dirty="0"/>
-          </a:p>
-        </p:txBody>
-      </p:sp>
-      <p:sp>
-        <p:nvSpPr>
-          <p:cNvPr id="7" name="Datumsplatzhalter 6">
-            <a:extLst>
-              <a:ext uri="{FF2B5EF4-FFF2-40B4-BE49-F238E27FC236}">
-                <a16:creationId xmlns:a16="http://schemas.microsoft.com/office/drawing/2014/main" id="{F51758B9-CAC7-879F-4157-6FE2100164B0}"/>
-              </a:ext>
-            </a:extLst>
-          </p:cNvPr>
-          <p:cNvSpPr>
-            <a:spLocks noGrp="1"/>
-          </p:cNvSpPr>
-          <p:nvPr>
-            <p:ph type="dt" sz="half" idx="10"/>
-          </p:nvPr>
-        </p:nvSpPr>
-        <p:spPr/>
-        <p:txBody>
-          <a:bodyPr/>
-          <a:lstStyle/>
-          <a:p>
-            <a:fld id="{75919FF8-1369-4F22-8739-0971D22D8076}" type="datetime1">
-              <a:rPr lang="de-DE" smtClean="0"/>
-              <a:t>11.01.2025</a:t>
-            </a:fld>
-            <a:endParaRPr lang="en-US"/>
-          </a:p>
-        </p:txBody>
-      </p:sp>
-      <p:sp>
-        <p:nvSpPr>
-          <p:cNvPr id="8" name="Foliennummernplatzhalter 7">
-            <a:extLst>
-              <a:ext uri="{FF2B5EF4-FFF2-40B4-BE49-F238E27FC236}">
-                <a16:creationId xmlns:a16="http://schemas.microsoft.com/office/drawing/2014/main" id="{73108FAB-78BF-7B2A-532B-ED09870EAE22}"/>
-              </a:ext>
-            </a:extLst>
-          </p:cNvPr>
-          <p:cNvSpPr>
-            <a:spLocks noGrp="1"/>
-          </p:cNvSpPr>
-          <p:nvPr>
-            <p:ph type="sldNum" sz="quarter" idx="12"/>
-          </p:nvPr>
-        </p:nvSpPr>
-        <p:spPr/>
-        <p:txBody>
-          <a:bodyPr/>
-          <a:lstStyle/>
-          <a:p>
-            <a:fld id="{07CE569E-9B7C-4CB9-AB80-C0841F922CFF}" type="slidenum">
-              <a:rPr lang="en-US" smtClean="0"/>
-              <a:t>8</a:t>
-            </a:fld>
-            <a:endParaRPr lang="en-US"/>
-          </a:p>
-        </p:txBody>
-      </p:sp>
-      <p:sp>
-        <p:nvSpPr>
-          <p:cNvPr id="18" name="Textfeld 17">
-            <a:extLst>
-              <a:ext uri="{FF2B5EF4-FFF2-40B4-BE49-F238E27FC236}">
-                <a16:creationId xmlns:a16="http://schemas.microsoft.com/office/drawing/2014/main" id="{AE3803A9-AC88-381C-29E0-E59C1F006982}"/>
-              </a:ext>
-            </a:extLst>
-          </p:cNvPr>
-          <p:cNvSpPr txBox="1"/>
-          <p:nvPr/>
-        </p:nvSpPr>
-        <p:spPr>
-          <a:xfrm>
-            <a:off x="1225550" y="1847850"/>
-            <a:ext cx="5314950" cy="523220"/>
-          </a:xfrm>
-          <a:prstGeom prst="rect">
-            <a:avLst/>
-          </a:prstGeom>
-          <a:noFill/>
-        </p:spPr>
-        <p:txBody>
-          <a:bodyPr wrap="square" rtlCol="0">
-            <a:spAutoFit/>
-          </a:bodyPr>
-          <a:lstStyle/>
-          <a:p>
-            <a:r>
-              <a:rPr lang="de-DE" sz="2800" dirty="0"/>
-              <a:t>2</a:t>
-            </a:r>
-            <a:r>
-              <a:rPr lang="de-DE" sz="2800" noProof="0" dirty="0"/>
-              <a:t>. Bewertung</a:t>
-            </a:r>
-            <a:endParaRPr lang="de-DE" sz="2800" dirty="0"/>
-          </a:p>
-        </p:txBody>
-      </p:sp>
-      <p:graphicFrame>
-        <p:nvGraphicFramePr>
-          <p:cNvPr id="3" name="Tabelle 2">
-            <a:extLst>
-              <a:ext uri="{FF2B5EF4-FFF2-40B4-BE49-F238E27FC236}">
-                <a16:creationId xmlns:a16="http://schemas.microsoft.com/office/drawing/2014/main" id="{6E9F4C02-326A-9E80-81DA-A1572728ECCF}"/>
-              </a:ext>
-            </a:extLst>
-          </p:cNvPr>
-          <p:cNvGraphicFramePr>
-            <a:graphicFrameLocks noGrp="1"/>
-          </p:cNvGraphicFramePr>
-          <p:nvPr>
-            <p:extLst>
-              <p:ext uri="{D42A27DB-BD31-4B8C-83A1-F6EECF244321}">
-                <p14:modId xmlns:p14="http://schemas.microsoft.com/office/powerpoint/2010/main" val="3114812149"/>
-              </p:ext>
-            </p:extLst>
-          </p:nvPr>
-        </p:nvGraphicFramePr>
-        <p:xfrm>
-          <a:off x="2019300" y="2539355"/>
-          <a:ext cx="6400800" cy="1854200"/>
-        </p:xfrm>
-        <a:graphic>
-          <a:graphicData uri="http://schemas.openxmlformats.org/drawingml/2006/table">
-            <a:tbl>
-              <a:tblPr firstRow="1" bandRow="1">
-                <a:tableStyleId>{5C22544A-7EE6-4342-B048-85BDC9FD1C3A}</a:tableStyleId>
-              </a:tblPr>
-              <a:tblGrid>
-                <a:gridCol w="6400800">
-                  <a:extLst>
-                    <a:ext uri="{9D8B030D-6E8A-4147-A177-3AD203B41FA5}">
-                      <a16:colId xmlns:a16="http://schemas.microsoft.com/office/drawing/2014/main" val="2468422788"/>
-                    </a:ext>
-                  </a:extLst>
-                </a:gridCol>
-              </a:tblGrid>
-              <a:tr h="370840">
-                <a:tc>
-                  <a:txBody>
-                    <a:bodyPr/>
-                    <a:lstStyle/>
-                    <a:p>
-                      <a:r>
-                        <a:rPr lang="en-US" dirty="0" err="1"/>
-                        <a:t>Hürden</a:t>
-                      </a:r>
-                      <a:endParaRPr lang="de-DE" dirty="0"/>
-                    </a:p>
-                  </a:txBody>
-                  <a:tcPr/>
-                </a:tc>
-                <a:extLst>
-                  <a:ext uri="{0D108BD9-81ED-4DB2-BD59-A6C34878D82A}">
-                    <a16:rowId xmlns:a16="http://schemas.microsoft.com/office/drawing/2014/main" val="2872232138"/>
-                  </a:ext>
-                </a:extLst>
-              </a:tr>
-              <a:tr h="370840">
-                <a:tc>
-                  <a:txBody>
-                    <a:bodyPr/>
-                    <a:lstStyle/>
-                    <a:p>
-                      <a:pPr marL="285750" indent="-285750">
-                        <a:buFont typeface="Arial" panose="020B0604020202020204" pitchFamily="34" charset="0"/>
-                        <a:buChar char="•"/>
-                      </a:pPr>
-                      <a:r>
-                        <a:rPr lang="en-US" dirty="0" err="1"/>
-                        <a:t>Einlernen</a:t>
-                      </a:r>
-                      <a:r>
-                        <a:rPr lang="en-US" dirty="0"/>
-                        <a:t> in </a:t>
-                      </a:r>
-                      <a:r>
-                        <a:rPr lang="en-US" dirty="0" err="1"/>
-                        <a:t>neue</a:t>
-                      </a:r>
-                      <a:r>
-                        <a:rPr lang="en-US" dirty="0"/>
-                        <a:t> </a:t>
-                      </a:r>
-                      <a:r>
-                        <a:rPr lang="en-US" dirty="0" err="1"/>
-                        <a:t>Programme</a:t>
-                      </a:r>
-                      <a:r>
-                        <a:rPr lang="en-US" dirty="0"/>
-                        <a:t> (C# </a:t>
-                      </a:r>
-                      <a:r>
-                        <a:rPr lang="en-US" dirty="0" err="1"/>
-                        <a:t>oder</a:t>
-                      </a:r>
-                      <a:r>
-                        <a:rPr lang="en-US" dirty="0"/>
-                        <a:t> Docker)</a:t>
-                      </a:r>
-                      <a:endParaRPr lang="de-DE" dirty="0"/>
-                    </a:p>
-                  </a:txBody>
-                  <a:tcPr/>
-                </a:tc>
-                <a:extLst>
-                  <a:ext uri="{0D108BD9-81ED-4DB2-BD59-A6C34878D82A}">
-                    <a16:rowId xmlns:a16="http://schemas.microsoft.com/office/drawing/2014/main" val="2566326108"/>
-                  </a:ext>
-                </a:extLst>
-              </a:tr>
-              <a:tr h="370840">
-                <a:tc>
-                  <a:txBody>
-                    <a:bodyPr/>
-                    <a:lstStyle/>
-                    <a:p>
-                      <a:pPr marL="285750" indent="-285750">
-                        <a:buFont typeface="Arial" panose="020B0604020202020204" pitchFamily="34" charset="0"/>
-                        <a:buChar char="•"/>
-                      </a:pPr>
-                      <a:r>
-                        <a:rPr lang="en-US" dirty="0" err="1"/>
-                        <a:t>Krankenstand</a:t>
-                      </a:r>
-                      <a:endParaRPr lang="de-DE" dirty="0"/>
-                    </a:p>
-                  </a:txBody>
-                  <a:tcPr/>
-                </a:tc>
-                <a:extLst>
-                  <a:ext uri="{0D108BD9-81ED-4DB2-BD59-A6C34878D82A}">
-                    <a16:rowId xmlns:a16="http://schemas.microsoft.com/office/drawing/2014/main" val="3022136991"/>
-                  </a:ext>
-                </a:extLst>
-              </a:tr>
-              <a:tr h="370840">
-                <a:tc>
-                  <a:txBody>
-                    <a:bodyPr/>
-                    <a:lstStyle/>
-                    <a:p>
-                      <a:pPr marL="285750" indent="-285750">
-                        <a:buFont typeface="Arial" panose="020B0604020202020204" pitchFamily="34" charset="0"/>
-                        <a:buChar char="•"/>
-                      </a:pPr>
-                      <a:r>
-                        <a:rPr lang="en-US" dirty="0" err="1"/>
-                        <a:t>Erweiterung</a:t>
-                      </a:r>
-                      <a:r>
-                        <a:rPr lang="en-US" dirty="0"/>
-                        <a:t> von </a:t>
-                      </a:r>
-                      <a:r>
-                        <a:rPr lang="en-US" dirty="0" err="1"/>
-                        <a:t>Komponenten</a:t>
-                      </a:r>
-                      <a:r>
-                        <a:rPr lang="en-US" dirty="0"/>
-                        <a:t> in </a:t>
-                      </a:r>
-                      <a:r>
-                        <a:rPr lang="en-US" dirty="0" err="1"/>
-                        <a:t>neuen</a:t>
-                      </a:r>
-                      <a:r>
-                        <a:rPr lang="en-US" dirty="0"/>
-                        <a:t> Sprints</a:t>
-                      </a:r>
-                      <a:endParaRPr lang="de-DE" dirty="0"/>
-                    </a:p>
-                  </a:txBody>
-                  <a:tcPr/>
-                </a:tc>
-                <a:extLst>
-                  <a:ext uri="{0D108BD9-81ED-4DB2-BD59-A6C34878D82A}">
-                    <a16:rowId xmlns:a16="http://schemas.microsoft.com/office/drawing/2014/main" val="697194822"/>
-                  </a:ext>
-                </a:extLst>
-              </a:tr>
-              <a:tr h="370840">
-                <a:tc>
-                  <a:txBody>
-                    <a:bodyPr/>
-                    <a:lstStyle/>
-                    <a:p>
-                      <a:pPr marL="285750" indent="-285750">
-                        <a:buFont typeface="Arial" panose="020B0604020202020204" pitchFamily="34" charset="0"/>
-                        <a:buChar char="•"/>
-                      </a:pPr>
-                      <a:r>
-                        <a:rPr lang="en-US" dirty="0" err="1"/>
-                        <a:t>Unerwartete</a:t>
-                      </a:r>
-                      <a:r>
-                        <a:rPr lang="en-US" dirty="0"/>
-                        <a:t> </a:t>
-                      </a:r>
-                      <a:r>
-                        <a:rPr lang="en-US" dirty="0" err="1"/>
-                        <a:t>Anforderung</a:t>
-                      </a:r>
-                      <a:endParaRPr lang="de-DE" dirty="0"/>
-                    </a:p>
-                  </a:txBody>
-                  <a:tcPr/>
-                </a:tc>
-                <a:extLst>
-                  <a:ext uri="{0D108BD9-81ED-4DB2-BD59-A6C34878D82A}">
-                    <a16:rowId xmlns:a16="http://schemas.microsoft.com/office/drawing/2014/main" val="2852342383"/>
-                  </a:ext>
-                </a:extLst>
-              </a:tr>
-            </a:tbl>
-          </a:graphicData>
-        </a:graphic>
-      </p:graphicFrame>
-    </p:spTree>
-    <p:extLst>
-      <p:ext uri="{BB962C8B-B14F-4D97-AF65-F5344CB8AC3E}">
-        <p14:creationId xmlns:p14="http://schemas.microsoft.com/office/powerpoint/2010/main" val="2707545520"/>
-      </p:ext>
-    </p:extLst>
-  </p:cSld>
-  <p:clrMapOvr>
-    <a:masterClrMapping/>
-  </p:clrMapOvr>
-</p:sld>
-</file>
-
-<file path=ppt/slides/slide9.xml><?xml version="1.0" encoding="utf-8"?>
-<p:sld xmlns:a="http://schemas.openxmlformats.org/drawingml/2006/main" xmlns:r="http://schemas.openxmlformats.org/officeDocument/2006/relationships" xmlns:p="http://schemas.openxmlformats.org/presentationml/2006/main">
-  <p:cSld>
-    <p:spTree>
-      <p:nvGrpSpPr>
-        <p:cNvPr id="1" name=""/>
-        <p:cNvGrpSpPr/>
-        <p:nvPr/>
-      </p:nvGrpSpPr>
-      <p:grpSpPr>
-        <a:xfrm>
-          <a:off x="0" y="0"/>
-          <a:ext cx="0" cy="0"/>
-          <a:chOff x="0" y="0"/>
-          <a:chExt cx="0" cy="0"/>
-        </a:xfrm>
-      </p:grpSpPr>
-      <p:sp>
-        <p:nvSpPr>
-          <p:cNvPr id="2" name="Titel 1">
-            <a:extLst>
-              <a:ext uri="{FF2B5EF4-FFF2-40B4-BE49-F238E27FC236}">
-                <a16:creationId xmlns:a16="http://schemas.microsoft.com/office/drawing/2014/main" id="{651425FB-1700-5FE9-1141-F138831F1084}"/>
-              </a:ext>
-            </a:extLst>
-          </p:cNvPr>
-          <p:cNvSpPr>
-            <a:spLocks noGrp="1"/>
-          </p:cNvSpPr>
-          <p:nvPr>
-            <p:ph type="title"/>
-          </p:nvPr>
-        </p:nvSpPr>
-        <p:spPr/>
-        <p:txBody>
-          <a:bodyPr/>
-          <a:lstStyle/>
-          <a:p>
-            <a:endParaRPr lang="de-DE"/>
-          </a:p>
-        </p:txBody>
-      </p:sp>
-      <p:sp>
-        <p:nvSpPr>
-          <p:cNvPr id="3" name="Textplatzhalter 2">
-            <a:extLst>
-              <a:ext uri="{FF2B5EF4-FFF2-40B4-BE49-F238E27FC236}">
-                <a16:creationId xmlns:a16="http://schemas.microsoft.com/office/drawing/2014/main" id="{BDE796BA-3961-EA71-B5E9-85DB77328D3C}"/>
-              </a:ext>
-            </a:extLst>
-          </p:cNvPr>
-          <p:cNvSpPr>
-            <a:spLocks noGrp="1"/>
-          </p:cNvSpPr>
-          <p:nvPr>
-            <p:ph type="body" idx="1"/>
-          </p:nvPr>
-        </p:nvSpPr>
-        <p:spPr/>
-        <p:txBody>
-          <a:bodyPr/>
-          <a:lstStyle/>
-          <a:p>
-            <a:endParaRPr lang="de-DE"/>
-          </a:p>
-        </p:txBody>
-      </p:sp>
-      <p:sp>
-        <p:nvSpPr>
-          <p:cNvPr id="4" name="Inhaltsplatzhalter 3">
-            <a:extLst>
-              <a:ext uri="{FF2B5EF4-FFF2-40B4-BE49-F238E27FC236}">
-                <a16:creationId xmlns:a16="http://schemas.microsoft.com/office/drawing/2014/main" id="{78371710-CFF8-A180-2B90-F3860EA9C4A2}"/>
-              </a:ext>
-            </a:extLst>
-          </p:cNvPr>
-          <p:cNvSpPr>
-            <a:spLocks noGrp="1"/>
-          </p:cNvSpPr>
-          <p:nvPr>
-            <p:ph sz="half" idx="2"/>
-          </p:nvPr>
-        </p:nvSpPr>
-        <p:spPr/>
-        <p:txBody>
-          <a:bodyPr/>
-          <a:lstStyle/>
-          <a:p>
-            <a:endParaRPr lang="de-DE"/>
-          </a:p>
-        </p:txBody>
-      </p:sp>
-      <p:sp>
-        <p:nvSpPr>
-          <p:cNvPr id="5" name="Textplatzhalter 4">
-            <a:extLst>
-              <a:ext uri="{FF2B5EF4-FFF2-40B4-BE49-F238E27FC236}">
-                <a16:creationId xmlns:a16="http://schemas.microsoft.com/office/drawing/2014/main" id="{34B820E1-A5F8-8DAD-4358-C345FDE5D7FB}"/>
-              </a:ext>
-            </a:extLst>
-          </p:cNvPr>
-          <p:cNvSpPr>
-            <a:spLocks noGrp="1"/>
-          </p:cNvSpPr>
-          <p:nvPr>
-            <p:ph type="body" sz="quarter" idx="3"/>
-          </p:nvPr>
-        </p:nvSpPr>
-        <p:spPr/>
-        <p:txBody>
-          <a:bodyPr/>
-          <a:lstStyle/>
-          <a:p>
-            <a:endParaRPr lang="de-DE"/>
-          </a:p>
-        </p:txBody>
-      </p:sp>
-      <p:sp>
-        <p:nvSpPr>
-          <p:cNvPr id="6" name="Inhaltsplatzhalter 5">
-            <a:extLst>
-              <a:ext uri="{FF2B5EF4-FFF2-40B4-BE49-F238E27FC236}">
-                <a16:creationId xmlns:a16="http://schemas.microsoft.com/office/drawing/2014/main" id="{EAF19417-CC90-0C0E-185E-3553371EB672}"/>
-              </a:ext>
-            </a:extLst>
-          </p:cNvPr>
-          <p:cNvSpPr>
-            <a:spLocks noGrp="1"/>
-          </p:cNvSpPr>
-          <p:nvPr>
-            <p:ph sz="quarter" idx="4"/>
-          </p:nvPr>
-        </p:nvSpPr>
-        <p:spPr/>
-        <p:txBody>
-          <a:bodyPr/>
-          <a:lstStyle/>
-          <a:p>
-            <a:endParaRPr lang="de-DE"/>
-          </a:p>
-        </p:txBody>
-      </p:sp>
-      <p:sp>
-        <p:nvSpPr>
-          <p:cNvPr id="7" name="Datumsplatzhalter 6">
-            <a:extLst>
-              <a:ext uri="{FF2B5EF4-FFF2-40B4-BE49-F238E27FC236}">
-                <a16:creationId xmlns:a16="http://schemas.microsoft.com/office/drawing/2014/main" id="{E60F87F6-0583-6FAD-E3FE-3F92D0E4D9A1}"/>
-              </a:ext>
-            </a:extLst>
-          </p:cNvPr>
-          <p:cNvSpPr>
-            <a:spLocks noGrp="1"/>
-          </p:cNvSpPr>
-          <p:nvPr>
-            <p:ph type="dt" sz="half" idx="10"/>
-          </p:nvPr>
-        </p:nvSpPr>
-        <p:spPr/>
-        <p:txBody>
-          <a:bodyPr/>
-          <a:lstStyle/>
-          <a:p>
-            <a:fld id="{75919FF8-1369-4F22-8739-0971D22D8076}" type="datetime1">
-              <a:rPr lang="de-DE" smtClean="0"/>
-              <a:t>11.01.2025</a:t>
-            </a:fld>
-            <a:endParaRPr lang="en-US"/>
-          </a:p>
-        </p:txBody>
-      </p:sp>
-      <p:sp>
-        <p:nvSpPr>
-          <p:cNvPr id="8" name="Foliennummernplatzhalter 7">
-            <a:extLst>
-              <a:ext uri="{FF2B5EF4-FFF2-40B4-BE49-F238E27FC236}">
-                <a16:creationId xmlns:a16="http://schemas.microsoft.com/office/drawing/2014/main" id="{BB911ABD-38C2-6694-E95F-5E7DF61FE62A}"/>
-              </a:ext>
-            </a:extLst>
-          </p:cNvPr>
-          <p:cNvSpPr>
-            <a:spLocks noGrp="1"/>
-          </p:cNvSpPr>
-          <p:nvPr>
-            <p:ph type="sldNum" sz="quarter" idx="12"/>
-          </p:nvPr>
-        </p:nvSpPr>
-        <p:spPr/>
-        <p:txBody>
-          <a:bodyPr/>
-          <a:lstStyle/>
-          <a:p>
-            <a:fld id="{07CE569E-9B7C-4CB9-AB80-C0841F922CFF}" type="slidenum">
-              <a:rPr lang="en-US" smtClean="0"/>
-              <a:t>9</a:t>
-            </a:fld>
-            <a:endParaRPr lang="en-US"/>
-          </a:p>
-        </p:txBody>
-      </p:sp>
-    </p:spTree>
-    <p:extLst>
-      <p:ext uri="{BB962C8B-B14F-4D97-AF65-F5344CB8AC3E}">
-        <p14:creationId xmlns:p14="http://schemas.microsoft.com/office/powerpoint/2010/main" val="1905043144"/>
       </p:ext>
     </p:extLst>
   </p:cSld>
